--- a/Clase 10_Regresion/C10_Metodos Supervisados I_Regresion lineal.pptx
+++ b/Clase 10_Regresion/C10_Metodos Supervisados I_Regresion lineal.pptx
@@ -5,7 +5,7 @@
     <p:sldMasterId id="2147483648" r:id="rId1"/>
   </p:sldMasterIdLst>
   <p:notesMasterIdLst>
-    <p:notesMasterId r:id="rId49"/>
+    <p:notesMasterId r:id="rId51"/>
   </p:notesMasterIdLst>
   <p:sldIdLst>
     <p:sldId id="256" r:id="rId2"/>
@@ -18,43 +18,45 @@
     <p:sldId id="409" r:id="rId9"/>
     <p:sldId id="292" r:id="rId10"/>
     <p:sldId id="293" r:id="rId11"/>
-    <p:sldId id="441" r:id="rId12"/>
-    <p:sldId id="424" r:id="rId13"/>
-    <p:sldId id="518" r:id="rId14"/>
-    <p:sldId id="411" r:id="rId15"/>
-    <p:sldId id="412" r:id="rId16"/>
-    <p:sldId id="410" r:id="rId17"/>
-    <p:sldId id="294" r:id="rId18"/>
-    <p:sldId id="414" r:id="rId19"/>
-    <p:sldId id="413" r:id="rId20"/>
-    <p:sldId id="296" r:id="rId21"/>
-    <p:sldId id="519" r:id="rId22"/>
-    <p:sldId id="520" r:id="rId23"/>
-    <p:sldId id="521" r:id="rId24"/>
-    <p:sldId id="523" r:id="rId25"/>
-    <p:sldId id="303" r:id="rId26"/>
-    <p:sldId id="438" r:id="rId27"/>
-    <p:sldId id="440" r:id="rId28"/>
-    <p:sldId id="418" r:id="rId29"/>
-    <p:sldId id="419" r:id="rId30"/>
-    <p:sldId id="425" r:id="rId31"/>
-    <p:sldId id="420" r:id="rId32"/>
-    <p:sldId id="423" r:id="rId33"/>
-    <p:sldId id="426" r:id="rId34"/>
-    <p:sldId id="427" r:id="rId35"/>
-    <p:sldId id="428" r:id="rId36"/>
-    <p:sldId id="429" r:id="rId37"/>
-    <p:sldId id="430" r:id="rId38"/>
-    <p:sldId id="431" r:id="rId39"/>
-    <p:sldId id="432" r:id="rId40"/>
-    <p:sldId id="433" r:id="rId41"/>
-    <p:sldId id="435" r:id="rId42"/>
-    <p:sldId id="434" r:id="rId43"/>
-    <p:sldId id="436" r:id="rId44"/>
-    <p:sldId id="337" r:id="rId45"/>
-    <p:sldId id="314" r:id="rId46"/>
-    <p:sldId id="437" r:id="rId47"/>
-    <p:sldId id="444" r:id="rId48"/>
+    <p:sldId id="525" r:id="rId12"/>
+    <p:sldId id="441" r:id="rId13"/>
+    <p:sldId id="524" r:id="rId14"/>
+    <p:sldId id="424" r:id="rId15"/>
+    <p:sldId id="518" r:id="rId16"/>
+    <p:sldId id="411" r:id="rId17"/>
+    <p:sldId id="412" r:id="rId18"/>
+    <p:sldId id="410" r:id="rId19"/>
+    <p:sldId id="294" r:id="rId20"/>
+    <p:sldId id="414" r:id="rId21"/>
+    <p:sldId id="413" r:id="rId22"/>
+    <p:sldId id="296" r:id="rId23"/>
+    <p:sldId id="519" r:id="rId24"/>
+    <p:sldId id="520" r:id="rId25"/>
+    <p:sldId id="521" r:id="rId26"/>
+    <p:sldId id="523" r:id="rId27"/>
+    <p:sldId id="303" r:id="rId28"/>
+    <p:sldId id="438" r:id="rId29"/>
+    <p:sldId id="440" r:id="rId30"/>
+    <p:sldId id="418" r:id="rId31"/>
+    <p:sldId id="419" r:id="rId32"/>
+    <p:sldId id="425" r:id="rId33"/>
+    <p:sldId id="420" r:id="rId34"/>
+    <p:sldId id="423" r:id="rId35"/>
+    <p:sldId id="426" r:id="rId36"/>
+    <p:sldId id="427" r:id="rId37"/>
+    <p:sldId id="428" r:id="rId38"/>
+    <p:sldId id="429" r:id="rId39"/>
+    <p:sldId id="430" r:id="rId40"/>
+    <p:sldId id="431" r:id="rId41"/>
+    <p:sldId id="432" r:id="rId42"/>
+    <p:sldId id="433" r:id="rId43"/>
+    <p:sldId id="435" r:id="rId44"/>
+    <p:sldId id="434" r:id="rId45"/>
+    <p:sldId id="436" r:id="rId46"/>
+    <p:sldId id="337" r:id="rId47"/>
+    <p:sldId id="314" r:id="rId48"/>
+    <p:sldId id="437" r:id="rId49"/>
+    <p:sldId id="444" r:id="rId50"/>
   </p:sldIdLst>
   <p:sldSz cx="12192000" cy="6858000"/>
   <p:notesSz cx="6858000" cy="9144000"/>
@@ -176,7 +178,9 @@
           <p14:sldIdLst>
             <p14:sldId id="292"/>
             <p14:sldId id="293"/>
+            <p14:sldId id="525"/>
             <p14:sldId id="441"/>
+            <p14:sldId id="524"/>
             <p14:sldId id="424"/>
             <p14:sldId id="518"/>
           </p14:sldIdLst>
@@ -3944,6 +3948,843 @@
 </dgm:styleDef>
 </file>
 
+<file path=ppt/ink/ink1.xml><?xml version="1.0" encoding="utf-8"?>
+<inkml:ink xmlns:inkml="http://www.w3.org/2003/InkML">
+  <inkml:definitions>
+    <inkml:context xml:id="ctx0">
+      <inkml:inkSource xml:id="inkSrc0">
+        <inkml:traceFormat>
+          <inkml:channel name="X" type="integer" min="-2.14748E9" max="2.14748E9" units="cm"/>
+          <inkml:channel name="Y" type="integer" min="-2.14748E9" max="2.14748E9" units="cm"/>
+          <inkml:channel name="F" type="integer" max="32767" units="dev"/>
+        </inkml:traceFormat>
+        <inkml:channelProperties>
+          <inkml:channelProperty channel="X" name="resolution" value="1000" units="1/cm"/>
+          <inkml:channelProperty channel="Y" name="resolution" value="1000" units="1/cm"/>
+          <inkml:channelProperty channel="F" name="resolution" value="0" units="1/dev"/>
+        </inkml:channelProperties>
+      </inkml:inkSource>
+      <inkml:timestamp xml:id="ts0" timeString="2025-04-15T20:45:44.496"/>
+    </inkml:context>
+    <inkml:brush xml:id="br0">
+      <inkml:brushProperty name="width" value="0.035" units="cm"/>
+      <inkml:brushProperty name="height" value="0.035" units="cm"/>
+    </inkml:brush>
+  </inkml:definitions>
+  <inkml:trace contextRef="#ctx0" brushRef="#br0">0 0 24575,'1'0'0,"21"0"0,28 0 0,38 0 0,-34 0 0,3 0 0,0 0 0,0 0 0,-3 0 0,-2 0 0,37 0 0,-20 0 0,-17 0 0,-18 0 0,-15 0 0,-6 0 0,-4 0 0,0 0 0,0 0 0,-1 0 0,0 0 0,0 0 0,1 0 0,3 0 0,-1 0 0,3 0 0,0 0 0,-1 0 0,4 0 0,2 0 0,3 0 0,-1 0 0,-4 0 0,-6 2 0,-9 0 0,-1 0 0,-3 0 0</inkml:trace>
+</inkml:ink>
+</file>
+
+<file path=ppt/ink/ink10.xml><?xml version="1.0" encoding="utf-8"?>
+<inkml:ink xmlns:inkml="http://www.w3.org/2003/InkML">
+  <inkml:definitions>
+    <inkml:context xml:id="ctx0">
+      <inkml:inkSource xml:id="inkSrc0">
+        <inkml:traceFormat>
+          <inkml:channel name="X" type="integer" min="-2.14748E9" max="2.14748E9" units="cm"/>
+          <inkml:channel name="Y" type="integer" min="-2.14748E9" max="2.14748E9" units="cm"/>
+          <inkml:channel name="F" type="integer" max="32767" units="dev"/>
+        </inkml:traceFormat>
+        <inkml:channelProperties>
+          <inkml:channelProperty channel="X" name="resolution" value="1000" units="1/cm"/>
+          <inkml:channelProperty channel="Y" name="resolution" value="1000" units="1/cm"/>
+          <inkml:channelProperty channel="F" name="resolution" value="0" units="1/dev"/>
+        </inkml:channelProperties>
+      </inkml:inkSource>
+      <inkml:timestamp xml:id="ts0" timeString="2025-04-15T20:43:53.497"/>
+    </inkml:context>
+    <inkml:brush xml:id="br0">
+      <inkml:brushProperty name="width" value="0.035" units="cm"/>
+      <inkml:brushProperty name="height" value="0.035" units="cm"/>
+    </inkml:brush>
+  </inkml:definitions>
+  <inkml:trace contextRef="#ctx0" brushRef="#br0">140 405 24575,'0'-2'0,"0"5"0,0 8 0,0 15 0,0 14 0,0 13 0,0 7 0,0-3 0,0-12 0,0-13 0,0-20 0,0-16 0,-3-18 0,-4-12 0,-5-7 0,-4-6 0,-3 2 0,2-1 0,1 2 0,3 3 0,2-4 0,0 2 0,4-2 0,2 1 0,3 5 0,2 3 0,-1 3 0,1 3 0,5-1 0,7 3 0,5 6 0,4 8 0,1 8 0,-1 5 0,7 1 0,6 3 0,6 4 0,5 2 0,-3 4 0,-3-2 0,-5 0 0,1 2 0,-2-2 0,-1 0 0,-2-3 0,-6-3 0,-3-2 0,-10-1 0,-5-2 0</inkml:trace>
+</inkml:ink>
+</file>
+
+<file path=ppt/ink/ink11.xml><?xml version="1.0" encoding="utf-8"?>
+<inkml:ink xmlns:inkml="http://www.w3.org/2003/InkML">
+  <inkml:definitions>
+    <inkml:context xml:id="ctx0">
+      <inkml:inkSource xml:id="inkSrc0">
+        <inkml:traceFormat>
+          <inkml:channel name="X" type="integer" min="-2.14748E9" max="2.14748E9" units="cm"/>
+          <inkml:channel name="Y" type="integer" min="-2.14748E9" max="2.14748E9" units="cm"/>
+          <inkml:channel name="F" type="integer" max="32767" units="dev"/>
+        </inkml:traceFormat>
+        <inkml:channelProperties>
+          <inkml:channelProperty channel="X" name="resolution" value="1000" units="1/cm"/>
+          <inkml:channelProperty channel="Y" name="resolution" value="1000" units="1/cm"/>
+          <inkml:channelProperty channel="F" name="resolution" value="0" units="1/dev"/>
+        </inkml:channelProperties>
+      </inkml:inkSource>
+      <inkml:timestamp xml:id="ts0" timeString="2025-04-15T20:43:53.991"/>
+    </inkml:context>
+    <inkml:brush xml:id="br0">
+      <inkml:brushProperty name="width" value="0.035" units="cm"/>
+      <inkml:brushProperty name="height" value="0.035" units="cm"/>
+    </inkml:brush>
+  </inkml:definitions>
+  <inkml:trace contextRef="#ctx0" brushRef="#br0">0 0 24575,'0'0'0</inkml:trace>
+</inkml:ink>
+</file>
+
+<file path=ppt/ink/ink12.xml><?xml version="1.0" encoding="utf-8"?>
+<inkml:ink xmlns:inkml="http://www.w3.org/2003/InkML">
+  <inkml:definitions>
+    <inkml:context xml:id="ctx0">
+      <inkml:inkSource xml:id="inkSrc0">
+        <inkml:traceFormat>
+          <inkml:channel name="X" type="integer" min="-2.14748E9" max="2.14748E9" units="cm"/>
+          <inkml:channel name="Y" type="integer" min="-2.14748E9" max="2.14748E9" units="cm"/>
+          <inkml:channel name="F" type="integer" max="32767" units="dev"/>
+        </inkml:traceFormat>
+        <inkml:channelProperties>
+          <inkml:channelProperty channel="X" name="resolution" value="1000" units="1/cm"/>
+          <inkml:channelProperty channel="Y" name="resolution" value="1000" units="1/cm"/>
+          <inkml:channelProperty channel="F" name="resolution" value="0" units="1/dev"/>
+        </inkml:channelProperties>
+      </inkml:inkSource>
+      <inkml:timestamp xml:id="ts0" timeString="2025-04-15T20:43:55.271"/>
+    </inkml:context>
+    <inkml:brush xml:id="br0">
+      <inkml:brushProperty name="width" value="0.035" units="cm"/>
+      <inkml:brushProperty name="height" value="0.035" units="cm"/>
+    </inkml:brush>
+  </inkml:definitions>
+  <inkml:trace contextRef="#ctx0" brushRef="#br0">0 1 24575,'12'0'0,"7"0"0,11 0 0,6 0 0,-1 0 0,-7 0 0,-12 0 0,-7 0 0</inkml:trace>
+</inkml:ink>
+</file>
+
+<file path=ppt/ink/ink13.xml><?xml version="1.0" encoding="utf-8"?>
+<inkml:ink xmlns:inkml="http://www.w3.org/2003/InkML">
+  <inkml:definitions>
+    <inkml:context xml:id="ctx0">
+      <inkml:inkSource xml:id="inkSrc0">
+        <inkml:traceFormat>
+          <inkml:channel name="X" type="integer" min="-2.14748E9" max="2.14748E9" units="cm"/>
+          <inkml:channel name="Y" type="integer" min="-2.14748E9" max="2.14748E9" units="cm"/>
+          <inkml:channel name="F" type="integer" max="32767" units="dev"/>
+        </inkml:traceFormat>
+        <inkml:channelProperties>
+          <inkml:channelProperty channel="X" name="resolution" value="1000" units="1/cm"/>
+          <inkml:channelProperty channel="Y" name="resolution" value="1000" units="1/cm"/>
+          <inkml:channelProperty channel="F" name="resolution" value="0" units="1/dev"/>
+        </inkml:channelProperties>
+      </inkml:inkSource>
+      <inkml:timestamp xml:id="ts0" timeString="2025-04-15T20:43:56.859"/>
+    </inkml:context>
+    <inkml:brush xml:id="br0">
+      <inkml:brushProperty name="width" value="0.035" units="cm"/>
+      <inkml:brushProperty name="height" value="0.035" units="cm"/>
+    </inkml:brush>
+  </inkml:definitions>
+  <inkml:trace contextRef="#ctx0" brushRef="#br0">1 0 24575,'9'0'0,"2"0"0,3 0 0,-1 0 0,1 0 0,-3 0 0,1 0 0,4 0 0,3 0 0,3 0 0,0 0 0,-2 2 0,-1 0 0,-3 1 0,-2-1 0,-4-2 0,-1 0 0,1 0 0,1 1 0,0 1 0,-3 2 0,-3 1 0,-3-1 0,-2-2 0</inkml:trace>
+</inkml:ink>
+</file>
+
+<file path=ppt/ink/ink14.xml><?xml version="1.0" encoding="utf-8"?>
+<inkml:ink xmlns:inkml="http://www.w3.org/2003/InkML">
+  <inkml:definitions>
+    <inkml:context xml:id="ctx0">
+      <inkml:inkSource xml:id="inkSrc0">
+        <inkml:traceFormat>
+          <inkml:channel name="X" type="integer" min="-2.14748E9" max="2.14748E9" units="cm"/>
+          <inkml:channel name="Y" type="integer" min="-2.14748E9" max="2.14748E9" units="cm"/>
+          <inkml:channel name="F" type="integer" max="32767" units="dev"/>
+        </inkml:traceFormat>
+        <inkml:channelProperties>
+          <inkml:channelProperty channel="X" name="resolution" value="1000" units="1/cm"/>
+          <inkml:channelProperty channel="Y" name="resolution" value="1000" units="1/cm"/>
+          <inkml:channelProperty channel="F" name="resolution" value="0" units="1/dev"/>
+        </inkml:channelProperties>
+      </inkml:inkSource>
+      <inkml:timestamp xml:id="ts0" timeString="2025-04-15T20:44:27.709"/>
+    </inkml:context>
+    <inkml:brush xml:id="br0">
+      <inkml:brushProperty name="width" value="0.035" units="cm"/>
+      <inkml:brushProperty name="height" value="0.035" units="cm"/>
+    </inkml:brush>
+  </inkml:definitions>
+  <inkml:trace contextRef="#ctx0" brushRef="#br0">1 8 24575,'14'-3'0,"54"0"0,15 2 0,17 1-1818,-24 0 0,6 0 0,6 0 1,2 0 1817,1 0 0,4 0 0,2 0 0,4 0 0,1 0-502,-20 0 0,2 0 0,2 0 0,1 0 1,1 0-1,0 0 0,0 0 502,6 0 0,0 0 0,2 0 0,0 0 0,0 0 0,0 0 0,0 0 0,-2 0 0,1 0 0,-1 0 0,1 0 0,-1 0 0,0 0 0,-1 0 0,-1 0 0,0 0 0,0 0 0,-1 0 0,0 0 0,-2 0 0,-1 0-52,6 0 1,-2 0 0,0 0 0,-2 0 0,-1 0 0,-2 0 51,8 0 0,-3 0 0,0 0 0,-2 0 0,-2 0-282,13 0 0,-2 0 0,-2 0 0,-3 0 282,-15 0 0,-3 0 0,-1 0 0,-3 0 544,14 0 0,-2 0 0,-5 0-544,16 0 0,-7 0 2013,-21 0 1,-6 0-2014,26 0 3410,-33 0-3410,-28 2 591,-16 1 1,-6-1-1,-6-1 1</inkml:trace>
+</inkml:ink>
+</file>
+
+<file path=ppt/ink/ink15.xml><?xml version="1.0" encoding="utf-8"?>
+<inkml:ink xmlns:inkml="http://www.w3.org/2003/InkML">
+  <inkml:definitions>
+    <inkml:context xml:id="ctx0">
+      <inkml:inkSource xml:id="inkSrc0">
+        <inkml:traceFormat>
+          <inkml:channel name="X" type="integer" min="-2.14748E9" max="2.14748E9" units="cm"/>
+          <inkml:channel name="Y" type="integer" min="-2.14748E9" max="2.14748E9" units="cm"/>
+          <inkml:channel name="F" type="integer" max="32767" units="dev"/>
+        </inkml:traceFormat>
+        <inkml:channelProperties>
+          <inkml:channelProperty channel="X" name="resolution" value="1000" units="1/cm"/>
+          <inkml:channelProperty channel="Y" name="resolution" value="1000" units="1/cm"/>
+          <inkml:channelProperty channel="F" name="resolution" value="0" units="1/dev"/>
+        </inkml:channelProperties>
+      </inkml:inkSource>
+      <inkml:timestamp xml:id="ts0" timeString="2025-04-15T20:43:32.477"/>
+    </inkml:context>
+    <inkml:brush xml:id="br0">
+      <inkml:brushProperty name="width" value="0.035" units="cm"/>
+      <inkml:brushProperty name="height" value="0.035" units="cm"/>
+    </inkml:brush>
+  </inkml:definitions>
+  <inkml:trace contextRef="#ctx0" brushRef="#br0">1 31 24575,'5'-4'0,"9"2"0,26 1 0,44 1 0,-21 0 0,7 0 0,15 0 0,4 0-670,10 0 1,2 0 669,-32 0 0,1 0 0,0 0 0,0 0 0,-1 0 0,1 0 0,0 0 0,-1 0 0,0 0 0,28 0 0,-1 0-112,-8 0 1,-1 0 111,-1 0 0,-1 0 0,-3 0 0,0 0 0,6 0 0,-1 0 0,2 0 0,-2 0 0,-8 0 0,-2 0 0,0 0 0,-1 0-11,-8 0 1,-2 0 10,1 0 0,-1 0 0,2 0 0,0 0 0,-5 0 0,1 0 491,2 0 0,-1 0-491,-1 1 0,0 1 289,0 1 0,1 1-289,0-1 0,0 1 11,-3 0 1,1 1-12,2-2 0,2 0 0,2-1 0,0 0 0,3-1 0,1 0 0,6-1 0,0 0 0,0 0 0,0 0-322,7 0 0,0 0 322,4 0 0,0 0 0,4 0 0,2 0 0,-30 0 0,1 0 0,0 0-376,3 0 0,1 0 0,1 0 376,3 0 0,0 0 0,1 0 0,2 1 0,0-1 0,0-1 0,2 0 0,0 0 0,-1-1 0,-5-1 0,0 0 0,-2-1 0,-4-1 0,-1 0 0,0 0 0,31-3 0,-1 1-301,-7 1 0,0 2 301,-2 1 0,0 1 0,1 1 0,-1 0 0,-7 1 0,-1 0 0,4 0 0,0 0 0,1 0 0,1 0 0,-2 0 0,-1 0 0,2 0 0,-2 0 0,-5 0 0,0 0 0,0 0 0,2 0 0,3 0 0,2 0 0,0 0 0,1 0 0,1 0 0,0 0 0,-7 0 0,-3 0-68,-4 0 0,0 0 68,-1 0 0,-1 0 0,-2 0 0,-1 0 0,-1 0 0,0 0 292,-2 0 0,1 0-292,-3 0 0,1 0 559,-3 0 0,0 0-559,1 0 0,-1 0 327,-4 0 1,0 0-328,-1 0 0,-1 0 76,0 0 1,0 0-77,3 0 0,1 0 0,3 1 0,0 0 0,1 1 0,0 1 0,2 0 0,0 0 0,-3 2 0,0 0 0,-1 0 0,0-1 0,-1 0 0,-1 1 0,1-1 0,1 0 0,0-1 0,0 1 0,5 0 0,1 1 0,-1-1 0,0 1 0,-1 0 0,-1-1 0,-3 0 0,0-1 0,-2-1 0,0 0 0,1-1 0,1 0 0,-2-1 0,2 0 0,5 0 0,2 0 0,1 0 0,0 0 0,1 0 0,0 0 0,1 0 0,-1 0 0,-4 0 0,0 0 0,-3 0 0,1 0 0,-1 0 0,-1 0 0,0 0 0,-1 0 0,-2 0 0,0 0 0,2 0 0,-1 0 0,-3 1 0,-1 0 0,-1 1 0,-2 0 0,41 1 0,-21-1 0,-19-1 0,-21-1 0,-17 0 0,-13 0 0,-3 0 0,-5 0 0</inkml:trace>
+</inkml:ink>
+</file>
+
+<file path=ppt/ink/ink16.xml><?xml version="1.0" encoding="utf-8"?>
+<inkml:ink xmlns:inkml="http://www.w3.org/2003/InkML">
+  <inkml:definitions>
+    <inkml:context xml:id="ctx0">
+      <inkml:inkSource xml:id="inkSrc0">
+        <inkml:traceFormat>
+          <inkml:channel name="X" type="integer" min="-2.14748E9" max="2.14748E9" units="cm"/>
+          <inkml:channel name="Y" type="integer" min="-2.14748E9" max="2.14748E9" units="cm"/>
+          <inkml:channel name="F" type="integer" max="32767" units="dev"/>
+        </inkml:traceFormat>
+        <inkml:channelProperties>
+          <inkml:channelProperty channel="X" name="resolution" value="1000" units="1/cm"/>
+          <inkml:channelProperty channel="Y" name="resolution" value="1000" units="1/cm"/>
+          <inkml:channelProperty channel="F" name="resolution" value="0" units="1/dev"/>
+        </inkml:channelProperties>
+      </inkml:inkSource>
+      <inkml:timestamp xml:id="ts0" timeString="2025-04-15T20:43:35.187"/>
+    </inkml:context>
+    <inkml:brush xml:id="br0">
+      <inkml:brushProperty name="width" value="0.035" units="cm"/>
+      <inkml:brushProperty name="height" value="0.035" units="cm"/>
+    </inkml:brush>
+  </inkml:definitions>
+  <inkml:trace contextRef="#ctx0" brushRef="#br0">1 1 24575,'0'7'0,"0"4"0,0 4 0,0 4 0,0 1 0,0 3 0,0 7 0,0 10 0,0 9 0,0 13 0,0 13 0,0 20 0,0-39 0,0 2 0,0 7 0,1 3 0,0 7 0,1 4-463,2 8 1,1 4 462,0-24 0,0 2 0,1 1 0,1 4 0,0 2 0,1 0 0,0 4 0,1 2 0,0-2 0,1-4 0,0 0 0,0-2 0,-1-5 0,0 0 0,1-2 0,4 26 0,0-3-187,-2-12 1,1-2 186,-1 3 0,2 1 0,1 3 0,1 1 0,3 7 0,1 3-484,-5-21 1,1 2-1,0 1 484,1 3 0,0 2 0,0 0 0,0 5 0,1 0 0,0 1 0,0 0 0,0-1 0,0 1 0,-2-5 0,1 0 0,-1 5 0,-1-1 0,1 6 0,0 1 0,-2-5 0,1 6 0,0-5 0,-1 5-482,-1-5 0,0 4 1,-1 0-1,0-5 482,-1 5 0,0-5 0,-1 0 0,-1 1 0,1 1 0,0-1-194,-1 0 0,0 0 0,-1 0 194,1-3 0,-1 0 0,-1-1 0,0-5 0,-1 0 0,0-1 0,-1-2 0,0 0 0,0-1-152,-1-4 1,1-1-1,-1 0 152,-1-1 0,1 1 0,-1 0 0,1 1 0,0 1 0,-1 1 0,0 3 0,0 0 0,-1 2 0,1 3 0,0 2 0,-1-1 0,1-4 0,0-1 0,0 0 0,-1-3 0,-1-1 0,0-2 0,1 24 0,0-5 594,-2-12 1,0-4-595,0-10 0,0-4 1946,0 28-1946,0-19 1563,0-15-1563,0-5 990,0 1-990,0-4 25,2-7-25,0-4 0,0-8 0,2-4 0,-1-1 0,1-2 0,2-2 0,-1-1 0,1-3 0,-2-8 0,-1-8 0,-2 0 0,-1-5 0</inkml:trace>
+</inkml:ink>
+</file>
+
+<file path=ppt/ink/ink17.xml><?xml version="1.0" encoding="utf-8"?>
+<inkml:ink xmlns:inkml="http://www.w3.org/2003/InkML">
+  <inkml:definitions>
+    <inkml:context xml:id="ctx0">
+      <inkml:inkSource xml:id="inkSrc0">
+        <inkml:traceFormat>
+          <inkml:channel name="X" type="integer" min="-2.14748E9" max="2.14748E9" units="cm"/>
+          <inkml:channel name="Y" type="integer" min="-2.14748E9" max="2.14748E9" units="cm"/>
+          <inkml:channel name="F" type="integer" max="32767" units="dev"/>
+        </inkml:traceFormat>
+        <inkml:channelProperties>
+          <inkml:channelProperty channel="X" name="resolution" value="1000" units="1/cm"/>
+          <inkml:channelProperty channel="Y" name="resolution" value="1000" units="1/cm"/>
+          <inkml:channelProperty channel="F" name="resolution" value="0" units="1/dev"/>
+        </inkml:channelProperties>
+      </inkml:inkSource>
+      <inkml:timestamp xml:id="ts0" timeString="2025-04-15T20:43:43.080"/>
+    </inkml:context>
+    <inkml:brush xml:id="br0">
+      <inkml:brushProperty name="width" value="0.035" units="cm"/>
+      <inkml:brushProperty name="height" value="0.035" units="cm"/>
+    </inkml:brush>
+  </inkml:definitions>
+  <inkml:trace contextRef="#ctx0" brushRef="#br0">5 0 24575,'-4'2'0,"9"16"0,19 29 0,22 28 0,-15-25 0,1 2 0,1 2 0,0-1 0,-6-6 0,-1-2 0,17 38 0,-10-18 0,-10-16 0,-3-8 0,-9-12 0,-5-9 0,-2-3 0,1-5 0,3 3 0,5 8 0,4 8 0,4 5 0,-1-5 0,-1-5 0,-8-13 0,-5-5 0</inkml:trace>
+</inkml:ink>
+</file>
+
+<file path=ppt/ink/ink18.xml><?xml version="1.0" encoding="utf-8"?>
+<inkml:ink xmlns:inkml="http://www.w3.org/2003/InkML">
+  <inkml:definitions>
+    <inkml:context xml:id="ctx0">
+      <inkml:inkSource xml:id="inkSrc0">
+        <inkml:traceFormat>
+          <inkml:channel name="X" type="integer" min="-2.14748E9" max="2.14748E9" units="cm"/>
+          <inkml:channel name="Y" type="integer" min="-2.14748E9" max="2.14748E9" units="cm"/>
+          <inkml:channel name="F" type="integer" max="32767" units="dev"/>
+        </inkml:traceFormat>
+        <inkml:channelProperties>
+          <inkml:channelProperty channel="X" name="resolution" value="1000" units="1/cm"/>
+          <inkml:channelProperty channel="Y" name="resolution" value="1000" units="1/cm"/>
+          <inkml:channelProperty channel="F" name="resolution" value="0" units="1/dev"/>
+        </inkml:channelProperties>
+      </inkml:inkSource>
+      <inkml:timestamp xml:id="ts0" timeString="2025-04-15T20:43:44.014"/>
+    </inkml:context>
+    <inkml:brush xml:id="br0">
+      <inkml:brushProperty name="width" value="0.035" units="cm"/>
+      <inkml:brushProperty name="height" value="0.035" units="cm"/>
+    </inkml:brush>
+  </inkml:definitions>
+  <inkml:trace contextRef="#ctx0" brushRef="#br0">1235 1 24575,'-43'17'0,"-40"24"0,20-8 0,-5 6-978,-14 11 0,-2 6 978,27-17 0,-1 2 0,1 1 0,0 0 0,0 2 0,3-1 0,-14 13 0,4-2 315,9-9 0,5-3-315,-20 21 324,25-20-324,6-7 0,17-15 0,7-6 1002,2-6-1002,3-2 0,0-1 0,4-2 0,3-2 0,1 0 0</inkml:trace>
+</inkml:ink>
+</file>
+
+<file path=ppt/ink/ink19.xml><?xml version="1.0" encoding="utf-8"?>
+<inkml:ink xmlns:inkml="http://www.w3.org/2003/InkML">
+  <inkml:definitions>
+    <inkml:context xml:id="ctx0">
+      <inkml:inkSource xml:id="inkSrc0">
+        <inkml:traceFormat>
+          <inkml:channel name="X" type="integer" min="-2.14748E9" max="2.14748E9" units="cm"/>
+          <inkml:channel name="Y" type="integer" min="-2.14748E9" max="2.14748E9" units="cm"/>
+          <inkml:channel name="F" type="integer" max="32767" units="dev"/>
+        </inkml:traceFormat>
+        <inkml:channelProperties>
+          <inkml:channelProperty channel="X" name="resolution" value="1000" units="1/cm"/>
+          <inkml:channelProperty channel="Y" name="resolution" value="1000" units="1/cm"/>
+          <inkml:channelProperty channel="F" name="resolution" value="0" units="1/dev"/>
+        </inkml:channelProperties>
+      </inkml:inkSource>
+      <inkml:timestamp xml:id="ts0" timeString="2025-04-15T20:44:30.991"/>
+    </inkml:context>
+    <inkml:brush xml:id="br0">
+      <inkml:brushProperty name="width" value="0.035" units="cm"/>
+      <inkml:brushProperty name="height" value="0.035" units="cm"/>
+    </inkml:brush>
+  </inkml:definitions>
+  <inkml:trace contextRef="#ctx0" brushRef="#br0">0 0 24575,'21'21'0,"4"4"0,12 14 0,5 9 0,1 2 0,8 10 0,1 1 0,3 2 0,-6-3 0,-7-8 0,-5-7 0,-5-6 0,-3-3 0,0-2 0,-3-2 0,-5-6 0,-1-6 0,-4-5 0,-2-3 0,0 0 0,-3-4 0,-1-4 0,-4-3 0,-8-5 0,-4-2 0,-5-3 0,0 1 0,-3-1 0,8 5 0,-2 0 0</inkml:trace>
+</inkml:ink>
+</file>
+
+<file path=ppt/ink/ink2.xml><?xml version="1.0" encoding="utf-8"?>
+<inkml:ink xmlns:inkml="http://www.w3.org/2003/InkML">
+  <inkml:definitions>
+    <inkml:context xml:id="ctx0">
+      <inkml:inkSource xml:id="inkSrc0">
+        <inkml:traceFormat>
+          <inkml:channel name="X" type="integer" min="-2.14748E9" max="2.14748E9" units="cm"/>
+          <inkml:channel name="Y" type="integer" min="-2.14748E9" max="2.14748E9" units="cm"/>
+          <inkml:channel name="F" type="integer" max="32767" units="dev"/>
+        </inkml:traceFormat>
+        <inkml:channelProperties>
+          <inkml:channelProperty channel="X" name="resolution" value="1000" units="1/cm"/>
+          <inkml:channelProperty channel="Y" name="resolution" value="1000" units="1/cm"/>
+          <inkml:channelProperty channel="F" name="resolution" value="0" units="1/dev"/>
+        </inkml:channelProperties>
+      </inkml:inkSource>
+      <inkml:timestamp xml:id="ts0" timeString="2025-04-15T20:43:25.383"/>
+    </inkml:context>
+    <inkml:brush xml:id="br0">
+      <inkml:brushProperty name="width" value="0.035" units="cm"/>
+      <inkml:brushProperty name="height" value="0.035" units="cm"/>
+    </inkml:brush>
+  </inkml:definitions>
+  <inkml:trace contextRef="#ctx0" brushRef="#br0">0 5600 24575,'16'0'0,"19"0"0,34-9 0,-12-8 0,6-7 0,12-8 0,2-7-529,-18 6 1,0-3 0,0-3 528,3-5 0,0-3 0,-3-1 0,-2-1 0,-1-1 0,-3-2 0,1-4 0,-2-2 0,-3-2 0,-3-2 0,-3-2 0,-3-1 0,-2-3 0,-3-2 0,-2-2 0,-1-4 0,-3-2 0,0-1-502,-2-7 0,-2-3 0,-1 0 502,0-4 0,-1-1 0,-1 1 0,0 0 0,-2 1 0,0-1 0,-1 3 0,-2-1 0,0 2 0,0 5 0,0 1 0,-1 1-447,0 0 1,1 1-1,-1 0 447,1-3 0,0 0 0,0 0 0,2 1 0,-1-1 0,2 1 0,1-2 0,1-1 0,1 2 0,1 1 0,0 2 0,2 1 0,0 3 0,1 2 0,0 1-202,0 6 1,-1 1-1,1 2 202,11-21 0,0 3 0,-2 7 0,0 2 419,-1 8 0,2 2-419,-1 4 0,1 2 885,1 4 0,2 3-885,1 3 0,2 2 753,-1 4 1,2 3-754,0 5 0,2 2 383,0 1 1,2 2-384,-1 3 0,1 2 77,2 0 0,0 2-77,3-1 0,-1 2 0,0 3 0,0 2 0,7-2 0,2 2 0,4 1 0,3 2 0,1 1 0,3 1 0,8 2 0,1 1 0,0 3 0,0 2 0,-2 1 0,-2 1 0,1 0 0,-1 1 0,-5 0 0,-2 1 0,-3 1 0,-1 1 0,-1 2 0,-2 2 0,-5 3 0,-2 2 0,-4 1 0,0 2 0,-4 2 0,0 2 0,37 19 0,-10 2 0,-9 2 0,-12 1 0,-5 4 0,-7 3 0,-5 4 0,-5 2 0,0 6 0,1 5 0,-2 3 0,3 7 0,0 2 0,2 4 0,2 6 0,-1-3 0,2 5 0,-18-45 0,0-1 0,0 1 0,0 1 0,2 0 0,1 1 0,-1-1 0,0-1 0,0 2 0,1-1 0,0-1 0,1 0 0,0 0 0,1 0 0,1 0 0,1 0 0,3 3 0,2 1 0,2 0 0,0 1 0,0 1 0,2 0 0,4 2 0,1 0 0,-2-3 0,0 0 0,5 4 0,2 0 0,2 2 0,1 0 0,-1-3 0,0 0 0,2 0 0,0-2 0,-4-4 0,-1-2 0,0 1 0,1-1 0,-2 1 0,1 0 0,0 0 0,0 0 0,4 2 0,1-1 0,1 3 0,1 0 0,3 3 0,2 1-363,6 4 0,3 1 363,1 2 0,2 0 0,4 0 0,0 0 0,2-1 0,0 1 0,-1-2 0,1-1 0,0-2 0,1 0 0,-22-17 0,1 0 0,1 0-430,5 2 0,0 1 0,2-2 430,2 1 0,2 0 0,0-1 0,4 2 0,2-1 0,-1-1 0,-1-3 0,-1-1 0,1-2 0,-2-2 0,-1-2 0,1 0 0,-2-2 0,1-1 0,-1-1 0,-3-2 0,0-3 0,0 0-258,-1-1 1,1-1 0,0-1 257,31 8 0,1-2 0,-3-3 0,0-2 0,0-1 0,-1-2 0,-7-2 0,-2-2-125,-4-2 0,-1-2 125,-4-1 0,-2-2 0,-6-1 0,-2-2 320,-6-1 1,-2-1-321,36 0 1264,-25-1-1264,-19 0 844,-9 0-844,-9 0 289,-3-3-289,-1-7 0,-3-2 0,-3-2 0,-4 2 0,-8 1 0,-3 5 0,-4 0 0</inkml:trace>
+</inkml:ink>
+</file>
+
+<file path=ppt/ink/ink20.xml><?xml version="1.0" encoding="utf-8"?>
+<inkml:ink xmlns:inkml="http://www.w3.org/2003/InkML">
+  <inkml:definitions>
+    <inkml:context xml:id="ctx0">
+      <inkml:inkSource xml:id="inkSrc0">
+        <inkml:traceFormat>
+          <inkml:channel name="X" type="integer" min="-2.14748E9" max="2.14748E9" units="cm"/>
+          <inkml:channel name="Y" type="integer" min="-2.14748E9" max="2.14748E9" units="cm"/>
+          <inkml:channel name="F" type="integer" max="32767" units="dev"/>
+        </inkml:traceFormat>
+        <inkml:channelProperties>
+          <inkml:channelProperty channel="X" name="resolution" value="1000" units="1/cm"/>
+          <inkml:channelProperty channel="Y" name="resolution" value="1000" units="1/cm"/>
+          <inkml:channelProperty channel="F" name="resolution" value="0" units="1/dev"/>
+        </inkml:channelProperties>
+      </inkml:inkSource>
+      <inkml:timestamp xml:id="ts0" timeString="2025-04-15T20:44:32.205"/>
+    </inkml:context>
+    <inkml:brush xml:id="br0">
+      <inkml:brushProperty name="width" value="0.035" units="cm"/>
+      <inkml:brushProperty name="height" value="0.035" units="cm"/>
+    </inkml:brush>
+  </inkml:definitions>
+  <inkml:trace contextRef="#ctx0" brushRef="#br0">645 0 24575,'-11'17'0,"-11"12"0,-17 19 0,-6 6 0,-1 0 0,4-7 0,12-12 0,7-3 0,10-11 0,7-1 0,1-2 0,3-2 0,-4 0 0,-2 2 0,-4 3 0,-4 6 0,-2 0 0,-1 1 0,-3-4 0,1-4 0,1 1 0,2-4 0,4 2 0,2 1 0,3 0 0,-1 1 0,2 0 0,0 2 0,4 3 0,0 0 0,1 2 0,-2-3 0,0-1 0,-1-1 0,1-5 0,-2-2 0,1-6 0,-2 0 0,1-2 0,1-1 0,0 0 0,1-3 0,-3-1 0,-4-3 0,-2-6 0,-1-11 0,7 7 0,3-6 0</inkml:trace>
+</inkml:ink>
+</file>
+
+<file path=ppt/ink/ink21.xml><?xml version="1.0" encoding="utf-8"?>
+<inkml:ink xmlns:inkml="http://www.w3.org/2003/InkML">
+  <inkml:definitions>
+    <inkml:context xml:id="ctx0">
+      <inkml:inkSource xml:id="inkSrc0">
+        <inkml:traceFormat>
+          <inkml:channel name="X" type="integer" min="-2.14748E9" max="2.14748E9" units="cm"/>
+          <inkml:channel name="Y" type="integer" min="-2.14748E9" max="2.14748E9" units="cm"/>
+          <inkml:channel name="F" type="integer" max="32767" units="dev"/>
+        </inkml:traceFormat>
+        <inkml:channelProperties>
+          <inkml:channelProperty channel="X" name="resolution" value="1000" units="1/cm"/>
+          <inkml:channelProperty channel="Y" name="resolution" value="1000" units="1/cm"/>
+          <inkml:channelProperty channel="F" name="resolution" value="0" units="1/dev"/>
+        </inkml:channelProperties>
+      </inkml:inkSource>
+      <inkml:timestamp xml:id="ts0" timeString="2025-04-15T20:44:33.311"/>
+    </inkml:context>
+    <inkml:brush xml:id="br0">
+      <inkml:brushProperty name="width" value="0.035" units="cm"/>
+      <inkml:brushProperty name="height" value="0.035" units="cm"/>
+    </inkml:brush>
+  </inkml:definitions>
+  <inkml:trace contextRef="#ctx0" brushRef="#br0">4 9 24575,'-3'-4'0,"25"1"0,42 1 0,-8 2 0,6 0 0,20 0 0,3 0 0,4 0 0,-1 0 0,-6 0 0,-3 0 0,-9 0 0,-4 0 0,33 0 0,-24 0 0,-25 0 0,-24 0 0,-15 0 0,-6 0 0,-5 0 0</inkml:trace>
+</inkml:ink>
+</file>
+
+<file path=ppt/ink/ink22.xml><?xml version="1.0" encoding="utf-8"?>
+<inkml:ink xmlns:inkml="http://www.w3.org/2003/InkML">
+  <inkml:definitions>
+    <inkml:context xml:id="ctx0">
+      <inkml:inkSource xml:id="inkSrc0">
+        <inkml:traceFormat>
+          <inkml:channel name="X" type="integer" min="-2.14748E9" max="2.14748E9" units="cm"/>
+          <inkml:channel name="Y" type="integer" min="-2.14748E9" max="2.14748E9" units="cm"/>
+          <inkml:channel name="F" type="integer" max="32767" units="dev"/>
+        </inkml:traceFormat>
+        <inkml:channelProperties>
+          <inkml:channelProperty channel="X" name="resolution" value="1000" units="1/cm"/>
+          <inkml:channelProperty channel="Y" name="resolution" value="1000" units="1/cm"/>
+          <inkml:channelProperty channel="F" name="resolution" value="0" units="1/dev"/>
+        </inkml:channelProperties>
+      </inkml:inkSource>
+      <inkml:timestamp xml:id="ts0" timeString="2025-04-15T20:44:35.995"/>
+    </inkml:context>
+    <inkml:brush xml:id="br0">
+      <inkml:brushProperty name="width" value="0.035" units="cm"/>
+      <inkml:brushProperty name="height" value="0.035" units="cm"/>
+    </inkml:brush>
+  </inkml:definitions>
+  <inkml:trace contextRef="#ctx0" brushRef="#br0">0 0 24575,'0'11'0,"0"8"0,0 10 0,0 7 0,0 2 0,0-2 0,0-3 0,0 0 0,0-2 0,0 0 0,0-1 0,2-3 0,1-2 0,-1-3 0,1-1 0,-1-5 0,0-1 0,1-6 0,3-2 0,-1-4 0,4-2 0,0-5 0,3-7 0,2-8 0,2-5 0,4 1 0,1 3 0,7 4 0,3 4 0,-2 3 0,2 4 0,-4 3 0,-6 2 0,-8 0 0,-6 0 0</inkml:trace>
+</inkml:ink>
+</file>
+
+<file path=ppt/ink/ink23.xml><?xml version="1.0" encoding="utf-8"?>
+<inkml:ink xmlns:inkml="http://www.w3.org/2003/InkML">
+  <inkml:definitions>
+    <inkml:context xml:id="ctx0">
+      <inkml:inkSource xml:id="inkSrc0">
+        <inkml:traceFormat>
+          <inkml:channel name="X" type="integer" min="-2.14748E9" max="2.14748E9" units="cm"/>
+          <inkml:channel name="Y" type="integer" min="-2.14748E9" max="2.14748E9" units="cm"/>
+          <inkml:channel name="F" type="integer" max="32767" units="dev"/>
+        </inkml:traceFormat>
+        <inkml:channelProperties>
+          <inkml:channelProperty channel="X" name="resolution" value="1000" units="1/cm"/>
+          <inkml:channelProperty channel="Y" name="resolution" value="1000" units="1/cm"/>
+          <inkml:channelProperty channel="F" name="resolution" value="0" units="1/dev"/>
+        </inkml:channelProperties>
+      </inkml:inkSource>
+      <inkml:timestamp xml:id="ts0" timeString="2025-04-15T20:44:37.129"/>
+    </inkml:context>
+    <inkml:brush xml:id="br0">
+      <inkml:brushProperty name="width" value="0.035" units="cm"/>
+      <inkml:brushProperty name="height" value="0.035" units="cm"/>
+    </inkml:brush>
+  </inkml:definitions>
+  <inkml:trace contextRef="#ctx0" brushRef="#br0">0 12 24575,'1'-5'0,"8"3"0,12 0 0,16 2 0,10 0 0,6 0 0,-2 0 0,-8 0 0,-9 0 0,-9 0 0,-5 0 0,-4 0 0,-1 0 0,-2 0 0,-2 0 0,-1 0 0,0 0 0,-2 0 0,-2-1 0,-3 1 0,-2-2 0</inkml:trace>
+</inkml:ink>
+</file>
+
+<file path=ppt/ink/ink24.xml><?xml version="1.0" encoding="utf-8"?>
+<inkml:ink xmlns:inkml="http://www.w3.org/2003/InkML">
+  <inkml:definitions>
+    <inkml:context xml:id="ctx0">
+      <inkml:inkSource xml:id="inkSrc0">
+        <inkml:traceFormat>
+          <inkml:channel name="X" type="integer" min="-2.14748E9" max="2.14748E9" units="cm"/>
+          <inkml:channel name="Y" type="integer" min="-2.14748E9" max="2.14748E9" units="cm"/>
+          <inkml:channel name="F" type="integer" max="32767" units="dev"/>
+        </inkml:traceFormat>
+        <inkml:channelProperties>
+          <inkml:channelProperty channel="X" name="resolution" value="1000" units="1/cm"/>
+          <inkml:channelProperty channel="Y" name="resolution" value="1000" units="1/cm"/>
+          <inkml:channelProperty channel="F" name="resolution" value="0" units="1/dev"/>
+        </inkml:channelProperties>
+      </inkml:inkSource>
+      <inkml:timestamp xml:id="ts0" timeString="2025-04-15T20:44:38.606"/>
+    </inkml:context>
+    <inkml:brush xml:id="br0">
+      <inkml:brushProperty name="width" value="0.035" units="cm"/>
+      <inkml:brushProperty name="height" value="0.035" units="cm"/>
+    </inkml:brush>
+  </inkml:definitions>
+  <inkml:trace contextRef="#ctx0" brushRef="#br0">1 28 24575,'2'-4'0,"1"1"0,6 2 0,7 1 0,8 0 0,4 0 0,1 0 0,0 0 0,-6 0 0,0-4 0,-4-2 0,-1 1 0,-3 1 0,-3 4 0,-1 0 0,-1 0 0,-5 0 0,-1 0 0</inkml:trace>
+</inkml:ink>
+</file>
+
+<file path=ppt/ink/ink25.xml><?xml version="1.0" encoding="utf-8"?>
+<inkml:ink xmlns:inkml="http://www.w3.org/2003/InkML">
+  <inkml:definitions>
+    <inkml:context xml:id="ctx0">
+      <inkml:inkSource xml:id="inkSrc0">
+        <inkml:traceFormat>
+          <inkml:channel name="X" type="integer" min="-2.14748E9" max="2.14748E9" units="cm"/>
+          <inkml:channel name="Y" type="integer" min="-2.14748E9" max="2.14748E9" units="cm"/>
+          <inkml:channel name="F" type="integer" max="32767" units="dev"/>
+        </inkml:traceFormat>
+        <inkml:channelProperties>
+          <inkml:channelProperty channel="X" name="resolution" value="1000" units="1/cm"/>
+          <inkml:channelProperty channel="Y" name="resolution" value="1000" units="1/cm"/>
+          <inkml:channelProperty channel="F" name="resolution" value="0" units="1/dev"/>
+        </inkml:channelProperties>
+      </inkml:inkSource>
+      <inkml:timestamp xml:id="ts0" timeString="2025-04-15T20:44:40.621"/>
+    </inkml:context>
+    <inkml:brush xml:id="br0">
+      <inkml:brushProperty name="width" value="0.035" units="cm"/>
+      <inkml:brushProperty name="height" value="0.035" units="cm"/>
+    </inkml:brush>
+  </inkml:definitions>
+  <inkml:trace contextRef="#ctx0" brushRef="#br0">22 233 24575,'0'-3'0,"0"8"0,0 1 0,0 7 0,0 3 0,0 6 0,0 4 0,0 7 0,0 1 0,0-1 0,0-2 0,0-3 0,0-3 0,0 1 0,0-1 0,0-3 0,2-3 0,0-8 0,1-15 0,-2-11 0,-3-12 0,0-6 0,-3-4 0,0-7 0,0-5 0,0-6 0,2 1 0,1 4 0,2 5 0,0 7 0,0 7 0,0 5 0,0 5 0,0 4 0,0 3 0,0 2 0,0 1 0,1 5 0,3 2 0,3 2 0,3 1 0,2-1 0,1 0 0,1 0 0,1 0 0,4 1 0,3 1 0,0 0 0,-3 0 0,-3 0 0,-2 3 0,0 6 0,-1 4 0,-4 5 0,-3 3 0,-4 0 0,-2 1 0,0 1 0,0 1 0,0 1 0,-2 1 0,-6-1 0,-9 0 0,-7-3 0,-5-2 0,1-6 0,2-3 0,3-4 0,2-3 0,1-2 0,6 0 0,4-1 0,6 0 0</inkml:trace>
+</inkml:ink>
+</file>
+
+<file path=ppt/ink/ink26.xml><?xml version="1.0" encoding="utf-8"?>
+<inkml:ink xmlns:inkml="http://www.w3.org/2003/InkML">
+  <inkml:definitions>
+    <inkml:context xml:id="ctx0">
+      <inkml:inkSource xml:id="inkSrc0">
+        <inkml:traceFormat>
+          <inkml:channel name="X" type="integer" min="-2.14748E9" max="2.14748E9" units="cm"/>
+          <inkml:channel name="Y" type="integer" min="-2.14748E9" max="2.14748E9" units="cm"/>
+          <inkml:channel name="F" type="integer" max="32767" units="dev"/>
+        </inkml:traceFormat>
+        <inkml:channelProperties>
+          <inkml:channelProperty channel="X" name="resolution" value="1000" units="1/cm"/>
+          <inkml:channelProperty channel="Y" name="resolution" value="1000" units="1/cm"/>
+          <inkml:channelProperty channel="F" name="resolution" value="0" units="1/dev"/>
+        </inkml:channelProperties>
+      </inkml:inkSource>
+      <inkml:timestamp xml:id="ts0" timeString="2025-04-15T20:44:41.674"/>
+    </inkml:context>
+    <inkml:brush xml:id="br0">
+      <inkml:brushProperty name="width" value="0.035" units="cm"/>
+      <inkml:brushProperty name="height" value="0.035" units="cm"/>
+    </inkml:brush>
+  </inkml:definitions>
+  <inkml:trace contextRef="#ctx0" brushRef="#br0">31 3 24575,'-4'-3'0,"1"4"0,2 8 0,1 14 0,0 11 0,0 7 0,0 3 0,0 0 0,0 1 0,0 1 0,0-3 0,0-5 0,0-7 0,0-6 0,0-5 0,0-9 0,0-11 0,-2-11 0,0-10 0,-2-3 0,-1-1 0,0-3 0,2 13 0,1 0 0</inkml:trace>
+</inkml:ink>
+</file>
+
+<file path=ppt/ink/ink27.xml><?xml version="1.0" encoding="utf-8"?>
+<inkml:ink xmlns:inkml="http://www.w3.org/2003/InkML">
+  <inkml:definitions>
+    <inkml:context xml:id="ctx0">
+      <inkml:inkSource xml:id="inkSrc0">
+        <inkml:traceFormat>
+          <inkml:channel name="X" type="integer" min="-2.14748E9" max="2.14748E9" units="cm"/>
+          <inkml:channel name="Y" type="integer" min="-2.14748E9" max="2.14748E9" units="cm"/>
+          <inkml:channel name="F" type="integer" max="32767" units="dev"/>
+        </inkml:traceFormat>
+        <inkml:channelProperties>
+          <inkml:channelProperty channel="X" name="resolution" value="1000" units="1/cm"/>
+          <inkml:channelProperty channel="Y" name="resolution" value="1000" units="1/cm"/>
+          <inkml:channelProperty channel="F" name="resolution" value="0" units="1/dev"/>
+        </inkml:channelProperties>
+      </inkml:inkSource>
+      <inkml:timestamp xml:id="ts0" timeString="2025-04-15T20:44:42.866"/>
+    </inkml:context>
+    <inkml:brush xml:id="br0">
+      <inkml:brushProperty name="width" value="0.035" units="cm"/>
+      <inkml:brushProperty name="height" value="0.035" units="cm"/>
+    </inkml:brush>
+  </inkml:definitions>
+  <inkml:trace contextRef="#ctx0" brushRef="#br0">1 43 24575,'6'0'0,"4"0"0,7 0 0,3 0 0,0 0 0,-1 0 0,-7 0 0,2 0 0,-1 0 0,-1 0 0,1 0 0,-1 0 0,2 0 0,0-1 0,-1-3 0,2-1 0,3-1 0,1 0 0,1-2 0,-2 2 0,-4 2 0,-2 2 0,-5 2 0,-2 0 0</inkml:trace>
+</inkml:ink>
+</file>
+
+<file path=ppt/ink/ink28.xml><?xml version="1.0" encoding="utf-8"?>
+<inkml:ink xmlns:inkml="http://www.w3.org/2003/InkML">
+  <inkml:definitions>
+    <inkml:context xml:id="ctx0">
+      <inkml:inkSource xml:id="inkSrc0">
+        <inkml:traceFormat>
+          <inkml:channel name="X" type="integer" min="-2.14748E9" max="2.14748E9" units="cm"/>
+          <inkml:channel name="Y" type="integer" min="-2.14748E9" max="2.14748E9" units="cm"/>
+          <inkml:channel name="F" type="integer" max="32767" units="dev"/>
+        </inkml:traceFormat>
+        <inkml:channelProperties>
+          <inkml:channelProperty channel="X" name="resolution" value="1000" units="1/cm"/>
+          <inkml:channelProperty channel="Y" name="resolution" value="1000" units="1/cm"/>
+          <inkml:channelProperty channel="F" name="resolution" value="0" units="1/dev"/>
+        </inkml:channelProperties>
+      </inkml:inkSource>
+      <inkml:timestamp xml:id="ts0" timeString="2025-04-15T20:44:44.115"/>
+    </inkml:context>
+    <inkml:brush xml:id="br0">
+      <inkml:brushProperty name="width" value="0.035" units="cm"/>
+      <inkml:brushProperty name="height" value="0.035" units="cm"/>
+    </inkml:brush>
+  </inkml:definitions>
+  <inkml:trace contextRef="#ctx0" brushRef="#br0">0 1 24575,'0'18'0,"0"3"0,0 5 0,0-1 0,0-6 0,0-2 0,0-4 0,0-2 0,0 0 0,0 0 0,0 1 0,2 2 0,0 2 0,2 0 0,0 1 0,1-1 0,-1 0 0,0 0 0,3 3 0,-3 2 0,3 1 0,-1 2 0,-1 2 0,2 0 0,-3-3 0,-2 0 0,0-2 0,-2-3 0,0-7 0,0-5 0,-1-5 0</inkml:trace>
+</inkml:ink>
+</file>
+
+<file path=ppt/ink/ink29.xml><?xml version="1.0" encoding="utf-8"?>
+<inkml:ink xmlns:inkml="http://www.w3.org/2003/InkML">
+  <inkml:definitions>
+    <inkml:context xml:id="ctx0">
+      <inkml:inkSource xml:id="inkSrc0">
+        <inkml:traceFormat>
+          <inkml:channel name="X" type="integer" min="-2.14748E9" max="2.14748E9" units="cm"/>
+          <inkml:channel name="Y" type="integer" min="-2.14748E9" max="2.14748E9" units="cm"/>
+          <inkml:channel name="F" type="integer" max="32767" units="dev"/>
+        </inkml:traceFormat>
+        <inkml:channelProperties>
+          <inkml:channelProperty channel="X" name="resolution" value="1000" units="1/cm"/>
+          <inkml:channelProperty channel="Y" name="resolution" value="1000" units="1/cm"/>
+          <inkml:channelProperty channel="F" name="resolution" value="0" units="1/dev"/>
+        </inkml:channelProperties>
+      </inkml:inkSource>
+      <inkml:timestamp xml:id="ts0" timeString="2025-04-15T20:45:14.943"/>
+    </inkml:context>
+    <inkml:brush xml:id="br0">
+      <inkml:brushProperty name="width" value="0.035" units="cm"/>
+      <inkml:brushProperty name="height" value="0.035" units="cm"/>
+    </inkml:brush>
+  </inkml:definitions>
+  <inkml:trace contextRef="#ctx0" brushRef="#br0">598 9 24575,'-5'-4'0,"-55"1"0,-4 2 0,12 0 0,-2 2 0,-27-1 0,12 0 0,22 0 0,16 1 0,17 2 0,11 9 0,3 15 0,-2 14 0,-1 12 0,-5 5 0,0-2 0,1-4 0,3-2 0,3 0 0,1 3 0,0 9 0,5 11 0,12 10 0,11 4 0,12 0 0,3-9 0,-4-10 0,-1-10 0,-5-15 0,-2-10 0,1-7 0,0-10 0,5-4 0,6-1 0,8 0 0,9 3 0,6 0 0,4-2 0,16-3 0,12-3 0,-46-5 0,2-1 0,3-4 0,-1-3 0,-5-3 0,-3-3 0,40-24 0,-18-5 0,-21 1 0,-18 1 0,-14 2 0,-8 0 0,-6-4 0,-3-2 0,-5-11 0,-10-16 0,-14-17 0,8 35 0,-4-1 0,-3-2 0,-3 1 0,-2 1 0,-1 1 0,-3 4 0,-2 3 0,2 6 0,-1 4 0,-36-19 0,6 19 0,9 19 0,3 10 0,-1 4 0,-4 6 0,-3 2 0,-2 4 0,0 0 0,3-4 0,-2-2 0,3-3 0,-1 0 0,2 0 0,1 0 0,4 0 0,6 0 0,9 0 0,12 0 0,13 0 0,7 0 0</inkml:trace>
+</inkml:ink>
+</file>
+
+<file path=ppt/ink/ink3.xml><?xml version="1.0" encoding="utf-8"?>
+<inkml:ink xmlns:inkml="http://www.w3.org/2003/InkML">
+  <inkml:definitions>
+    <inkml:context xml:id="ctx0">
+      <inkml:inkSource xml:id="inkSrc0">
+        <inkml:traceFormat>
+          <inkml:channel name="X" type="integer" min="-2.14748E9" max="2.14748E9" units="cm"/>
+          <inkml:channel name="Y" type="integer" min="-2.14748E9" max="2.14748E9" units="cm"/>
+          <inkml:channel name="F" type="integer" max="32767" units="dev"/>
+        </inkml:traceFormat>
+        <inkml:channelProperties>
+          <inkml:channelProperty channel="X" name="resolution" value="1000" units="1/cm"/>
+          <inkml:channelProperty channel="Y" name="resolution" value="1000" units="1/cm"/>
+          <inkml:channelProperty channel="F" name="resolution" value="0" units="1/dev"/>
+        </inkml:channelProperties>
+      </inkml:inkSource>
+      <inkml:timestamp xml:id="ts0" timeString="2025-04-15T20:43:38.466"/>
+    </inkml:context>
+    <inkml:brush xml:id="br0">
+      <inkml:brushProperty name="width" value="0.035" units="cm"/>
+      <inkml:brushProperty name="height" value="0.035" units="cm"/>
+    </inkml:brush>
+  </inkml:definitions>
+  <inkml:trace contextRef="#ctx0" brushRef="#br0">37 624 24575,'0'96'0,"0"0"0,0 0 0,0-49 0,0-141 0,-1 8 0,-1-18 0,0 12 0,0 17 0,-1 8 0,1 8 0,-1 1 0,0-5 0,0 6 0,-3 12 0,2 11 0,-2 19 0,6 50 0,20 23 0,14 19 0,-1-7 0,-4-15 0,2-1 0,6 18 0,4 6 0,3-32 0,37-71 0,-73-31 0,-18-22 0,3 5 0,15 6 0,-4-2 0,-19-15 0,-10-8 0,2 23 0,3 27 0,31 79 0,18 48 0,5 13 0,-8-23 0,6 11 0,-4-3 0,9 26 0,-4-12 0,-12-49 0,-17-47 0,-3-2 0,-3-1 0</inkml:trace>
+</inkml:ink>
+</file>
+
+<file path=ppt/ink/ink30.xml><?xml version="1.0" encoding="utf-8"?>
+<inkml:ink xmlns:inkml="http://www.w3.org/2003/InkML">
+  <inkml:definitions>
+    <inkml:context xml:id="ctx0">
+      <inkml:inkSource xml:id="inkSrc0">
+        <inkml:traceFormat>
+          <inkml:channel name="X" type="integer" min="-2.14748E9" max="2.14748E9" units="cm"/>
+          <inkml:channel name="Y" type="integer" min="-2.14748E9" max="2.14748E9" units="cm"/>
+          <inkml:channel name="F" type="integer" max="32767" units="dev"/>
+        </inkml:traceFormat>
+        <inkml:channelProperties>
+          <inkml:channelProperty channel="X" name="resolution" value="1000" units="1/cm"/>
+          <inkml:channelProperty channel="Y" name="resolution" value="1000" units="1/cm"/>
+          <inkml:channelProperty channel="F" name="resolution" value="0" units="1/dev"/>
+        </inkml:channelProperties>
+      </inkml:inkSource>
+      <inkml:timestamp xml:id="ts0" timeString="2025-04-15T20:51:03.196"/>
+    </inkml:context>
+    <inkml:brush xml:id="br0">
+      <inkml:brushProperty name="width" value="0.035" units="cm"/>
+      <inkml:brushProperty name="height" value="0.035" units="cm"/>
+    </inkml:brush>
+  </inkml:definitions>
+  <inkml:trace contextRef="#ctx0" brushRef="#br0">4 5 24575,'-2'-3'0,"0"2"0</inkml:trace>
+</inkml:ink>
+</file>
+
+<file path=ppt/ink/ink31.xml><?xml version="1.0" encoding="utf-8"?>
+<inkml:ink xmlns:inkml="http://www.w3.org/2003/InkML">
+  <inkml:definitions>
+    <inkml:context xml:id="ctx0">
+      <inkml:inkSource xml:id="inkSrc0">
+        <inkml:traceFormat>
+          <inkml:channel name="X" type="integer" min="-2.14748E9" max="2.14748E9" units="cm"/>
+          <inkml:channel name="Y" type="integer" min="-2.14748E9" max="2.14748E9" units="cm"/>
+          <inkml:channel name="F" type="integer" max="32767" units="dev"/>
+        </inkml:traceFormat>
+        <inkml:channelProperties>
+          <inkml:channelProperty channel="X" name="resolution" value="1000" units="1/cm"/>
+          <inkml:channelProperty channel="Y" name="resolution" value="1000" units="1/cm"/>
+          <inkml:channelProperty channel="F" name="resolution" value="0" units="1/dev"/>
+        </inkml:channelProperties>
+      </inkml:inkSource>
+      <inkml:timestamp xml:id="ts0" timeString="2025-04-15T20:51:03.369"/>
+    </inkml:context>
+    <inkml:brush xml:id="br0">
+      <inkml:brushProperty name="width" value="0.035" units="cm"/>
+      <inkml:brushProperty name="height" value="0.035" units="cm"/>
+    </inkml:brush>
+  </inkml:definitions>
+  <inkml:trace contextRef="#ctx0" brushRef="#br0">0 1 24575,'0'0'0</inkml:trace>
+</inkml:ink>
+</file>
+
+<file path=ppt/ink/ink4.xml><?xml version="1.0" encoding="utf-8"?>
+<inkml:ink xmlns:inkml="http://www.w3.org/2003/InkML">
+  <inkml:definitions>
+    <inkml:context xml:id="ctx0">
+      <inkml:inkSource xml:id="inkSrc0">
+        <inkml:traceFormat>
+          <inkml:channel name="X" type="integer" min="-2.14748E9" max="2.14748E9" units="cm"/>
+          <inkml:channel name="Y" type="integer" min="-2.14748E9" max="2.14748E9" units="cm"/>
+          <inkml:channel name="F" type="integer" max="32767" units="dev"/>
+        </inkml:traceFormat>
+        <inkml:channelProperties>
+          <inkml:channelProperty channel="X" name="resolution" value="1000" units="1/cm"/>
+          <inkml:channelProperty channel="Y" name="resolution" value="1000" units="1/cm"/>
+          <inkml:channelProperty channel="F" name="resolution" value="0" units="1/dev"/>
+        </inkml:channelProperties>
+      </inkml:inkSource>
+      <inkml:timestamp xml:id="ts0" timeString="2025-04-15T20:43:45.515"/>
+    </inkml:context>
+    <inkml:brush xml:id="br0">
+      <inkml:brushProperty name="width" value="0.035" units="cm"/>
+      <inkml:brushProperty name="height" value="0.035" units="cm"/>
+    </inkml:brush>
+  </inkml:definitions>
+  <inkml:trace contextRef="#ctx0" brushRef="#br0">0 3 24575,'0'-3'0,"7"12"0,14 22 0,18 29 0,11 14 0,4 7 0,-3-7 0,-8-14 0,-6-11 0,-13-18 0,-10-16 0,-7-7 0,-3 0 0,-2 0 0,-1 1 0,-1 0 0,0-1 0,0-3 0,0-2 0</inkml:trace>
+</inkml:ink>
+</file>
+
+<file path=ppt/ink/ink5.xml><?xml version="1.0" encoding="utf-8"?>
+<inkml:ink xmlns:inkml="http://www.w3.org/2003/InkML">
+  <inkml:definitions>
+    <inkml:context xml:id="ctx0">
+      <inkml:inkSource xml:id="inkSrc0">
+        <inkml:traceFormat>
+          <inkml:channel name="X" type="integer" min="-2.14748E9" max="2.14748E9" units="cm"/>
+          <inkml:channel name="Y" type="integer" min="-2.14748E9" max="2.14748E9" units="cm"/>
+          <inkml:channel name="F" type="integer" max="32767" units="dev"/>
+        </inkml:traceFormat>
+        <inkml:channelProperties>
+          <inkml:channelProperty channel="X" name="resolution" value="1000" units="1/cm"/>
+          <inkml:channelProperty channel="Y" name="resolution" value="1000" units="1/cm"/>
+          <inkml:channelProperty channel="F" name="resolution" value="0" units="1/dev"/>
+        </inkml:channelProperties>
+      </inkml:inkSource>
+      <inkml:timestamp xml:id="ts0" timeString="2025-04-15T20:43:46.668"/>
+    </inkml:context>
+    <inkml:brush xml:id="br0">
+      <inkml:brushProperty name="width" value="0.035" units="cm"/>
+      <inkml:brushProperty name="height" value="0.035" units="cm"/>
+    </inkml:brush>
+  </inkml:definitions>
+  <inkml:trace contextRef="#ctx0" brushRef="#br0">472 1 24575,'-11'1'0,"-11"11"0,-9 7 0,-5 9 0,2 3 0,10-8 0,5-3 0,3-8 0,5 0 0,-4 4 0,-3 6 0,2 7 0,-3 2 0,3 2 0,1-5 0,3-3 0,3-5 0,2-3 0,4-2 0,0-2 0,0 1 0,1 0 0,-2 1 0,0 4 0,-4 3 0,-2 0 0,0-2 0,0-4 0,-2-3 0,2 1 0,-1-2 0,-1-3 0,0-4 0,-1-3 0,5-2 0,2 0 0</inkml:trace>
+</inkml:ink>
+</file>
+
+<file path=ppt/ink/ink6.xml><?xml version="1.0" encoding="utf-8"?>
+<inkml:ink xmlns:inkml="http://www.w3.org/2003/InkML">
+  <inkml:definitions>
+    <inkml:context xml:id="ctx0">
+      <inkml:inkSource xml:id="inkSrc0">
+        <inkml:traceFormat>
+          <inkml:channel name="X" type="integer" min="-2.14748E9" max="2.14748E9" units="cm"/>
+          <inkml:channel name="Y" type="integer" min="-2.14748E9" max="2.14748E9" units="cm"/>
+          <inkml:channel name="F" type="integer" max="32767" units="dev"/>
+        </inkml:traceFormat>
+        <inkml:channelProperties>
+          <inkml:channelProperty channel="X" name="resolution" value="1000" units="1/cm"/>
+          <inkml:channelProperty channel="Y" name="resolution" value="1000" units="1/cm"/>
+          <inkml:channelProperty channel="F" name="resolution" value="0" units="1/dev"/>
+        </inkml:channelProperties>
+      </inkml:inkSource>
+      <inkml:timestamp xml:id="ts0" timeString="2025-04-15T20:43:47.847"/>
+    </inkml:context>
+    <inkml:brush xml:id="br0">
+      <inkml:brushProperty name="width" value="0.035" units="cm"/>
+      <inkml:brushProperty name="height" value="0.035" units="cm"/>
+    </inkml:brush>
+  </inkml:definitions>
+  <inkml:trace contextRef="#ctx0" brushRef="#br0">1 3 24575,'0'-3'0,"0"13"0,0 22 0,0 25 0,0 18 0,0 1 0,0-15 0,0-20 0,0-22 0,0-12 0</inkml:trace>
+</inkml:ink>
+</file>
+
+<file path=ppt/ink/ink7.xml><?xml version="1.0" encoding="utf-8"?>
+<inkml:ink xmlns:inkml="http://www.w3.org/2003/InkML">
+  <inkml:definitions>
+    <inkml:context xml:id="ctx0">
+      <inkml:inkSource xml:id="inkSrc0">
+        <inkml:traceFormat>
+          <inkml:channel name="X" type="integer" min="-2.14748E9" max="2.14748E9" units="cm"/>
+          <inkml:channel name="Y" type="integer" min="-2.14748E9" max="2.14748E9" units="cm"/>
+          <inkml:channel name="F" type="integer" max="32767" units="dev"/>
+        </inkml:traceFormat>
+        <inkml:channelProperties>
+          <inkml:channelProperty channel="X" name="resolution" value="1000" units="1/cm"/>
+          <inkml:channelProperty channel="Y" name="resolution" value="1000" units="1/cm"/>
+          <inkml:channelProperty channel="F" name="resolution" value="0" units="1/dev"/>
+        </inkml:channelProperties>
+      </inkml:inkSource>
+      <inkml:timestamp xml:id="ts0" timeString="2025-04-15T20:43:48.495"/>
+    </inkml:context>
+    <inkml:brush xml:id="br0">
+      <inkml:brushProperty name="width" value="0.035" units="cm"/>
+      <inkml:brushProperty name="height" value="0.035" units="cm"/>
+    </inkml:brush>
+  </inkml:definitions>
+  <inkml:trace contextRef="#ctx0" brushRef="#br0">0 5 24575,'0'-2'0,"0"0"0</inkml:trace>
+</inkml:ink>
+</file>
+
+<file path=ppt/ink/ink8.xml><?xml version="1.0" encoding="utf-8"?>
+<inkml:ink xmlns:inkml="http://www.w3.org/2003/InkML">
+  <inkml:definitions>
+    <inkml:context xml:id="ctx0">
+      <inkml:inkSource xml:id="inkSrc0">
+        <inkml:traceFormat>
+          <inkml:channel name="X" type="integer" min="-2.14748E9" max="2.14748E9" units="cm"/>
+          <inkml:channel name="Y" type="integer" min="-2.14748E9" max="2.14748E9" units="cm"/>
+          <inkml:channel name="F" type="integer" max="32767" units="dev"/>
+        </inkml:traceFormat>
+        <inkml:channelProperties>
+          <inkml:channelProperty channel="X" name="resolution" value="1000" units="1/cm"/>
+          <inkml:channelProperty channel="Y" name="resolution" value="1000" units="1/cm"/>
+          <inkml:channelProperty channel="F" name="resolution" value="0" units="1/dev"/>
+        </inkml:channelProperties>
+      </inkml:inkSource>
+      <inkml:timestamp xml:id="ts0" timeString="2025-04-15T20:43:50.097"/>
+    </inkml:context>
+    <inkml:brush xml:id="br0">
+      <inkml:brushProperty name="width" value="0.035" units="cm"/>
+      <inkml:brushProperty name="height" value="0.035" units="cm"/>
+    </inkml:brush>
+  </inkml:definitions>
+  <inkml:trace contextRef="#ctx0" brushRef="#br0">0 548 24575,'0'16'0,"0"14"0,0 11 0,0 8 0,0-1 0,0-11 0,0-13 0,0-15 0,0-14 0,0-7 0,0-5 0,0-6 0,0-3 0,0-6 0,0-4 0,0-9 0,0-9 0,0-6 0,0-5 0,0 1 0,0 4 0,4 5 0,6 4 0,8 0 0,10 3 0,4 9 0,2 8 0,-3 14 0,-2 9 0,0 5 0,-1 4 0,-3 2 0,-3 6 0,-4 7 0,-3 7 0,-5 8 0,-4 6 0,-4 4 0,-2 6 0,-5 5 0,-2 8 0,-2 3 0,-1 3 0,2-1 0,1-9 0,0-9 0,2-11 0,2-9 0,2-6 0,1-5 0,-2-6 0,-2-6 0,0-7 0,0 0 0,2-1 0</inkml:trace>
+</inkml:ink>
+</file>
+
+<file path=ppt/ink/ink9.xml><?xml version="1.0" encoding="utf-8"?>
+<inkml:ink xmlns:inkml="http://www.w3.org/2003/InkML">
+  <inkml:definitions>
+    <inkml:context xml:id="ctx0">
+      <inkml:inkSource xml:id="inkSrc0">
+        <inkml:traceFormat>
+          <inkml:channel name="X" type="integer" min="-2.14748E9" max="2.14748E9" units="cm"/>
+          <inkml:channel name="Y" type="integer" min="-2.14748E9" max="2.14748E9" units="cm"/>
+          <inkml:channel name="F" type="integer" max="32767" units="dev"/>
+        </inkml:traceFormat>
+        <inkml:channelProperties>
+          <inkml:channelProperty channel="X" name="resolution" value="1000" units="1/cm"/>
+          <inkml:channelProperty channel="Y" name="resolution" value="1000" units="1/cm"/>
+          <inkml:channelProperty channel="F" name="resolution" value="0" units="1/dev"/>
+        </inkml:channelProperties>
+      </inkml:inkSource>
+      <inkml:timestamp xml:id="ts0" timeString="2025-04-15T20:43:51.790"/>
+    </inkml:context>
+    <inkml:brush xml:id="br0">
+      <inkml:brushProperty name="width" value="0.035" units="cm"/>
+      <inkml:brushProperty name="height" value="0.035" units="cm"/>
+    </inkml:brush>
+  </inkml:definitions>
+  <inkml:trace contextRef="#ctx0" brushRef="#br0">427 262 24575,'-10'-9'0,"-10"4"0,-4 2 0,-4 3 0,0-2 0,12 2 0,2 6 0,8 5 0,5 10 0,0 4 0,1-1 0,0 3 0,0-3 0,3-1 0,7 2 0,14 2 0,13-1 0,9-1 0,2-6 0,-1-8 0,4-5 0,2-8 0,7-14 0,6-19 0,-2-19 0,-2-13 0,-10 0 0,-14 5 0,-13 8 0,-12 9 0,-8 8 0,-4 7 0,-10 6 0,-14 7 0,-23 3 0,-24 5 0,-19 3 0,39 4 0,0 1 0,-50 1 0,6 4 0,15 12 0,18 13 0,13 13 0,17 8 0,9 4 0,6 9 0,6 7 0,2 13 0,4 9 0,2-41 0,2 2 0,4 3 0,5 1 0,6 3 0,6-2 0,9 3 0,8-1 0,10 0 0,5-2 0,1-3 0,1-3 0,1-3 0,0-1 0,-3-4 0,0 0 0,-5-4 0,-2-2 0,-4-2 0,-4 0 0,21 27 0,-20-10 0,-19-8 0,-7-3 0,-11-7 0,-15-4 0,-20-4 0,-28-3 0,-29-5 0,38-11 0,-2-3 0,-1-3 0,-2-5 0,-4-7 0,0-7 0,1-9 0,2-6 0,3-7 0,3-6 0,3-6 0,5-3 0,10 2 0,4 0 0,6 6 0,2 2 0,-10-28 0,16 27 0,8 23 0,6 12 0</inkml:trace>
+</inkml:ink>
+</file>
+
 <file path=ppt/notesMasters/notesMaster1.xml><?xml version="1.0" encoding="utf-8"?>
 <p:notesMaster xmlns:a="http://schemas.openxmlformats.org/drawingml/2006/main" xmlns:r="http://schemas.openxmlformats.org/officeDocument/2006/relationships" xmlns:p="http://schemas.openxmlformats.org/presentationml/2006/main">
   <p:cSld>
@@ -4026,7 +4867,7 @@
           <a:p>
             <a:fld id="{18C64025-9F1C-B54C-874D-6AE83D7874AF}" type="datetimeFigureOut">
               <a:rPr lang="en-US" smtClean="0"/>
-              <a:t>4/14/25</a:t>
+              <a:t>4/15/25</a:t>
             </a:fld>
             <a:endParaRPr lang="en-US"/>
           </a:p>
@@ -4421,7 +5262,7 @@
           <a:bodyPr/>
           <a:lstStyle/>
           <a:p>
-            <a:endParaRPr lang="en-US" dirty="0"/>
+            <a:endParaRPr lang="es-ES_tradnl" dirty="0"/>
           </a:p>
         </p:txBody>
       </p:sp>
@@ -4442,7 +5283,7 @@
           <a:p>
             <a:fld id="{C6B412AF-8B30-1C4A-9486-8B7EE1FDFB12}" type="slidenum">
               <a:rPr lang="en-US" smtClean="0"/>
-              <a:t>16</a:t>
+              <a:t>17</a:t>
             </a:fld>
             <a:endParaRPr lang="en-US"/>
           </a:p>
@@ -4451,7 +5292,7 @@
     </p:spTree>
     <p:extLst>
       <p:ext uri="{BB962C8B-B14F-4D97-AF65-F5344CB8AC3E}">
-        <p14:creationId xmlns:p14="http://schemas.microsoft.com/office/powerpoint/2010/main" val="1697476267"/>
+        <p14:creationId xmlns:p14="http://schemas.microsoft.com/office/powerpoint/2010/main" val="446750346"/>
       </p:ext>
     </p:extLst>
   </p:cSld>
@@ -4505,7 +5346,7 @@
           <a:bodyPr/>
           <a:lstStyle/>
           <a:p>
-            <a:endParaRPr lang="es-ES_tradnl" dirty="0"/>
+            <a:endParaRPr lang="en-US" dirty="0"/>
           </a:p>
         </p:txBody>
       </p:sp>
@@ -4535,7 +5376,7 @@
     </p:spTree>
     <p:extLst>
       <p:ext uri="{BB962C8B-B14F-4D97-AF65-F5344CB8AC3E}">
-        <p14:creationId xmlns:p14="http://schemas.microsoft.com/office/powerpoint/2010/main" val="511807774"/>
+        <p14:creationId xmlns:p14="http://schemas.microsoft.com/office/powerpoint/2010/main" val="1697476267"/>
       </p:ext>
     </p:extLst>
   </p:cSld>
@@ -4610,7 +5451,7 @@
           <a:p>
             <a:fld id="{C6B412AF-8B30-1C4A-9486-8B7EE1FDFB12}" type="slidenum">
               <a:rPr lang="en-US" smtClean="0"/>
-              <a:t>19</a:t>
+              <a:t>20</a:t>
             </a:fld>
             <a:endParaRPr lang="en-US"/>
           </a:p>
@@ -4619,7 +5460,7 @@
     </p:spTree>
     <p:extLst>
       <p:ext uri="{BB962C8B-B14F-4D97-AF65-F5344CB8AC3E}">
-        <p14:creationId xmlns:p14="http://schemas.microsoft.com/office/powerpoint/2010/main" val="85155547"/>
+        <p14:creationId xmlns:p14="http://schemas.microsoft.com/office/powerpoint/2010/main" val="511807774"/>
       </p:ext>
     </p:extLst>
   </p:cSld>
@@ -4692,9 +5533,93 @@
           <a:bodyPr/>
           <a:lstStyle/>
           <a:p>
+            <a:fld id="{C6B412AF-8B30-1C4A-9486-8B7EE1FDFB12}" type="slidenum">
+              <a:rPr lang="en-US" smtClean="0"/>
+              <a:t>21</a:t>
+            </a:fld>
+            <a:endParaRPr lang="en-US"/>
+          </a:p>
+        </p:txBody>
+      </p:sp>
+    </p:spTree>
+    <p:extLst>
+      <p:ext uri="{BB962C8B-B14F-4D97-AF65-F5344CB8AC3E}">
+        <p14:creationId xmlns:p14="http://schemas.microsoft.com/office/powerpoint/2010/main" val="85155547"/>
+      </p:ext>
+    </p:extLst>
+  </p:cSld>
+  <p:clrMapOvr>
+    <a:masterClrMapping/>
+  </p:clrMapOvr>
+</p:notes>
+</file>
+
+<file path=ppt/notesSlides/notesSlide14.xml><?xml version="1.0" encoding="utf-8"?>
+<p:notes xmlns:a="http://schemas.openxmlformats.org/drawingml/2006/main" xmlns:r="http://schemas.openxmlformats.org/officeDocument/2006/relationships" xmlns:p="http://schemas.openxmlformats.org/presentationml/2006/main">
+  <p:cSld>
+    <p:spTree>
+      <p:nvGrpSpPr>
+        <p:cNvPr id="1" name=""/>
+        <p:cNvGrpSpPr/>
+        <p:nvPr/>
+      </p:nvGrpSpPr>
+      <p:grpSpPr>
+        <a:xfrm>
+          <a:off x="0" y="0"/>
+          <a:ext cx="0" cy="0"/>
+          <a:chOff x="0" y="0"/>
+          <a:chExt cx="0" cy="0"/>
+        </a:xfrm>
+      </p:grpSpPr>
+      <p:sp>
+        <p:nvSpPr>
+          <p:cNvPr id="2" name="Slide Image Placeholder 1"/>
+          <p:cNvSpPr>
+            <a:spLocks noGrp="1" noRot="1" noChangeAspect="1"/>
+          </p:cNvSpPr>
+          <p:nvPr>
+            <p:ph type="sldImg"/>
+          </p:nvPr>
+        </p:nvSpPr>
+        <p:spPr/>
+      </p:sp>
+      <p:sp>
+        <p:nvSpPr>
+          <p:cNvPr id="3" name="Notes Placeholder 2"/>
+          <p:cNvSpPr>
+            <a:spLocks noGrp="1"/>
+          </p:cNvSpPr>
+          <p:nvPr>
+            <p:ph type="body" idx="1"/>
+          </p:nvPr>
+        </p:nvSpPr>
+        <p:spPr/>
+        <p:txBody>
+          <a:bodyPr/>
+          <a:lstStyle/>
+          <a:p>
+            <a:endParaRPr lang="es-ES_tradnl" dirty="0"/>
+          </a:p>
+        </p:txBody>
+      </p:sp>
+      <p:sp>
+        <p:nvSpPr>
+          <p:cNvPr id="4" name="Slide Number Placeholder 3"/>
+          <p:cNvSpPr>
+            <a:spLocks noGrp="1"/>
+          </p:cNvSpPr>
+          <p:nvPr>
+            <p:ph type="sldNum" sz="quarter" idx="5"/>
+          </p:nvPr>
+        </p:nvSpPr>
+        <p:spPr/>
+        <p:txBody>
+          <a:bodyPr/>
+          <a:lstStyle/>
+          <a:p>
             <a:fld id="{A7ED07FA-7792-F649-B523-FCAF9068A01B}" type="slidenum">
               <a:rPr lang="es-ES_tradnl" smtClean="0"/>
-              <a:t>44</a:t>
+              <a:t>46</a:t>
             </a:fld>
             <a:endParaRPr lang="es-ES_tradnl"/>
           </a:p>
@@ -5054,6 +5979,114 @@
   <p:cSld>
     <p:spTree>
       <p:nvGrpSpPr>
+        <p:cNvPr id="1" name="">
+          <a:extLst>
+            <a:ext uri="{FF2B5EF4-FFF2-40B4-BE49-F238E27FC236}">
+              <a16:creationId xmlns:a16="http://schemas.microsoft.com/office/drawing/2014/main" id="{B32E2B20-1330-FCFA-4EAE-119029B3DEB8}"/>
+            </a:ext>
+          </a:extLst>
+        </p:cNvPr>
+        <p:cNvGrpSpPr/>
+        <p:nvPr/>
+      </p:nvGrpSpPr>
+      <p:grpSpPr>
+        <a:xfrm>
+          <a:off x="0" y="0"/>
+          <a:ext cx="0" cy="0"/>
+          <a:chOff x="0" y="0"/>
+          <a:chExt cx="0" cy="0"/>
+        </a:xfrm>
+      </p:grpSpPr>
+      <p:sp>
+        <p:nvSpPr>
+          <p:cNvPr id="2" name="Slide Image Placeholder 1">
+            <a:extLst>
+              <a:ext uri="{FF2B5EF4-FFF2-40B4-BE49-F238E27FC236}">
+                <a16:creationId xmlns:a16="http://schemas.microsoft.com/office/drawing/2014/main" id="{72B1A1D3-4BC3-BD52-7862-213156D3C1E8}"/>
+              </a:ext>
+            </a:extLst>
+          </p:cNvPr>
+          <p:cNvSpPr>
+            <a:spLocks noGrp="1" noRot="1" noChangeAspect="1"/>
+          </p:cNvSpPr>
+          <p:nvPr>
+            <p:ph type="sldImg"/>
+          </p:nvPr>
+        </p:nvSpPr>
+        <p:spPr/>
+      </p:sp>
+      <p:sp>
+        <p:nvSpPr>
+          <p:cNvPr id="3" name="Notes Placeholder 2">
+            <a:extLst>
+              <a:ext uri="{FF2B5EF4-FFF2-40B4-BE49-F238E27FC236}">
+                <a16:creationId xmlns:a16="http://schemas.microsoft.com/office/drawing/2014/main" id="{00677441-1B85-1B59-F4BB-EB8CC2E4150F}"/>
+              </a:ext>
+            </a:extLst>
+          </p:cNvPr>
+          <p:cNvSpPr>
+            <a:spLocks noGrp="1"/>
+          </p:cNvSpPr>
+          <p:nvPr>
+            <p:ph type="body" idx="1"/>
+          </p:nvPr>
+        </p:nvSpPr>
+        <p:spPr/>
+        <p:txBody>
+          <a:bodyPr/>
+          <a:lstStyle/>
+          <a:p>
+            <a:endParaRPr lang="en-US" dirty="0"/>
+          </a:p>
+        </p:txBody>
+      </p:sp>
+      <p:sp>
+        <p:nvSpPr>
+          <p:cNvPr id="4" name="Slide Number Placeholder 3">
+            <a:extLst>
+              <a:ext uri="{FF2B5EF4-FFF2-40B4-BE49-F238E27FC236}">
+                <a16:creationId xmlns:a16="http://schemas.microsoft.com/office/drawing/2014/main" id="{DCFC16D9-8303-A871-595B-6C5EA12885F0}"/>
+              </a:ext>
+            </a:extLst>
+          </p:cNvPr>
+          <p:cNvSpPr>
+            <a:spLocks noGrp="1"/>
+          </p:cNvSpPr>
+          <p:nvPr>
+            <p:ph type="sldNum" sz="quarter" idx="5"/>
+          </p:nvPr>
+        </p:nvSpPr>
+        <p:spPr/>
+        <p:txBody>
+          <a:bodyPr/>
+          <a:lstStyle/>
+          <a:p>
+            <a:fld id="{C6B412AF-8B30-1C4A-9486-8B7EE1FDFB12}" type="slidenum">
+              <a:rPr lang="en-US" smtClean="0"/>
+              <a:t>11</a:t>
+            </a:fld>
+            <a:endParaRPr lang="en-US"/>
+          </a:p>
+        </p:txBody>
+      </p:sp>
+    </p:spTree>
+    <p:extLst>
+      <p:ext uri="{BB962C8B-B14F-4D97-AF65-F5344CB8AC3E}">
+        <p14:creationId xmlns:p14="http://schemas.microsoft.com/office/powerpoint/2010/main" val="1684116843"/>
+      </p:ext>
+    </p:extLst>
+  </p:cSld>
+  <p:clrMapOvr>
+    <a:masterClrMapping/>
+  </p:clrMapOvr>
+</p:notes>
+</file>
+
+<file path=ppt/notesSlides/notesSlide7.xml><?xml version="1.0" encoding="utf-8"?>
+<p:notes xmlns:a="http://schemas.openxmlformats.org/drawingml/2006/main" xmlns:r="http://schemas.openxmlformats.org/officeDocument/2006/relationships" xmlns:p="http://schemas.openxmlformats.org/presentationml/2006/main">
+  <p:cSld>
+    <p:spTree>
+      <p:nvGrpSpPr>
         <p:cNvPr id="1" name=""/>
         <p:cNvGrpSpPr/>
         <p:nvPr/>
@@ -5114,7 +6147,7 @@
           <a:p>
             <a:fld id="{C6B412AF-8B30-1C4A-9486-8B7EE1FDFB12}" type="slidenum">
               <a:rPr lang="en-US" smtClean="0"/>
-              <a:t>11</a:t>
+              <a:t>12</a:t>
             </a:fld>
             <a:endParaRPr lang="en-US"/>
           </a:p>
@@ -5133,7 +6166,7 @@
 </p:notes>
 </file>
 
-<file path=ppt/notesSlides/notesSlide7.xml><?xml version="1.0" encoding="utf-8"?>
+<file path=ppt/notesSlides/notesSlide8.xml><?xml version="1.0" encoding="utf-8"?>
 <p:notes xmlns:a="http://schemas.openxmlformats.org/drawingml/2006/main" xmlns:r="http://schemas.openxmlformats.org/officeDocument/2006/relationships" xmlns:p="http://schemas.openxmlformats.org/presentationml/2006/main">
   <p:cSld>
     <p:spTree>
@@ -5222,7 +6255,7 @@
           <a:p>
             <a:fld id="{C6B412AF-8B30-1C4A-9486-8B7EE1FDFB12}" type="slidenum">
               <a:rPr lang="en-US" smtClean="0"/>
-              <a:t>13</a:t>
+              <a:t>15</a:t>
             </a:fld>
             <a:endParaRPr lang="en-US"/>
           </a:p>
@@ -5241,7 +6274,7 @@
 </p:notes>
 </file>
 
-<file path=ppt/notesSlides/notesSlide8.xml><?xml version="1.0" encoding="utf-8"?>
+<file path=ppt/notesSlides/notesSlide9.xml><?xml version="1.0" encoding="utf-8"?>
 <p:notes xmlns:a="http://schemas.openxmlformats.org/drawingml/2006/main" xmlns:r="http://schemas.openxmlformats.org/officeDocument/2006/relationships" xmlns:p="http://schemas.openxmlformats.org/presentationml/2006/main">
   <p:cSld>
     <p:spTree>
@@ -5306,7 +6339,7 @@
           <a:p>
             <a:fld id="{C6B412AF-8B30-1C4A-9486-8B7EE1FDFB12}" type="slidenum">
               <a:rPr lang="en-US" smtClean="0"/>
-              <a:t>14</a:t>
+              <a:t>16</a:t>
             </a:fld>
             <a:endParaRPr lang="en-US"/>
           </a:p>
@@ -5316,90 +6349,6 @@
     <p:extLst>
       <p:ext uri="{BB962C8B-B14F-4D97-AF65-F5344CB8AC3E}">
         <p14:creationId xmlns:p14="http://schemas.microsoft.com/office/powerpoint/2010/main" val="1324784628"/>
-      </p:ext>
-    </p:extLst>
-  </p:cSld>
-  <p:clrMapOvr>
-    <a:masterClrMapping/>
-  </p:clrMapOvr>
-</p:notes>
-</file>
-
-<file path=ppt/notesSlides/notesSlide9.xml><?xml version="1.0" encoding="utf-8"?>
-<p:notes xmlns:a="http://schemas.openxmlformats.org/drawingml/2006/main" xmlns:r="http://schemas.openxmlformats.org/officeDocument/2006/relationships" xmlns:p="http://schemas.openxmlformats.org/presentationml/2006/main">
-  <p:cSld>
-    <p:spTree>
-      <p:nvGrpSpPr>
-        <p:cNvPr id="1" name=""/>
-        <p:cNvGrpSpPr/>
-        <p:nvPr/>
-      </p:nvGrpSpPr>
-      <p:grpSpPr>
-        <a:xfrm>
-          <a:off x="0" y="0"/>
-          <a:ext cx="0" cy="0"/>
-          <a:chOff x="0" y="0"/>
-          <a:chExt cx="0" cy="0"/>
-        </a:xfrm>
-      </p:grpSpPr>
-      <p:sp>
-        <p:nvSpPr>
-          <p:cNvPr id="2" name="Slide Image Placeholder 1"/>
-          <p:cNvSpPr>
-            <a:spLocks noGrp="1" noRot="1" noChangeAspect="1"/>
-          </p:cNvSpPr>
-          <p:nvPr>
-            <p:ph type="sldImg"/>
-          </p:nvPr>
-        </p:nvSpPr>
-        <p:spPr/>
-      </p:sp>
-      <p:sp>
-        <p:nvSpPr>
-          <p:cNvPr id="3" name="Notes Placeholder 2"/>
-          <p:cNvSpPr>
-            <a:spLocks noGrp="1"/>
-          </p:cNvSpPr>
-          <p:nvPr>
-            <p:ph type="body" idx="1"/>
-          </p:nvPr>
-        </p:nvSpPr>
-        <p:spPr/>
-        <p:txBody>
-          <a:bodyPr/>
-          <a:lstStyle/>
-          <a:p>
-            <a:endParaRPr lang="es-ES_tradnl" dirty="0"/>
-          </a:p>
-        </p:txBody>
-      </p:sp>
-      <p:sp>
-        <p:nvSpPr>
-          <p:cNvPr id="4" name="Slide Number Placeholder 3"/>
-          <p:cNvSpPr>
-            <a:spLocks noGrp="1"/>
-          </p:cNvSpPr>
-          <p:nvPr>
-            <p:ph type="sldNum" sz="quarter" idx="5"/>
-          </p:nvPr>
-        </p:nvSpPr>
-        <p:spPr/>
-        <p:txBody>
-          <a:bodyPr/>
-          <a:lstStyle/>
-          <a:p>
-            <a:fld id="{C6B412AF-8B30-1C4A-9486-8B7EE1FDFB12}" type="slidenum">
-              <a:rPr lang="en-US" smtClean="0"/>
-              <a:t>15</a:t>
-            </a:fld>
-            <a:endParaRPr lang="en-US"/>
-          </a:p>
-        </p:txBody>
-      </p:sp>
-    </p:spTree>
-    <p:extLst>
-      <p:ext uri="{BB962C8B-B14F-4D97-AF65-F5344CB8AC3E}">
-        <p14:creationId xmlns:p14="http://schemas.microsoft.com/office/powerpoint/2010/main" val="446750346"/>
       </p:ext>
     </p:extLst>
   </p:cSld>
@@ -5556,7 +6505,7 @@
           <a:p>
             <a:fld id="{664FFB85-B129-774D-93A0-F57B9B2B4D03}" type="datetime1">
               <a:rPr lang="en-US" smtClean="0"/>
-              <a:t>4/14/25</a:t>
+              <a:t>4/15/25</a:t>
             </a:fld>
             <a:endParaRPr lang="en-US"/>
           </a:p>
@@ -5754,7 +6703,7 @@
           <a:p>
             <a:fld id="{23C86737-1BBC-544D-9FC3-DA3274CF8698}" type="datetime1">
               <a:rPr lang="en-US" smtClean="0"/>
-              <a:t>4/14/25</a:t>
+              <a:t>4/15/25</a:t>
             </a:fld>
             <a:endParaRPr lang="en-US"/>
           </a:p>
@@ -5962,7 +6911,7 @@
           <a:p>
             <a:fld id="{35CE60E5-F23C-764C-AA70-1ED90C06A3A1}" type="datetime1">
               <a:rPr lang="en-US" smtClean="0"/>
-              <a:t>4/14/25</a:t>
+              <a:t>4/15/25</a:t>
             </a:fld>
             <a:endParaRPr lang="en-US"/>
           </a:p>
@@ -6160,7 +7109,7 @@
           <a:p>
             <a:fld id="{D6FA6702-BFF0-234C-B592-E8C1FA6F1806}" type="datetime1">
               <a:rPr lang="en-US" smtClean="0"/>
-              <a:t>4/14/25</a:t>
+              <a:t>4/15/25</a:t>
             </a:fld>
             <a:endParaRPr lang="en-US"/>
           </a:p>
@@ -6435,7 +7384,7 @@
           <a:p>
             <a:fld id="{E8B16A00-60F7-B64E-8A28-BD6FD4FB0293}" type="datetime1">
               <a:rPr lang="en-US" smtClean="0"/>
-              <a:t>4/14/25</a:t>
+              <a:t>4/15/25</a:t>
             </a:fld>
             <a:endParaRPr lang="en-US"/>
           </a:p>
@@ -6700,7 +7649,7 @@
           <a:p>
             <a:fld id="{9461FB3B-061B-F144-A5FA-F3EAD484BB68}" type="datetime1">
               <a:rPr lang="en-US" smtClean="0"/>
-              <a:t>4/14/25</a:t>
+              <a:t>4/15/25</a:t>
             </a:fld>
             <a:endParaRPr lang="en-US"/>
           </a:p>
@@ -7112,7 +8061,7 @@
           <a:p>
             <a:fld id="{33AB2EF4-12EB-9A4D-9238-2D7527A162A6}" type="datetime1">
               <a:rPr lang="en-US" smtClean="0"/>
-              <a:t>4/14/25</a:t>
+              <a:t>4/15/25</a:t>
             </a:fld>
             <a:endParaRPr lang="en-US"/>
           </a:p>
@@ -7253,7 +8202,7 @@
           <a:p>
             <a:fld id="{B04B8114-FA9D-8D4A-A67F-A4701DAC90FA}" type="datetime1">
               <a:rPr lang="en-US" smtClean="0"/>
-              <a:t>4/14/25</a:t>
+              <a:t>4/15/25</a:t>
             </a:fld>
             <a:endParaRPr lang="en-US"/>
           </a:p>
@@ -7366,7 +8315,7 @@
           <a:p>
             <a:fld id="{70C4410B-B86C-2848-BC8C-F46E39ADEFA3}" type="datetime1">
               <a:rPr lang="en-US" smtClean="0"/>
-              <a:t>4/14/25</a:t>
+              <a:t>4/15/25</a:t>
             </a:fld>
             <a:endParaRPr lang="en-US"/>
           </a:p>
@@ -7677,7 +8626,7 @@
           <a:p>
             <a:fld id="{58BA655F-D0D7-B249-A22B-B443D0B3B154}" type="datetime1">
               <a:rPr lang="en-US" smtClean="0"/>
-              <a:t>4/14/25</a:t>
+              <a:t>4/15/25</a:t>
             </a:fld>
             <a:endParaRPr lang="en-US"/>
           </a:p>
@@ -7965,7 +8914,7 @@
           <a:p>
             <a:fld id="{10E43CFB-0197-A049-9F9E-574CE0E6949D}" type="datetime1">
               <a:rPr lang="en-US" smtClean="0"/>
-              <a:t>4/14/25</a:t>
+              <a:t>4/15/25</a:t>
             </a:fld>
             <a:endParaRPr lang="en-US"/>
           </a:p>
@@ -8208,7 +9157,7 @@
           <a:p>
             <a:fld id="{5C89D66A-6B48-BE47-8B10-C9113B69D385}" type="datetime1">
               <a:rPr lang="en-US" noProof="0" smtClean="0"/>
-              <a:t>4/14/25</a:t>
+              <a:t>4/15/25</a:t>
             </a:fld>
             <a:endParaRPr lang="es-ES_tradnl" noProof="0"/>
           </a:p>
@@ -8738,7 +9687,7 @@
                 <a:latin typeface="Gill Sans Nova Light" panose="020F0302020204030204" pitchFamily="34" charset="0"/>
                 <a:cs typeface="Times New Roman" panose="02020603050405020304" pitchFamily="18" charset="0"/>
               </a:rPr>
-              <a:t>Clase 5</a:t>
+              <a:t>Clase 10</a:t>
             </a:r>
             <a:endParaRPr lang="en-US" sz="3600" dirty="0"/>
           </a:p>
@@ -9463,6 +10412,910 @@
 </file>
 
 <file path=ppt/slides/slide11.xml><?xml version="1.0" encoding="utf-8"?>
+<p:sld xmlns:a="http://schemas.openxmlformats.org/drawingml/2006/main" xmlns:r="http://schemas.openxmlformats.org/officeDocument/2006/relationships" xmlns:p="http://schemas.openxmlformats.org/presentationml/2006/main">
+  <p:cSld>
+    <p:spTree>
+      <p:nvGrpSpPr>
+        <p:cNvPr id="1" name="">
+          <a:extLst>
+            <a:ext uri="{FF2B5EF4-FFF2-40B4-BE49-F238E27FC236}">
+              <a16:creationId xmlns:a16="http://schemas.microsoft.com/office/drawing/2014/main" id="{A87327BB-6A86-3247-10E2-88A1E161047C}"/>
+            </a:ext>
+          </a:extLst>
+        </p:cNvPr>
+        <p:cNvGrpSpPr/>
+        <p:nvPr/>
+      </p:nvGrpSpPr>
+      <p:grpSpPr>
+        <a:xfrm>
+          <a:off x="0" y="0"/>
+          <a:ext cx="0" cy="0"/>
+          <a:chOff x="0" y="0"/>
+          <a:chExt cx="0" cy="0"/>
+        </a:xfrm>
+      </p:grpSpPr>
+      <p:sp>
+        <p:nvSpPr>
+          <p:cNvPr id="2" name="Title 1">
+            <a:extLst>
+              <a:ext uri="{FF2B5EF4-FFF2-40B4-BE49-F238E27FC236}">
+                <a16:creationId xmlns:a16="http://schemas.microsoft.com/office/drawing/2014/main" id="{79867D98-A1AE-5A8A-FA2D-1E0B09E27601}"/>
+              </a:ext>
+            </a:extLst>
+          </p:cNvPr>
+          <p:cNvSpPr>
+            <a:spLocks noGrp="1"/>
+          </p:cNvSpPr>
+          <p:nvPr>
+            <p:ph type="title"/>
+          </p:nvPr>
+        </p:nvSpPr>
+        <p:spPr/>
+        <p:txBody>
+          <a:bodyPr/>
+          <a:lstStyle/>
+          <a:p>
+            <a:r>
+              <a:rPr lang="es-ES_tradnl" dirty="0"/>
+              <a:t>Varianza del modelo</a:t>
+            </a:r>
+          </a:p>
+        </p:txBody>
+      </p:sp>
+      <mc:AlternateContent xmlns:mc="http://schemas.openxmlformats.org/markup-compatibility/2006">
+        <mc:Choice xmlns:a14="http://schemas.microsoft.com/office/drawing/2010/main" Requires="a14">
+          <p:sp>
+            <p:nvSpPr>
+              <p:cNvPr id="3" name="Content Placeholder 2">
+                <a:extLst>
+                  <a:ext uri="{FF2B5EF4-FFF2-40B4-BE49-F238E27FC236}">
+                    <a16:creationId xmlns:a16="http://schemas.microsoft.com/office/drawing/2014/main" id="{0BF4F396-172E-EC75-B19C-4D20D5D354EB}"/>
+                  </a:ext>
+                </a:extLst>
+              </p:cNvPr>
+              <p:cNvSpPr>
+                <a:spLocks noGrp="1"/>
+              </p:cNvSpPr>
+              <p:nvPr>
+                <p:ph idx="1"/>
+              </p:nvPr>
+            </p:nvSpPr>
+            <p:spPr/>
+            <p:txBody>
+              <a:bodyPr>
+                <a:normAutofit fontScale="92500" lnSpcReduction="10000"/>
+              </a:bodyPr>
+              <a:lstStyle/>
+              <a:p>
+                <a:pPr>
+                  <a:lnSpc>
+                    <a:spcPct val="110000"/>
+                  </a:lnSpc>
+                </a:pPr>
+                <a:r>
+                  <a:rPr lang="es-ES_tradnl" sz="3600" dirty="0"/>
+                  <a:t>Modelo</a:t>
+                </a:r>
+                <a:endParaRPr lang="en-US" sz="3600" b="0" i="1" dirty="0">
+                  <a:latin typeface="Cambria Math" panose="02040503050406030204" pitchFamily="18" charset="0"/>
+                </a:endParaRPr>
+              </a:p>
+              <a:p>
+                <a:pPr marL="0" indent="0" algn="ctr">
+                  <a:lnSpc>
+                    <a:spcPct val="110000"/>
+                  </a:lnSpc>
+                  <a:buNone/>
+                </a:pPr>
+                <a14:m>
+                  <m:oMath xmlns:m="http://schemas.openxmlformats.org/officeDocument/2006/math">
+                    <m:r>
+                      <a:rPr lang="en-US" sz="3600" b="0" i="1" smtClean="0">
+                        <a:latin typeface="Cambria Math" panose="02040503050406030204" pitchFamily="18" charset="0"/>
+                      </a:rPr>
+                      <m:t>𝑌</m:t>
+                    </m:r>
+                    <m:r>
+                      <a:rPr lang="en-US" sz="3600" b="0" i="1" smtClean="0">
+                        <a:latin typeface="Cambria Math" panose="02040503050406030204" pitchFamily="18" charset="0"/>
+                      </a:rPr>
+                      <m:t>=</m:t>
+                    </m:r>
+                    <m:sSub>
+                      <m:sSubPr>
+                        <m:ctrlPr>
+                          <a:rPr lang="en-US" sz="3600" i="1">
+                            <a:latin typeface="Cambria Math" panose="02040503050406030204" pitchFamily="18" charset="0"/>
+                          </a:rPr>
+                        </m:ctrlPr>
+                      </m:sSubPr>
+                      <m:e>
+                        <m:r>
+                          <a:rPr lang="en-US" sz="3600" i="1">
+                            <a:latin typeface="Cambria Math" panose="02040503050406030204" pitchFamily="18" charset="0"/>
+                          </a:rPr>
+                          <m:t>𝛽</m:t>
+                        </m:r>
+                      </m:e>
+                      <m:sub>
+                        <m:r>
+                          <a:rPr lang="en-US" sz="3600" i="1">
+                            <a:latin typeface="Cambria Math" panose="02040503050406030204" pitchFamily="18" charset="0"/>
+                          </a:rPr>
+                          <m:t>0</m:t>
+                        </m:r>
+                      </m:sub>
+                    </m:sSub>
+                    <m:r>
+                      <a:rPr lang="en-US" sz="3600" i="1">
+                        <a:latin typeface="Cambria Math" panose="02040503050406030204" pitchFamily="18" charset="0"/>
+                      </a:rPr>
+                      <m:t>+</m:t>
+                    </m:r>
+                    <m:sSub>
+                      <m:sSubPr>
+                        <m:ctrlPr>
+                          <a:rPr lang="en-US" sz="3600" i="1">
+                            <a:latin typeface="Cambria Math" panose="02040503050406030204" pitchFamily="18" charset="0"/>
+                          </a:rPr>
+                        </m:ctrlPr>
+                      </m:sSubPr>
+                      <m:e>
+                        <m:r>
+                          <a:rPr lang="en-US" sz="3600" i="1">
+                            <a:latin typeface="Cambria Math" panose="02040503050406030204" pitchFamily="18" charset="0"/>
+                          </a:rPr>
+                          <m:t>𝛽</m:t>
+                        </m:r>
+                      </m:e>
+                      <m:sub>
+                        <m:r>
+                          <a:rPr lang="en-US" sz="3600" i="1">
+                            <a:latin typeface="Cambria Math" panose="02040503050406030204" pitchFamily="18" charset="0"/>
+                          </a:rPr>
+                          <m:t>1</m:t>
+                        </m:r>
+                      </m:sub>
+                    </m:sSub>
+                    <m:sSub>
+                      <m:sSubPr>
+                        <m:ctrlPr>
+                          <a:rPr lang="en-US" sz="3600" i="1">
+                            <a:latin typeface="Cambria Math" panose="02040503050406030204" pitchFamily="18" charset="0"/>
+                          </a:rPr>
+                        </m:ctrlPr>
+                      </m:sSubPr>
+                      <m:e>
+                        <m:r>
+                          <a:rPr lang="en-US" sz="3600" i="1">
+                            <a:latin typeface="Cambria Math" panose="02040503050406030204" pitchFamily="18" charset="0"/>
+                          </a:rPr>
+                          <m:t>𝑥</m:t>
+                        </m:r>
+                      </m:e>
+                      <m:sub>
+                        <m:r>
+                          <a:rPr lang="en-US" sz="3600" i="1">
+                            <a:latin typeface="Cambria Math" panose="02040503050406030204" pitchFamily="18" charset="0"/>
+                          </a:rPr>
+                          <m:t>1</m:t>
+                        </m:r>
+                        <m:r>
+                          <a:rPr lang="en-US" sz="3600" i="1">
+                            <a:latin typeface="Cambria Math" panose="02040503050406030204" pitchFamily="18" charset="0"/>
+                          </a:rPr>
+                          <m:t>𝑖</m:t>
+                        </m:r>
+                      </m:sub>
+                    </m:sSub>
+                    <m:r>
+                      <a:rPr lang="en-US" sz="3600" b="0" i="1" smtClean="0">
+                        <a:latin typeface="Cambria Math" panose="02040503050406030204" pitchFamily="18" charset="0"/>
+                      </a:rPr>
+                      <m:t>+</m:t>
+                    </m:r>
+                    <m:r>
+                      <a:rPr lang="en-US" sz="3600" b="0" i="1" smtClean="0">
+                        <a:latin typeface="Cambria Math" panose="02040503050406030204" pitchFamily="18" charset="0"/>
+                      </a:rPr>
+                      <m:t>𝑢</m:t>
+                    </m:r>
+                  </m:oMath>
+                </a14:m>
+                <a:r>
+                  <a:rPr lang="es-ES_tradnl" sz="3600" dirty="0"/>
+                  <a:t>	</a:t>
+                </a:r>
+              </a:p>
+              <a:p>
+                <a:pPr marL="0" indent="0" algn="ctr">
+                  <a:lnSpc>
+                    <a:spcPct val="110000"/>
+                  </a:lnSpc>
+                  <a:buNone/>
+                </a:pPr>
+                <a:endParaRPr lang="es-ES_tradnl" sz="3600" dirty="0"/>
+              </a:p>
+              <a:p>
+                <a:pPr lvl="1">
+                  <a:lnSpc>
+                    <a:spcPct val="110000"/>
+                  </a:lnSpc>
+                </a:pPr>
+                <a14:m>
+                  <m:oMath xmlns:m="http://schemas.openxmlformats.org/officeDocument/2006/math">
+                    <m:r>
+                      <a:rPr lang="en-US" sz="3200" i="1">
+                        <a:latin typeface="Cambria Math" panose="02040503050406030204" pitchFamily="18" charset="0"/>
+                        <a:ea typeface="Cambria Math" panose="02040503050406030204" pitchFamily="18" charset="0"/>
+                      </a:rPr>
+                      <m:t>𝑢</m:t>
+                    </m:r>
+                  </m:oMath>
+                </a14:m>
+                <a:r>
+                  <a:rPr lang="es-ES_tradnl" sz="3200" dirty="0"/>
+                  <a:t> la </a:t>
+                </a:r>
+                <a:r>
+                  <a:rPr lang="es-ES_tradnl" sz="3200" dirty="0">
+                    <a:solidFill>
+                      <a:srgbClr val="002060"/>
+                    </a:solidFill>
+                  </a:rPr>
+                  <a:t>no</a:t>
+                </a:r>
+                <a:r>
+                  <a:rPr lang="es-ES_tradnl" sz="3200" dirty="0"/>
+                  <a:t> </a:t>
+                </a:r>
+                <a:r>
+                  <a:rPr lang="es-ES_tradnl" sz="3200" dirty="0">
+                    <a:solidFill>
+                      <a:srgbClr val="002060"/>
+                    </a:solidFill>
+                  </a:rPr>
+                  <a:t>sistemática</a:t>
+                </a:r>
+              </a:p>
+              <a:p>
+                <a:pPr lvl="1">
+                  <a:lnSpc>
+                    <a:spcPct val="110000"/>
+                  </a:lnSpc>
+                </a:pPr>
+                <a:r>
+                  <a:rPr lang="es-ES_tradnl" sz="3200" dirty="0">
+                    <a:solidFill>
+                      <a:srgbClr val="002060"/>
+                    </a:solidFill>
+                  </a:rPr>
+                  <a:t>Suponemos:</a:t>
+                </a:r>
+              </a:p>
+              <a:p>
+                <a:pPr lvl="2">
+                  <a:lnSpc>
+                    <a:spcPct val="110000"/>
+                  </a:lnSpc>
+                </a:pPr>
+                <a:r>
+                  <a:rPr lang="es-ES_tradnl" sz="2800" dirty="0">
+                    <a:solidFill>
+                      <a:srgbClr val="002060"/>
+                    </a:solidFill>
+                  </a:rPr>
+                  <a:t>E(</a:t>
+                </a:r>
+                <a14:m>
+                  <m:oMath xmlns:m="http://schemas.openxmlformats.org/officeDocument/2006/math">
+                    <m:r>
+                      <a:rPr lang="en-US" sz="2800" i="1">
+                        <a:latin typeface="Cambria Math" panose="02040503050406030204" pitchFamily="18" charset="0"/>
+                      </a:rPr>
+                      <m:t>𝑢</m:t>
+                    </m:r>
+                  </m:oMath>
+                </a14:m>
+                <a:r>
+                  <a:rPr lang="es-ES_tradnl" sz="2800" dirty="0">
+                    <a:solidFill>
+                      <a:srgbClr val="002060"/>
+                    </a:solidFill>
+                  </a:rPr>
+                  <a:t>)=0 -&gt; en promedio los errores inobservables son cero</a:t>
+                </a:r>
+              </a:p>
+              <a:p>
+                <a:pPr lvl="2">
+                  <a:lnSpc>
+                    <a:spcPct val="110000"/>
+                  </a:lnSpc>
+                </a:pPr>
+                <a14:m>
+                  <m:oMath xmlns:m="http://schemas.openxmlformats.org/officeDocument/2006/math">
+                    <m:r>
+                      <a:rPr lang="en-US" sz="2800" b="0" i="1" smtClean="0">
+                        <a:latin typeface="Cambria Math" panose="02040503050406030204" pitchFamily="18" charset="0"/>
+                      </a:rPr>
+                      <m:t>𝑉𝑎𝑟</m:t>
+                    </m:r>
+                    <m:d>
+                      <m:dPr>
+                        <m:ctrlPr>
+                          <a:rPr lang="en-US" sz="2800" b="0" i="1" smtClean="0">
+                            <a:latin typeface="Cambria Math" panose="02040503050406030204" pitchFamily="18" charset="0"/>
+                          </a:rPr>
+                        </m:ctrlPr>
+                      </m:dPr>
+                      <m:e>
+                        <m:r>
+                          <a:rPr lang="en-US" sz="2800" i="1">
+                            <a:latin typeface="Cambria Math" panose="02040503050406030204" pitchFamily="18" charset="0"/>
+                          </a:rPr>
+                          <m:t>𝑢</m:t>
+                        </m:r>
+                      </m:e>
+                    </m:d>
+                    <m:r>
+                      <a:rPr lang="en-US" sz="2800" b="0" i="1" smtClean="0">
+                        <a:latin typeface="Cambria Math" panose="02040503050406030204" pitchFamily="18" charset="0"/>
+                      </a:rPr>
+                      <m:t>=</m:t>
+                    </m:r>
+                    <m:r>
+                      <a:rPr lang="en-US" sz="2800" b="0" i="1" smtClean="0">
+                        <a:latin typeface="Cambria Math" panose="02040503050406030204" pitchFamily="18" charset="0"/>
+                      </a:rPr>
+                      <m:t>𝐸</m:t>
+                    </m:r>
+                    <m:d>
+                      <m:dPr>
+                        <m:ctrlPr>
+                          <a:rPr lang="en-US" sz="2800" b="0" i="1" smtClean="0">
+                            <a:latin typeface="Cambria Math" panose="02040503050406030204" pitchFamily="18" charset="0"/>
+                          </a:rPr>
+                        </m:ctrlPr>
+                      </m:dPr>
+                      <m:e>
+                        <m:sSup>
+                          <m:sSupPr>
+                            <m:ctrlPr>
+                              <a:rPr lang="en-US" sz="2800" b="0" i="1" smtClean="0">
+                                <a:latin typeface="Cambria Math" panose="02040503050406030204" pitchFamily="18" charset="0"/>
+                              </a:rPr>
+                            </m:ctrlPr>
+                          </m:sSupPr>
+                          <m:e>
+                            <m:r>
+                              <a:rPr lang="en-US" sz="2800" b="0" i="1" smtClean="0">
+                                <a:latin typeface="Cambria Math" panose="02040503050406030204" pitchFamily="18" charset="0"/>
+                              </a:rPr>
+                              <m:t>𝑢</m:t>
+                            </m:r>
+                          </m:e>
+                          <m:sup>
+                            <m:r>
+                              <a:rPr lang="en-US" sz="2800" b="0" i="1" smtClean="0">
+                                <a:latin typeface="Cambria Math" panose="02040503050406030204" pitchFamily="18" charset="0"/>
+                              </a:rPr>
+                              <m:t>2</m:t>
+                            </m:r>
+                          </m:sup>
+                        </m:sSup>
+                      </m:e>
+                    </m:d>
+                    <m:r>
+                      <a:rPr lang="en-US" sz="2800" b="0" i="1" smtClean="0">
+                        <a:latin typeface="Cambria Math" panose="02040503050406030204" pitchFamily="18" charset="0"/>
+                      </a:rPr>
+                      <m:t>=</m:t>
+                    </m:r>
+                    <m:sSup>
+                      <m:sSupPr>
+                        <m:ctrlPr>
+                          <a:rPr lang="en-US" sz="2800" b="0" i="1" smtClean="0">
+                            <a:latin typeface="Cambria Math" panose="02040503050406030204" pitchFamily="18" charset="0"/>
+                          </a:rPr>
+                        </m:ctrlPr>
+                      </m:sSupPr>
+                      <m:e>
+                        <m:r>
+                          <a:rPr lang="en-US" sz="2800" b="0" i="1" smtClean="0">
+                            <a:latin typeface="Cambria Math" panose="02040503050406030204" pitchFamily="18" charset="0"/>
+                          </a:rPr>
+                          <m:t>𝜎</m:t>
+                        </m:r>
+                      </m:e>
+                      <m:sup>
+                        <m:r>
+                          <a:rPr lang="en-US" sz="2800" b="0" i="1" smtClean="0">
+                            <a:latin typeface="Cambria Math" panose="02040503050406030204" pitchFamily="18" charset="0"/>
+                          </a:rPr>
+                          <m:t>2</m:t>
+                        </m:r>
+                      </m:sup>
+                    </m:sSup>
+                  </m:oMath>
+                </a14:m>
+                <a:endParaRPr lang="es-ES_tradnl" sz="2800" dirty="0">
+                  <a:solidFill>
+                    <a:srgbClr val="002060"/>
+                  </a:solidFill>
+                </a:endParaRPr>
+              </a:p>
+              <a:p>
+                <a:pPr lvl="2">
+                  <a:lnSpc>
+                    <a:spcPct val="110000"/>
+                  </a:lnSpc>
+                </a:pPr>
+                <a14:m>
+                  <m:oMath xmlns:m="http://schemas.openxmlformats.org/officeDocument/2006/math">
+                    <m:r>
+                      <a:rPr lang="en-US" sz="2800" i="1">
+                        <a:latin typeface="Cambria Math" panose="02040503050406030204" pitchFamily="18" charset="0"/>
+                      </a:rPr>
+                      <m:t>𝑢</m:t>
+                    </m:r>
+                  </m:oMath>
+                </a14:m>
+                <a:r>
+                  <a:rPr lang="es-ES_tradnl" sz="2800" dirty="0">
+                    <a:solidFill>
+                      <a:srgbClr val="002060"/>
+                    </a:solidFill>
+                  </a:rPr>
+                  <a:t> es independiente de </a:t>
+                </a:r>
+                <a14:m>
+                  <m:oMath xmlns:m="http://schemas.openxmlformats.org/officeDocument/2006/math">
+                    <m:r>
+                      <a:rPr lang="en-US" sz="2800" i="1">
+                        <a:latin typeface="Cambria Math" panose="02040503050406030204" pitchFamily="18" charset="0"/>
+                      </a:rPr>
+                      <m:t>𝑥</m:t>
+                    </m:r>
+                  </m:oMath>
+                </a14:m>
+                <a:r>
+                  <a:rPr lang="es-ES_tradnl" sz="2800" dirty="0">
+                    <a:solidFill>
+                      <a:srgbClr val="002060"/>
+                    </a:solidFill>
+                  </a:rPr>
+                  <a:t> (</a:t>
+                </a:r>
+                <a14:m>
+                  <m:oMath xmlns:m="http://schemas.openxmlformats.org/officeDocument/2006/math">
+                    <m:r>
+                      <a:rPr lang="en-US" sz="2800" i="1">
+                        <a:latin typeface="Cambria Math" panose="02040503050406030204" pitchFamily="18" charset="0"/>
+                      </a:rPr>
+                      <m:t>𝑥</m:t>
+                    </m:r>
+                    <m:r>
+                      <a:rPr lang="en-US" sz="2800" i="1" smtClean="0">
+                        <a:latin typeface="Cambria Math" panose="02040503050406030204" pitchFamily="18" charset="0"/>
+                        <a:ea typeface="Cambria Math" panose="02040503050406030204" pitchFamily="18" charset="0"/>
+                      </a:rPr>
+                      <m:t>⊥</m:t>
+                    </m:r>
+                    <m:r>
+                      <a:rPr lang="en-US" sz="2800" b="0" i="1" smtClean="0">
+                        <a:latin typeface="Cambria Math" panose="02040503050406030204" pitchFamily="18" charset="0"/>
+                        <a:ea typeface="Cambria Math" panose="02040503050406030204" pitchFamily="18" charset="0"/>
+                      </a:rPr>
+                      <m:t>𝑢</m:t>
+                    </m:r>
+                  </m:oMath>
+                </a14:m>
+                <a:r>
+                  <a:rPr lang="es-ES_tradnl" sz="2800" dirty="0">
+                    <a:solidFill>
+                      <a:srgbClr val="002060"/>
+                    </a:solidFill>
+                  </a:rPr>
+                  <a:t>) </a:t>
+                </a:r>
+              </a:p>
+              <a:p>
+                <a:pPr lvl="1">
+                  <a:lnSpc>
+                    <a:spcPct val="110000"/>
+                  </a:lnSpc>
+                </a:pPr>
+                <a:endParaRPr lang="es-ES_tradnl" sz="3200" dirty="0"/>
+              </a:p>
+              <a:p>
+                <a:pPr>
+                  <a:lnSpc>
+                    <a:spcPct val="110000"/>
+                  </a:lnSpc>
+                </a:pPr>
+                <a:endParaRPr lang="es-ES_tradnl" sz="3600" dirty="0"/>
+              </a:p>
+              <a:p>
+                <a:pPr marL="0" indent="0">
+                  <a:lnSpc>
+                    <a:spcPct val="110000"/>
+                  </a:lnSpc>
+                  <a:buNone/>
+                </a:pPr>
+                <a:endParaRPr lang="es-ES_tradnl" sz="3600" dirty="0"/>
+              </a:p>
+            </p:txBody>
+          </p:sp>
+        </mc:Choice>
+        <mc:Fallback>
+          <p:sp>
+            <p:nvSpPr>
+              <p:cNvPr id="3" name="Content Placeholder 2">
+                <a:extLst>
+                  <a:ext uri="{FF2B5EF4-FFF2-40B4-BE49-F238E27FC236}">
+                    <a16:creationId xmlns:a16="http://schemas.microsoft.com/office/drawing/2014/main" id="{0BF4F396-172E-EC75-B19C-4D20D5D354EB}"/>
+                  </a:ext>
+                </a:extLst>
+              </p:cNvPr>
+              <p:cNvSpPr>
+                <a:spLocks noGrp="1" noRot="1" noChangeAspect="1" noMove="1" noResize="1" noEditPoints="1" noAdjustHandles="1" noChangeArrowheads="1" noChangeShapeType="1" noTextEdit="1"/>
+              </p:cNvSpPr>
+              <p:nvPr>
+                <p:ph idx="1"/>
+              </p:nvPr>
+            </p:nvSpPr>
+            <p:spPr>
+              <a:blipFill>
+                <a:blip r:embed="rId3"/>
+                <a:stretch>
+                  <a:fillRect l="-1448" t="-1744" b="-2907"/>
+                </a:stretch>
+              </a:blipFill>
+            </p:spPr>
+            <p:txBody>
+              <a:bodyPr/>
+              <a:lstStyle/>
+              <a:p>
+                <a:r>
+                  <a:rPr lang="es-ES_tradnl">
+                    <a:noFill/>
+                  </a:rPr>
+                  <a:t> </a:t>
+                </a:r>
+              </a:p>
+            </p:txBody>
+          </p:sp>
+        </mc:Fallback>
+      </mc:AlternateContent>
+      <p:sp>
+        <p:nvSpPr>
+          <p:cNvPr id="4" name="Slide Number Placeholder 3">
+            <a:extLst>
+              <a:ext uri="{FF2B5EF4-FFF2-40B4-BE49-F238E27FC236}">
+                <a16:creationId xmlns:a16="http://schemas.microsoft.com/office/drawing/2014/main" id="{586CEBE6-973B-C77D-E40D-3A5DA8345587}"/>
+              </a:ext>
+            </a:extLst>
+          </p:cNvPr>
+          <p:cNvSpPr>
+            <a:spLocks noGrp="1"/>
+          </p:cNvSpPr>
+          <p:nvPr>
+            <p:ph type="sldNum" sz="quarter" idx="12"/>
+          </p:nvPr>
+        </p:nvSpPr>
+        <p:spPr/>
+        <p:txBody>
+          <a:bodyPr/>
+          <a:lstStyle/>
+          <a:p>
+            <a:fld id="{278C1CC4-2077-434E-BCF1-5D01C08A9B17}" type="slidenum">
+              <a:rPr lang="en-US" smtClean="0"/>
+              <a:t>11</a:t>
+            </a:fld>
+            <a:endParaRPr lang="en-US"/>
+          </a:p>
+        </p:txBody>
+      </p:sp>
+    </p:spTree>
+    <p:extLst>
+      <p:ext uri="{BB962C8B-B14F-4D97-AF65-F5344CB8AC3E}">
+        <p14:creationId xmlns:p14="http://schemas.microsoft.com/office/powerpoint/2010/main" val="4064308516"/>
+      </p:ext>
+    </p:extLst>
+  </p:cSld>
+  <p:clrMapOvr>
+    <a:masterClrMapping/>
+  </p:clrMapOvr>
+  <p:timing>
+    <p:tnLst>
+      <p:par>
+        <p:cTn id="1" dur="indefinite" restart="never" nodeType="tmRoot">
+          <p:childTnLst>
+            <p:seq concurrent="1" nextAc="seek">
+              <p:cTn id="2" dur="indefinite" nodeType="mainSeq">
+                <p:childTnLst>
+                  <p:par>
+                    <p:cTn id="3" fill="hold">
+                      <p:stCondLst>
+                        <p:cond delay="indefinite"/>
+                      </p:stCondLst>
+                      <p:childTnLst>
+                        <p:par>
+                          <p:cTn id="4" fill="hold">
+                            <p:stCondLst>
+                              <p:cond delay="0"/>
+                            </p:stCondLst>
+                            <p:childTnLst>
+                              <p:par>
+                                <p:cTn id="5" presetID="1" presetClass="entr" presetSubtype="0" fill="hold" grpId="0" nodeType="clickEffect">
+                                  <p:stCondLst>
+                                    <p:cond delay="0"/>
+                                  </p:stCondLst>
+                                  <p:childTnLst>
+                                    <p:set>
+                                      <p:cBhvr>
+                                        <p:cTn id="6" dur="1" fill="hold">
+                                          <p:stCondLst>
+                                            <p:cond delay="0"/>
+                                          </p:stCondLst>
+                                        </p:cTn>
+                                        <p:tgtEl>
+                                          <p:spTgt spid="3">
+                                            <p:txEl>
+                                              <p:pRg st="0" end="0"/>
+                                            </p:txEl>
+                                          </p:spTgt>
+                                        </p:tgtEl>
+                                        <p:attrNameLst>
+                                          <p:attrName>style.visibility</p:attrName>
+                                        </p:attrNameLst>
+                                      </p:cBhvr>
+                                      <p:to>
+                                        <p:strVal val="visible"/>
+                                      </p:to>
+                                    </p:set>
+                                  </p:childTnLst>
+                                </p:cTn>
+                              </p:par>
+                            </p:childTnLst>
+                          </p:cTn>
+                        </p:par>
+                      </p:childTnLst>
+                    </p:cTn>
+                  </p:par>
+                  <p:par>
+                    <p:cTn id="7" fill="hold">
+                      <p:stCondLst>
+                        <p:cond delay="indefinite"/>
+                      </p:stCondLst>
+                      <p:childTnLst>
+                        <p:par>
+                          <p:cTn id="8" fill="hold">
+                            <p:stCondLst>
+                              <p:cond delay="0"/>
+                            </p:stCondLst>
+                            <p:childTnLst>
+                              <p:par>
+                                <p:cTn id="9" presetID="1" presetClass="entr" presetSubtype="0" fill="hold" grpId="0" nodeType="clickEffect">
+                                  <p:stCondLst>
+                                    <p:cond delay="0"/>
+                                  </p:stCondLst>
+                                  <p:childTnLst>
+                                    <p:set>
+                                      <p:cBhvr>
+                                        <p:cTn id="10" dur="1" fill="hold">
+                                          <p:stCondLst>
+                                            <p:cond delay="0"/>
+                                          </p:stCondLst>
+                                        </p:cTn>
+                                        <p:tgtEl>
+                                          <p:spTgt spid="3">
+                                            <p:txEl>
+                                              <p:pRg st="1" end="1"/>
+                                            </p:txEl>
+                                          </p:spTgt>
+                                        </p:tgtEl>
+                                        <p:attrNameLst>
+                                          <p:attrName>style.visibility</p:attrName>
+                                        </p:attrNameLst>
+                                      </p:cBhvr>
+                                      <p:to>
+                                        <p:strVal val="visible"/>
+                                      </p:to>
+                                    </p:set>
+                                  </p:childTnLst>
+                                </p:cTn>
+                              </p:par>
+                              <p:par>
+                                <p:cTn id="11" presetID="1" presetClass="entr" presetSubtype="0" fill="hold" grpId="0" nodeType="withEffect">
+                                  <p:stCondLst>
+                                    <p:cond delay="0"/>
+                                  </p:stCondLst>
+                                  <p:childTnLst>
+                                    <p:set>
+                                      <p:cBhvr>
+                                        <p:cTn id="12" dur="1" fill="hold">
+                                          <p:stCondLst>
+                                            <p:cond delay="0"/>
+                                          </p:stCondLst>
+                                        </p:cTn>
+                                        <p:tgtEl>
+                                          <p:spTgt spid="3">
+                                            <p:txEl>
+                                              <p:pRg st="3" end="3"/>
+                                            </p:txEl>
+                                          </p:spTgt>
+                                        </p:tgtEl>
+                                        <p:attrNameLst>
+                                          <p:attrName>style.visibility</p:attrName>
+                                        </p:attrNameLst>
+                                      </p:cBhvr>
+                                      <p:to>
+                                        <p:strVal val="visible"/>
+                                      </p:to>
+                                    </p:set>
+                                  </p:childTnLst>
+                                </p:cTn>
+                              </p:par>
+                              <p:par>
+                                <p:cTn id="13" presetID="1" presetClass="entr" presetSubtype="0" fill="hold" grpId="0" nodeType="withEffect">
+                                  <p:stCondLst>
+                                    <p:cond delay="0"/>
+                                  </p:stCondLst>
+                                  <p:childTnLst>
+                                    <p:set>
+                                      <p:cBhvr>
+                                        <p:cTn id="14" dur="1" fill="hold">
+                                          <p:stCondLst>
+                                            <p:cond delay="0"/>
+                                          </p:stCondLst>
+                                        </p:cTn>
+                                        <p:tgtEl>
+                                          <p:spTgt spid="3">
+                                            <p:txEl>
+                                              <p:pRg st="4" end="4"/>
+                                            </p:txEl>
+                                          </p:spTgt>
+                                        </p:tgtEl>
+                                        <p:attrNameLst>
+                                          <p:attrName>style.visibility</p:attrName>
+                                        </p:attrNameLst>
+                                      </p:cBhvr>
+                                      <p:to>
+                                        <p:strVal val="visible"/>
+                                      </p:to>
+                                    </p:set>
+                                  </p:childTnLst>
+                                </p:cTn>
+                              </p:par>
+                              <p:par>
+                                <p:cTn id="15" presetID="1" presetClass="entr" presetSubtype="0" fill="hold" grpId="0" nodeType="withEffect">
+                                  <p:stCondLst>
+                                    <p:cond delay="0"/>
+                                  </p:stCondLst>
+                                  <p:childTnLst>
+                                    <p:set>
+                                      <p:cBhvr>
+                                        <p:cTn id="16" dur="1" fill="hold">
+                                          <p:stCondLst>
+                                            <p:cond delay="0"/>
+                                          </p:stCondLst>
+                                        </p:cTn>
+                                        <p:tgtEl>
+                                          <p:spTgt spid="3">
+                                            <p:txEl>
+                                              <p:pRg st="5" end="5"/>
+                                            </p:txEl>
+                                          </p:spTgt>
+                                        </p:tgtEl>
+                                        <p:attrNameLst>
+                                          <p:attrName>style.visibility</p:attrName>
+                                        </p:attrNameLst>
+                                      </p:cBhvr>
+                                      <p:to>
+                                        <p:strVal val="visible"/>
+                                      </p:to>
+                                    </p:set>
+                                  </p:childTnLst>
+                                </p:cTn>
+                              </p:par>
+                              <p:par>
+                                <p:cTn id="17" presetID="1" presetClass="entr" presetSubtype="0" fill="hold" grpId="0" nodeType="withEffect">
+                                  <p:stCondLst>
+                                    <p:cond delay="0"/>
+                                  </p:stCondLst>
+                                  <p:childTnLst>
+                                    <p:set>
+                                      <p:cBhvr>
+                                        <p:cTn id="18" dur="1" fill="hold">
+                                          <p:stCondLst>
+                                            <p:cond delay="0"/>
+                                          </p:stCondLst>
+                                        </p:cTn>
+                                        <p:tgtEl>
+                                          <p:spTgt spid="3">
+                                            <p:txEl>
+                                              <p:pRg st="6" end="6"/>
+                                            </p:txEl>
+                                          </p:spTgt>
+                                        </p:tgtEl>
+                                        <p:attrNameLst>
+                                          <p:attrName>style.visibility</p:attrName>
+                                        </p:attrNameLst>
+                                      </p:cBhvr>
+                                      <p:to>
+                                        <p:strVal val="visible"/>
+                                      </p:to>
+                                    </p:set>
+                                  </p:childTnLst>
+                                </p:cTn>
+                              </p:par>
+                              <p:par>
+                                <p:cTn id="19" presetID="1" presetClass="entr" presetSubtype="0" fill="hold" grpId="0" nodeType="withEffect">
+                                  <p:stCondLst>
+                                    <p:cond delay="0"/>
+                                  </p:stCondLst>
+                                  <p:childTnLst>
+                                    <p:set>
+                                      <p:cBhvr>
+                                        <p:cTn id="20" dur="1" fill="hold">
+                                          <p:stCondLst>
+                                            <p:cond delay="0"/>
+                                          </p:stCondLst>
+                                        </p:cTn>
+                                        <p:tgtEl>
+                                          <p:spTgt spid="3">
+                                            <p:txEl>
+                                              <p:pRg st="7" end="7"/>
+                                            </p:txEl>
+                                          </p:spTgt>
+                                        </p:tgtEl>
+                                        <p:attrNameLst>
+                                          <p:attrName>style.visibility</p:attrName>
+                                        </p:attrNameLst>
+                                      </p:cBhvr>
+                                      <p:to>
+                                        <p:strVal val="visible"/>
+                                      </p:to>
+                                    </p:set>
+                                  </p:childTnLst>
+                                </p:cTn>
+                              </p:par>
+                            </p:childTnLst>
+                          </p:cTn>
+                        </p:par>
+                      </p:childTnLst>
+                    </p:cTn>
+                  </p:par>
+                </p:childTnLst>
+              </p:cTn>
+              <p:prevCondLst>
+                <p:cond evt="onPrev" delay="0">
+                  <p:tgtEl>
+                    <p:sldTgt/>
+                  </p:tgtEl>
+                </p:cond>
+              </p:prevCondLst>
+              <p:nextCondLst>
+                <p:cond evt="onNext" delay="0">
+                  <p:tgtEl>
+                    <p:sldTgt/>
+                  </p:tgtEl>
+                </p:cond>
+              </p:nextCondLst>
+            </p:seq>
+          </p:childTnLst>
+        </p:cTn>
+      </p:par>
+    </p:tnLst>
+    <p:bldLst>
+      <p:bldP spid="3" grpId="0" build="p"/>
+    </p:bldLst>
+  </p:timing>
+</p:sld>
+</file>
+
+<file path=ppt/slides/slide12.xml><?xml version="1.0" encoding="utf-8"?>
 <p:sld xmlns:a="http://schemas.openxmlformats.org/drawingml/2006/main" xmlns:r="http://schemas.openxmlformats.org/officeDocument/2006/relationships" xmlns:p="http://schemas.openxmlformats.org/presentationml/2006/main">
   <p:cSld>
     <p:spTree>
@@ -10813,12 +12666,63 @@
           <a:p>
             <a:fld id="{278C1CC4-2077-434E-BCF1-5D01C08A9B17}" type="slidenum">
               <a:rPr lang="en-US" smtClean="0"/>
-              <a:t>11</a:t>
+              <a:t>12</a:t>
             </a:fld>
             <a:endParaRPr lang="en-US"/>
           </a:p>
         </p:txBody>
       </p:sp>
+      <mc:AlternateContent xmlns:mc="http://schemas.openxmlformats.org/markup-compatibility/2006">
+        <mc:Choice xmlns:p14="http://schemas.microsoft.com/office/powerpoint/2010/main" Requires="p14">
+          <p:contentPart p14:bwMode="auto" r:id="rId4">
+            <p14:nvContentPartPr>
+              <p14:cNvPr id="6" name="Ink 5">
+                <a:extLst>
+                  <a:ext uri="{FF2B5EF4-FFF2-40B4-BE49-F238E27FC236}">
+                    <a16:creationId xmlns:a16="http://schemas.microsoft.com/office/drawing/2014/main" id="{08214555-5E38-3BEC-B2DB-520AA272EA85}"/>
+                  </a:ext>
+                </a:extLst>
+              </p14:cNvPr>
+              <p14:cNvContentPartPr/>
+              <p14:nvPr/>
+            </p14:nvContentPartPr>
+            <p14:xfrm>
+              <a:off x="7221194" y="2954686"/>
+              <a:ext cx="361080" cy="3240"/>
+            </p14:xfrm>
+          </p:contentPart>
+        </mc:Choice>
+        <mc:Fallback>
+          <p:pic>
+            <p:nvPicPr>
+              <p:cNvPr id="6" name="Ink 5">
+                <a:extLst>
+                  <a:ext uri="{FF2B5EF4-FFF2-40B4-BE49-F238E27FC236}">
+                    <a16:creationId xmlns:a16="http://schemas.microsoft.com/office/drawing/2014/main" id="{08214555-5E38-3BEC-B2DB-520AA272EA85}"/>
+                  </a:ext>
+                </a:extLst>
+              </p:cNvPr>
+              <p:cNvPicPr/>
+              <p:nvPr/>
+            </p:nvPicPr>
+            <p:blipFill>
+              <a:blip r:embed="rId5"/>
+              <a:stretch>
+                <a:fillRect/>
+              </a:stretch>
+            </p:blipFill>
+            <p:spPr>
+              <a:xfrm>
+                <a:off x="7215074" y="2948566"/>
+                <a:ext cx="373320" cy="15480"/>
+              </a:xfrm>
+              <a:prstGeom prst="rect">
+                <a:avLst/>
+              </a:prstGeom>
+            </p:spPr>
+          </p:pic>
+        </mc:Fallback>
+      </mc:AlternateContent>
     </p:spTree>
     <p:extLst>
       <p:ext uri="{BB962C8B-B14F-4D97-AF65-F5344CB8AC3E}">
@@ -11172,7 +13076,1586 @@
 </p:sld>
 </file>
 
-<file path=ppt/slides/slide12.xml><?xml version="1.0" encoding="utf-8"?>
+<file path=ppt/slides/slide13.xml><?xml version="1.0" encoding="utf-8"?>
+<p:sld xmlns:a="http://schemas.openxmlformats.org/drawingml/2006/main" xmlns:r="http://schemas.openxmlformats.org/officeDocument/2006/relationships" xmlns:p="http://schemas.openxmlformats.org/presentationml/2006/main">
+  <p:cSld>
+    <p:spTree>
+      <p:nvGrpSpPr>
+        <p:cNvPr id="1" name=""/>
+        <p:cNvGrpSpPr/>
+        <p:nvPr/>
+      </p:nvGrpSpPr>
+      <p:grpSpPr>
+        <a:xfrm>
+          <a:off x="0" y="0"/>
+          <a:ext cx="0" cy="0"/>
+          <a:chOff x="0" y="0"/>
+          <a:chExt cx="0" cy="0"/>
+        </a:xfrm>
+      </p:grpSpPr>
+      <p:sp>
+        <p:nvSpPr>
+          <p:cNvPr id="2" name="Title 1">
+            <a:extLst>
+              <a:ext uri="{FF2B5EF4-FFF2-40B4-BE49-F238E27FC236}">
+                <a16:creationId xmlns:a16="http://schemas.microsoft.com/office/drawing/2014/main" id="{91007710-54A3-BE4F-509A-F6BC48A69C2E}"/>
+              </a:ext>
+            </a:extLst>
+          </p:cNvPr>
+          <p:cNvSpPr>
+            <a:spLocks noGrp="1"/>
+          </p:cNvSpPr>
+          <p:nvPr>
+            <p:ph type="title"/>
+          </p:nvPr>
+        </p:nvSpPr>
+        <p:spPr/>
+        <p:txBody>
+          <a:bodyPr/>
+          <a:lstStyle/>
+          <a:p>
+            <a:endParaRPr lang="es-ES_tradnl" dirty="0"/>
+          </a:p>
+        </p:txBody>
+      </p:sp>
+      <p:sp>
+        <p:nvSpPr>
+          <p:cNvPr id="3" name="Content Placeholder 2">
+            <a:extLst>
+              <a:ext uri="{FF2B5EF4-FFF2-40B4-BE49-F238E27FC236}">
+                <a16:creationId xmlns:a16="http://schemas.microsoft.com/office/drawing/2014/main" id="{BE2BCEE2-2423-AD3E-0B46-B2C3D16D2AB4}"/>
+              </a:ext>
+            </a:extLst>
+          </p:cNvPr>
+          <p:cNvSpPr>
+            <a:spLocks noGrp="1"/>
+          </p:cNvSpPr>
+          <p:nvPr>
+            <p:ph idx="1"/>
+          </p:nvPr>
+        </p:nvSpPr>
+        <p:spPr/>
+        <p:txBody>
+          <a:bodyPr/>
+          <a:lstStyle/>
+          <a:p>
+            <a:endParaRPr lang="es-ES_tradnl" dirty="0"/>
+          </a:p>
+        </p:txBody>
+      </p:sp>
+      <p:sp>
+        <p:nvSpPr>
+          <p:cNvPr id="4" name="Slide Number Placeholder 3">
+            <a:extLst>
+              <a:ext uri="{FF2B5EF4-FFF2-40B4-BE49-F238E27FC236}">
+                <a16:creationId xmlns:a16="http://schemas.microsoft.com/office/drawing/2014/main" id="{CA6D8C7C-0A37-7744-8E92-06A6368C5135}"/>
+              </a:ext>
+            </a:extLst>
+          </p:cNvPr>
+          <p:cNvSpPr>
+            <a:spLocks noGrp="1"/>
+          </p:cNvSpPr>
+          <p:nvPr>
+            <p:ph type="sldNum" sz="quarter" idx="12"/>
+          </p:nvPr>
+        </p:nvSpPr>
+        <p:spPr/>
+        <p:txBody>
+          <a:bodyPr/>
+          <a:lstStyle/>
+          <a:p>
+            <a:fld id="{278C1CC4-2077-434E-BCF1-5D01C08A9B17}" type="slidenum">
+              <a:rPr lang="en-US" smtClean="0"/>
+              <a:t>13</a:t>
+            </a:fld>
+            <a:endParaRPr lang="en-US"/>
+          </a:p>
+        </p:txBody>
+      </p:sp>
+      <mc:AlternateContent xmlns:mc="http://schemas.openxmlformats.org/markup-compatibility/2006">
+        <mc:Choice xmlns:p14="http://schemas.microsoft.com/office/powerpoint/2010/main" Requires="p14">
+          <p:contentPart p14:bwMode="auto" r:id="rId2">
+            <p14:nvContentPartPr>
+              <p14:cNvPr id="5" name="Ink 4">
+                <a:extLst>
+                  <a:ext uri="{FF2B5EF4-FFF2-40B4-BE49-F238E27FC236}">
+                    <a16:creationId xmlns:a16="http://schemas.microsoft.com/office/drawing/2014/main" id="{3D7CCD04-9991-E397-76F4-3D584C2E46D5}"/>
+                  </a:ext>
+                </a:extLst>
+              </p14:cNvPr>
+              <p14:cNvContentPartPr/>
+              <p14:nvPr/>
+            </p14:nvContentPartPr>
+            <p14:xfrm>
+              <a:off x="1190834" y="3299926"/>
+              <a:ext cx="4319280" cy="2016360"/>
+            </p14:xfrm>
+          </p:contentPart>
+        </mc:Choice>
+        <mc:Fallback>
+          <p:pic>
+            <p:nvPicPr>
+              <p:cNvPr id="5" name="Ink 4">
+                <a:extLst>
+                  <a:ext uri="{FF2B5EF4-FFF2-40B4-BE49-F238E27FC236}">
+                    <a16:creationId xmlns:a16="http://schemas.microsoft.com/office/drawing/2014/main" id="{3D7CCD04-9991-E397-76F4-3D584C2E46D5}"/>
+                  </a:ext>
+                </a:extLst>
+              </p:cNvPr>
+              <p:cNvPicPr/>
+              <p:nvPr/>
+            </p:nvPicPr>
+            <p:blipFill>
+              <a:blip r:embed="rId3"/>
+              <a:stretch>
+                <a:fillRect/>
+              </a:stretch>
+            </p:blipFill>
+            <p:spPr>
+              <a:xfrm>
+                <a:off x="1184714" y="3293806"/>
+                <a:ext cx="4331520" cy="2028600"/>
+              </a:xfrm>
+              <a:prstGeom prst="rect">
+                <a:avLst/>
+              </a:prstGeom>
+            </p:spPr>
+          </p:pic>
+        </mc:Fallback>
+      </mc:AlternateContent>
+      <mc:AlternateContent xmlns:mc="http://schemas.openxmlformats.org/markup-compatibility/2006">
+        <mc:Choice xmlns:p14="http://schemas.microsoft.com/office/powerpoint/2010/main" Requires="p14">
+          <p:contentPart p14:bwMode="auto" r:id="rId4">
+            <p14:nvContentPartPr>
+              <p14:cNvPr id="11" name="Ink 10">
+                <a:extLst>
+                  <a:ext uri="{FF2B5EF4-FFF2-40B4-BE49-F238E27FC236}">
+                    <a16:creationId xmlns:a16="http://schemas.microsoft.com/office/drawing/2014/main" id="{C1744C25-1548-B184-4470-318609A4ABD9}"/>
+                  </a:ext>
+                </a:extLst>
+              </p14:cNvPr>
+              <p14:cNvContentPartPr/>
+              <p14:nvPr/>
+            </p14:nvContentPartPr>
+            <p14:xfrm>
+              <a:off x="2800034" y="6024406"/>
+              <a:ext cx="189720" cy="345600"/>
+            </p14:xfrm>
+          </p:contentPart>
+        </mc:Choice>
+        <mc:Fallback>
+          <p:pic>
+            <p:nvPicPr>
+              <p:cNvPr id="11" name="Ink 10">
+                <a:extLst>
+                  <a:ext uri="{FF2B5EF4-FFF2-40B4-BE49-F238E27FC236}">
+                    <a16:creationId xmlns:a16="http://schemas.microsoft.com/office/drawing/2014/main" id="{C1744C25-1548-B184-4470-318609A4ABD9}"/>
+                  </a:ext>
+                </a:extLst>
+              </p:cNvPr>
+              <p:cNvPicPr/>
+              <p:nvPr/>
+            </p:nvPicPr>
+            <p:blipFill>
+              <a:blip r:embed="rId5"/>
+              <a:stretch>
+                <a:fillRect/>
+              </a:stretch>
+            </p:blipFill>
+            <p:spPr>
+              <a:xfrm>
+                <a:off x="2793914" y="6018286"/>
+                <a:ext cx="201960" cy="357840"/>
+              </a:xfrm>
+              <a:prstGeom prst="rect">
+                <a:avLst/>
+              </a:prstGeom>
+            </p:spPr>
+          </p:pic>
+        </mc:Fallback>
+      </mc:AlternateContent>
+      <p:grpSp>
+        <p:nvGrpSpPr>
+          <p:cNvPr id="37" name="Group 36">
+            <a:extLst>
+              <a:ext uri="{FF2B5EF4-FFF2-40B4-BE49-F238E27FC236}">
+                <a16:creationId xmlns:a16="http://schemas.microsoft.com/office/drawing/2014/main" id="{388FF6D7-E79B-AD01-976D-99124FE1D4D5}"/>
+              </a:ext>
+            </a:extLst>
+          </p:cNvPr>
+          <p:cNvGrpSpPr/>
+          <p:nvPr/>
+        </p:nvGrpSpPr>
+        <p:grpSpPr>
+          <a:xfrm>
+            <a:off x="7441514" y="1925446"/>
+            <a:ext cx="1227600" cy="764640"/>
+            <a:chOff x="7441514" y="1925446"/>
+            <a:chExt cx="1227600" cy="764640"/>
+          </a:xfrm>
+        </p:grpSpPr>
+        <mc:AlternateContent xmlns:mc="http://schemas.openxmlformats.org/markup-compatibility/2006">
+          <mc:Choice xmlns:p14="http://schemas.microsoft.com/office/powerpoint/2010/main" Requires="p14">
+            <p:contentPart p14:bwMode="auto" r:id="rId6">
+              <p14:nvContentPartPr>
+                <p14:cNvPr id="18" name="Ink 17">
+                  <a:extLst>
+                    <a:ext uri="{FF2B5EF4-FFF2-40B4-BE49-F238E27FC236}">
+                      <a16:creationId xmlns:a16="http://schemas.microsoft.com/office/drawing/2014/main" id="{631FAABB-C6F0-55F8-EFDE-F0FE1146187F}"/>
+                    </a:ext>
+                  </a:extLst>
+                </p14:cNvPr>
+                <p14:cNvContentPartPr/>
+                <p14:nvPr/>
+              </p14:nvContentPartPr>
+              <p14:xfrm>
+                <a:off x="7443314" y="2106166"/>
+                <a:ext cx="127800" cy="195480"/>
+              </p14:xfrm>
+            </p:contentPart>
+          </mc:Choice>
+          <mc:Fallback>
+            <p:pic>
+              <p:nvPicPr>
+                <p:cNvPr id="18" name="Ink 17">
+                  <a:extLst>
+                    <a:ext uri="{FF2B5EF4-FFF2-40B4-BE49-F238E27FC236}">
+                      <a16:creationId xmlns:a16="http://schemas.microsoft.com/office/drawing/2014/main" id="{631FAABB-C6F0-55F8-EFDE-F0FE1146187F}"/>
+                    </a:ext>
+                  </a:extLst>
+                </p:cNvPr>
+                <p:cNvPicPr/>
+                <p:nvPr/>
+              </p:nvPicPr>
+              <p:blipFill>
+                <a:blip r:embed="rId7"/>
+                <a:stretch>
+                  <a:fillRect/>
+                </a:stretch>
+              </p:blipFill>
+              <p:spPr>
+                <a:xfrm>
+                  <a:off x="7437194" y="2100046"/>
+                  <a:ext cx="140040" cy="207720"/>
+                </a:xfrm>
+                <a:prstGeom prst="rect">
+                  <a:avLst/>
+                </a:prstGeom>
+              </p:spPr>
+            </p:pic>
+          </mc:Fallback>
+        </mc:AlternateContent>
+        <mc:AlternateContent xmlns:mc="http://schemas.openxmlformats.org/markup-compatibility/2006">
+          <mc:Choice xmlns:p14="http://schemas.microsoft.com/office/powerpoint/2010/main" Requires="p14">
+            <p:contentPart p14:bwMode="auto" r:id="rId8">
+              <p14:nvContentPartPr>
+                <p14:cNvPr id="19" name="Ink 18">
+                  <a:extLst>
+                    <a:ext uri="{FF2B5EF4-FFF2-40B4-BE49-F238E27FC236}">
+                      <a16:creationId xmlns:a16="http://schemas.microsoft.com/office/drawing/2014/main" id="{2246FCDE-7973-36CE-FBFD-0E1A8ED04155}"/>
+                    </a:ext>
+                  </a:extLst>
+                </p14:cNvPr>
+                <p14:cNvContentPartPr/>
+                <p14:nvPr/>
+              </p14:nvContentPartPr>
+              <p14:xfrm>
+                <a:off x="7441514" y="2123806"/>
+                <a:ext cx="170280" cy="217800"/>
+              </p14:xfrm>
+            </p:contentPart>
+          </mc:Choice>
+          <mc:Fallback>
+            <p:pic>
+              <p:nvPicPr>
+                <p:cNvPr id="19" name="Ink 18">
+                  <a:extLst>
+                    <a:ext uri="{FF2B5EF4-FFF2-40B4-BE49-F238E27FC236}">
+                      <a16:creationId xmlns:a16="http://schemas.microsoft.com/office/drawing/2014/main" id="{2246FCDE-7973-36CE-FBFD-0E1A8ED04155}"/>
+                    </a:ext>
+                  </a:extLst>
+                </p:cNvPr>
+                <p:cNvPicPr/>
+                <p:nvPr/>
+              </p:nvPicPr>
+              <p:blipFill>
+                <a:blip r:embed="rId9"/>
+                <a:stretch>
+                  <a:fillRect/>
+                </a:stretch>
+              </p:blipFill>
+              <p:spPr>
+                <a:xfrm>
+                  <a:off x="7435394" y="2117686"/>
+                  <a:ext cx="182520" cy="230040"/>
+                </a:xfrm>
+                <a:prstGeom prst="rect">
+                  <a:avLst/>
+                </a:prstGeom>
+              </p:spPr>
+            </p:pic>
+          </mc:Fallback>
+        </mc:AlternateContent>
+        <mc:AlternateContent xmlns:mc="http://schemas.openxmlformats.org/markup-compatibility/2006">
+          <mc:Choice xmlns:p14="http://schemas.microsoft.com/office/powerpoint/2010/main" Requires="p14">
+            <p:contentPart p14:bwMode="auto" r:id="rId10">
+              <p14:nvContentPartPr>
+                <p14:cNvPr id="20" name="Ink 19">
+                  <a:extLst>
+                    <a:ext uri="{FF2B5EF4-FFF2-40B4-BE49-F238E27FC236}">
+                      <a16:creationId xmlns:a16="http://schemas.microsoft.com/office/drawing/2014/main" id="{8F51FCBB-89F4-2C4F-421A-BB42B1C820A2}"/>
+                    </a:ext>
+                  </a:extLst>
+                </p14:cNvPr>
+                <p14:cNvContentPartPr/>
+                <p14:nvPr/>
+              </p14:nvContentPartPr>
+              <p14:xfrm>
+                <a:off x="7780994" y="2215606"/>
+                <a:ext cx="360" cy="136440"/>
+              </p14:xfrm>
+            </p:contentPart>
+          </mc:Choice>
+          <mc:Fallback>
+            <p:pic>
+              <p:nvPicPr>
+                <p:cNvPr id="20" name="Ink 19">
+                  <a:extLst>
+                    <a:ext uri="{FF2B5EF4-FFF2-40B4-BE49-F238E27FC236}">
+                      <a16:creationId xmlns:a16="http://schemas.microsoft.com/office/drawing/2014/main" id="{8F51FCBB-89F4-2C4F-421A-BB42B1C820A2}"/>
+                    </a:ext>
+                  </a:extLst>
+                </p:cNvPr>
+                <p:cNvPicPr/>
+                <p:nvPr/>
+              </p:nvPicPr>
+              <p:blipFill>
+                <a:blip r:embed="rId11"/>
+                <a:stretch>
+                  <a:fillRect/>
+                </a:stretch>
+              </p:blipFill>
+              <p:spPr>
+                <a:xfrm>
+                  <a:off x="7774874" y="2209486"/>
+                  <a:ext cx="12600" cy="148680"/>
+                </a:xfrm>
+                <a:prstGeom prst="rect">
+                  <a:avLst/>
+                </a:prstGeom>
+              </p:spPr>
+            </p:pic>
+          </mc:Fallback>
+        </mc:AlternateContent>
+        <mc:AlternateContent xmlns:mc="http://schemas.openxmlformats.org/markup-compatibility/2006">
+          <mc:Choice xmlns:p14="http://schemas.microsoft.com/office/powerpoint/2010/main" Requires="p14">
+            <p:contentPart p14:bwMode="auto" r:id="rId12">
+              <p14:nvContentPartPr>
+                <p14:cNvPr id="21" name="Ink 20">
+                  <a:extLst>
+                    <a:ext uri="{FF2B5EF4-FFF2-40B4-BE49-F238E27FC236}">
+                      <a16:creationId xmlns:a16="http://schemas.microsoft.com/office/drawing/2014/main" id="{83F337F3-6AF0-9F2C-E858-9B39FF97F2DE}"/>
+                    </a:ext>
+                  </a:extLst>
+                </p14:cNvPr>
+                <p14:cNvContentPartPr/>
+                <p14:nvPr/>
+              </p14:nvContentPartPr>
+              <p14:xfrm>
+                <a:off x="7778114" y="2137486"/>
+                <a:ext cx="360" cy="1800"/>
+              </p14:xfrm>
+            </p:contentPart>
+          </mc:Choice>
+          <mc:Fallback>
+            <p:pic>
+              <p:nvPicPr>
+                <p:cNvPr id="21" name="Ink 20">
+                  <a:extLst>
+                    <a:ext uri="{FF2B5EF4-FFF2-40B4-BE49-F238E27FC236}">
+                      <a16:creationId xmlns:a16="http://schemas.microsoft.com/office/drawing/2014/main" id="{83F337F3-6AF0-9F2C-E858-9B39FF97F2DE}"/>
+                    </a:ext>
+                  </a:extLst>
+                </p:cNvPr>
+                <p:cNvPicPr/>
+                <p:nvPr/>
+              </p:nvPicPr>
+              <p:blipFill>
+                <a:blip r:embed="rId13"/>
+                <a:stretch>
+                  <a:fillRect/>
+                </a:stretch>
+              </p:blipFill>
+              <p:spPr>
+                <a:xfrm>
+                  <a:off x="7771994" y="2131366"/>
+                  <a:ext cx="12600" cy="14040"/>
+                </a:xfrm>
+                <a:prstGeom prst="rect">
+                  <a:avLst/>
+                </a:prstGeom>
+              </p:spPr>
+            </p:pic>
+          </mc:Fallback>
+        </mc:AlternateContent>
+        <mc:AlternateContent xmlns:mc="http://schemas.openxmlformats.org/markup-compatibility/2006">
+          <mc:Choice xmlns:p14="http://schemas.microsoft.com/office/powerpoint/2010/main" Requires="p14">
+            <p:contentPart p14:bwMode="auto" r:id="rId14">
+              <p14:nvContentPartPr>
+                <p14:cNvPr id="26" name="Ink 25">
+                  <a:extLst>
+                    <a:ext uri="{FF2B5EF4-FFF2-40B4-BE49-F238E27FC236}">
+                      <a16:creationId xmlns:a16="http://schemas.microsoft.com/office/drawing/2014/main" id="{B5B581D0-E84B-02FE-3C09-EFC3653BEAC9}"/>
+                    </a:ext>
+                  </a:extLst>
+                </p14:cNvPr>
+                <p14:cNvContentPartPr/>
+                <p14:nvPr/>
+              </p14:nvContentPartPr>
+              <p14:xfrm>
+                <a:off x="7884674" y="2002846"/>
+                <a:ext cx="123120" cy="289080"/>
+              </p14:xfrm>
+            </p:contentPart>
+          </mc:Choice>
+          <mc:Fallback>
+            <p:pic>
+              <p:nvPicPr>
+                <p:cNvPr id="26" name="Ink 25">
+                  <a:extLst>
+                    <a:ext uri="{FF2B5EF4-FFF2-40B4-BE49-F238E27FC236}">
+                      <a16:creationId xmlns:a16="http://schemas.microsoft.com/office/drawing/2014/main" id="{B5B581D0-E84B-02FE-3C09-EFC3653BEAC9}"/>
+                    </a:ext>
+                  </a:extLst>
+                </p:cNvPr>
+                <p:cNvPicPr/>
+                <p:nvPr/>
+              </p:nvPicPr>
+              <p:blipFill>
+                <a:blip r:embed="rId15"/>
+                <a:stretch>
+                  <a:fillRect/>
+                </a:stretch>
+              </p:blipFill>
+              <p:spPr>
+                <a:xfrm>
+                  <a:off x="7878554" y="1996726"/>
+                  <a:ext cx="135360" cy="301320"/>
+                </a:xfrm>
+                <a:prstGeom prst="rect">
+                  <a:avLst/>
+                </a:prstGeom>
+              </p:spPr>
+            </p:pic>
+          </mc:Fallback>
+        </mc:AlternateContent>
+        <mc:AlternateContent xmlns:mc="http://schemas.openxmlformats.org/markup-compatibility/2006">
+          <mc:Choice xmlns:p14="http://schemas.microsoft.com/office/powerpoint/2010/main" Requires="p14">
+            <p:contentPart p14:bwMode="auto" r:id="rId16">
+              <p14:nvContentPartPr>
+                <p14:cNvPr id="27" name="Ink 26">
+                  <a:extLst>
+                    <a:ext uri="{FF2B5EF4-FFF2-40B4-BE49-F238E27FC236}">
+                      <a16:creationId xmlns:a16="http://schemas.microsoft.com/office/drawing/2014/main" id="{F1ADB034-AF04-7A35-E02D-A3140FF1609B}"/>
+                    </a:ext>
+                  </a:extLst>
+                </p14:cNvPr>
+                <p14:cNvContentPartPr/>
+                <p14:nvPr/>
+              </p14:nvContentPartPr>
+              <p14:xfrm>
+                <a:off x="8059274" y="2015446"/>
+                <a:ext cx="368640" cy="674640"/>
+              </p14:xfrm>
+            </p:contentPart>
+          </mc:Choice>
+          <mc:Fallback>
+            <p:pic>
+              <p:nvPicPr>
+                <p:cNvPr id="27" name="Ink 26">
+                  <a:extLst>
+                    <a:ext uri="{FF2B5EF4-FFF2-40B4-BE49-F238E27FC236}">
+                      <a16:creationId xmlns:a16="http://schemas.microsoft.com/office/drawing/2014/main" id="{F1ADB034-AF04-7A35-E02D-A3140FF1609B}"/>
+                    </a:ext>
+                  </a:extLst>
+                </p:cNvPr>
+                <p:cNvPicPr/>
+                <p:nvPr/>
+              </p:nvPicPr>
+              <p:blipFill>
+                <a:blip r:embed="rId17"/>
+                <a:stretch>
+                  <a:fillRect/>
+                </a:stretch>
+              </p:blipFill>
+              <p:spPr>
+                <a:xfrm>
+                  <a:off x="8053154" y="2009326"/>
+                  <a:ext cx="380880" cy="686880"/>
+                </a:xfrm>
+                <a:prstGeom prst="rect">
+                  <a:avLst/>
+                </a:prstGeom>
+              </p:spPr>
+            </p:pic>
+          </mc:Fallback>
+        </mc:AlternateContent>
+        <mc:AlternateContent xmlns:mc="http://schemas.openxmlformats.org/markup-compatibility/2006">
+          <mc:Choice xmlns:p14="http://schemas.microsoft.com/office/powerpoint/2010/main" Requires="p14">
+            <p:contentPart p14:bwMode="auto" r:id="rId18">
+              <p14:nvContentPartPr>
+                <p14:cNvPr id="28" name="Ink 27">
+                  <a:extLst>
+                    <a:ext uri="{FF2B5EF4-FFF2-40B4-BE49-F238E27FC236}">
+                      <a16:creationId xmlns:a16="http://schemas.microsoft.com/office/drawing/2014/main" id="{6C51EDB7-8AAE-0BE5-F16C-87275280EDB7}"/>
+                    </a:ext>
+                  </a:extLst>
+                </p14:cNvPr>
+                <p14:cNvContentPartPr/>
+                <p14:nvPr/>
+              </p14:nvContentPartPr>
+              <p14:xfrm>
+                <a:off x="8470034" y="1925446"/>
+                <a:ext cx="199080" cy="267120"/>
+              </p14:xfrm>
+            </p:contentPart>
+          </mc:Choice>
+          <mc:Fallback>
+            <p:pic>
+              <p:nvPicPr>
+                <p:cNvPr id="28" name="Ink 27">
+                  <a:extLst>
+                    <a:ext uri="{FF2B5EF4-FFF2-40B4-BE49-F238E27FC236}">
+                      <a16:creationId xmlns:a16="http://schemas.microsoft.com/office/drawing/2014/main" id="{6C51EDB7-8AAE-0BE5-F16C-87275280EDB7}"/>
+                    </a:ext>
+                  </a:extLst>
+                </p:cNvPr>
+                <p:cNvPicPr/>
+                <p:nvPr/>
+              </p:nvPicPr>
+              <p:blipFill>
+                <a:blip r:embed="rId19"/>
+                <a:stretch>
+                  <a:fillRect/>
+                </a:stretch>
+              </p:blipFill>
+              <p:spPr>
+                <a:xfrm>
+                  <a:off x="8463914" y="1919326"/>
+                  <a:ext cx="211320" cy="279360"/>
+                </a:xfrm>
+                <a:prstGeom prst="rect">
+                  <a:avLst/>
+                </a:prstGeom>
+              </p:spPr>
+            </p:pic>
+          </mc:Fallback>
+        </mc:AlternateContent>
+        <mc:AlternateContent xmlns:mc="http://schemas.openxmlformats.org/markup-compatibility/2006">
+          <mc:Choice xmlns:p14="http://schemas.microsoft.com/office/powerpoint/2010/main" Requires="p14">
+            <p:contentPart p14:bwMode="auto" r:id="rId20">
+              <p14:nvContentPartPr>
+                <p14:cNvPr id="29" name="Ink 28">
+                  <a:extLst>
+                    <a:ext uri="{FF2B5EF4-FFF2-40B4-BE49-F238E27FC236}">
+                      <a16:creationId xmlns:a16="http://schemas.microsoft.com/office/drawing/2014/main" id="{3D8665A5-0B09-59D3-F771-B2A35D6CBBD4}"/>
+                    </a:ext>
+                  </a:extLst>
+                </p14:cNvPr>
+                <p14:cNvContentPartPr/>
+                <p14:nvPr/>
+              </p14:nvContentPartPr>
+              <p14:xfrm>
+                <a:off x="8668754" y="2200486"/>
+                <a:ext cx="360" cy="360"/>
+              </p14:xfrm>
+            </p:contentPart>
+          </mc:Choice>
+          <mc:Fallback>
+            <p:pic>
+              <p:nvPicPr>
+                <p:cNvPr id="29" name="Ink 28">
+                  <a:extLst>
+                    <a:ext uri="{FF2B5EF4-FFF2-40B4-BE49-F238E27FC236}">
+                      <a16:creationId xmlns:a16="http://schemas.microsoft.com/office/drawing/2014/main" id="{3D8665A5-0B09-59D3-F771-B2A35D6CBBD4}"/>
+                    </a:ext>
+                  </a:extLst>
+                </p:cNvPr>
+                <p:cNvPicPr/>
+                <p:nvPr/>
+              </p:nvPicPr>
+              <p:blipFill>
+                <a:blip r:embed="rId21"/>
+                <a:stretch>
+                  <a:fillRect/>
+                </a:stretch>
+              </p:blipFill>
+              <p:spPr>
+                <a:xfrm>
+                  <a:off x="8662634" y="2194366"/>
+                  <a:ext cx="12600" cy="12600"/>
+                </a:xfrm>
+                <a:prstGeom prst="rect">
+                  <a:avLst/>
+                </a:prstGeom>
+              </p:spPr>
+            </p:pic>
+          </mc:Fallback>
+        </mc:AlternateContent>
+        <mc:AlternateContent xmlns:mc="http://schemas.openxmlformats.org/markup-compatibility/2006">
+          <mc:Choice xmlns:p14="http://schemas.microsoft.com/office/powerpoint/2010/main" Requires="p14">
+            <p:contentPart p14:bwMode="auto" r:id="rId22">
+              <p14:nvContentPartPr>
+                <p14:cNvPr id="32" name="Ink 31">
+                  <a:extLst>
+                    <a:ext uri="{FF2B5EF4-FFF2-40B4-BE49-F238E27FC236}">
+                      <a16:creationId xmlns:a16="http://schemas.microsoft.com/office/drawing/2014/main" id="{AA151523-CABF-15C1-5E68-B940480B3FD6}"/>
+                    </a:ext>
+                  </a:extLst>
+                </p14:cNvPr>
+                <p14:cNvContentPartPr/>
+                <p14:nvPr/>
+              </p14:nvContentPartPr>
+              <p14:xfrm>
+                <a:off x="7599194" y="2266366"/>
+                <a:ext cx="66600" cy="360"/>
+              </p14:xfrm>
+            </p:contentPart>
+          </mc:Choice>
+          <mc:Fallback>
+            <p:pic>
+              <p:nvPicPr>
+                <p:cNvPr id="32" name="Ink 31">
+                  <a:extLst>
+                    <a:ext uri="{FF2B5EF4-FFF2-40B4-BE49-F238E27FC236}">
+                      <a16:creationId xmlns:a16="http://schemas.microsoft.com/office/drawing/2014/main" id="{AA151523-CABF-15C1-5E68-B940480B3FD6}"/>
+                    </a:ext>
+                  </a:extLst>
+                </p:cNvPr>
+                <p:cNvPicPr/>
+                <p:nvPr/>
+              </p:nvPicPr>
+              <p:blipFill>
+                <a:blip r:embed="rId23"/>
+                <a:stretch>
+                  <a:fillRect/>
+                </a:stretch>
+              </p:blipFill>
+              <p:spPr>
+                <a:xfrm>
+                  <a:off x="7593074" y="2260246"/>
+                  <a:ext cx="78840" cy="12600"/>
+                </a:xfrm>
+                <a:prstGeom prst="rect">
+                  <a:avLst/>
+                </a:prstGeom>
+              </p:spPr>
+            </p:pic>
+          </mc:Fallback>
+        </mc:AlternateContent>
+        <mc:AlternateContent xmlns:mc="http://schemas.openxmlformats.org/markup-compatibility/2006">
+          <mc:Choice xmlns:p14="http://schemas.microsoft.com/office/powerpoint/2010/main" Requires="p14">
+            <p:contentPart p14:bwMode="auto" r:id="rId24">
+              <p14:nvContentPartPr>
+                <p14:cNvPr id="35" name="Ink 34">
+                  <a:extLst>
+                    <a:ext uri="{FF2B5EF4-FFF2-40B4-BE49-F238E27FC236}">
+                      <a16:creationId xmlns:a16="http://schemas.microsoft.com/office/drawing/2014/main" id="{931171F9-243B-F672-8CB1-6E8142CDB283}"/>
+                    </a:ext>
+                  </a:extLst>
+                </p14:cNvPr>
+                <p14:cNvContentPartPr/>
+                <p14:nvPr/>
+              </p14:nvContentPartPr>
+              <p14:xfrm>
+                <a:off x="7605314" y="2309206"/>
+                <a:ext cx="108000" cy="10080"/>
+              </p14:xfrm>
+            </p:contentPart>
+          </mc:Choice>
+          <mc:Fallback>
+            <p:pic>
+              <p:nvPicPr>
+                <p:cNvPr id="35" name="Ink 34">
+                  <a:extLst>
+                    <a:ext uri="{FF2B5EF4-FFF2-40B4-BE49-F238E27FC236}">
+                      <a16:creationId xmlns:a16="http://schemas.microsoft.com/office/drawing/2014/main" id="{931171F9-243B-F672-8CB1-6E8142CDB283}"/>
+                    </a:ext>
+                  </a:extLst>
+                </p:cNvPr>
+                <p:cNvPicPr/>
+                <p:nvPr/>
+              </p:nvPicPr>
+              <p:blipFill>
+                <a:blip r:embed="rId25"/>
+                <a:stretch>
+                  <a:fillRect/>
+                </a:stretch>
+              </p:blipFill>
+              <p:spPr>
+                <a:xfrm>
+                  <a:off x="7599194" y="2303086"/>
+                  <a:ext cx="120240" cy="22320"/>
+                </a:xfrm>
+                <a:prstGeom prst="rect">
+                  <a:avLst/>
+                </a:prstGeom>
+              </p:spPr>
+            </p:pic>
+          </mc:Fallback>
+        </mc:AlternateContent>
+      </p:grpSp>
+      <mc:AlternateContent xmlns:mc="http://schemas.openxmlformats.org/markup-compatibility/2006">
+        <mc:Choice xmlns:p14="http://schemas.microsoft.com/office/powerpoint/2010/main" Requires="p14">
+          <p:contentPart p14:bwMode="auto" r:id="rId26">
+            <p14:nvContentPartPr>
+              <p14:cNvPr id="38" name="Ink 37">
+                <a:extLst>
+                  <a:ext uri="{FF2B5EF4-FFF2-40B4-BE49-F238E27FC236}">
+                    <a16:creationId xmlns:a16="http://schemas.microsoft.com/office/drawing/2014/main" id="{B3B208C4-1DB8-5CD4-2CA3-FB7EABE5EC74}"/>
+                  </a:ext>
+                </a:extLst>
+              </p14:cNvPr>
+              <p14:cNvContentPartPr/>
+              <p14:nvPr/>
+            </p14:nvContentPartPr>
+            <p14:xfrm>
+              <a:off x="7347194" y="2508646"/>
+              <a:ext cx="2191680" cy="3240"/>
+            </p14:xfrm>
+          </p:contentPart>
+        </mc:Choice>
+        <mc:Fallback>
+          <p:pic>
+            <p:nvPicPr>
+              <p:cNvPr id="38" name="Ink 37">
+                <a:extLst>
+                  <a:ext uri="{FF2B5EF4-FFF2-40B4-BE49-F238E27FC236}">
+                    <a16:creationId xmlns:a16="http://schemas.microsoft.com/office/drawing/2014/main" id="{B3B208C4-1DB8-5CD4-2CA3-FB7EABE5EC74}"/>
+                  </a:ext>
+                </a:extLst>
+              </p:cNvPr>
+              <p:cNvPicPr/>
+              <p:nvPr/>
+            </p:nvPicPr>
+            <p:blipFill>
+              <a:blip r:embed="rId27"/>
+              <a:stretch>
+                <a:fillRect/>
+              </a:stretch>
+            </p:blipFill>
+            <p:spPr>
+              <a:xfrm>
+                <a:off x="7341074" y="2502526"/>
+                <a:ext cx="2203920" cy="15480"/>
+              </a:xfrm>
+              <a:prstGeom prst="rect">
+                <a:avLst/>
+              </a:prstGeom>
+            </p:spPr>
+          </p:pic>
+        </mc:Fallback>
+      </mc:AlternateContent>
+      <p:grpSp>
+        <p:nvGrpSpPr>
+          <p:cNvPr id="61" name="Group 60">
+            <a:extLst>
+              <a:ext uri="{FF2B5EF4-FFF2-40B4-BE49-F238E27FC236}">
+                <a16:creationId xmlns:a16="http://schemas.microsoft.com/office/drawing/2014/main" id="{86F84AF3-BD37-0794-0F5D-F02780513878}"/>
+              </a:ext>
+            </a:extLst>
+          </p:cNvPr>
+          <p:cNvGrpSpPr/>
+          <p:nvPr/>
+        </p:nvGrpSpPr>
+        <p:grpSpPr>
+          <a:xfrm>
+            <a:off x="864314" y="2641126"/>
+            <a:ext cx="5575320" cy="4235040"/>
+            <a:chOff x="864314" y="2641126"/>
+            <a:chExt cx="5575320" cy="4235040"/>
+          </a:xfrm>
+        </p:grpSpPr>
+        <mc:AlternateContent xmlns:mc="http://schemas.openxmlformats.org/markup-compatibility/2006">
+          <mc:Choice xmlns:p14="http://schemas.microsoft.com/office/powerpoint/2010/main" Requires="p14">
+            <p:contentPart p14:bwMode="auto" r:id="rId28">
+              <p14:nvContentPartPr>
+                <p14:cNvPr id="7" name="Ink 6">
+                  <a:extLst>
+                    <a:ext uri="{FF2B5EF4-FFF2-40B4-BE49-F238E27FC236}">
+                      <a16:creationId xmlns:a16="http://schemas.microsoft.com/office/drawing/2014/main" id="{4F59F0CB-C1B1-E59B-EBB3-3E26FB8D720B}"/>
+                    </a:ext>
+                  </a:extLst>
+                </p14:cNvPr>
+                <p14:cNvContentPartPr/>
+                <p14:nvPr/>
+              </p14:nvContentPartPr>
+              <p14:xfrm>
+                <a:off x="864314" y="5613646"/>
+                <a:ext cx="5161680" cy="39240"/>
+              </p14:xfrm>
+            </p:contentPart>
+          </mc:Choice>
+          <mc:Fallback>
+            <p:pic>
+              <p:nvPicPr>
+                <p:cNvPr id="7" name="Ink 6">
+                  <a:extLst>
+                    <a:ext uri="{FF2B5EF4-FFF2-40B4-BE49-F238E27FC236}">
+                      <a16:creationId xmlns:a16="http://schemas.microsoft.com/office/drawing/2014/main" id="{4F59F0CB-C1B1-E59B-EBB3-3E26FB8D720B}"/>
+                    </a:ext>
+                  </a:extLst>
+                </p:cNvPr>
+                <p:cNvPicPr/>
+                <p:nvPr/>
+              </p:nvPicPr>
+              <p:blipFill>
+                <a:blip r:embed="rId29"/>
+                <a:stretch>
+                  <a:fillRect/>
+                </a:stretch>
+              </p:blipFill>
+              <p:spPr>
+                <a:xfrm>
+                  <a:off x="858194" y="5607526"/>
+                  <a:ext cx="5173920" cy="51480"/>
+                </a:xfrm>
+                <a:prstGeom prst="rect">
+                  <a:avLst/>
+                </a:prstGeom>
+              </p:spPr>
+            </p:pic>
+          </mc:Fallback>
+        </mc:AlternateContent>
+        <mc:AlternateContent xmlns:mc="http://schemas.openxmlformats.org/markup-compatibility/2006">
+          <mc:Choice xmlns:p14="http://schemas.microsoft.com/office/powerpoint/2010/main" Requires="p14">
+            <p:contentPart p14:bwMode="auto" r:id="rId30">
+              <p14:nvContentPartPr>
+                <p14:cNvPr id="8" name="Ink 7">
+                  <a:extLst>
+                    <a:ext uri="{FF2B5EF4-FFF2-40B4-BE49-F238E27FC236}">
+                      <a16:creationId xmlns:a16="http://schemas.microsoft.com/office/drawing/2014/main" id="{3B5585AB-2F49-A9B0-DE8F-DAA2215235BC}"/>
+                    </a:ext>
+                  </a:extLst>
+                </p14:cNvPr>
+                <p14:cNvContentPartPr/>
+                <p14:nvPr/>
+              </p14:nvContentPartPr>
+              <p14:xfrm>
+                <a:off x="2629394" y="2641126"/>
+                <a:ext cx="341280" cy="3379320"/>
+              </p14:xfrm>
+            </p:contentPart>
+          </mc:Choice>
+          <mc:Fallback>
+            <p:pic>
+              <p:nvPicPr>
+                <p:cNvPr id="8" name="Ink 7">
+                  <a:extLst>
+                    <a:ext uri="{FF2B5EF4-FFF2-40B4-BE49-F238E27FC236}">
+                      <a16:creationId xmlns:a16="http://schemas.microsoft.com/office/drawing/2014/main" id="{3B5585AB-2F49-A9B0-DE8F-DAA2215235BC}"/>
+                    </a:ext>
+                  </a:extLst>
+                </p:cNvPr>
+                <p:cNvPicPr/>
+                <p:nvPr/>
+              </p:nvPicPr>
+              <p:blipFill>
+                <a:blip r:embed="rId31"/>
+                <a:stretch>
+                  <a:fillRect/>
+                </a:stretch>
+              </p:blipFill>
+              <p:spPr>
+                <a:xfrm>
+                  <a:off x="2623274" y="2635006"/>
+                  <a:ext cx="353520" cy="3391560"/>
+                </a:xfrm>
+                <a:prstGeom prst="rect">
+                  <a:avLst/>
+                </a:prstGeom>
+              </p:spPr>
+            </p:pic>
+          </mc:Fallback>
+        </mc:AlternateContent>
+        <mc:AlternateContent xmlns:mc="http://schemas.openxmlformats.org/markup-compatibility/2006">
+          <mc:Choice xmlns:p14="http://schemas.microsoft.com/office/powerpoint/2010/main" Requires="p14">
+            <p:contentPart p14:bwMode="auto" r:id="rId32">
+              <p14:nvContentPartPr>
+                <p14:cNvPr id="14" name="Ink 13">
+                  <a:extLst>
+                    <a:ext uri="{FF2B5EF4-FFF2-40B4-BE49-F238E27FC236}">
+                      <a16:creationId xmlns:a16="http://schemas.microsoft.com/office/drawing/2014/main" id="{10EA630F-CCE0-D109-E211-09C6ADD47145}"/>
+                    </a:ext>
+                  </a:extLst>
+                </p14:cNvPr>
+                <p14:cNvContentPartPr/>
+                <p14:nvPr/>
+              </p14:nvContentPartPr>
+              <p14:xfrm>
+                <a:off x="6206714" y="5707246"/>
+                <a:ext cx="186480" cy="339480"/>
+              </p14:xfrm>
+            </p:contentPart>
+          </mc:Choice>
+          <mc:Fallback>
+            <p:pic>
+              <p:nvPicPr>
+                <p:cNvPr id="14" name="Ink 13">
+                  <a:extLst>
+                    <a:ext uri="{FF2B5EF4-FFF2-40B4-BE49-F238E27FC236}">
+                      <a16:creationId xmlns:a16="http://schemas.microsoft.com/office/drawing/2014/main" id="{10EA630F-CCE0-D109-E211-09C6ADD47145}"/>
+                    </a:ext>
+                  </a:extLst>
+                </p:cNvPr>
+                <p:cNvPicPr/>
+                <p:nvPr/>
+              </p:nvPicPr>
+              <p:blipFill>
+                <a:blip r:embed="rId33"/>
+                <a:stretch>
+                  <a:fillRect/>
+                </a:stretch>
+              </p:blipFill>
+              <p:spPr>
+                <a:xfrm>
+                  <a:off x="6200594" y="5701126"/>
+                  <a:ext cx="198720" cy="351720"/>
+                </a:xfrm>
+                <a:prstGeom prst="rect">
+                  <a:avLst/>
+                </a:prstGeom>
+              </p:spPr>
+            </p:pic>
+          </mc:Fallback>
+        </mc:AlternateContent>
+        <mc:AlternateContent xmlns:mc="http://schemas.openxmlformats.org/markup-compatibility/2006">
+          <mc:Choice xmlns:p14="http://schemas.microsoft.com/office/powerpoint/2010/main" Requires="p14">
+            <p:contentPart p14:bwMode="auto" r:id="rId34">
+              <p14:nvContentPartPr>
+                <p14:cNvPr id="15" name="Ink 14">
+                  <a:extLst>
+                    <a:ext uri="{FF2B5EF4-FFF2-40B4-BE49-F238E27FC236}">
+                      <a16:creationId xmlns:a16="http://schemas.microsoft.com/office/drawing/2014/main" id="{DFF23553-ED89-5A6E-722D-6B476F83DDD4}"/>
+                    </a:ext>
+                  </a:extLst>
+                </p14:cNvPr>
+                <p14:cNvContentPartPr/>
+                <p14:nvPr/>
+              </p14:nvContentPartPr>
+              <p14:xfrm>
+                <a:off x="5994674" y="5748646"/>
+                <a:ext cx="444960" cy="321840"/>
+              </p14:xfrm>
+            </p:contentPart>
+          </mc:Choice>
+          <mc:Fallback>
+            <p:pic>
+              <p:nvPicPr>
+                <p:cNvPr id="15" name="Ink 14">
+                  <a:extLst>
+                    <a:ext uri="{FF2B5EF4-FFF2-40B4-BE49-F238E27FC236}">
+                      <a16:creationId xmlns:a16="http://schemas.microsoft.com/office/drawing/2014/main" id="{DFF23553-ED89-5A6E-722D-6B476F83DDD4}"/>
+                    </a:ext>
+                  </a:extLst>
+                </p:cNvPr>
+                <p:cNvPicPr/>
+                <p:nvPr/>
+              </p:nvPicPr>
+              <p:blipFill>
+                <a:blip r:embed="rId35"/>
+                <a:stretch>
+                  <a:fillRect/>
+                </a:stretch>
+              </p:blipFill>
+              <p:spPr>
+                <a:xfrm>
+                  <a:off x="5988554" y="5742526"/>
+                  <a:ext cx="457200" cy="334080"/>
+                </a:xfrm>
+                <a:prstGeom prst="rect">
+                  <a:avLst/>
+                </a:prstGeom>
+              </p:spPr>
+            </p:pic>
+          </mc:Fallback>
+        </mc:AlternateContent>
+        <mc:AlternateContent xmlns:mc="http://schemas.openxmlformats.org/markup-compatibility/2006">
+          <mc:Choice xmlns:p14="http://schemas.microsoft.com/office/powerpoint/2010/main" Requires="p14">
+            <p:contentPart p14:bwMode="auto" r:id="rId36">
+              <p14:nvContentPartPr>
+                <p14:cNvPr id="39" name="Ink 38">
+                  <a:extLst>
+                    <a:ext uri="{FF2B5EF4-FFF2-40B4-BE49-F238E27FC236}">
+                      <a16:creationId xmlns:a16="http://schemas.microsoft.com/office/drawing/2014/main" id="{591E325A-0420-766D-AE44-4715FC880958}"/>
+                    </a:ext>
+                  </a:extLst>
+                </p14:cNvPr>
+                <p14:cNvContentPartPr/>
+                <p14:nvPr/>
+              </p14:nvContentPartPr>
+              <p14:xfrm>
+                <a:off x="3320594" y="6469006"/>
+                <a:ext cx="245520" cy="274680"/>
+              </p14:xfrm>
+            </p:contentPart>
+          </mc:Choice>
+          <mc:Fallback>
+            <p:pic>
+              <p:nvPicPr>
+                <p:cNvPr id="39" name="Ink 38">
+                  <a:extLst>
+                    <a:ext uri="{FF2B5EF4-FFF2-40B4-BE49-F238E27FC236}">
+                      <a16:creationId xmlns:a16="http://schemas.microsoft.com/office/drawing/2014/main" id="{591E325A-0420-766D-AE44-4715FC880958}"/>
+                    </a:ext>
+                  </a:extLst>
+                </p:cNvPr>
+                <p:cNvPicPr/>
+                <p:nvPr/>
+              </p:nvPicPr>
+              <p:blipFill>
+                <a:blip r:embed="rId37"/>
+                <a:stretch>
+                  <a:fillRect/>
+                </a:stretch>
+              </p:blipFill>
+              <p:spPr>
+                <a:xfrm>
+                  <a:off x="3314474" y="6462886"/>
+                  <a:ext cx="257760" cy="286920"/>
+                </a:xfrm>
+                <a:prstGeom prst="rect">
+                  <a:avLst/>
+                </a:prstGeom>
+              </p:spPr>
+            </p:pic>
+          </mc:Fallback>
+        </mc:AlternateContent>
+        <mc:AlternateContent xmlns:mc="http://schemas.openxmlformats.org/markup-compatibility/2006">
+          <mc:Choice xmlns:p14="http://schemas.microsoft.com/office/powerpoint/2010/main" Requires="p14">
+            <p:contentPart p14:bwMode="auto" r:id="rId38">
+              <p14:nvContentPartPr>
+                <p14:cNvPr id="40" name="Ink 39">
+                  <a:extLst>
+                    <a:ext uri="{FF2B5EF4-FFF2-40B4-BE49-F238E27FC236}">
+                      <a16:creationId xmlns:a16="http://schemas.microsoft.com/office/drawing/2014/main" id="{1F58BBCD-3C8C-B12D-907D-A3609096FAE8}"/>
+                    </a:ext>
+                  </a:extLst>
+                </p14:cNvPr>
+                <p14:cNvContentPartPr/>
+                <p14:nvPr/>
+              </p14:nvContentPartPr>
+              <p14:xfrm>
+                <a:off x="3340754" y="6430126"/>
+                <a:ext cx="232200" cy="349200"/>
+              </p14:xfrm>
+            </p:contentPart>
+          </mc:Choice>
+          <mc:Fallback>
+            <p:pic>
+              <p:nvPicPr>
+                <p:cNvPr id="40" name="Ink 39">
+                  <a:extLst>
+                    <a:ext uri="{FF2B5EF4-FFF2-40B4-BE49-F238E27FC236}">
+                      <a16:creationId xmlns:a16="http://schemas.microsoft.com/office/drawing/2014/main" id="{1F58BBCD-3C8C-B12D-907D-A3609096FAE8}"/>
+                    </a:ext>
+                  </a:extLst>
+                </p:cNvPr>
+                <p:cNvPicPr/>
+                <p:nvPr/>
+              </p:nvPicPr>
+              <p:blipFill>
+                <a:blip r:embed="rId39"/>
+                <a:stretch>
+                  <a:fillRect/>
+                </a:stretch>
+              </p:blipFill>
+              <p:spPr>
+                <a:xfrm>
+                  <a:off x="3334634" y="6424006"/>
+                  <a:ext cx="244440" cy="361440"/>
+                </a:xfrm>
+                <a:prstGeom prst="rect">
+                  <a:avLst/>
+                </a:prstGeom>
+              </p:spPr>
+            </p:pic>
+          </mc:Fallback>
+        </mc:AlternateContent>
+        <mc:AlternateContent xmlns:mc="http://schemas.openxmlformats.org/markup-compatibility/2006">
+          <mc:Choice xmlns:p14="http://schemas.microsoft.com/office/powerpoint/2010/main" Requires="p14">
+            <p:contentPart p14:bwMode="auto" r:id="rId40">
+              <p14:nvContentPartPr>
+                <p14:cNvPr id="41" name="Ink 40">
+                  <a:extLst>
+                    <a:ext uri="{FF2B5EF4-FFF2-40B4-BE49-F238E27FC236}">
+                      <a16:creationId xmlns:a16="http://schemas.microsoft.com/office/drawing/2014/main" id="{A682A724-5299-F334-2C21-43F6A29D0089}"/>
+                    </a:ext>
+                  </a:extLst>
+                </p14:cNvPr>
+                <p14:cNvContentPartPr/>
+                <p14:nvPr/>
+              </p14:nvContentPartPr>
+              <p14:xfrm>
+                <a:off x="3302594" y="6376846"/>
+                <a:ext cx="400680" cy="3600"/>
+              </p14:xfrm>
+            </p:contentPart>
+          </mc:Choice>
+          <mc:Fallback>
+            <p:pic>
+              <p:nvPicPr>
+                <p:cNvPr id="41" name="Ink 40">
+                  <a:extLst>
+                    <a:ext uri="{FF2B5EF4-FFF2-40B4-BE49-F238E27FC236}">
+                      <a16:creationId xmlns:a16="http://schemas.microsoft.com/office/drawing/2014/main" id="{A682A724-5299-F334-2C21-43F6A29D0089}"/>
+                    </a:ext>
+                  </a:extLst>
+                </p:cNvPr>
+                <p:cNvPicPr/>
+                <p:nvPr/>
+              </p:nvPicPr>
+              <p:blipFill>
+                <a:blip r:embed="rId41"/>
+                <a:stretch>
+                  <a:fillRect/>
+                </a:stretch>
+              </p:blipFill>
+              <p:spPr>
+                <a:xfrm>
+                  <a:off x="3296474" y="6370726"/>
+                  <a:ext cx="412920" cy="15840"/>
+                </a:xfrm>
+                <a:prstGeom prst="rect">
+                  <a:avLst/>
+                </a:prstGeom>
+              </p:spPr>
+            </p:pic>
+          </mc:Fallback>
+        </mc:AlternateContent>
+        <mc:AlternateContent xmlns:mc="http://schemas.openxmlformats.org/markup-compatibility/2006">
+          <mc:Choice xmlns:p14="http://schemas.microsoft.com/office/powerpoint/2010/main" Requires="p14">
+            <p:contentPart p14:bwMode="auto" r:id="rId42">
+              <p14:nvContentPartPr>
+                <p14:cNvPr id="44" name="Ink 43">
+                  <a:extLst>
+                    <a:ext uri="{FF2B5EF4-FFF2-40B4-BE49-F238E27FC236}">
+                      <a16:creationId xmlns:a16="http://schemas.microsoft.com/office/drawing/2014/main" id="{66241A5C-3DBB-0A93-243F-C3ABD55F64A2}"/>
+                    </a:ext>
+                  </a:extLst>
+                </p14:cNvPr>
+                <p14:cNvContentPartPr/>
+                <p14:nvPr/>
+              </p14:nvContentPartPr>
+              <p14:xfrm>
+                <a:off x="3676994" y="6682126"/>
+                <a:ext cx="114120" cy="170640"/>
+              </p14:xfrm>
+            </p:contentPart>
+          </mc:Choice>
+          <mc:Fallback>
+            <p:pic>
+              <p:nvPicPr>
+                <p:cNvPr id="44" name="Ink 43">
+                  <a:extLst>
+                    <a:ext uri="{FF2B5EF4-FFF2-40B4-BE49-F238E27FC236}">
+                      <a16:creationId xmlns:a16="http://schemas.microsoft.com/office/drawing/2014/main" id="{66241A5C-3DBB-0A93-243F-C3ABD55F64A2}"/>
+                    </a:ext>
+                  </a:extLst>
+                </p:cNvPr>
+                <p:cNvPicPr/>
+                <p:nvPr/>
+              </p:nvPicPr>
+              <p:blipFill>
+                <a:blip r:embed="rId43"/>
+                <a:stretch>
+                  <a:fillRect/>
+                </a:stretch>
+              </p:blipFill>
+              <p:spPr>
+                <a:xfrm>
+                  <a:off x="3670874" y="6676006"/>
+                  <a:ext cx="126360" cy="182880"/>
+                </a:xfrm>
+                <a:prstGeom prst="rect">
+                  <a:avLst/>
+                </a:prstGeom>
+              </p:spPr>
+            </p:pic>
+          </mc:Fallback>
+        </mc:AlternateContent>
+        <mc:AlternateContent xmlns:mc="http://schemas.openxmlformats.org/markup-compatibility/2006">
+          <mc:Choice xmlns:p14="http://schemas.microsoft.com/office/powerpoint/2010/main" Requires="p14">
+            <p:contentPart p14:bwMode="auto" r:id="rId44">
+              <p14:nvContentPartPr>
+                <p14:cNvPr id="47" name="Ink 46">
+                  <a:extLst>
+                    <a:ext uri="{FF2B5EF4-FFF2-40B4-BE49-F238E27FC236}">
+                      <a16:creationId xmlns:a16="http://schemas.microsoft.com/office/drawing/2014/main" id="{8EDC5F96-D8D3-D924-F281-94FD41DC5CB8}"/>
+                    </a:ext>
+                  </a:extLst>
+                </p14:cNvPr>
+                <p14:cNvContentPartPr/>
+                <p14:nvPr/>
+              </p14:nvContentPartPr>
+              <p14:xfrm>
+                <a:off x="3638474" y="6701926"/>
+                <a:ext cx="156600" cy="4320"/>
+              </p14:xfrm>
+            </p:contentPart>
+          </mc:Choice>
+          <mc:Fallback>
+            <p:pic>
+              <p:nvPicPr>
+                <p:cNvPr id="47" name="Ink 46">
+                  <a:extLst>
+                    <a:ext uri="{FF2B5EF4-FFF2-40B4-BE49-F238E27FC236}">
+                      <a16:creationId xmlns:a16="http://schemas.microsoft.com/office/drawing/2014/main" id="{8EDC5F96-D8D3-D924-F281-94FD41DC5CB8}"/>
+                    </a:ext>
+                  </a:extLst>
+                </p:cNvPr>
+                <p:cNvPicPr/>
+                <p:nvPr/>
+              </p:nvPicPr>
+              <p:blipFill>
+                <a:blip r:embed="rId45"/>
+                <a:stretch>
+                  <a:fillRect/>
+                </a:stretch>
+              </p:blipFill>
+              <p:spPr>
+                <a:xfrm>
+                  <a:off x="3632354" y="6695806"/>
+                  <a:ext cx="168840" cy="16560"/>
+                </a:xfrm>
+                <a:prstGeom prst="rect">
+                  <a:avLst/>
+                </a:prstGeom>
+              </p:spPr>
+            </p:pic>
+          </mc:Fallback>
+        </mc:AlternateContent>
+        <mc:AlternateContent xmlns:mc="http://schemas.openxmlformats.org/markup-compatibility/2006">
+          <mc:Choice xmlns:p14="http://schemas.microsoft.com/office/powerpoint/2010/main" Requires="p14">
+            <p:contentPart p14:bwMode="auto" r:id="rId46">
+              <p14:nvContentPartPr>
+                <p14:cNvPr id="50" name="Ink 49">
+                  <a:extLst>
+                    <a:ext uri="{FF2B5EF4-FFF2-40B4-BE49-F238E27FC236}">
+                      <a16:creationId xmlns:a16="http://schemas.microsoft.com/office/drawing/2014/main" id="{753862E9-3BCB-BD8D-818C-E6751C49C2E9}"/>
+                    </a:ext>
+                  </a:extLst>
+                </p14:cNvPr>
+                <p14:cNvContentPartPr/>
+                <p14:nvPr/>
+              </p14:nvContentPartPr>
+              <p14:xfrm>
+                <a:off x="3701834" y="6773206"/>
+                <a:ext cx="101160" cy="10080"/>
+              </p14:xfrm>
+            </p:contentPart>
+          </mc:Choice>
+          <mc:Fallback>
+            <p:pic>
+              <p:nvPicPr>
+                <p:cNvPr id="50" name="Ink 49">
+                  <a:extLst>
+                    <a:ext uri="{FF2B5EF4-FFF2-40B4-BE49-F238E27FC236}">
+                      <a16:creationId xmlns:a16="http://schemas.microsoft.com/office/drawing/2014/main" id="{753862E9-3BCB-BD8D-818C-E6751C49C2E9}"/>
+                    </a:ext>
+                  </a:extLst>
+                </p:cNvPr>
+                <p:cNvPicPr/>
+                <p:nvPr/>
+              </p:nvPicPr>
+              <p:blipFill>
+                <a:blip r:embed="rId47"/>
+                <a:stretch>
+                  <a:fillRect/>
+                </a:stretch>
+              </p:blipFill>
+              <p:spPr>
+                <a:xfrm>
+                  <a:off x="3695714" y="6767086"/>
+                  <a:ext cx="113400" cy="22320"/>
+                </a:xfrm>
+                <a:prstGeom prst="rect">
+                  <a:avLst/>
+                </a:prstGeom>
+              </p:spPr>
+            </p:pic>
+          </mc:Fallback>
+        </mc:AlternateContent>
+        <mc:AlternateContent xmlns:mc="http://schemas.openxmlformats.org/markup-compatibility/2006">
+          <mc:Choice xmlns:p14="http://schemas.microsoft.com/office/powerpoint/2010/main" Requires="p14">
+            <p:contentPart p14:bwMode="auto" r:id="rId48">
+              <p14:nvContentPartPr>
+                <p14:cNvPr id="53" name="Ink 52">
+                  <a:extLst>
+                    <a:ext uri="{FF2B5EF4-FFF2-40B4-BE49-F238E27FC236}">
+                      <a16:creationId xmlns:a16="http://schemas.microsoft.com/office/drawing/2014/main" id="{1D4DA767-A75B-EDE9-0E2F-C871EE0CB778}"/>
+                    </a:ext>
+                  </a:extLst>
+                </p14:cNvPr>
+                <p14:cNvContentPartPr/>
+                <p14:nvPr/>
+              </p14:nvContentPartPr>
+              <p14:xfrm>
+                <a:off x="3846554" y="6643606"/>
+                <a:ext cx="83880" cy="217800"/>
+              </p14:xfrm>
+            </p:contentPart>
+          </mc:Choice>
+          <mc:Fallback>
+            <p:pic>
+              <p:nvPicPr>
+                <p:cNvPr id="53" name="Ink 52">
+                  <a:extLst>
+                    <a:ext uri="{FF2B5EF4-FFF2-40B4-BE49-F238E27FC236}">
+                      <a16:creationId xmlns:a16="http://schemas.microsoft.com/office/drawing/2014/main" id="{1D4DA767-A75B-EDE9-0E2F-C871EE0CB778}"/>
+                    </a:ext>
+                  </a:extLst>
+                </p:cNvPr>
+                <p:cNvPicPr/>
+                <p:nvPr/>
+              </p:nvPicPr>
+              <p:blipFill>
+                <a:blip r:embed="rId49"/>
+                <a:stretch>
+                  <a:fillRect/>
+                </a:stretch>
+              </p:blipFill>
+              <p:spPr>
+                <a:xfrm>
+                  <a:off x="3840434" y="6637486"/>
+                  <a:ext cx="96120" cy="230040"/>
+                </a:xfrm>
+                <a:prstGeom prst="rect">
+                  <a:avLst/>
+                </a:prstGeom>
+              </p:spPr>
+            </p:pic>
+          </mc:Fallback>
+        </mc:AlternateContent>
+        <mc:AlternateContent xmlns:mc="http://schemas.openxmlformats.org/markup-compatibility/2006">
+          <mc:Choice xmlns:p14="http://schemas.microsoft.com/office/powerpoint/2010/main" Requires="p14">
+            <p:contentPart p14:bwMode="auto" r:id="rId50">
+              <p14:nvContentPartPr>
+                <p14:cNvPr id="54" name="Ink 53">
+                  <a:extLst>
+                    <a:ext uri="{FF2B5EF4-FFF2-40B4-BE49-F238E27FC236}">
+                      <a16:creationId xmlns:a16="http://schemas.microsoft.com/office/drawing/2014/main" id="{51B71EA3-39FE-1BCE-D93F-72DA6E30B80B}"/>
+                    </a:ext>
+                  </a:extLst>
+                </p14:cNvPr>
+                <p14:cNvContentPartPr/>
+                <p14:nvPr/>
+              </p14:nvContentPartPr>
+              <p14:xfrm>
+                <a:off x="4004234" y="6682486"/>
+                <a:ext cx="11160" cy="164160"/>
+              </p14:xfrm>
+            </p:contentPart>
+          </mc:Choice>
+          <mc:Fallback>
+            <p:pic>
+              <p:nvPicPr>
+                <p:cNvPr id="54" name="Ink 53">
+                  <a:extLst>
+                    <a:ext uri="{FF2B5EF4-FFF2-40B4-BE49-F238E27FC236}">
+                      <a16:creationId xmlns:a16="http://schemas.microsoft.com/office/drawing/2014/main" id="{51B71EA3-39FE-1BCE-D93F-72DA6E30B80B}"/>
+                    </a:ext>
+                  </a:extLst>
+                </p:cNvPr>
+                <p:cNvPicPr/>
+                <p:nvPr/>
+              </p:nvPicPr>
+              <p:blipFill>
+                <a:blip r:embed="rId51"/>
+                <a:stretch>
+                  <a:fillRect/>
+                </a:stretch>
+              </p:blipFill>
+              <p:spPr>
+                <a:xfrm>
+                  <a:off x="3998114" y="6676366"/>
+                  <a:ext cx="23400" cy="176400"/>
+                </a:xfrm>
+                <a:prstGeom prst="rect">
+                  <a:avLst/>
+                </a:prstGeom>
+              </p:spPr>
+            </p:pic>
+          </mc:Fallback>
+        </mc:AlternateContent>
+        <mc:AlternateContent xmlns:mc="http://schemas.openxmlformats.org/markup-compatibility/2006">
+          <mc:Choice xmlns:p14="http://schemas.microsoft.com/office/powerpoint/2010/main" Requires="p14">
+            <p:contentPart p14:bwMode="auto" r:id="rId52">
+              <p14:nvContentPartPr>
+                <p14:cNvPr id="55" name="Ink 54">
+                  <a:extLst>
+                    <a:ext uri="{FF2B5EF4-FFF2-40B4-BE49-F238E27FC236}">
+                      <a16:creationId xmlns:a16="http://schemas.microsoft.com/office/drawing/2014/main" id="{BDBB4875-5CE7-F115-FB14-82DE6D52088E}"/>
+                    </a:ext>
+                  </a:extLst>
+                </p14:cNvPr>
+                <p14:cNvContentPartPr/>
+                <p14:nvPr/>
+              </p14:nvContentPartPr>
+              <p14:xfrm>
+                <a:off x="4007114" y="6766726"/>
+                <a:ext cx="121680" cy="15840"/>
+              </p14:xfrm>
+            </p:contentPart>
+          </mc:Choice>
+          <mc:Fallback>
+            <p:pic>
+              <p:nvPicPr>
+                <p:cNvPr id="55" name="Ink 54">
+                  <a:extLst>
+                    <a:ext uri="{FF2B5EF4-FFF2-40B4-BE49-F238E27FC236}">
+                      <a16:creationId xmlns:a16="http://schemas.microsoft.com/office/drawing/2014/main" id="{BDBB4875-5CE7-F115-FB14-82DE6D52088E}"/>
+                    </a:ext>
+                  </a:extLst>
+                </p:cNvPr>
+                <p:cNvPicPr/>
+                <p:nvPr/>
+              </p:nvPicPr>
+              <p:blipFill>
+                <a:blip r:embed="rId53"/>
+                <a:stretch>
+                  <a:fillRect/>
+                </a:stretch>
+              </p:blipFill>
+              <p:spPr>
+                <a:xfrm>
+                  <a:off x="4000994" y="6760606"/>
+                  <a:ext cx="133920" cy="28080"/>
+                </a:xfrm>
+                <a:prstGeom prst="rect">
+                  <a:avLst/>
+                </a:prstGeom>
+              </p:spPr>
+            </p:pic>
+          </mc:Fallback>
+        </mc:AlternateContent>
+        <mc:AlternateContent xmlns:mc="http://schemas.openxmlformats.org/markup-compatibility/2006">
+          <mc:Choice xmlns:p14="http://schemas.microsoft.com/office/powerpoint/2010/main" Requires="p14">
+            <p:contentPart p14:bwMode="auto" r:id="rId54">
+              <p14:nvContentPartPr>
+                <p14:cNvPr id="56" name="Ink 55">
+                  <a:extLst>
+                    <a:ext uri="{FF2B5EF4-FFF2-40B4-BE49-F238E27FC236}">
+                      <a16:creationId xmlns:a16="http://schemas.microsoft.com/office/drawing/2014/main" id="{C04A8251-0F27-FBDF-F880-6B407BC98B9C}"/>
+                    </a:ext>
+                  </a:extLst>
+                </p14:cNvPr>
+                <p14:cNvContentPartPr/>
+                <p14:nvPr/>
+              </p14:nvContentPartPr>
+              <p14:xfrm>
+                <a:off x="4125554" y="6682846"/>
+                <a:ext cx="25200" cy="193320"/>
+              </p14:xfrm>
+            </p:contentPart>
+          </mc:Choice>
+          <mc:Fallback>
+            <p:pic>
+              <p:nvPicPr>
+                <p:cNvPr id="56" name="Ink 55">
+                  <a:extLst>
+                    <a:ext uri="{FF2B5EF4-FFF2-40B4-BE49-F238E27FC236}">
+                      <a16:creationId xmlns:a16="http://schemas.microsoft.com/office/drawing/2014/main" id="{C04A8251-0F27-FBDF-F880-6B407BC98B9C}"/>
+                    </a:ext>
+                  </a:extLst>
+                </p:cNvPr>
+                <p:cNvPicPr/>
+                <p:nvPr/>
+              </p:nvPicPr>
+              <p:blipFill>
+                <a:blip r:embed="rId55"/>
+                <a:stretch>
+                  <a:fillRect/>
+                </a:stretch>
+              </p:blipFill>
+              <p:spPr>
+                <a:xfrm>
+                  <a:off x="4119434" y="6676726"/>
+                  <a:ext cx="37440" cy="205560"/>
+                </a:xfrm>
+                <a:prstGeom prst="rect">
+                  <a:avLst/>
+                </a:prstGeom>
+              </p:spPr>
+            </p:pic>
+          </mc:Fallback>
+        </mc:AlternateContent>
+        <mc:AlternateContent xmlns:mc="http://schemas.openxmlformats.org/markup-compatibility/2006">
+          <mc:Choice xmlns:p14="http://schemas.microsoft.com/office/powerpoint/2010/main" Requires="p14">
+            <p:contentPart p14:bwMode="auto" r:id="rId56">
+              <p14:nvContentPartPr>
+                <p14:cNvPr id="59" name="Ink 58">
+                  <a:extLst>
+                    <a:ext uri="{FF2B5EF4-FFF2-40B4-BE49-F238E27FC236}">
+                      <a16:creationId xmlns:a16="http://schemas.microsoft.com/office/drawing/2014/main" id="{F4A02A2E-B58D-E4C7-D17F-55F065AE5DD2}"/>
+                    </a:ext>
+                  </a:extLst>
+                </p14:cNvPr>
+                <p14:cNvContentPartPr/>
+                <p14:nvPr/>
+              </p14:nvContentPartPr>
+              <p14:xfrm>
+                <a:off x="2667194" y="5880766"/>
+                <a:ext cx="546840" cy="454320"/>
+              </p14:xfrm>
+            </p:contentPart>
+          </mc:Choice>
+          <mc:Fallback>
+            <p:pic>
+              <p:nvPicPr>
+                <p:cNvPr id="59" name="Ink 58">
+                  <a:extLst>
+                    <a:ext uri="{FF2B5EF4-FFF2-40B4-BE49-F238E27FC236}">
+                      <a16:creationId xmlns:a16="http://schemas.microsoft.com/office/drawing/2014/main" id="{F4A02A2E-B58D-E4C7-D17F-55F065AE5DD2}"/>
+                    </a:ext>
+                  </a:extLst>
+                </p:cNvPr>
+                <p:cNvPicPr/>
+                <p:nvPr/>
+              </p:nvPicPr>
+              <p:blipFill>
+                <a:blip r:embed="rId57"/>
+                <a:stretch>
+                  <a:fillRect/>
+                </a:stretch>
+              </p:blipFill>
+              <p:spPr>
+                <a:xfrm>
+                  <a:off x="2661074" y="5874646"/>
+                  <a:ext cx="559080" cy="466560"/>
+                </a:xfrm>
+                <a:prstGeom prst="rect">
+                  <a:avLst/>
+                </a:prstGeom>
+              </p:spPr>
+            </p:pic>
+          </mc:Fallback>
+        </mc:AlternateContent>
+      </p:grpSp>
+    </p:spTree>
+    <p:extLst>
+      <p:ext uri="{BB962C8B-B14F-4D97-AF65-F5344CB8AC3E}">
+        <p14:creationId xmlns:p14="http://schemas.microsoft.com/office/powerpoint/2010/main" val="45941954"/>
+      </p:ext>
+    </p:extLst>
+  </p:cSld>
+  <p:clrMapOvr>
+    <a:masterClrMapping/>
+  </p:clrMapOvr>
+</p:sld>
+</file>
+
+<file path=ppt/slides/slide14.xml><?xml version="1.0" encoding="utf-8"?>
 <p:sld xmlns:a="http://schemas.openxmlformats.org/drawingml/2006/main" xmlns:r="http://schemas.openxmlformats.org/officeDocument/2006/relationships" xmlns:p="http://schemas.openxmlformats.org/presentationml/2006/main">
   <p:cSld>
     <p:spTree>
@@ -11240,9 +14723,9 @@
           <a:p>
             <a:fld id="{278C1CC4-2077-434E-BCF1-5D01C08A9B17}" type="slidenum">
               <a:rPr lang="en-US" smtClean="0"/>
-              <a:t>12</a:t>
+              <a:t>14</a:t>
             </a:fld>
-            <a:endParaRPr lang="en-US"/>
+            <a:endParaRPr lang="en-US" dirty="0"/>
           </a:p>
         </p:txBody>
       </p:sp>
@@ -11349,7 +14832,7 @@
         <p:spPr>
           <a:xfrm>
             <a:off x="1379094" y="1948721"/>
-            <a:ext cx="1678899" cy="954107"/>
+            <a:ext cx="1678899" cy="1384995"/>
           </a:xfrm>
           <a:prstGeom prst="rect">
             <a:avLst/>
@@ -11366,17 +14849,8 @@
               <a:rPr lang="es-ES_tradnl" sz="2800" dirty="0">
                 <a:latin typeface="Gill Sans Nova Light" panose="020B0302020104020203" pitchFamily="34" charset="0"/>
               </a:rPr>
-              <a:t>Ad </a:t>
+              <a:t>Y= Gastos en publicidad</a:t>
             </a:r>
-            <a:r>
-              <a:rPr lang="es-ES_tradnl" sz="2800" dirty="0" err="1">
-                <a:latin typeface="Gill Sans Nova Light" panose="020B0302020104020203" pitchFamily="34" charset="0"/>
-              </a:rPr>
-              <a:t>Spending</a:t>
-            </a:r>
-            <a:endParaRPr lang="es-ES_tradnl" sz="2800" dirty="0">
-              <a:latin typeface="Gill Sans Nova Light" panose="020B0302020104020203" pitchFamily="34" charset="0"/>
-            </a:endParaRPr>
           </a:p>
         </p:txBody>
       </p:sp>
@@ -11395,7 +14869,7 @@
         <p:spPr>
           <a:xfrm>
             <a:off x="8334530" y="5721719"/>
-            <a:ext cx="1678899" cy="523220"/>
+            <a:ext cx="2106642" cy="523220"/>
           </a:xfrm>
           <a:prstGeom prst="rect">
             <a:avLst/>
@@ -11412,7 +14886,7 @@
               <a:rPr lang="es-ES_tradnl" sz="2800" dirty="0">
                 <a:latin typeface="Gill Sans Nova Light" panose="020B0302020104020203" pitchFamily="34" charset="0"/>
               </a:rPr>
-              <a:t>Población</a:t>
+              <a:t>X= Población</a:t>
             </a:r>
           </a:p>
         </p:txBody>
@@ -12245,7 +15719,7 @@
         </p:nvCxnSpPr>
         <p:spPr>
           <a:xfrm flipV="1">
-            <a:off x="3800475" y="2228850"/>
+            <a:off x="3744446" y="2288273"/>
             <a:ext cx="2914650" cy="2570562"/>
           </a:xfrm>
           <a:prstGeom prst="line">
@@ -12980,6 +16454,129 @@
           </p:sp>
         </mc:Fallback>
       </mc:AlternateContent>
+      <p:grpSp>
+        <p:nvGrpSpPr>
+          <p:cNvPr id="36" name="Group 35">
+            <a:extLst>
+              <a:ext uri="{FF2B5EF4-FFF2-40B4-BE49-F238E27FC236}">
+                <a16:creationId xmlns:a16="http://schemas.microsoft.com/office/drawing/2014/main" id="{FEED0FC5-BBCC-FB6E-083E-57FFF26DE13E}"/>
+              </a:ext>
+            </a:extLst>
+          </p:cNvPr>
+          <p:cNvGrpSpPr/>
+          <p:nvPr/>
+        </p:nvGrpSpPr>
+        <p:grpSpPr>
+          <a:xfrm>
+            <a:off x="2364434" y="2507206"/>
+            <a:ext cx="1800" cy="1800"/>
+            <a:chOff x="2364434" y="2507206"/>
+            <a:chExt cx="1800" cy="1800"/>
+          </a:xfrm>
+        </p:grpSpPr>
+        <mc:AlternateContent xmlns:mc="http://schemas.openxmlformats.org/markup-compatibility/2006">
+          <mc:Choice xmlns:p14="http://schemas.microsoft.com/office/powerpoint/2010/main" Requires="p14">
+            <p:contentPart p14:bwMode="auto" r:id="rId5">
+              <p14:nvContentPartPr>
+                <p14:cNvPr id="3" name="Ink 2">
+                  <a:extLst>
+                    <a:ext uri="{FF2B5EF4-FFF2-40B4-BE49-F238E27FC236}">
+                      <a16:creationId xmlns:a16="http://schemas.microsoft.com/office/drawing/2014/main" id="{95DDC4D1-4BDE-B3AE-D25D-619AA4E81779}"/>
+                    </a:ext>
+                  </a:extLst>
+                </p14:cNvPr>
+                <p14:cNvContentPartPr/>
+                <p14:nvPr/>
+              </p14:nvContentPartPr>
+              <p14:xfrm>
+                <a:off x="2364434" y="2507206"/>
+                <a:ext cx="1800" cy="1800"/>
+              </p14:xfrm>
+            </p:contentPart>
+          </mc:Choice>
+          <mc:Fallback>
+            <p:pic>
+              <p:nvPicPr>
+                <p:cNvPr id="3" name="Ink 2">
+                  <a:extLst>
+                    <a:ext uri="{FF2B5EF4-FFF2-40B4-BE49-F238E27FC236}">
+                      <a16:creationId xmlns:a16="http://schemas.microsoft.com/office/drawing/2014/main" id="{95DDC4D1-4BDE-B3AE-D25D-619AA4E81779}"/>
+                    </a:ext>
+                  </a:extLst>
+                </p:cNvPr>
+                <p:cNvPicPr/>
+                <p:nvPr/>
+              </p:nvPicPr>
+              <p:blipFill>
+                <a:blip r:embed="rId6"/>
+                <a:stretch>
+                  <a:fillRect/>
+                </a:stretch>
+              </p:blipFill>
+              <p:spPr>
+                <a:xfrm>
+                  <a:off x="2358314" y="2501086"/>
+                  <a:ext cx="14040" cy="14040"/>
+                </a:xfrm>
+                <a:prstGeom prst="rect">
+                  <a:avLst/>
+                </a:prstGeom>
+              </p:spPr>
+            </p:pic>
+          </mc:Fallback>
+        </mc:AlternateContent>
+        <mc:AlternateContent xmlns:mc="http://schemas.openxmlformats.org/markup-compatibility/2006">
+          <mc:Choice xmlns:p14="http://schemas.microsoft.com/office/powerpoint/2010/main" Requires="p14">
+            <p:contentPart p14:bwMode="auto" r:id="rId7">
+              <p14:nvContentPartPr>
+                <p14:cNvPr id="28" name="Ink 27">
+                  <a:extLst>
+                    <a:ext uri="{FF2B5EF4-FFF2-40B4-BE49-F238E27FC236}">
+                      <a16:creationId xmlns:a16="http://schemas.microsoft.com/office/drawing/2014/main" id="{57603840-89BA-265E-8649-9E60529ED25A}"/>
+                    </a:ext>
+                  </a:extLst>
+                </p14:cNvPr>
+                <p14:cNvContentPartPr/>
+                <p14:nvPr/>
+              </p14:nvContentPartPr>
+              <p14:xfrm>
+                <a:off x="2364434" y="2507206"/>
+                <a:ext cx="360" cy="360"/>
+              </p14:xfrm>
+            </p:contentPart>
+          </mc:Choice>
+          <mc:Fallback>
+            <p:pic>
+              <p:nvPicPr>
+                <p:cNvPr id="28" name="Ink 27">
+                  <a:extLst>
+                    <a:ext uri="{FF2B5EF4-FFF2-40B4-BE49-F238E27FC236}">
+                      <a16:creationId xmlns:a16="http://schemas.microsoft.com/office/drawing/2014/main" id="{57603840-89BA-265E-8649-9E60529ED25A}"/>
+                    </a:ext>
+                  </a:extLst>
+                </p:cNvPr>
+                <p:cNvPicPr/>
+                <p:nvPr/>
+              </p:nvPicPr>
+              <p:blipFill>
+                <a:blip r:embed="rId8"/>
+                <a:stretch>
+                  <a:fillRect/>
+                </a:stretch>
+              </p:blipFill>
+              <p:spPr>
+                <a:xfrm>
+                  <a:off x="2358314" y="2501086"/>
+                  <a:ext cx="12600" cy="12600"/>
+                </a:xfrm>
+                <a:prstGeom prst="rect">
+                  <a:avLst/>
+                </a:prstGeom>
+              </p:spPr>
+            </p:pic>
+          </mc:Fallback>
+        </mc:AlternateContent>
+      </p:grpSp>
     </p:spTree>
     <p:extLst>
       <p:ext uri="{BB962C8B-B14F-4D97-AF65-F5344CB8AC3E}">
@@ -13254,7 +16851,7 @@
 </p:sld>
 </file>
 
-<file path=ppt/slides/slide13.xml><?xml version="1.0" encoding="utf-8"?>
+<file path=ppt/slides/slide15.xml><?xml version="1.0" encoding="utf-8"?>
 <p:sld xmlns:a="http://schemas.openxmlformats.org/drawingml/2006/main" xmlns:r="http://schemas.openxmlformats.org/officeDocument/2006/relationships" xmlns:p="http://schemas.openxmlformats.org/presentationml/2006/main">
   <p:cSld>
     <p:spTree>
@@ -13305,8 +16902,8 @@
           </a:p>
         </p:txBody>
       </p:sp>
-      <mc:AlternateContent xmlns:mc="http://schemas.openxmlformats.org/markup-compatibility/2006" xmlns:a14="http://schemas.microsoft.com/office/drawing/2010/main">
-        <mc:Choice Requires="a14">
+      <mc:AlternateContent xmlns:mc="http://schemas.openxmlformats.org/markup-compatibility/2006">
+        <mc:Choice xmlns:a14="http://schemas.microsoft.com/office/drawing/2010/main" Requires="a14">
           <p:sp>
             <p:nvSpPr>
               <p:cNvPr id="3" name="Content Placeholder 2">
@@ -13326,7 +16923,7 @@
             <p:spPr/>
             <p:txBody>
               <a:bodyPr>
-                <a:normAutofit fontScale="92500" lnSpcReduction="20000"/>
+                <a:normAutofit lnSpcReduction="10000"/>
               </a:bodyPr>
               <a:lstStyle/>
               <a:p>
@@ -13509,7 +17106,7 @@
                     <m:sSub>
                       <m:sSubPr>
                         <m:ctrlPr>
-                          <a:rPr lang="en-US" sz="2900" i="1">
+                          <a:rPr lang="en-US" sz="2900" b="1" i="1">
                             <a:solidFill>
                               <a:schemeClr val="tx1"/>
                             </a:solidFill>
@@ -13519,24 +17116,24 @@
                       </m:sSubPr>
                       <m:e>
                         <m:r>
-                          <a:rPr lang="en-US" sz="2900" i="1">
+                          <a:rPr lang="en-US" sz="2900" b="1" i="1">
                             <a:solidFill>
                               <a:schemeClr val="tx1"/>
                             </a:solidFill>
                             <a:latin typeface="Cambria Math" panose="02040503050406030204" pitchFamily="18" charset="0"/>
                           </a:rPr>
-                          <m:t>𝛽</m:t>
+                          <m:t>𝜷</m:t>
                         </m:r>
                       </m:e>
                       <m:sub>
                         <m:r>
-                          <a:rPr lang="en-US" sz="2900" i="1">
+                          <a:rPr lang="en-US" sz="2900" b="1" i="1">
                             <a:solidFill>
                               <a:schemeClr val="tx1"/>
                             </a:solidFill>
                             <a:latin typeface="Cambria Math" panose="02040503050406030204" pitchFamily="18" charset="0"/>
                           </a:rPr>
-                          <m:t>1</m:t>
+                          <m:t>𝟏</m:t>
                         </m:r>
                       </m:sub>
                     </m:sSub>
@@ -13585,9 +17182,6 @@
                     </m:sSub>
                     <m:r>
                       <a:rPr lang="en-US" sz="2900" i="1">
-                        <a:solidFill>
-                          <a:schemeClr val="tx1"/>
-                        </a:solidFill>
                         <a:latin typeface="Cambria Math" panose="02040503050406030204" pitchFamily="18" charset="0"/>
                       </a:rPr>
                       <m:t>+</m:t>
@@ -13595,10 +17189,69 @@
                     <m:sSub>
                       <m:sSubPr>
                         <m:ctrlPr>
+                          <a:rPr lang="en-US" sz="2900" b="1" i="1">
+                            <a:latin typeface="Cambria Math" panose="02040503050406030204" pitchFamily="18" charset="0"/>
+                          </a:rPr>
+                        </m:ctrlPr>
+                      </m:sSubPr>
+                      <m:e>
+                        <m:r>
+                          <a:rPr lang="en-US" sz="2900" b="1" i="1">
+                            <a:latin typeface="Cambria Math" panose="02040503050406030204" pitchFamily="18" charset="0"/>
+                          </a:rPr>
+                          <m:t>𝜷</m:t>
+                        </m:r>
+                      </m:e>
+                      <m:sub>
+                        <m:r>
+                          <a:rPr lang="en-US" sz="2900" b="1" i="1" smtClean="0">
+                            <a:latin typeface="Cambria Math" panose="02040503050406030204" pitchFamily="18" charset="0"/>
+                          </a:rPr>
+                          <m:t>𝟐</m:t>
+                        </m:r>
+                      </m:sub>
+                    </m:sSub>
+                    <m:sSub>
+                      <m:sSubPr>
+                        <m:ctrlPr>
+                          <a:rPr lang="en-US" sz="2900" i="1">
+                            <a:latin typeface="Cambria Math" panose="02040503050406030204" pitchFamily="18" charset="0"/>
+                          </a:rPr>
+                        </m:ctrlPr>
+                      </m:sSubPr>
+                      <m:e>
+                        <m:r>
+                          <a:rPr lang="en-US" sz="2900" i="1">
+                            <a:latin typeface="Cambria Math" panose="02040503050406030204" pitchFamily="18" charset="0"/>
+                          </a:rPr>
+                          <m:t>𝑥</m:t>
+                        </m:r>
+                      </m:e>
+                      <m:sub>
+                        <m:r>
                           <a:rPr lang="en-US" sz="2900" b="0" i="1" smtClean="0">
-                            <a:solidFill>
-                              <a:schemeClr val="tx1"/>
-                            </a:solidFill>
+                            <a:latin typeface="Cambria Math" panose="02040503050406030204" pitchFamily="18" charset="0"/>
+                          </a:rPr>
+                          <m:t>2</m:t>
+                        </m:r>
+                        <m:r>
+                          <a:rPr lang="en-US" sz="2900" i="1">
+                            <a:latin typeface="Cambria Math" panose="02040503050406030204" pitchFamily="18" charset="0"/>
+                          </a:rPr>
+                          <m:t>𝑖</m:t>
+                        </m:r>
+                      </m:sub>
+                    </m:sSub>
+                    <m:r>
+                      <a:rPr lang="en-US" sz="2900" i="1">
+                        <a:latin typeface="Cambria Math" panose="02040503050406030204" pitchFamily="18" charset="0"/>
+                      </a:rPr>
+                      <m:t>+</m:t>
+                    </m:r>
+                    <m:sSub>
+                      <m:sSubPr>
+                        <m:ctrlPr>
+                          <a:rPr lang="en-US" sz="2900" i="1">
                             <a:latin typeface="Cambria Math" panose="02040503050406030204" pitchFamily="18" charset="0"/>
                             <a:ea typeface="Cambria Math" panose="02040503050406030204" pitchFamily="18" charset="0"/>
                           </a:rPr>
@@ -13607,9 +17260,6 @@
                       <m:e>
                         <m:r>
                           <a:rPr lang="en-US" sz="2900" i="1">
-                            <a:solidFill>
-                              <a:schemeClr val="tx1"/>
-                            </a:solidFill>
                             <a:latin typeface="Cambria Math" panose="02040503050406030204" pitchFamily="18" charset="0"/>
                             <a:ea typeface="Cambria Math" panose="02040503050406030204" pitchFamily="18" charset="0"/>
                           </a:rPr>
@@ -13618,10 +17268,7 @@
                       </m:e>
                       <m:sub>
                         <m:r>
-                          <a:rPr lang="en-US" sz="2900" b="0" i="1" smtClean="0">
-                            <a:solidFill>
-                              <a:schemeClr val="tx1"/>
-                            </a:solidFill>
+                          <a:rPr lang="en-US" sz="2900" i="1">
                             <a:latin typeface="Cambria Math" panose="02040503050406030204" pitchFamily="18" charset="0"/>
                             <a:ea typeface="Cambria Math" panose="02040503050406030204" pitchFamily="18" charset="0"/>
                           </a:rPr>
@@ -13675,856 +17322,455 @@
                 </a:r>
               </a:p>
               <a:p>
+                <a:pPr>
+                  <a:lnSpc>
+                    <a:spcPct val="110000"/>
+                  </a:lnSpc>
+                </a:pPr>
+                <a:r>
+                  <a:rPr lang="es-ES_tradnl" dirty="0" err="1"/>
+                  <a:t>Extension</a:t>
+                </a:r>
+                <a:r>
+                  <a:rPr lang="es-ES_tradnl" dirty="0"/>
+                  <a:t>: tener en cuenta una relación no lineal con X</a:t>
+                </a:r>
+              </a:p>
+              <a:p>
                 <a:pPr lvl="1">
                   <a:lnSpc>
                     <a:spcPct val="110000"/>
                   </a:lnSpc>
                 </a:pPr>
-                <a:r>
-                  <a:rPr lang="es-ES_tradnl" dirty="0"/>
-                  <a:t>minimiza </a:t>
-                </a:r>
                 <a14:m>
                   <m:oMath xmlns:m="http://schemas.openxmlformats.org/officeDocument/2006/math">
-                    <m:nary>
-                      <m:naryPr>
-                        <m:chr m:val="∑"/>
-                        <m:subHide m:val="on"/>
-                        <m:supHide m:val="on"/>
+                    <m:sSub>
+                      <m:sSubPr>
                         <m:ctrlPr>
-                          <a:rPr lang="es-ES_tradnl" i="1">
+                          <a:rPr lang="en-US" i="1" smtClean="0">
                             <a:latin typeface="Cambria Math" panose="02040503050406030204" pitchFamily="18" charset="0"/>
                           </a:rPr>
                         </m:ctrlPr>
-                      </m:naryPr>
-                      <m:sub/>
-                      <m:sup/>
+                      </m:sSubPr>
                       <m:e>
-                        <m:sSubSup>
-                          <m:sSubSupPr>
-                            <m:ctrlPr>
-                              <a:rPr lang="en-US" i="1">
-                                <a:latin typeface="Cambria Math" panose="02040503050406030204" pitchFamily="18" charset="0"/>
-                              </a:rPr>
-                            </m:ctrlPr>
-                          </m:sSubSupPr>
-                          <m:e>
-                            <m:r>
-                              <a:rPr lang="en-US" i="1">
-                                <a:latin typeface="Cambria Math" panose="02040503050406030204" pitchFamily="18" charset="0"/>
-                              </a:rPr>
-                              <m:t>𝑒</m:t>
-                            </m:r>
-                          </m:e>
-                          <m:sub>
-                            <m:r>
-                              <a:rPr lang="en-US" i="1">
-                                <a:latin typeface="Cambria Math" panose="02040503050406030204" pitchFamily="18" charset="0"/>
-                              </a:rPr>
-                              <m:t>𝑖</m:t>
-                            </m:r>
-                          </m:sub>
-                          <m:sup>
-                            <m:r>
-                              <a:rPr lang="en-US" i="1">
-                                <a:latin typeface="Cambria Math" panose="02040503050406030204" pitchFamily="18" charset="0"/>
-                              </a:rPr>
-                              <m:t>2</m:t>
-                            </m:r>
-                          </m:sup>
-                        </m:sSubSup>
+                        <m:r>
+                          <a:rPr lang="en-US" i="1">
+                            <a:latin typeface="Cambria Math" panose="02040503050406030204" pitchFamily="18" charset="0"/>
+                          </a:rPr>
+                          <m:t>𝑦</m:t>
+                        </m:r>
                       </m:e>
-                    </m:nary>
+                      <m:sub>
+                        <m:r>
+                          <a:rPr lang="en-US" i="1">
+                            <a:latin typeface="Cambria Math" panose="02040503050406030204" pitchFamily="18" charset="0"/>
+                          </a:rPr>
+                          <m:t>𝑖</m:t>
+                        </m:r>
+                      </m:sub>
+                    </m:sSub>
                     <m:r>
                       <a:rPr lang="en-US" i="1">
                         <a:latin typeface="Cambria Math" panose="02040503050406030204" pitchFamily="18" charset="0"/>
                       </a:rPr>
                       <m:t>=</m:t>
                     </m:r>
-                    <m:sSup>
-                      <m:sSupPr>
+                    <m:sSub>
+                      <m:sSubPr>
                         <m:ctrlPr>
                           <a:rPr lang="en-US" i="1">
                             <a:latin typeface="Cambria Math" panose="02040503050406030204" pitchFamily="18" charset="0"/>
                           </a:rPr>
                         </m:ctrlPr>
-                      </m:sSupPr>
+                      </m:sSubPr>
                       <m:e>
-                        <m:nary>
-                          <m:naryPr>
-                            <m:chr m:val="∑"/>
-                            <m:subHide m:val="on"/>
-                            <m:supHide m:val="on"/>
-                            <m:ctrlPr>
-                              <a:rPr lang="es-ES_tradnl" i="1">
-                                <a:latin typeface="Cambria Math" panose="02040503050406030204" pitchFamily="18" charset="0"/>
-                              </a:rPr>
-                            </m:ctrlPr>
-                          </m:naryPr>
-                          <m:sub/>
-                          <m:sup/>
-                          <m:e>
-                            <m:d>
-                              <m:dPr>
-                                <m:ctrlPr>
-                                  <a:rPr lang="en-US" i="1">
-                                    <a:latin typeface="Cambria Math" panose="02040503050406030204" pitchFamily="18" charset="0"/>
-                                  </a:rPr>
-                                </m:ctrlPr>
-                              </m:dPr>
-                              <m:e>
-                                <m:sSub>
-                                  <m:sSubPr>
-                                    <m:ctrlPr>
-                                      <a:rPr lang="en-US" i="1">
-                                        <a:latin typeface="Cambria Math" panose="02040503050406030204" pitchFamily="18" charset="0"/>
-                                      </a:rPr>
-                                    </m:ctrlPr>
-                                  </m:sSubPr>
-                                  <m:e>
-                                    <m:r>
-                                      <a:rPr lang="en-US" i="1">
-                                        <a:latin typeface="Cambria Math" panose="02040503050406030204" pitchFamily="18" charset="0"/>
-                                      </a:rPr>
-                                      <m:t>𝑦</m:t>
-                                    </m:r>
-                                  </m:e>
-                                  <m:sub>
-                                    <m:r>
-                                      <a:rPr lang="en-US" i="1">
-                                        <a:latin typeface="Cambria Math" panose="02040503050406030204" pitchFamily="18" charset="0"/>
-                                      </a:rPr>
-                                      <m:t>𝑖</m:t>
-                                    </m:r>
-                                  </m:sub>
-                                </m:sSub>
-                                <m:r>
-                                  <a:rPr lang="en-US" i="1">
-                                    <a:latin typeface="Cambria Math" panose="02040503050406030204" pitchFamily="18" charset="0"/>
-                                  </a:rPr>
-                                  <m:t>−</m:t>
-                                </m:r>
-                                <m:sSub>
-                                  <m:sSubPr>
-                                    <m:ctrlPr>
-                                      <a:rPr lang="en-US" i="1">
-                                        <a:latin typeface="Cambria Math" panose="02040503050406030204" pitchFamily="18" charset="0"/>
-                                      </a:rPr>
-                                    </m:ctrlPr>
-                                  </m:sSubPr>
-                                  <m:e>
-                                    <m:acc>
-                                      <m:accPr>
-                                        <m:chr m:val="̂"/>
-                                        <m:ctrlPr>
-                                          <a:rPr lang="en-US" i="1">
-                                            <a:latin typeface="Cambria Math" panose="02040503050406030204" pitchFamily="18" charset="0"/>
-                                          </a:rPr>
-                                        </m:ctrlPr>
-                                      </m:accPr>
-                                      <m:e>
-                                        <m:r>
-                                          <a:rPr lang="en-US" i="1">
-                                            <a:latin typeface="Cambria Math" panose="02040503050406030204" pitchFamily="18" charset="0"/>
-                                          </a:rPr>
-                                          <m:t>𝑦</m:t>
-                                        </m:r>
-                                      </m:e>
-                                    </m:acc>
-                                  </m:e>
-                                  <m:sub>
-                                    <m:r>
-                                      <a:rPr lang="en-US" i="1">
-                                        <a:latin typeface="Cambria Math" panose="02040503050406030204" pitchFamily="18" charset="0"/>
-                                      </a:rPr>
-                                      <m:t>𝑖</m:t>
-                                    </m:r>
-                                  </m:sub>
-                                </m:sSub>
-                              </m:e>
-                            </m:d>
-                          </m:e>
-                        </m:nary>
+                        <m:r>
+                          <a:rPr lang="en-US" i="1">
+                            <a:latin typeface="Cambria Math" panose="02040503050406030204" pitchFamily="18" charset="0"/>
+                          </a:rPr>
+                          <m:t>𝛽</m:t>
+                        </m:r>
                       </m:e>
+                      <m:sub>
+                        <m:r>
+                          <a:rPr lang="en-US" i="1">
+                            <a:latin typeface="Cambria Math" panose="02040503050406030204" pitchFamily="18" charset="0"/>
+                          </a:rPr>
+                          <m:t>0</m:t>
+                        </m:r>
+                      </m:sub>
+                    </m:sSub>
+                    <m:r>
+                      <a:rPr lang="en-US" i="1">
+                        <a:latin typeface="Cambria Math" panose="02040503050406030204" pitchFamily="18" charset="0"/>
+                      </a:rPr>
+                      <m:t>+</m:t>
+                    </m:r>
+                    <m:sSub>
+                      <m:sSubPr>
+                        <m:ctrlPr>
+                          <a:rPr lang="en-US" b="1" i="1">
+                            <a:latin typeface="Cambria Math" panose="02040503050406030204" pitchFamily="18" charset="0"/>
+                          </a:rPr>
+                        </m:ctrlPr>
+                      </m:sSubPr>
+                      <m:e>
+                        <m:r>
+                          <a:rPr lang="en-US" b="1" i="1">
+                            <a:latin typeface="Cambria Math" panose="02040503050406030204" pitchFamily="18" charset="0"/>
+                          </a:rPr>
+                          <m:t>𝜷</m:t>
+                        </m:r>
+                      </m:e>
+                      <m:sub>
+                        <m:r>
+                          <a:rPr lang="en-US" b="1" i="1">
+                            <a:latin typeface="Cambria Math" panose="02040503050406030204" pitchFamily="18" charset="0"/>
+                          </a:rPr>
+                          <m:t>𝟏</m:t>
+                        </m:r>
+                      </m:sub>
+                    </m:sSub>
+                    <m:sSub>
+                      <m:sSubPr>
+                        <m:ctrlPr>
+                          <a:rPr lang="en-US" i="1">
+                            <a:latin typeface="Cambria Math" panose="02040503050406030204" pitchFamily="18" charset="0"/>
+                          </a:rPr>
+                        </m:ctrlPr>
+                      </m:sSubPr>
+                      <m:e>
+                        <m:r>
+                          <a:rPr lang="en-US" b="0" i="1" smtClean="0">
+                            <a:latin typeface="Cambria Math" panose="02040503050406030204" pitchFamily="18" charset="0"/>
+                          </a:rPr>
+                          <m:t>𝑒𝑑𝑎𝑑</m:t>
+                        </m:r>
+                      </m:e>
+                      <m:sub>
+                        <m:r>
+                          <a:rPr lang="en-US" i="1">
+                            <a:latin typeface="Cambria Math" panose="02040503050406030204" pitchFamily="18" charset="0"/>
+                          </a:rPr>
+                          <m:t>1</m:t>
+                        </m:r>
+                        <m:r>
+                          <a:rPr lang="en-US" i="1">
+                            <a:latin typeface="Cambria Math" panose="02040503050406030204" pitchFamily="18" charset="0"/>
+                          </a:rPr>
+                          <m:t>𝑖</m:t>
+                        </m:r>
+                      </m:sub>
+                    </m:sSub>
+                    <m:r>
+                      <a:rPr lang="en-US" i="1">
+                        <a:latin typeface="Cambria Math" panose="02040503050406030204" pitchFamily="18" charset="0"/>
+                      </a:rPr>
+                      <m:t>+</m:t>
+                    </m:r>
+                    <m:sSub>
+                      <m:sSubPr>
+                        <m:ctrlPr>
+                          <a:rPr lang="en-US" b="1" i="1">
+                            <a:latin typeface="Cambria Math" panose="02040503050406030204" pitchFamily="18" charset="0"/>
+                          </a:rPr>
+                        </m:ctrlPr>
+                      </m:sSubPr>
+                      <m:e>
+                        <m:r>
+                          <a:rPr lang="en-US" b="1" i="1">
+                            <a:latin typeface="Cambria Math" panose="02040503050406030204" pitchFamily="18" charset="0"/>
+                          </a:rPr>
+                          <m:t>𝜷</m:t>
+                        </m:r>
+                      </m:e>
+                      <m:sub>
+                        <m:r>
+                          <a:rPr lang="en-US" b="1" i="1" smtClean="0">
+                            <a:latin typeface="Cambria Math" panose="02040503050406030204" pitchFamily="18" charset="0"/>
+                          </a:rPr>
+                          <m:t>𝟐</m:t>
+                        </m:r>
+                      </m:sub>
+                    </m:sSub>
+                    <m:sSubSup>
+                      <m:sSubSupPr>
+                        <m:ctrlPr>
+                          <a:rPr lang="en-US" b="0" i="1" smtClean="0">
+                            <a:latin typeface="Cambria Math" panose="02040503050406030204" pitchFamily="18" charset="0"/>
+                          </a:rPr>
+                        </m:ctrlPr>
+                      </m:sSubSupPr>
+                      <m:e>
+                        <m:r>
+                          <a:rPr lang="en-US" i="1">
+                            <a:latin typeface="Cambria Math" panose="02040503050406030204" pitchFamily="18" charset="0"/>
+                          </a:rPr>
+                          <m:t>𝑒𝑑𝑎𝑑</m:t>
+                        </m:r>
+                      </m:e>
+                      <m:sub>
+                        <m:r>
+                          <a:rPr lang="en-US" i="1">
+                            <a:latin typeface="Cambria Math" panose="02040503050406030204" pitchFamily="18" charset="0"/>
+                          </a:rPr>
+                          <m:t>1</m:t>
+                        </m:r>
+                        <m:r>
+                          <a:rPr lang="en-US" i="1">
+                            <a:latin typeface="Cambria Math" panose="02040503050406030204" pitchFamily="18" charset="0"/>
+                          </a:rPr>
+                          <m:t>𝑖</m:t>
+                        </m:r>
+                      </m:sub>
                       <m:sup>
                         <m:r>
-                          <a:rPr lang="en-US" i="1">
+                          <a:rPr lang="en-US" b="0" i="1" smtClean="0">
                             <a:latin typeface="Cambria Math" panose="02040503050406030204" pitchFamily="18" charset="0"/>
                           </a:rPr>
                           <m:t>2</m:t>
                         </m:r>
                       </m:sup>
-                    </m:sSup>
+                    </m:sSubSup>
                     <m:r>
-                      <a:rPr lang="en-US" b="0" i="1" smtClean="0">
+                      <a:rPr lang="en-US" i="1">
                         <a:latin typeface="Cambria Math" panose="02040503050406030204" pitchFamily="18" charset="0"/>
                       </a:rPr>
-                      <m:t>=</m:t>
+                      <m:t>+</m:t>
                     </m:r>
+                    <m:sSub>
+                      <m:sSubPr>
+                        <m:ctrlPr>
+                          <a:rPr lang="en-US" i="1">
+                            <a:latin typeface="Cambria Math" panose="02040503050406030204" pitchFamily="18" charset="0"/>
+                            <a:ea typeface="Cambria Math" panose="02040503050406030204" pitchFamily="18" charset="0"/>
+                          </a:rPr>
+                        </m:ctrlPr>
+                      </m:sSubPr>
+                      <m:e>
+                        <m:r>
+                          <a:rPr lang="en-US" i="1">
+                            <a:latin typeface="Cambria Math" panose="02040503050406030204" pitchFamily="18" charset="0"/>
+                            <a:ea typeface="Cambria Math" panose="02040503050406030204" pitchFamily="18" charset="0"/>
+                          </a:rPr>
+                          <m:t>𝜈</m:t>
+                        </m:r>
+                      </m:e>
+                      <m:sub>
+                        <m:r>
+                          <a:rPr lang="en-US" i="1">
+                            <a:latin typeface="Cambria Math" panose="02040503050406030204" pitchFamily="18" charset="0"/>
+                            <a:ea typeface="Cambria Math" panose="02040503050406030204" pitchFamily="18" charset="0"/>
+                          </a:rPr>
+                          <m:t>𝑖</m:t>
+                        </m:r>
+                      </m:sub>
+                    </m:sSub>
                   </m:oMath>
                 </a14:m>
                 <a:r>
-                  <a:rPr lang="en-US" dirty="0"/>
-                  <a:t> </a:t>
+                  <a:rPr lang="es-ES_tradnl" dirty="0"/>
+                  <a:t> (polinomio de grado 2)</a:t>
                 </a:r>
+              </a:p>
+              <a:p>
+                <a:pPr lvl="1">
+                  <a:lnSpc>
+                    <a:spcPct val="110000"/>
+                  </a:lnSpc>
+                </a:pPr>
                 <a14:m>
                   <m:oMath xmlns:m="http://schemas.openxmlformats.org/officeDocument/2006/math">
-                    <m:sSup>
-                      <m:sSupPr>
+                    <m:sSub>
+                      <m:sSubPr>
                         <m:ctrlPr>
                           <a:rPr lang="en-US" i="1">
                             <a:latin typeface="Cambria Math" panose="02040503050406030204" pitchFamily="18" charset="0"/>
                           </a:rPr>
                         </m:ctrlPr>
-                      </m:sSupPr>
+                      </m:sSubPr>
                       <m:e>
-                        <m:nary>
-                          <m:naryPr>
-                            <m:chr m:val="∑"/>
-                            <m:subHide m:val="on"/>
-                            <m:supHide m:val="on"/>
-                            <m:ctrlPr>
-                              <a:rPr lang="es-ES_tradnl" i="1">
-                                <a:latin typeface="Cambria Math" panose="02040503050406030204" pitchFamily="18" charset="0"/>
-                              </a:rPr>
-                            </m:ctrlPr>
-                          </m:naryPr>
-                          <m:sub/>
-                          <m:sup/>
-                          <m:e>
-                            <m:d>
-                              <m:dPr>
-                                <m:ctrlPr>
-                                  <a:rPr lang="en-US" i="1">
-                                    <a:latin typeface="Cambria Math" panose="02040503050406030204" pitchFamily="18" charset="0"/>
-                                  </a:rPr>
-                                </m:ctrlPr>
-                              </m:dPr>
-                              <m:e>
-                                <m:sSub>
-                                  <m:sSubPr>
-                                    <m:ctrlPr>
-                                      <a:rPr lang="en-US" i="1">
-                                        <a:latin typeface="Cambria Math" panose="02040503050406030204" pitchFamily="18" charset="0"/>
-                                      </a:rPr>
-                                    </m:ctrlPr>
-                                  </m:sSubPr>
-                                  <m:e>
-                                    <m:r>
-                                      <a:rPr lang="en-US" i="1">
-                                        <a:latin typeface="Cambria Math" panose="02040503050406030204" pitchFamily="18" charset="0"/>
-                                      </a:rPr>
-                                      <m:t>𝑦</m:t>
-                                    </m:r>
-                                  </m:e>
-                                  <m:sub>
-                                    <m:r>
-                                      <a:rPr lang="en-US" i="1">
-                                        <a:latin typeface="Cambria Math" panose="02040503050406030204" pitchFamily="18" charset="0"/>
-                                      </a:rPr>
-                                      <m:t>𝑖</m:t>
-                                    </m:r>
-                                  </m:sub>
-                                </m:sSub>
-                                <m:r>
-                                  <a:rPr lang="en-US" i="1">
-                                    <a:latin typeface="Cambria Math" panose="02040503050406030204" pitchFamily="18" charset="0"/>
-                                  </a:rPr>
-                                  <m:t>−</m:t>
-                                </m:r>
-                                <m:sSub>
-                                  <m:sSubPr>
-                                    <m:ctrlPr>
-                                      <a:rPr lang="en-US" i="1">
-                                        <a:latin typeface="Cambria Math" panose="02040503050406030204" pitchFamily="18" charset="0"/>
-                                      </a:rPr>
-                                    </m:ctrlPr>
-                                  </m:sSubPr>
-                                  <m:e>
-                                    <m:acc>
-                                      <m:accPr>
-                                        <m:chr m:val="̂"/>
-                                        <m:ctrlPr>
-                                          <a:rPr lang="en-US" i="1">
-                                            <a:latin typeface="Cambria Math" panose="02040503050406030204" pitchFamily="18" charset="0"/>
-                                          </a:rPr>
-                                        </m:ctrlPr>
-                                      </m:accPr>
-                                      <m:e>
-                                        <m:r>
-                                          <a:rPr lang="en-US" b="0" i="1" smtClean="0">
-                                            <a:latin typeface="Cambria Math" panose="02040503050406030204" pitchFamily="18" charset="0"/>
-                                          </a:rPr>
-                                          <m:t>𝛽</m:t>
-                                        </m:r>
-                                      </m:e>
-                                    </m:acc>
-                                  </m:e>
-                                  <m:sub>
-                                    <m:r>
-                                      <a:rPr lang="en-US" b="0" i="1" smtClean="0">
-                                        <a:latin typeface="Cambria Math" panose="02040503050406030204" pitchFamily="18" charset="0"/>
-                                      </a:rPr>
-                                      <m:t>0</m:t>
-                                    </m:r>
-                                  </m:sub>
-                                </m:sSub>
-                                <m:r>
-                                  <a:rPr lang="en-US" b="0" i="1" smtClean="0">
-                                    <a:latin typeface="Cambria Math" panose="02040503050406030204" pitchFamily="18" charset="0"/>
-                                  </a:rPr>
-                                  <m:t>−</m:t>
-                                </m:r>
-                                <m:sSub>
-                                  <m:sSubPr>
-                                    <m:ctrlPr>
-                                      <a:rPr lang="en-US" i="1">
-                                        <a:latin typeface="Cambria Math" panose="02040503050406030204" pitchFamily="18" charset="0"/>
-                                      </a:rPr>
-                                    </m:ctrlPr>
-                                  </m:sSubPr>
-                                  <m:e>
-                                    <m:acc>
-                                      <m:accPr>
-                                        <m:chr m:val="̂"/>
-                                        <m:ctrlPr>
-                                          <a:rPr lang="en-US" i="1">
-                                            <a:latin typeface="Cambria Math" panose="02040503050406030204" pitchFamily="18" charset="0"/>
-                                          </a:rPr>
-                                        </m:ctrlPr>
-                                      </m:accPr>
-                                      <m:e>
-                                        <m:r>
-                                          <a:rPr lang="en-US" i="1">
-                                            <a:latin typeface="Cambria Math" panose="02040503050406030204" pitchFamily="18" charset="0"/>
-                                          </a:rPr>
-                                          <m:t>𝛽</m:t>
-                                        </m:r>
-                                      </m:e>
-                                    </m:acc>
-                                  </m:e>
-                                  <m:sub>
-                                    <m:r>
-                                      <a:rPr lang="en-US" b="0" i="1" smtClean="0">
-                                        <a:latin typeface="Cambria Math" panose="02040503050406030204" pitchFamily="18" charset="0"/>
-                                      </a:rPr>
-                                      <m:t>1</m:t>
-                                    </m:r>
-                                  </m:sub>
-                                </m:sSub>
-                                <m:sSub>
-                                  <m:sSubPr>
-                                    <m:ctrlPr>
-                                      <a:rPr lang="en-US" b="0" i="1" smtClean="0">
-                                        <a:latin typeface="Cambria Math" panose="02040503050406030204" pitchFamily="18" charset="0"/>
-                                      </a:rPr>
-                                    </m:ctrlPr>
-                                  </m:sSubPr>
-                                  <m:e>
-                                    <m:r>
-                                      <a:rPr lang="en-US" b="0" i="1" smtClean="0">
-                                        <a:latin typeface="Cambria Math" panose="02040503050406030204" pitchFamily="18" charset="0"/>
-                                      </a:rPr>
-                                      <m:t>𝑥</m:t>
-                                    </m:r>
-                                  </m:e>
-                                  <m:sub>
-                                    <m:r>
-                                      <a:rPr lang="en-US" b="0" i="1" smtClean="0">
-                                        <a:latin typeface="Cambria Math" panose="02040503050406030204" pitchFamily="18" charset="0"/>
-                                      </a:rPr>
-                                      <m:t>1</m:t>
-                                    </m:r>
-                                    <m:r>
-                                      <a:rPr lang="en-US" b="0" i="1" smtClean="0">
-                                        <a:latin typeface="Cambria Math" panose="02040503050406030204" pitchFamily="18" charset="0"/>
-                                      </a:rPr>
-                                      <m:t>𝑖</m:t>
-                                    </m:r>
-                                  </m:sub>
-                                </m:sSub>
-                              </m:e>
-                            </m:d>
-                          </m:e>
-                        </m:nary>
-                      </m:e>
-                      <m:sup>
                         <m:r>
                           <a:rPr lang="en-US" i="1">
                             <a:latin typeface="Cambria Math" panose="02040503050406030204" pitchFamily="18" charset="0"/>
                           </a:rPr>
-                          <m:t>2</m:t>
+                          <m:t>𝑦</m:t>
                         </m:r>
-                      </m:sup>
-                    </m:sSup>
+                      </m:e>
+                      <m:sub>
+                        <m:r>
+                          <a:rPr lang="en-US" i="1">
+                            <a:latin typeface="Cambria Math" panose="02040503050406030204" pitchFamily="18" charset="0"/>
+                          </a:rPr>
+                          <m:t>𝑖</m:t>
+                        </m:r>
+                      </m:sub>
+                    </m:sSub>
+                    <m:r>
+                      <a:rPr lang="en-US" i="1">
+                        <a:latin typeface="Cambria Math" panose="02040503050406030204" pitchFamily="18" charset="0"/>
+                      </a:rPr>
+                      <m:t>=</m:t>
+                    </m:r>
+                    <m:sSub>
+                      <m:sSubPr>
+                        <m:ctrlPr>
+                          <a:rPr lang="en-US" i="1">
+                            <a:latin typeface="Cambria Math" panose="02040503050406030204" pitchFamily="18" charset="0"/>
+                          </a:rPr>
+                        </m:ctrlPr>
+                      </m:sSubPr>
+                      <m:e>
+                        <m:r>
+                          <a:rPr lang="en-US" i="1">
+                            <a:latin typeface="Cambria Math" panose="02040503050406030204" pitchFamily="18" charset="0"/>
+                          </a:rPr>
+                          <m:t>𝛽</m:t>
+                        </m:r>
+                      </m:e>
+                      <m:sub>
+                        <m:r>
+                          <a:rPr lang="en-US" i="1">
+                            <a:latin typeface="Cambria Math" panose="02040503050406030204" pitchFamily="18" charset="0"/>
+                          </a:rPr>
+                          <m:t>0</m:t>
+                        </m:r>
+                      </m:sub>
+                    </m:sSub>
+                    <m:r>
+                      <a:rPr lang="en-US" i="1">
+                        <a:latin typeface="Cambria Math" panose="02040503050406030204" pitchFamily="18" charset="0"/>
+                      </a:rPr>
+                      <m:t>+</m:t>
+                    </m:r>
+                    <m:sSub>
+                      <m:sSubPr>
+                        <m:ctrlPr>
+                          <a:rPr lang="en-US" b="1" i="1">
+                            <a:latin typeface="Cambria Math" panose="02040503050406030204" pitchFamily="18" charset="0"/>
+                          </a:rPr>
+                        </m:ctrlPr>
+                      </m:sSubPr>
+                      <m:e>
+                        <m:r>
+                          <a:rPr lang="en-US" b="1" i="1">
+                            <a:latin typeface="Cambria Math" panose="02040503050406030204" pitchFamily="18" charset="0"/>
+                          </a:rPr>
+                          <m:t>𝜷</m:t>
+                        </m:r>
+                      </m:e>
+                      <m:sub>
+                        <m:r>
+                          <a:rPr lang="en-US" b="1" i="1">
+                            <a:latin typeface="Cambria Math" panose="02040503050406030204" pitchFamily="18" charset="0"/>
+                          </a:rPr>
+                          <m:t>𝟏</m:t>
+                        </m:r>
+                      </m:sub>
+                    </m:sSub>
+                    <m:sSub>
+                      <m:sSubPr>
+                        <m:ctrlPr>
+                          <a:rPr lang="en-US" i="1">
+                            <a:latin typeface="Cambria Math" panose="02040503050406030204" pitchFamily="18" charset="0"/>
+                          </a:rPr>
+                        </m:ctrlPr>
+                      </m:sSubPr>
+                      <m:e>
+                        <m:r>
+                          <a:rPr lang="en-US" i="1">
+                            <a:latin typeface="Cambria Math" panose="02040503050406030204" pitchFamily="18" charset="0"/>
+                          </a:rPr>
+                          <m:t>𝑒𝑑𝑎𝑑</m:t>
+                        </m:r>
+                      </m:e>
+                      <m:sub>
+                        <m:r>
+                          <a:rPr lang="en-US" i="1">
+                            <a:latin typeface="Cambria Math" panose="02040503050406030204" pitchFamily="18" charset="0"/>
+                          </a:rPr>
+                          <m:t>1</m:t>
+                        </m:r>
+                        <m:r>
+                          <a:rPr lang="en-US" i="1">
+                            <a:latin typeface="Cambria Math" panose="02040503050406030204" pitchFamily="18" charset="0"/>
+                          </a:rPr>
+                          <m:t>𝑖</m:t>
+                        </m:r>
+                      </m:sub>
+                    </m:sSub>
+                    <m:r>
+                      <a:rPr lang="en-US" b="0" i="1" smtClean="0">
+                        <a:latin typeface="Cambria Math" panose="02040503050406030204" pitchFamily="18" charset="0"/>
+                      </a:rPr>
+                      <m:t>×</m:t>
+                    </m:r>
+                    <m:r>
+                      <a:rPr lang="en-US" b="0" i="1" smtClean="0">
+                        <a:latin typeface="Cambria Math" panose="02040503050406030204" pitchFamily="18" charset="0"/>
+                      </a:rPr>
+                      <m:t>𝑣𝑎𝑟𝑜</m:t>
+                    </m:r>
+                    <m:sSub>
+                      <m:sSubPr>
+                        <m:ctrlPr>
+                          <a:rPr lang="en-US" b="0" i="1" smtClean="0">
+                            <a:latin typeface="Cambria Math" panose="02040503050406030204" pitchFamily="18" charset="0"/>
+                          </a:rPr>
+                        </m:ctrlPr>
+                      </m:sSubPr>
+                      <m:e>
+                        <m:r>
+                          <a:rPr lang="en-US" b="0" i="1" smtClean="0">
+                            <a:latin typeface="Cambria Math" panose="02040503050406030204" pitchFamily="18" charset="0"/>
+                          </a:rPr>
+                          <m:t>𝑛</m:t>
+                        </m:r>
+                      </m:e>
+                      <m:sub>
+                        <m:r>
+                          <a:rPr lang="en-US" b="0" i="1" smtClean="0">
+                            <a:latin typeface="Cambria Math" panose="02040503050406030204" pitchFamily="18" charset="0"/>
+                          </a:rPr>
+                          <m:t>𝑖</m:t>
+                        </m:r>
+                      </m:sub>
+                    </m:sSub>
+                    <m:r>
+                      <a:rPr lang="en-US" i="1">
+                        <a:latin typeface="Cambria Math" panose="02040503050406030204" pitchFamily="18" charset="0"/>
+                      </a:rPr>
+                      <m:t>+</m:t>
+                    </m:r>
+                    <m:sSub>
+                      <m:sSubPr>
+                        <m:ctrlPr>
+                          <a:rPr lang="en-US" i="1">
+                            <a:latin typeface="Cambria Math" panose="02040503050406030204" pitchFamily="18" charset="0"/>
+                            <a:ea typeface="Cambria Math" panose="02040503050406030204" pitchFamily="18" charset="0"/>
+                          </a:rPr>
+                        </m:ctrlPr>
+                      </m:sSubPr>
+                      <m:e>
+                        <m:r>
+                          <a:rPr lang="en-US" i="1">
+                            <a:latin typeface="Cambria Math" panose="02040503050406030204" pitchFamily="18" charset="0"/>
+                            <a:ea typeface="Cambria Math" panose="02040503050406030204" pitchFamily="18" charset="0"/>
+                          </a:rPr>
+                          <m:t>𝜈</m:t>
+                        </m:r>
+                      </m:e>
+                      <m:sub>
+                        <m:r>
+                          <a:rPr lang="en-US" i="1">
+                            <a:latin typeface="Cambria Math" panose="02040503050406030204" pitchFamily="18" charset="0"/>
+                            <a:ea typeface="Cambria Math" panose="02040503050406030204" pitchFamily="18" charset="0"/>
+                          </a:rPr>
+                          <m:t>𝑖</m:t>
+                        </m:r>
+                      </m:sub>
+                    </m:sSub>
                   </m:oMath>
-                </a14:m>
-                <a:r>
-                  <a:rPr lang="en-US" dirty="0"/>
-                  <a:t> </a:t>
-                </a:r>
-              </a:p>
-              <a:p>
-                <a:pPr>
-                  <a:lnSpc>
-                    <a:spcPct val="110000"/>
-                  </a:lnSpc>
-                </a:pPr>
-                <a:r>
-                  <a:rPr lang="es-ES_tradnl" dirty="0">
-                    <a:solidFill>
-                      <a:srgbClr val="00B050"/>
-                    </a:solidFill>
-                  </a:rPr>
-                  <a:t>Solución</a:t>
-                </a:r>
-                <a:r>
-                  <a:rPr lang="es-ES_tradnl" dirty="0"/>
-                  <a:t>: </a:t>
-                </a:r>
-              </a:p>
-              <a:p>
-                <a:pPr marL="0" indent="0" algn="ctr">
-                  <a:lnSpc>
-                    <a:spcPct val="110000"/>
-                  </a:lnSpc>
-                  <a:buNone/>
-                </a:pPr>
-                <a14:m>
-                  <m:oMathPara xmlns:m="http://schemas.openxmlformats.org/officeDocument/2006/math">
-                    <m:oMathParaPr>
-                      <m:jc m:val="centerGroup"/>
-                    </m:oMathParaPr>
-                    <m:oMath xmlns:m="http://schemas.openxmlformats.org/officeDocument/2006/math">
-                      <m:sSub>
-                        <m:sSubPr>
-                          <m:ctrlPr>
-                            <a:rPr lang="en-US" b="0" i="1" smtClean="0">
-                              <a:latin typeface="Cambria Math" panose="02040503050406030204" pitchFamily="18" charset="0"/>
-                            </a:rPr>
-                          </m:ctrlPr>
-                        </m:sSubPr>
-                        <m:e>
-                          <m:acc>
-                            <m:accPr>
-                              <m:chr m:val="̂"/>
-                              <m:ctrlPr>
-                                <a:rPr lang="es-ES_tradnl" i="1" smtClean="0">
-                                  <a:latin typeface="Cambria Math" panose="02040503050406030204" pitchFamily="18" charset="0"/>
-                                </a:rPr>
-                              </m:ctrlPr>
-                            </m:accPr>
-                            <m:e>
-                              <m:r>
-                                <a:rPr lang="en-US" b="0" i="1" smtClean="0">
-                                  <a:latin typeface="Cambria Math" panose="02040503050406030204" pitchFamily="18" charset="0"/>
-                                </a:rPr>
-                                <m:t>𝛽</m:t>
-                              </m:r>
-                            </m:e>
-                          </m:acc>
-                        </m:e>
-                        <m:sub>
-                          <m:r>
-                            <a:rPr lang="en-US" b="0" i="1" smtClean="0">
-                              <a:latin typeface="Cambria Math" panose="02040503050406030204" pitchFamily="18" charset="0"/>
-                            </a:rPr>
-                            <m:t>0</m:t>
-                          </m:r>
-                        </m:sub>
-                      </m:sSub>
-                      <m:r>
-                        <a:rPr lang="en-US" b="0" i="1" smtClean="0">
-                          <a:latin typeface="Cambria Math" panose="02040503050406030204" pitchFamily="18" charset="0"/>
-                        </a:rPr>
-                        <m:t>=</m:t>
-                      </m:r>
-                      <m:acc>
-                        <m:accPr>
-                          <m:chr m:val="̅"/>
-                          <m:ctrlPr>
-                            <a:rPr lang="en-US" b="0" i="1" smtClean="0">
-                              <a:latin typeface="Cambria Math" panose="02040503050406030204" pitchFamily="18" charset="0"/>
-                            </a:rPr>
-                          </m:ctrlPr>
-                        </m:accPr>
-                        <m:e>
-                          <m:r>
-                            <a:rPr lang="en-US" b="0" i="1" smtClean="0">
-                              <a:latin typeface="Cambria Math" panose="02040503050406030204" pitchFamily="18" charset="0"/>
-                            </a:rPr>
-                            <m:t>𝑦</m:t>
-                          </m:r>
-                        </m:e>
-                      </m:acc>
-                      <m:r>
-                        <a:rPr lang="en-US" b="0" i="1" smtClean="0">
-                          <a:latin typeface="Cambria Math" panose="02040503050406030204" pitchFamily="18" charset="0"/>
-                        </a:rPr>
-                        <m:t>−</m:t>
-                      </m:r>
-                      <m:sSub>
-                        <m:sSubPr>
-                          <m:ctrlPr>
-                            <a:rPr lang="en-US" i="1">
-                              <a:latin typeface="Cambria Math" panose="02040503050406030204" pitchFamily="18" charset="0"/>
-                            </a:rPr>
-                          </m:ctrlPr>
-                        </m:sSubPr>
-                        <m:e>
-                          <m:acc>
-                            <m:accPr>
-                              <m:chr m:val="̂"/>
-                              <m:ctrlPr>
-                                <a:rPr lang="en-US" i="1">
-                                  <a:latin typeface="Cambria Math" panose="02040503050406030204" pitchFamily="18" charset="0"/>
-                                </a:rPr>
-                              </m:ctrlPr>
-                            </m:accPr>
-                            <m:e>
-                              <m:r>
-                                <a:rPr lang="en-US" i="1">
-                                  <a:latin typeface="Cambria Math" panose="02040503050406030204" pitchFamily="18" charset="0"/>
-                                </a:rPr>
-                                <m:t>𝛽</m:t>
-                              </m:r>
-                            </m:e>
-                          </m:acc>
-                        </m:e>
-                        <m:sub>
-                          <m:r>
-                            <a:rPr lang="en-US" i="1">
-                              <a:latin typeface="Cambria Math" panose="02040503050406030204" pitchFamily="18" charset="0"/>
-                            </a:rPr>
-                            <m:t>1</m:t>
-                          </m:r>
-                        </m:sub>
-                      </m:sSub>
-                      <m:acc>
-                        <m:accPr>
-                          <m:chr m:val="̅"/>
-                          <m:ctrlPr>
-                            <a:rPr lang="en-US" b="0" i="1" smtClean="0">
-                              <a:latin typeface="Cambria Math" panose="02040503050406030204" pitchFamily="18" charset="0"/>
-                            </a:rPr>
-                          </m:ctrlPr>
-                        </m:accPr>
-                        <m:e>
-                          <m:r>
-                            <a:rPr lang="en-US" b="0" i="1" smtClean="0">
-                              <a:latin typeface="Cambria Math" panose="02040503050406030204" pitchFamily="18" charset="0"/>
-                            </a:rPr>
-                            <m:t>𝑥</m:t>
-                          </m:r>
-                        </m:e>
-                      </m:acc>
-                    </m:oMath>
-                  </m:oMathPara>
-                </a14:m>
-                <a:endParaRPr lang="es-ES_tradnl" dirty="0"/>
-              </a:p>
-              <a:p>
-                <a:pPr marL="0" indent="0" algn="ctr">
-                  <a:lnSpc>
-                    <a:spcPct val="110000"/>
-                  </a:lnSpc>
-                  <a:buNone/>
-                </a:pPr>
-                <a14:m>
-                  <m:oMathPara xmlns:m="http://schemas.openxmlformats.org/officeDocument/2006/math">
-                    <m:oMathParaPr>
-                      <m:jc m:val="centerGroup"/>
-                    </m:oMathParaPr>
-                    <m:oMath xmlns:m="http://schemas.openxmlformats.org/officeDocument/2006/math">
-                      <m:sSub>
-                        <m:sSubPr>
-                          <m:ctrlPr>
-                            <a:rPr lang="en-US" i="1">
-                              <a:latin typeface="Cambria Math" panose="02040503050406030204" pitchFamily="18" charset="0"/>
-                            </a:rPr>
-                          </m:ctrlPr>
-                        </m:sSubPr>
-                        <m:e>
-                          <m:acc>
-                            <m:accPr>
-                              <m:chr m:val="̂"/>
-                              <m:ctrlPr>
-                                <a:rPr lang="en-US" i="1">
-                                  <a:latin typeface="Cambria Math" panose="02040503050406030204" pitchFamily="18" charset="0"/>
-                                </a:rPr>
-                              </m:ctrlPr>
-                            </m:accPr>
-                            <m:e>
-                              <m:r>
-                                <a:rPr lang="en-US" i="1">
-                                  <a:latin typeface="Cambria Math" panose="02040503050406030204" pitchFamily="18" charset="0"/>
-                                </a:rPr>
-                                <m:t>𝛽</m:t>
-                              </m:r>
-                            </m:e>
-                          </m:acc>
-                        </m:e>
-                        <m:sub>
-                          <m:r>
-                            <a:rPr lang="en-US" i="1">
-                              <a:latin typeface="Cambria Math" panose="02040503050406030204" pitchFamily="18" charset="0"/>
-                            </a:rPr>
-                            <m:t>1</m:t>
-                          </m:r>
-                        </m:sub>
-                      </m:sSub>
-                      <m:r>
-                        <a:rPr lang="en-US" b="0" i="0" smtClean="0">
-                          <a:latin typeface="Cambria Math" panose="02040503050406030204" pitchFamily="18" charset="0"/>
-                        </a:rPr>
-                        <m:t>=</m:t>
-                      </m:r>
-                      <m:f>
-                        <m:fPr>
-                          <m:ctrlPr>
-                            <a:rPr lang="en-US" b="0" i="1" smtClean="0">
-                              <a:latin typeface="Cambria Math" panose="02040503050406030204" pitchFamily="18" charset="0"/>
-                            </a:rPr>
-                          </m:ctrlPr>
-                        </m:fPr>
-                        <m:num>
-                          <m:nary>
-                            <m:naryPr>
-                              <m:chr m:val="∑"/>
-                              <m:subHide m:val="on"/>
-                              <m:supHide m:val="on"/>
-                              <m:ctrlPr>
-                                <a:rPr lang="en-US" b="0" i="1" smtClean="0">
-                                  <a:latin typeface="Cambria Math" panose="02040503050406030204" pitchFamily="18" charset="0"/>
-                                </a:rPr>
-                              </m:ctrlPr>
-                            </m:naryPr>
-                            <m:sub/>
-                            <m:sup/>
-                            <m:e>
-                              <m:d>
-                                <m:dPr>
-                                  <m:ctrlPr>
-                                    <a:rPr lang="en-US" b="0" i="1" smtClean="0">
-                                      <a:latin typeface="Cambria Math" panose="02040503050406030204" pitchFamily="18" charset="0"/>
-                                    </a:rPr>
-                                  </m:ctrlPr>
-                                </m:dPr>
-                                <m:e>
-                                  <m:sSub>
-                                    <m:sSubPr>
-                                      <m:ctrlPr>
-                                        <a:rPr lang="en-US" b="0" i="1" smtClean="0">
-                                          <a:latin typeface="Cambria Math" panose="02040503050406030204" pitchFamily="18" charset="0"/>
-                                        </a:rPr>
-                                      </m:ctrlPr>
-                                    </m:sSubPr>
-                                    <m:e>
-                                      <m:r>
-                                        <a:rPr lang="en-US" b="0" i="1" smtClean="0">
-                                          <a:latin typeface="Cambria Math" panose="02040503050406030204" pitchFamily="18" charset="0"/>
-                                        </a:rPr>
-                                        <m:t>𝑥</m:t>
-                                      </m:r>
-                                    </m:e>
-                                    <m:sub>
-                                      <m:r>
-                                        <a:rPr lang="en-US" b="0" i="1" smtClean="0">
-                                          <a:latin typeface="Cambria Math" panose="02040503050406030204" pitchFamily="18" charset="0"/>
-                                        </a:rPr>
-                                        <m:t>𝑖</m:t>
-                                      </m:r>
-                                    </m:sub>
-                                  </m:sSub>
-                                  <m:r>
-                                    <a:rPr lang="en-US" b="0" i="1" smtClean="0">
-                                      <a:latin typeface="Cambria Math" panose="02040503050406030204" pitchFamily="18" charset="0"/>
-                                    </a:rPr>
-                                    <m:t>−</m:t>
-                                  </m:r>
-                                  <m:acc>
-                                    <m:accPr>
-                                      <m:chr m:val="̅"/>
-                                      <m:ctrlPr>
-                                        <a:rPr lang="en-US" i="1">
-                                          <a:latin typeface="Cambria Math" panose="02040503050406030204" pitchFamily="18" charset="0"/>
-                                        </a:rPr>
-                                      </m:ctrlPr>
-                                    </m:accPr>
-                                    <m:e>
-                                      <m:r>
-                                        <a:rPr lang="en-US" i="1">
-                                          <a:latin typeface="Cambria Math" panose="02040503050406030204" pitchFamily="18" charset="0"/>
-                                        </a:rPr>
-                                        <m:t>𝑥</m:t>
-                                      </m:r>
-                                    </m:e>
-                                  </m:acc>
-                                </m:e>
-                              </m:d>
-                              <m:d>
-                                <m:dPr>
-                                  <m:ctrlPr>
-                                    <a:rPr lang="en-US" i="1">
-                                      <a:latin typeface="Cambria Math" panose="02040503050406030204" pitchFamily="18" charset="0"/>
-                                    </a:rPr>
-                                  </m:ctrlPr>
-                                </m:dPr>
-                                <m:e>
-                                  <m:sSub>
-                                    <m:sSubPr>
-                                      <m:ctrlPr>
-                                        <a:rPr lang="en-US" i="1">
-                                          <a:latin typeface="Cambria Math" panose="02040503050406030204" pitchFamily="18" charset="0"/>
-                                        </a:rPr>
-                                      </m:ctrlPr>
-                                    </m:sSubPr>
-                                    <m:e>
-                                      <m:r>
-                                        <a:rPr lang="en-US" b="0" i="1" smtClean="0">
-                                          <a:latin typeface="Cambria Math" panose="02040503050406030204" pitchFamily="18" charset="0"/>
-                                        </a:rPr>
-                                        <m:t>𝑦</m:t>
-                                      </m:r>
-                                    </m:e>
-                                    <m:sub>
-                                      <m:r>
-                                        <a:rPr lang="en-US" i="1">
-                                          <a:latin typeface="Cambria Math" panose="02040503050406030204" pitchFamily="18" charset="0"/>
-                                        </a:rPr>
-                                        <m:t>𝑖</m:t>
-                                      </m:r>
-                                    </m:sub>
-                                  </m:sSub>
-                                  <m:r>
-                                    <a:rPr lang="en-US" i="1">
-                                      <a:latin typeface="Cambria Math" panose="02040503050406030204" pitchFamily="18" charset="0"/>
-                                    </a:rPr>
-                                    <m:t>−</m:t>
-                                  </m:r>
-                                  <m:acc>
-                                    <m:accPr>
-                                      <m:chr m:val="̅"/>
-                                      <m:ctrlPr>
-                                        <a:rPr lang="en-US" i="1">
-                                          <a:latin typeface="Cambria Math" panose="02040503050406030204" pitchFamily="18" charset="0"/>
-                                        </a:rPr>
-                                      </m:ctrlPr>
-                                    </m:accPr>
-                                    <m:e>
-                                      <m:r>
-                                        <a:rPr lang="en-US" b="0" i="1" smtClean="0">
-                                          <a:latin typeface="Cambria Math" panose="02040503050406030204" pitchFamily="18" charset="0"/>
-                                        </a:rPr>
-                                        <m:t>𝑦</m:t>
-                                      </m:r>
-                                    </m:e>
-                                  </m:acc>
-                                </m:e>
-                              </m:d>
-                            </m:e>
-                          </m:nary>
-                        </m:num>
-                        <m:den>
-                          <m:nary>
-                            <m:naryPr>
-                              <m:chr m:val="∑"/>
-                              <m:subHide m:val="on"/>
-                              <m:supHide m:val="on"/>
-                              <m:ctrlPr>
-                                <a:rPr lang="en-US" b="0" i="1" smtClean="0">
-                                  <a:latin typeface="Cambria Math" panose="02040503050406030204" pitchFamily="18" charset="0"/>
-                                </a:rPr>
-                              </m:ctrlPr>
-                            </m:naryPr>
-                            <m:sub/>
-                            <m:sup/>
-                            <m:e>
-                              <m:sSup>
-                                <m:sSupPr>
-                                  <m:ctrlPr>
-                                    <a:rPr lang="en-US" b="0" i="1" smtClean="0">
-                                      <a:latin typeface="Cambria Math" panose="02040503050406030204" pitchFamily="18" charset="0"/>
-                                    </a:rPr>
-                                  </m:ctrlPr>
-                                </m:sSupPr>
-                                <m:e>
-                                  <m:d>
-                                    <m:dPr>
-                                      <m:ctrlPr>
-                                        <a:rPr lang="en-US" i="1">
-                                          <a:latin typeface="Cambria Math" panose="02040503050406030204" pitchFamily="18" charset="0"/>
-                                        </a:rPr>
-                                      </m:ctrlPr>
-                                    </m:dPr>
-                                    <m:e>
-                                      <m:sSub>
-                                        <m:sSubPr>
-                                          <m:ctrlPr>
-                                            <a:rPr lang="en-US" i="1">
-                                              <a:latin typeface="Cambria Math" panose="02040503050406030204" pitchFamily="18" charset="0"/>
-                                            </a:rPr>
-                                          </m:ctrlPr>
-                                        </m:sSubPr>
-                                        <m:e>
-                                          <m:r>
-                                            <a:rPr lang="en-US" i="1">
-                                              <a:latin typeface="Cambria Math" panose="02040503050406030204" pitchFamily="18" charset="0"/>
-                                            </a:rPr>
-                                            <m:t>𝑥</m:t>
-                                          </m:r>
-                                        </m:e>
-                                        <m:sub>
-                                          <m:r>
-                                            <a:rPr lang="en-US" i="1">
-                                              <a:latin typeface="Cambria Math" panose="02040503050406030204" pitchFamily="18" charset="0"/>
-                                            </a:rPr>
-                                            <m:t>𝑖</m:t>
-                                          </m:r>
-                                        </m:sub>
-                                      </m:sSub>
-                                      <m:r>
-                                        <a:rPr lang="en-US" i="1">
-                                          <a:latin typeface="Cambria Math" panose="02040503050406030204" pitchFamily="18" charset="0"/>
-                                        </a:rPr>
-                                        <m:t>−</m:t>
-                                      </m:r>
-                                      <m:acc>
-                                        <m:accPr>
-                                          <m:chr m:val="̅"/>
-                                          <m:ctrlPr>
-                                            <a:rPr lang="en-US" i="1">
-                                              <a:latin typeface="Cambria Math" panose="02040503050406030204" pitchFamily="18" charset="0"/>
-                                            </a:rPr>
-                                          </m:ctrlPr>
-                                        </m:accPr>
-                                        <m:e>
-                                          <m:r>
-                                            <a:rPr lang="en-US" i="1">
-                                              <a:latin typeface="Cambria Math" panose="02040503050406030204" pitchFamily="18" charset="0"/>
-                                            </a:rPr>
-                                            <m:t>𝑥</m:t>
-                                          </m:r>
-                                        </m:e>
-                                      </m:acc>
-                                    </m:e>
-                                  </m:d>
-                                </m:e>
-                                <m:sup>
-                                  <m:r>
-                                    <a:rPr lang="en-US" b="0" i="1" smtClean="0">
-                                      <a:latin typeface="Cambria Math" panose="02040503050406030204" pitchFamily="18" charset="0"/>
-                                    </a:rPr>
-                                    <m:t>2</m:t>
-                                  </m:r>
-                                </m:sup>
-                              </m:sSup>
-                            </m:e>
-                          </m:nary>
-                        </m:den>
-                      </m:f>
-                    </m:oMath>
-                  </m:oMathPara>
                 </a14:m>
                 <a:endParaRPr lang="es-ES_tradnl" dirty="0"/>
               </a:p>
@@ -14534,6 +17780,145 @@
                     <a:spcPct val="110000"/>
                   </a:lnSpc>
                 </a:pPr>
+                <a:r>
+                  <a:rPr lang="es-ES_tradnl" dirty="0"/>
+                  <a:t>Modelo NO LINEAL:  </a:t>
+                </a:r>
+                <a14:m>
+                  <m:oMath xmlns:m="http://schemas.openxmlformats.org/officeDocument/2006/math">
+                    <m:sSub>
+                      <m:sSubPr>
+                        <m:ctrlPr>
+                          <a:rPr lang="en-US" i="1">
+                            <a:latin typeface="Cambria Math" panose="02040503050406030204" pitchFamily="18" charset="0"/>
+                          </a:rPr>
+                        </m:ctrlPr>
+                      </m:sSubPr>
+                      <m:e>
+                        <m:r>
+                          <a:rPr lang="en-US" i="1">
+                            <a:latin typeface="Cambria Math" panose="02040503050406030204" pitchFamily="18" charset="0"/>
+                          </a:rPr>
+                          <m:t>𝑦</m:t>
+                        </m:r>
+                      </m:e>
+                      <m:sub>
+                        <m:r>
+                          <a:rPr lang="en-US" i="1">
+                            <a:latin typeface="Cambria Math" panose="02040503050406030204" pitchFamily="18" charset="0"/>
+                          </a:rPr>
+                          <m:t>𝑖</m:t>
+                        </m:r>
+                      </m:sub>
+                    </m:sSub>
+                    <m:r>
+                      <a:rPr lang="en-US" i="1">
+                        <a:latin typeface="Cambria Math" panose="02040503050406030204" pitchFamily="18" charset="0"/>
+                      </a:rPr>
+                      <m:t>=</m:t>
+                    </m:r>
+                    <m:sSub>
+                      <m:sSubPr>
+                        <m:ctrlPr>
+                          <a:rPr lang="en-US" i="1">
+                            <a:latin typeface="Cambria Math" panose="02040503050406030204" pitchFamily="18" charset="0"/>
+                          </a:rPr>
+                        </m:ctrlPr>
+                      </m:sSubPr>
+                      <m:e>
+                        <m:r>
+                          <a:rPr lang="en-US" i="1">
+                            <a:latin typeface="Cambria Math" panose="02040503050406030204" pitchFamily="18" charset="0"/>
+                          </a:rPr>
+                          <m:t>𝛽</m:t>
+                        </m:r>
+                      </m:e>
+                      <m:sub>
+                        <m:r>
+                          <a:rPr lang="en-US" i="1">
+                            <a:latin typeface="Cambria Math" panose="02040503050406030204" pitchFamily="18" charset="0"/>
+                          </a:rPr>
+                          <m:t>0</m:t>
+                        </m:r>
+                      </m:sub>
+                    </m:sSub>
+                    <m:r>
+                      <a:rPr lang="en-US" i="1">
+                        <a:latin typeface="Cambria Math" panose="02040503050406030204" pitchFamily="18" charset="0"/>
+                      </a:rPr>
+                      <m:t>+</m:t>
+                    </m:r>
+                    <m:sSub>
+                      <m:sSubPr>
+                        <m:ctrlPr>
+                          <a:rPr lang="en-US" b="1" i="1" smtClean="0">
+                            <a:latin typeface="Cambria Math" panose="02040503050406030204" pitchFamily="18" charset="0"/>
+                          </a:rPr>
+                        </m:ctrlPr>
+                      </m:sSubPr>
+                      <m:e>
+                        <m:rad>
+                          <m:radPr>
+                            <m:degHide m:val="on"/>
+                            <m:ctrlPr>
+                              <a:rPr lang="en-US" b="1" i="1" smtClean="0">
+                                <a:latin typeface="Cambria Math" panose="02040503050406030204" pitchFamily="18" charset="0"/>
+                              </a:rPr>
+                            </m:ctrlPr>
+                          </m:radPr>
+                          <m:deg/>
+                          <m:e>
+                            <m:r>
+                              <a:rPr lang="en-US" b="1" i="1">
+                                <a:latin typeface="Cambria Math" panose="02040503050406030204" pitchFamily="18" charset="0"/>
+                              </a:rPr>
+                              <m:t>𝜷</m:t>
+                            </m:r>
+                          </m:e>
+                        </m:rad>
+                      </m:e>
+                      <m:sub>
+                        <m:r>
+                          <a:rPr lang="en-US" b="1" i="1">
+                            <a:latin typeface="Cambria Math" panose="02040503050406030204" pitchFamily="18" charset="0"/>
+                          </a:rPr>
+                          <m:t>𝟏</m:t>
+                        </m:r>
+                      </m:sub>
+                    </m:sSub>
+                    <m:sSub>
+                      <m:sSubPr>
+                        <m:ctrlPr>
+                          <a:rPr lang="en-US" i="1">
+                            <a:latin typeface="Cambria Math" panose="02040503050406030204" pitchFamily="18" charset="0"/>
+                          </a:rPr>
+                        </m:ctrlPr>
+                      </m:sSubPr>
+                      <m:e>
+                        <m:r>
+                          <a:rPr lang="en-US" i="1">
+                            <a:latin typeface="Cambria Math" panose="02040503050406030204" pitchFamily="18" charset="0"/>
+                          </a:rPr>
+                          <m:t>𝑥</m:t>
+                        </m:r>
+                      </m:e>
+                      <m:sub>
+                        <m:r>
+                          <a:rPr lang="en-US" i="1">
+                            <a:latin typeface="Cambria Math" panose="02040503050406030204" pitchFamily="18" charset="0"/>
+                          </a:rPr>
+                          <m:t>1</m:t>
+                        </m:r>
+                        <m:r>
+                          <a:rPr lang="en-US" i="1">
+                            <a:latin typeface="Cambria Math" panose="02040503050406030204" pitchFamily="18" charset="0"/>
+                          </a:rPr>
+                          <m:t>𝑖</m:t>
+                        </m:r>
+                      </m:sub>
+                    </m:sSub>
+                  </m:oMath>
+                </a14:m>
                 <a:endParaRPr lang="es-ES_tradnl" dirty="0"/>
               </a:p>
               <a:p>
@@ -14548,13 +17933,13 @@
             </p:txBody>
           </p:sp>
         </mc:Choice>
-        <mc:Fallback xmlns="">
+        <mc:Fallback>
           <p:sp>
             <p:nvSpPr>
               <p:cNvPr id="3" name="Content Placeholder 2">
                 <a:extLst>
                   <a:ext uri="{FF2B5EF4-FFF2-40B4-BE49-F238E27FC236}">
-                    <a16:creationId xmlns:a16="http://schemas.microsoft.com/office/drawing/2014/main" id="{A2251C54-6391-40F9-DD28-4D35AA1D76B8}"/>
+                    <a16:creationId xmlns:a16="http://schemas.microsoft.com/office/drawing/2014/main" id="{E3B2CB6B-04EA-89F8-F921-10D10588D066}"/>
                   </a:ext>
                 </a:extLst>
               </p:cNvPr>
@@ -14569,7 +17954,7 @@
               <a:blipFill>
                 <a:blip r:embed="rId3"/>
                 <a:stretch>
-                  <a:fillRect l="-1206" t="-2907" b="-25581"/>
+                  <a:fillRect l="-1327" t="-1744" b="-2616"/>
                 </a:stretch>
               </a:blipFill>
             </p:spPr>
@@ -14611,7 +17996,7 @@
           <a:p>
             <a:fld id="{278C1CC4-2077-434E-BCF1-5D01C08A9B17}" type="slidenum">
               <a:rPr lang="en-US" smtClean="0"/>
-              <a:t>13</a:t>
+              <a:t>15</a:t>
             </a:fld>
             <a:endParaRPr lang="en-US"/>
           </a:p>
@@ -14758,15 +18143,33 @@
                                   </p:childTnLst>
                                 </p:cTn>
                               </p:par>
+                            </p:childTnLst>
+                          </p:cTn>
+                        </p:par>
+                      </p:childTnLst>
+                    </p:cTn>
+                  </p:par>
+                  <p:par>
+                    <p:cTn id="13" fill="hold">
+                      <p:stCondLst>
+                        <p:cond delay="indefinite"/>
+                      </p:stCondLst>
+                      <p:childTnLst>
+                        <p:par>
+                          <p:cTn id="14" fill="hold">
+                            <p:stCondLst>
+                              <p:cond delay="0"/>
+                            </p:stCondLst>
+                            <p:childTnLst>
                               <p:par>
-                                <p:cTn id="13" presetID="1" presetClass="entr" presetSubtype="0" fill="hold" grpId="0" nodeType="withEffect">
+                                <p:cTn id="15" presetID="1" presetClass="entr" presetSubtype="0" fill="hold" grpId="0" nodeType="clickEffect">
                                   <p:stCondLst>
                                     <p:cond delay="0"/>
                                   </p:stCondLst>
                                   <p:childTnLst>
                                     <p:set>
                                       <p:cBhvr>
-                                        <p:cTn id="14" dur="1" fill="hold">
+                                        <p:cTn id="16" dur="1" fill="hold">
                                           <p:stCondLst>
                                             <p:cond delay="0"/>
                                           </p:stCondLst>
@@ -14789,26 +18192,8 @@
                                   </p:childTnLst>
                                 </p:cTn>
                               </p:par>
-                            </p:childTnLst>
-                          </p:cTn>
-                        </p:par>
-                      </p:childTnLst>
-                    </p:cTn>
-                  </p:par>
-                  <p:par>
-                    <p:cTn id="15" fill="hold">
-                      <p:stCondLst>
-                        <p:cond delay="indefinite"/>
-                      </p:stCondLst>
-                      <p:childTnLst>
-                        <p:par>
-                          <p:cTn id="16" fill="hold">
-                            <p:stCondLst>
-                              <p:cond delay="0"/>
-                            </p:stCondLst>
-                            <p:childTnLst>
                               <p:par>
-                                <p:cTn id="17" presetID="1" presetClass="entr" presetSubtype="0" fill="hold" grpId="0" nodeType="clickEffect">
+                                <p:cTn id="17" presetID="1" presetClass="entr" presetSubtype="0" fill="hold" grpId="0" nodeType="withEffect">
                                   <p:stCondLst>
                                     <p:cond delay="0"/>
                                   </p:stCondLst>
@@ -14838,33 +18223,15 @@
                                   </p:childTnLst>
                                 </p:cTn>
                               </p:par>
-                            </p:childTnLst>
-                          </p:cTn>
-                        </p:par>
-                      </p:childTnLst>
-                    </p:cTn>
-                  </p:par>
-                  <p:par>
-                    <p:cTn id="19" fill="hold">
-                      <p:stCondLst>
-                        <p:cond delay="indefinite"/>
-                      </p:stCondLst>
-                      <p:childTnLst>
-                        <p:par>
-                          <p:cTn id="20" fill="hold">
-                            <p:stCondLst>
-                              <p:cond delay="0"/>
-                            </p:stCondLst>
-                            <p:childTnLst>
                               <p:par>
-                                <p:cTn id="21" presetID="1" presetClass="entr" presetSubtype="0" fill="hold" grpId="0" nodeType="clickEffect">
+                                <p:cTn id="19" presetID="1" presetClass="entr" presetSubtype="0" fill="hold" grpId="0" nodeType="withEffect">
                                   <p:stCondLst>
                                     <p:cond delay="0"/>
                                   </p:stCondLst>
                                   <p:childTnLst>
                                     <p:set>
                                       <p:cBhvr>
-                                        <p:cTn id="22" dur="1" fill="hold">
+                                        <p:cTn id="20" dur="1" fill="hold">
                                           <p:stCondLst>
                                             <p:cond delay="0"/>
                                           </p:stCondLst>
@@ -14894,26 +18261,26 @@
                     </p:cTn>
                   </p:par>
                   <p:par>
-                    <p:cTn id="23" fill="hold">
+                    <p:cTn id="21" fill="hold">
                       <p:stCondLst>
                         <p:cond delay="indefinite"/>
                       </p:stCondLst>
                       <p:childTnLst>
                         <p:par>
-                          <p:cTn id="24" fill="hold">
+                          <p:cTn id="22" fill="hold">
                             <p:stCondLst>
                               <p:cond delay="0"/>
                             </p:stCondLst>
                             <p:childTnLst>
                               <p:par>
-                                <p:cTn id="25" presetID="1" presetClass="entr" presetSubtype="0" fill="hold" grpId="0" nodeType="clickEffect">
+                                <p:cTn id="23" presetID="1" presetClass="entr" presetSubtype="0" fill="hold" grpId="0" nodeType="clickEffect">
                                   <p:stCondLst>
                                     <p:cond delay="0"/>
                                   </p:stCondLst>
                                   <p:childTnLst>
                                     <p:set>
                                       <p:cBhvr>
-                                        <p:cTn id="26" dur="1" fill="hold">
+                                        <p:cTn id="24" dur="1" fill="hold">
                                           <p:stCondLst>
                                             <p:cond delay="0"/>
                                           </p:stCondLst>
@@ -14970,7 +18337,7 @@
 </p:sld>
 </file>
 
-<file path=ppt/slides/slide14.xml><?xml version="1.0" encoding="utf-8"?>
+<file path=ppt/slides/slide16.xml><?xml version="1.0" encoding="utf-8"?>
 <p:sld xmlns:a="http://schemas.openxmlformats.org/drawingml/2006/main" xmlns:r="http://schemas.openxmlformats.org/officeDocument/2006/relationships" xmlns:p="http://schemas.openxmlformats.org/presentationml/2006/main">
   <p:cSld>
     <p:spTree>
@@ -15387,7 +18754,7 @@
           <a:p>
             <a:fld id="{278C1CC4-2077-434E-BCF1-5D01C08A9B17}" type="slidenum">
               <a:rPr lang="en-US" smtClean="0"/>
-              <a:t>14</a:t>
+              <a:t>16</a:t>
             </a:fld>
             <a:endParaRPr lang="en-US"/>
           </a:p>
@@ -15537,7 +18904,7 @@
 </p:sld>
 </file>
 
-<file path=ppt/slides/slide15.xml><?xml version="1.0" encoding="utf-8"?>
+<file path=ppt/slides/slide17.xml><?xml version="1.0" encoding="utf-8"?>
 <p:sld xmlns:a="http://schemas.openxmlformats.org/drawingml/2006/main" xmlns:r="http://schemas.openxmlformats.org/officeDocument/2006/relationships" xmlns:p="http://schemas.openxmlformats.org/presentationml/2006/main">
   <p:cSld>
     <p:spTree>
@@ -15676,7 +19043,7 @@
           <a:p>
             <a:fld id="{278C1CC4-2077-434E-BCF1-5D01C08A9B17}" type="slidenum">
               <a:rPr lang="en-US" smtClean="0"/>
-              <a:t>15</a:t>
+              <a:t>17</a:t>
             </a:fld>
             <a:endParaRPr lang="en-US"/>
           </a:p>
@@ -16152,7 +19519,7 @@
 </p:sld>
 </file>
 
-<file path=ppt/slides/slide16.xml><?xml version="1.0" encoding="utf-8"?>
+<file path=ppt/slides/slide18.xml><?xml version="1.0" encoding="utf-8"?>
 <p:sld xmlns:a="http://schemas.openxmlformats.org/drawingml/2006/main" xmlns:r="http://schemas.openxmlformats.org/officeDocument/2006/relationships" xmlns:p="http://schemas.openxmlformats.org/presentationml/2006/main">
   <p:cSld>
     <p:spTree>
@@ -16728,7 +20095,7 @@
           <a:p>
             <a:fld id="{278C1CC4-2077-434E-BCF1-5D01C08A9B17}" type="slidenum">
               <a:rPr lang="en-US" smtClean="0"/>
-              <a:t>16</a:t>
+              <a:t>18</a:t>
             </a:fld>
             <a:endParaRPr lang="en-US"/>
           </a:p>
@@ -16971,7 +20338,7 @@
 </p:sld>
 </file>
 
-<file path=ppt/slides/slide17.xml><?xml version="1.0" encoding="utf-8"?>
+<file path=ppt/slides/slide19.xml><?xml version="1.0" encoding="utf-8"?>
 <p:sld xmlns:a="http://schemas.openxmlformats.org/drawingml/2006/main" xmlns:r="http://schemas.openxmlformats.org/officeDocument/2006/relationships" xmlns:p="http://schemas.openxmlformats.org/presentationml/2006/main">
   <p:cSld>
     <p:spTree>
@@ -18057,7 +21424,7 @@
           <a:p>
             <a:fld id="{278C1CC4-2077-434E-BCF1-5D01C08A9B17}" type="slidenum">
               <a:rPr lang="en-US" smtClean="0"/>
-              <a:t>17</a:t>
+              <a:t>19</a:t>
             </a:fld>
             <a:endParaRPr lang="en-US"/>
           </a:p>
@@ -18349,7 +21716,205 @@
 </p:sld>
 </file>
 
-<file path=ppt/slides/slide18.xml><?xml version="1.0" encoding="utf-8"?>
+<file path=ppt/slides/slide2.xml><?xml version="1.0" encoding="utf-8"?>
+<p:sld xmlns:a="http://schemas.openxmlformats.org/drawingml/2006/main" xmlns:r="http://schemas.openxmlformats.org/officeDocument/2006/relationships" xmlns:p="http://schemas.openxmlformats.org/presentationml/2006/main">
+  <p:cSld>
+    <p:spTree>
+      <p:nvGrpSpPr>
+        <p:cNvPr id="1" name=""/>
+        <p:cNvGrpSpPr/>
+        <p:nvPr/>
+      </p:nvGrpSpPr>
+      <p:grpSpPr>
+        <a:xfrm>
+          <a:off x="0" y="0"/>
+          <a:ext cx="0" cy="0"/>
+          <a:chOff x="0" y="0"/>
+          <a:chExt cx="0" cy="0"/>
+        </a:xfrm>
+      </p:grpSpPr>
+      <p:sp>
+        <p:nvSpPr>
+          <p:cNvPr id="2" name="Title 1">
+            <a:extLst>
+              <a:ext uri="{FF2B5EF4-FFF2-40B4-BE49-F238E27FC236}">
+                <a16:creationId xmlns:a16="http://schemas.microsoft.com/office/drawing/2014/main" id="{EDAE00F5-C7EE-2CC9-E9BA-CD7EB57AFC01}"/>
+              </a:ext>
+            </a:extLst>
+          </p:cNvPr>
+          <p:cNvSpPr>
+            <a:spLocks noGrp="1"/>
+          </p:cNvSpPr>
+          <p:nvPr>
+            <p:ph type="title"/>
+          </p:nvPr>
+        </p:nvSpPr>
+        <p:spPr/>
+        <p:txBody>
+          <a:bodyPr/>
+          <a:lstStyle/>
+          <a:p>
+            <a:r>
+              <a:rPr lang="es-ES_tradnl"/>
+              <a:t>En la clase de hoy</a:t>
+            </a:r>
+          </a:p>
+        </p:txBody>
+      </p:sp>
+      <p:sp>
+        <p:nvSpPr>
+          <p:cNvPr id="3" name="Content Placeholder 2">
+            <a:extLst>
+              <a:ext uri="{FF2B5EF4-FFF2-40B4-BE49-F238E27FC236}">
+                <a16:creationId xmlns:a16="http://schemas.microsoft.com/office/drawing/2014/main" id="{F3A8327E-74B0-5F1D-D3E8-C9714B43F83E}"/>
+              </a:ext>
+            </a:extLst>
+          </p:cNvPr>
+          <p:cNvSpPr>
+            <a:spLocks noGrp="1"/>
+          </p:cNvSpPr>
+          <p:nvPr>
+            <p:ph idx="1"/>
+          </p:nvPr>
+        </p:nvSpPr>
+        <p:spPr/>
+        <p:txBody>
+          <a:bodyPr>
+            <a:normAutofit fontScale="92500" lnSpcReduction="10000"/>
+          </a:bodyPr>
+          <a:lstStyle/>
+          <a:p>
+            <a:pPr marL="0" indent="0">
+              <a:lnSpc>
+                <a:spcPct val="170000"/>
+              </a:lnSpc>
+              <a:buNone/>
+            </a:pPr>
+            <a:r>
+              <a:rPr lang="es-ES_tradnl" sz="3200" dirty="0">
+                <a:latin typeface="Gill Sans Nova Light" panose="020B0302020104020203" pitchFamily="34" charset="0"/>
+              </a:rPr>
+              <a:t>0.  Cuestiones operativas del curso: Recordatorios</a:t>
+            </a:r>
+            <a:endParaRPr lang="es-ES_tradnl" dirty="0"/>
+          </a:p>
+          <a:p>
+            <a:pPr marL="514350" indent="-514350">
+              <a:lnSpc>
+                <a:spcPct val="170000"/>
+              </a:lnSpc>
+              <a:buFont typeface="+mj-lt"/>
+              <a:buAutoNum type="arabicPeriod"/>
+            </a:pPr>
+            <a:r>
+              <a:rPr lang="es-ES_tradnl" dirty="0"/>
+              <a:t>Introducción a Métodos Supervisados</a:t>
+            </a:r>
+          </a:p>
+          <a:p>
+            <a:pPr marL="514350" indent="-514350">
+              <a:lnSpc>
+                <a:spcPct val="170000"/>
+              </a:lnSpc>
+              <a:buFont typeface="+mj-lt"/>
+              <a:buAutoNum type="arabicPeriod"/>
+            </a:pPr>
+            <a:r>
+              <a:rPr lang="es-ES_tradnl" dirty="0"/>
+              <a:t>Revisión de Regresión: Simple y Múltiple</a:t>
+            </a:r>
+          </a:p>
+          <a:p>
+            <a:pPr marL="514350" indent="-514350">
+              <a:lnSpc>
+                <a:spcPct val="170000"/>
+              </a:lnSpc>
+              <a:buFont typeface="+mj-lt"/>
+              <a:buAutoNum type="arabicPeriod"/>
+            </a:pPr>
+            <a:r>
+              <a:rPr lang="es-ES_tradnl" dirty="0"/>
+              <a:t>ECM</a:t>
+            </a:r>
+          </a:p>
+          <a:p>
+            <a:pPr marL="514350" indent="-514350">
+              <a:lnSpc>
+                <a:spcPct val="170000"/>
+              </a:lnSpc>
+              <a:buFont typeface="+mj-lt"/>
+              <a:buAutoNum type="arabicPeriod"/>
+            </a:pPr>
+            <a:r>
+              <a:rPr lang="es-ES_tradnl" dirty="0"/>
+              <a:t>Problemas de Predicción y Consideraciones</a:t>
+            </a:r>
+          </a:p>
+          <a:p>
+            <a:pPr marL="514350" indent="-514350">
+              <a:lnSpc>
+                <a:spcPct val="170000"/>
+              </a:lnSpc>
+              <a:buFont typeface="+mj-lt"/>
+              <a:buAutoNum type="arabicPeriod"/>
+            </a:pPr>
+            <a:endParaRPr lang="es-ES_tradnl" dirty="0"/>
+          </a:p>
+          <a:p>
+            <a:pPr marL="514350" indent="-514350">
+              <a:lnSpc>
+                <a:spcPct val="170000"/>
+              </a:lnSpc>
+              <a:buFont typeface="+mj-lt"/>
+              <a:buAutoNum type="arabicPeriod"/>
+            </a:pPr>
+            <a:endParaRPr lang="es-ES_tradnl" dirty="0"/>
+          </a:p>
+        </p:txBody>
+      </p:sp>
+      <p:sp>
+        <p:nvSpPr>
+          <p:cNvPr id="4" name="Slide Number Placeholder 3">
+            <a:extLst>
+              <a:ext uri="{FF2B5EF4-FFF2-40B4-BE49-F238E27FC236}">
+                <a16:creationId xmlns:a16="http://schemas.microsoft.com/office/drawing/2014/main" id="{C7F4FB9B-5244-FCBC-3E87-89A4490B0B9B}"/>
+              </a:ext>
+            </a:extLst>
+          </p:cNvPr>
+          <p:cNvSpPr>
+            <a:spLocks noGrp="1"/>
+          </p:cNvSpPr>
+          <p:nvPr>
+            <p:ph type="sldNum" sz="quarter" idx="12"/>
+          </p:nvPr>
+        </p:nvSpPr>
+        <p:spPr/>
+        <p:txBody>
+          <a:bodyPr/>
+          <a:lstStyle/>
+          <a:p>
+            <a:fld id="{278C1CC4-2077-434E-BCF1-5D01C08A9B17}" type="slidenum">
+              <a:rPr lang="en-US" smtClean="0"/>
+              <a:t>2</a:t>
+            </a:fld>
+            <a:endParaRPr lang="en-US"/>
+          </a:p>
+        </p:txBody>
+      </p:sp>
+    </p:spTree>
+    <p:extLst>
+      <p:ext uri="{BB962C8B-B14F-4D97-AF65-F5344CB8AC3E}">
+        <p14:creationId xmlns:p14="http://schemas.microsoft.com/office/powerpoint/2010/main" val="4169880411"/>
+      </p:ext>
+    </p:extLst>
+  </p:cSld>
+  <p:clrMapOvr>
+    <a:masterClrMapping/>
+  </p:clrMapOvr>
+</p:sld>
+</file>
+
+<file path=ppt/slides/slide20.xml><?xml version="1.0" encoding="utf-8"?>
 <p:sld xmlns:a="http://schemas.openxmlformats.org/drawingml/2006/main" xmlns:r="http://schemas.openxmlformats.org/officeDocument/2006/relationships" xmlns:p="http://schemas.openxmlformats.org/presentationml/2006/main">
   <p:cSld>
     <p:spTree>
@@ -18394,8 +21959,8 @@
           </a:p>
         </p:txBody>
       </p:sp>
-      <mc:AlternateContent xmlns:mc="http://schemas.openxmlformats.org/markup-compatibility/2006" xmlns:a14="http://schemas.microsoft.com/office/drawing/2010/main">
-        <mc:Choice Requires="a14">
+      <mc:AlternateContent xmlns:mc="http://schemas.openxmlformats.org/markup-compatibility/2006">
+        <mc:Choice xmlns:a14="http://schemas.microsoft.com/office/drawing/2010/main" Requires="a14">
           <p:sp>
             <p:nvSpPr>
               <p:cNvPr id="3" name="Content Placeholder 2">
@@ -18471,33 +22036,44 @@
                           </m:fPr>
                           <m:num>
                             <m:r>
-                              <a:rPr lang="en-US" b="0" i="1" smtClean="0">
+                              <a:rPr lang="en-US" i="1">
                                 <a:latin typeface="Cambria Math" panose="02040503050406030204" pitchFamily="18" charset="0"/>
                               </a:rPr>
-                              <m:t>1</m:t>
+                              <m:t>𝑅𝑆𝑆</m:t>
                             </m:r>
                           </m:num>
                           <m:den>
+                            <m:d>
+                              <m:dPr>
+                                <m:ctrlPr>
+                                  <a:rPr lang="en-US" b="0" i="1" smtClean="0">
+                                    <a:latin typeface="Cambria Math" panose="02040503050406030204" pitchFamily="18" charset="0"/>
+                                  </a:rPr>
+                                </m:ctrlPr>
+                              </m:dPr>
+                              <m:e>
+                                <m:r>
+                                  <a:rPr lang="en-US" b="0" i="1" smtClean="0">
+                                    <a:latin typeface="Cambria Math" panose="02040503050406030204" pitchFamily="18" charset="0"/>
+                                  </a:rPr>
+                                  <m:t>𝑛</m:t>
+                                </m:r>
+                                <m:r>
+                                  <a:rPr lang="en-US" b="0" i="1" smtClean="0">
+                                    <a:latin typeface="Cambria Math" panose="02040503050406030204" pitchFamily="18" charset="0"/>
+                                  </a:rPr>
+                                  <m:t>−2</m:t>
+                                </m:r>
+                              </m:e>
+                            </m:d>
                             <m:r>
                               <a:rPr lang="en-US" b="0" i="1" smtClean="0">
                                 <a:latin typeface="Cambria Math" panose="02040503050406030204" pitchFamily="18" charset="0"/>
                               </a:rPr>
-                              <m:t>𝑛</m:t>
-                            </m:r>
-                            <m:r>
-                              <a:rPr lang="en-US" b="0" i="1" smtClean="0">
-                                <a:latin typeface="Cambria Math" panose="02040503050406030204" pitchFamily="18" charset="0"/>
-                              </a:rPr>
-                              <m:t>−2</m:t>
+                              <m:t> </m:t>
                             </m:r>
                           </m:den>
                         </m:f>
-                        <m:r>
-                          <a:rPr lang="en-US" b="0" i="1" smtClean="0">
-                            <a:latin typeface="Cambria Math" panose="02040503050406030204" pitchFamily="18" charset="0"/>
-                          </a:rPr>
-                          <m:t>𝑅𝑆𝑆</m:t>
-                        </m:r>
                       </m:e>
                     </m:rad>
                   </m:oMath>
@@ -18920,7 +22496,7 @@
             </p:txBody>
           </p:sp>
         </mc:Choice>
-        <mc:Fallback xmlns="">
+        <mc:Fallback>
           <p:sp>
             <p:nvSpPr>
               <p:cNvPr id="3" name="Content Placeholder 2">
@@ -18983,7 +22559,7 @@
           <a:p>
             <a:fld id="{278C1CC4-2077-434E-BCF1-5D01C08A9B17}" type="slidenum">
               <a:rPr lang="en-US" smtClean="0"/>
-              <a:t>18</a:t>
+              <a:t>20</a:t>
             </a:fld>
             <a:endParaRPr lang="en-US"/>
           </a:p>
@@ -19002,7 +22578,7 @@
 </p:sld>
 </file>
 
-<file path=ppt/slides/slide19.xml><?xml version="1.0" encoding="utf-8"?>
+<file path=ppt/slides/slide21.xml><?xml version="1.0" encoding="utf-8"?>
 <p:sld xmlns:a="http://schemas.openxmlformats.org/drawingml/2006/main" xmlns:r="http://schemas.openxmlformats.org/officeDocument/2006/relationships" xmlns:p="http://schemas.openxmlformats.org/presentationml/2006/main">
   <p:cSld>
     <p:spTree>
@@ -19047,8 +22623,8 @@
           </a:p>
         </p:txBody>
       </p:sp>
-      <mc:AlternateContent xmlns:mc="http://schemas.openxmlformats.org/markup-compatibility/2006" xmlns:a14="http://schemas.microsoft.com/office/drawing/2010/main">
-        <mc:Choice Requires="a14">
+      <mc:AlternateContent xmlns:mc="http://schemas.openxmlformats.org/markup-compatibility/2006">
+        <mc:Choice xmlns:a14="http://schemas.microsoft.com/office/drawing/2010/main" Requires="a14">
           <p:sp>
             <p:nvSpPr>
               <p:cNvPr id="3" name="Content Placeholder 2">
@@ -19068,7 +22644,7 @@
             <p:spPr/>
             <p:txBody>
               <a:bodyPr>
-                <a:normAutofit/>
+                <a:normAutofit fontScale="70000" lnSpcReduction="20000"/>
               </a:bodyPr>
               <a:lstStyle/>
               <a:p>
@@ -19201,6 +22777,280 @@
                       <a:rPr lang="en-US" b="0" i="1" smtClean="0">
                         <a:latin typeface="Cambria Math" panose="02040503050406030204" pitchFamily="18" charset="0"/>
                       </a:rPr>
+                      <m:t>𝑅𝑆𝑆</m:t>
+                    </m:r>
+                    <m:r>
+                      <a:rPr lang="en-US" b="0" i="1" smtClean="0">
+                        <a:latin typeface="Cambria Math" panose="02040503050406030204" pitchFamily="18" charset="0"/>
+                      </a:rPr>
+                      <m:t>=</m:t>
+                    </m:r>
+                    <m:nary>
+                      <m:naryPr>
+                        <m:chr m:val="∑"/>
+                        <m:limLoc m:val="subSup"/>
+                        <m:ctrlPr>
+                          <a:rPr lang="en-US" b="0" i="1" smtClean="0">
+                            <a:latin typeface="Cambria Math" panose="02040503050406030204" pitchFamily="18" charset="0"/>
+                          </a:rPr>
+                        </m:ctrlPr>
+                      </m:naryPr>
+                      <m:sub>
+                        <m:r>
+                          <m:rPr>
+                            <m:brk m:alnAt="25"/>
+                          </m:rPr>
+                          <a:rPr lang="en-US" b="0" i="1" smtClean="0">
+                            <a:latin typeface="Cambria Math" panose="02040503050406030204" pitchFamily="18" charset="0"/>
+                          </a:rPr>
+                          <m:t>𝑖</m:t>
+                        </m:r>
+                        <m:r>
+                          <a:rPr lang="en-US" b="0" i="1" smtClean="0">
+                            <a:latin typeface="Cambria Math" panose="02040503050406030204" pitchFamily="18" charset="0"/>
+                          </a:rPr>
+                          <m:t>=1</m:t>
+                        </m:r>
+                      </m:sub>
+                      <m:sup>
+                        <m:r>
+                          <a:rPr lang="en-US" b="0" i="1" smtClean="0">
+                            <a:latin typeface="Cambria Math" panose="02040503050406030204" pitchFamily="18" charset="0"/>
+                          </a:rPr>
+                          <m:t>𝑛</m:t>
+                        </m:r>
+                      </m:sup>
+                      <m:e>
+                        <m:sSup>
+                          <m:sSupPr>
+                            <m:ctrlPr>
+                              <a:rPr lang="en-US" b="0" i="1" smtClean="0">
+                                <a:latin typeface="Cambria Math" panose="02040503050406030204" pitchFamily="18" charset="0"/>
+                              </a:rPr>
+                            </m:ctrlPr>
+                          </m:sSupPr>
+                          <m:e>
+                            <m:d>
+                              <m:dPr>
+                                <m:ctrlPr>
+                                  <a:rPr lang="en-US" b="0" i="1" smtClean="0">
+                                    <a:latin typeface="Cambria Math" panose="02040503050406030204" pitchFamily="18" charset="0"/>
+                                  </a:rPr>
+                                </m:ctrlPr>
+                              </m:dPr>
+                              <m:e>
+                                <m:sSub>
+                                  <m:sSubPr>
+                                    <m:ctrlPr>
+                                      <a:rPr lang="en-US" b="0" i="1" smtClean="0">
+                                        <a:solidFill>
+                                          <a:schemeClr val="accent2"/>
+                                        </a:solidFill>
+                                        <a:latin typeface="Cambria Math" panose="02040503050406030204" pitchFamily="18" charset="0"/>
+                                      </a:rPr>
+                                    </m:ctrlPr>
+                                  </m:sSubPr>
+                                  <m:e>
+                                    <m:r>
+                                      <a:rPr lang="en-US" b="0" i="1" smtClean="0">
+                                        <a:solidFill>
+                                          <a:schemeClr val="accent2"/>
+                                        </a:solidFill>
+                                        <a:latin typeface="Cambria Math" panose="02040503050406030204" pitchFamily="18" charset="0"/>
+                                      </a:rPr>
+                                      <m:t>𝑦</m:t>
+                                    </m:r>
+                                  </m:e>
+                                  <m:sub>
+                                    <m:r>
+                                      <a:rPr lang="en-US" b="0" i="1" smtClean="0">
+                                        <a:solidFill>
+                                          <a:schemeClr val="accent2"/>
+                                        </a:solidFill>
+                                        <a:latin typeface="Cambria Math" panose="02040503050406030204" pitchFamily="18" charset="0"/>
+                                      </a:rPr>
+                                      <m:t>𝑖</m:t>
+                                    </m:r>
+                                  </m:sub>
+                                </m:sSub>
+                                <m:r>
+                                  <a:rPr lang="en-US" b="0" i="1" smtClean="0">
+                                    <a:latin typeface="Cambria Math" panose="02040503050406030204" pitchFamily="18" charset="0"/>
+                                  </a:rPr>
+                                  <m:t>−</m:t>
+                                </m:r>
+                                <m:sSub>
+                                  <m:sSubPr>
+                                    <m:ctrlPr>
+                                      <a:rPr lang="en-US" b="0" i="1" smtClean="0">
+                                        <a:solidFill>
+                                          <a:srgbClr val="00B050"/>
+                                        </a:solidFill>
+                                        <a:latin typeface="Cambria Math" panose="02040503050406030204" pitchFamily="18" charset="0"/>
+                                      </a:rPr>
+                                    </m:ctrlPr>
+                                  </m:sSubPr>
+                                  <m:e>
+                                    <m:acc>
+                                      <m:accPr>
+                                        <m:chr m:val="̂"/>
+                                        <m:ctrlPr>
+                                          <a:rPr lang="en-US" b="0" i="1" smtClean="0">
+                                            <a:solidFill>
+                                              <a:srgbClr val="00B050"/>
+                                            </a:solidFill>
+                                            <a:latin typeface="Cambria Math" panose="02040503050406030204" pitchFamily="18" charset="0"/>
+                                          </a:rPr>
+                                        </m:ctrlPr>
+                                      </m:accPr>
+                                      <m:e>
+                                        <m:r>
+                                          <a:rPr lang="en-US" b="0" i="1" smtClean="0">
+                                            <a:solidFill>
+                                              <a:srgbClr val="00B050"/>
+                                            </a:solidFill>
+                                            <a:latin typeface="Cambria Math" panose="02040503050406030204" pitchFamily="18" charset="0"/>
+                                          </a:rPr>
+                                          <m:t>𝑦</m:t>
+                                        </m:r>
+                                      </m:e>
+                                    </m:acc>
+                                  </m:e>
+                                  <m:sub>
+                                    <m:r>
+                                      <a:rPr lang="en-US" b="0" i="1" smtClean="0">
+                                        <a:solidFill>
+                                          <a:srgbClr val="00B050"/>
+                                        </a:solidFill>
+                                        <a:latin typeface="Cambria Math" panose="02040503050406030204" pitchFamily="18" charset="0"/>
+                                      </a:rPr>
+                                      <m:t>𝑖</m:t>
+                                    </m:r>
+                                  </m:sub>
+                                </m:sSub>
+                              </m:e>
+                            </m:d>
+                          </m:e>
+                          <m:sup>
+                            <m:r>
+                              <a:rPr lang="en-US" b="0" i="1" smtClean="0">
+                                <a:latin typeface="Cambria Math" panose="02040503050406030204" pitchFamily="18" charset="0"/>
+                              </a:rPr>
+                              <m:t>2</m:t>
+                            </m:r>
+                          </m:sup>
+                        </m:sSup>
+                      </m:e>
+                    </m:nary>
+                  </m:oMath>
+                </a14:m>
+                <a:r>
+                  <a:rPr lang="en-US" b="0" i="1" dirty="0">
+                    <a:latin typeface="Cambria Math" panose="02040503050406030204" pitchFamily="18" charset="0"/>
+                  </a:rPr>
+                  <a:t> </a:t>
+                </a:r>
+                <a:r>
+                  <a:rPr lang="en-US" b="0" i="1" dirty="0" err="1">
+                    <a:latin typeface="Cambria Math" panose="02040503050406030204" pitchFamily="18" charset="0"/>
+                  </a:rPr>
+                  <a:t>suma</a:t>
+                </a:r>
+                <a:r>
+                  <a:rPr lang="en-US" b="0" i="1" dirty="0">
+                    <a:latin typeface="Cambria Math" panose="02040503050406030204" pitchFamily="18" charset="0"/>
+                  </a:rPr>
+                  <a:t> de </a:t>
+                </a:r>
+                <a:r>
+                  <a:rPr lang="en-US" b="0" i="1" dirty="0" err="1">
+                    <a:latin typeface="Cambria Math" panose="02040503050406030204" pitchFamily="18" charset="0"/>
+                  </a:rPr>
+                  <a:t>los</a:t>
+                </a:r>
+                <a:r>
+                  <a:rPr lang="en-US" b="0" i="1" dirty="0">
+                    <a:latin typeface="Cambria Math" panose="02040503050406030204" pitchFamily="18" charset="0"/>
+                  </a:rPr>
+                  <a:t> </a:t>
+                </a:r>
+                <a:r>
+                  <a:rPr lang="en-US" b="0" i="1" dirty="0" err="1">
+                    <a:latin typeface="Cambria Math" panose="02040503050406030204" pitchFamily="18" charset="0"/>
+                  </a:rPr>
+                  <a:t>residuos</a:t>
+                </a:r>
+                <a:r>
+                  <a:rPr lang="en-US" b="0" i="1" dirty="0">
+                    <a:latin typeface="Cambria Math" panose="02040503050406030204" pitchFamily="18" charset="0"/>
+                  </a:rPr>
+                  <a:t> al Cuadrado = </a:t>
+                </a:r>
+                <a:r>
+                  <a:rPr lang="en-US" b="0" i="1" dirty="0" err="1">
+                    <a:latin typeface="Cambria Math" panose="02040503050406030204" pitchFamily="18" charset="0"/>
+                  </a:rPr>
+                  <a:t>variabilidad</a:t>
+                </a:r>
+                <a:r>
+                  <a:rPr lang="en-US" b="0" i="1" dirty="0">
+                    <a:latin typeface="Cambria Math" panose="02040503050406030204" pitchFamily="18" charset="0"/>
+                  </a:rPr>
+                  <a:t> de y no </a:t>
+                </a:r>
+                <a:r>
+                  <a:rPr lang="en-US" b="0" i="1" dirty="0" err="1">
+                    <a:latin typeface="Cambria Math" panose="02040503050406030204" pitchFamily="18" charset="0"/>
+                  </a:rPr>
+                  <a:t>explicada</a:t>
+                </a:r>
+                <a:r>
+                  <a:rPr lang="en-US" b="0" i="1" dirty="0">
+                    <a:latin typeface="Cambria Math" panose="02040503050406030204" pitchFamily="18" charset="0"/>
+                  </a:rPr>
+                  <a:t> </a:t>
+                </a:r>
+                <a:r>
+                  <a:rPr lang="en-US" b="0" i="1" dirty="0" err="1">
+                    <a:latin typeface="Cambria Math" panose="02040503050406030204" pitchFamily="18" charset="0"/>
+                  </a:rPr>
+                  <a:t>por</a:t>
+                </a:r>
+                <a:r>
+                  <a:rPr lang="en-US" b="0" i="1" dirty="0">
+                    <a:latin typeface="Cambria Math" panose="02040503050406030204" pitchFamily="18" charset="0"/>
+                  </a:rPr>
+                  <a:t> </a:t>
+                </a:r>
+                <a:r>
+                  <a:rPr lang="en-US" b="0" i="1" dirty="0" err="1">
+                    <a:latin typeface="Cambria Math" panose="02040503050406030204" pitchFamily="18" charset="0"/>
+                  </a:rPr>
+                  <a:t>el</a:t>
+                </a:r>
+                <a:r>
+                  <a:rPr lang="en-US" b="0" i="1" dirty="0">
+                    <a:latin typeface="Cambria Math" panose="02040503050406030204" pitchFamily="18" charset="0"/>
+                  </a:rPr>
+                  <a:t> </a:t>
+                </a:r>
+                <a:r>
+                  <a:rPr lang="en-US" b="0" i="1" dirty="0" err="1">
+                    <a:latin typeface="Cambria Math" panose="02040503050406030204" pitchFamily="18" charset="0"/>
+                  </a:rPr>
+                  <a:t>modelo</a:t>
+                </a:r>
+                <a:endParaRPr lang="en-US" b="0" i="1" dirty="0">
+                  <a:latin typeface="Cambria Math" panose="02040503050406030204" pitchFamily="18" charset="0"/>
+                </a:endParaRPr>
+              </a:p>
+              <a:p>
+                <a14:m>
+                  <m:oMath xmlns:m="http://schemas.openxmlformats.org/officeDocument/2006/math">
+                    <m:r>
+                      <a:rPr lang="en-US" b="0" i="1" smtClean="0">
+                        <a:latin typeface="Cambria Math" panose="02040503050406030204" pitchFamily="18" charset="0"/>
+                      </a:rPr>
                       <m:t>𝑇𝑆𝑆</m:t>
                     </m:r>
                     <m:r>
@@ -19276,7 +23126,10 @@
                                   <m:accPr>
                                     <m:chr m:val="̅"/>
                                     <m:ctrlPr>
-                                      <a:rPr lang="en-US" i="1">
+                                      <a:rPr lang="en-US" i="1" smtClean="0">
+                                        <a:solidFill>
+                                          <a:srgbClr val="FF0000"/>
+                                        </a:solidFill>
                                         <a:latin typeface="Cambria Math" panose="02040503050406030204" pitchFamily="18" charset="0"/>
                                       </a:rPr>
                                     </m:ctrlPr>
@@ -19284,6 +23137,9 @@
                                   <m:e>
                                     <m:r>
                                       <a:rPr lang="en-US" i="1">
+                                        <a:solidFill>
+                                          <a:srgbClr val="FF0000"/>
+                                        </a:solidFill>
                                         <a:latin typeface="Cambria Math" panose="02040503050406030204" pitchFamily="18" charset="0"/>
                                       </a:rPr>
                                       <m:t>𝑦</m:t>
@@ -19306,12 +23162,15 @@
                     </m:nary>
                   </m:oMath>
                 </a14:m>
-                <a:endParaRPr lang="es-ES_tradnl" dirty="0"/>
+                <a:r>
+                  <a:rPr lang="es-ES_tradnl" dirty="0"/>
+                  <a:t> Suma total al cuadrado</a:t>
+                </a:r>
               </a:p>
               <a:p>
                 <a:r>
                   <a:rPr lang="es-ES_tradnl" dirty="0"/>
-                  <a:t>¿Interpretación?</a:t>
+                  <a:t>¿Interpretación? Cuando variabilidad de y (variable dependiente) esta explicada por la variabilidad del modelo </a:t>
                 </a:r>
               </a:p>
               <a:p>
@@ -19320,7 +23179,7 @@
             </p:txBody>
           </p:sp>
         </mc:Choice>
-        <mc:Fallback xmlns="">
+        <mc:Fallback>
           <p:sp>
             <p:nvSpPr>
               <p:cNvPr id="3" name="Content Placeholder 2">
@@ -19341,7 +23200,7 @@
               <a:blipFill>
                 <a:blip r:embed="rId3"/>
                 <a:stretch>
-                  <a:fillRect l="-1327"/>
+                  <a:fillRect l="-724"/>
                 </a:stretch>
               </a:blipFill>
             </p:spPr>
@@ -19383,7 +23242,7 @@
           <a:p>
             <a:fld id="{278C1CC4-2077-434E-BCF1-5D01C08A9B17}" type="slidenum">
               <a:rPr lang="en-US" smtClean="0"/>
-              <a:t>19</a:t>
+              <a:t>21</a:t>
             </a:fld>
             <a:endParaRPr lang="en-US"/>
           </a:p>
@@ -19402,205 +23261,7 @@
 </p:sld>
 </file>
 
-<file path=ppt/slides/slide2.xml><?xml version="1.0" encoding="utf-8"?>
-<p:sld xmlns:a="http://schemas.openxmlformats.org/drawingml/2006/main" xmlns:r="http://schemas.openxmlformats.org/officeDocument/2006/relationships" xmlns:p="http://schemas.openxmlformats.org/presentationml/2006/main">
-  <p:cSld>
-    <p:spTree>
-      <p:nvGrpSpPr>
-        <p:cNvPr id="1" name=""/>
-        <p:cNvGrpSpPr/>
-        <p:nvPr/>
-      </p:nvGrpSpPr>
-      <p:grpSpPr>
-        <a:xfrm>
-          <a:off x="0" y="0"/>
-          <a:ext cx="0" cy="0"/>
-          <a:chOff x="0" y="0"/>
-          <a:chExt cx="0" cy="0"/>
-        </a:xfrm>
-      </p:grpSpPr>
-      <p:sp>
-        <p:nvSpPr>
-          <p:cNvPr id="2" name="Title 1">
-            <a:extLst>
-              <a:ext uri="{FF2B5EF4-FFF2-40B4-BE49-F238E27FC236}">
-                <a16:creationId xmlns:a16="http://schemas.microsoft.com/office/drawing/2014/main" id="{EDAE00F5-C7EE-2CC9-E9BA-CD7EB57AFC01}"/>
-              </a:ext>
-            </a:extLst>
-          </p:cNvPr>
-          <p:cNvSpPr>
-            <a:spLocks noGrp="1"/>
-          </p:cNvSpPr>
-          <p:nvPr>
-            <p:ph type="title"/>
-          </p:nvPr>
-        </p:nvSpPr>
-        <p:spPr/>
-        <p:txBody>
-          <a:bodyPr/>
-          <a:lstStyle/>
-          <a:p>
-            <a:r>
-              <a:rPr lang="es-ES_tradnl"/>
-              <a:t>En la clase de hoy</a:t>
-            </a:r>
-          </a:p>
-        </p:txBody>
-      </p:sp>
-      <p:sp>
-        <p:nvSpPr>
-          <p:cNvPr id="3" name="Content Placeholder 2">
-            <a:extLst>
-              <a:ext uri="{FF2B5EF4-FFF2-40B4-BE49-F238E27FC236}">
-                <a16:creationId xmlns:a16="http://schemas.microsoft.com/office/drawing/2014/main" id="{F3A8327E-74B0-5F1D-D3E8-C9714B43F83E}"/>
-              </a:ext>
-            </a:extLst>
-          </p:cNvPr>
-          <p:cNvSpPr>
-            <a:spLocks noGrp="1"/>
-          </p:cNvSpPr>
-          <p:nvPr>
-            <p:ph idx="1"/>
-          </p:nvPr>
-        </p:nvSpPr>
-        <p:spPr/>
-        <p:txBody>
-          <a:bodyPr>
-            <a:normAutofit fontScale="92500" lnSpcReduction="10000"/>
-          </a:bodyPr>
-          <a:lstStyle/>
-          <a:p>
-            <a:pPr marL="0" indent="0">
-              <a:lnSpc>
-                <a:spcPct val="170000"/>
-              </a:lnSpc>
-              <a:buNone/>
-            </a:pPr>
-            <a:r>
-              <a:rPr lang="es-ES_tradnl" sz="3200" dirty="0">
-                <a:latin typeface="Gill Sans Nova Light" panose="020B0302020104020203" pitchFamily="34" charset="0"/>
-              </a:rPr>
-              <a:t>0.  Cuestiones operativas del curso: Recordatorios</a:t>
-            </a:r>
-            <a:endParaRPr lang="es-ES_tradnl" dirty="0"/>
-          </a:p>
-          <a:p>
-            <a:pPr marL="514350" indent="-514350">
-              <a:lnSpc>
-                <a:spcPct val="170000"/>
-              </a:lnSpc>
-              <a:buFont typeface="+mj-lt"/>
-              <a:buAutoNum type="arabicPeriod"/>
-            </a:pPr>
-            <a:r>
-              <a:rPr lang="es-ES_tradnl" dirty="0"/>
-              <a:t>Introducción a Métodos Supervisados</a:t>
-            </a:r>
-          </a:p>
-          <a:p>
-            <a:pPr marL="514350" indent="-514350">
-              <a:lnSpc>
-                <a:spcPct val="170000"/>
-              </a:lnSpc>
-              <a:buFont typeface="+mj-lt"/>
-              <a:buAutoNum type="arabicPeriod"/>
-            </a:pPr>
-            <a:r>
-              <a:rPr lang="es-ES_tradnl" dirty="0"/>
-              <a:t>Revisión de Regresión: Simple y Múltiple</a:t>
-            </a:r>
-          </a:p>
-          <a:p>
-            <a:pPr marL="514350" indent="-514350">
-              <a:lnSpc>
-                <a:spcPct val="170000"/>
-              </a:lnSpc>
-              <a:buFont typeface="+mj-lt"/>
-              <a:buAutoNum type="arabicPeriod"/>
-            </a:pPr>
-            <a:r>
-              <a:rPr lang="es-ES_tradnl" dirty="0"/>
-              <a:t>ECM</a:t>
-            </a:r>
-          </a:p>
-          <a:p>
-            <a:pPr marL="514350" indent="-514350">
-              <a:lnSpc>
-                <a:spcPct val="170000"/>
-              </a:lnSpc>
-              <a:buFont typeface="+mj-lt"/>
-              <a:buAutoNum type="arabicPeriod"/>
-            </a:pPr>
-            <a:r>
-              <a:rPr lang="es-ES_tradnl" dirty="0"/>
-              <a:t>Problemas de Predicción y Consideraciones</a:t>
-            </a:r>
-          </a:p>
-          <a:p>
-            <a:pPr marL="514350" indent="-514350">
-              <a:lnSpc>
-                <a:spcPct val="170000"/>
-              </a:lnSpc>
-              <a:buFont typeface="+mj-lt"/>
-              <a:buAutoNum type="arabicPeriod"/>
-            </a:pPr>
-            <a:endParaRPr lang="es-ES_tradnl" dirty="0"/>
-          </a:p>
-          <a:p>
-            <a:pPr marL="514350" indent="-514350">
-              <a:lnSpc>
-                <a:spcPct val="170000"/>
-              </a:lnSpc>
-              <a:buFont typeface="+mj-lt"/>
-              <a:buAutoNum type="arabicPeriod"/>
-            </a:pPr>
-            <a:endParaRPr lang="es-ES_tradnl" dirty="0"/>
-          </a:p>
-        </p:txBody>
-      </p:sp>
-      <p:sp>
-        <p:nvSpPr>
-          <p:cNvPr id="4" name="Slide Number Placeholder 3">
-            <a:extLst>
-              <a:ext uri="{FF2B5EF4-FFF2-40B4-BE49-F238E27FC236}">
-                <a16:creationId xmlns:a16="http://schemas.microsoft.com/office/drawing/2014/main" id="{C7F4FB9B-5244-FCBC-3E87-89A4490B0B9B}"/>
-              </a:ext>
-            </a:extLst>
-          </p:cNvPr>
-          <p:cNvSpPr>
-            <a:spLocks noGrp="1"/>
-          </p:cNvSpPr>
-          <p:nvPr>
-            <p:ph type="sldNum" sz="quarter" idx="12"/>
-          </p:nvPr>
-        </p:nvSpPr>
-        <p:spPr/>
-        <p:txBody>
-          <a:bodyPr/>
-          <a:lstStyle/>
-          <a:p>
-            <a:fld id="{278C1CC4-2077-434E-BCF1-5D01C08A9B17}" type="slidenum">
-              <a:rPr lang="en-US" smtClean="0"/>
-              <a:t>2</a:t>
-            </a:fld>
-            <a:endParaRPr lang="en-US"/>
-          </a:p>
-        </p:txBody>
-      </p:sp>
-    </p:spTree>
-    <p:extLst>
-      <p:ext uri="{BB962C8B-B14F-4D97-AF65-F5344CB8AC3E}">
-        <p14:creationId xmlns:p14="http://schemas.microsoft.com/office/powerpoint/2010/main" val="4169880411"/>
-      </p:ext>
-    </p:extLst>
-  </p:cSld>
-  <p:clrMapOvr>
-    <a:masterClrMapping/>
-  </p:clrMapOvr>
-</p:sld>
-</file>
-
-<file path=ppt/slides/slide20.xml><?xml version="1.0" encoding="utf-8"?>
+<file path=ppt/slides/slide22.xml><?xml version="1.0" encoding="utf-8"?>
 <p:sld xmlns:a="http://schemas.openxmlformats.org/drawingml/2006/main" xmlns:r="http://schemas.openxmlformats.org/officeDocument/2006/relationships" xmlns:p="http://schemas.openxmlformats.org/presentationml/2006/main">
   <p:cSld>
     <p:spTree>
@@ -19753,7 +23414,7 @@
           <a:p>
             <a:fld id="{278C1CC4-2077-434E-BCF1-5D01C08A9B17}" type="slidenum">
               <a:rPr lang="en-US" smtClean="0"/>
-              <a:t>20</a:t>
+              <a:t>22</a:t>
             </a:fld>
             <a:endParaRPr lang="en-US"/>
           </a:p>
@@ -19772,7 +23433,7 @@
 </p:sld>
 </file>
 
-<file path=ppt/slides/slide21.xml><?xml version="1.0" encoding="utf-8"?>
+<file path=ppt/slides/slide23.xml><?xml version="1.0" encoding="utf-8"?>
 <p:sld xmlns:a="http://schemas.openxmlformats.org/drawingml/2006/main" xmlns:r="http://schemas.openxmlformats.org/officeDocument/2006/relationships" xmlns:p="http://schemas.openxmlformats.org/presentationml/2006/main">
   <p:cSld>
     <p:spTree>
@@ -20252,7 +23913,7 @@
           <a:p>
             <a:fld id="{278C1CC4-2077-434E-BCF1-5D01C08A9B17}" type="slidenum">
               <a:rPr lang="en-US" smtClean="0"/>
-              <a:t>21</a:t>
+              <a:t>23</a:t>
             </a:fld>
             <a:endParaRPr lang="en-US"/>
           </a:p>
@@ -20271,7 +23932,7 @@
 </p:sld>
 </file>
 
-<file path=ppt/slides/slide22.xml><?xml version="1.0" encoding="utf-8"?>
+<file path=ppt/slides/slide24.xml><?xml version="1.0" encoding="utf-8"?>
 <p:sld xmlns:a="http://schemas.openxmlformats.org/drawingml/2006/main" xmlns:r="http://schemas.openxmlformats.org/officeDocument/2006/relationships" xmlns:p="http://schemas.openxmlformats.org/presentationml/2006/main">
   <p:cSld>
     <p:spTree>
@@ -21758,7 +25419,7 @@
           <a:p>
             <a:fld id="{278C1CC4-2077-434E-BCF1-5D01C08A9B17}" type="slidenum">
               <a:rPr lang="en-US" smtClean="0"/>
-              <a:t>22</a:t>
+              <a:t>24</a:t>
             </a:fld>
             <a:endParaRPr lang="en-US"/>
           </a:p>
@@ -21777,7 +25438,7 @@
 </p:sld>
 </file>
 
-<file path=ppt/slides/slide23.xml><?xml version="1.0" encoding="utf-8"?>
+<file path=ppt/slides/slide25.xml><?xml version="1.0" encoding="utf-8"?>
 <p:sld xmlns:a="http://schemas.openxmlformats.org/drawingml/2006/main" xmlns:r="http://schemas.openxmlformats.org/officeDocument/2006/relationships" xmlns:p="http://schemas.openxmlformats.org/presentationml/2006/main">
   <p:cSld>
     <p:spTree>
@@ -22108,7 +25769,7 @@
           <a:p>
             <a:fld id="{278C1CC4-2077-434E-BCF1-5D01C08A9B17}" type="slidenum">
               <a:rPr lang="en-US" smtClean="0"/>
-              <a:t>23</a:t>
+              <a:t>25</a:t>
             </a:fld>
             <a:endParaRPr lang="en-US"/>
           </a:p>
@@ -22127,7 +25788,7 @@
 </p:sld>
 </file>
 
-<file path=ppt/slides/slide24.xml><?xml version="1.0" encoding="utf-8"?>
+<file path=ppt/slides/slide26.xml><?xml version="1.0" encoding="utf-8"?>
 <p:sld xmlns:a="http://schemas.openxmlformats.org/drawingml/2006/main" xmlns:r="http://schemas.openxmlformats.org/officeDocument/2006/relationships" xmlns:p="http://schemas.openxmlformats.org/presentationml/2006/main">
   <p:cSld>
     <p:spTree>
@@ -22238,7 +25899,7 @@
           <a:p>
             <a:fld id="{278C1CC4-2077-434E-BCF1-5D01C08A9B17}" type="slidenum">
               <a:rPr lang="en-US" smtClean="0"/>
-              <a:t>24</a:t>
+              <a:t>26</a:t>
             </a:fld>
             <a:endParaRPr lang="en-US"/>
           </a:p>
@@ -22257,7 +25918,7 @@
 </p:sld>
 </file>
 
-<file path=ppt/slides/slide25.xml><?xml version="1.0" encoding="utf-8"?>
+<file path=ppt/slides/slide27.xml><?xml version="1.0" encoding="utf-8"?>
 <p:sld xmlns:a="http://schemas.openxmlformats.org/drawingml/2006/main" xmlns:r="http://schemas.openxmlformats.org/officeDocument/2006/relationships" xmlns:p="http://schemas.openxmlformats.org/presentationml/2006/main">
   <p:cSld>
     <p:spTree>
@@ -22866,7 +26527,7 @@
           <a:p>
             <a:fld id="{278C1CC4-2077-434E-BCF1-5D01C08A9B17}" type="slidenum">
               <a:rPr lang="en-US" smtClean="0"/>
-              <a:t>25</a:t>
+              <a:t>27</a:t>
             </a:fld>
             <a:endParaRPr lang="en-US"/>
           </a:p>
@@ -23212,7 +26873,7 @@
 </p:sld>
 </file>
 
-<file path=ppt/slides/slide26.xml><?xml version="1.0" encoding="utf-8"?>
+<file path=ppt/slides/slide28.xml><?xml version="1.0" encoding="utf-8"?>
 <p:sld xmlns:a="http://schemas.openxmlformats.org/drawingml/2006/main" xmlns:r="http://schemas.openxmlformats.org/officeDocument/2006/relationships" xmlns:p="http://schemas.openxmlformats.org/presentationml/2006/main">
   <p:cSld>
     <p:spTree>
@@ -23431,7 +27092,7 @@
           <a:p>
             <a:fld id="{278C1CC4-2077-434E-BCF1-5D01C08A9B17}" type="slidenum">
               <a:rPr lang="en-US" smtClean="0"/>
-              <a:t>26</a:t>
+              <a:t>28</a:t>
             </a:fld>
             <a:endParaRPr lang="en-US"/>
           </a:p>
@@ -25010,7 +28671,7 @@
 </p:sld>
 </file>
 
-<file path=ppt/slides/slide27.xml><?xml version="1.0" encoding="utf-8"?>
+<file path=ppt/slides/slide29.xml><?xml version="1.0" encoding="utf-8"?>
 <p:sld xmlns:a="http://schemas.openxmlformats.org/drawingml/2006/main" xmlns:r="http://schemas.openxmlformats.org/officeDocument/2006/relationships" xmlns:p="http://schemas.openxmlformats.org/presentationml/2006/main">
   <p:cSld>
     <p:spTree>
@@ -25107,7 +28768,7 @@
           <a:p>
             <a:fld id="{278C1CC4-2077-434E-BCF1-5D01C08A9B17}" type="slidenum">
               <a:rPr lang="en-US" smtClean="0"/>
-              <a:t>27</a:t>
+              <a:t>29</a:t>
             </a:fld>
             <a:endParaRPr lang="en-US"/>
           </a:p>
@@ -25169,7 +28830,246 @@
 </p:sld>
 </file>
 
-<file path=ppt/slides/slide28.xml><?xml version="1.0" encoding="utf-8"?>
+<file path=ppt/slides/slide3.xml><?xml version="1.0" encoding="utf-8"?>
+<p:sld xmlns:a="http://schemas.openxmlformats.org/drawingml/2006/main" xmlns:r="http://schemas.openxmlformats.org/officeDocument/2006/relationships" xmlns:p="http://schemas.openxmlformats.org/presentationml/2006/main">
+  <p:cSld>
+    <p:spTree>
+      <p:nvGrpSpPr>
+        <p:cNvPr id="1" name=""/>
+        <p:cNvGrpSpPr/>
+        <p:nvPr/>
+      </p:nvGrpSpPr>
+      <p:grpSpPr>
+        <a:xfrm>
+          <a:off x="0" y="0"/>
+          <a:ext cx="0" cy="0"/>
+          <a:chOff x="0" y="0"/>
+          <a:chExt cx="0" cy="0"/>
+        </a:xfrm>
+      </p:grpSpPr>
+      <p:sp>
+        <p:nvSpPr>
+          <p:cNvPr id="2" name="Title 1">
+            <a:extLst>
+              <a:ext uri="{FF2B5EF4-FFF2-40B4-BE49-F238E27FC236}">
+                <a16:creationId xmlns:a16="http://schemas.microsoft.com/office/drawing/2014/main" id="{60956FC5-0E53-6D4C-09A5-4C5B8E1AD528}"/>
+              </a:ext>
+            </a:extLst>
+          </p:cNvPr>
+          <p:cNvSpPr>
+            <a:spLocks noGrp="1"/>
+          </p:cNvSpPr>
+          <p:nvPr>
+            <p:ph type="title"/>
+          </p:nvPr>
+        </p:nvSpPr>
+        <p:spPr/>
+        <p:txBody>
+          <a:bodyPr>
+            <a:normAutofit/>
+          </a:bodyPr>
+          <a:lstStyle/>
+          <a:p>
+            <a:r>
+              <a:rPr lang="es-ES_tradnl" sz="3600" dirty="0"/>
+              <a:t>Cuestiones operativas del curso: </a:t>
+            </a:r>
+            <a:r>
+              <a:rPr lang="es-ES_tradnl" sz="3600" dirty="0">
+                <a:solidFill>
+                  <a:schemeClr val="tx1">
+                    <a:lumMod val="50000"/>
+                    <a:lumOff val="50000"/>
+                  </a:schemeClr>
+                </a:solidFill>
+              </a:rPr>
+              <a:t>Próximos Deadlines</a:t>
+            </a:r>
+          </a:p>
+        </p:txBody>
+      </p:sp>
+      <p:sp>
+        <p:nvSpPr>
+          <p:cNvPr id="3" name="Content Placeholder 2">
+            <a:extLst>
+              <a:ext uri="{FF2B5EF4-FFF2-40B4-BE49-F238E27FC236}">
+                <a16:creationId xmlns:a16="http://schemas.microsoft.com/office/drawing/2014/main" id="{8B78FB43-7DE0-04F0-9AC5-E468E02B4645}"/>
+              </a:ext>
+            </a:extLst>
+          </p:cNvPr>
+          <p:cNvSpPr>
+            <a:spLocks noGrp="1"/>
+          </p:cNvSpPr>
+          <p:nvPr>
+            <p:ph idx="1"/>
+          </p:nvPr>
+        </p:nvSpPr>
+        <p:spPr/>
+        <p:txBody>
+          <a:bodyPr>
+            <a:normAutofit/>
+          </a:bodyPr>
+          <a:lstStyle/>
+          <a:p>
+            <a:pPr>
+              <a:lnSpc>
+                <a:spcPct val="200000"/>
+              </a:lnSpc>
+            </a:pPr>
+            <a:r>
+              <a:rPr lang="es-ES_tradnl" dirty="0"/>
+              <a:t>TP 2: EPH. </a:t>
+            </a:r>
+            <a:r>
+              <a:rPr lang="es-ES_tradnl" dirty="0">
+                <a:solidFill>
+                  <a:srgbClr val="FF0000"/>
+                </a:solidFill>
+              </a:rPr>
+              <a:t>Martes</a:t>
+            </a:r>
+            <a:r>
+              <a:rPr lang="es-ES_tradnl" dirty="0"/>
+              <a:t> </a:t>
+            </a:r>
+            <a:r>
+              <a:rPr lang="es-ES_tradnl" dirty="0">
+                <a:solidFill>
+                  <a:srgbClr val="FF0000"/>
+                </a:solidFill>
+              </a:rPr>
+              <a:t>22 de Abril, 17:00 hs</a:t>
+            </a:r>
+          </a:p>
+          <a:p>
+            <a:pPr>
+              <a:lnSpc>
+                <a:spcPct val="200000"/>
+              </a:lnSpc>
+            </a:pPr>
+            <a:r>
+              <a:rPr lang="es-ES_tradnl" dirty="0"/>
+              <a:t>Presentación Grupal: Consignas Disponible. </a:t>
+            </a:r>
+            <a:r>
+              <a:rPr lang="es-ES_tradnl" dirty="0">
+                <a:solidFill>
+                  <a:srgbClr val="FF0000"/>
+                </a:solidFill>
+              </a:rPr>
+              <a:t>Viernes</a:t>
+            </a:r>
+            <a:r>
+              <a:rPr lang="es-ES_tradnl" dirty="0"/>
+              <a:t> </a:t>
+            </a:r>
+            <a:r>
+              <a:rPr lang="es-ES_tradnl" dirty="0">
+                <a:solidFill>
+                  <a:srgbClr val="FF0000"/>
+                </a:solidFill>
+              </a:rPr>
+              <a:t>25 de Abril, 17:00 hs</a:t>
+            </a:r>
+            <a:endParaRPr lang="es-ES_tradnl" dirty="0"/>
+          </a:p>
+          <a:p>
+            <a:pPr>
+              <a:lnSpc>
+                <a:spcPct val="200000"/>
+              </a:lnSpc>
+            </a:pPr>
+            <a:r>
+              <a:rPr lang="es-ES_tradnl" dirty="0">
+                <a:solidFill>
+                  <a:srgbClr val="002060"/>
+                </a:solidFill>
+              </a:rPr>
+              <a:t>Consultas</a:t>
+            </a:r>
+            <a:r>
+              <a:rPr lang="es-ES_tradnl" dirty="0"/>
+              <a:t>: Email, Miércoles 4:00 pm a 5:00 pm o </a:t>
+            </a:r>
+            <a:r>
+              <a:rPr lang="es-ES_tradnl" dirty="0">
+                <a:hlinkClick r:id="rId3"/>
+              </a:rPr>
+              <a:t>Calendly</a:t>
+            </a:r>
+            <a:endParaRPr lang="es-ES_tradnl" dirty="0">
+              <a:solidFill>
+                <a:srgbClr val="FF0000"/>
+              </a:solidFill>
+            </a:endParaRPr>
+          </a:p>
+          <a:p>
+            <a:pPr marL="0" indent="0">
+              <a:lnSpc>
+                <a:spcPct val="200000"/>
+              </a:lnSpc>
+              <a:buNone/>
+            </a:pPr>
+            <a:endParaRPr lang="es-ES_tradnl" dirty="0">
+              <a:solidFill>
+                <a:srgbClr val="002060"/>
+              </a:solidFill>
+            </a:endParaRPr>
+          </a:p>
+          <a:p>
+            <a:pPr marL="0" indent="0">
+              <a:lnSpc>
+                <a:spcPct val="200000"/>
+              </a:lnSpc>
+              <a:buNone/>
+            </a:pPr>
+            <a:endParaRPr lang="es-ES_tradnl" i="1" u="sng" dirty="0"/>
+          </a:p>
+        </p:txBody>
+      </p:sp>
+      <p:sp>
+        <p:nvSpPr>
+          <p:cNvPr id="4" name="Slide Number Placeholder 3">
+            <a:extLst>
+              <a:ext uri="{FF2B5EF4-FFF2-40B4-BE49-F238E27FC236}">
+                <a16:creationId xmlns:a16="http://schemas.microsoft.com/office/drawing/2014/main" id="{0DAD31DF-2AE7-1DEC-F2F5-AA7755106847}"/>
+              </a:ext>
+            </a:extLst>
+          </p:cNvPr>
+          <p:cNvSpPr>
+            <a:spLocks noGrp="1"/>
+          </p:cNvSpPr>
+          <p:nvPr>
+            <p:ph type="sldNum" sz="quarter" idx="12"/>
+          </p:nvPr>
+        </p:nvSpPr>
+        <p:spPr/>
+        <p:txBody>
+          <a:bodyPr/>
+          <a:lstStyle/>
+          <a:p>
+            <a:fld id="{278C1CC4-2077-434E-BCF1-5D01C08A9B17}" type="slidenum">
+              <a:rPr lang="en-US" smtClean="0"/>
+              <a:t>3</a:t>
+            </a:fld>
+            <a:endParaRPr lang="en-US"/>
+          </a:p>
+        </p:txBody>
+      </p:sp>
+    </p:spTree>
+    <p:extLst>
+      <p:ext uri="{BB962C8B-B14F-4D97-AF65-F5344CB8AC3E}">
+        <p14:creationId xmlns:p14="http://schemas.microsoft.com/office/powerpoint/2010/main" val="3926434971"/>
+      </p:ext>
+    </p:extLst>
+  </p:cSld>
+  <p:clrMapOvr>
+    <a:masterClrMapping/>
+  </p:clrMapOvr>
+</p:sld>
+</file>
+
+<file path=ppt/slides/slide30.xml><?xml version="1.0" encoding="utf-8"?>
 <p:sld xmlns:a="http://schemas.openxmlformats.org/drawingml/2006/main" xmlns:r="http://schemas.openxmlformats.org/officeDocument/2006/relationships" xmlns:p="http://schemas.openxmlformats.org/presentationml/2006/main">
   <p:cSld>
     <p:spTree>
@@ -25290,7 +29190,7 @@
           <a:p>
             <a:fld id="{278C1CC4-2077-434E-BCF1-5D01C08A9B17}" type="slidenum">
               <a:rPr lang="en-US" smtClean="0"/>
-              <a:t>28</a:t>
+              <a:t>30</a:t>
             </a:fld>
             <a:endParaRPr lang="en-US"/>
           </a:p>
@@ -25309,7 +29209,7 @@
 </p:sld>
 </file>
 
-<file path=ppt/slides/slide29.xml><?xml version="1.0" encoding="utf-8"?>
+<file path=ppt/slides/slide31.xml><?xml version="1.0" encoding="utf-8"?>
 <p:sld xmlns:a="http://schemas.openxmlformats.org/drawingml/2006/main" xmlns:r="http://schemas.openxmlformats.org/officeDocument/2006/relationships" xmlns:p="http://schemas.openxmlformats.org/presentationml/2006/main">
   <p:cSld>
     <p:spTree>
@@ -25774,7 +29674,7 @@
           <a:p>
             <a:fld id="{278C1CC4-2077-434E-BCF1-5D01C08A9B17}" type="slidenum">
               <a:rPr lang="en-US" smtClean="0"/>
-              <a:t>29</a:t>
+              <a:t>31</a:t>
             </a:fld>
             <a:endParaRPr lang="en-US"/>
           </a:p>
@@ -25793,246 +29693,7 @@
 </p:sld>
 </file>
 
-<file path=ppt/slides/slide3.xml><?xml version="1.0" encoding="utf-8"?>
-<p:sld xmlns:a="http://schemas.openxmlformats.org/drawingml/2006/main" xmlns:r="http://schemas.openxmlformats.org/officeDocument/2006/relationships" xmlns:p="http://schemas.openxmlformats.org/presentationml/2006/main">
-  <p:cSld>
-    <p:spTree>
-      <p:nvGrpSpPr>
-        <p:cNvPr id="1" name=""/>
-        <p:cNvGrpSpPr/>
-        <p:nvPr/>
-      </p:nvGrpSpPr>
-      <p:grpSpPr>
-        <a:xfrm>
-          <a:off x="0" y="0"/>
-          <a:ext cx="0" cy="0"/>
-          <a:chOff x="0" y="0"/>
-          <a:chExt cx="0" cy="0"/>
-        </a:xfrm>
-      </p:grpSpPr>
-      <p:sp>
-        <p:nvSpPr>
-          <p:cNvPr id="2" name="Title 1">
-            <a:extLst>
-              <a:ext uri="{FF2B5EF4-FFF2-40B4-BE49-F238E27FC236}">
-                <a16:creationId xmlns:a16="http://schemas.microsoft.com/office/drawing/2014/main" id="{60956FC5-0E53-6D4C-09A5-4C5B8E1AD528}"/>
-              </a:ext>
-            </a:extLst>
-          </p:cNvPr>
-          <p:cNvSpPr>
-            <a:spLocks noGrp="1"/>
-          </p:cNvSpPr>
-          <p:nvPr>
-            <p:ph type="title"/>
-          </p:nvPr>
-        </p:nvSpPr>
-        <p:spPr/>
-        <p:txBody>
-          <a:bodyPr>
-            <a:normAutofit/>
-          </a:bodyPr>
-          <a:lstStyle/>
-          <a:p>
-            <a:r>
-              <a:rPr lang="es-ES_tradnl" sz="3600" dirty="0"/>
-              <a:t>Cuestiones operativas del curso: </a:t>
-            </a:r>
-            <a:r>
-              <a:rPr lang="es-ES_tradnl" sz="3600" dirty="0">
-                <a:solidFill>
-                  <a:schemeClr val="tx1">
-                    <a:lumMod val="50000"/>
-                    <a:lumOff val="50000"/>
-                  </a:schemeClr>
-                </a:solidFill>
-              </a:rPr>
-              <a:t>Próximos Deadlines</a:t>
-            </a:r>
-          </a:p>
-        </p:txBody>
-      </p:sp>
-      <p:sp>
-        <p:nvSpPr>
-          <p:cNvPr id="3" name="Content Placeholder 2">
-            <a:extLst>
-              <a:ext uri="{FF2B5EF4-FFF2-40B4-BE49-F238E27FC236}">
-                <a16:creationId xmlns:a16="http://schemas.microsoft.com/office/drawing/2014/main" id="{8B78FB43-7DE0-04F0-9AC5-E468E02B4645}"/>
-              </a:ext>
-            </a:extLst>
-          </p:cNvPr>
-          <p:cNvSpPr>
-            <a:spLocks noGrp="1"/>
-          </p:cNvSpPr>
-          <p:nvPr>
-            <p:ph idx="1"/>
-          </p:nvPr>
-        </p:nvSpPr>
-        <p:spPr/>
-        <p:txBody>
-          <a:bodyPr>
-            <a:normAutofit/>
-          </a:bodyPr>
-          <a:lstStyle/>
-          <a:p>
-            <a:pPr>
-              <a:lnSpc>
-                <a:spcPct val="200000"/>
-              </a:lnSpc>
-            </a:pPr>
-            <a:r>
-              <a:rPr lang="es-ES_tradnl" dirty="0"/>
-              <a:t>TP 2: EPH. </a:t>
-            </a:r>
-            <a:r>
-              <a:rPr lang="es-ES_tradnl" dirty="0">
-                <a:solidFill>
-                  <a:srgbClr val="FF0000"/>
-                </a:solidFill>
-              </a:rPr>
-              <a:t>Martes</a:t>
-            </a:r>
-            <a:r>
-              <a:rPr lang="es-ES_tradnl" dirty="0"/>
-              <a:t> </a:t>
-            </a:r>
-            <a:r>
-              <a:rPr lang="es-ES_tradnl" dirty="0">
-                <a:solidFill>
-                  <a:srgbClr val="FF0000"/>
-                </a:solidFill>
-              </a:rPr>
-              <a:t>22 de Abril, 17:00 hs</a:t>
-            </a:r>
-          </a:p>
-          <a:p>
-            <a:pPr>
-              <a:lnSpc>
-                <a:spcPct val="200000"/>
-              </a:lnSpc>
-            </a:pPr>
-            <a:r>
-              <a:rPr lang="es-ES_tradnl" dirty="0"/>
-              <a:t>Presentación Grupal: Consignas Disponible. </a:t>
-            </a:r>
-            <a:r>
-              <a:rPr lang="es-ES_tradnl" dirty="0">
-                <a:solidFill>
-                  <a:srgbClr val="FF0000"/>
-                </a:solidFill>
-              </a:rPr>
-              <a:t>Viernes</a:t>
-            </a:r>
-            <a:r>
-              <a:rPr lang="es-ES_tradnl" dirty="0"/>
-              <a:t> </a:t>
-            </a:r>
-            <a:r>
-              <a:rPr lang="es-ES_tradnl" dirty="0">
-                <a:solidFill>
-                  <a:srgbClr val="FF0000"/>
-                </a:solidFill>
-              </a:rPr>
-              <a:t>25 de Abril, 17:00 hs</a:t>
-            </a:r>
-            <a:endParaRPr lang="es-ES_tradnl" dirty="0"/>
-          </a:p>
-          <a:p>
-            <a:pPr>
-              <a:lnSpc>
-                <a:spcPct val="200000"/>
-              </a:lnSpc>
-            </a:pPr>
-            <a:r>
-              <a:rPr lang="es-ES_tradnl" dirty="0">
-                <a:solidFill>
-                  <a:srgbClr val="002060"/>
-                </a:solidFill>
-              </a:rPr>
-              <a:t>Consultas</a:t>
-            </a:r>
-            <a:r>
-              <a:rPr lang="es-ES_tradnl" dirty="0"/>
-              <a:t>: Email, Miércoles 4:00 pm a 5:00 pm o </a:t>
-            </a:r>
-            <a:r>
-              <a:rPr lang="es-ES_tradnl" dirty="0">
-                <a:hlinkClick r:id="rId3"/>
-              </a:rPr>
-              <a:t>Calendly</a:t>
-            </a:r>
-            <a:endParaRPr lang="es-ES_tradnl" dirty="0">
-              <a:solidFill>
-                <a:srgbClr val="FF0000"/>
-              </a:solidFill>
-            </a:endParaRPr>
-          </a:p>
-          <a:p>
-            <a:pPr marL="0" indent="0">
-              <a:lnSpc>
-                <a:spcPct val="200000"/>
-              </a:lnSpc>
-              <a:buNone/>
-            </a:pPr>
-            <a:endParaRPr lang="es-ES_tradnl" dirty="0">
-              <a:solidFill>
-                <a:srgbClr val="002060"/>
-              </a:solidFill>
-            </a:endParaRPr>
-          </a:p>
-          <a:p>
-            <a:pPr marL="0" indent="0">
-              <a:lnSpc>
-                <a:spcPct val="200000"/>
-              </a:lnSpc>
-              <a:buNone/>
-            </a:pPr>
-            <a:endParaRPr lang="es-ES_tradnl" i="1" u="sng" dirty="0"/>
-          </a:p>
-        </p:txBody>
-      </p:sp>
-      <p:sp>
-        <p:nvSpPr>
-          <p:cNvPr id="4" name="Slide Number Placeholder 3">
-            <a:extLst>
-              <a:ext uri="{FF2B5EF4-FFF2-40B4-BE49-F238E27FC236}">
-                <a16:creationId xmlns:a16="http://schemas.microsoft.com/office/drawing/2014/main" id="{0DAD31DF-2AE7-1DEC-F2F5-AA7755106847}"/>
-              </a:ext>
-            </a:extLst>
-          </p:cNvPr>
-          <p:cNvSpPr>
-            <a:spLocks noGrp="1"/>
-          </p:cNvSpPr>
-          <p:nvPr>
-            <p:ph type="sldNum" sz="quarter" idx="12"/>
-          </p:nvPr>
-        </p:nvSpPr>
-        <p:spPr/>
-        <p:txBody>
-          <a:bodyPr/>
-          <a:lstStyle/>
-          <a:p>
-            <a:fld id="{278C1CC4-2077-434E-BCF1-5D01C08A9B17}" type="slidenum">
-              <a:rPr lang="en-US" smtClean="0"/>
-              <a:t>3</a:t>
-            </a:fld>
-            <a:endParaRPr lang="en-US"/>
-          </a:p>
-        </p:txBody>
-      </p:sp>
-    </p:spTree>
-    <p:extLst>
-      <p:ext uri="{BB962C8B-B14F-4D97-AF65-F5344CB8AC3E}">
-        <p14:creationId xmlns:p14="http://schemas.microsoft.com/office/powerpoint/2010/main" val="3926434971"/>
-      </p:ext>
-    </p:extLst>
-  </p:cSld>
-  <p:clrMapOvr>
-    <a:masterClrMapping/>
-  </p:clrMapOvr>
-</p:sld>
-</file>
-
-<file path=ppt/slides/slide30.xml><?xml version="1.0" encoding="utf-8"?>
+<file path=ppt/slides/slide32.xml><?xml version="1.0" encoding="utf-8"?>
 <p:sld xmlns:a="http://schemas.openxmlformats.org/drawingml/2006/main" xmlns:r="http://schemas.openxmlformats.org/officeDocument/2006/relationships" xmlns:p="http://schemas.openxmlformats.org/presentationml/2006/main">
   <p:cSld>
     <p:spTree>
@@ -26634,7 +30295,7 @@
           <a:p>
             <a:fld id="{278C1CC4-2077-434E-BCF1-5D01C08A9B17}" type="slidenum">
               <a:rPr lang="en-US" smtClean="0"/>
-              <a:t>30</a:t>
+              <a:t>32</a:t>
             </a:fld>
             <a:endParaRPr lang="en-US"/>
           </a:p>
@@ -26653,7 +30314,7 @@
 </p:sld>
 </file>
 
-<file path=ppt/slides/slide31.xml><?xml version="1.0" encoding="utf-8"?>
+<file path=ppt/slides/slide33.xml><?xml version="1.0" encoding="utf-8"?>
 <p:sld xmlns:a="http://schemas.openxmlformats.org/drawingml/2006/main" xmlns:r="http://schemas.openxmlformats.org/officeDocument/2006/relationships" xmlns:p="http://schemas.openxmlformats.org/presentationml/2006/main">
   <p:cSld>
     <p:spTree>
@@ -27086,7 +30747,7 @@
           <a:p>
             <a:fld id="{278C1CC4-2077-434E-BCF1-5D01C08A9B17}" type="slidenum">
               <a:rPr lang="en-US" smtClean="0"/>
-              <a:t>31</a:t>
+              <a:t>33</a:t>
             </a:fld>
             <a:endParaRPr lang="en-US"/>
           </a:p>
@@ -27105,7 +30766,7 @@
 </p:sld>
 </file>
 
-<file path=ppt/slides/slide32.xml><?xml version="1.0" encoding="utf-8"?>
+<file path=ppt/slides/slide34.xml><?xml version="1.0" encoding="utf-8"?>
 <p:sld xmlns:a="http://schemas.openxmlformats.org/drawingml/2006/main" xmlns:r="http://schemas.openxmlformats.org/officeDocument/2006/relationships" xmlns:p="http://schemas.openxmlformats.org/presentationml/2006/main">
   <p:cSld>
     <p:spTree>
@@ -27664,7 +31325,7 @@
           <a:p>
             <a:fld id="{278C1CC4-2077-434E-BCF1-5D01C08A9B17}" type="slidenum">
               <a:rPr lang="en-US" smtClean="0"/>
-              <a:t>32</a:t>
+              <a:t>34</a:t>
             </a:fld>
             <a:endParaRPr lang="en-US"/>
           </a:p>
@@ -27683,7 +31344,7 @@
 </p:sld>
 </file>
 
-<file path=ppt/slides/slide33.xml><?xml version="1.0" encoding="utf-8"?>
+<file path=ppt/slides/slide35.xml><?xml version="1.0" encoding="utf-8"?>
 <p:sld xmlns:a="http://schemas.openxmlformats.org/drawingml/2006/main" xmlns:r="http://schemas.openxmlformats.org/officeDocument/2006/relationships" xmlns:p="http://schemas.openxmlformats.org/presentationml/2006/main">
   <p:cSld>
     <p:spTree>
@@ -28065,7 +31726,7 @@
           <a:p>
             <a:fld id="{278C1CC4-2077-434E-BCF1-5D01C08A9B17}" type="slidenum">
               <a:rPr lang="en-US" smtClean="0"/>
-              <a:t>33</a:t>
+              <a:t>35</a:t>
             </a:fld>
             <a:endParaRPr lang="en-US"/>
           </a:p>
@@ -28084,7 +31745,7 @@
 </p:sld>
 </file>
 
-<file path=ppt/slides/slide34.xml><?xml version="1.0" encoding="utf-8"?>
+<file path=ppt/slides/slide36.xml><?xml version="1.0" encoding="utf-8"?>
 <p:sld xmlns:a="http://schemas.openxmlformats.org/drawingml/2006/main" xmlns:r="http://schemas.openxmlformats.org/officeDocument/2006/relationships" xmlns:p="http://schemas.openxmlformats.org/presentationml/2006/main">
   <p:cSld>
     <p:spTree>
@@ -28455,7 +32116,7 @@
           <a:p>
             <a:fld id="{278C1CC4-2077-434E-BCF1-5D01C08A9B17}" type="slidenum">
               <a:rPr lang="en-US" smtClean="0"/>
-              <a:t>34</a:t>
+              <a:t>36</a:t>
             </a:fld>
             <a:endParaRPr lang="en-US"/>
           </a:p>
@@ -28474,7 +32135,7 @@
 </p:sld>
 </file>
 
-<file path=ppt/slides/slide35.xml><?xml version="1.0" encoding="utf-8"?>
+<file path=ppt/slides/slide37.xml><?xml version="1.0" encoding="utf-8"?>
 <p:sld xmlns:a="http://schemas.openxmlformats.org/drawingml/2006/main" xmlns:r="http://schemas.openxmlformats.org/officeDocument/2006/relationships" xmlns:p="http://schemas.openxmlformats.org/presentationml/2006/main">
   <p:cSld>
     <p:spTree>
@@ -28595,7 +32256,7 @@
           <a:p>
             <a:fld id="{278C1CC4-2077-434E-BCF1-5D01C08A9B17}" type="slidenum">
               <a:rPr lang="en-US" smtClean="0"/>
-              <a:t>35</a:t>
+              <a:t>37</a:t>
             </a:fld>
             <a:endParaRPr lang="en-US"/>
           </a:p>
@@ -28614,7 +32275,7 @@
 </p:sld>
 </file>
 
-<file path=ppt/slides/slide36.xml><?xml version="1.0" encoding="utf-8"?>
+<file path=ppt/slides/slide38.xml><?xml version="1.0" encoding="utf-8"?>
 <p:sld xmlns:a="http://schemas.openxmlformats.org/drawingml/2006/main" xmlns:r="http://schemas.openxmlformats.org/officeDocument/2006/relationships" xmlns:p="http://schemas.openxmlformats.org/presentationml/2006/main">
   <p:cSld>
     <p:spTree>
@@ -29027,7 +32688,7 @@
           <a:p>
             <a:fld id="{278C1CC4-2077-434E-BCF1-5D01C08A9B17}" type="slidenum">
               <a:rPr lang="en-US" smtClean="0"/>
-              <a:t>36</a:t>
+              <a:t>38</a:t>
             </a:fld>
             <a:endParaRPr lang="en-US"/>
           </a:p>
@@ -29046,7 +32707,7 @@
 </p:sld>
 </file>
 
-<file path=ppt/slides/slide37.xml><?xml version="1.0" encoding="utf-8"?>
+<file path=ppt/slides/slide39.xml><?xml version="1.0" encoding="utf-8"?>
 <p:sld xmlns:a="http://schemas.openxmlformats.org/drawingml/2006/main" xmlns:r="http://schemas.openxmlformats.org/officeDocument/2006/relationships" xmlns:p="http://schemas.openxmlformats.org/presentationml/2006/main">
   <p:cSld>
     <p:spTree>
@@ -29406,7 +33067,7 @@
           <a:p>
             <a:fld id="{278C1CC4-2077-434E-BCF1-5D01C08A9B17}" type="slidenum">
               <a:rPr lang="en-US" smtClean="0"/>
-              <a:t>37</a:t>
+              <a:t>39</a:t>
             </a:fld>
             <a:endParaRPr lang="en-US"/>
           </a:p>
@@ -29783,7 +33444,139 @@
 </p:sld>
 </file>
 
-<file path=ppt/slides/slide38.xml><?xml version="1.0" encoding="utf-8"?>
+<file path=ppt/slides/slide4.xml><?xml version="1.0" encoding="utf-8"?>
+<p:sld xmlns:a="http://schemas.openxmlformats.org/drawingml/2006/main" xmlns:r="http://schemas.openxmlformats.org/officeDocument/2006/relationships" xmlns:p="http://schemas.openxmlformats.org/presentationml/2006/main">
+  <p:cSld>
+    <p:spTree>
+      <p:nvGrpSpPr>
+        <p:cNvPr id="1" name=""/>
+        <p:cNvGrpSpPr/>
+        <p:nvPr/>
+      </p:nvGrpSpPr>
+      <p:grpSpPr>
+        <a:xfrm>
+          <a:off x="0" y="0"/>
+          <a:ext cx="0" cy="0"/>
+          <a:chOff x="0" y="0"/>
+          <a:chExt cx="0" cy="0"/>
+        </a:xfrm>
+      </p:grpSpPr>
+      <p:sp>
+        <p:nvSpPr>
+          <p:cNvPr id="2" name="Title 1">
+            <a:extLst>
+              <a:ext uri="{FF2B5EF4-FFF2-40B4-BE49-F238E27FC236}">
+                <a16:creationId xmlns:a16="http://schemas.microsoft.com/office/drawing/2014/main" id="{0A98CDA9-EC41-2312-3939-2A1FFC5B4920}"/>
+              </a:ext>
+            </a:extLst>
+          </p:cNvPr>
+          <p:cNvSpPr>
+            <a:spLocks noGrp="1"/>
+          </p:cNvSpPr>
+          <p:nvPr>
+            <p:ph type="title"/>
+          </p:nvPr>
+        </p:nvSpPr>
+        <p:spPr/>
+        <p:txBody>
+          <a:bodyPr/>
+          <a:lstStyle/>
+          <a:p>
+            <a:r>
+              <a:rPr lang="es-ES_tradnl" dirty="0"/>
+              <a:t>Orden de Temas: </a:t>
+            </a:r>
+            <a:r>
+              <a:rPr lang="es-ES_tradnl" sz="3600" i="1" dirty="0">
+                <a:solidFill>
+                  <a:schemeClr val="tx1">
+                    <a:lumMod val="50000"/>
+                    <a:lumOff val="50000"/>
+                  </a:schemeClr>
+                </a:solidFill>
+              </a:rPr>
+              <a:t>Secuencia de Trabajo con Datos</a:t>
+            </a:r>
+            <a:endParaRPr lang="es-ES_tradnl" i="1" dirty="0">
+              <a:solidFill>
+                <a:schemeClr val="tx1">
+                  <a:lumMod val="50000"/>
+                  <a:lumOff val="50000"/>
+                </a:schemeClr>
+              </a:solidFill>
+            </a:endParaRPr>
+          </a:p>
+        </p:txBody>
+      </p:sp>
+      <p:graphicFrame>
+        <p:nvGraphicFramePr>
+          <p:cNvPr id="4" name="Content Placeholder 3">
+            <a:extLst>
+              <a:ext uri="{FF2B5EF4-FFF2-40B4-BE49-F238E27FC236}">
+                <a16:creationId xmlns:a16="http://schemas.microsoft.com/office/drawing/2014/main" id="{51ABD0DE-D47B-BE72-9389-1B9C88CB6F1B}"/>
+              </a:ext>
+            </a:extLst>
+          </p:cNvPr>
+          <p:cNvGraphicFramePr>
+            <a:graphicFrameLocks noGrp="1"/>
+          </p:cNvGraphicFramePr>
+          <p:nvPr>
+            <p:ph idx="1"/>
+          </p:nvPr>
+        </p:nvGraphicFramePr>
+        <p:xfrm>
+          <a:off x="449451" y="1100380"/>
+          <a:ext cx="11236271" cy="5548393"/>
+        </p:xfrm>
+        <a:graphic>
+          <a:graphicData uri="http://schemas.openxmlformats.org/drawingml/2006/diagram">
+            <dgm:relIds xmlns:dgm="http://schemas.openxmlformats.org/drawingml/2006/diagram" xmlns:r="http://schemas.openxmlformats.org/officeDocument/2006/relationships" r:dm="rId3" r:lo="rId4" r:qs="rId5" r:cs="rId6"/>
+          </a:graphicData>
+        </a:graphic>
+      </p:graphicFrame>
+      <p:sp>
+        <p:nvSpPr>
+          <p:cNvPr id="3" name="Slide Number Placeholder 2">
+            <a:extLst>
+              <a:ext uri="{FF2B5EF4-FFF2-40B4-BE49-F238E27FC236}">
+                <a16:creationId xmlns:a16="http://schemas.microsoft.com/office/drawing/2014/main" id="{FE42FF7C-6F94-55CC-F31A-3FC6C600EAFA}"/>
+              </a:ext>
+            </a:extLst>
+          </p:cNvPr>
+          <p:cNvSpPr>
+            <a:spLocks noGrp="1"/>
+          </p:cNvSpPr>
+          <p:nvPr>
+            <p:ph type="sldNum" sz="quarter" idx="12"/>
+          </p:nvPr>
+        </p:nvSpPr>
+        <p:spPr/>
+        <p:txBody>
+          <a:bodyPr/>
+          <a:lstStyle/>
+          <a:p>
+            <a:fld id="{278C1CC4-2077-434E-BCF1-5D01C08A9B17}" type="slidenum">
+              <a:rPr lang="en-US" smtClean="0"/>
+              <a:t>4</a:t>
+            </a:fld>
+            <a:endParaRPr lang="en-US"/>
+          </a:p>
+        </p:txBody>
+      </p:sp>
+    </p:spTree>
+    <p:extLst>
+      <p:ext uri="{BB962C8B-B14F-4D97-AF65-F5344CB8AC3E}">
+        <p14:creationId xmlns:p14="http://schemas.microsoft.com/office/powerpoint/2010/main" val="1565052807"/>
+      </p:ext>
+    </p:extLst>
+  </p:cSld>
+  <p:clrMapOvr>
+    <a:masterClrMapping/>
+  </p:clrMapOvr>
+</p:sld>
+</file>
+
+<file path=ppt/slides/slide40.xml><?xml version="1.0" encoding="utf-8"?>
 <p:sld xmlns:a="http://schemas.openxmlformats.org/drawingml/2006/main" xmlns:r="http://schemas.openxmlformats.org/officeDocument/2006/relationships" xmlns:p="http://schemas.openxmlformats.org/presentationml/2006/main">
   <p:cSld>
     <p:spTree>
@@ -30159,7 +33952,7 @@
           <a:p>
             <a:fld id="{278C1CC4-2077-434E-BCF1-5D01C08A9B17}" type="slidenum">
               <a:rPr lang="en-US" smtClean="0"/>
-              <a:t>38</a:t>
+              <a:t>40</a:t>
             </a:fld>
             <a:endParaRPr lang="en-US"/>
           </a:p>
@@ -30178,7 +33971,7 @@
 </p:sld>
 </file>
 
-<file path=ppt/slides/slide39.xml><?xml version="1.0" encoding="utf-8"?>
+<file path=ppt/slides/slide41.xml><?xml version="1.0" encoding="utf-8"?>
 <p:sld xmlns:a="http://schemas.openxmlformats.org/drawingml/2006/main" xmlns:r="http://schemas.openxmlformats.org/officeDocument/2006/relationships" xmlns:p="http://schemas.openxmlformats.org/presentationml/2006/main">
   <p:cSld>
     <p:spTree>
@@ -30600,7 +34393,7 @@
           <a:p>
             <a:fld id="{278C1CC4-2077-434E-BCF1-5D01C08A9B17}" type="slidenum">
               <a:rPr lang="en-US" smtClean="0"/>
-              <a:t>39</a:t>
+              <a:t>41</a:t>
             </a:fld>
             <a:endParaRPr lang="en-US"/>
           </a:p>
@@ -30619,139 +34412,7 @@
 </p:sld>
 </file>
 
-<file path=ppt/slides/slide4.xml><?xml version="1.0" encoding="utf-8"?>
-<p:sld xmlns:a="http://schemas.openxmlformats.org/drawingml/2006/main" xmlns:r="http://schemas.openxmlformats.org/officeDocument/2006/relationships" xmlns:p="http://schemas.openxmlformats.org/presentationml/2006/main">
-  <p:cSld>
-    <p:spTree>
-      <p:nvGrpSpPr>
-        <p:cNvPr id="1" name=""/>
-        <p:cNvGrpSpPr/>
-        <p:nvPr/>
-      </p:nvGrpSpPr>
-      <p:grpSpPr>
-        <a:xfrm>
-          <a:off x="0" y="0"/>
-          <a:ext cx="0" cy="0"/>
-          <a:chOff x="0" y="0"/>
-          <a:chExt cx="0" cy="0"/>
-        </a:xfrm>
-      </p:grpSpPr>
-      <p:sp>
-        <p:nvSpPr>
-          <p:cNvPr id="2" name="Title 1">
-            <a:extLst>
-              <a:ext uri="{FF2B5EF4-FFF2-40B4-BE49-F238E27FC236}">
-                <a16:creationId xmlns:a16="http://schemas.microsoft.com/office/drawing/2014/main" id="{0A98CDA9-EC41-2312-3939-2A1FFC5B4920}"/>
-              </a:ext>
-            </a:extLst>
-          </p:cNvPr>
-          <p:cNvSpPr>
-            <a:spLocks noGrp="1"/>
-          </p:cNvSpPr>
-          <p:nvPr>
-            <p:ph type="title"/>
-          </p:nvPr>
-        </p:nvSpPr>
-        <p:spPr/>
-        <p:txBody>
-          <a:bodyPr/>
-          <a:lstStyle/>
-          <a:p>
-            <a:r>
-              <a:rPr lang="es-ES_tradnl" dirty="0"/>
-              <a:t>Orden de Temas: </a:t>
-            </a:r>
-            <a:r>
-              <a:rPr lang="es-ES_tradnl" sz="3600" i="1" dirty="0">
-                <a:solidFill>
-                  <a:schemeClr val="tx1">
-                    <a:lumMod val="50000"/>
-                    <a:lumOff val="50000"/>
-                  </a:schemeClr>
-                </a:solidFill>
-              </a:rPr>
-              <a:t>Secuencia de Trabajo con Datos</a:t>
-            </a:r>
-            <a:endParaRPr lang="es-ES_tradnl" i="1" dirty="0">
-              <a:solidFill>
-                <a:schemeClr val="tx1">
-                  <a:lumMod val="50000"/>
-                  <a:lumOff val="50000"/>
-                </a:schemeClr>
-              </a:solidFill>
-            </a:endParaRPr>
-          </a:p>
-        </p:txBody>
-      </p:sp>
-      <p:graphicFrame>
-        <p:nvGraphicFramePr>
-          <p:cNvPr id="4" name="Content Placeholder 3">
-            <a:extLst>
-              <a:ext uri="{FF2B5EF4-FFF2-40B4-BE49-F238E27FC236}">
-                <a16:creationId xmlns:a16="http://schemas.microsoft.com/office/drawing/2014/main" id="{51ABD0DE-D47B-BE72-9389-1B9C88CB6F1B}"/>
-              </a:ext>
-            </a:extLst>
-          </p:cNvPr>
-          <p:cNvGraphicFramePr>
-            <a:graphicFrameLocks noGrp="1"/>
-          </p:cNvGraphicFramePr>
-          <p:nvPr>
-            <p:ph idx="1"/>
-          </p:nvPr>
-        </p:nvGraphicFramePr>
-        <p:xfrm>
-          <a:off x="449451" y="1100380"/>
-          <a:ext cx="11236271" cy="5548393"/>
-        </p:xfrm>
-        <a:graphic>
-          <a:graphicData uri="http://schemas.openxmlformats.org/drawingml/2006/diagram">
-            <dgm:relIds xmlns:dgm="http://schemas.openxmlformats.org/drawingml/2006/diagram" xmlns:r="http://schemas.openxmlformats.org/officeDocument/2006/relationships" r:dm="rId3" r:lo="rId4" r:qs="rId5" r:cs="rId6"/>
-          </a:graphicData>
-        </a:graphic>
-      </p:graphicFrame>
-      <p:sp>
-        <p:nvSpPr>
-          <p:cNvPr id="3" name="Slide Number Placeholder 2">
-            <a:extLst>
-              <a:ext uri="{FF2B5EF4-FFF2-40B4-BE49-F238E27FC236}">
-                <a16:creationId xmlns:a16="http://schemas.microsoft.com/office/drawing/2014/main" id="{FE42FF7C-6F94-55CC-F31A-3FC6C600EAFA}"/>
-              </a:ext>
-            </a:extLst>
-          </p:cNvPr>
-          <p:cNvSpPr>
-            <a:spLocks noGrp="1"/>
-          </p:cNvSpPr>
-          <p:nvPr>
-            <p:ph type="sldNum" sz="quarter" idx="12"/>
-          </p:nvPr>
-        </p:nvSpPr>
-        <p:spPr/>
-        <p:txBody>
-          <a:bodyPr/>
-          <a:lstStyle/>
-          <a:p>
-            <a:fld id="{278C1CC4-2077-434E-BCF1-5D01C08A9B17}" type="slidenum">
-              <a:rPr lang="en-US" smtClean="0"/>
-              <a:t>4</a:t>
-            </a:fld>
-            <a:endParaRPr lang="en-US"/>
-          </a:p>
-        </p:txBody>
-      </p:sp>
-    </p:spTree>
-    <p:extLst>
-      <p:ext uri="{BB962C8B-B14F-4D97-AF65-F5344CB8AC3E}">
-        <p14:creationId xmlns:p14="http://schemas.microsoft.com/office/powerpoint/2010/main" val="1565052807"/>
-      </p:ext>
-    </p:extLst>
-  </p:cSld>
-  <p:clrMapOvr>
-    <a:masterClrMapping/>
-  </p:clrMapOvr>
-</p:sld>
-</file>
-
-<file path=ppt/slides/slide40.xml><?xml version="1.0" encoding="utf-8"?>
+<file path=ppt/slides/slide42.xml><?xml version="1.0" encoding="utf-8"?>
 <p:sld xmlns:a="http://schemas.openxmlformats.org/drawingml/2006/main" xmlns:r="http://schemas.openxmlformats.org/officeDocument/2006/relationships" xmlns:p="http://schemas.openxmlformats.org/presentationml/2006/main">
   <p:cSld>
     <p:spTree>
@@ -31025,7 +34686,7 @@
           <a:p>
             <a:fld id="{278C1CC4-2077-434E-BCF1-5D01C08A9B17}" type="slidenum">
               <a:rPr lang="en-US" smtClean="0"/>
-              <a:t>40</a:t>
+              <a:t>42</a:t>
             </a:fld>
             <a:endParaRPr lang="en-US"/>
           </a:p>
@@ -31074,7 +34735,7 @@
 </p:sld>
 </file>
 
-<file path=ppt/slides/slide41.xml><?xml version="1.0" encoding="utf-8"?>
+<file path=ppt/slides/slide43.xml><?xml version="1.0" encoding="utf-8"?>
 <p:sld xmlns:a="http://schemas.openxmlformats.org/drawingml/2006/main" xmlns:r="http://schemas.openxmlformats.org/officeDocument/2006/relationships" xmlns:p="http://schemas.openxmlformats.org/presentationml/2006/main">
   <p:cSld>
     <p:spTree>
@@ -31805,7 +35466,7 @@
           <a:p>
             <a:fld id="{278C1CC4-2077-434E-BCF1-5D01C08A9B17}" type="slidenum">
               <a:rPr lang="en-US" smtClean="0"/>
-              <a:t>41</a:t>
+              <a:t>43</a:t>
             </a:fld>
             <a:endParaRPr lang="en-US"/>
           </a:p>
@@ -31854,7 +35515,7 @@
 </p:sld>
 </file>
 
-<file path=ppt/slides/slide42.xml><?xml version="1.0" encoding="utf-8"?>
+<file path=ppt/slides/slide44.xml><?xml version="1.0" encoding="utf-8"?>
 <p:sld xmlns:a="http://schemas.openxmlformats.org/drawingml/2006/main" xmlns:r="http://schemas.openxmlformats.org/officeDocument/2006/relationships" xmlns:p="http://schemas.openxmlformats.org/presentationml/2006/main">
   <p:cSld>
     <p:spTree>
@@ -32501,7 +36162,7 @@
           <a:p>
             <a:fld id="{278C1CC4-2077-434E-BCF1-5D01C08A9B17}" type="slidenum">
               <a:rPr lang="en-US" smtClean="0"/>
-              <a:t>42</a:t>
+              <a:t>44</a:t>
             </a:fld>
             <a:endParaRPr lang="en-US"/>
           </a:p>
@@ -32520,7 +36181,7 @@
 </p:sld>
 </file>
 
-<file path=ppt/slides/slide43.xml><?xml version="1.0" encoding="utf-8"?>
+<file path=ppt/slides/slide45.xml><?xml version="1.0" encoding="utf-8"?>
 <p:sld xmlns:a="http://schemas.openxmlformats.org/drawingml/2006/main" xmlns:r="http://schemas.openxmlformats.org/officeDocument/2006/relationships" xmlns:p="http://schemas.openxmlformats.org/presentationml/2006/main">
   <p:cSld>
     <p:spTree>
@@ -32636,7 +36297,7 @@
           <a:p>
             <a:fld id="{278C1CC4-2077-434E-BCF1-5D01C08A9B17}" type="slidenum">
               <a:rPr lang="en-US" smtClean="0"/>
-              <a:t>43</a:t>
+              <a:t>45</a:t>
             </a:fld>
             <a:endParaRPr lang="en-US"/>
           </a:p>
@@ -32655,7 +36316,7 @@
 </p:sld>
 </file>
 
-<file path=ppt/slides/slide44.xml><?xml version="1.0" encoding="utf-8"?>
+<file path=ppt/slides/slide46.xml><?xml version="1.0" encoding="utf-8"?>
 <p:sld xmlns:a="http://schemas.openxmlformats.org/drawingml/2006/main" xmlns:r="http://schemas.openxmlformats.org/officeDocument/2006/relationships" xmlns:p="http://schemas.openxmlformats.org/presentationml/2006/main">
   <p:cSld>
     <p:spTree>
@@ -32751,7 +36412,7 @@
           <a:p>
             <a:fld id="{278C1CC4-2077-434E-BCF1-5D01C08A9B17}" type="slidenum">
               <a:rPr lang="en-US" smtClean="0"/>
-              <a:t>44</a:t>
+              <a:t>46</a:t>
             </a:fld>
             <a:endParaRPr lang="en-US"/>
           </a:p>
@@ -32770,7 +36431,7 @@
 </p:sld>
 </file>
 
-<file path=ppt/slides/slide45.xml><?xml version="1.0" encoding="utf-8"?>
+<file path=ppt/slides/slide47.xml><?xml version="1.0" encoding="utf-8"?>
 <p:sld xmlns:a="http://schemas.openxmlformats.org/drawingml/2006/main" xmlns:r="http://schemas.openxmlformats.org/officeDocument/2006/relationships" xmlns:p="http://schemas.openxmlformats.org/presentationml/2006/main">
   <p:cSld>
     <p:spTree>
@@ -32938,7 +36599,7 @@
           <a:p>
             <a:fld id="{278C1CC4-2077-434E-BCF1-5D01C08A9B17}" type="slidenum">
               <a:rPr lang="en-US" smtClean="0"/>
-              <a:t>45</a:t>
+              <a:t>47</a:t>
             </a:fld>
             <a:endParaRPr lang="en-US"/>
           </a:p>
@@ -32957,7 +36618,7 @@
 </p:sld>
 </file>
 
-<file path=ppt/slides/slide46.xml><?xml version="1.0" encoding="utf-8"?>
+<file path=ppt/slides/slide48.xml><?xml version="1.0" encoding="utf-8"?>
 <p:sld xmlns:a="http://schemas.openxmlformats.org/drawingml/2006/main" xmlns:r="http://schemas.openxmlformats.org/officeDocument/2006/relationships" xmlns:p="http://schemas.openxmlformats.org/presentationml/2006/main">
   <p:cSld>
     <p:spTree>
@@ -33122,7 +36783,7 @@
           <a:p>
             <a:fld id="{278C1CC4-2077-434E-BCF1-5D01C08A9B17}" type="slidenum">
               <a:rPr lang="en-US" smtClean="0"/>
-              <a:t>46</a:t>
+              <a:t>48</a:t>
             </a:fld>
             <a:endParaRPr lang="en-US"/>
           </a:p>
@@ -33141,7 +36802,7 @@
 </p:sld>
 </file>
 
-<file path=ppt/slides/slide47.xml><?xml version="1.0" encoding="utf-8"?>
+<file path=ppt/slides/slide49.xml><?xml version="1.0" encoding="utf-8"?>
 <p:sld xmlns:a="http://schemas.openxmlformats.org/drawingml/2006/main" xmlns:r="http://schemas.openxmlformats.org/officeDocument/2006/relationships" xmlns:p="http://schemas.openxmlformats.org/presentationml/2006/main">
   <p:cSld>
     <p:spTree>
@@ -33265,7 +36926,7 @@
           <a:p>
             <a:fld id="{278C1CC4-2077-434E-BCF1-5D01C08A9B17}" type="slidenum">
               <a:rPr lang="en-US" smtClean="0"/>
-              <a:t>47</a:t>
+              <a:t>49</a:t>
             </a:fld>
             <a:endParaRPr lang="en-US"/>
           </a:p>

--- a/Clase 10_Regresion/C10_Metodos Supervisados I_Regresion lineal.pptx
+++ b/Clase 10_Regresion/C10_Metodos Supervisados I_Regresion lineal.pptx
@@ -5,7 +5,7 @@
     <p:sldMasterId id="2147483648" r:id="rId1"/>
   </p:sldMasterIdLst>
   <p:notesMasterIdLst>
-    <p:notesMasterId r:id="rId51"/>
+    <p:notesMasterId r:id="rId50"/>
   </p:notesMasterIdLst>
   <p:sldIdLst>
     <p:sldId id="256" r:id="rId2"/>
@@ -20,43 +20,42 @@
     <p:sldId id="293" r:id="rId11"/>
     <p:sldId id="525" r:id="rId12"/>
     <p:sldId id="441" r:id="rId13"/>
-    <p:sldId id="524" r:id="rId14"/>
-    <p:sldId id="424" r:id="rId15"/>
-    <p:sldId id="518" r:id="rId16"/>
-    <p:sldId id="411" r:id="rId17"/>
-    <p:sldId id="412" r:id="rId18"/>
-    <p:sldId id="410" r:id="rId19"/>
-    <p:sldId id="294" r:id="rId20"/>
-    <p:sldId id="414" r:id="rId21"/>
-    <p:sldId id="413" r:id="rId22"/>
-    <p:sldId id="296" r:id="rId23"/>
-    <p:sldId id="519" r:id="rId24"/>
-    <p:sldId id="520" r:id="rId25"/>
-    <p:sldId id="521" r:id="rId26"/>
-    <p:sldId id="523" r:id="rId27"/>
-    <p:sldId id="303" r:id="rId28"/>
-    <p:sldId id="438" r:id="rId29"/>
-    <p:sldId id="440" r:id="rId30"/>
-    <p:sldId id="418" r:id="rId31"/>
-    <p:sldId id="419" r:id="rId32"/>
-    <p:sldId id="425" r:id="rId33"/>
-    <p:sldId id="420" r:id="rId34"/>
-    <p:sldId id="423" r:id="rId35"/>
-    <p:sldId id="426" r:id="rId36"/>
-    <p:sldId id="427" r:id="rId37"/>
-    <p:sldId id="428" r:id="rId38"/>
-    <p:sldId id="429" r:id="rId39"/>
-    <p:sldId id="430" r:id="rId40"/>
-    <p:sldId id="431" r:id="rId41"/>
-    <p:sldId id="432" r:id="rId42"/>
-    <p:sldId id="433" r:id="rId43"/>
-    <p:sldId id="435" r:id="rId44"/>
-    <p:sldId id="434" r:id="rId45"/>
-    <p:sldId id="436" r:id="rId46"/>
-    <p:sldId id="337" r:id="rId47"/>
-    <p:sldId id="314" r:id="rId48"/>
-    <p:sldId id="437" r:id="rId49"/>
-    <p:sldId id="444" r:id="rId50"/>
+    <p:sldId id="424" r:id="rId14"/>
+    <p:sldId id="518" r:id="rId15"/>
+    <p:sldId id="411" r:id="rId16"/>
+    <p:sldId id="412" r:id="rId17"/>
+    <p:sldId id="410" r:id="rId18"/>
+    <p:sldId id="294" r:id="rId19"/>
+    <p:sldId id="414" r:id="rId20"/>
+    <p:sldId id="413" r:id="rId21"/>
+    <p:sldId id="296" r:id="rId22"/>
+    <p:sldId id="519" r:id="rId23"/>
+    <p:sldId id="520" r:id="rId24"/>
+    <p:sldId id="521" r:id="rId25"/>
+    <p:sldId id="523" r:id="rId26"/>
+    <p:sldId id="303" r:id="rId27"/>
+    <p:sldId id="438" r:id="rId28"/>
+    <p:sldId id="440" r:id="rId29"/>
+    <p:sldId id="418" r:id="rId30"/>
+    <p:sldId id="419" r:id="rId31"/>
+    <p:sldId id="425" r:id="rId32"/>
+    <p:sldId id="420" r:id="rId33"/>
+    <p:sldId id="423" r:id="rId34"/>
+    <p:sldId id="426" r:id="rId35"/>
+    <p:sldId id="427" r:id="rId36"/>
+    <p:sldId id="428" r:id="rId37"/>
+    <p:sldId id="429" r:id="rId38"/>
+    <p:sldId id="430" r:id="rId39"/>
+    <p:sldId id="431" r:id="rId40"/>
+    <p:sldId id="432" r:id="rId41"/>
+    <p:sldId id="433" r:id="rId42"/>
+    <p:sldId id="435" r:id="rId43"/>
+    <p:sldId id="434" r:id="rId44"/>
+    <p:sldId id="436" r:id="rId45"/>
+    <p:sldId id="337" r:id="rId46"/>
+    <p:sldId id="314" r:id="rId47"/>
+    <p:sldId id="437" r:id="rId48"/>
+    <p:sldId id="444" r:id="rId49"/>
   </p:sldIdLst>
   <p:sldSz cx="12192000" cy="6858000"/>
   <p:notesSz cx="6858000" cy="9144000"/>
@@ -180,7 +179,6 @@
             <p14:sldId id="293"/>
             <p14:sldId id="525"/>
             <p14:sldId id="441"/>
-            <p14:sldId id="524"/>
             <p14:sldId id="424"/>
             <p14:sldId id="518"/>
           </p14:sldIdLst>
@@ -3975,601 +3973,7 @@
 </inkml:ink>
 </file>
 
-<file path=ppt/ink/ink10.xml><?xml version="1.0" encoding="utf-8"?>
-<inkml:ink xmlns:inkml="http://www.w3.org/2003/InkML">
-  <inkml:definitions>
-    <inkml:context xml:id="ctx0">
-      <inkml:inkSource xml:id="inkSrc0">
-        <inkml:traceFormat>
-          <inkml:channel name="X" type="integer" min="-2.14748E9" max="2.14748E9" units="cm"/>
-          <inkml:channel name="Y" type="integer" min="-2.14748E9" max="2.14748E9" units="cm"/>
-          <inkml:channel name="F" type="integer" max="32767" units="dev"/>
-        </inkml:traceFormat>
-        <inkml:channelProperties>
-          <inkml:channelProperty channel="X" name="resolution" value="1000" units="1/cm"/>
-          <inkml:channelProperty channel="Y" name="resolution" value="1000" units="1/cm"/>
-          <inkml:channelProperty channel="F" name="resolution" value="0" units="1/dev"/>
-        </inkml:channelProperties>
-      </inkml:inkSource>
-      <inkml:timestamp xml:id="ts0" timeString="2025-04-15T20:43:53.497"/>
-    </inkml:context>
-    <inkml:brush xml:id="br0">
-      <inkml:brushProperty name="width" value="0.035" units="cm"/>
-      <inkml:brushProperty name="height" value="0.035" units="cm"/>
-    </inkml:brush>
-  </inkml:definitions>
-  <inkml:trace contextRef="#ctx0" brushRef="#br0">140 405 24575,'0'-2'0,"0"5"0,0 8 0,0 15 0,0 14 0,0 13 0,0 7 0,0-3 0,0-12 0,0-13 0,0-20 0,0-16 0,-3-18 0,-4-12 0,-5-7 0,-4-6 0,-3 2 0,2-1 0,1 2 0,3 3 0,2-4 0,0 2 0,4-2 0,2 1 0,3 5 0,2 3 0,-1 3 0,1 3 0,5-1 0,7 3 0,5 6 0,4 8 0,1 8 0,-1 5 0,7 1 0,6 3 0,6 4 0,5 2 0,-3 4 0,-3-2 0,-5 0 0,1 2 0,-2-2 0,-1 0 0,-2-3 0,-6-3 0,-3-2 0,-10-1 0,-5-2 0</inkml:trace>
-</inkml:ink>
-</file>
-
-<file path=ppt/ink/ink11.xml><?xml version="1.0" encoding="utf-8"?>
-<inkml:ink xmlns:inkml="http://www.w3.org/2003/InkML">
-  <inkml:definitions>
-    <inkml:context xml:id="ctx0">
-      <inkml:inkSource xml:id="inkSrc0">
-        <inkml:traceFormat>
-          <inkml:channel name="X" type="integer" min="-2.14748E9" max="2.14748E9" units="cm"/>
-          <inkml:channel name="Y" type="integer" min="-2.14748E9" max="2.14748E9" units="cm"/>
-          <inkml:channel name="F" type="integer" max="32767" units="dev"/>
-        </inkml:traceFormat>
-        <inkml:channelProperties>
-          <inkml:channelProperty channel="X" name="resolution" value="1000" units="1/cm"/>
-          <inkml:channelProperty channel="Y" name="resolution" value="1000" units="1/cm"/>
-          <inkml:channelProperty channel="F" name="resolution" value="0" units="1/dev"/>
-        </inkml:channelProperties>
-      </inkml:inkSource>
-      <inkml:timestamp xml:id="ts0" timeString="2025-04-15T20:43:53.991"/>
-    </inkml:context>
-    <inkml:brush xml:id="br0">
-      <inkml:brushProperty name="width" value="0.035" units="cm"/>
-      <inkml:brushProperty name="height" value="0.035" units="cm"/>
-    </inkml:brush>
-  </inkml:definitions>
-  <inkml:trace contextRef="#ctx0" brushRef="#br0">0 0 24575,'0'0'0</inkml:trace>
-</inkml:ink>
-</file>
-
-<file path=ppt/ink/ink12.xml><?xml version="1.0" encoding="utf-8"?>
-<inkml:ink xmlns:inkml="http://www.w3.org/2003/InkML">
-  <inkml:definitions>
-    <inkml:context xml:id="ctx0">
-      <inkml:inkSource xml:id="inkSrc0">
-        <inkml:traceFormat>
-          <inkml:channel name="X" type="integer" min="-2.14748E9" max="2.14748E9" units="cm"/>
-          <inkml:channel name="Y" type="integer" min="-2.14748E9" max="2.14748E9" units="cm"/>
-          <inkml:channel name="F" type="integer" max="32767" units="dev"/>
-        </inkml:traceFormat>
-        <inkml:channelProperties>
-          <inkml:channelProperty channel="X" name="resolution" value="1000" units="1/cm"/>
-          <inkml:channelProperty channel="Y" name="resolution" value="1000" units="1/cm"/>
-          <inkml:channelProperty channel="F" name="resolution" value="0" units="1/dev"/>
-        </inkml:channelProperties>
-      </inkml:inkSource>
-      <inkml:timestamp xml:id="ts0" timeString="2025-04-15T20:43:55.271"/>
-    </inkml:context>
-    <inkml:brush xml:id="br0">
-      <inkml:brushProperty name="width" value="0.035" units="cm"/>
-      <inkml:brushProperty name="height" value="0.035" units="cm"/>
-    </inkml:brush>
-  </inkml:definitions>
-  <inkml:trace contextRef="#ctx0" brushRef="#br0">0 1 24575,'12'0'0,"7"0"0,11 0 0,6 0 0,-1 0 0,-7 0 0,-12 0 0,-7 0 0</inkml:trace>
-</inkml:ink>
-</file>
-
-<file path=ppt/ink/ink13.xml><?xml version="1.0" encoding="utf-8"?>
-<inkml:ink xmlns:inkml="http://www.w3.org/2003/InkML">
-  <inkml:definitions>
-    <inkml:context xml:id="ctx0">
-      <inkml:inkSource xml:id="inkSrc0">
-        <inkml:traceFormat>
-          <inkml:channel name="X" type="integer" min="-2.14748E9" max="2.14748E9" units="cm"/>
-          <inkml:channel name="Y" type="integer" min="-2.14748E9" max="2.14748E9" units="cm"/>
-          <inkml:channel name="F" type="integer" max="32767" units="dev"/>
-        </inkml:traceFormat>
-        <inkml:channelProperties>
-          <inkml:channelProperty channel="X" name="resolution" value="1000" units="1/cm"/>
-          <inkml:channelProperty channel="Y" name="resolution" value="1000" units="1/cm"/>
-          <inkml:channelProperty channel="F" name="resolution" value="0" units="1/dev"/>
-        </inkml:channelProperties>
-      </inkml:inkSource>
-      <inkml:timestamp xml:id="ts0" timeString="2025-04-15T20:43:56.859"/>
-    </inkml:context>
-    <inkml:brush xml:id="br0">
-      <inkml:brushProperty name="width" value="0.035" units="cm"/>
-      <inkml:brushProperty name="height" value="0.035" units="cm"/>
-    </inkml:brush>
-  </inkml:definitions>
-  <inkml:trace contextRef="#ctx0" brushRef="#br0">1 0 24575,'9'0'0,"2"0"0,3 0 0,-1 0 0,1 0 0,-3 0 0,1 0 0,4 0 0,3 0 0,3 0 0,0 0 0,-2 2 0,-1 0 0,-3 1 0,-2-1 0,-4-2 0,-1 0 0,1 0 0,1 1 0,0 1 0,-3 2 0,-3 1 0,-3-1 0,-2-2 0</inkml:trace>
-</inkml:ink>
-</file>
-
-<file path=ppt/ink/ink14.xml><?xml version="1.0" encoding="utf-8"?>
-<inkml:ink xmlns:inkml="http://www.w3.org/2003/InkML">
-  <inkml:definitions>
-    <inkml:context xml:id="ctx0">
-      <inkml:inkSource xml:id="inkSrc0">
-        <inkml:traceFormat>
-          <inkml:channel name="X" type="integer" min="-2.14748E9" max="2.14748E9" units="cm"/>
-          <inkml:channel name="Y" type="integer" min="-2.14748E9" max="2.14748E9" units="cm"/>
-          <inkml:channel name="F" type="integer" max="32767" units="dev"/>
-        </inkml:traceFormat>
-        <inkml:channelProperties>
-          <inkml:channelProperty channel="X" name="resolution" value="1000" units="1/cm"/>
-          <inkml:channelProperty channel="Y" name="resolution" value="1000" units="1/cm"/>
-          <inkml:channelProperty channel="F" name="resolution" value="0" units="1/dev"/>
-        </inkml:channelProperties>
-      </inkml:inkSource>
-      <inkml:timestamp xml:id="ts0" timeString="2025-04-15T20:44:27.709"/>
-    </inkml:context>
-    <inkml:brush xml:id="br0">
-      <inkml:brushProperty name="width" value="0.035" units="cm"/>
-      <inkml:brushProperty name="height" value="0.035" units="cm"/>
-    </inkml:brush>
-  </inkml:definitions>
-  <inkml:trace contextRef="#ctx0" brushRef="#br0">1 8 24575,'14'-3'0,"54"0"0,15 2 0,17 1-1818,-24 0 0,6 0 0,6 0 1,2 0 1817,1 0 0,4 0 0,2 0 0,4 0 0,1 0-502,-20 0 0,2 0 0,2 0 0,1 0 1,1 0-1,0 0 0,0 0 502,6 0 0,0 0 0,2 0 0,0 0 0,0 0 0,0 0 0,0 0 0,-2 0 0,1 0 0,-1 0 0,1 0 0,-1 0 0,0 0 0,-1 0 0,-1 0 0,0 0 0,0 0 0,-1 0 0,0 0 0,-2 0 0,-1 0-52,6 0 1,-2 0 0,0 0 0,-2 0 0,-1 0 0,-2 0 51,8 0 0,-3 0 0,0 0 0,-2 0 0,-2 0-282,13 0 0,-2 0 0,-2 0 0,-3 0 282,-15 0 0,-3 0 0,-1 0 0,-3 0 544,14 0 0,-2 0 0,-5 0-544,16 0 0,-7 0 2013,-21 0 1,-6 0-2014,26 0 3410,-33 0-3410,-28 2 591,-16 1 1,-6-1-1,-6-1 1</inkml:trace>
-</inkml:ink>
-</file>
-
-<file path=ppt/ink/ink15.xml><?xml version="1.0" encoding="utf-8"?>
-<inkml:ink xmlns:inkml="http://www.w3.org/2003/InkML">
-  <inkml:definitions>
-    <inkml:context xml:id="ctx0">
-      <inkml:inkSource xml:id="inkSrc0">
-        <inkml:traceFormat>
-          <inkml:channel name="X" type="integer" min="-2.14748E9" max="2.14748E9" units="cm"/>
-          <inkml:channel name="Y" type="integer" min="-2.14748E9" max="2.14748E9" units="cm"/>
-          <inkml:channel name="F" type="integer" max="32767" units="dev"/>
-        </inkml:traceFormat>
-        <inkml:channelProperties>
-          <inkml:channelProperty channel="X" name="resolution" value="1000" units="1/cm"/>
-          <inkml:channelProperty channel="Y" name="resolution" value="1000" units="1/cm"/>
-          <inkml:channelProperty channel="F" name="resolution" value="0" units="1/dev"/>
-        </inkml:channelProperties>
-      </inkml:inkSource>
-      <inkml:timestamp xml:id="ts0" timeString="2025-04-15T20:43:32.477"/>
-    </inkml:context>
-    <inkml:brush xml:id="br0">
-      <inkml:brushProperty name="width" value="0.035" units="cm"/>
-      <inkml:brushProperty name="height" value="0.035" units="cm"/>
-    </inkml:brush>
-  </inkml:definitions>
-  <inkml:trace contextRef="#ctx0" brushRef="#br0">1 31 24575,'5'-4'0,"9"2"0,26 1 0,44 1 0,-21 0 0,7 0 0,15 0 0,4 0-670,10 0 1,2 0 669,-32 0 0,1 0 0,0 0 0,0 0 0,-1 0 0,1 0 0,0 0 0,-1 0 0,0 0 0,28 0 0,-1 0-112,-8 0 1,-1 0 111,-1 0 0,-1 0 0,-3 0 0,0 0 0,6 0 0,-1 0 0,2 0 0,-2 0 0,-8 0 0,-2 0 0,0 0 0,-1 0-11,-8 0 1,-2 0 10,1 0 0,-1 0 0,2 0 0,0 0 0,-5 0 0,1 0 491,2 0 0,-1 0-491,-1 1 0,0 1 289,0 1 0,1 1-289,0-1 0,0 1 11,-3 0 1,1 1-12,2-2 0,2 0 0,2-1 0,0 0 0,3-1 0,1 0 0,6-1 0,0 0 0,0 0 0,0 0-322,7 0 0,0 0 322,4 0 0,0 0 0,4 0 0,2 0 0,-30 0 0,1 0 0,0 0-376,3 0 0,1 0 0,1 0 376,3 0 0,0 0 0,1 0 0,2 1 0,0-1 0,0-1 0,2 0 0,0 0 0,-1-1 0,-5-1 0,0 0 0,-2-1 0,-4-1 0,-1 0 0,0 0 0,31-3 0,-1 1-301,-7 1 0,0 2 301,-2 1 0,0 1 0,1 1 0,-1 0 0,-7 1 0,-1 0 0,4 0 0,0 0 0,1 0 0,1 0 0,-2 0 0,-1 0 0,2 0 0,-2 0 0,-5 0 0,0 0 0,0 0 0,2 0 0,3 0 0,2 0 0,0 0 0,1 0 0,1 0 0,0 0 0,-7 0 0,-3 0-68,-4 0 0,0 0 68,-1 0 0,-1 0 0,-2 0 0,-1 0 0,-1 0 0,0 0 292,-2 0 0,1 0-292,-3 0 0,1 0 559,-3 0 0,0 0-559,1 0 0,-1 0 327,-4 0 1,0 0-328,-1 0 0,-1 0 76,0 0 1,0 0-77,3 0 0,1 0 0,3 1 0,0 0 0,1 1 0,0 1 0,2 0 0,0 0 0,-3 2 0,0 0 0,-1 0 0,0-1 0,-1 0 0,-1 1 0,1-1 0,1 0 0,0-1 0,0 1 0,5 0 0,1 1 0,-1-1 0,0 1 0,-1 0 0,-1-1 0,-3 0 0,0-1 0,-2-1 0,0 0 0,1-1 0,1 0 0,-2-1 0,2 0 0,5 0 0,2 0 0,1 0 0,0 0 0,1 0 0,0 0 0,1 0 0,-1 0 0,-4 0 0,0 0 0,-3 0 0,1 0 0,-1 0 0,-1 0 0,0 0 0,-1 0 0,-2 0 0,0 0 0,2 0 0,-1 0 0,-3 1 0,-1 0 0,-1 1 0,-2 0 0,41 1 0,-21-1 0,-19-1 0,-21-1 0,-17 0 0,-13 0 0,-3 0 0,-5 0 0</inkml:trace>
-</inkml:ink>
-</file>
-
-<file path=ppt/ink/ink16.xml><?xml version="1.0" encoding="utf-8"?>
-<inkml:ink xmlns:inkml="http://www.w3.org/2003/InkML">
-  <inkml:definitions>
-    <inkml:context xml:id="ctx0">
-      <inkml:inkSource xml:id="inkSrc0">
-        <inkml:traceFormat>
-          <inkml:channel name="X" type="integer" min="-2.14748E9" max="2.14748E9" units="cm"/>
-          <inkml:channel name="Y" type="integer" min="-2.14748E9" max="2.14748E9" units="cm"/>
-          <inkml:channel name="F" type="integer" max="32767" units="dev"/>
-        </inkml:traceFormat>
-        <inkml:channelProperties>
-          <inkml:channelProperty channel="X" name="resolution" value="1000" units="1/cm"/>
-          <inkml:channelProperty channel="Y" name="resolution" value="1000" units="1/cm"/>
-          <inkml:channelProperty channel="F" name="resolution" value="0" units="1/dev"/>
-        </inkml:channelProperties>
-      </inkml:inkSource>
-      <inkml:timestamp xml:id="ts0" timeString="2025-04-15T20:43:35.187"/>
-    </inkml:context>
-    <inkml:brush xml:id="br0">
-      <inkml:brushProperty name="width" value="0.035" units="cm"/>
-      <inkml:brushProperty name="height" value="0.035" units="cm"/>
-    </inkml:brush>
-  </inkml:definitions>
-  <inkml:trace contextRef="#ctx0" brushRef="#br0">1 1 24575,'0'7'0,"0"4"0,0 4 0,0 4 0,0 1 0,0 3 0,0 7 0,0 10 0,0 9 0,0 13 0,0 13 0,0 20 0,0-39 0,0 2 0,0 7 0,1 3 0,0 7 0,1 4-463,2 8 1,1 4 462,0-24 0,0 2 0,1 1 0,1 4 0,0 2 0,1 0 0,0 4 0,1 2 0,0-2 0,1-4 0,0 0 0,0-2 0,-1-5 0,0 0 0,1-2 0,4 26 0,0-3-187,-2-12 1,1-2 186,-1 3 0,2 1 0,1 3 0,1 1 0,3 7 0,1 3-484,-5-21 1,1 2-1,0 1 484,1 3 0,0 2 0,0 0 0,0 5 0,1 0 0,0 1 0,0 0 0,0-1 0,0 1 0,-2-5 0,1 0 0,-1 5 0,-1-1 0,1 6 0,0 1 0,-2-5 0,1 6 0,0-5 0,-1 5-482,-1-5 0,0 4 1,-1 0-1,0-5 482,-1 5 0,0-5 0,-1 0 0,-1 1 0,1 1 0,0-1-194,-1 0 0,0 0 0,-1 0 194,1-3 0,-1 0 0,-1-1 0,0-5 0,-1 0 0,0-1 0,-1-2 0,0 0 0,0-1-152,-1-4 1,1-1-1,-1 0 152,-1-1 0,1 1 0,-1 0 0,1 1 0,0 1 0,-1 1 0,0 3 0,0 0 0,-1 2 0,1 3 0,0 2 0,-1-1 0,1-4 0,0-1 0,0 0 0,-1-3 0,-1-1 0,0-2 0,1 24 0,0-5 594,-2-12 1,0-4-595,0-10 0,0-4 1946,0 28-1946,0-19 1563,0-15-1563,0-5 990,0 1-990,0-4 25,2-7-25,0-4 0,0-8 0,2-4 0,-1-1 0,1-2 0,2-2 0,-1-1 0,1-3 0,-2-8 0,-1-8 0,-2 0 0,-1-5 0</inkml:trace>
-</inkml:ink>
-</file>
-
-<file path=ppt/ink/ink17.xml><?xml version="1.0" encoding="utf-8"?>
-<inkml:ink xmlns:inkml="http://www.w3.org/2003/InkML">
-  <inkml:definitions>
-    <inkml:context xml:id="ctx0">
-      <inkml:inkSource xml:id="inkSrc0">
-        <inkml:traceFormat>
-          <inkml:channel name="X" type="integer" min="-2.14748E9" max="2.14748E9" units="cm"/>
-          <inkml:channel name="Y" type="integer" min="-2.14748E9" max="2.14748E9" units="cm"/>
-          <inkml:channel name="F" type="integer" max="32767" units="dev"/>
-        </inkml:traceFormat>
-        <inkml:channelProperties>
-          <inkml:channelProperty channel="X" name="resolution" value="1000" units="1/cm"/>
-          <inkml:channelProperty channel="Y" name="resolution" value="1000" units="1/cm"/>
-          <inkml:channelProperty channel="F" name="resolution" value="0" units="1/dev"/>
-        </inkml:channelProperties>
-      </inkml:inkSource>
-      <inkml:timestamp xml:id="ts0" timeString="2025-04-15T20:43:43.080"/>
-    </inkml:context>
-    <inkml:brush xml:id="br0">
-      <inkml:brushProperty name="width" value="0.035" units="cm"/>
-      <inkml:brushProperty name="height" value="0.035" units="cm"/>
-    </inkml:brush>
-  </inkml:definitions>
-  <inkml:trace contextRef="#ctx0" brushRef="#br0">5 0 24575,'-4'2'0,"9"16"0,19 29 0,22 28 0,-15-25 0,1 2 0,1 2 0,0-1 0,-6-6 0,-1-2 0,17 38 0,-10-18 0,-10-16 0,-3-8 0,-9-12 0,-5-9 0,-2-3 0,1-5 0,3 3 0,5 8 0,4 8 0,4 5 0,-1-5 0,-1-5 0,-8-13 0,-5-5 0</inkml:trace>
-</inkml:ink>
-</file>
-
-<file path=ppt/ink/ink18.xml><?xml version="1.0" encoding="utf-8"?>
-<inkml:ink xmlns:inkml="http://www.w3.org/2003/InkML">
-  <inkml:definitions>
-    <inkml:context xml:id="ctx0">
-      <inkml:inkSource xml:id="inkSrc0">
-        <inkml:traceFormat>
-          <inkml:channel name="X" type="integer" min="-2.14748E9" max="2.14748E9" units="cm"/>
-          <inkml:channel name="Y" type="integer" min="-2.14748E9" max="2.14748E9" units="cm"/>
-          <inkml:channel name="F" type="integer" max="32767" units="dev"/>
-        </inkml:traceFormat>
-        <inkml:channelProperties>
-          <inkml:channelProperty channel="X" name="resolution" value="1000" units="1/cm"/>
-          <inkml:channelProperty channel="Y" name="resolution" value="1000" units="1/cm"/>
-          <inkml:channelProperty channel="F" name="resolution" value="0" units="1/dev"/>
-        </inkml:channelProperties>
-      </inkml:inkSource>
-      <inkml:timestamp xml:id="ts0" timeString="2025-04-15T20:43:44.014"/>
-    </inkml:context>
-    <inkml:brush xml:id="br0">
-      <inkml:brushProperty name="width" value="0.035" units="cm"/>
-      <inkml:brushProperty name="height" value="0.035" units="cm"/>
-    </inkml:brush>
-  </inkml:definitions>
-  <inkml:trace contextRef="#ctx0" brushRef="#br0">1235 1 24575,'-43'17'0,"-40"24"0,20-8 0,-5 6-978,-14 11 0,-2 6 978,27-17 0,-1 2 0,1 1 0,0 0 0,0 2 0,3-1 0,-14 13 0,4-2 315,9-9 0,5-3-315,-20 21 324,25-20-324,6-7 0,17-15 0,7-6 1002,2-6-1002,3-2 0,0-1 0,4-2 0,3-2 0,1 0 0</inkml:trace>
-</inkml:ink>
-</file>
-
-<file path=ppt/ink/ink19.xml><?xml version="1.0" encoding="utf-8"?>
-<inkml:ink xmlns:inkml="http://www.w3.org/2003/InkML">
-  <inkml:definitions>
-    <inkml:context xml:id="ctx0">
-      <inkml:inkSource xml:id="inkSrc0">
-        <inkml:traceFormat>
-          <inkml:channel name="X" type="integer" min="-2.14748E9" max="2.14748E9" units="cm"/>
-          <inkml:channel name="Y" type="integer" min="-2.14748E9" max="2.14748E9" units="cm"/>
-          <inkml:channel name="F" type="integer" max="32767" units="dev"/>
-        </inkml:traceFormat>
-        <inkml:channelProperties>
-          <inkml:channelProperty channel="X" name="resolution" value="1000" units="1/cm"/>
-          <inkml:channelProperty channel="Y" name="resolution" value="1000" units="1/cm"/>
-          <inkml:channelProperty channel="F" name="resolution" value="0" units="1/dev"/>
-        </inkml:channelProperties>
-      </inkml:inkSource>
-      <inkml:timestamp xml:id="ts0" timeString="2025-04-15T20:44:30.991"/>
-    </inkml:context>
-    <inkml:brush xml:id="br0">
-      <inkml:brushProperty name="width" value="0.035" units="cm"/>
-      <inkml:brushProperty name="height" value="0.035" units="cm"/>
-    </inkml:brush>
-  </inkml:definitions>
-  <inkml:trace contextRef="#ctx0" brushRef="#br0">0 0 24575,'21'21'0,"4"4"0,12 14 0,5 9 0,1 2 0,8 10 0,1 1 0,3 2 0,-6-3 0,-7-8 0,-5-7 0,-5-6 0,-3-3 0,0-2 0,-3-2 0,-5-6 0,-1-6 0,-4-5 0,-2-3 0,0 0 0,-3-4 0,-1-4 0,-4-3 0,-8-5 0,-4-2 0,-5-3 0,0 1 0,-3-1 0,8 5 0,-2 0 0</inkml:trace>
-</inkml:ink>
-</file>
-
 <file path=ppt/ink/ink2.xml><?xml version="1.0" encoding="utf-8"?>
-<inkml:ink xmlns:inkml="http://www.w3.org/2003/InkML">
-  <inkml:definitions>
-    <inkml:context xml:id="ctx0">
-      <inkml:inkSource xml:id="inkSrc0">
-        <inkml:traceFormat>
-          <inkml:channel name="X" type="integer" min="-2.14748E9" max="2.14748E9" units="cm"/>
-          <inkml:channel name="Y" type="integer" min="-2.14748E9" max="2.14748E9" units="cm"/>
-          <inkml:channel name="F" type="integer" max="32767" units="dev"/>
-        </inkml:traceFormat>
-        <inkml:channelProperties>
-          <inkml:channelProperty channel="X" name="resolution" value="1000" units="1/cm"/>
-          <inkml:channelProperty channel="Y" name="resolution" value="1000" units="1/cm"/>
-          <inkml:channelProperty channel="F" name="resolution" value="0" units="1/dev"/>
-        </inkml:channelProperties>
-      </inkml:inkSource>
-      <inkml:timestamp xml:id="ts0" timeString="2025-04-15T20:43:25.383"/>
-    </inkml:context>
-    <inkml:brush xml:id="br0">
-      <inkml:brushProperty name="width" value="0.035" units="cm"/>
-      <inkml:brushProperty name="height" value="0.035" units="cm"/>
-    </inkml:brush>
-  </inkml:definitions>
-  <inkml:trace contextRef="#ctx0" brushRef="#br0">0 5600 24575,'16'0'0,"19"0"0,34-9 0,-12-8 0,6-7 0,12-8 0,2-7-529,-18 6 1,0-3 0,0-3 528,3-5 0,0-3 0,-3-1 0,-2-1 0,-1-1 0,-3-2 0,1-4 0,-2-2 0,-3-2 0,-3-2 0,-3-2 0,-3-1 0,-2-3 0,-3-2 0,-2-2 0,-1-4 0,-3-2 0,0-1-502,-2-7 0,-2-3 0,-1 0 502,0-4 0,-1-1 0,-1 1 0,0 0 0,-2 1 0,0-1 0,-1 3 0,-2-1 0,0 2 0,0 5 0,0 1 0,-1 1-447,0 0 1,1 1-1,-1 0 447,1-3 0,0 0 0,0 0 0,2 1 0,-1-1 0,2 1 0,1-2 0,1-1 0,1 2 0,1 1 0,0 2 0,2 1 0,0 3 0,1 2 0,0 1-202,0 6 1,-1 1-1,1 2 202,11-21 0,0 3 0,-2 7 0,0 2 419,-1 8 0,2 2-419,-1 4 0,1 2 885,1 4 0,2 3-885,1 3 0,2 2 753,-1 4 1,2 3-754,0 5 0,2 2 383,0 1 1,2 2-384,-1 3 0,1 2 77,2 0 0,0 2-77,3-1 0,-1 2 0,0 3 0,0 2 0,7-2 0,2 2 0,4 1 0,3 2 0,1 1 0,3 1 0,8 2 0,1 1 0,0 3 0,0 2 0,-2 1 0,-2 1 0,1 0 0,-1 1 0,-5 0 0,-2 1 0,-3 1 0,-1 1 0,-1 2 0,-2 2 0,-5 3 0,-2 2 0,-4 1 0,0 2 0,-4 2 0,0 2 0,37 19 0,-10 2 0,-9 2 0,-12 1 0,-5 4 0,-7 3 0,-5 4 0,-5 2 0,0 6 0,1 5 0,-2 3 0,3 7 0,0 2 0,2 4 0,2 6 0,-1-3 0,2 5 0,-18-45 0,0-1 0,0 1 0,0 1 0,2 0 0,1 1 0,-1-1 0,0-1 0,0 2 0,1-1 0,0-1 0,1 0 0,0 0 0,1 0 0,1 0 0,1 0 0,3 3 0,2 1 0,2 0 0,0 1 0,0 1 0,2 0 0,4 2 0,1 0 0,-2-3 0,0 0 0,5 4 0,2 0 0,2 2 0,1 0 0,-1-3 0,0 0 0,2 0 0,0-2 0,-4-4 0,-1-2 0,0 1 0,1-1 0,-2 1 0,1 0 0,0 0 0,0 0 0,4 2 0,1-1 0,1 3 0,1 0 0,3 3 0,2 1-363,6 4 0,3 1 363,1 2 0,2 0 0,4 0 0,0 0 0,2-1 0,0 1 0,-1-2 0,1-1 0,0-2 0,1 0 0,-22-17 0,1 0 0,1 0-430,5 2 0,0 1 0,2-2 430,2 1 0,2 0 0,0-1 0,4 2 0,2-1 0,-1-1 0,-1-3 0,-1-1 0,1-2 0,-2-2 0,-1-2 0,1 0 0,-2-2 0,1-1 0,-1-1 0,-3-2 0,0-3 0,0 0-258,-1-1 1,1-1 0,0-1 257,31 8 0,1-2 0,-3-3 0,0-2 0,0-1 0,-1-2 0,-7-2 0,-2-2-125,-4-2 0,-1-2 125,-4-1 0,-2-2 0,-6-1 0,-2-2 320,-6-1 1,-2-1-321,36 0 1264,-25-1-1264,-19 0 844,-9 0-844,-9 0 289,-3-3-289,-1-7 0,-3-2 0,-3-2 0,-4 2 0,-8 1 0,-3 5 0,-4 0 0</inkml:trace>
-</inkml:ink>
-</file>
-
-<file path=ppt/ink/ink20.xml><?xml version="1.0" encoding="utf-8"?>
-<inkml:ink xmlns:inkml="http://www.w3.org/2003/InkML">
-  <inkml:definitions>
-    <inkml:context xml:id="ctx0">
-      <inkml:inkSource xml:id="inkSrc0">
-        <inkml:traceFormat>
-          <inkml:channel name="X" type="integer" min="-2.14748E9" max="2.14748E9" units="cm"/>
-          <inkml:channel name="Y" type="integer" min="-2.14748E9" max="2.14748E9" units="cm"/>
-          <inkml:channel name="F" type="integer" max="32767" units="dev"/>
-        </inkml:traceFormat>
-        <inkml:channelProperties>
-          <inkml:channelProperty channel="X" name="resolution" value="1000" units="1/cm"/>
-          <inkml:channelProperty channel="Y" name="resolution" value="1000" units="1/cm"/>
-          <inkml:channelProperty channel="F" name="resolution" value="0" units="1/dev"/>
-        </inkml:channelProperties>
-      </inkml:inkSource>
-      <inkml:timestamp xml:id="ts0" timeString="2025-04-15T20:44:32.205"/>
-    </inkml:context>
-    <inkml:brush xml:id="br0">
-      <inkml:brushProperty name="width" value="0.035" units="cm"/>
-      <inkml:brushProperty name="height" value="0.035" units="cm"/>
-    </inkml:brush>
-  </inkml:definitions>
-  <inkml:trace contextRef="#ctx0" brushRef="#br0">645 0 24575,'-11'17'0,"-11"12"0,-17 19 0,-6 6 0,-1 0 0,4-7 0,12-12 0,7-3 0,10-11 0,7-1 0,1-2 0,3-2 0,-4 0 0,-2 2 0,-4 3 0,-4 6 0,-2 0 0,-1 1 0,-3-4 0,1-4 0,1 1 0,2-4 0,4 2 0,2 1 0,3 0 0,-1 1 0,2 0 0,0 2 0,4 3 0,0 0 0,1 2 0,-2-3 0,0-1 0,-1-1 0,1-5 0,-2-2 0,1-6 0,-2 0 0,1-2 0,1-1 0,0 0 0,1-3 0,-3-1 0,-4-3 0,-2-6 0,-1-11 0,7 7 0,3-6 0</inkml:trace>
-</inkml:ink>
-</file>
-
-<file path=ppt/ink/ink21.xml><?xml version="1.0" encoding="utf-8"?>
-<inkml:ink xmlns:inkml="http://www.w3.org/2003/InkML">
-  <inkml:definitions>
-    <inkml:context xml:id="ctx0">
-      <inkml:inkSource xml:id="inkSrc0">
-        <inkml:traceFormat>
-          <inkml:channel name="X" type="integer" min="-2.14748E9" max="2.14748E9" units="cm"/>
-          <inkml:channel name="Y" type="integer" min="-2.14748E9" max="2.14748E9" units="cm"/>
-          <inkml:channel name="F" type="integer" max="32767" units="dev"/>
-        </inkml:traceFormat>
-        <inkml:channelProperties>
-          <inkml:channelProperty channel="X" name="resolution" value="1000" units="1/cm"/>
-          <inkml:channelProperty channel="Y" name="resolution" value="1000" units="1/cm"/>
-          <inkml:channelProperty channel="F" name="resolution" value="0" units="1/dev"/>
-        </inkml:channelProperties>
-      </inkml:inkSource>
-      <inkml:timestamp xml:id="ts0" timeString="2025-04-15T20:44:33.311"/>
-    </inkml:context>
-    <inkml:brush xml:id="br0">
-      <inkml:brushProperty name="width" value="0.035" units="cm"/>
-      <inkml:brushProperty name="height" value="0.035" units="cm"/>
-    </inkml:brush>
-  </inkml:definitions>
-  <inkml:trace contextRef="#ctx0" brushRef="#br0">4 9 24575,'-3'-4'0,"25"1"0,42 1 0,-8 2 0,6 0 0,20 0 0,3 0 0,4 0 0,-1 0 0,-6 0 0,-3 0 0,-9 0 0,-4 0 0,33 0 0,-24 0 0,-25 0 0,-24 0 0,-15 0 0,-6 0 0,-5 0 0</inkml:trace>
-</inkml:ink>
-</file>
-
-<file path=ppt/ink/ink22.xml><?xml version="1.0" encoding="utf-8"?>
-<inkml:ink xmlns:inkml="http://www.w3.org/2003/InkML">
-  <inkml:definitions>
-    <inkml:context xml:id="ctx0">
-      <inkml:inkSource xml:id="inkSrc0">
-        <inkml:traceFormat>
-          <inkml:channel name="X" type="integer" min="-2.14748E9" max="2.14748E9" units="cm"/>
-          <inkml:channel name="Y" type="integer" min="-2.14748E9" max="2.14748E9" units="cm"/>
-          <inkml:channel name="F" type="integer" max="32767" units="dev"/>
-        </inkml:traceFormat>
-        <inkml:channelProperties>
-          <inkml:channelProperty channel="X" name="resolution" value="1000" units="1/cm"/>
-          <inkml:channelProperty channel="Y" name="resolution" value="1000" units="1/cm"/>
-          <inkml:channelProperty channel="F" name="resolution" value="0" units="1/dev"/>
-        </inkml:channelProperties>
-      </inkml:inkSource>
-      <inkml:timestamp xml:id="ts0" timeString="2025-04-15T20:44:35.995"/>
-    </inkml:context>
-    <inkml:brush xml:id="br0">
-      <inkml:brushProperty name="width" value="0.035" units="cm"/>
-      <inkml:brushProperty name="height" value="0.035" units="cm"/>
-    </inkml:brush>
-  </inkml:definitions>
-  <inkml:trace contextRef="#ctx0" brushRef="#br0">0 0 24575,'0'11'0,"0"8"0,0 10 0,0 7 0,0 2 0,0-2 0,0-3 0,0 0 0,0-2 0,0 0 0,0-1 0,2-3 0,1-2 0,-1-3 0,1-1 0,-1-5 0,0-1 0,1-6 0,3-2 0,-1-4 0,4-2 0,0-5 0,3-7 0,2-8 0,2-5 0,4 1 0,1 3 0,7 4 0,3 4 0,-2 3 0,2 4 0,-4 3 0,-6 2 0,-8 0 0,-6 0 0</inkml:trace>
-</inkml:ink>
-</file>
-
-<file path=ppt/ink/ink23.xml><?xml version="1.0" encoding="utf-8"?>
-<inkml:ink xmlns:inkml="http://www.w3.org/2003/InkML">
-  <inkml:definitions>
-    <inkml:context xml:id="ctx0">
-      <inkml:inkSource xml:id="inkSrc0">
-        <inkml:traceFormat>
-          <inkml:channel name="X" type="integer" min="-2.14748E9" max="2.14748E9" units="cm"/>
-          <inkml:channel name="Y" type="integer" min="-2.14748E9" max="2.14748E9" units="cm"/>
-          <inkml:channel name="F" type="integer" max="32767" units="dev"/>
-        </inkml:traceFormat>
-        <inkml:channelProperties>
-          <inkml:channelProperty channel="X" name="resolution" value="1000" units="1/cm"/>
-          <inkml:channelProperty channel="Y" name="resolution" value="1000" units="1/cm"/>
-          <inkml:channelProperty channel="F" name="resolution" value="0" units="1/dev"/>
-        </inkml:channelProperties>
-      </inkml:inkSource>
-      <inkml:timestamp xml:id="ts0" timeString="2025-04-15T20:44:37.129"/>
-    </inkml:context>
-    <inkml:brush xml:id="br0">
-      <inkml:brushProperty name="width" value="0.035" units="cm"/>
-      <inkml:brushProperty name="height" value="0.035" units="cm"/>
-    </inkml:brush>
-  </inkml:definitions>
-  <inkml:trace contextRef="#ctx0" brushRef="#br0">0 12 24575,'1'-5'0,"8"3"0,12 0 0,16 2 0,10 0 0,6 0 0,-2 0 0,-8 0 0,-9 0 0,-9 0 0,-5 0 0,-4 0 0,-1 0 0,-2 0 0,-2 0 0,-1 0 0,0 0 0,-2 0 0,-2-1 0,-3 1 0,-2-2 0</inkml:trace>
-</inkml:ink>
-</file>
-
-<file path=ppt/ink/ink24.xml><?xml version="1.0" encoding="utf-8"?>
-<inkml:ink xmlns:inkml="http://www.w3.org/2003/InkML">
-  <inkml:definitions>
-    <inkml:context xml:id="ctx0">
-      <inkml:inkSource xml:id="inkSrc0">
-        <inkml:traceFormat>
-          <inkml:channel name="X" type="integer" min="-2.14748E9" max="2.14748E9" units="cm"/>
-          <inkml:channel name="Y" type="integer" min="-2.14748E9" max="2.14748E9" units="cm"/>
-          <inkml:channel name="F" type="integer" max="32767" units="dev"/>
-        </inkml:traceFormat>
-        <inkml:channelProperties>
-          <inkml:channelProperty channel="X" name="resolution" value="1000" units="1/cm"/>
-          <inkml:channelProperty channel="Y" name="resolution" value="1000" units="1/cm"/>
-          <inkml:channelProperty channel="F" name="resolution" value="0" units="1/dev"/>
-        </inkml:channelProperties>
-      </inkml:inkSource>
-      <inkml:timestamp xml:id="ts0" timeString="2025-04-15T20:44:38.606"/>
-    </inkml:context>
-    <inkml:brush xml:id="br0">
-      <inkml:brushProperty name="width" value="0.035" units="cm"/>
-      <inkml:brushProperty name="height" value="0.035" units="cm"/>
-    </inkml:brush>
-  </inkml:definitions>
-  <inkml:trace contextRef="#ctx0" brushRef="#br0">1 28 24575,'2'-4'0,"1"1"0,6 2 0,7 1 0,8 0 0,4 0 0,1 0 0,0 0 0,-6 0 0,0-4 0,-4-2 0,-1 1 0,-3 1 0,-3 4 0,-1 0 0,-1 0 0,-5 0 0,-1 0 0</inkml:trace>
-</inkml:ink>
-</file>
-
-<file path=ppt/ink/ink25.xml><?xml version="1.0" encoding="utf-8"?>
-<inkml:ink xmlns:inkml="http://www.w3.org/2003/InkML">
-  <inkml:definitions>
-    <inkml:context xml:id="ctx0">
-      <inkml:inkSource xml:id="inkSrc0">
-        <inkml:traceFormat>
-          <inkml:channel name="X" type="integer" min="-2.14748E9" max="2.14748E9" units="cm"/>
-          <inkml:channel name="Y" type="integer" min="-2.14748E9" max="2.14748E9" units="cm"/>
-          <inkml:channel name="F" type="integer" max="32767" units="dev"/>
-        </inkml:traceFormat>
-        <inkml:channelProperties>
-          <inkml:channelProperty channel="X" name="resolution" value="1000" units="1/cm"/>
-          <inkml:channelProperty channel="Y" name="resolution" value="1000" units="1/cm"/>
-          <inkml:channelProperty channel="F" name="resolution" value="0" units="1/dev"/>
-        </inkml:channelProperties>
-      </inkml:inkSource>
-      <inkml:timestamp xml:id="ts0" timeString="2025-04-15T20:44:40.621"/>
-    </inkml:context>
-    <inkml:brush xml:id="br0">
-      <inkml:brushProperty name="width" value="0.035" units="cm"/>
-      <inkml:brushProperty name="height" value="0.035" units="cm"/>
-    </inkml:brush>
-  </inkml:definitions>
-  <inkml:trace contextRef="#ctx0" brushRef="#br0">22 233 24575,'0'-3'0,"0"8"0,0 1 0,0 7 0,0 3 0,0 6 0,0 4 0,0 7 0,0 1 0,0-1 0,0-2 0,0-3 0,0-3 0,0 1 0,0-1 0,0-3 0,2-3 0,0-8 0,1-15 0,-2-11 0,-3-12 0,0-6 0,-3-4 0,0-7 0,0-5 0,0-6 0,2 1 0,1 4 0,2 5 0,0 7 0,0 7 0,0 5 0,0 5 0,0 4 0,0 3 0,0 2 0,0 1 0,1 5 0,3 2 0,3 2 0,3 1 0,2-1 0,1 0 0,1 0 0,1 0 0,4 1 0,3 1 0,0 0 0,-3 0 0,-3 0 0,-2 3 0,0 6 0,-1 4 0,-4 5 0,-3 3 0,-4 0 0,-2 1 0,0 1 0,0 1 0,0 1 0,-2 1 0,-6-1 0,-9 0 0,-7-3 0,-5-2 0,1-6 0,2-3 0,3-4 0,2-3 0,1-2 0,6 0 0,4-1 0,6 0 0</inkml:trace>
-</inkml:ink>
-</file>
-
-<file path=ppt/ink/ink26.xml><?xml version="1.0" encoding="utf-8"?>
-<inkml:ink xmlns:inkml="http://www.w3.org/2003/InkML">
-  <inkml:definitions>
-    <inkml:context xml:id="ctx0">
-      <inkml:inkSource xml:id="inkSrc0">
-        <inkml:traceFormat>
-          <inkml:channel name="X" type="integer" min="-2.14748E9" max="2.14748E9" units="cm"/>
-          <inkml:channel name="Y" type="integer" min="-2.14748E9" max="2.14748E9" units="cm"/>
-          <inkml:channel name="F" type="integer" max="32767" units="dev"/>
-        </inkml:traceFormat>
-        <inkml:channelProperties>
-          <inkml:channelProperty channel="X" name="resolution" value="1000" units="1/cm"/>
-          <inkml:channelProperty channel="Y" name="resolution" value="1000" units="1/cm"/>
-          <inkml:channelProperty channel="F" name="resolution" value="0" units="1/dev"/>
-        </inkml:channelProperties>
-      </inkml:inkSource>
-      <inkml:timestamp xml:id="ts0" timeString="2025-04-15T20:44:41.674"/>
-    </inkml:context>
-    <inkml:brush xml:id="br0">
-      <inkml:brushProperty name="width" value="0.035" units="cm"/>
-      <inkml:brushProperty name="height" value="0.035" units="cm"/>
-    </inkml:brush>
-  </inkml:definitions>
-  <inkml:trace contextRef="#ctx0" brushRef="#br0">31 3 24575,'-4'-3'0,"1"4"0,2 8 0,1 14 0,0 11 0,0 7 0,0 3 0,0 0 0,0 1 0,0 1 0,0-3 0,0-5 0,0-7 0,0-6 0,0-5 0,0-9 0,0-11 0,-2-11 0,0-10 0,-2-3 0,-1-1 0,0-3 0,2 13 0,1 0 0</inkml:trace>
-</inkml:ink>
-</file>
-
-<file path=ppt/ink/ink27.xml><?xml version="1.0" encoding="utf-8"?>
-<inkml:ink xmlns:inkml="http://www.w3.org/2003/InkML">
-  <inkml:definitions>
-    <inkml:context xml:id="ctx0">
-      <inkml:inkSource xml:id="inkSrc0">
-        <inkml:traceFormat>
-          <inkml:channel name="X" type="integer" min="-2.14748E9" max="2.14748E9" units="cm"/>
-          <inkml:channel name="Y" type="integer" min="-2.14748E9" max="2.14748E9" units="cm"/>
-          <inkml:channel name="F" type="integer" max="32767" units="dev"/>
-        </inkml:traceFormat>
-        <inkml:channelProperties>
-          <inkml:channelProperty channel="X" name="resolution" value="1000" units="1/cm"/>
-          <inkml:channelProperty channel="Y" name="resolution" value="1000" units="1/cm"/>
-          <inkml:channelProperty channel="F" name="resolution" value="0" units="1/dev"/>
-        </inkml:channelProperties>
-      </inkml:inkSource>
-      <inkml:timestamp xml:id="ts0" timeString="2025-04-15T20:44:42.866"/>
-    </inkml:context>
-    <inkml:brush xml:id="br0">
-      <inkml:brushProperty name="width" value="0.035" units="cm"/>
-      <inkml:brushProperty name="height" value="0.035" units="cm"/>
-    </inkml:brush>
-  </inkml:definitions>
-  <inkml:trace contextRef="#ctx0" brushRef="#br0">1 43 24575,'6'0'0,"4"0"0,7 0 0,3 0 0,0 0 0,-1 0 0,-7 0 0,2 0 0,-1 0 0,-1 0 0,1 0 0,-1 0 0,2 0 0,0-1 0,-1-3 0,2-1 0,3-1 0,1 0 0,1-2 0,-2 2 0,-4 2 0,-2 2 0,-5 2 0,-2 0 0</inkml:trace>
-</inkml:ink>
-</file>
-
-<file path=ppt/ink/ink28.xml><?xml version="1.0" encoding="utf-8"?>
-<inkml:ink xmlns:inkml="http://www.w3.org/2003/InkML">
-  <inkml:definitions>
-    <inkml:context xml:id="ctx0">
-      <inkml:inkSource xml:id="inkSrc0">
-        <inkml:traceFormat>
-          <inkml:channel name="X" type="integer" min="-2.14748E9" max="2.14748E9" units="cm"/>
-          <inkml:channel name="Y" type="integer" min="-2.14748E9" max="2.14748E9" units="cm"/>
-          <inkml:channel name="F" type="integer" max="32767" units="dev"/>
-        </inkml:traceFormat>
-        <inkml:channelProperties>
-          <inkml:channelProperty channel="X" name="resolution" value="1000" units="1/cm"/>
-          <inkml:channelProperty channel="Y" name="resolution" value="1000" units="1/cm"/>
-          <inkml:channelProperty channel="F" name="resolution" value="0" units="1/dev"/>
-        </inkml:channelProperties>
-      </inkml:inkSource>
-      <inkml:timestamp xml:id="ts0" timeString="2025-04-15T20:44:44.115"/>
-    </inkml:context>
-    <inkml:brush xml:id="br0">
-      <inkml:brushProperty name="width" value="0.035" units="cm"/>
-      <inkml:brushProperty name="height" value="0.035" units="cm"/>
-    </inkml:brush>
-  </inkml:definitions>
-  <inkml:trace contextRef="#ctx0" brushRef="#br0">0 1 24575,'0'18'0,"0"3"0,0 5 0,0-1 0,0-6 0,0-2 0,0-4 0,0-2 0,0 0 0,0 0 0,0 1 0,2 2 0,0 2 0,2 0 0,0 1 0,1-1 0,-1 0 0,0 0 0,3 3 0,-3 2 0,3 1 0,-1 2 0,-1 2 0,2 0 0,-3-3 0,-2 0 0,0-2 0,-2-3 0,0-7 0,0-5 0,-1-5 0</inkml:trace>
-</inkml:ink>
-</file>
-
-<file path=ppt/ink/ink29.xml><?xml version="1.0" encoding="utf-8"?>
-<inkml:ink xmlns:inkml="http://www.w3.org/2003/InkML">
-  <inkml:definitions>
-    <inkml:context xml:id="ctx0">
-      <inkml:inkSource xml:id="inkSrc0">
-        <inkml:traceFormat>
-          <inkml:channel name="X" type="integer" min="-2.14748E9" max="2.14748E9" units="cm"/>
-          <inkml:channel name="Y" type="integer" min="-2.14748E9" max="2.14748E9" units="cm"/>
-          <inkml:channel name="F" type="integer" max="32767" units="dev"/>
-        </inkml:traceFormat>
-        <inkml:channelProperties>
-          <inkml:channelProperty channel="X" name="resolution" value="1000" units="1/cm"/>
-          <inkml:channelProperty channel="Y" name="resolution" value="1000" units="1/cm"/>
-          <inkml:channelProperty channel="F" name="resolution" value="0" units="1/dev"/>
-        </inkml:channelProperties>
-      </inkml:inkSource>
-      <inkml:timestamp xml:id="ts0" timeString="2025-04-15T20:45:14.943"/>
-    </inkml:context>
-    <inkml:brush xml:id="br0">
-      <inkml:brushProperty name="width" value="0.035" units="cm"/>
-      <inkml:brushProperty name="height" value="0.035" units="cm"/>
-    </inkml:brush>
-  </inkml:definitions>
-  <inkml:trace contextRef="#ctx0" brushRef="#br0">598 9 24575,'-5'-4'0,"-55"1"0,-4 2 0,12 0 0,-2 2 0,-27-1 0,12 0 0,22 0 0,16 1 0,17 2 0,11 9 0,3 15 0,-2 14 0,-1 12 0,-5 5 0,0-2 0,1-4 0,3-2 0,3 0 0,1 3 0,0 9 0,5 11 0,12 10 0,11 4 0,12 0 0,3-9 0,-4-10 0,-1-10 0,-5-15 0,-2-10 0,1-7 0,0-10 0,5-4 0,6-1 0,8 0 0,9 3 0,6 0 0,4-2 0,16-3 0,12-3 0,-46-5 0,2-1 0,3-4 0,-1-3 0,-5-3 0,-3-3 0,40-24 0,-18-5 0,-21 1 0,-18 1 0,-14 2 0,-8 0 0,-6-4 0,-3-2 0,-5-11 0,-10-16 0,-14-17 0,8 35 0,-4-1 0,-3-2 0,-3 1 0,-2 1 0,-1 1 0,-3 4 0,-2 3 0,2 6 0,-1 4 0,-36-19 0,6 19 0,9 19 0,3 10 0,-1 4 0,-4 6 0,-3 2 0,-2 4 0,0 0 0,3-4 0,-2-2 0,3-3 0,-1 0 0,2 0 0,1 0 0,4 0 0,6 0 0,9 0 0,12 0 0,13 0 0,7 0 0</inkml:trace>
-</inkml:ink>
-</file>
-
-<file path=ppt/ink/ink3.xml><?xml version="1.0" encoding="utf-8"?>
-<inkml:ink xmlns:inkml="http://www.w3.org/2003/InkML">
-  <inkml:definitions>
-    <inkml:context xml:id="ctx0">
-      <inkml:inkSource xml:id="inkSrc0">
-        <inkml:traceFormat>
-          <inkml:channel name="X" type="integer" min="-2.14748E9" max="2.14748E9" units="cm"/>
-          <inkml:channel name="Y" type="integer" min="-2.14748E9" max="2.14748E9" units="cm"/>
-          <inkml:channel name="F" type="integer" max="32767" units="dev"/>
-        </inkml:traceFormat>
-        <inkml:channelProperties>
-          <inkml:channelProperty channel="X" name="resolution" value="1000" units="1/cm"/>
-          <inkml:channelProperty channel="Y" name="resolution" value="1000" units="1/cm"/>
-          <inkml:channelProperty channel="F" name="resolution" value="0" units="1/dev"/>
-        </inkml:channelProperties>
-      </inkml:inkSource>
-      <inkml:timestamp xml:id="ts0" timeString="2025-04-15T20:43:38.466"/>
-    </inkml:context>
-    <inkml:brush xml:id="br0">
-      <inkml:brushProperty name="width" value="0.035" units="cm"/>
-      <inkml:brushProperty name="height" value="0.035" units="cm"/>
-    </inkml:brush>
-  </inkml:definitions>
-  <inkml:trace contextRef="#ctx0" brushRef="#br0">37 624 24575,'0'96'0,"0"0"0,0 0 0,0-49 0,0-141 0,-1 8 0,-1-18 0,0 12 0,0 17 0,-1 8 0,1 8 0,-1 1 0,0-5 0,0 6 0,-3 12 0,2 11 0,-2 19 0,6 50 0,20 23 0,14 19 0,-1-7 0,-4-15 0,2-1 0,6 18 0,4 6 0,3-32 0,37-71 0,-73-31 0,-18-22 0,3 5 0,15 6 0,-4-2 0,-19-15 0,-10-8 0,2 23 0,3 27 0,31 79 0,18 48 0,5 13 0,-8-23 0,6 11 0,-4-3 0,9 26 0,-4-12 0,-12-49 0,-17-47 0,-3-2 0,-3-1 0</inkml:trace>
-</inkml:ink>
-</file>
-
-<file path=ppt/ink/ink30.xml><?xml version="1.0" encoding="utf-8"?>
 <inkml:ink xmlns:inkml="http://www.w3.org/2003/InkML">
   <inkml:definitions>
     <inkml:context xml:id="ctx0">
@@ -4596,7 +4000,7 @@
 </inkml:ink>
 </file>
 
-<file path=ppt/ink/ink31.xml><?xml version="1.0" encoding="utf-8"?>
+<file path=ppt/ink/ink3.xml><?xml version="1.0" encoding="utf-8"?>
 <inkml:ink xmlns:inkml="http://www.w3.org/2003/InkML">
   <inkml:definitions>
     <inkml:context xml:id="ctx0">
@@ -4620,168 +4024,6 @@
     </inkml:brush>
   </inkml:definitions>
   <inkml:trace contextRef="#ctx0" brushRef="#br0">0 1 24575,'0'0'0</inkml:trace>
-</inkml:ink>
-</file>
-
-<file path=ppt/ink/ink4.xml><?xml version="1.0" encoding="utf-8"?>
-<inkml:ink xmlns:inkml="http://www.w3.org/2003/InkML">
-  <inkml:definitions>
-    <inkml:context xml:id="ctx0">
-      <inkml:inkSource xml:id="inkSrc0">
-        <inkml:traceFormat>
-          <inkml:channel name="X" type="integer" min="-2.14748E9" max="2.14748E9" units="cm"/>
-          <inkml:channel name="Y" type="integer" min="-2.14748E9" max="2.14748E9" units="cm"/>
-          <inkml:channel name="F" type="integer" max="32767" units="dev"/>
-        </inkml:traceFormat>
-        <inkml:channelProperties>
-          <inkml:channelProperty channel="X" name="resolution" value="1000" units="1/cm"/>
-          <inkml:channelProperty channel="Y" name="resolution" value="1000" units="1/cm"/>
-          <inkml:channelProperty channel="F" name="resolution" value="0" units="1/dev"/>
-        </inkml:channelProperties>
-      </inkml:inkSource>
-      <inkml:timestamp xml:id="ts0" timeString="2025-04-15T20:43:45.515"/>
-    </inkml:context>
-    <inkml:brush xml:id="br0">
-      <inkml:brushProperty name="width" value="0.035" units="cm"/>
-      <inkml:brushProperty name="height" value="0.035" units="cm"/>
-    </inkml:brush>
-  </inkml:definitions>
-  <inkml:trace contextRef="#ctx0" brushRef="#br0">0 3 24575,'0'-3'0,"7"12"0,14 22 0,18 29 0,11 14 0,4 7 0,-3-7 0,-8-14 0,-6-11 0,-13-18 0,-10-16 0,-7-7 0,-3 0 0,-2 0 0,-1 1 0,-1 0 0,0-1 0,0-3 0,0-2 0</inkml:trace>
-</inkml:ink>
-</file>
-
-<file path=ppt/ink/ink5.xml><?xml version="1.0" encoding="utf-8"?>
-<inkml:ink xmlns:inkml="http://www.w3.org/2003/InkML">
-  <inkml:definitions>
-    <inkml:context xml:id="ctx0">
-      <inkml:inkSource xml:id="inkSrc0">
-        <inkml:traceFormat>
-          <inkml:channel name="X" type="integer" min="-2.14748E9" max="2.14748E9" units="cm"/>
-          <inkml:channel name="Y" type="integer" min="-2.14748E9" max="2.14748E9" units="cm"/>
-          <inkml:channel name="F" type="integer" max="32767" units="dev"/>
-        </inkml:traceFormat>
-        <inkml:channelProperties>
-          <inkml:channelProperty channel="X" name="resolution" value="1000" units="1/cm"/>
-          <inkml:channelProperty channel="Y" name="resolution" value="1000" units="1/cm"/>
-          <inkml:channelProperty channel="F" name="resolution" value="0" units="1/dev"/>
-        </inkml:channelProperties>
-      </inkml:inkSource>
-      <inkml:timestamp xml:id="ts0" timeString="2025-04-15T20:43:46.668"/>
-    </inkml:context>
-    <inkml:brush xml:id="br0">
-      <inkml:brushProperty name="width" value="0.035" units="cm"/>
-      <inkml:brushProperty name="height" value="0.035" units="cm"/>
-    </inkml:brush>
-  </inkml:definitions>
-  <inkml:trace contextRef="#ctx0" brushRef="#br0">472 1 24575,'-11'1'0,"-11"11"0,-9 7 0,-5 9 0,2 3 0,10-8 0,5-3 0,3-8 0,5 0 0,-4 4 0,-3 6 0,2 7 0,-3 2 0,3 2 0,1-5 0,3-3 0,3-5 0,2-3 0,4-2 0,0-2 0,0 1 0,1 0 0,-2 1 0,0 4 0,-4 3 0,-2 0 0,0-2 0,0-4 0,-2-3 0,2 1 0,-1-2 0,-1-3 0,0-4 0,-1-3 0,5-2 0,2 0 0</inkml:trace>
-</inkml:ink>
-</file>
-
-<file path=ppt/ink/ink6.xml><?xml version="1.0" encoding="utf-8"?>
-<inkml:ink xmlns:inkml="http://www.w3.org/2003/InkML">
-  <inkml:definitions>
-    <inkml:context xml:id="ctx0">
-      <inkml:inkSource xml:id="inkSrc0">
-        <inkml:traceFormat>
-          <inkml:channel name="X" type="integer" min="-2.14748E9" max="2.14748E9" units="cm"/>
-          <inkml:channel name="Y" type="integer" min="-2.14748E9" max="2.14748E9" units="cm"/>
-          <inkml:channel name="F" type="integer" max="32767" units="dev"/>
-        </inkml:traceFormat>
-        <inkml:channelProperties>
-          <inkml:channelProperty channel="X" name="resolution" value="1000" units="1/cm"/>
-          <inkml:channelProperty channel="Y" name="resolution" value="1000" units="1/cm"/>
-          <inkml:channelProperty channel="F" name="resolution" value="0" units="1/dev"/>
-        </inkml:channelProperties>
-      </inkml:inkSource>
-      <inkml:timestamp xml:id="ts0" timeString="2025-04-15T20:43:47.847"/>
-    </inkml:context>
-    <inkml:brush xml:id="br0">
-      <inkml:brushProperty name="width" value="0.035" units="cm"/>
-      <inkml:brushProperty name="height" value="0.035" units="cm"/>
-    </inkml:brush>
-  </inkml:definitions>
-  <inkml:trace contextRef="#ctx0" brushRef="#br0">1 3 24575,'0'-3'0,"0"13"0,0 22 0,0 25 0,0 18 0,0 1 0,0-15 0,0-20 0,0-22 0,0-12 0</inkml:trace>
-</inkml:ink>
-</file>
-
-<file path=ppt/ink/ink7.xml><?xml version="1.0" encoding="utf-8"?>
-<inkml:ink xmlns:inkml="http://www.w3.org/2003/InkML">
-  <inkml:definitions>
-    <inkml:context xml:id="ctx0">
-      <inkml:inkSource xml:id="inkSrc0">
-        <inkml:traceFormat>
-          <inkml:channel name="X" type="integer" min="-2.14748E9" max="2.14748E9" units="cm"/>
-          <inkml:channel name="Y" type="integer" min="-2.14748E9" max="2.14748E9" units="cm"/>
-          <inkml:channel name="F" type="integer" max="32767" units="dev"/>
-        </inkml:traceFormat>
-        <inkml:channelProperties>
-          <inkml:channelProperty channel="X" name="resolution" value="1000" units="1/cm"/>
-          <inkml:channelProperty channel="Y" name="resolution" value="1000" units="1/cm"/>
-          <inkml:channelProperty channel="F" name="resolution" value="0" units="1/dev"/>
-        </inkml:channelProperties>
-      </inkml:inkSource>
-      <inkml:timestamp xml:id="ts0" timeString="2025-04-15T20:43:48.495"/>
-    </inkml:context>
-    <inkml:brush xml:id="br0">
-      <inkml:brushProperty name="width" value="0.035" units="cm"/>
-      <inkml:brushProperty name="height" value="0.035" units="cm"/>
-    </inkml:brush>
-  </inkml:definitions>
-  <inkml:trace contextRef="#ctx0" brushRef="#br0">0 5 24575,'0'-2'0,"0"0"0</inkml:trace>
-</inkml:ink>
-</file>
-
-<file path=ppt/ink/ink8.xml><?xml version="1.0" encoding="utf-8"?>
-<inkml:ink xmlns:inkml="http://www.w3.org/2003/InkML">
-  <inkml:definitions>
-    <inkml:context xml:id="ctx0">
-      <inkml:inkSource xml:id="inkSrc0">
-        <inkml:traceFormat>
-          <inkml:channel name="X" type="integer" min="-2.14748E9" max="2.14748E9" units="cm"/>
-          <inkml:channel name="Y" type="integer" min="-2.14748E9" max="2.14748E9" units="cm"/>
-          <inkml:channel name="F" type="integer" max="32767" units="dev"/>
-        </inkml:traceFormat>
-        <inkml:channelProperties>
-          <inkml:channelProperty channel="X" name="resolution" value="1000" units="1/cm"/>
-          <inkml:channelProperty channel="Y" name="resolution" value="1000" units="1/cm"/>
-          <inkml:channelProperty channel="F" name="resolution" value="0" units="1/dev"/>
-        </inkml:channelProperties>
-      </inkml:inkSource>
-      <inkml:timestamp xml:id="ts0" timeString="2025-04-15T20:43:50.097"/>
-    </inkml:context>
-    <inkml:brush xml:id="br0">
-      <inkml:brushProperty name="width" value="0.035" units="cm"/>
-      <inkml:brushProperty name="height" value="0.035" units="cm"/>
-    </inkml:brush>
-  </inkml:definitions>
-  <inkml:trace contextRef="#ctx0" brushRef="#br0">0 548 24575,'0'16'0,"0"14"0,0 11 0,0 8 0,0-1 0,0-11 0,0-13 0,0-15 0,0-14 0,0-7 0,0-5 0,0-6 0,0-3 0,0-6 0,0-4 0,0-9 0,0-9 0,0-6 0,0-5 0,0 1 0,0 4 0,4 5 0,6 4 0,8 0 0,10 3 0,4 9 0,2 8 0,-3 14 0,-2 9 0,0 5 0,-1 4 0,-3 2 0,-3 6 0,-4 7 0,-3 7 0,-5 8 0,-4 6 0,-4 4 0,-2 6 0,-5 5 0,-2 8 0,-2 3 0,-1 3 0,2-1 0,1-9 0,0-9 0,2-11 0,2-9 0,2-6 0,1-5 0,-2-6 0,-2-6 0,0-7 0,0 0 0,2-1 0</inkml:trace>
-</inkml:ink>
-</file>
-
-<file path=ppt/ink/ink9.xml><?xml version="1.0" encoding="utf-8"?>
-<inkml:ink xmlns:inkml="http://www.w3.org/2003/InkML">
-  <inkml:definitions>
-    <inkml:context xml:id="ctx0">
-      <inkml:inkSource xml:id="inkSrc0">
-        <inkml:traceFormat>
-          <inkml:channel name="X" type="integer" min="-2.14748E9" max="2.14748E9" units="cm"/>
-          <inkml:channel name="Y" type="integer" min="-2.14748E9" max="2.14748E9" units="cm"/>
-          <inkml:channel name="F" type="integer" max="32767" units="dev"/>
-        </inkml:traceFormat>
-        <inkml:channelProperties>
-          <inkml:channelProperty channel="X" name="resolution" value="1000" units="1/cm"/>
-          <inkml:channelProperty channel="Y" name="resolution" value="1000" units="1/cm"/>
-          <inkml:channelProperty channel="F" name="resolution" value="0" units="1/dev"/>
-        </inkml:channelProperties>
-      </inkml:inkSource>
-      <inkml:timestamp xml:id="ts0" timeString="2025-04-15T20:43:51.790"/>
-    </inkml:context>
-    <inkml:brush xml:id="br0">
-      <inkml:brushProperty name="width" value="0.035" units="cm"/>
-      <inkml:brushProperty name="height" value="0.035" units="cm"/>
-    </inkml:brush>
-  </inkml:definitions>
-  <inkml:trace contextRef="#ctx0" brushRef="#br0">427 262 24575,'-10'-9'0,"-10"4"0,-4 2 0,-4 3 0,0-2 0,12 2 0,2 6 0,8 5 0,5 10 0,0 4 0,1-1 0,0 3 0,0-3 0,3-1 0,7 2 0,14 2 0,13-1 0,9-1 0,2-6 0,-1-8 0,4-5 0,2-8 0,7-14 0,6-19 0,-2-19 0,-2-13 0,-10 0 0,-14 5 0,-13 8 0,-12 9 0,-8 8 0,-4 7 0,-10 6 0,-14 7 0,-23 3 0,-24 5 0,-19 3 0,39 4 0,0 1 0,-50 1 0,6 4 0,15 12 0,18 13 0,13 13 0,17 8 0,9 4 0,6 9 0,6 7 0,2 13 0,4 9 0,2-41 0,2 2 0,4 3 0,5 1 0,6 3 0,6-2 0,9 3 0,8-1 0,10 0 0,5-2 0,1-3 0,1-3 0,1-3 0,0-1 0,-3-4 0,0 0 0,-5-4 0,-2-2 0,-4-2 0,-4 0 0,21 27 0,-20-10 0,-19-8 0,-7-3 0,-11-7 0,-15-4 0,-20-4 0,-28-3 0,-29-5 0,38-11 0,-2-3 0,-1-3 0,-2-5 0,-4-7 0,0-7 0,1-9 0,2-6 0,3-7 0,3-6 0,3-6 0,5-3 0,10 2 0,4 0 0,6 6 0,2 2 0,-10-28 0,16 27 0,8 23 0,6 12 0</inkml:trace>
 </inkml:ink>
 </file>
 
@@ -4867,7 +4109,7 @@
           <a:p>
             <a:fld id="{18C64025-9F1C-B54C-874D-6AE83D7874AF}" type="datetimeFigureOut">
               <a:rPr lang="en-US" smtClean="0"/>
-              <a:t>4/15/25</a:t>
+              <a:t>4/28/25</a:t>
             </a:fld>
             <a:endParaRPr lang="en-US"/>
           </a:p>
@@ -5025,7 +4267,7 @@
           <a:p>
             <a:fld id="{C6B412AF-8B30-1C4A-9486-8B7EE1FDFB12}" type="slidenum">
               <a:rPr lang="en-US" smtClean="0"/>
-              <a:t>‹#›</a:t>
+              <a:t>‹Nº›</a:t>
             </a:fld>
             <a:endParaRPr lang="en-US"/>
           </a:p>
@@ -5283,7 +4525,7 @@
           <a:p>
             <a:fld id="{C6B412AF-8B30-1C4A-9486-8B7EE1FDFB12}" type="slidenum">
               <a:rPr lang="en-US" smtClean="0"/>
-              <a:t>17</a:t>
+              <a:t>16</a:t>
             </a:fld>
             <a:endParaRPr lang="en-US"/>
           </a:p>
@@ -5367,7 +4609,7 @@
           <a:p>
             <a:fld id="{C6B412AF-8B30-1C4A-9486-8B7EE1FDFB12}" type="slidenum">
               <a:rPr lang="en-US" smtClean="0"/>
-              <a:t>18</a:t>
+              <a:t>17</a:t>
             </a:fld>
             <a:endParaRPr lang="en-US"/>
           </a:p>
@@ -5451,7 +4693,7 @@
           <a:p>
             <a:fld id="{C6B412AF-8B30-1C4A-9486-8B7EE1FDFB12}" type="slidenum">
               <a:rPr lang="en-US" smtClean="0"/>
-              <a:t>20</a:t>
+              <a:t>19</a:t>
             </a:fld>
             <a:endParaRPr lang="en-US"/>
           </a:p>
@@ -5535,7 +4777,7 @@
           <a:p>
             <a:fld id="{C6B412AF-8B30-1C4A-9486-8B7EE1FDFB12}" type="slidenum">
               <a:rPr lang="en-US" smtClean="0"/>
-              <a:t>21</a:t>
+              <a:t>20</a:t>
             </a:fld>
             <a:endParaRPr lang="en-US"/>
           </a:p>
@@ -5619,7 +4861,7 @@
           <a:p>
             <a:fld id="{A7ED07FA-7792-F649-B523-FCAF9068A01B}" type="slidenum">
               <a:rPr lang="es-ES_tradnl" smtClean="0"/>
-              <a:t>46</a:t>
+              <a:t>45</a:t>
             </a:fld>
             <a:endParaRPr lang="es-ES_tradnl"/>
           </a:p>
@@ -6255,7 +5497,7 @@
           <a:p>
             <a:fld id="{C6B412AF-8B30-1C4A-9486-8B7EE1FDFB12}" type="slidenum">
               <a:rPr lang="en-US" smtClean="0"/>
-              <a:t>15</a:t>
+              <a:t>14</a:t>
             </a:fld>
             <a:endParaRPr lang="en-US"/>
           </a:p>
@@ -6339,7 +5581,7 @@
           <a:p>
             <a:fld id="{C6B412AF-8B30-1C4A-9486-8B7EE1FDFB12}" type="slidenum">
               <a:rPr lang="en-US" smtClean="0"/>
-              <a:t>16</a:t>
+              <a:t>15</a:t>
             </a:fld>
             <a:endParaRPr lang="en-US"/>
           </a:p>
@@ -6505,7 +5747,7 @@
           <a:p>
             <a:fld id="{664FFB85-B129-774D-93A0-F57B9B2B4D03}" type="datetime1">
               <a:rPr lang="en-US" smtClean="0"/>
-              <a:t>4/15/25</a:t>
+              <a:t>4/28/25</a:t>
             </a:fld>
             <a:endParaRPr lang="en-US"/>
           </a:p>
@@ -6559,7 +5801,7 @@
           <a:p>
             <a:fld id="{278C1CC4-2077-434E-BCF1-5D01C08A9B17}" type="slidenum">
               <a:rPr lang="en-US" smtClean="0"/>
-              <a:t>‹#›</a:t>
+              <a:t>‹Nº›</a:t>
             </a:fld>
             <a:endParaRPr lang="en-US"/>
           </a:p>
@@ -6703,7 +5945,7 @@
           <a:p>
             <a:fld id="{23C86737-1BBC-544D-9FC3-DA3274CF8698}" type="datetime1">
               <a:rPr lang="en-US" smtClean="0"/>
-              <a:t>4/15/25</a:t>
+              <a:t>4/28/25</a:t>
             </a:fld>
             <a:endParaRPr lang="en-US"/>
           </a:p>
@@ -6757,7 +5999,7 @@
           <a:p>
             <a:fld id="{278C1CC4-2077-434E-BCF1-5D01C08A9B17}" type="slidenum">
               <a:rPr lang="en-US" smtClean="0"/>
-              <a:t>‹#›</a:t>
+              <a:t>‹Nº›</a:t>
             </a:fld>
             <a:endParaRPr lang="en-US"/>
           </a:p>
@@ -6911,7 +6153,7 @@
           <a:p>
             <a:fld id="{35CE60E5-F23C-764C-AA70-1ED90C06A3A1}" type="datetime1">
               <a:rPr lang="en-US" smtClean="0"/>
-              <a:t>4/15/25</a:t>
+              <a:t>4/28/25</a:t>
             </a:fld>
             <a:endParaRPr lang="en-US"/>
           </a:p>
@@ -6965,7 +6207,7 @@
           <a:p>
             <a:fld id="{278C1CC4-2077-434E-BCF1-5D01C08A9B17}" type="slidenum">
               <a:rPr lang="en-US" smtClean="0"/>
-              <a:t>‹#›</a:t>
+              <a:t>‹Nº›</a:t>
             </a:fld>
             <a:endParaRPr lang="en-US"/>
           </a:p>
@@ -7109,7 +6351,7 @@
           <a:p>
             <a:fld id="{D6FA6702-BFF0-234C-B592-E8C1FA6F1806}" type="datetime1">
               <a:rPr lang="en-US" smtClean="0"/>
-              <a:t>4/15/25</a:t>
+              <a:t>4/28/25</a:t>
             </a:fld>
             <a:endParaRPr lang="en-US"/>
           </a:p>
@@ -7163,7 +6405,7 @@
           <a:p>
             <a:fld id="{278C1CC4-2077-434E-BCF1-5D01C08A9B17}" type="slidenum">
               <a:rPr lang="en-US" smtClean="0"/>
-              <a:t>‹#›</a:t>
+              <a:t>‹Nº›</a:t>
             </a:fld>
             <a:endParaRPr lang="en-US"/>
           </a:p>
@@ -7384,7 +6626,7 @@
           <a:p>
             <a:fld id="{E8B16A00-60F7-B64E-8A28-BD6FD4FB0293}" type="datetime1">
               <a:rPr lang="en-US" smtClean="0"/>
-              <a:t>4/15/25</a:t>
+              <a:t>4/28/25</a:t>
             </a:fld>
             <a:endParaRPr lang="en-US"/>
           </a:p>
@@ -7438,7 +6680,7 @@
           <a:p>
             <a:fld id="{278C1CC4-2077-434E-BCF1-5D01C08A9B17}" type="slidenum">
               <a:rPr lang="en-US" smtClean="0"/>
-              <a:t>‹#›</a:t>
+              <a:t>‹Nº›</a:t>
             </a:fld>
             <a:endParaRPr lang="en-US"/>
           </a:p>
@@ -7649,7 +6891,7 @@
           <a:p>
             <a:fld id="{9461FB3B-061B-F144-A5FA-F3EAD484BB68}" type="datetime1">
               <a:rPr lang="en-US" smtClean="0"/>
-              <a:t>4/15/25</a:t>
+              <a:t>4/28/25</a:t>
             </a:fld>
             <a:endParaRPr lang="en-US"/>
           </a:p>
@@ -7703,7 +6945,7 @@
           <a:p>
             <a:fld id="{278C1CC4-2077-434E-BCF1-5D01C08A9B17}" type="slidenum">
               <a:rPr lang="en-US" smtClean="0"/>
-              <a:t>‹#›</a:t>
+              <a:t>‹Nº›</a:t>
             </a:fld>
             <a:endParaRPr lang="en-US"/>
           </a:p>
@@ -8061,7 +7303,7 @@
           <a:p>
             <a:fld id="{33AB2EF4-12EB-9A4D-9238-2D7527A162A6}" type="datetime1">
               <a:rPr lang="en-US" smtClean="0"/>
-              <a:t>4/15/25</a:t>
+              <a:t>4/28/25</a:t>
             </a:fld>
             <a:endParaRPr lang="en-US"/>
           </a:p>
@@ -8115,7 +7357,7 @@
           <a:p>
             <a:fld id="{278C1CC4-2077-434E-BCF1-5D01C08A9B17}" type="slidenum">
               <a:rPr lang="en-US" smtClean="0"/>
-              <a:t>‹#›</a:t>
+              <a:t>‹Nº›</a:t>
             </a:fld>
             <a:endParaRPr lang="en-US"/>
           </a:p>
@@ -8202,7 +7444,7 @@
           <a:p>
             <a:fld id="{B04B8114-FA9D-8D4A-A67F-A4701DAC90FA}" type="datetime1">
               <a:rPr lang="en-US" smtClean="0"/>
-              <a:t>4/15/25</a:t>
+              <a:t>4/28/25</a:t>
             </a:fld>
             <a:endParaRPr lang="en-US"/>
           </a:p>
@@ -8256,7 +7498,7 @@
           <a:p>
             <a:fld id="{278C1CC4-2077-434E-BCF1-5D01C08A9B17}" type="slidenum">
               <a:rPr lang="en-US" smtClean="0"/>
-              <a:t>‹#›</a:t>
+              <a:t>‹Nº›</a:t>
             </a:fld>
             <a:endParaRPr lang="en-US"/>
           </a:p>
@@ -8315,7 +7557,7 @@
           <a:p>
             <a:fld id="{70C4410B-B86C-2848-BC8C-F46E39ADEFA3}" type="datetime1">
               <a:rPr lang="en-US" smtClean="0"/>
-              <a:t>4/15/25</a:t>
+              <a:t>4/28/25</a:t>
             </a:fld>
             <a:endParaRPr lang="en-US"/>
           </a:p>
@@ -8369,7 +7611,7 @@
           <a:p>
             <a:fld id="{278C1CC4-2077-434E-BCF1-5D01C08A9B17}" type="slidenum">
               <a:rPr lang="en-US" smtClean="0"/>
-              <a:t>‹#›</a:t>
+              <a:t>‹Nº›</a:t>
             </a:fld>
             <a:endParaRPr lang="en-US"/>
           </a:p>
@@ -8626,7 +7868,7 @@
           <a:p>
             <a:fld id="{58BA655F-D0D7-B249-A22B-B443D0B3B154}" type="datetime1">
               <a:rPr lang="en-US" smtClean="0"/>
-              <a:t>4/15/25</a:t>
+              <a:t>4/28/25</a:t>
             </a:fld>
             <a:endParaRPr lang="en-US"/>
           </a:p>
@@ -8680,7 +7922,7 @@
           <a:p>
             <a:fld id="{278C1CC4-2077-434E-BCF1-5D01C08A9B17}" type="slidenum">
               <a:rPr lang="en-US" smtClean="0"/>
-              <a:t>‹#›</a:t>
+              <a:t>‹Nº›</a:t>
             </a:fld>
             <a:endParaRPr lang="en-US"/>
           </a:p>
@@ -8914,7 +8156,7 @@
           <a:p>
             <a:fld id="{10E43CFB-0197-A049-9F9E-574CE0E6949D}" type="datetime1">
               <a:rPr lang="en-US" smtClean="0"/>
-              <a:t>4/15/25</a:t>
+              <a:t>4/28/25</a:t>
             </a:fld>
             <a:endParaRPr lang="en-US"/>
           </a:p>
@@ -8968,7 +8210,7 @@
           <a:p>
             <a:fld id="{278C1CC4-2077-434E-BCF1-5D01C08A9B17}" type="slidenum">
               <a:rPr lang="en-US" smtClean="0"/>
-              <a:t>‹#›</a:t>
+              <a:t>‹Nº›</a:t>
             </a:fld>
             <a:endParaRPr lang="en-US"/>
           </a:p>
@@ -9157,7 +8399,7 @@
           <a:p>
             <a:fld id="{5C89D66A-6B48-BE47-8B10-C9113B69D385}" type="datetime1">
               <a:rPr lang="en-US" noProof="0" smtClean="0"/>
-              <a:t>4/15/25</a:t>
+              <a:t>4/28/25</a:t>
             </a:fld>
             <a:endParaRPr lang="es-ES_tradnl" noProof="0"/>
           </a:p>
@@ -9252,7 +8494,7 @@
             <a:fld id="{278C1CC4-2077-434E-BCF1-5D01C08A9B17}" type="slidenum">
               <a:rPr lang="es-ES_tradnl" smtClean="0"/>
               <a:pPr/>
-              <a:t>‹#›</a:t>
+              <a:t>‹Nº›</a:t>
             </a:fld>
             <a:endParaRPr lang="es-ES_tradnl"/>
           </a:p>
@@ -10462,8 +9704,8 @@
           </a:p>
         </p:txBody>
       </p:sp>
-      <mc:AlternateContent xmlns:mc="http://schemas.openxmlformats.org/markup-compatibility/2006">
-        <mc:Choice xmlns:a14="http://schemas.microsoft.com/office/drawing/2010/main" Requires="a14">
+      <mc:AlternateContent xmlns:mc="http://schemas.openxmlformats.org/markup-compatibility/2006" xmlns:a14="http://schemas.microsoft.com/office/drawing/2010/main">
+        <mc:Choice Requires="a14">
           <p:sp>
             <p:nvSpPr>
               <p:cNvPr id="3" name="Content Placeholder 2">
@@ -10947,7 +10189,7 @@
             </p:txBody>
           </p:sp>
         </mc:Choice>
-        <mc:Fallback>
+        <mc:Fallback xmlns="">
           <p:sp>
             <p:nvSpPr>
               <p:cNvPr id="3" name="Content Placeholder 2">
@@ -12672,8 +11914,8 @@
           </a:p>
         </p:txBody>
       </p:sp>
-      <mc:AlternateContent xmlns:mc="http://schemas.openxmlformats.org/markup-compatibility/2006">
-        <mc:Choice xmlns:p14="http://schemas.microsoft.com/office/powerpoint/2010/main" Requires="p14">
+      <mc:AlternateContent xmlns:mc="http://schemas.openxmlformats.org/markup-compatibility/2006" xmlns:p14="http://schemas.microsoft.com/office/powerpoint/2010/main">
+        <mc:Choice Requires="p14">
           <p:contentPart p14:bwMode="auto" r:id="rId4">
             <p14:nvContentPartPr>
               <p14:cNvPr id="6" name="Ink 5">
@@ -12692,7 +11934,7 @@
             </p14:xfrm>
           </p:contentPart>
         </mc:Choice>
-        <mc:Fallback>
+        <mc:Fallback xmlns="">
           <p:pic>
             <p:nvPicPr>
               <p:cNvPr id="6" name="Ink 5">
@@ -13098,1585 +12340,6 @@
           <p:cNvPr id="2" name="Title 1">
             <a:extLst>
               <a:ext uri="{FF2B5EF4-FFF2-40B4-BE49-F238E27FC236}">
-                <a16:creationId xmlns:a16="http://schemas.microsoft.com/office/drawing/2014/main" id="{91007710-54A3-BE4F-509A-F6BC48A69C2E}"/>
-              </a:ext>
-            </a:extLst>
-          </p:cNvPr>
-          <p:cNvSpPr>
-            <a:spLocks noGrp="1"/>
-          </p:cNvSpPr>
-          <p:nvPr>
-            <p:ph type="title"/>
-          </p:nvPr>
-        </p:nvSpPr>
-        <p:spPr/>
-        <p:txBody>
-          <a:bodyPr/>
-          <a:lstStyle/>
-          <a:p>
-            <a:endParaRPr lang="es-ES_tradnl" dirty="0"/>
-          </a:p>
-        </p:txBody>
-      </p:sp>
-      <p:sp>
-        <p:nvSpPr>
-          <p:cNvPr id="3" name="Content Placeholder 2">
-            <a:extLst>
-              <a:ext uri="{FF2B5EF4-FFF2-40B4-BE49-F238E27FC236}">
-                <a16:creationId xmlns:a16="http://schemas.microsoft.com/office/drawing/2014/main" id="{BE2BCEE2-2423-AD3E-0B46-B2C3D16D2AB4}"/>
-              </a:ext>
-            </a:extLst>
-          </p:cNvPr>
-          <p:cNvSpPr>
-            <a:spLocks noGrp="1"/>
-          </p:cNvSpPr>
-          <p:nvPr>
-            <p:ph idx="1"/>
-          </p:nvPr>
-        </p:nvSpPr>
-        <p:spPr/>
-        <p:txBody>
-          <a:bodyPr/>
-          <a:lstStyle/>
-          <a:p>
-            <a:endParaRPr lang="es-ES_tradnl" dirty="0"/>
-          </a:p>
-        </p:txBody>
-      </p:sp>
-      <p:sp>
-        <p:nvSpPr>
-          <p:cNvPr id="4" name="Slide Number Placeholder 3">
-            <a:extLst>
-              <a:ext uri="{FF2B5EF4-FFF2-40B4-BE49-F238E27FC236}">
-                <a16:creationId xmlns:a16="http://schemas.microsoft.com/office/drawing/2014/main" id="{CA6D8C7C-0A37-7744-8E92-06A6368C5135}"/>
-              </a:ext>
-            </a:extLst>
-          </p:cNvPr>
-          <p:cNvSpPr>
-            <a:spLocks noGrp="1"/>
-          </p:cNvSpPr>
-          <p:nvPr>
-            <p:ph type="sldNum" sz="quarter" idx="12"/>
-          </p:nvPr>
-        </p:nvSpPr>
-        <p:spPr/>
-        <p:txBody>
-          <a:bodyPr/>
-          <a:lstStyle/>
-          <a:p>
-            <a:fld id="{278C1CC4-2077-434E-BCF1-5D01C08A9B17}" type="slidenum">
-              <a:rPr lang="en-US" smtClean="0"/>
-              <a:t>13</a:t>
-            </a:fld>
-            <a:endParaRPr lang="en-US"/>
-          </a:p>
-        </p:txBody>
-      </p:sp>
-      <mc:AlternateContent xmlns:mc="http://schemas.openxmlformats.org/markup-compatibility/2006">
-        <mc:Choice xmlns:p14="http://schemas.microsoft.com/office/powerpoint/2010/main" Requires="p14">
-          <p:contentPart p14:bwMode="auto" r:id="rId2">
-            <p14:nvContentPartPr>
-              <p14:cNvPr id="5" name="Ink 4">
-                <a:extLst>
-                  <a:ext uri="{FF2B5EF4-FFF2-40B4-BE49-F238E27FC236}">
-                    <a16:creationId xmlns:a16="http://schemas.microsoft.com/office/drawing/2014/main" id="{3D7CCD04-9991-E397-76F4-3D584C2E46D5}"/>
-                  </a:ext>
-                </a:extLst>
-              </p14:cNvPr>
-              <p14:cNvContentPartPr/>
-              <p14:nvPr/>
-            </p14:nvContentPartPr>
-            <p14:xfrm>
-              <a:off x="1190834" y="3299926"/>
-              <a:ext cx="4319280" cy="2016360"/>
-            </p14:xfrm>
-          </p:contentPart>
-        </mc:Choice>
-        <mc:Fallback>
-          <p:pic>
-            <p:nvPicPr>
-              <p:cNvPr id="5" name="Ink 4">
-                <a:extLst>
-                  <a:ext uri="{FF2B5EF4-FFF2-40B4-BE49-F238E27FC236}">
-                    <a16:creationId xmlns:a16="http://schemas.microsoft.com/office/drawing/2014/main" id="{3D7CCD04-9991-E397-76F4-3D584C2E46D5}"/>
-                  </a:ext>
-                </a:extLst>
-              </p:cNvPr>
-              <p:cNvPicPr/>
-              <p:nvPr/>
-            </p:nvPicPr>
-            <p:blipFill>
-              <a:blip r:embed="rId3"/>
-              <a:stretch>
-                <a:fillRect/>
-              </a:stretch>
-            </p:blipFill>
-            <p:spPr>
-              <a:xfrm>
-                <a:off x="1184714" y="3293806"/>
-                <a:ext cx="4331520" cy="2028600"/>
-              </a:xfrm>
-              <a:prstGeom prst="rect">
-                <a:avLst/>
-              </a:prstGeom>
-            </p:spPr>
-          </p:pic>
-        </mc:Fallback>
-      </mc:AlternateContent>
-      <mc:AlternateContent xmlns:mc="http://schemas.openxmlformats.org/markup-compatibility/2006">
-        <mc:Choice xmlns:p14="http://schemas.microsoft.com/office/powerpoint/2010/main" Requires="p14">
-          <p:contentPart p14:bwMode="auto" r:id="rId4">
-            <p14:nvContentPartPr>
-              <p14:cNvPr id="11" name="Ink 10">
-                <a:extLst>
-                  <a:ext uri="{FF2B5EF4-FFF2-40B4-BE49-F238E27FC236}">
-                    <a16:creationId xmlns:a16="http://schemas.microsoft.com/office/drawing/2014/main" id="{C1744C25-1548-B184-4470-318609A4ABD9}"/>
-                  </a:ext>
-                </a:extLst>
-              </p14:cNvPr>
-              <p14:cNvContentPartPr/>
-              <p14:nvPr/>
-            </p14:nvContentPartPr>
-            <p14:xfrm>
-              <a:off x="2800034" y="6024406"/>
-              <a:ext cx="189720" cy="345600"/>
-            </p14:xfrm>
-          </p:contentPart>
-        </mc:Choice>
-        <mc:Fallback>
-          <p:pic>
-            <p:nvPicPr>
-              <p:cNvPr id="11" name="Ink 10">
-                <a:extLst>
-                  <a:ext uri="{FF2B5EF4-FFF2-40B4-BE49-F238E27FC236}">
-                    <a16:creationId xmlns:a16="http://schemas.microsoft.com/office/drawing/2014/main" id="{C1744C25-1548-B184-4470-318609A4ABD9}"/>
-                  </a:ext>
-                </a:extLst>
-              </p:cNvPr>
-              <p:cNvPicPr/>
-              <p:nvPr/>
-            </p:nvPicPr>
-            <p:blipFill>
-              <a:blip r:embed="rId5"/>
-              <a:stretch>
-                <a:fillRect/>
-              </a:stretch>
-            </p:blipFill>
-            <p:spPr>
-              <a:xfrm>
-                <a:off x="2793914" y="6018286"/>
-                <a:ext cx="201960" cy="357840"/>
-              </a:xfrm>
-              <a:prstGeom prst="rect">
-                <a:avLst/>
-              </a:prstGeom>
-            </p:spPr>
-          </p:pic>
-        </mc:Fallback>
-      </mc:AlternateContent>
-      <p:grpSp>
-        <p:nvGrpSpPr>
-          <p:cNvPr id="37" name="Group 36">
-            <a:extLst>
-              <a:ext uri="{FF2B5EF4-FFF2-40B4-BE49-F238E27FC236}">
-                <a16:creationId xmlns:a16="http://schemas.microsoft.com/office/drawing/2014/main" id="{388FF6D7-E79B-AD01-976D-99124FE1D4D5}"/>
-              </a:ext>
-            </a:extLst>
-          </p:cNvPr>
-          <p:cNvGrpSpPr/>
-          <p:nvPr/>
-        </p:nvGrpSpPr>
-        <p:grpSpPr>
-          <a:xfrm>
-            <a:off x="7441514" y="1925446"/>
-            <a:ext cx="1227600" cy="764640"/>
-            <a:chOff x="7441514" y="1925446"/>
-            <a:chExt cx="1227600" cy="764640"/>
-          </a:xfrm>
-        </p:grpSpPr>
-        <mc:AlternateContent xmlns:mc="http://schemas.openxmlformats.org/markup-compatibility/2006">
-          <mc:Choice xmlns:p14="http://schemas.microsoft.com/office/powerpoint/2010/main" Requires="p14">
-            <p:contentPart p14:bwMode="auto" r:id="rId6">
-              <p14:nvContentPartPr>
-                <p14:cNvPr id="18" name="Ink 17">
-                  <a:extLst>
-                    <a:ext uri="{FF2B5EF4-FFF2-40B4-BE49-F238E27FC236}">
-                      <a16:creationId xmlns:a16="http://schemas.microsoft.com/office/drawing/2014/main" id="{631FAABB-C6F0-55F8-EFDE-F0FE1146187F}"/>
-                    </a:ext>
-                  </a:extLst>
-                </p14:cNvPr>
-                <p14:cNvContentPartPr/>
-                <p14:nvPr/>
-              </p14:nvContentPartPr>
-              <p14:xfrm>
-                <a:off x="7443314" y="2106166"/>
-                <a:ext cx="127800" cy="195480"/>
-              </p14:xfrm>
-            </p:contentPart>
-          </mc:Choice>
-          <mc:Fallback>
-            <p:pic>
-              <p:nvPicPr>
-                <p:cNvPr id="18" name="Ink 17">
-                  <a:extLst>
-                    <a:ext uri="{FF2B5EF4-FFF2-40B4-BE49-F238E27FC236}">
-                      <a16:creationId xmlns:a16="http://schemas.microsoft.com/office/drawing/2014/main" id="{631FAABB-C6F0-55F8-EFDE-F0FE1146187F}"/>
-                    </a:ext>
-                  </a:extLst>
-                </p:cNvPr>
-                <p:cNvPicPr/>
-                <p:nvPr/>
-              </p:nvPicPr>
-              <p:blipFill>
-                <a:blip r:embed="rId7"/>
-                <a:stretch>
-                  <a:fillRect/>
-                </a:stretch>
-              </p:blipFill>
-              <p:spPr>
-                <a:xfrm>
-                  <a:off x="7437194" y="2100046"/>
-                  <a:ext cx="140040" cy="207720"/>
-                </a:xfrm>
-                <a:prstGeom prst="rect">
-                  <a:avLst/>
-                </a:prstGeom>
-              </p:spPr>
-            </p:pic>
-          </mc:Fallback>
-        </mc:AlternateContent>
-        <mc:AlternateContent xmlns:mc="http://schemas.openxmlformats.org/markup-compatibility/2006">
-          <mc:Choice xmlns:p14="http://schemas.microsoft.com/office/powerpoint/2010/main" Requires="p14">
-            <p:contentPart p14:bwMode="auto" r:id="rId8">
-              <p14:nvContentPartPr>
-                <p14:cNvPr id="19" name="Ink 18">
-                  <a:extLst>
-                    <a:ext uri="{FF2B5EF4-FFF2-40B4-BE49-F238E27FC236}">
-                      <a16:creationId xmlns:a16="http://schemas.microsoft.com/office/drawing/2014/main" id="{2246FCDE-7973-36CE-FBFD-0E1A8ED04155}"/>
-                    </a:ext>
-                  </a:extLst>
-                </p14:cNvPr>
-                <p14:cNvContentPartPr/>
-                <p14:nvPr/>
-              </p14:nvContentPartPr>
-              <p14:xfrm>
-                <a:off x="7441514" y="2123806"/>
-                <a:ext cx="170280" cy="217800"/>
-              </p14:xfrm>
-            </p:contentPart>
-          </mc:Choice>
-          <mc:Fallback>
-            <p:pic>
-              <p:nvPicPr>
-                <p:cNvPr id="19" name="Ink 18">
-                  <a:extLst>
-                    <a:ext uri="{FF2B5EF4-FFF2-40B4-BE49-F238E27FC236}">
-                      <a16:creationId xmlns:a16="http://schemas.microsoft.com/office/drawing/2014/main" id="{2246FCDE-7973-36CE-FBFD-0E1A8ED04155}"/>
-                    </a:ext>
-                  </a:extLst>
-                </p:cNvPr>
-                <p:cNvPicPr/>
-                <p:nvPr/>
-              </p:nvPicPr>
-              <p:blipFill>
-                <a:blip r:embed="rId9"/>
-                <a:stretch>
-                  <a:fillRect/>
-                </a:stretch>
-              </p:blipFill>
-              <p:spPr>
-                <a:xfrm>
-                  <a:off x="7435394" y="2117686"/>
-                  <a:ext cx="182520" cy="230040"/>
-                </a:xfrm>
-                <a:prstGeom prst="rect">
-                  <a:avLst/>
-                </a:prstGeom>
-              </p:spPr>
-            </p:pic>
-          </mc:Fallback>
-        </mc:AlternateContent>
-        <mc:AlternateContent xmlns:mc="http://schemas.openxmlformats.org/markup-compatibility/2006">
-          <mc:Choice xmlns:p14="http://schemas.microsoft.com/office/powerpoint/2010/main" Requires="p14">
-            <p:contentPart p14:bwMode="auto" r:id="rId10">
-              <p14:nvContentPartPr>
-                <p14:cNvPr id="20" name="Ink 19">
-                  <a:extLst>
-                    <a:ext uri="{FF2B5EF4-FFF2-40B4-BE49-F238E27FC236}">
-                      <a16:creationId xmlns:a16="http://schemas.microsoft.com/office/drawing/2014/main" id="{8F51FCBB-89F4-2C4F-421A-BB42B1C820A2}"/>
-                    </a:ext>
-                  </a:extLst>
-                </p14:cNvPr>
-                <p14:cNvContentPartPr/>
-                <p14:nvPr/>
-              </p14:nvContentPartPr>
-              <p14:xfrm>
-                <a:off x="7780994" y="2215606"/>
-                <a:ext cx="360" cy="136440"/>
-              </p14:xfrm>
-            </p:contentPart>
-          </mc:Choice>
-          <mc:Fallback>
-            <p:pic>
-              <p:nvPicPr>
-                <p:cNvPr id="20" name="Ink 19">
-                  <a:extLst>
-                    <a:ext uri="{FF2B5EF4-FFF2-40B4-BE49-F238E27FC236}">
-                      <a16:creationId xmlns:a16="http://schemas.microsoft.com/office/drawing/2014/main" id="{8F51FCBB-89F4-2C4F-421A-BB42B1C820A2}"/>
-                    </a:ext>
-                  </a:extLst>
-                </p:cNvPr>
-                <p:cNvPicPr/>
-                <p:nvPr/>
-              </p:nvPicPr>
-              <p:blipFill>
-                <a:blip r:embed="rId11"/>
-                <a:stretch>
-                  <a:fillRect/>
-                </a:stretch>
-              </p:blipFill>
-              <p:spPr>
-                <a:xfrm>
-                  <a:off x="7774874" y="2209486"/>
-                  <a:ext cx="12600" cy="148680"/>
-                </a:xfrm>
-                <a:prstGeom prst="rect">
-                  <a:avLst/>
-                </a:prstGeom>
-              </p:spPr>
-            </p:pic>
-          </mc:Fallback>
-        </mc:AlternateContent>
-        <mc:AlternateContent xmlns:mc="http://schemas.openxmlformats.org/markup-compatibility/2006">
-          <mc:Choice xmlns:p14="http://schemas.microsoft.com/office/powerpoint/2010/main" Requires="p14">
-            <p:contentPart p14:bwMode="auto" r:id="rId12">
-              <p14:nvContentPartPr>
-                <p14:cNvPr id="21" name="Ink 20">
-                  <a:extLst>
-                    <a:ext uri="{FF2B5EF4-FFF2-40B4-BE49-F238E27FC236}">
-                      <a16:creationId xmlns:a16="http://schemas.microsoft.com/office/drawing/2014/main" id="{83F337F3-6AF0-9F2C-E858-9B39FF97F2DE}"/>
-                    </a:ext>
-                  </a:extLst>
-                </p14:cNvPr>
-                <p14:cNvContentPartPr/>
-                <p14:nvPr/>
-              </p14:nvContentPartPr>
-              <p14:xfrm>
-                <a:off x="7778114" y="2137486"/>
-                <a:ext cx="360" cy="1800"/>
-              </p14:xfrm>
-            </p:contentPart>
-          </mc:Choice>
-          <mc:Fallback>
-            <p:pic>
-              <p:nvPicPr>
-                <p:cNvPr id="21" name="Ink 20">
-                  <a:extLst>
-                    <a:ext uri="{FF2B5EF4-FFF2-40B4-BE49-F238E27FC236}">
-                      <a16:creationId xmlns:a16="http://schemas.microsoft.com/office/drawing/2014/main" id="{83F337F3-6AF0-9F2C-E858-9B39FF97F2DE}"/>
-                    </a:ext>
-                  </a:extLst>
-                </p:cNvPr>
-                <p:cNvPicPr/>
-                <p:nvPr/>
-              </p:nvPicPr>
-              <p:blipFill>
-                <a:blip r:embed="rId13"/>
-                <a:stretch>
-                  <a:fillRect/>
-                </a:stretch>
-              </p:blipFill>
-              <p:spPr>
-                <a:xfrm>
-                  <a:off x="7771994" y="2131366"/>
-                  <a:ext cx="12600" cy="14040"/>
-                </a:xfrm>
-                <a:prstGeom prst="rect">
-                  <a:avLst/>
-                </a:prstGeom>
-              </p:spPr>
-            </p:pic>
-          </mc:Fallback>
-        </mc:AlternateContent>
-        <mc:AlternateContent xmlns:mc="http://schemas.openxmlformats.org/markup-compatibility/2006">
-          <mc:Choice xmlns:p14="http://schemas.microsoft.com/office/powerpoint/2010/main" Requires="p14">
-            <p:contentPart p14:bwMode="auto" r:id="rId14">
-              <p14:nvContentPartPr>
-                <p14:cNvPr id="26" name="Ink 25">
-                  <a:extLst>
-                    <a:ext uri="{FF2B5EF4-FFF2-40B4-BE49-F238E27FC236}">
-                      <a16:creationId xmlns:a16="http://schemas.microsoft.com/office/drawing/2014/main" id="{B5B581D0-E84B-02FE-3C09-EFC3653BEAC9}"/>
-                    </a:ext>
-                  </a:extLst>
-                </p14:cNvPr>
-                <p14:cNvContentPartPr/>
-                <p14:nvPr/>
-              </p14:nvContentPartPr>
-              <p14:xfrm>
-                <a:off x="7884674" y="2002846"/>
-                <a:ext cx="123120" cy="289080"/>
-              </p14:xfrm>
-            </p:contentPart>
-          </mc:Choice>
-          <mc:Fallback>
-            <p:pic>
-              <p:nvPicPr>
-                <p:cNvPr id="26" name="Ink 25">
-                  <a:extLst>
-                    <a:ext uri="{FF2B5EF4-FFF2-40B4-BE49-F238E27FC236}">
-                      <a16:creationId xmlns:a16="http://schemas.microsoft.com/office/drawing/2014/main" id="{B5B581D0-E84B-02FE-3C09-EFC3653BEAC9}"/>
-                    </a:ext>
-                  </a:extLst>
-                </p:cNvPr>
-                <p:cNvPicPr/>
-                <p:nvPr/>
-              </p:nvPicPr>
-              <p:blipFill>
-                <a:blip r:embed="rId15"/>
-                <a:stretch>
-                  <a:fillRect/>
-                </a:stretch>
-              </p:blipFill>
-              <p:spPr>
-                <a:xfrm>
-                  <a:off x="7878554" y="1996726"/>
-                  <a:ext cx="135360" cy="301320"/>
-                </a:xfrm>
-                <a:prstGeom prst="rect">
-                  <a:avLst/>
-                </a:prstGeom>
-              </p:spPr>
-            </p:pic>
-          </mc:Fallback>
-        </mc:AlternateContent>
-        <mc:AlternateContent xmlns:mc="http://schemas.openxmlformats.org/markup-compatibility/2006">
-          <mc:Choice xmlns:p14="http://schemas.microsoft.com/office/powerpoint/2010/main" Requires="p14">
-            <p:contentPart p14:bwMode="auto" r:id="rId16">
-              <p14:nvContentPartPr>
-                <p14:cNvPr id="27" name="Ink 26">
-                  <a:extLst>
-                    <a:ext uri="{FF2B5EF4-FFF2-40B4-BE49-F238E27FC236}">
-                      <a16:creationId xmlns:a16="http://schemas.microsoft.com/office/drawing/2014/main" id="{F1ADB034-AF04-7A35-E02D-A3140FF1609B}"/>
-                    </a:ext>
-                  </a:extLst>
-                </p14:cNvPr>
-                <p14:cNvContentPartPr/>
-                <p14:nvPr/>
-              </p14:nvContentPartPr>
-              <p14:xfrm>
-                <a:off x="8059274" y="2015446"/>
-                <a:ext cx="368640" cy="674640"/>
-              </p14:xfrm>
-            </p:contentPart>
-          </mc:Choice>
-          <mc:Fallback>
-            <p:pic>
-              <p:nvPicPr>
-                <p:cNvPr id="27" name="Ink 26">
-                  <a:extLst>
-                    <a:ext uri="{FF2B5EF4-FFF2-40B4-BE49-F238E27FC236}">
-                      <a16:creationId xmlns:a16="http://schemas.microsoft.com/office/drawing/2014/main" id="{F1ADB034-AF04-7A35-E02D-A3140FF1609B}"/>
-                    </a:ext>
-                  </a:extLst>
-                </p:cNvPr>
-                <p:cNvPicPr/>
-                <p:nvPr/>
-              </p:nvPicPr>
-              <p:blipFill>
-                <a:blip r:embed="rId17"/>
-                <a:stretch>
-                  <a:fillRect/>
-                </a:stretch>
-              </p:blipFill>
-              <p:spPr>
-                <a:xfrm>
-                  <a:off x="8053154" y="2009326"/>
-                  <a:ext cx="380880" cy="686880"/>
-                </a:xfrm>
-                <a:prstGeom prst="rect">
-                  <a:avLst/>
-                </a:prstGeom>
-              </p:spPr>
-            </p:pic>
-          </mc:Fallback>
-        </mc:AlternateContent>
-        <mc:AlternateContent xmlns:mc="http://schemas.openxmlformats.org/markup-compatibility/2006">
-          <mc:Choice xmlns:p14="http://schemas.microsoft.com/office/powerpoint/2010/main" Requires="p14">
-            <p:contentPart p14:bwMode="auto" r:id="rId18">
-              <p14:nvContentPartPr>
-                <p14:cNvPr id="28" name="Ink 27">
-                  <a:extLst>
-                    <a:ext uri="{FF2B5EF4-FFF2-40B4-BE49-F238E27FC236}">
-                      <a16:creationId xmlns:a16="http://schemas.microsoft.com/office/drawing/2014/main" id="{6C51EDB7-8AAE-0BE5-F16C-87275280EDB7}"/>
-                    </a:ext>
-                  </a:extLst>
-                </p14:cNvPr>
-                <p14:cNvContentPartPr/>
-                <p14:nvPr/>
-              </p14:nvContentPartPr>
-              <p14:xfrm>
-                <a:off x="8470034" y="1925446"/>
-                <a:ext cx="199080" cy="267120"/>
-              </p14:xfrm>
-            </p:contentPart>
-          </mc:Choice>
-          <mc:Fallback>
-            <p:pic>
-              <p:nvPicPr>
-                <p:cNvPr id="28" name="Ink 27">
-                  <a:extLst>
-                    <a:ext uri="{FF2B5EF4-FFF2-40B4-BE49-F238E27FC236}">
-                      <a16:creationId xmlns:a16="http://schemas.microsoft.com/office/drawing/2014/main" id="{6C51EDB7-8AAE-0BE5-F16C-87275280EDB7}"/>
-                    </a:ext>
-                  </a:extLst>
-                </p:cNvPr>
-                <p:cNvPicPr/>
-                <p:nvPr/>
-              </p:nvPicPr>
-              <p:blipFill>
-                <a:blip r:embed="rId19"/>
-                <a:stretch>
-                  <a:fillRect/>
-                </a:stretch>
-              </p:blipFill>
-              <p:spPr>
-                <a:xfrm>
-                  <a:off x="8463914" y="1919326"/>
-                  <a:ext cx="211320" cy="279360"/>
-                </a:xfrm>
-                <a:prstGeom prst="rect">
-                  <a:avLst/>
-                </a:prstGeom>
-              </p:spPr>
-            </p:pic>
-          </mc:Fallback>
-        </mc:AlternateContent>
-        <mc:AlternateContent xmlns:mc="http://schemas.openxmlformats.org/markup-compatibility/2006">
-          <mc:Choice xmlns:p14="http://schemas.microsoft.com/office/powerpoint/2010/main" Requires="p14">
-            <p:contentPart p14:bwMode="auto" r:id="rId20">
-              <p14:nvContentPartPr>
-                <p14:cNvPr id="29" name="Ink 28">
-                  <a:extLst>
-                    <a:ext uri="{FF2B5EF4-FFF2-40B4-BE49-F238E27FC236}">
-                      <a16:creationId xmlns:a16="http://schemas.microsoft.com/office/drawing/2014/main" id="{3D8665A5-0B09-59D3-F771-B2A35D6CBBD4}"/>
-                    </a:ext>
-                  </a:extLst>
-                </p14:cNvPr>
-                <p14:cNvContentPartPr/>
-                <p14:nvPr/>
-              </p14:nvContentPartPr>
-              <p14:xfrm>
-                <a:off x="8668754" y="2200486"/>
-                <a:ext cx="360" cy="360"/>
-              </p14:xfrm>
-            </p:contentPart>
-          </mc:Choice>
-          <mc:Fallback>
-            <p:pic>
-              <p:nvPicPr>
-                <p:cNvPr id="29" name="Ink 28">
-                  <a:extLst>
-                    <a:ext uri="{FF2B5EF4-FFF2-40B4-BE49-F238E27FC236}">
-                      <a16:creationId xmlns:a16="http://schemas.microsoft.com/office/drawing/2014/main" id="{3D8665A5-0B09-59D3-F771-B2A35D6CBBD4}"/>
-                    </a:ext>
-                  </a:extLst>
-                </p:cNvPr>
-                <p:cNvPicPr/>
-                <p:nvPr/>
-              </p:nvPicPr>
-              <p:blipFill>
-                <a:blip r:embed="rId21"/>
-                <a:stretch>
-                  <a:fillRect/>
-                </a:stretch>
-              </p:blipFill>
-              <p:spPr>
-                <a:xfrm>
-                  <a:off x="8662634" y="2194366"/>
-                  <a:ext cx="12600" cy="12600"/>
-                </a:xfrm>
-                <a:prstGeom prst="rect">
-                  <a:avLst/>
-                </a:prstGeom>
-              </p:spPr>
-            </p:pic>
-          </mc:Fallback>
-        </mc:AlternateContent>
-        <mc:AlternateContent xmlns:mc="http://schemas.openxmlformats.org/markup-compatibility/2006">
-          <mc:Choice xmlns:p14="http://schemas.microsoft.com/office/powerpoint/2010/main" Requires="p14">
-            <p:contentPart p14:bwMode="auto" r:id="rId22">
-              <p14:nvContentPartPr>
-                <p14:cNvPr id="32" name="Ink 31">
-                  <a:extLst>
-                    <a:ext uri="{FF2B5EF4-FFF2-40B4-BE49-F238E27FC236}">
-                      <a16:creationId xmlns:a16="http://schemas.microsoft.com/office/drawing/2014/main" id="{AA151523-CABF-15C1-5E68-B940480B3FD6}"/>
-                    </a:ext>
-                  </a:extLst>
-                </p14:cNvPr>
-                <p14:cNvContentPartPr/>
-                <p14:nvPr/>
-              </p14:nvContentPartPr>
-              <p14:xfrm>
-                <a:off x="7599194" y="2266366"/>
-                <a:ext cx="66600" cy="360"/>
-              </p14:xfrm>
-            </p:contentPart>
-          </mc:Choice>
-          <mc:Fallback>
-            <p:pic>
-              <p:nvPicPr>
-                <p:cNvPr id="32" name="Ink 31">
-                  <a:extLst>
-                    <a:ext uri="{FF2B5EF4-FFF2-40B4-BE49-F238E27FC236}">
-                      <a16:creationId xmlns:a16="http://schemas.microsoft.com/office/drawing/2014/main" id="{AA151523-CABF-15C1-5E68-B940480B3FD6}"/>
-                    </a:ext>
-                  </a:extLst>
-                </p:cNvPr>
-                <p:cNvPicPr/>
-                <p:nvPr/>
-              </p:nvPicPr>
-              <p:blipFill>
-                <a:blip r:embed="rId23"/>
-                <a:stretch>
-                  <a:fillRect/>
-                </a:stretch>
-              </p:blipFill>
-              <p:spPr>
-                <a:xfrm>
-                  <a:off x="7593074" y="2260246"/>
-                  <a:ext cx="78840" cy="12600"/>
-                </a:xfrm>
-                <a:prstGeom prst="rect">
-                  <a:avLst/>
-                </a:prstGeom>
-              </p:spPr>
-            </p:pic>
-          </mc:Fallback>
-        </mc:AlternateContent>
-        <mc:AlternateContent xmlns:mc="http://schemas.openxmlformats.org/markup-compatibility/2006">
-          <mc:Choice xmlns:p14="http://schemas.microsoft.com/office/powerpoint/2010/main" Requires="p14">
-            <p:contentPart p14:bwMode="auto" r:id="rId24">
-              <p14:nvContentPartPr>
-                <p14:cNvPr id="35" name="Ink 34">
-                  <a:extLst>
-                    <a:ext uri="{FF2B5EF4-FFF2-40B4-BE49-F238E27FC236}">
-                      <a16:creationId xmlns:a16="http://schemas.microsoft.com/office/drawing/2014/main" id="{931171F9-243B-F672-8CB1-6E8142CDB283}"/>
-                    </a:ext>
-                  </a:extLst>
-                </p14:cNvPr>
-                <p14:cNvContentPartPr/>
-                <p14:nvPr/>
-              </p14:nvContentPartPr>
-              <p14:xfrm>
-                <a:off x="7605314" y="2309206"/>
-                <a:ext cx="108000" cy="10080"/>
-              </p14:xfrm>
-            </p:contentPart>
-          </mc:Choice>
-          <mc:Fallback>
-            <p:pic>
-              <p:nvPicPr>
-                <p:cNvPr id="35" name="Ink 34">
-                  <a:extLst>
-                    <a:ext uri="{FF2B5EF4-FFF2-40B4-BE49-F238E27FC236}">
-                      <a16:creationId xmlns:a16="http://schemas.microsoft.com/office/drawing/2014/main" id="{931171F9-243B-F672-8CB1-6E8142CDB283}"/>
-                    </a:ext>
-                  </a:extLst>
-                </p:cNvPr>
-                <p:cNvPicPr/>
-                <p:nvPr/>
-              </p:nvPicPr>
-              <p:blipFill>
-                <a:blip r:embed="rId25"/>
-                <a:stretch>
-                  <a:fillRect/>
-                </a:stretch>
-              </p:blipFill>
-              <p:spPr>
-                <a:xfrm>
-                  <a:off x="7599194" y="2303086"/>
-                  <a:ext cx="120240" cy="22320"/>
-                </a:xfrm>
-                <a:prstGeom prst="rect">
-                  <a:avLst/>
-                </a:prstGeom>
-              </p:spPr>
-            </p:pic>
-          </mc:Fallback>
-        </mc:AlternateContent>
-      </p:grpSp>
-      <mc:AlternateContent xmlns:mc="http://schemas.openxmlformats.org/markup-compatibility/2006">
-        <mc:Choice xmlns:p14="http://schemas.microsoft.com/office/powerpoint/2010/main" Requires="p14">
-          <p:contentPart p14:bwMode="auto" r:id="rId26">
-            <p14:nvContentPartPr>
-              <p14:cNvPr id="38" name="Ink 37">
-                <a:extLst>
-                  <a:ext uri="{FF2B5EF4-FFF2-40B4-BE49-F238E27FC236}">
-                    <a16:creationId xmlns:a16="http://schemas.microsoft.com/office/drawing/2014/main" id="{B3B208C4-1DB8-5CD4-2CA3-FB7EABE5EC74}"/>
-                  </a:ext>
-                </a:extLst>
-              </p14:cNvPr>
-              <p14:cNvContentPartPr/>
-              <p14:nvPr/>
-            </p14:nvContentPartPr>
-            <p14:xfrm>
-              <a:off x="7347194" y="2508646"/>
-              <a:ext cx="2191680" cy="3240"/>
-            </p14:xfrm>
-          </p:contentPart>
-        </mc:Choice>
-        <mc:Fallback>
-          <p:pic>
-            <p:nvPicPr>
-              <p:cNvPr id="38" name="Ink 37">
-                <a:extLst>
-                  <a:ext uri="{FF2B5EF4-FFF2-40B4-BE49-F238E27FC236}">
-                    <a16:creationId xmlns:a16="http://schemas.microsoft.com/office/drawing/2014/main" id="{B3B208C4-1DB8-5CD4-2CA3-FB7EABE5EC74}"/>
-                  </a:ext>
-                </a:extLst>
-              </p:cNvPr>
-              <p:cNvPicPr/>
-              <p:nvPr/>
-            </p:nvPicPr>
-            <p:blipFill>
-              <a:blip r:embed="rId27"/>
-              <a:stretch>
-                <a:fillRect/>
-              </a:stretch>
-            </p:blipFill>
-            <p:spPr>
-              <a:xfrm>
-                <a:off x="7341074" y="2502526"/>
-                <a:ext cx="2203920" cy="15480"/>
-              </a:xfrm>
-              <a:prstGeom prst="rect">
-                <a:avLst/>
-              </a:prstGeom>
-            </p:spPr>
-          </p:pic>
-        </mc:Fallback>
-      </mc:AlternateContent>
-      <p:grpSp>
-        <p:nvGrpSpPr>
-          <p:cNvPr id="61" name="Group 60">
-            <a:extLst>
-              <a:ext uri="{FF2B5EF4-FFF2-40B4-BE49-F238E27FC236}">
-                <a16:creationId xmlns:a16="http://schemas.microsoft.com/office/drawing/2014/main" id="{86F84AF3-BD37-0794-0F5D-F02780513878}"/>
-              </a:ext>
-            </a:extLst>
-          </p:cNvPr>
-          <p:cNvGrpSpPr/>
-          <p:nvPr/>
-        </p:nvGrpSpPr>
-        <p:grpSpPr>
-          <a:xfrm>
-            <a:off x="864314" y="2641126"/>
-            <a:ext cx="5575320" cy="4235040"/>
-            <a:chOff x="864314" y="2641126"/>
-            <a:chExt cx="5575320" cy="4235040"/>
-          </a:xfrm>
-        </p:grpSpPr>
-        <mc:AlternateContent xmlns:mc="http://schemas.openxmlformats.org/markup-compatibility/2006">
-          <mc:Choice xmlns:p14="http://schemas.microsoft.com/office/powerpoint/2010/main" Requires="p14">
-            <p:contentPart p14:bwMode="auto" r:id="rId28">
-              <p14:nvContentPartPr>
-                <p14:cNvPr id="7" name="Ink 6">
-                  <a:extLst>
-                    <a:ext uri="{FF2B5EF4-FFF2-40B4-BE49-F238E27FC236}">
-                      <a16:creationId xmlns:a16="http://schemas.microsoft.com/office/drawing/2014/main" id="{4F59F0CB-C1B1-E59B-EBB3-3E26FB8D720B}"/>
-                    </a:ext>
-                  </a:extLst>
-                </p14:cNvPr>
-                <p14:cNvContentPartPr/>
-                <p14:nvPr/>
-              </p14:nvContentPartPr>
-              <p14:xfrm>
-                <a:off x="864314" y="5613646"/>
-                <a:ext cx="5161680" cy="39240"/>
-              </p14:xfrm>
-            </p:contentPart>
-          </mc:Choice>
-          <mc:Fallback>
-            <p:pic>
-              <p:nvPicPr>
-                <p:cNvPr id="7" name="Ink 6">
-                  <a:extLst>
-                    <a:ext uri="{FF2B5EF4-FFF2-40B4-BE49-F238E27FC236}">
-                      <a16:creationId xmlns:a16="http://schemas.microsoft.com/office/drawing/2014/main" id="{4F59F0CB-C1B1-E59B-EBB3-3E26FB8D720B}"/>
-                    </a:ext>
-                  </a:extLst>
-                </p:cNvPr>
-                <p:cNvPicPr/>
-                <p:nvPr/>
-              </p:nvPicPr>
-              <p:blipFill>
-                <a:blip r:embed="rId29"/>
-                <a:stretch>
-                  <a:fillRect/>
-                </a:stretch>
-              </p:blipFill>
-              <p:spPr>
-                <a:xfrm>
-                  <a:off x="858194" y="5607526"/>
-                  <a:ext cx="5173920" cy="51480"/>
-                </a:xfrm>
-                <a:prstGeom prst="rect">
-                  <a:avLst/>
-                </a:prstGeom>
-              </p:spPr>
-            </p:pic>
-          </mc:Fallback>
-        </mc:AlternateContent>
-        <mc:AlternateContent xmlns:mc="http://schemas.openxmlformats.org/markup-compatibility/2006">
-          <mc:Choice xmlns:p14="http://schemas.microsoft.com/office/powerpoint/2010/main" Requires="p14">
-            <p:contentPart p14:bwMode="auto" r:id="rId30">
-              <p14:nvContentPartPr>
-                <p14:cNvPr id="8" name="Ink 7">
-                  <a:extLst>
-                    <a:ext uri="{FF2B5EF4-FFF2-40B4-BE49-F238E27FC236}">
-                      <a16:creationId xmlns:a16="http://schemas.microsoft.com/office/drawing/2014/main" id="{3B5585AB-2F49-A9B0-DE8F-DAA2215235BC}"/>
-                    </a:ext>
-                  </a:extLst>
-                </p14:cNvPr>
-                <p14:cNvContentPartPr/>
-                <p14:nvPr/>
-              </p14:nvContentPartPr>
-              <p14:xfrm>
-                <a:off x="2629394" y="2641126"/>
-                <a:ext cx="341280" cy="3379320"/>
-              </p14:xfrm>
-            </p:contentPart>
-          </mc:Choice>
-          <mc:Fallback>
-            <p:pic>
-              <p:nvPicPr>
-                <p:cNvPr id="8" name="Ink 7">
-                  <a:extLst>
-                    <a:ext uri="{FF2B5EF4-FFF2-40B4-BE49-F238E27FC236}">
-                      <a16:creationId xmlns:a16="http://schemas.microsoft.com/office/drawing/2014/main" id="{3B5585AB-2F49-A9B0-DE8F-DAA2215235BC}"/>
-                    </a:ext>
-                  </a:extLst>
-                </p:cNvPr>
-                <p:cNvPicPr/>
-                <p:nvPr/>
-              </p:nvPicPr>
-              <p:blipFill>
-                <a:blip r:embed="rId31"/>
-                <a:stretch>
-                  <a:fillRect/>
-                </a:stretch>
-              </p:blipFill>
-              <p:spPr>
-                <a:xfrm>
-                  <a:off x="2623274" y="2635006"/>
-                  <a:ext cx="353520" cy="3391560"/>
-                </a:xfrm>
-                <a:prstGeom prst="rect">
-                  <a:avLst/>
-                </a:prstGeom>
-              </p:spPr>
-            </p:pic>
-          </mc:Fallback>
-        </mc:AlternateContent>
-        <mc:AlternateContent xmlns:mc="http://schemas.openxmlformats.org/markup-compatibility/2006">
-          <mc:Choice xmlns:p14="http://schemas.microsoft.com/office/powerpoint/2010/main" Requires="p14">
-            <p:contentPart p14:bwMode="auto" r:id="rId32">
-              <p14:nvContentPartPr>
-                <p14:cNvPr id="14" name="Ink 13">
-                  <a:extLst>
-                    <a:ext uri="{FF2B5EF4-FFF2-40B4-BE49-F238E27FC236}">
-                      <a16:creationId xmlns:a16="http://schemas.microsoft.com/office/drawing/2014/main" id="{10EA630F-CCE0-D109-E211-09C6ADD47145}"/>
-                    </a:ext>
-                  </a:extLst>
-                </p14:cNvPr>
-                <p14:cNvContentPartPr/>
-                <p14:nvPr/>
-              </p14:nvContentPartPr>
-              <p14:xfrm>
-                <a:off x="6206714" y="5707246"/>
-                <a:ext cx="186480" cy="339480"/>
-              </p14:xfrm>
-            </p:contentPart>
-          </mc:Choice>
-          <mc:Fallback>
-            <p:pic>
-              <p:nvPicPr>
-                <p:cNvPr id="14" name="Ink 13">
-                  <a:extLst>
-                    <a:ext uri="{FF2B5EF4-FFF2-40B4-BE49-F238E27FC236}">
-                      <a16:creationId xmlns:a16="http://schemas.microsoft.com/office/drawing/2014/main" id="{10EA630F-CCE0-D109-E211-09C6ADD47145}"/>
-                    </a:ext>
-                  </a:extLst>
-                </p:cNvPr>
-                <p:cNvPicPr/>
-                <p:nvPr/>
-              </p:nvPicPr>
-              <p:blipFill>
-                <a:blip r:embed="rId33"/>
-                <a:stretch>
-                  <a:fillRect/>
-                </a:stretch>
-              </p:blipFill>
-              <p:spPr>
-                <a:xfrm>
-                  <a:off x="6200594" y="5701126"/>
-                  <a:ext cx="198720" cy="351720"/>
-                </a:xfrm>
-                <a:prstGeom prst="rect">
-                  <a:avLst/>
-                </a:prstGeom>
-              </p:spPr>
-            </p:pic>
-          </mc:Fallback>
-        </mc:AlternateContent>
-        <mc:AlternateContent xmlns:mc="http://schemas.openxmlformats.org/markup-compatibility/2006">
-          <mc:Choice xmlns:p14="http://schemas.microsoft.com/office/powerpoint/2010/main" Requires="p14">
-            <p:contentPart p14:bwMode="auto" r:id="rId34">
-              <p14:nvContentPartPr>
-                <p14:cNvPr id="15" name="Ink 14">
-                  <a:extLst>
-                    <a:ext uri="{FF2B5EF4-FFF2-40B4-BE49-F238E27FC236}">
-                      <a16:creationId xmlns:a16="http://schemas.microsoft.com/office/drawing/2014/main" id="{DFF23553-ED89-5A6E-722D-6B476F83DDD4}"/>
-                    </a:ext>
-                  </a:extLst>
-                </p14:cNvPr>
-                <p14:cNvContentPartPr/>
-                <p14:nvPr/>
-              </p14:nvContentPartPr>
-              <p14:xfrm>
-                <a:off x="5994674" y="5748646"/>
-                <a:ext cx="444960" cy="321840"/>
-              </p14:xfrm>
-            </p:contentPart>
-          </mc:Choice>
-          <mc:Fallback>
-            <p:pic>
-              <p:nvPicPr>
-                <p:cNvPr id="15" name="Ink 14">
-                  <a:extLst>
-                    <a:ext uri="{FF2B5EF4-FFF2-40B4-BE49-F238E27FC236}">
-                      <a16:creationId xmlns:a16="http://schemas.microsoft.com/office/drawing/2014/main" id="{DFF23553-ED89-5A6E-722D-6B476F83DDD4}"/>
-                    </a:ext>
-                  </a:extLst>
-                </p:cNvPr>
-                <p:cNvPicPr/>
-                <p:nvPr/>
-              </p:nvPicPr>
-              <p:blipFill>
-                <a:blip r:embed="rId35"/>
-                <a:stretch>
-                  <a:fillRect/>
-                </a:stretch>
-              </p:blipFill>
-              <p:spPr>
-                <a:xfrm>
-                  <a:off x="5988554" y="5742526"/>
-                  <a:ext cx="457200" cy="334080"/>
-                </a:xfrm>
-                <a:prstGeom prst="rect">
-                  <a:avLst/>
-                </a:prstGeom>
-              </p:spPr>
-            </p:pic>
-          </mc:Fallback>
-        </mc:AlternateContent>
-        <mc:AlternateContent xmlns:mc="http://schemas.openxmlformats.org/markup-compatibility/2006">
-          <mc:Choice xmlns:p14="http://schemas.microsoft.com/office/powerpoint/2010/main" Requires="p14">
-            <p:contentPart p14:bwMode="auto" r:id="rId36">
-              <p14:nvContentPartPr>
-                <p14:cNvPr id="39" name="Ink 38">
-                  <a:extLst>
-                    <a:ext uri="{FF2B5EF4-FFF2-40B4-BE49-F238E27FC236}">
-                      <a16:creationId xmlns:a16="http://schemas.microsoft.com/office/drawing/2014/main" id="{591E325A-0420-766D-AE44-4715FC880958}"/>
-                    </a:ext>
-                  </a:extLst>
-                </p14:cNvPr>
-                <p14:cNvContentPartPr/>
-                <p14:nvPr/>
-              </p14:nvContentPartPr>
-              <p14:xfrm>
-                <a:off x="3320594" y="6469006"/>
-                <a:ext cx="245520" cy="274680"/>
-              </p14:xfrm>
-            </p:contentPart>
-          </mc:Choice>
-          <mc:Fallback>
-            <p:pic>
-              <p:nvPicPr>
-                <p:cNvPr id="39" name="Ink 38">
-                  <a:extLst>
-                    <a:ext uri="{FF2B5EF4-FFF2-40B4-BE49-F238E27FC236}">
-                      <a16:creationId xmlns:a16="http://schemas.microsoft.com/office/drawing/2014/main" id="{591E325A-0420-766D-AE44-4715FC880958}"/>
-                    </a:ext>
-                  </a:extLst>
-                </p:cNvPr>
-                <p:cNvPicPr/>
-                <p:nvPr/>
-              </p:nvPicPr>
-              <p:blipFill>
-                <a:blip r:embed="rId37"/>
-                <a:stretch>
-                  <a:fillRect/>
-                </a:stretch>
-              </p:blipFill>
-              <p:spPr>
-                <a:xfrm>
-                  <a:off x="3314474" y="6462886"/>
-                  <a:ext cx="257760" cy="286920"/>
-                </a:xfrm>
-                <a:prstGeom prst="rect">
-                  <a:avLst/>
-                </a:prstGeom>
-              </p:spPr>
-            </p:pic>
-          </mc:Fallback>
-        </mc:AlternateContent>
-        <mc:AlternateContent xmlns:mc="http://schemas.openxmlformats.org/markup-compatibility/2006">
-          <mc:Choice xmlns:p14="http://schemas.microsoft.com/office/powerpoint/2010/main" Requires="p14">
-            <p:contentPart p14:bwMode="auto" r:id="rId38">
-              <p14:nvContentPartPr>
-                <p14:cNvPr id="40" name="Ink 39">
-                  <a:extLst>
-                    <a:ext uri="{FF2B5EF4-FFF2-40B4-BE49-F238E27FC236}">
-                      <a16:creationId xmlns:a16="http://schemas.microsoft.com/office/drawing/2014/main" id="{1F58BBCD-3C8C-B12D-907D-A3609096FAE8}"/>
-                    </a:ext>
-                  </a:extLst>
-                </p14:cNvPr>
-                <p14:cNvContentPartPr/>
-                <p14:nvPr/>
-              </p14:nvContentPartPr>
-              <p14:xfrm>
-                <a:off x="3340754" y="6430126"/>
-                <a:ext cx="232200" cy="349200"/>
-              </p14:xfrm>
-            </p:contentPart>
-          </mc:Choice>
-          <mc:Fallback>
-            <p:pic>
-              <p:nvPicPr>
-                <p:cNvPr id="40" name="Ink 39">
-                  <a:extLst>
-                    <a:ext uri="{FF2B5EF4-FFF2-40B4-BE49-F238E27FC236}">
-                      <a16:creationId xmlns:a16="http://schemas.microsoft.com/office/drawing/2014/main" id="{1F58BBCD-3C8C-B12D-907D-A3609096FAE8}"/>
-                    </a:ext>
-                  </a:extLst>
-                </p:cNvPr>
-                <p:cNvPicPr/>
-                <p:nvPr/>
-              </p:nvPicPr>
-              <p:blipFill>
-                <a:blip r:embed="rId39"/>
-                <a:stretch>
-                  <a:fillRect/>
-                </a:stretch>
-              </p:blipFill>
-              <p:spPr>
-                <a:xfrm>
-                  <a:off x="3334634" y="6424006"/>
-                  <a:ext cx="244440" cy="361440"/>
-                </a:xfrm>
-                <a:prstGeom prst="rect">
-                  <a:avLst/>
-                </a:prstGeom>
-              </p:spPr>
-            </p:pic>
-          </mc:Fallback>
-        </mc:AlternateContent>
-        <mc:AlternateContent xmlns:mc="http://schemas.openxmlformats.org/markup-compatibility/2006">
-          <mc:Choice xmlns:p14="http://schemas.microsoft.com/office/powerpoint/2010/main" Requires="p14">
-            <p:contentPart p14:bwMode="auto" r:id="rId40">
-              <p14:nvContentPartPr>
-                <p14:cNvPr id="41" name="Ink 40">
-                  <a:extLst>
-                    <a:ext uri="{FF2B5EF4-FFF2-40B4-BE49-F238E27FC236}">
-                      <a16:creationId xmlns:a16="http://schemas.microsoft.com/office/drawing/2014/main" id="{A682A724-5299-F334-2C21-43F6A29D0089}"/>
-                    </a:ext>
-                  </a:extLst>
-                </p14:cNvPr>
-                <p14:cNvContentPartPr/>
-                <p14:nvPr/>
-              </p14:nvContentPartPr>
-              <p14:xfrm>
-                <a:off x="3302594" y="6376846"/>
-                <a:ext cx="400680" cy="3600"/>
-              </p14:xfrm>
-            </p:contentPart>
-          </mc:Choice>
-          <mc:Fallback>
-            <p:pic>
-              <p:nvPicPr>
-                <p:cNvPr id="41" name="Ink 40">
-                  <a:extLst>
-                    <a:ext uri="{FF2B5EF4-FFF2-40B4-BE49-F238E27FC236}">
-                      <a16:creationId xmlns:a16="http://schemas.microsoft.com/office/drawing/2014/main" id="{A682A724-5299-F334-2C21-43F6A29D0089}"/>
-                    </a:ext>
-                  </a:extLst>
-                </p:cNvPr>
-                <p:cNvPicPr/>
-                <p:nvPr/>
-              </p:nvPicPr>
-              <p:blipFill>
-                <a:blip r:embed="rId41"/>
-                <a:stretch>
-                  <a:fillRect/>
-                </a:stretch>
-              </p:blipFill>
-              <p:spPr>
-                <a:xfrm>
-                  <a:off x="3296474" y="6370726"/>
-                  <a:ext cx="412920" cy="15840"/>
-                </a:xfrm>
-                <a:prstGeom prst="rect">
-                  <a:avLst/>
-                </a:prstGeom>
-              </p:spPr>
-            </p:pic>
-          </mc:Fallback>
-        </mc:AlternateContent>
-        <mc:AlternateContent xmlns:mc="http://schemas.openxmlformats.org/markup-compatibility/2006">
-          <mc:Choice xmlns:p14="http://schemas.microsoft.com/office/powerpoint/2010/main" Requires="p14">
-            <p:contentPart p14:bwMode="auto" r:id="rId42">
-              <p14:nvContentPartPr>
-                <p14:cNvPr id="44" name="Ink 43">
-                  <a:extLst>
-                    <a:ext uri="{FF2B5EF4-FFF2-40B4-BE49-F238E27FC236}">
-                      <a16:creationId xmlns:a16="http://schemas.microsoft.com/office/drawing/2014/main" id="{66241A5C-3DBB-0A93-243F-C3ABD55F64A2}"/>
-                    </a:ext>
-                  </a:extLst>
-                </p14:cNvPr>
-                <p14:cNvContentPartPr/>
-                <p14:nvPr/>
-              </p14:nvContentPartPr>
-              <p14:xfrm>
-                <a:off x="3676994" y="6682126"/>
-                <a:ext cx="114120" cy="170640"/>
-              </p14:xfrm>
-            </p:contentPart>
-          </mc:Choice>
-          <mc:Fallback>
-            <p:pic>
-              <p:nvPicPr>
-                <p:cNvPr id="44" name="Ink 43">
-                  <a:extLst>
-                    <a:ext uri="{FF2B5EF4-FFF2-40B4-BE49-F238E27FC236}">
-                      <a16:creationId xmlns:a16="http://schemas.microsoft.com/office/drawing/2014/main" id="{66241A5C-3DBB-0A93-243F-C3ABD55F64A2}"/>
-                    </a:ext>
-                  </a:extLst>
-                </p:cNvPr>
-                <p:cNvPicPr/>
-                <p:nvPr/>
-              </p:nvPicPr>
-              <p:blipFill>
-                <a:blip r:embed="rId43"/>
-                <a:stretch>
-                  <a:fillRect/>
-                </a:stretch>
-              </p:blipFill>
-              <p:spPr>
-                <a:xfrm>
-                  <a:off x="3670874" y="6676006"/>
-                  <a:ext cx="126360" cy="182880"/>
-                </a:xfrm>
-                <a:prstGeom prst="rect">
-                  <a:avLst/>
-                </a:prstGeom>
-              </p:spPr>
-            </p:pic>
-          </mc:Fallback>
-        </mc:AlternateContent>
-        <mc:AlternateContent xmlns:mc="http://schemas.openxmlformats.org/markup-compatibility/2006">
-          <mc:Choice xmlns:p14="http://schemas.microsoft.com/office/powerpoint/2010/main" Requires="p14">
-            <p:contentPart p14:bwMode="auto" r:id="rId44">
-              <p14:nvContentPartPr>
-                <p14:cNvPr id="47" name="Ink 46">
-                  <a:extLst>
-                    <a:ext uri="{FF2B5EF4-FFF2-40B4-BE49-F238E27FC236}">
-                      <a16:creationId xmlns:a16="http://schemas.microsoft.com/office/drawing/2014/main" id="{8EDC5F96-D8D3-D924-F281-94FD41DC5CB8}"/>
-                    </a:ext>
-                  </a:extLst>
-                </p14:cNvPr>
-                <p14:cNvContentPartPr/>
-                <p14:nvPr/>
-              </p14:nvContentPartPr>
-              <p14:xfrm>
-                <a:off x="3638474" y="6701926"/>
-                <a:ext cx="156600" cy="4320"/>
-              </p14:xfrm>
-            </p:contentPart>
-          </mc:Choice>
-          <mc:Fallback>
-            <p:pic>
-              <p:nvPicPr>
-                <p:cNvPr id="47" name="Ink 46">
-                  <a:extLst>
-                    <a:ext uri="{FF2B5EF4-FFF2-40B4-BE49-F238E27FC236}">
-                      <a16:creationId xmlns:a16="http://schemas.microsoft.com/office/drawing/2014/main" id="{8EDC5F96-D8D3-D924-F281-94FD41DC5CB8}"/>
-                    </a:ext>
-                  </a:extLst>
-                </p:cNvPr>
-                <p:cNvPicPr/>
-                <p:nvPr/>
-              </p:nvPicPr>
-              <p:blipFill>
-                <a:blip r:embed="rId45"/>
-                <a:stretch>
-                  <a:fillRect/>
-                </a:stretch>
-              </p:blipFill>
-              <p:spPr>
-                <a:xfrm>
-                  <a:off x="3632354" y="6695806"/>
-                  <a:ext cx="168840" cy="16560"/>
-                </a:xfrm>
-                <a:prstGeom prst="rect">
-                  <a:avLst/>
-                </a:prstGeom>
-              </p:spPr>
-            </p:pic>
-          </mc:Fallback>
-        </mc:AlternateContent>
-        <mc:AlternateContent xmlns:mc="http://schemas.openxmlformats.org/markup-compatibility/2006">
-          <mc:Choice xmlns:p14="http://schemas.microsoft.com/office/powerpoint/2010/main" Requires="p14">
-            <p:contentPart p14:bwMode="auto" r:id="rId46">
-              <p14:nvContentPartPr>
-                <p14:cNvPr id="50" name="Ink 49">
-                  <a:extLst>
-                    <a:ext uri="{FF2B5EF4-FFF2-40B4-BE49-F238E27FC236}">
-                      <a16:creationId xmlns:a16="http://schemas.microsoft.com/office/drawing/2014/main" id="{753862E9-3BCB-BD8D-818C-E6751C49C2E9}"/>
-                    </a:ext>
-                  </a:extLst>
-                </p14:cNvPr>
-                <p14:cNvContentPartPr/>
-                <p14:nvPr/>
-              </p14:nvContentPartPr>
-              <p14:xfrm>
-                <a:off x="3701834" y="6773206"/>
-                <a:ext cx="101160" cy="10080"/>
-              </p14:xfrm>
-            </p:contentPart>
-          </mc:Choice>
-          <mc:Fallback>
-            <p:pic>
-              <p:nvPicPr>
-                <p:cNvPr id="50" name="Ink 49">
-                  <a:extLst>
-                    <a:ext uri="{FF2B5EF4-FFF2-40B4-BE49-F238E27FC236}">
-                      <a16:creationId xmlns:a16="http://schemas.microsoft.com/office/drawing/2014/main" id="{753862E9-3BCB-BD8D-818C-E6751C49C2E9}"/>
-                    </a:ext>
-                  </a:extLst>
-                </p:cNvPr>
-                <p:cNvPicPr/>
-                <p:nvPr/>
-              </p:nvPicPr>
-              <p:blipFill>
-                <a:blip r:embed="rId47"/>
-                <a:stretch>
-                  <a:fillRect/>
-                </a:stretch>
-              </p:blipFill>
-              <p:spPr>
-                <a:xfrm>
-                  <a:off x="3695714" y="6767086"/>
-                  <a:ext cx="113400" cy="22320"/>
-                </a:xfrm>
-                <a:prstGeom prst="rect">
-                  <a:avLst/>
-                </a:prstGeom>
-              </p:spPr>
-            </p:pic>
-          </mc:Fallback>
-        </mc:AlternateContent>
-        <mc:AlternateContent xmlns:mc="http://schemas.openxmlformats.org/markup-compatibility/2006">
-          <mc:Choice xmlns:p14="http://schemas.microsoft.com/office/powerpoint/2010/main" Requires="p14">
-            <p:contentPart p14:bwMode="auto" r:id="rId48">
-              <p14:nvContentPartPr>
-                <p14:cNvPr id="53" name="Ink 52">
-                  <a:extLst>
-                    <a:ext uri="{FF2B5EF4-FFF2-40B4-BE49-F238E27FC236}">
-                      <a16:creationId xmlns:a16="http://schemas.microsoft.com/office/drawing/2014/main" id="{1D4DA767-A75B-EDE9-0E2F-C871EE0CB778}"/>
-                    </a:ext>
-                  </a:extLst>
-                </p14:cNvPr>
-                <p14:cNvContentPartPr/>
-                <p14:nvPr/>
-              </p14:nvContentPartPr>
-              <p14:xfrm>
-                <a:off x="3846554" y="6643606"/>
-                <a:ext cx="83880" cy="217800"/>
-              </p14:xfrm>
-            </p:contentPart>
-          </mc:Choice>
-          <mc:Fallback>
-            <p:pic>
-              <p:nvPicPr>
-                <p:cNvPr id="53" name="Ink 52">
-                  <a:extLst>
-                    <a:ext uri="{FF2B5EF4-FFF2-40B4-BE49-F238E27FC236}">
-                      <a16:creationId xmlns:a16="http://schemas.microsoft.com/office/drawing/2014/main" id="{1D4DA767-A75B-EDE9-0E2F-C871EE0CB778}"/>
-                    </a:ext>
-                  </a:extLst>
-                </p:cNvPr>
-                <p:cNvPicPr/>
-                <p:nvPr/>
-              </p:nvPicPr>
-              <p:blipFill>
-                <a:blip r:embed="rId49"/>
-                <a:stretch>
-                  <a:fillRect/>
-                </a:stretch>
-              </p:blipFill>
-              <p:spPr>
-                <a:xfrm>
-                  <a:off x="3840434" y="6637486"/>
-                  <a:ext cx="96120" cy="230040"/>
-                </a:xfrm>
-                <a:prstGeom prst="rect">
-                  <a:avLst/>
-                </a:prstGeom>
-              </p:spPr>
-            </p:pic>
-          </mc:Fallback>
-        </mc:AlternateContent>
-        <mc:AlternateContent xmlns:mc="http://schemas.openxmlformats.org/markup-compatibility/2006">
-          <mc:Choice xmlns:p14="http://schemas.microsoft.com/office/powerpoint/2010/main" Requires="p14">
-            <p:contentPart p14:bwMode="auto" r:id="rId50">
-              <p14:nvContentPartPr>
-                <p14:cNvPr id="54" name="Ink 53">
-                  <a:extLst>
-                    <a:ext uri="{FF2B5EF4-FFF2-40B4-BE49-F238E27FC236}">
-                      <a16:creationId xmlns:a16="http://schemas.microsoft.com/office/drawing/2014/main" id="{51B71EA3-39FE-1BCE-D93F-72DA6E30B80B}"/>
-                    </a:ext>
-                  </a:extLst>
-                </p14:cNvPr>
-                <p14:cNvContentPartPr/>
-                <p14:nvPr/>
-              </p14:nvContentPartPr>
-              <p14:xfrm>
-                <a:off x="4004234" y="6682486"/>
-                <a:ext cx="11160" cy="164160"/>
-              </p14:xfrm>
-            </p:contentPart>
-          </mc:Choice>
-          <mc:Fallback>
-            <p:pic>
-              <p:nvPicPr>
-                <p:cNvPr id="54" name="Ink 53">
-                  <a:extLst>
-                    <a:ext uri="{FF2B5EF4-FFF2-40B4-BE49-F238E27FC236}">
-                      <a16:creationId xmlns:a16="http://schemas.microsoft.com/office/drawing/2014/main" id="{51B71EA3-39FE-1BCE-D93F-72DA6E30B80B}"/>
-                    </a:ext>
-                  </a:extLst>
-                </p:cNvPr>
-                <p:cNvPicPr/>
-                <p:nvPr/>
-              </p:nvPicPr>
-              <p:blipFill>
-                <a:blip r:embed="rId51"/>
-                <a:stretch>
-                  <a:fillRect/>
-                </a:stretch>
-              </p:blipFill>
-              <p:spPr>
-                <a:xfrm>
-                  <a:off x="3998114" y="6676366"/>
-                  <a:ext cx="23400" cy="176400"/>
-                </a:xfrm>
-                <a:prstGeom prst="rect">
-                  <a:avLst/>
-                </a:prstGeom>
-              </p:spPr>
-            </p:pic>
-          </mc:Fallback>
-        </mc:AlternateContent>
-        <mc:AlternateContent xmlns:mc="http://schemas.openxmlformats.org/markup-compatibility/2006">
-          <mc:Choice xmlns:p14="http://schemas.microsoft.com/office/powerpoint/2010/main" Requires="p14">
-            <p:contentPart p14:bwMode="auto" r:id="rId52">
-              <p14:nvContentPartPr>
-                <p14:cNvPr id="55" name="Ink 54">
-                  <a:extLst>
-                    <a:ext uri="{FF2B5EF4-FFF2-40B4-BE49-F238E27FC236}">
-                      <a16:creationId xmlns:a16="http://schemas.microsoft.com/office/drawing/2014/main" id="{BDBB4875-5CE7-F115-FB14-82DE6D52088E}"/>
-                    </a:ext>
-                  </a:extLst>
-                </p14:cNvPr>
-                <p14:cNvContentPartPr/>
-                <p14:nvPr/>
-              </p14:nvContentPartPr>
-              <p14:xfrm>
-                <a:off x="4007114" y="6766726"/>
-                <a:ext cx="121680" cy="15840"/>
-              </p14:xfrm>
-            </p:contentPart>
-          </mc:Choice>
-          <mc:Fallback>
-            <p:pic>
-              <p:nvPicPr>
-                <p:cNvPr id="55" name="Ink 54">
-                  <a:extLst>
-                    <a:ext uri="{FF2B5EF4-FFF2-40B4-BE49-F238E27FC236}">
-                      <a16:creationId xmlns:a16="http://schemas.microsoft.com/office/drawing/2014/main" id="{BDBB4875-5CE7-F115-FB14-82DE6D52088E}"/>
-                    </a:ext>
-                  </a:extLst>
-                </p:cNvPr>
-                <p:cNvPicPr/>
-                <p:nvPr/>
-              </p:nvPicPr>
-              <p:blipFill>
-                <a:blip r:embed="rId53"/>
-                <a:stretch>
-                  <a:fillRect/>
-                </a:stretch>
-              </p:blipFill>
-              <p:spPr>
-                <a:xfrm>
-                  <a:off x="4000994" y="6760606"/>
-                  <a:ext cx="133920" cy="28080"/>
-                </a:xfrm>
-                <a:prstGeom prst="rect">
-                  <a:avLst/>
-                </a:prstGeom>
-              </p:spPr>
-            </p:pic>
-          </mc:Fallback>
-        </mc:AlternateContent>
-        <mc:AlternateContent xmlns:mc="http://schemas.openxmlformats.org/markup-compatibility/2006">
-          <mc:Choice xmlns:p14="http://schemas.microsoft.com/office/powerpoint/2010/main" Requires="p14">
-            <p:contentPart p14:bwMode="auto" r:id="rId54">
-              <p14:nvContentPartPr>
-                <p14:cNvPr id="56" name="Ink 55">
-                  <a:extLst>
-                    <a:ext uri="{FF2B5EF4-FFF2-40B4-BE49-F238E27FC236}">
-                      <a16:creationId xmlns:a16="http://schemas.microsoft.com/office/drawing/2014/main" id="{C04A8251-0F27-FBDF-F880-6B407BC98B9C}"/>
-                    </a:ext>
-                  </a:extLst>
-                </p14:cNvPr>
-                <p14:cNvContentPartPr/>
-                <p14:nvPr/>
-              </p14:nvContentPartPr>
-              <p14:xfrm>
-                <a:off x="4125554" y="6682846"/>
-                <a:ext cx="25200" cy="193320"/>
-              </p14:xfrm>
-            </p:contentPart>
-          </mc:Choice>
-          <mc:Fallback>
-            <p:pic>
-              <p:nvPicPr>
-                <p:cNvPr id="56" name="Ink 55">
-                  <a:extLst>
-                    <a:ext uri="{FF2B5EF4-FFF2-40B4-BE49-F238E27FC236}">
-                      <a16:creationId xmlns:a16="http://schemas.microsoft.com/office/drawing/2014/main" id="{C04A8251-0F27-FBDF-F880-6B407BC98B9C}"/>
-                    </a:ext>
-                  </a:extLst>
-                </p:cNvPr>
-                <p:cNvPicPr/>
-                <p:nvPr/>
-              </p:nvPicPr>
-              <p:blipFill>
-                <a:blip r:embed="rId55"/>
-                <a:stretch>
-                  <a:fillRect/>
-                </a:stretch>
-              </p:blipFill>
-              <p:spPr>
-                <a:xfrm>
-                  <a:off x="4119434" y="6676726"/>
-                  <a:ext cx="37440" cy="205560"/>
-                </a:xfrm>
-                <a:prstGeom prst="rect">
-                  <a:avLst/>
-                </a:prstGeom>
-              </p:spPr>
-            </p:pic>
-          </mc:Fallback>
-        </mc:AlternateContent>
-        <mc:AlternateContent xmlns:mc="http://schemas.openxmlformats.org/markup-compatibility/2006">
-          <mc:Choice xmlns:p14="http://schemas.microsoft.com/office/powerpoint/2010/main" Requires="p14">
-            <p:contentPart p14:bwMode="auto" r:id="rId56">
-              <p14:nvContentPartPr>
-                <p14:cNvPr id="59" name="Ink 58">
-                  <a:extLst>
-                    <a:ext uri="{FF2B5EF4-FFF2-40B4-BE49-F238E27FC236}">
-                      <a16:creationId xmlns:a16="http://schemas.microsoft.com/office/drawing/2014/main" id="{F4A02A2E-B58D-E4C7-D17F-55F065AE5DD2}"/>
-                    </a:ext>
-                  </a:extLst>
-                </p14:cNvPr>
-                <p14:cNvContentPartPr/>
-                <p14:nvPr/>
-              </p14:nvContentPartPr>
-              <p14:xfrm>
-                <a:off x="2667194" y="5880766"/>
-                <a:ext cx="546840" cy="454320"/>
-              </p14:xfrm>
-            </p:contentPart>
-          </mc:Choice>
-          <mc:Fallback>
-            <p:pic>
-              <p:nvPicPr>
-                <p:cNvPr id="59" name="Ink 58">
-                  <a:extLst>
-                    <a:ext uri="{FF2B5EF4-FFF2-40B4-BE49-F238E27FC236}">
-                      <a16:creationId xmlns:a16="http://schemas.microsoft.com/office/drawing/2014/main" id="{F4A02A2E-B58D-E4C7-D17F-55F065AE5DD2}"/>
-                    </a:ext>
-                  </a:extLst>
-                </p:cNvPr>
-                <p:cNvPicPr/>
-                <p:nvPr/>
-              </p:nvPicPr>
-              <p:blipFill>
-                <a:blip r:embed="rId57"/>
-                <a:stretch>
-                  <a:fillRect/>
-                </a:stretch>
-              </p:blipFill>
-              <p:spPr>
-                <a:xfrm>
-                  <a:off x="2661074" y="5874646"/>
-                  <a:ext cx="559080" cy="466560"/>
-                </a:xfrm>
-                <a:prstGeom prst="rect">
-                  <a:avLst/>
-                </a:prstGeom>
-              </p:spPr>
-            </p:pic>
-          </mc:Fallback>
-        </mc:AlternateContent>
-      </p:grpSp>
-    </p:spTree>
-    <p:extLst>
-      <p:ext uri="{BB962C8B-B14F-4D97-AF65-F5344CB8AC3E}">
-        <p14:creationId xmlns:p14="http://schemas.microsoft.com/office/powerpoint/2010/main" val="45941954"/>
-      </p:ext>
-    </p:extLst>
-  </p:cSld>
-  <p:clrMapOvr>
-    <a:masterClrMapping/>
-  </p:clrMapOvr>
-</p:sld>
-</file>
-
-<file path=ppt/slides/slide14.xml><?xml version="1.0" encoding="utf-8"?>
-<p:sld xmlns:a="http://schemas.openxmlformats.org/drawingml/2006/main" xmlns:r="http://schemas.openxmlformats.org/officeDocument/2006/relationships" xmlns:p="http://schemas.openxmlformats.org/presentationml/2006/main">
-  <p:cSld>
-    <p:spTree>
-      <p:nvGrpSpPr>
-        <p:cNvPr id="1" name=""/>
-        <p:cNvGrpSpPr/>
-        <p:nvPr/>
-      </p:nvGrpSpPr>
-      <p:grpSpPr>
-        <a:xfrm>
-          <a:off x="0" y="0"/>
-          <a:ext cx="0" cy="0"/>
-          <a:chOff x="0" y="0"/>
-          <a:chExt cx="0" cy="0"/>
-        </a:xfrm>
-      </p:grpSpPr>
-      <p:sp>
-        <p:nvSpPr>
-          <p:cNvPr id="2" name="Title 1">
-            <a:extLst>
-              <a:ext uri="{FF2B5EF4-FFF2-40B4-BE49-F238E27FC236}">
                 <a16:creationId xmlns:a16="http://schemas.microsoft.com/office/drawing/2014/main" id="{42FDF5AA-0837-26C5-6FAE-2FB8EA1308AE}"/>
               </a:ext>
             </a:extLst>
@@ -14723,7 +12386,7 @@
           <a:p>
             <a:fld id="{278C1CC4-2077-434E-BCF1-5D01C08A9B17}" type="slidenum">
               <a:rPr lang="en-US" smtClean="0"/>
-              <a:t>14</a:t>
+              <a:t>13</a:t>
             </a:fld>
             <a:endParaRPr lang="en-US" dirty="0"/>
           </a:p>
@@ -16474,8 +14137,8 @@
             <a:chExt cx="1800" cy="1800"/>
           </a:xfrm>
         </p:grpSpPr>
-        <mc:AlternateContent xmlns:mc="http://schemas.openxmlformats.org/markup-compatibility/2006">
-          <mc:Choice xmlns:p14="http://schemas.microsoft.com/office/powerpoint/2010/main" Requires="p14">
+        <mc:AlternateContent xmlns:mc="http://schemas.openxmlformats.org/markup-compatibility/2006" xmlns:p14="http://schemas.microsoft.com/office/powerpoint/2010/main">
+          <mc:Choice Requires="p14">
             <p:contentPart p14:bwMode="auto" r:id="rId5">
               <p14:nvContentPartPr>
                 <p14:cNvPr id="3" name="Ink 2">
@@ -16494,7 +14157,7 @@
               </p14:xfrm>
             </p:contentPart>
           </mc:Choice>
-          <mc:Fallback>
+          <mc:Fallback xmlns="">
             <p:pic>
               <p:nvPicPr>
                 <p:cNvPr id="3" name="Ink 2">
@@ -16525,8 +14188,8 @@
             </p:pic>
           </mc:Fallback>
         </mc:AlternateContent>
-        <mc:AlternateContent xmlns:mc="http://schemas.openxmlformats.org/markup-compatibility/2006">
-          <mc:Choice xmlns:p14="http://schemas.microsoft.com/office/powerpoint/2010/main" Requires="p14">
+        <mc:AlternateContent xmlns:mc="http://schemas.openxmlformats.org/markup-compatibility/2006" xmlns:p14="http://schemas.microsoft.com/office/powerpoint/2010/main">
+          <mc:Choice Requires="p14">
             <p:contentPart p14:bwMode="auto" r:id="rId7">
               <p14:nvContentPartPr>
                 <p14:cNvPr id="28" name="Ink 27">
@@ -16545,7 +14208,7 @@
               </p14:xfrm>
             </p:contentPart>
           </mc:Choice>
-          <mc:Fallback>
+          <mc:Fallback xmlns="">
             <p:pic>
               <p:nvPicPr>
                 <p:cNvPr id="28" name="Ink 27">
@@ -16851,7 +14514,7 @@
 </p:sld>
 </file>
 
-<file path=ppt/slides/slide15.xml><?xml version="1.0" encoding="utf-8"?>
+<file path=ppt/slides/slide14.xml><?xml version="1.0" encoding="utf-8"?>
 <p:sld xmlns:a="http://schemas.openxmlformats.org/drawingml/2006/main" xmlns:r="http://schemas.openxmlformats.org/officeDocument/2006/relationships" xmlns:p="http://schemas.openxmlformats.org/presentationml/2006/main">
   <p:cSld>
     <p:spTree>
@@ -16902,8 +14565,8 @@
           </a:p>
         </p:txBody>
       </p:sp>
-      <mc:AlternateContent xmlns:mc="http://schemas.openxmlformats.org/markup-compatibility/2006">
-        <mc:Choice xmlns:a14="http://schemas.microsoft.com/office/drawing/2010/main" Requires="a14">
+      <mc:AlternateContent xmlns:mc="http://schemas.openxmlformats.org/markup-compatibility/2006" xmlns:a14="http://schemas.microsoft.com/office/drawing/2010/main">
+        <mc:Choice Requires="a14">
           <p:sp>
             <p:nvSpPr>
               <p:cNvPr id="3" name="Content Placeholder 2">
@@ -17933,7 +15596,7 @@
             </p:txBody>
           </p:sp>
         </mc:Choice>
-        <mc:Fallback>
+        <mc:Fallback xmlns="">
           <p:sp>
             <p:nvSpPr>
               <p:cNvPr id="3" name="Content Placeholder 2">
@@ -17996,7 +15659,7 @@
           <a:p>
             <a:fld id="{278C1CC4-2077-434E-BCF1-5D01C08A9B17}" type="slidenum">
               <a:rPr lang="en-US" smtClean="0"/>
-              <a:t>15</a:t>
+              <a:t>14</a:t>
             </a:fld>
             <a:endParaRPr lang="en-US"/>
           </a:p>
@@ -18337,7 +16000,7 @@
 </p:sld>
 </file>
 
-<file path=ppt/slides/slide16.xml><?xml version="1.0" encoding="utf-8"?>
+<file path=ppt/slides/slide15.xml><?xml version="1.0" encoding="utf-8"?>
 <p:sld xmlns:a="http://schemas.openxmlformats.org/drawingml/2006/main" xmlns:r="http://schemas.openxmlformats.org/officeDocument/2006/relationships" xmlns:p="http://schemas.openxmlformats.org/presentationml/2006/main">
   <p:cSld>
     <p:spTree>
@@ -18754,7 +16417,7 @@
           <a:p>
             <a:fld id="{278C1CC4-2077-434E-BCF1-5D01C08A9B17}" type="slidenum">
               <a:rPr lang="en-US" smtClean="0"/>
-              <a:t>16</a:t>
+              <a:t>15</a:t>
             </a:fld>
             <a:endParaRPr lang="en-US"/>
           </a:p>
@@ -18904,7 +16567,7 @@
 </p:sld>
 </file>
 
-<file path=ppt/slides/slide17.xml><?xml version="1.0" encoding="utf-8"?>
+<file path=ppt/slides/slide16.xml><?xml version="1.0" encoding="utf-8"?>
 <p:sld xmlns:a="http://schemas.openxmlformats.org/drawingml/2006/main" xmlns:r="http://schemas.openxmlformats.org/officeDocument/2006/relationships" xmlns:p="http://schemas.openxmlformats.org/presentationml/2006/main">
   <p:cSld>
     <p:spTree>
@@ -19043,7 +16706,7 @@
           <a:p>
             <a:fld id="{278C1CC4-2077-434E-BCF1-5D01C08A9B17}" type="slidenum">
               <a:rPr lang="en-US" smtClean="0"/>
-              <a:t>17</a:t>
+              <a:t>16</a:t>
             </a:fld>
             <a:endParaRPr lang="en-US"/>
           </a:p>
@@ -19277,7 +16940,7 @@
             <p:spPr>
               <a:xfrm>
                 <a:off x="6688110" y="2041317"/>
-                <a:ext cx="2938073" cy="481478"/>
+                <a:ext cx="2938073" cy="481670"/>
               </a:xfrm>
               <a:prstGeom prst="rect">
                 <a:avLst/>
@@ -19297,15 +16960,30 @@
                       <m:jc m:val="centerGroup"/>
                     </m:oMathParaPr>
                     <m:oMath xmlns:m="http://schemas.openxmlformats.org/officeDocument/2006/math">
-                      <m:r>
-                        <a:rPr lang="es-ES_tradnl" sz="2400" i="1" smtClean="0">
-                          <a:solidFill>
-                            <a:srgbClr val="0070C0"/>
-                          </a:solidFill>
-                          <a:latin typeface="Cambria Math" panose="02040503050406030204" pitchFamily="18" charset="0"/>
-                        </a:rPr>
-                        <m:t>𝑌</m:t>
-                      </m:r>
+                      <m:acc>
+                        <m:accPr>
+                          <m:chr m:val="̂"/>
+                          <m:ctrlPr>
+                            <a:rPr lang="es-ES_tradnl" sz="2400" i="1" smtClean="0">
+                              <a:solidFill>
+                                <a:srgbClr val="0070C0"/>
+                              </a:solidFill>
+                              <a:latin typeface="Cambria Math" panose="02040503050406030204" pitchFamily="18" charset="0"/>
+                            </a:rPr>
+                          </m:ctrlPr>
+                        </m:accPr>
+                        <m:e>
+                          <m:r>
+                            <a:rPr lang="en-US" sz="2400" b="0" i="1" smtClean="0">
+                              <a:solidFill>
+                                <a:srgbClr val="0070C0"/>
+                              </a:solidFill>
+                              <a:latin typeface="Cambria Math" panose="02040503050406030204" pitchFamily="18" charset="0"/>
+                            </a:rPr>
+                            <m:t>𝑌</m:t>
+                          </m:r>
+                        </m:e>
+                      </m:acc>
                       <m:r>
                         <a:rPr lang="es-ES_tradnl" sz="2400" i="1" smtClean="0">
                           <a:solidFill>
@@ -19431,24 +17109,6 @@
                         </a:rPr>
                         <m:t>𝑋</m:t>
                       </m:r>
-                      <m:r>
-                        <a:rPr lang="es-ES_tradnl" sz="2400" i="1">
-                          <a:solidFill>
-                            <a:srgbClr val="0070C0"/>
-                          </a:solidFill>
-                          <a:latin typeface="Cambria Math" panose="02040503050406030204" pitchFamily="18" charset="0"/>
-                        </a:rPr>
-                        <m:t>+</m:t>
-                      </m:r>
-                      <m:r>
-                        <a:rPr lang="es-ES_tradnl" sz="2400" i="1">
-                          <a:solidFill>
-                            <a:srgbClr val="0070C0"/>
-                          </a:solidFill>
-                          <a:latin typeface="Cambria Math" panose="02040503050406030204" pitchFamily="18" charset="0"/>
-                        </a:rPr>
-                        <m:t>𝑢</m:t>
-                      </m:r>
                     </m:oMath>
                   </m:oMathPara>
                 </a14:m>
@@ -19479,7 +17139,7 @@
             <p:spPr>
               <a:xfrm>
                 <a:off x="6688110" y="2041317"/>
-                <a:ext cx="2938073" cy="481478"/>
+                <a:ext cx="2938073" cy="481670"/>
               </a:xfrm>
               <a:prstGeom prst="rect">
                 <a:avLst/>
@@ -19488,6 +17148,371 @@
                 <a:blip r:embed="rId6"/>
                 <a:stretch>
                   <a:fillRect t="-10256" b="-15385"/>
+                </a:stretch>
+              </a:blipFill>
+            </p:spPr>
+            <p:txBody>
+              <a:bodyPr/>
+              <a:lstStyle/>
+              <a:p>
+                <a:r>
+                  <a:rPr lang="es-ES_tradnl">
+                    <a:noFill/>
+                  </a:rPr>
+                  <a:t> </a:t>
+                </a:r>
+              </a:p>
+            </p:txBody>
+          </p:sp>
+        </mc:Fallback>
+      </mc:AlternateContent>
+      <mc:AlternateContent xmlns:mc="http://schemas.openxmlformats.org/markup-compatibility/2006" xmlns:a14="http://schemas.microsoft.com/office/drawing/2010/main">
+        <mc:Choice Requires="a14">
+          <p:sp>
+            <p:nvSpPr>
+              <p:cNvPr id="5" name="CuadroTexto 4">
+                <a:extLst>
+                  <a:ext uri="{FF2B5EF4-FFF2-40B4-BE49-F238E27FC236}">
+                    <a16:creationId xmlns:a16="http://schemas.microsoft.com/office/drawing/2014/main" id="{8B93DA16-46AD-A993-FD6D-7A7C0AD37EB5}"/>
+                  </a:ext>
+                </a:extLst>
+              </p:cNvPr>
+              <p:cNvSpPr txBox="1"/>
+              <p:nvPr/>
+            </p:nvSpPr>
+            <p:spPr>
+              <a:xfrm>
+                <a:off x="4932975" y="4364843"/>
+                <a:ext cx="6098240" cy="384336"/>
+              </a:xfrm>
+              <a:prstGeom prst="rect">
+                <a:avLst/>
+              </a:prstGeom>
+              <a:noFill/>
+            </p:spPr>
+            <p:txBody>
+              <a:bodyPr wrap="square">
+                <a:spAutoFit/>
+              </a:bodyPr>
+              <a:lstStyle/>
+              <a:p>
+                <a:pPr/>
+                <a14:m>
+                  <m:oMathPara xmlns:m="http://schemas.openxmlformats.org/officeDocument/2006/math">
+                    <m:oMathParaPr>
+                      <m:jc m:val="centerGroup"/>
+                    </m:oMathParaPr>
+                    <m:oMath xmlns:m="http://schemas.openxmlformats.org/officeDocument/2006/math">
+                      <m:acc>
+                        <m:accPr>
+                          <m:chr m:val="̂"/>
+                          <m:ctrlPr>
+                            <a:rPr lang="es-ES_tradnl" sz="1800" i="1" smtClean="0">
+                              <a:solidFill>
+                                <a:srgbClr val="0070C0"/>
+                              </a:solidFill>
+                              <a:latin typeface="Cambria Math" panose="02040503050406030204" pitchFamily="18" charset="0"/>
+                            </a:rPr>
+                          </m:ctrlPr>
+                        </m:accPr>
+                        <m:e>
+                          <m:r>
+                            <a:rPr lang="en-US" sz="1800" b="0" i="1" smtClean="0">
+                              <a:solidFill>
+                                <a:srgbClr val="0070C0"/>
+                              </a:solidFill>
+                              <a:latin typeface="Cambria Math" panose="02040503050406030204" pitchFamily="18" charset="0"/>
+                            </a:rPr>
+                            <m:t>𝑌</m:t>
+                          </m:r>
+                        </m:e>
+                      </m:acc>
+                      <m:r>
+                        <a:rPr lang="es-ES_tradnl" sz="1800" i="1" smtClean="0">
+                          <a:solidFill>
+                            <a:srgbClr val="0070C0"/>
+                          </a:solidFill>
+                          <a:latin typeface="Cambria Math" panose="02040503050406030204" pitchFamily="18" charset="0"/>
+                        </a:rPr>
+                        <m:t>=</m:t>
+                      </m:r>
+                      <m:sSub>
+                        <m:sSubPr>
+                          <m:ctrlPr>
+                            <a:rPr lang="en-US" sz="1800" b="0" i="1" smtClean="0">
+                              <a:solidFill>
+                                <a:srgbClr val="0070C0"/>
+                              </a:solidFill>
+                              <a:latin typeface="Cambria Math" panose="02040503050406030204" pitchFamily="18" charset="0"/>
+                            </a:rPr>
+                          </m:ctrlPr>
+                        </m:sSubPr>
+                        <m:e>
+                          <m:acc>
+                            <m:accPr>
+                              <m:chr m:val="̂"/>
+                              <m:ctrlPr>
+                                <a:rPr lang="es-ES_tradnl" sz="1800" i="1" smtClean="0">
+                                  <a:solidFill>
+                                    <a:srgbClr val="0070C0"/>
+                                  </a:solidFill>
+                                  <a:latin typeface="Cambria Math" panose="02040503050406030204" pitchFamily="18" charset="0"/>
+                                </a:rPr>
+                              </m:ctrlPr>
+                            </m:accPr>
+                            <m:e>
+                              <m:r>
+                                <a:rPr lang="en-US" sz="1800" b="0" i="1" smtClean="0">
+                                  <a:solidFill>
+                                    <a:srgbClr val="0070C0"/>
+                                  </a:solidFill>
+                                  <a:latin typeface="Cambria Math" panose="02040503050406030204" pitchFamily="18" charset="0"/>
+                                </a:rPr>
+                                <m:t>𝛽</m:t>
+                              </m:r>
+                            </m:e>
+                          </m:acc>
+                        </m:e>
+                        <m:sub>
+                          <m:r>
+                            <a:rPr lang="en-US" sz="1800" b="0" i="1" smtClean="0">
+                              <a:solidFill>
+                                <a:srgbClr val="0070C0"/>
+                              </a:solidFill>
+                              <a:latin typeface="Cambria Math" panose="02040503050406030204" pitchFamily="18" charset="0"/>
+                            </a:rPr>
+                            <m:t>0</m:t>
+                          </m:r>
+                        </m:sub>
+                      </m:sSub>
+                      <m:r>
+                        <a:rPr lang="es-ES_tradnl" sz="1800" i="1" smtClean="0">
+                          <a:solidFill>
+                            <a:srgbClr val="0070C0"/>
+                          </a:solidFill>
+                          <a:latin typeface="Cambria Math" panose="02040503050406030204" pitchFamily="18" charset="0"/>
+                        </a:rPr>
+                        <m:t>+</m:t>
+                      </m:r>
+                      <m:sSub>
+                        <m:sSubPr>
+                          <m:ctrlPr>
+                            <a:rPr lang="en-US" sz="1800" i="1">
+                              <a:solidFill>
+                                <a:srgbClr val="0070C0"/>
+                              </a:solidFill>
+                              <a:latin typeface="Cambria Math" panose="02040503050406030204" pitchFamily="18" charset="0"/>
+                            </a:rPr>
+                          </m:ctrlPr>
+                        </m:sSubPr>
+                        <m:e>
+                          <m:acc>
+                            <m:accPr>
+                              <m:chr m:val="̂"/>
+                              <m:ctrlPr>
+                                <a:rPr lang="es-ES_tradnl" sz="1800" i="1">
+                                  <a:solidFill>
+                                    <a:srgbClr val="0070C0"/>
+                                  </a:solidFill>
+                                  <a:latin typeface="Cambria Math" panose="02040503050406030204" pitchFamily="18" charset="0"/>
+                                </a:rPr>
+                              </m:ctrlPr>
+                            </m:accPr>
+                            <m:e>
+                              <m:r>
+                                <a:rPr lang="en-US" sz="1800" i="1">
+                                  <a:solidFill>
+                                    <a:srgbClr val="0070C0"/>
+                                  </a:solidFill>
+                                  <a:latin typeface="Cambria Math" panose="02040503050406030204" pitchFamily="18" charset="0"/>
+                                </a:rPr>
+                                <m:t>𝛽</m:t>
+                              </m:r>
+                            </m:e>
+                          </m:acc>
+                        </m:e>
+                        <m:sub>
+                          <m:r>
+                            <a:rPr lang="en-US" sz="1800" b="0" i="1" smtClean="0">
+                              <a:solidFill>
+                                <a:srgbClr val="0070C0"/>
+                              </a:solidFill>
+                              <a:latin typeface="Cambria Math" panose="02040503050406030204" pitchFamily="18" charset="0"/>
+                            </a:rPr>
+                            <m:t>1</m:t>
+                          </m:r>
+                        </m:sub>
+                      </m:sSub>
+                      <m:sSub>
+                        <m:sSubPr>
+                          <m:ctrlPr>
+                            <a:rPr lang="en-US" sz="1800" b="0" i="1" smtClean="0">
+                              <a:solidFill>
+                                <a:srgbClr val="0070C0"/>
+                              </a:solidFill>
+                              <a:latin typeface="Cambria Math" panose="02040503050406030204" pitchFamily="18" charset="0"/>
+                            </a:rPr>
+                          </m:ctrlPr>
+                        </m:sSubPr>
+                        <m:e>
+                          <m:r>
+                            <a:rPr lang="en-US" sz="1800" b="0" i="1" smtClean="0">
+                              <a:solidFill>
+                                <a:srgbClr val="0070C0"/>
+                              </a:solidFill>
+                              <a:latin typeface="Cambria Math" panose="02040503050406030204" pitchFamily="18" charset="0"/>
+                            </a:rPr>
+                            <m:t>𝑋</m:t>
+                          </m:r>
+                        </m:e>
+                        <m:sub>
+                          <m:r>
+                            <a:rPr lang="en-US" sz="1800" b="0" i="1" smtClean="0">
+                              <a:solidFill>
+                                <a:srgbClr val="0070C0"/>
+                              </a:solidFill>
+                              <a:latin typeface="Cambria Math" panose="02040503050406030204" pitchFamily="18" charset="0"/>
+                            </a:rPr>
+                            <m:t>1</m:t>
+                          </m:r>
+                        </m:sub>
+                      </m:sSub>
+                      <m:r>
+                        <a:rPr lang="en-US" sz="1800" b="0" i="1" smtClean="0">
+                          <a:solidFill>
+                            <a:srgbClr val="0070C0"/>
+                          </a:solidFill>
+                          <a:latin typeface="Cambria Math" panose="02040503050406030204" pitchFamily="18" charset="0"/>
+                        </a:rPr>
+                        <m:t>+</m:t>
+                      </m:r>
+                      <m:r>
+                        <a:rPr lang="es-ES_tradnl" i="1">
+                          <a:solidFill>
+                            <a:srgbClr val="0070C0"/>
+                          </a:solidFill>
+                          <a:latin typeface="Cambria Math" panose="02040503050406030204" pitchFamily="18" charset="0"/>
+                        </a:rPr>
+                        <m:t>+</m:t>
+                      </m:r>
+                      <m:sSub>
+                        <m:sSubPr>
+                          <m:ctrlPr>
+                            <a:rPr lang="en-US" i="1">
+                              <a:solidFill>
+                                <a:srgbClr val="0070C0"/>
+                              </a:solidFill>
+                              <a:latin typeface="Cambria Math" panose="02040503050406030204" pitchFamily="18" charset="0"/>
+                            </a:rPr>
+                          </m:ctrlPr>
+                        </m:sSubPr>
+                        <m:e>
+                          <m:acc>
+                            <m:accPr>
+                              <m:chr m:val="̂"/>
+                              <m:ctrlPr>
+                                <a:rPr lang="es-ES_tradnl" i="1">
+                                  <a:solidFill>
+                                    <a:srgbClr val="0070C0"/>
+                                  </a:solidFill>
+                                  <a:latin typeface="Cambria Math" panose="02040503050406030204" pitchFamily="18" charset="0"/>
+                                </a:rPr>
+                              </m:ctrlPr>
+                            </m:accPr>
+                            <m:e>
+                              <m:r>
+                                <a:rPr lang="en-US" i="1">
+                                  <a:solidFill>
+                                    <a:srgbClr val="0070C0"/>
+                                  </a:solidFill>
+                                  <a:latin typeface="Cambria Math" panose="02040503050406030204" pitchFamily="18" charset="0"/>
+                                </a:rPr>
+                                <m:t>𝛽</m:t>
+                              </m:r>
+                            </m:e>
+                          </m:acc>
+                        </m:e>
+                        <m:sub>
+                          <m:r>
+                            <a:rPr lang="en-US" b="0" i="1" smtClean="0">
+                              <a:solidFill>
+                                <a:srgbClr val="0070C0"/>
+                              </a:solidFill>
+                              <a:latin typeface="Cambria Math" panose="02040503050406030204" pitchFamily="18" charset="0"/>
+                            </a:rPr>
+                            <m:t>2</m:t>
+                          </m:r>
+                        </m:sub>
+                      </m:sSub>
+                      <m:sSub>
+                        <m:sSubPr>
+                          <m:ctrlPr>
+                            <a:rPr lang="en-US" b="0" i="1" smtClean="0">
+                              <a:solidFill>
+                                <a:srgbClr val="0070C0"/>
+                              </a:solidFill>
+                              <a:latin typeface="Cambria Math" panose="02040503050406030204" pitchFamily="18" charset="0"/>
+                            </a:rPr>
+                          </m:ctrlPr>
+                        </m:sSubPr>
+                        <m:e>
+                          <m:r>
+                            <a:rPr lang="en-US" i="1">
+                              <a:solidFill>
+                                <a:srgbClr val="0070C0"/>
+                              </a:solidFill>
+                              <a:latin typeface="Cambria Math" panose="02040503050406030204" pitchFamily="18" charset="0"/>
+                            </a:rPr>
+                            <m:t>𝑋</m:t>
+                          </m:r>
+                        </m:e>
+                        <m:sub>
+                          <m:r>
+                            <a:rPr lang="en-US" b="0" i="1" smtClean="0">
+                              <a:solidFill>
+                                <a:srgbClr val="0070C0"/>
+                              </a:solidFill>
+                              <a:latin typeface="Cambria Math" panose="02040503050406030204" pitchFamily="18" charset="0"/>
+                            </a:rPr>
+                            <m:t>2</m:t>
+                          </m:r>
+                        </m:sub>
+                      </m:sSub>
+                    </m:oMath>
+                  </m:oMathPara>
+                </a14:m>
+                <a:endParaRPr lang="es-ES_tradnl" dirty="0"/>
+              </a:p>
+            </p:txBody>
+          </p:sp>
+        </mc:Choice>
+        <mc:Fallback xmlns="">
+          <p:sp>
+            <p:nvSpPr>
+              <p:cNvPr id="5" name="CuadroTexto 4">
+                <a:extLst>
+                  <a:ext uri="{FF2B5EF4-FFF2-40B4-BE49-F238E27FC236}">
+                    <a16:creationId xmlns:a16="http://schemas.microsoft.com/office/drawing/2014/main" id="{8B93DA16-46AD-A993-FD6D-7A7C0AD37EB5}"/>
+                  </a:ext>
+                </a:extLst>
+              </p:cNvPr>
+              <p:cNvSpPr txBox="1">
+                <a:spLocks noRot="1" noChangeAspect="1" noMove="1" noResize="1" noEditPoints="1" noAdjustHandles="1" noChangeArrowheads="1" noChangeShapeType="1" noTextEdit="1"/>
+              </p:cNvSpPr>
+              <p:nvPr/>
+            </p:nvSpPr>
+            <p:spPr>
+              <a:xfrm>
+                <a:off x="4932975" y="4364843"/>
+                <a:ext cx="6098240" cy="384336"/>
+              </a:xfrm>
+              <a:prstGeom prst="rect">
+                <a:avLst/>
+              </a:prstGeom>
+              <a:blipFill>
+                <a:blip r:embed="rId7"/>
+                <a:stretch>
+                  <a:fillRect t="-3226" b="-16129"/>
                 </a:stretch>
               </a:blipFill>
             </p:spPr>
@@ -19519,7 +17544,7 @@
 </p:sld>
 </file>
 
-<file path=ppt/slides/slide18.xml><?xml version="1.0" encoding="utf-8"?>
+<file path=ppt/slides/slide17.xml><?xml version="1.0" encoding="utf-8"?>
 <p:sld xmlns:a="http://schemas.openxmlformats.org/drawingml/2006/main" xmlns:r="http://schemas.openxmlformats.org/officeDocument/2006/relationships" xmlns:p="http://schemas.openxmlformats.org/presentationml/2006/main">
   <p:cSld>
     <p:spTree>
@@ -20095,7 +18120,7 @@
           <a:p>
             <a:fld id="{278C1CC4-2077-434E-BCF1-5D01C08A9B17}" type="slidenum">
               <a:rPr lang="en-US" smtClean="0"/>
-              <a:t>18</a:t>
+              <a:t>17</a:t>
             </a:fld>
             <a:endParaRPr lang="en-US"/>
           </a:p>
@@ -20338,7 +18363,7 @@
 </p:sld>
 </file>
 
-<file path=ppt/slides/slide19.xml><?xml version="1.0" encoding="utf-8"?>
+<file path=ppt/slides/slide18.xml><?xml version="1.0" encoding="utf-8"?>
 <p:sld xmlns:a="http://schemas.openxmlformats.org/drawingml/2006/main" xmlns:r="http://schemas.openxmlformats.org/officeDocument/2006/relationships" xmlns:p="http://schemas.openxmlformats.org/presentationml/2006/main">
   <p:cSld>
     <p:spTree>
@@ -21424,7 +19449,7 @@
           <a:p>
             <a:fld id="{278C1CC4-2077-434E-BCF1-5D01C08A9B17}" type="slidenum">
               <a:rPr lang="en-US" smtClean="0"/>
-              <a:t>19</a:t>
+              <a:t>18</a:t>
             </a:fld>
             <a:endParaRPr lang="en-US"/>
           </a:p>
@@ -21716,6 +19741,670 @@
 </p:sld>
 </file>
 
+<file path=ppt/slides/slide19.xml><?xml version="1.0" encoding="utf-8"?>
+<p:sld xmlns:a="http://schemas.openxmlformats.org/drawingml/2006/main" xmlns:r="http://schemas.openxmlformats.org/officeDocument/2006/relationships" xmlns:p="http://schemas.openxmlformats.org/presentationml/2006/main">
+  <p:cSld>
+    <p:spTree>
+      <p:nvGrpSpPr>
+        <p:cNvPr id="1" name=""/>
+        <p:cNvGrpSpPr/>
+        <p:nvPr/>
+      </p:nvGrpSpPr>
+      <p:grpSpPr>
+        <a:xfrm>
+          <a:off x="0" y="0"/>
+          <a:ext cx="0" cy="0"/>
+          <a:chOff x="0" y="0"/>
+          <a:chExt cx="0" cy="0"/>
+        </a:xfrm>
+      </p:grpSpPr>
+      <p:sp>
+        <p:nvSpPr>
+          <p:cNvPr id="2" name="Title 1">
+            <a:extLst>
+              <a:ext uri="{FF2B5EF4-FFF2-40B4-BE49-F238E27FC236}">
+                <a16:creationId xmlns:a16="http://schemas.microsoft.com/office/drawing/2014/main" id="{85F73B99-3D7E-3E84-6DC1-2CB9E720B155}"/>
+              </a:ext>
+            </a:extLst>
+          </p:cNvPr>
+          <p:cNvSpPr>
+            <a:spLocks noGrp="1"/>
+          </p:cNvSpPr>
+          <p:nvPr>
+            <p:ph type="title"/>
+          </p:nvPr>
+        </p:nvSpPr>
+        <p:spPr/>
+        <p:txBody>
+          <a:bodyPr/>
+          <a:lstStyle/>
+          <a:p>
+            <a:r>
+              <a:rPr lang="es-ES_tradnl" dirty="0"/>
+              <a:t>En la Práctica, evaluamos la predicción con… </a:t>
+            </a:r>
+          </a:p>
+        </p:txBody>
+      </p:sp>
+      <mc:AlternateContent xmlns:mc="http://schemas.openxmlformats.org/markup-compatibility/2006" xmlns:a14="http://schemas.microsoft.com/office/drawing/2010/main">
+        <mc:Choice Requires="a14">
+          <p:sp>
+            <p:nvSpPr>
+              <p:cNvPr id="3" name="Content Placeholder 2">
+                <a:extLst>
+                  <a:ext uri="{FF2B5EF4-FFF2-40B4-BE49-F238E27FC236}">
+                    <a16:creationId xmlns:a16="http://schemas.microsoft.com/office/drawing/2014/main" id="{437F3A00-E5F7-EB3B-7E9A-E9C6312040D7}"/>
+                  </a:ext>
+                </a:extLst>
+              </p:cNvPr>
+              <p:cNvSpPr>
+                <a:spLocks noGrp="1"/>
+              </p:cNvSpPr>
+              <p:nvPr>
+                <p:ph idx="1"/>
+              </p:nvPr>
+            </p:nvSpPr>
+            <p:spPr/>
+            <p:txBody>
+              <a:bodyPr>
+                <a:normAutofit lnSpcReduction="10000"/>
+              </a:bodyPr>
+              <a:lstStyle/>
+              <a:p>
+                <a:r>
+                  <a:rPr lang="es-ES_tradnl" dirty="0"/>
+                  <a:t>RSE (residual standard error) </a:t>
+                </a:r>
+                <a14:m>
+                  <m:oMath xmlns:m="http://schemas.openxmlformats.org/officeDocument/2006/math">
+                    <m:acc>
+                      <m:accPr>
+                        <m:chr m:val="̂"/>
+                        <m:ctrlPr>
+                          <a:rPr lang="en-US" i="1">
+                            <a:latin typeface="Cambria Math" panose="02040503050406030204" pitchFamily="18" charset="0"/>
+                          </a:rPr>
+                        </m:ctrlPr>
+                      </m:accPr>
+                      <m:e>
+                        <m:r>
+                          <a:rPr lang="en-US" i="1">
+                            <a:latin typeface="Cambria Math" panose="02040503050406030204" pitchFamily="18" charset="0"/>
+                          </a:rPr>
+                          <m:t>𝜎</m:t>
+                        </m:r>
+                      </m:e>
+                    </m:acc>
+                    <m:r>
+                      <a:rPr lang="en-US" b="0" i="1" smtClean="0">
+                        <a:latin typeface="Cambria Math" panose="02040503050406030204" pitchFamily="18" charset="0"/>
+                      </a:rPr>
+                      <m:t>=</m:t>
+                    </m:r>
+                    <m:rad>
+                      <m:radPr>
+                        <m:degHide m:val="on"/>
+                        <m:ctrlPr>
+                          <a:rPr lang="en-US" b="0" i="1" smtClean="0">
+                            <a:latin typeface="Cambria Math" panose="02040503050406030204" pitchFamily="18" charset="0"/>
+                          </a:rPr>
+                        </m:ctrlPr>
+                      </m:radPr>
+                      <m:deg/>
+                      <m:e>
+                        <m:f>
+                          <m:fPr>
+                            <m:type m:val="lin"/>
+                            <m:ctrlPr>
+                              <a:rPr lang="en-US" b="0" i="1" smtClean="0">
+                                <a:latin typeface="Cambria Math" panose="02040503050406030204" pitchFamily="18" charset="0"/>
+                              </a:rPr>
+                            </m:ctrlPr>
+                          </m:fPr>
+                          <m:num>
+                            <m:r>
+                              <a:rPr lang="en-US" i="1">
+                                <a:latin typeface="Cambria Math" panose="02040503050406030204" pitchFamily="18" charset="0"/>
+                              </a:rPr>
+                              <m:t>𝑅𝑆𝑆</m:t>
+                            </m:r>
+                          </m:num>
+                          <m:den>
+                            <m:d>
+                              <m:dPr>
+                                <m:ctrlPr>
+                                  <a:rPr lang="en-US" b="0" i="1" smtClean="0">
+                                    <a:latin typeface="Cambria Math" panose="02040503050406030204" pitchFamily="18" charset="0"/>
+                                  </a:rPr>
+                                </m:ctrlPr>
+                              </m:dPr>
+                              <m:e>
+                                <m:r>
+                                  <a:rPr lang="en-US" b="0" i="1" smtClean="0">
+                                    <a:latin typeface="Cambria Math" panose="02040503050406030204" pitchFamily="18" charset="0"/>
+                                  </a:rPr>
+                                  <m:t>𝑛</m:t>
+                                </m:r>
+                                <m:r>
+                                  <a:rPr lang="en-US" b="0" i="1" smtClean="0">
+                                    <a:latin typeface="Cambria Math" panose="02040503050406030204" pitchFamily="18" charset="0"/>
+                                  </a:rPr>
+                                  <m:t>−2</m:t>
+                                </m:r>
+                              </m:e>
+                            </m:d>
+                            <m:r>
+                              <a:rPr lang="en-US" b="0" i="1" smtClean="0">
+                                <a:latin typeface="Cambria Math" panose="02040503050406030204" pitchFamily="18" charset="0"/>
+                              </a:rPr>
+                              <m:t> </m:t>
+                            </m:r>
+                          </m:den>
+                        </m:f>
+                      </m:e>
+                    </m:rad>
+                  </m:oMath>
+                </a14:m>
+                <a:endParaRPr lang="es-ES_tradnl" dirty="0"/>
+              </a:p>
+              <a:p>
+                <a:pPr lvl="1"/>
+                <a:r>
+                  <a:rPr lang="es-ES_tradnl" dirty="0"/>
+                  <a:t>Con </a:t>
+                </a:r>
+                <a14:m>
+                  <m:oMath xmlns:m="http://schemas.openxmlformats.org/officeDocument/2006/math">
+                    <m:r>
+                      <a:rPr lang="en-US" b="0" i="1" smtClean="0">
+                        <a:latin typeface="Cambria Math" panose="02040503050406030204" pitchFamily="18" charset="0"/>
+                      </a:rPr>
+                      <m:t>𝑅𝑆𝑆</m:t>
+                    </m:r>
+                    <m:r>
+                      <a:rPr lang="en-US" b="0" i="1" smtClean="0">
+                        <a:latin typeface="Cambria Math" panose="02040503050406030204" pitchFamily="18" charset="0"/>
+                      </a:rPr>
+                      <m:t>=</m:t>
+                    </m:r>
+                    <m:nary>
+                      <m:naryPr>
+                        <m:chr m:val="∑"/>
+                        <m:limLoc m:val="subSup"/>
+                        <m:ctrlPr>
+                          <a:rPr lang="en-US" b="0" i="1" smtClean="0">
+                            <a:latin typeface="Cambria Math" panose="02040503050406030204" pitchFamily="18" charset="0"/>
+                          </a:rPr>
+                        </m:ctrlPr>
+                      </m:naryPr>
+                      <m:sub>
+                        <m:r>
+                          <m:rPr>
+                            <m:brk m:alnAt="25"/>
+                          </m:rPr>
+                          <a:rPr lang="en-US" b="0" i="1" smtClean="0">
+                            <a:latin typeface="Cambria Math" panose="02040503050406030204" pitchFamily="18" charset="0"/>
+                          </a:rPr>
+                          <m:t>𝑖</m:t>
+                        </m:r>
+                        <m:r>
+                          <a:rPr lang="en-US" b="0" i="1" smtClean="0">
+                            <a:latin typeface="Cambria Math" panose="02040503050406030204" pitchFamily="18" charset="0"/>
+                          </a:rPr>
+                          <m:t>=1</m:t>
+                        </m:r>
+                      </m:sub>
+                      <m:sup>
+                        <m:r>
+                          <a:rPr lang="en-US" b="0" i="1" smtClean="0">
+                            <a:latin typeface="Cambria Math" panose="02040503050406030204" pitchFamily="18" charset="0"/>
+                          </a:rPr>
+                          <m:t>𝑛</m:t>
+                        </m:r>
+                      </m:sup>
+                      <m:e>
+                        <m:sSup>
+                          <m:sSupPr>
+                            <m:ctrlPr>
+                              <a:rPr lang="en-US" b="0" i="1" smtClean="0">
+                                <a:latin typeface="Cambria Math" panose="02040503050406030204" pitchFamily="18" charset="0"/>
+                              </a:rPr>
+                            </m:ctrlPr>
+                          </m:sSupPr>
+                          <m:e>
+                            <m:d>
+                              <m:dPr>
+                                <m:ctrlPr>
+                                  <a:rPr lang="en-US" b="0" i="1" smtClean="0">
+                                    <a:latin typeface="Cambria Math" panose="02040503050406030204" pitchFamily="18" charset="0"/>
+                                  </a:rPr>
+                                </m:ctrlPr>
+                              </m:dPr>
+                              <m:e>
+                                <m:sSub>
+                                  <m:sSubPr>
+                                    <m:ctrlPr>
+                                      <a:rPr lang="en-US" b="0" i="1" smtClean="0">
+                                        <a:latin typeface="Cambria Math" panose="02040503050406030204" pitchFamily="18" charset="0"/>
+                                      </a:rPr>
+                                    </m:ctrlPr>
+                                  </m:sSubPr>
+                                  <m:e>
+                                    <m:r>
+                                      <a:rPr lang="en-US" b="0" i="1" smtClean="0">
+                                        <a:latin typeface="Cambria Math" panose="02040503050406030204" pitchFamily="18" charset="0"/>
+                                      </a:rPr>
+                                      <m:t>𝑦</m:t>
+                                    </m:r>
+                                  </m:e>
+                                  <m:sub>
+                                    <m:r>
+                                      <a:rPr lang="en-US" b="0" i="1" smtClean="0">
+                                        <a:latin typeface="Cambria Math" panose="02040503050406030204" pitchFamily="18" charset="0"/>
+                                      </a:rPr>
+                                      <m:t>𝑖</m:t>
+                                    </m:r>
+                                  </m:sub>
+                                </m:sSub>
+                                <m:r>
+                                  <a:rPr lang="en-US" b="0" i="1" smtClean="0">
+                                    <a:latin typeface="Cambria Math" panose="02040503050406030204" pitchFamily="18" charset="0"/>
+                                  </a:rPr>
+                                  <m:t>−</m:t>
+                                </m:r>
+                                <m:sSub>
+                                  <m:sSubPr>
+                                    <m:ctrlPr>
+                                      <a:rPr lang="en-US" b="0" i="1" smtClean="0">
+                                        <a:latin typeface="Cambria Math" panose="02040503050406030204" pitchFamily="18" charset="0"/>
+                                      </a:rPr>
+                                    </m:ctrlPr>
+                                  </m:sSubPr>
+                                  <m:e>
+                                    <m:acc>
+                                      <m:accPr>
+                                        <m:chr m:val="̂"/>
+                                        <m:ctrlPr>
+                                          <a:rPr lang="en-US" b="0" i="1" smtClean="0">
+                                            <a:latin typeface="Cambria Math" panose="02040503050406030204" pitchFamily="18" charset="0"/>
+                                          </a:rPr>
+                                        </m:ctrlPr>
+                                      </m:accPr>
+                                      <m:e>
+                                        <m:r>
+                                          <a:rPr lang="en-US" b="0" i="1" smtClean="0">
+                                            <a:latin typeface="Cambria Math" panose="02040503050406030204" pitchFamily="18" charset="0"/>
+                                          </a:rPr>
+                                          <m:t>𝑦</m:t>
+                                        </m:r>
+                                      </m:e>
+                                    </m:acc>
+                                  </m:e>
+                                  <m:sub>
+                                    <m:r>
+                                      <a:rPr lang="en-US" b="0" i="1" smtClean="0">
+                                        <a:latin typeface="Cambria Math" panose="02040503050406030204" pitchFamily="18" charset="0"/>
+                                      </a:rPr>
+                                      <m:t>𝑖</m:t>
+                                    </m:r>
+                                  </m:sub>
+                                </m:sSub>
+                              </m:e>
+                            </m:d>
+                          </m:e>
+                          <m:sup>
+                            <m:r>
+                              <a:rPr lang="en-US" b="0" i="1" smtClean="0">
+                                <a:latin typeface="Cambria Math" panose="02040503050406030204" pitchFamily="18" charset="0"/>
+                              </a:rPr>
+                              <m:t>2</m:t>
+                            </m:r>
+                          </m:sup>
+                        </m:sSup>
+                      </m:e>
+                    </m:nary>
+                  </m:oMath>
+                </a14:m>
+                <a:endParaRPr lang="es-ES_tradnl" dirty="0"/>
+              </a:p>
+              <a:p>
+                <a:pPr lvl="1"/>
+                <a:r>
+                  <a:rPr lang="es-ES_tradnl" dirty="0"/>
+                  <a:t>¿Interpretamos? Los verdaderos valores de </a:t>
+                </a:r>
+                <a14:m>
+                  <m:oMath xmlns:m="http://schemas.openxmlformats.org/officeDocument/2006/math">
+                    <m:sSub>
+                      <m:sSubPr>
+                        <m:ctrlPr>
+                          <a:rPr lang="en-US" b="0" i="1" smtClean="0">
+                            <a:latin typeface="Cambria Math" panose="02040503050406030204" pitchFamily="18" charset="0"/>
+                          </a:rPr>
+                        </m:ctrlPr>
+                      </m:sSubPr>
+                      <m:e>
+                        <m:r>
+                          <a:rPr lang="en-US" b="0" i="1" smtClean="0">
+                            <a:latin typeface="Cambria Math" panose="02040503050406030204" pitchFamily="18" charset="0"/>
+                          </a:rPr>
+                          <m:t>𝑦</m:t>
+                        </m:r>
+                      </m:e>
+                      <m:sub>
+                        <m:r>
+                          <a:rPr lang="en-US" b="0" i="1" smtClean="0">
+                            <a:latin typeface="Cambria Math" panose="02040503050406030204" pitchFamily="18" charset="0"/>
+                          </a:rPr>
+                          <m:t>𝑖</m:t>
+                        </m:r>
+                      </m:sub>
+                    </m:sSub>
+                  </m:oMath>
+                </a14:m>
+                <a:r>
+                  <a:rPr lang="es-ES_tradnl" dirty="0"/>
+                  <a:t> se desvían de la </a:t>
+                </a:r>
+                <a:r>
+                  <a:rPr lang="es-ES_tradnl" dirty="0">
+                    <a:solidFill>
+                      <a:srgbClr val="002060"/>
+                    </a:solidFill>
+                  </a:rPr>
+                  <a:t>verdadera línea de regresión </a:t>
+                </a:r>
+                <a:r>
+                  <a:rPr lang="es-ES_tradnl" dirty="0"/>
+                  <a:t>en </a:t>
+                </a:r>
+                <a14:m>
+                  <m:oMath xmlns:m="http://schemas.openxmlformats.org/officeDocument/2006/math">
+                    <m:acc>
+                      <m:accPr>
+                        <m:chr m:val="̂"/>
+                        <m:ctrlPr>
+                          <a:rPr lang="en-US" i="1">
+                            <a:latin typeface="Cambria Math" panose="02040503050406030204" pitchFamily="18" charset="0"/>
+                          </a:rPr>
+                        </m:ctrlPr>
+                      </m:accPr>
+                      <m:e>
+                        <m:r>
+                          <a:rPr lang="en-US" i="1">
+                            <a:latin typeface="Cambria Math" panose="02040503050406030204" pitchFamily="18" charset="0"/>
+                          </a:rPr>
+                          <m:t>𝜎</m:t>
+                        </m:r>
+                      </m:e>
+                    </m:acc>
+                    <m:r>
+                      <a:rPr lang="en-US" i="1">
+                        <a:latin typeface="Cambria Math" panose="02040503050406030204" pitchFamily="18" charset="0"/>
+                      </a:rPr>
+                      <m:t> </m:t>
+                    </m:r>
+                  </m:oMath>
+                </a14:m>
+                <a:r>
+                  <a:rPr lang="es-ES_tradnl" dirty="0"/>
+                  <a:t> en promedio (unidades de </a:t>
+                </a:r>
+                <a14:m>
+                  <m:oMath xmlns:m="http://schemas.openxmlformats.org/officeDocument/2006/math">
+                    <m:r>
+                      <a:rPr lang="en-US" i="1">
+                        <a:latin typeface="Cambria Math" panose="02040503050406030204" pitchFamily="18" charset="0"/>
+                      </a:rPr>
+                      <m:t>𝑦</m:t>
+                    </m:r>
+                  </m:oMath>
+                </a14:m>
+                <a:r>
+                  <a:rPr lang="es-ES_tradnl" dirty="0"/>
+                  <a:t>)</a:t>
+                </a:r>
+              </a:p>
+              <a:p>
+                <a:pPr lvl="1"/>
+                <a:r>
+                  <a:rPr lang="es-ES_tradnl" dirty="0"/>
+                  <a:t>Medida de la falta de ajuste del modelo a los datos (</a:t>
+                </a:r>
+                <a:r>
+                  <a:rPr lang="es-ES_tradnl" i="1" dirty="0" err="1"/>
+                  <a:t>lack</a:t>
+                </a:r>
+                <a:r>
+                  <a:rPr lang="es-ES_tradnl" i="1" dirty="0"/>
+                  <a:t> </a:t>
+                </a:r>
+                <a:r>
+                  <a:rPr lang="es-ES_tradnl" i="1" dirty="0" err="1"/>
+                  <a:t>of</a:t>
+                </a:r>
+                <a:r>
+                  <a:rPr lang="es-ES_tradnl" i="1" dirty="0"/>
+                  <a:t> </a:t>
+                </a:r>
+                <a:r>
+                  <a:rPr lang="es-ES_tradnl" i="1" dirty="0" err="1"/>
+                  <a:t>fit</a:t>
+                </a:r>
+                <a:r>
+                  <a:rPr lang="es-ES_tradnl" dirty="0"/>
+                  <a:t>)</a:t>
+                </a:r>
+              </a:p>
+              <a:p>
+                <a:pPr lvl="2"/>
+                <a:r>
+                  <a:rPr lang="es-ES_tradnl" dirty="0"/>
+                  <a:t>Si </a:t>
+                </a:r>
+                <a14:m>
+                  <m:oMath xmlns:m="http://schemas.openxmlformats.org/officeDocument/2006/math">
+                    <m:sSub>
+                      <m:sSubPr>
+                        <m:ctrlPr>
+                          <a:rPr lang="en-US" b="0" i="1" smtClean="0">
+                            <a:latin typeface="Cambria Math" panose="02040503050406030204" pitchFamily="18" charset="0"/>
+                          </a:rPr>
+                        </m:ctrlPr>
+                      </m:sSubPr>
+                      <m:e>
+                        <m:r>
+                          <a:rPr lang="en-US" b="0" i="1" smtClean="0">
+                            <a:latin typeface="Cambria Math" panose="02040503050406030204" pitchFamily="18" charset="0"/>
+                          </a:rPr>
+                          <m:t>𝑦</m:t>
+                        </m:r>
+                      </m:e>
+                      <m:sub>
+                        <m:r>
+                          <a:rPr lang="en-US" b="0" i="1" smtClean="0">
+                            <a:latin typeface="Cambria Math" panose="02040503050406030204" pitchFamily="18" charset="0"/>
+                          </a:rPr>
+                          <m:t>𝑖</m:t>
+                        </m:r>
+                      </m:sub>
+                    </m:sSub>
+                    <m:r>
+                      <a:rPr lang="en-US" i="1">
+                        <a:latin typeface="Cambria Math" panose="02040503050406030204" pitchFamily="18" charset="0"/>
+                        <a:ea typeface="Cambria Math" panose="02040503050406030204" pitchFamily="18" charset="0"/>
+                      </a:rPr>
+                      <m:t>≈</m:t>
+                    </m:r>
+                    <m:sSub>
+                      <m:sSubPr>
+                        <m:ctrlPr>
+                          <a:rPr lang="en-US" b="0" i="1" smtClean="0">
+                            <a:latin typeface="Cambria Math" panose="02040503050406030204" pitchFamily="18" charset="0"/>
+                          </a:rPr>
+                        </m:ctrlPr>
+                      </m:sSubPr>
+                      <m:e>
+                        <m:acc>
+                          <m:accPr>
+                            <m:chr m:val="̂"/>
+                            <m:ctrlPr>
+                              <a:rPr lang="en-US" b="0" i="1" smtClean="0">
+                                <a:latin typeface="Cambria Math" panose="02040503050406030204" pitchFamily="18" charset="0"/>
+                              </a:rPr>
+                            </m:ctrlPr>
+                          </m:accPr>
+                          <m:e>
+                            <m:r>
+                              <a:rPr lang="en-US" b="0" i="1" smtClean="0">
+                                <a:latin typeface="Cambria Math" panose="02040503050406030204" pitchFamily="18" charset="0"/>
+                              </a:rPr>
+                              <m:t>𝑦</m:t>
+                            </m:r>
+                          </m:e>
+                        </m:acc>
+                      </m:e>
+                      <m:sub>
+                        <m:r>
+                          <a:rPr lang="en-US" b="0" i="1" smtClean="0">
+                            <a:latin typeface="Cambria Math" panose="02040503050406030204" pitchFamily="18" charset="0"/>
+                          </a:rPr>
+                          <m:t>𝑖</m:t>
+                        </m:r>
+                      </m:sub>
+                    </m:sSub>
+                  </m:oMath>
+                </a14:m>
+                <a:r>
+                  <a:rPr lang="es-ES_tradnl" dirty="0"/>
+                  <a:t>, entonces </a:t>
+                </a:r>
+                <a14:m>
+                  <m:oMath xmlns:m="http://schemas.openxmlformats.org/officeDocument/2006/math">
+                    <m:acc>
+                      <m:accPr>
+                        <m:chr m:val="̂"/>
+                        <m:ctrlPr>
+                          <a:rPr lang="en-US" i="1">
+                            <a:latin typeface="Cambria Math" panose="02040503050406030204" pitchFamily="18" charset="0"/>
+                          </a:rPr>
+                        </m:ctrlPr>
+                      </m:accPr>
+                      <m:e>
+                        <m:r>
+                          <a:rPr lang="en-US" i="1">
+                            <a:latin typeface="Cambria Math" panose="02040503050406030204" pitchFamily="18" charset="0"/>
+                          </a:rPr>
+                          <m:t>𝜎</m:t>
+                        </m:r>
+                      </m:e>
+                    </m:acc>
+                  </m:oMath>
+                </a14:m>
+                <a:r>
+                  <a:rPr lang="es-ES_tradnl" dirty="0"/>
+                  <a:t> </a:t>
+                </a:r>
+                <a:r>
+                  <a:rPr lang="es-ES_tradnl" dirty="0">
+                    <a:solidFill>
+                      <a:srgbClr val="FF0000"/>
+                    </a:solidFill>
+                  </a:rPr>
+                  <a:t>pequeño</a:t>
+                </a:r>
+              </a:p>
+              <a:p>
+                <a:endParaRPr lang="es-ES_tradnl" dirty="0"/>
+              </a:p>
+              <a:p>
+                <a:endParaRPr lang="es-ES_tradnl" dirty="0"/>
+              </a:p>
+            </p:txBody>
+          </p:sp>
+        </mc:Choice>
+        <mc:Fallback xmlns="">
+          <p:sp>
+            <p:nvSpPr>
+              <p:cNvPr id="3" name="Content Placeholder 2">
+                <a:extLst>
+                  <a:ext uri="{FF2B5EF4-FFF2-40B4-BE49-F238E27FC236}">
+                    <a16:creationId xmlns:a16="http://schemas.microsoft.com/office/drawing/2014/main" id="{437F3A00-E5F7-EB3B-7E9A-E9C6312040D7}"/>
+                  </a:ext>
+                </a:extLst>
+              </p:cNvPr>
+              <p:cNvSpPr>
+                <a:spLocks noGrp="1" noRot="1" noChangeAspect="1" noMove="1" noResize="1" noEditPoints="1" noAdjustHandles="1" noChangeArrowheads="1" noChangeShapeType="1" noTextEdit="1"/>
+              </p:cNvSpPr>
+              <p:nvPr>
+                <p:ph idx="1"/>
+              </p:nvPr>
+            </p:nvSpPr>
+            <p:spPr>
+              <a:blipFill>
+                <a:blip r:embed="rId3"/>
+                <a:stretch>
+                  <a:fillRect l="-1327" t="-12500"/>
+                </a:stretch>
+              </a:blipFill>
+            </p:spPr>
+            <p:txBody>
+              <a:bodyPr/>
+              <a:lstStyle/>
+              <a:p>
+                <a:r>
+                  <a:rPr lang="es-ES_tradnl">
+                    <a:noFill/>
+                  </a:rPr>
+                  <a:t> </a:t>
+                </a:r>
+              </a:p>
+            </p:txBody>
+          </p:sp>
+        </mc:Fallback>
+      </mc:AlternateContent>
+      <p:sp>
+        <p:nvSpPr>
+          <p:cNvPr id="4" name="Slide Number Placeholder 3">
+            <a:extLst>
+              <a:ext uri="{FF2B5EF4-FFF2-40B4-BE49-F238E27FC236}">
+                <a16:creationId xmlns:a16="http://schemas.microsoft.com/office/drawing/2014/main" id="{B758FC2F-F97A-DC13-C495-9F0572B5E266}"/>
+              </a:ext>
+            </a:extLst>
+          </p:cNvPr>
+          <p:cNvSpPr>
+            <a:spLocks noGrp="1"/>
+          </p:cNvSpPr>
+          <p:nvPr>
+            <p:ph type="sldNum" sz="quarter" idx="12"/>
+          </p:nvPr>
+        </p:nvSpPr>
+        <p:spPr/>
+        <p:txBody>
+          <a:bodyPr/>
+          <a:lstStyle/>
+          <a:p>
+            <a:fld id="{278C1CC4-2077-434E-BCF1-5D01C08A9B17}" type="slidenum">
+              <a:rPr lang="en-US" smtClean="0"/>
+              <a:t>19</a:t>
+            </a:fld>
+            <a:endParaRPr lang="en-US"/>
+          </a:p>
+        </p:txBody>
+      </p:sp>
+    </p:spTree>
+    <p:extLst>
+      <p:ext uri="{BB962C8B-B14F-4D97-AF65-F5344CB8AC3E}">
+        <p14:creationId xmlns:p14="http://schemas.microsoft.com/office/powerpoint/2010/main" val="92188306"/>
+      </p:ext>
+    </p:extLst>
+  </p:cSld>
+  <p:clrMapOvr>
+    <a:masterClrMapping/>
+  </p:clrMapOvr>
+</p:sld>
+</file>
+
 <file path=ppt/slides/slide2.xml><?xml version="1.0" encoding="utf-8"?>
 <p:sld xmlns:a="http://schemas.openxmlformats.org/drawingml/2006/main" xmlns:r="http://schemas.openxmlformats.org/officeDocument/2006/relationships" xmlns:p="http://schemas.openxmlformats.org/presentationml/2006/main">
   <p:cSld>
@@ -21959,672 +20648,8 @@
           </a:p>
         </p:txBody>
       </p:sp>
-      <mc:AlternateContent xmlns:mc="http://schemas.openxmlformats.org/markup-compatibility/2006">
-        <mc:Choice xmlns:a14="http://schemas.microsoft.com/office/drawing/2010/main" Requires="a14">
-          <p:sp>
-            <p:nvSpPr>
-              <p:cNvPr id="3" name="Content Placeholder 2">
-                <a:extLst>
-                  <a:ext uri="{FF2B5EF4-FFF2-40B4-BE49-F238E27FC236}">
-                    <a16:creationId xmlns:a16="http://schemas.microsoft.com/office/drawing/2014/main" id="{437F3A00-E5F7-EB3B-7E9A-E9C6312040D7}"/>
-                  </a:ext>
-                </a:extLst>
-              </p:cNvPr>
-              <p:cNvSpPr>
-                <a:spLocks noGrp="1"/>
-              </p:cNvSpPr>
-              <p:nvPr>
-                <p:ph idx="1"/>
-              </p:nvPr>
-            </p:nvSpPr>
-            <p:spPr/>
-            <p:txBody>
-              <a:bodyPr>
-                <a:normAutofit lnSpcReduction="10000"/>
-              </a:bodyPr>
-              <a:lstStyle/>
-              <a:p>
-                <a:r>
-                  <a:rPr lang="es-ES_tradnl" dirty="0"/>
-                  <a:t>RSE (residual standard error) </a:t>
-                </a:r>
-                <a14:m>
-                  <m:oMath xmlns:m="http://schemas.openxmlformats.org/officeDocument/2006/math">
-                    <m:acc>
-                      <m:accPr>
-                        <m:chr m:val="̂"/>
-                        <m:ctrlPr>
-                          <a:rPr lang="en-US" i="1">
-                            <a:latin typeface="Cambria Math" panose="02040503050406030204" pitchFamily="18" charset="0"/>
-                          </a:rPr>
-                        </m:ctrlPr>
-                      </m:accPr>
-                      <m:e>
-                        <m:r>
-                          <a:rPr lang="en-US" i="1">
-                            <a:latin typeface="Cambria Math" panose="02040503050406030204" pitchFamily="18" charset="0"/>
-                          </a:rPr>
-                          <m:t>𝜎</m:t>
-                        </m:r>
-                      </m:e>
-                    </m:acc>
-                    <m:r>
-                      <a:rPr lang="en-US" b="0" i="1" smtClean="0">
-                        <a:latin typeface="Cambria Math" panose="02040503050406030204" pitchFamily="18" charset="0"/>
-                      </a:rPr>
-                      <m:t>=</m:t>
-                    </m:r>
-                    <m:rad>
-                      <m:radPr>
-                        <m:degHide m:val="on"/>
-                        <m:ctrlPr>
-                          <a:rPr lang="en-US" b="0" i="1" smtClean="0">
-                            <a:latin typeface="Cambria Math" panose="02040503050406030204" pitchFamily="18" charset="0"/>
-                          </a:rPr>
-                        </m:ctrlPr>
-                      </m:radPr>
-                      <m:deg/>
-                      <m:e>
-                        <m:f>
-                          <m:fPr>
-                            <m:type m:val="lin"/>
-                            <m:ctrlPr>
-                              <a:rPr lang="en-US" b="0" i="1" smtClean="0">
-                                <a:latin typeface="Cambria Math" panose="02040503050406030204" pitchFamily="18" charset="0"/>
-                              </a:rPr>
-                            </m:ctrlPr>
-                          </m:fPr>
-                          <m:num>
-                            <m:r>
-                              <a:rPr lang="en-US" i="1">
-                                <a:latin typeface="Cambria Math" panose="02040503050406030204" pitchFamily="18" charset="0"/>
-                              </a:rPr>
-                              <m:t>𝑅𝑆𝑆</m:t>
-                            </m:r>
-                          </m:num>
-                          <m:den>
-                            <m:d>
-                              <m:dPr>
-                                <m:ctrlPr>
-                                  <a:rPr lang="en-US" b="0" i="1" smtClean="0">
-                                    <a:latin typeface="Cambria Math" panose="02040503050406030204" pitchFamily="18" charset="0"/>
-                                  </a:rPr>
-                                </m:ctrlPr>
-                              </m:dPr>
-                              <m:e>
-                                <m:r>
-                                  <a:rPr lang="en-US" b="0" i="1" smtClean="0">
-                                    <a:latin typeface="Cambria Math" panose="02040503050406030204" pitchFamily="18" charset="0"/>
-                                  </a:rPr>
-                                  <m:t>𝑛</m:t>
-                                </m:r>
-                                <m:r>
-                                  <a:rPr lang="en-US" b="0" i="1" smtClean="0">
-                                    <a:latin typeface="Cambria Math" panose="02040503050406030204" pitchFamily="18" charset="0"/>
-                                  </a:rPr>
-                                  <m:t>−2</m:t>
-                                </m:r>
-                              </m:e>
-                            </m:d>
-                            <m:r>
-                              <a:rPr lang="en-US" b="0" i="1" smtClean="0">
-                                <a:latin typeface="Cambria Math" panose="02040503050406030204" pitchFamily="18" charset="0"/>
-                              </a:rPr>
-                              <m:t> </m:t>
-                            </m:r>
-                          </m:den>
-                        </m:f>
-                      </m:e>
-                    </m:rad>
-                  </m:oMath>
-                </a14:m>
-                <a:endParaRPr lang="es-ES_tradnl" dirty="0"/>
-              </a:p>
-              <a:p>
-                <a:pPr lvl="1"/>
-                <a:r>
-                  <a:rPr lang="es-ES_tradnl" dirty="0"/>
-                  <a:t>Con </a:t>
-                </a:r>
-                <a14:m>
-                  <m:oMath xmlns:m="http://schemas.openxmlformats.org/officeDocument/2006/math">
-                    <m:r>
-                      <a:rPr lang="en-US" b="0" i="1" smtClean="0">
-                        <a:latin typeface="Cambria Math" panose="02040503050406030204" pitchFamily="18" charset="0"/>
-                      </a:rPr>
-                      <m:t>𝑅𝑆𝑆</m:t>
-                    </m:r>
-                    <m:r>
-                      <a:rPr lang="en-US" b="0" i="1" smtClean="0">
-                        <a:latin typeface="Cambria Math" panose="02040503050406030204" pitchFamily="18" charset="0"/>
-                      </a:rPr>
-                      <m:t>=</m:t>
-                    </m:r>
-                    <m:nary>
-                      <m:naryPr>
-                        <m:chr m:val="∑"/>
-                        <m:limLoc m:val="subSup"/>
-                        <m:ctrlPr>
-                          <a:rPr lang="en-US" b="0" i="1" smtClean="0">
-                            <a:latin typeface="Cambria Math" panose="02040503050406030204" pitchFamily="18" charset="0"/>
-                          </a:rPr>
-                        </m:ctrlPr>
-                      </m:naryPr>
-                      <m:sub>
-                        <m:r>
-                          <m:rPr>
-                            <m:brk m:alnAt="25"/>
-                          </m:rPr>
-                          <a:rPr lang="en-US" b="0" i="1" smtClean="0">
-                            <a:latin typeface="Cambria Math" panose="02040503050406030204" pitchFamily="18" charset="0"/>
-                          </a:rPr>
-                          <m:t>𝑖</m:t>
-                        </m:r>
-                        <m:r>
-                          <a:rPr lang="en-US" b="0" i="1" smtClean="0">
-                            <a:latin typeface="Cambria Math" panose="02040503050406030204" pitchFamily="18" charset="0"/>
-                          </a:rPr>
-                          <m:t>=1</m:t>
-                        </m:r>
-                      </m:sub>
-                      <m:sup>
-                        <m:r>
-                          <a:rPr lang="en-US" b="0" i="1" smtClean="0">
-                            <a:latin typeface="Cambria Math" panose="02040503050406030204" pitchFamily="18" charset="0"/>
-                          </a:rPr>
-                          <m:t>𝑛</m:t>
-                        </m:r>
-                      </m:sup>
-                      <m:e>
-                        <m:sSup>
-                          <m:sSupPr>
-                            <m:ctrlPr>
-                              <a:rPr lang="en-US" b="0" i="1" smtClean="0">
-                                <a:latin typeface="Cambria Math" panose="02040503050406030204" pitchFamily="18" charset="0"/>
-                              </a:rPr>
-                            </m:ctrlPr>
-                          </m:sSupPr>
-                          <m:e>
-                            <m:d>
-                              <m:dPr>
-                                <m:ctrlPr>
-                                  <a:rPr lang="en-US" b="0" i="1" smtClean="0">
-                                    <a:latin typeface="Cambria Math" panose="02040503050406030204" pitchFamily="18" charset="0"/>
-                                  </a:rPr>
-                                </m:ctrlPr>
-                              </m:dPr>
-                              <m:e>
-                                <m:sSub>
-                                  <m:sSubPr>
-                                    <m:ctrlPr>
-                                      <a:rPr lang="en-US" b="0" i="1" smtClean="0">
-                                        <a:latin typeface="Cambria Math" panose="02040503050406030204" pitchFamily="18" charset="0"/>
-                                      </a:rPr>
-                                    </m:ctrlPr>
-                                  </m:sSubPr>
-                                  <m:e>
-                                    <m:r>
-                                      <a:rPr lang="en-US" b="0" i="1" smtClean="0">
-                                        <a:latin typeface="Cambria Math" panose="02040503050406030204" pitchFamily="18" charset="0"/>
-                                      </a:rPr>
-                                      <m:t>𝑦</m:t>
-                                    </m:r>
-                                  </m:e>
-                                  <m:sub>
-                                    <m:r>
-                                      <a:rPr lang="en-US" b="0" i="1" smtClean="0">
-                                        <a:latin typeface="Cambria Math" panose="02040503050406030204" pitchFamily="18" charset="0"/>
-                                      </a:rPr>
-                                      <m:t>𝑖</m:t>
-                                    </m:r>
-                                  </m:sub>
-                                </m:sSub>
-                                <m:r>
-                                  <a:rPr lang="en-US" b="0" i="1" smtClean="0">
-                                    <a:latin typeface="Cambria Math" panose="02040503050406030204" pitchFamily="18" charset="0"/>
-                                  </a:rPr>
-                                  <m:t>−</m:t>
-                                </m:r>
-                                <m:sSub>
-                                  <m:sSubPr>
-                                    <m:ctrlPr>
-                                      <a:rPr lang="en-US" b="0" i="1" smtClean="0">
-                                        <a:latin typeface="Cambria Math" panose="02040503050406030204" pitchFamily="18" charset="0"/>
-                                      </a:rPr>
-                                    </m:ctrlPr>
-                                  </m:sSubPr>
-                                  <m:e>
-                                    <m:acc>
-                                      <m:accPr>
-                                        <m:chr m:val="̂"/>
-                                        <m:ctrlPr>
-                                          <a:rPr lang="en-US" b="0" i="1" smtClean="0">
-                                            <a:latin typeface="Cambria Math" panose="02040503050406030204" pitchFamily="18" charset="0"/>
-                                          </a:rPr>
-                                        </m:ctrlPr>
-                                      </m:accPr>
-                                      <m:e>
-                                        <m:r>
-                                          <a:rPr lang="en-US" b="0" i="1" smtClean="0">
-                                            <a:latin typeface="Cambria Math" panose="02040503050406030204" pitchFamily="18" charset="0"/>
-                                          </a:rPr>
-                                          <m:t>𝑦</m:t>
-                                        </m:r>
-                                      </m:e>
-                                    </m:acc>
-                                  </m:e>
-                                  <m:sub>
-                                    <m:r>
-                                      <a:rPr lang="en-US" b="0" i="1" smtClean="0">
-                                        <a:latin typeface="Cambria Math" panose="02040503050406030204" pitchFamily="18" charset="0"/>
-                                      </a:rPr>
-                                      <m:t>𝑖</m:t>
-                                    </m:r>
-                                  </m:sub>
-                                </m:sSub>
-                              </m:e>
-                            </m:d>
-                          </m:e>
-                          <m:sup>
-                            <m:r>
-                              <a:rPr lang="en-US" b="0" i="1" smtClean="0">
-                                <a:latin typeface="Cambria Math" panose="02040503050406030204" pitchFamily="18" charset="0"/>
-                              </a:rPr>
-                              <m:t>2</m:t>
-                            </m:r>
-                          </m:sup>
-                        </m:sSup>
-                      </m:e>
-                    </m:nary>
-                  </m:oMath>
-                </a14:m>
-                <a:endParaRPr lang="es-ES_tradnl" dirty="0"/>
-              </a:p>
-              <a:p>
-                <a:pPr lvl="1"/>
-                <a:r>
-                  <a:rPr lang="es-ES_tradnl" dirty="0"/>
-                  <a:t>¿Interpretamos? Los verdaderos valores de </a:t>
-                </a:r>
-                <a14:m>
-                  <m:oMath xmlns:m="http://schemas.openxmlformats.org/officeDocument/2006/math">
-                    <m:sSub>
-                      <m:sSubPr>
-                        <m:ctrlPr>
-                          <a:rPr lang="en-US" b="0" i="1" smtClean="0">
-                            <a:latin typeface="Cambria Math" panose="02040503050406030204" pitchFamily="18" charset="0"/>
-                          </a:rPr>
-                        </m:ctrlPr>
-                      </m:sSubPr>
-                      <m:e>
-                        <m:r>
-                          <a:rPr lang="en-US" b="0" i="1" smtClean="0">
-                            <a:latin typeface="Cambria Math" panose="02040503050406030204" pitchFamily="18" charset="0"/>
-                          </a:rPr>
-                          <m:t>𝑦</m:t>
-                        </m:r>
-                      </m:e>
-                      <m:sub>
-                        <m:r>
-                          <a:rPr lang="en-US" b="0" i="1" smtClean="0">
-                            <a:latin typeface="Cambria Math" panose="02040503050406030204" pitchFamily="18" charset="0"/>
-                          </a:rPr>
-                          <m:t>𝑖</m:t>
-                        </m:r>
-                      </m:sub>
-                    </m:sSub>
-                  </m:oMath>
-                </a14:m>
-                <a:r>
-                  <a:rPr lang="es-ES_tradnl" dirty="0"/>
-                  <a:t> se desvían de la </a:t>
-                </a:r>
-                <a:r>
-                  <a:rPr lang="es-ES_tradnl" dirty="0">
-                    <a:solidFill>
-                      <a:srgbClr val="002060"/>
-                    </a:solidFill>
-                  </a:rPr>
-                  <a:t>verdadera línea de regresión </a:t>
-                </a:r>
-                <a:r>
-                  <a:rPr lang="es-ES_tradnl" dirty="0"/>
-                  <a:t>en </a:t>
-                </a:r>
-                <a14:m>
-                  <m:oMath xmlns:m="http://schemas.openxmlformats.org/officeDocument/2006/math">
-                    <m:acc>
-                      <m:accPr>
-                        <m:chr m:val="̂"/>
-                        <m:ctrlPr>
-                          <a:rPr lang="en-US" i="1">
-                            <a:latin typeface="Cambria Math" panose="02040503050406030204" pitchFamily="18" charset="0"/>
-                          </a:rPr>
-                        </m:ctrlPr>
-                      </m:accPr>
-                      <m:e>
-                        <m:r>
-                          <a:rPr lang="en-US" i="1">
-                            <a:latin typeface="Cambria Math" panose="02040503050406030204" pitchFamily="18" charset="0"/>
-                          </a:rPr>
-                          <m:t>𝜎</m:t>
-                        </m:r>
-                      </m:e>
-                    </m:acc>
-                    <m:r>
-                      <a:rPr lang="en-US" i="1">
-                        <a:latin typeface="Cambria Math" panose="02040503050406030204" pitchFamily="18" charset="0"/>
-                      </a:rPr>
-                      <m:t> </m:t>
-                    </m:r>
-                  </m:oMath>
-                </a14:m>
-                <a:r>
-                  <a:rPr lang="es-ES_tradnl" dirty="0"/>
-                  <a:t> en promedio (unidades de </a:t>
-                </a:r>
-                <a14:m>
-                  <m:oMath xmlns:m="http://schemas.openxmlformats.org/officeDocument/2006/math">
-                    <m:r>
-                      <a:rPr lang="en-US" i="1">
-                        <a:latin typeface="Cambria Math" panose="02040503050406030204" pitchFamily="18" charset="0"/>
-                      </a:rPr>
-                      <m:t>𝑦</m:t>
-                    </m:r>
-                  </m:oMath>
-                </a14:m>
-                <a:r>
-                  <a:rPr lang="es-ES_tradnl" dirty="0"/>
-                  <a:t>)</a:t>
-                </a:r>
-              </a:p>
-              <a:p>
-                <a:pPr lvl="1"/>
-                <a:r>
-                  <a:rPr lang="es-ES_tradnl" dirty="0"/>
-                  <a:t>Medida de la falta de ajuste del modelo a los datos (</a:t>
-                </a:r>
-                <a:r>
-                  <a:rPr lang="es-ES_tradnl" i="1" dirty="0" err="1"/>
-                  <a:t>lack</a:t>
-                </a:r>
-                <a:r>
-                  <a:rPr lang="es-ES_tradnl" i="1" dirty="0"/>
-                  <a:t> </a:t>
-                </a:r>
-                <a:r>
-                  <a:rPr lang="es-ES_tradnl" i="1" dirty="0" err="1"/>
-                  <a:t>of</a:t>
-                </a:r>
-                <a:r>
-                  <a:rPr lang="es-ES_tradnl" i="1" dirty="0"/>
-                  <a:t> </a:t>
-                </a:r>
-                <a:r>
-                  <a:rPr lang="es-ES_tradnl" i="1" dirty="0" err="1"/>
-                  <a:t>fit</a:t>
-                </a:r>
-                <a:r>
-                  <a:rPr lang="es-ES_tradnl" dirty="0"/>
-                  <a:t>)</a:t>
-                </a:r>
-              </a:p>
-              <a:p>
-                <a:pPr lvl="2"/>
-                <a:r>
-                  <a:rPr lang="es-ES_tradnl" dirty="0"/>
-                  <a:t>Si </a:t>
-                </a:r>
-                <a14:m>
-                  <m:oMath xmlns:m="http://schemas.openxmlformats.org/officeDocument/2006/math">
-                    <m:sSub>
-                      <m:sSubPr>
-                        <m:ctrlPr>
-                          <a:rPr lang="en-US" b="0" i="1" smtClean="0">
-                            <a:latin typeface="Cambria Math" panose="02040503050406030204" pitchFamily="18" charset="0"/>
-                          </a:rPr>
-                        </m:ctrlPr>
-                      </m:sSubPr>
-                      <m:e>
-                        <m:r>
-                          <a:rPr lang="en-US" b="0" i="1" smtClean="0">
-                            <a:latin typeface="Cambria Math" panose="02040503050406030204" pitchFamily="18" charset="0"/>
-                          </a:rPr>
-                          <m:t>𝑦</m:t>
-                        </m:r>
-                      </m:e>
-                      <m:sub>
-                        <m:r>
-                          <a:rPr lang="en-US" b="0" i="1" smtClean="0">
-                            <a:latin typeface="Cambria Math" panose="02040503050406030204" pitchFamily="18" charset="0"/>
-                          </a:rPr>
-                          <m:t>𝑖</m:t>
-                        </m:r>
-                      </m:sub>
-                    </m:sSub>
-                    <m:r>
-                      <a:rPr lang="en-US" i="1">
-                        <a:latin typeface="Cambria Math" panose="02040503050406030204" pitchFamily="18" charset="0"/>
-                        <a:ea typeface="Cambria Math" panose="02040503050406030204" pitchFamily="18" charset="0"/>
-                      </a:rPr>
-                      <m:t>≈</m:t>
-                    </m:r>
-                    <m:sSub>
-                      <m:sSubPr>
-                        <m:ctrlPr>
-                          <a:rPr lang="en-US" b="0" i="1" smtClean="0">
-                            <a:latin typeface="Cambria Math" panose="02040503050406030204" pitchFamily="18" charset="0"/>
-                          </a:rPr>
-                        </m:ctrlPr>
-                      </m:sSubPr>
-                      <m:e>
-                        <m:acc>
-                          <m:accPr>
-                            <m:chr m:val="̂"/>
-                            <m:ctrlPr>
-                              <a:rPr lang="en-US" b="0" i="1" smtClean="0">
-                                <a:latin typeface="Cambria Math" panose="02040503050406030204" pitchFamily="18" charset="0"/>
-                              </a:rPr>
-                            </m:ctrlPr>
-                          </m:accPr>
-                          <m:e>
-                            <m:r>
-                              <a:rPr lang="en-US" b="0" i="1" smtClean="0">
-                                <a:latin typeface="Cambria Math" panose="02040503050406030204" pitchFamily="18" charset="0"/>
-                              </a:rPr>
-                              <m:t>𝑦</m:t>
-                            </m:r>
-                          </m:e>
-                        </m:acc>
-                      </m:e>
-                      <m:sub>
-                        <m:r>
-                          <a:rPr lang="en-US" b="0" i="1" smtClean="0">
-                            <a:latin typeface="Cambria Math" panose="02040503050406030204" pitchFamily="18" charset="0"/>
-                          </a:rPr>
-                          <m:t>𝑖</m:t>
-                        </m:r>
-                      </m:sub>
-                    </m:sSub>
-                  </m:oMath>
-                </a14:m>
-                <a:r>
-                  <a:rPr lang="es-ES_tradnl" dirty="0"/>
-                  <a:t>, entonces </a:t>
-                </a:r>
-                <a14:m>
-                  <m:oMath xmlns:m="http://schemas.openxmlformats.org/officeDocument/2006/math">
-                    <m:acc>
-                      <m:accPr>
-                        <m:chr m:val="̂"/>
-                        <m:ctrlPr>
-                          <a:rPr lang="en-US" i="1">
-                            <a:latin typeface="Cambria Math" panose="02040503050406030204" pitchFamily="18" charset="0"/>
-                          </a:rPr>
-                        </m:ctrlPr>
-                      </m:accPr>
-                      <m:e>
-                        <m:r>
-                          <a:rPr lang="en-US" i="1">
-                            <a:latin typeface="Cambria Math" panose="02040503050406030204" pitchFamily="18" charset="0"/>
-                          </a:rPr>
-                          <m:t>𝜎</m:t>
-                        </m:r>
-                      </m:e>
-                    </m:acc>
-                  </m:oMath>
-                </a14:m>
-                <a:r>
-                  <a:rPr lang="es-ES_tradnl" dirty="0"/>
-                  <a:t> </a:t>
-                </a:r>
-                <a:r>
-                  <a:rPr lang="es-ES_tradnl" dirty="0">
-                    <a:solidFill>
-                      <a:srgbClr val="FF0000"/>
-                    </a:solidFill>
-                  </a:rPr>
-                  <a:t>pequeño</a:t>
-                </a:r>
-              </a:p>
-              <a:p>
-                <a:endParaRPr lang="es-ES_tradnl" dirty="0"/>
-              </a:p>
-              <a:p>
-                <a:endParaRPr lang="es-ES_tradnl" dirty="0"/>
-              </a:p>
-            </p:txBody>
-          </p:sp>
-        </mc:Choice>
-        <mc:Fallback>
-          <p:sp>
-            <p:nvSpPr>
-              <p:cNvPr id="3" name="Content Placeholder 2">
-                <a:extLst>
-                  <a:ext uri="{FF2B5EF4-FFF2-40B4-BE49-F238E27FC236}">
-                    <a16:creationId xmlns:a16="http://schemas.microsoft.com/office/drawing/2014/main" id="{437F3A00-E5F7-EB3B-7E9A-E9C6312040D7}"/>
-                  </a:ext>
-                </a:extLst>
-              </p:cNvPr>
-              <p:cNvSpPr>
-                <a:spLocks noGrp="1" noRot="1" noChangeAspect="1" noMove="1" noResize="1" noEditPoints="1" noAdjustHandles="1" noChangeArrowheads="1" noChangeShapeType="1" noTextEdit="1"/>
-              </p:cNvSpPr>
-              <p:nvPr>
-                <p:ph idx="1"/>
-              </p:nvPr>
-            </p:nvSpPr>
-            <p:spPr>
-              <a:blipFill>
-                <a:blip r:embed="rId3"/>
-                <a:stretch>
-                  <a:fillRect l="-1327" t="-12500"/>
-                </a:stretch>
-              </a:blipFill>
-            </p:spPr>
-            <p:txBody>
-              <a:bodyPr/>
-              <a:lstStyle/>
-              <a:p>
-                <a:r>
-                  <a:rPr lang="es-ES_tradnl">
-                    <a:noFill/>
-                  </a:rPr>
-                  <a:t> </a:t>
-                </a:r>
-              </a:p>
-            </p:txBody>
-          </p:sp>
-        </mc:Fallback>
-      </mc:AlternateContent>
-      <p:sp>
-        <p:nvSpPr>
-          <p:cNvPr id="4" name="Slide Number Placeholder 3">
-            <a:extLst>
-              <a:ext uri="{FF2B5EF4-FFF2-40B4-BE49-F238E27FC236}">
-                <a16:creationId xmlns:a16="http://schemas.microsoft.com/office/drawing/2014/main" id="{B758FC2F-F97A-DC13-C495-9F0572B5E266}"/>
-              </a:ext>
-            </a:extLst>
-          </p:cNvPr>
-          <p:cNvSpPr>
-            <a:spLocks noGrp="1"/>
-          </p:cNvSpPr>
-          <p:nvPr>
-            <p:ph type="sldNum" sz="quarter" idx="12"/>
-          </p:nvPr>
-        </p:nvSpPr>
-        <p:spPr/>
-        <p:txBody>
-          <a:bodyPr/>
-          <a:lstStyle/>
-          <a:p>
-            <a:fld id="{278C1CC4-2077-434E-BCF1-5D01C08A9B17}" type="slidenum">
-              <a:rPr lang="en-US" smtClean="0"/>
-              <a:t>20</a:t>
-            </a:fld>
-            <a:endParaRPr lang="en-US"/>
-          </a:p>
-        </p:txBody>
-      </p:sp>
-    </p:spTree>
-    <p:extLst>
-      <p:ext uri="{BB962C8B-B14F-4D97-AF65-F5344CB8AC3E}">
-        <p14:creationId xmlns:p14="http://schemas.microsoft.com/office/powerpoint/2010/main" val="92188306"/>
-      </p:ext>
-    </p:extLst>
-  </p:cSld>
-  <p:clrMapOvr>
-    <a:masterClrMapping/>
-  </p:clrMapOvr>
-</p:sld>
-</file>
-
-<file path=ppt/slides/slide21.xml><?xml version="1.0" encoding="utf-8"?>
-<p:sld xmlns:a="http://schemas.openxmlformats.org/drawingml/2006/main" xmlns:r="http://schemas.openxmlformats.org/officeDocument/2006/relationships" xmlns:p="http://schemas.openxmlformats.org/presentationml/2006/main">
-  <p:cSld>
-    <p:spTree>
-      <p:nvGrpSpPr>
-        <p:cNvPr id="1" name=""/>
-        <p:cNvGrpSpPr/>
-        <p:nvPr/>
-      </p:nvGrpSpPr>
-      <p:grpSpPr>
-        <a:xfrm>
-          <a:off x="0" y="0"/>
-          <a:ext cx="0" cy="0"/>
-          <a:chOff x="0" y="0"/>
-          <a:chExt cx="0" cy="0"/>
-        </a:xfrm>
-      </p:grpSpPr>
-      <p:sp>
-        <p:nvSpPr>
-          <p:cNvPr id="2" name="Title 1">
-            <a:extLst>
-              <a:ext uri="{FF2B5EF4-FFF2-40B4-BE49-F238E27FC236}">
-                <a16:creationId xmlns:a16="http://schemas.microsoft.com/office/drawing/2014/main" id="{85F73B99-3D7E-3E84-6DC1-2CB9E720B155}"/>
-              </a:ext>
-            </a:extLst>
-          </p:cNvPr>
-          <p:cNvSpPr>
-            <a:spLocks noGrp="1"/>
-          </p:cNvSpPr>
-          <p:nvPr>
-            <p:ph type="title"/>
-          </p:nvPr>
-        </p:nvSpPr>
-        <p:spPr/>
-        <p:txBody>
-          <a:bodyPr/>
-          <a:lstStyle/>
-          <a:p>
-            <a:r>
-              <a:rPr lang="es-ES_tradnl" dirty="0"/>
-              <a:t>En la Práctica, evaluamos la predicción con… </a:t>
-            </a:r>
-          </a:p>
-        </p:txBody>
-      </p:sp>
-      <mc:AlternateContent xmlns:mc="http://schemas.openxmlformats.org/markup-compatibility/2006">
-        <mc:Choice xmlns:a14="http://schemas.microsoft.com/office/drawing/2010/main" Requires="a14">
+      <mc:AlternateContent xmlns:mc="http://schemas.openxmlformats.org/markup-compatibility/2006" xmlns:a14="http://schemas.microsoft.com/office/drawing/2010/main">
+        <mc:Choice Requires="a14">
           <p:sp>
             <p:nvSpPr>
               <p:cNvPr id="3" name="Content Placeholder 2">
@@ -22951,98 +20976,27 @@
                   <a:t> </a:t>
                 </a:r>
                 <a:r>
-                  <a:rPr lang="en-US" b="0" i="1" dirty="0" err="1">
-                    <a:latin typeface="Cambria Math" panose="02040503050406030204" pitchFamily="18" charset="0"/>
+                  <a:rPr lang="es-ES_tradnl" b="0" noProof="0" dirty="0">
+                    <a:latin typeface="Gill Sans Nova Light" panose="020B0302020104020203" pitchFamily="34" charset="0"/>
                   </a:rPr>
-                  <a:t>suma</a:t>
+                  <a:t>suma de los residuos al cuadrado = variabilidad de </a:t>
                 </a:r>
+                <a14:m>
+                  <m:oMath xmlns:m="http://schemas.openxmlformats.org/officeDocument/2006/math">
+                    <m:r>
+                      <a:rPr lang="en-US" i="1">
+                        <a:latin typeface="Cambria Math" panose="02040503050406030204" pitchFamily="18" charset="0"/>
+                      </a:rPr>
+                      <m:t>𝑦</m:t>
+                    </m:r>
+                  </m:oMath>
+                </a14:m>
                 <a:r>
-                  <a:rPr lang="en-US" b="0" i="1" dirty="0">
-                    <a:latin typeface="Cambria Math" panose="02040503050406030204" pitchFamily="18" charset="0"/>
+                  <a:rPr lang="es-ES_tradnl" b="0" noProof="0" dirty="0">
+                    <a:latin typeface="Gill Sans Nova Light" panose="020B0302020104020203" pitchFamily="34" charset="0"/>
                   </a:rPr>
-                  <a:t> de </a:t>
+                  <a:t> no explicada por el modelo </a:t>
                 </a:r>
-                <a:r>
-                  <a:rPr lang="en-US" b="0" i="1" dirty="0" err="1">
-                    <a:latin typeface="Cambria Math" panose="02040503050406030204" pitchFamily="18" charset="0"/>
-                  </a:rPr>
-                  <a:t>los</a:t>
-                </a:r>
-                <a:r>
-                  <a:rPr lang="en-US" b="0" i="1" dirty="0">
-                    <a:latin typeface="Cambria Math" panose="02040503050406030204" pitchFamily="18" charset="0"/>
-                  </a:rPr>
-                  <a:t> </a:t>
-                </a:r>
-                <a:r>
-                  <a:rPr lang="en-US" b="0" i="1" dirty="0" err="1">
-                    <a:latin typeface="Cambria Math" panose="02040503050406030204" pitchFamily="18" charset="0"/>
-                  </a:rPr>
-                  <a:t>residuos</a:t>
-                </a:r>
-                <a:r>
-                  <a:rPr lang="en-US" b="0" i="1" dirty="0">
-                    <a:latin typeface="Cambria Math" panose="02040503050406030204" pitchFamily="18" charset="0"/>
-                  </a:rPr>
-                  <a:t> al Cuadrado = </a:t>
-                </a:r>
-                <a:r>
-                  <a:rPr lang="en-US" b="0" i="1" dirty="0" err="1">
-                    <a:latin typeface="Cambria Math" panose="02040503050406030204" pitchFamily="18" charset="0"/>
-                  </a:rPr>
-                  <a:t>variabilidad</a:t>
-                </a:r>
-                <a:r>
-                  <a:rPr lang="en-US" b="0" i="1" dirty="0">
-                    <a:latin typeface="Cambria Math" panose="02040503050406030204" pitchFamily="18" charset="0"/>
-                  </a:rPr>
-                  <a:t> de y no </a:t>
-                </a:r>
-                <a:r>
-                  <a:rPr lang="en-US" b="0" i="1" dirty="0" err="1">
-                    <a:latin typeface="Cambria Math" panose="02040503050406030204" pitchFamily="18" charset="0"/>
-                  </a:rPr>
-                  <a:t>explicada</a:t>
-                </a:r>
-                <a:r>
-                  <a:rPr lang="en-US" b="0" i="1" dirty="0">
-                    <a:latin typeface="Cambria Math" panose="02040503050406030204" pitchFamily="18" charset="0"/>
-                  </a:rPr>
-                  <a:t> </a:t>
-                </a:r>
-                <a:r>
-                  <a:rPr lang="en-US" b="0" i="1" dirty="0" err="1">
-                    <a:latin typeface="Cambria Math" panose="02040503050406030204" pitchFamily="18" charset="0"/>
-                  </a:rPr>
-                  <a:t>por</a:t>
-                </a:r>
-                <a:r>
-                  <a:rPr lang="en-US" b="0" i="1" dirty="0">
-                    <a:latin typeface="Cambria Math" panose="02040503050406030204" pitchFamily="18" charset="0"/>
-                  </a:rPr>
-                  <a:t> </a:t>
-                </a:r>
-                <a:r>
-                  <a:rPr lang="en-US" b="0" i="1" dirty="0" err="1">
-                    <a:latin typeface="Cambria Math" panose="02040503050406030204" pitchFamily="18" charset="0"/>
-                  </a:rPr>
-                  <a:t>el</a:t>
-                </a:r>
-                <a:r>
-                  <a:rPr lang="en-US" b="0" i="1" dirty="0">
-                    <a:latin typeface="Cambria Math" panose="02040503050406030204" pitchFamily="18" charset="0"/>
-                  </a:rPr>
-                  <a:t> </a:t>
-                </a:r>
-                <a:r>
-                  <a:rPr lang="en-US" b="0" i="1" dirty="0" err="1">
-                    <a:latin typeface="Cambria Math" panose="02040503050406030204" pitchFamily="18" charset="0"/>
-                  </a:rPr>
-                  <a:t>modelo</a:t>
-                </a:r>
-                <a:endParaRPr lang="en-US" b="0" i="1" dirty="0">
-                  <a:latin typeface="Cambria Math" panose="02040503050406030204" pitchFamily="18" charset="0"/>
-                </a:endParaRPr>
               </a:p>
               <a:p>
                 <a14:m>
@@ -23170,7 +21124,21 @@
               <a:p>
                 <a:r>
                   <a:rPr lang="es-ES_tradnl" dirty="0"/>
-                  <a:t>¿Interpretación? Cuando variabilidad de y (variable dependiente) esta explicada por la variabilidad del modelo </a:t>
+                  <a:t>¿Interpretación? Cuánto variabilidad de </a:t>
+                </a:r>
+                <a14:m>
+                  <m:oMath xmlns:m="http://schemas.openxmlformats.org/officeDocument/2006/math">
+                    <m:r>
+                      <a:rPr lang="en-US" b="0" i="1" smtClean="0">
+                        <a:latin typeface="Cambria Math" panose="02040503050406030204" pitchFamily="18" charset="0"/>
+                      </a:rPr>
+                      <m:t>𝑦</m:t>
+                    </m:r>
+                  </m:oMath>
+                </a14:m>
+                <a:r>
+                  <a:rPr lang="es-ES_tradnl" dirty="0"/>
+                  <a:t> (variable dependiente) está explicada por la variabilidad del modelo </a:t>
                 </a:r>
               </a:p>
               <a:p>
@@ -23179,7 +21147,7 @@
             </p:txBody>
           </p:sp>
         </mc:Choice>
-        <mc:Fallback>
+        <mc:Fallback xmlns="">
           <p:sp>
             <p:nvSpPr>
               <p:cNvPr id="3" name="Content Placeholder 2">
@@ -23242,7 +21210,7 @@
           <a:p>
             <a:fld id="{278C1CC4-2077-434E-BCF1-5D01C08A9B17}" type="slidenum">
               <a:rPr lang="en-US" smtClean="0"/>
-              <a:t>21</a:t>
+              <a:t>20</a:t>
             </a:fld>
             <a:endParaRPr lang="en-US"/>
           </a:p>
@@ -23261,7 +21229,7 @@
 </p:sld>
 </file>
 
-<file path=ppt/slides/slide22.xml><?xml version="1.0" encoding="utf-8"?>
+<file path=ppt/slides/slide21.xml><?xml version="1.0" encoding="utf-8"?>
 <p:sld xmlns:a="http://schemas.openxmlformats.org/drawingml/2006/main" xmlns:r="http://schemas.openxmlformats.org/officeDocument/2006/relationships" xmlns:p="http://schemas.openxmlformats.org/presentationml/2006/main">
   <p:cSld>
     <p:spTree>
@@ -23414,7 +21382,7 @@
           <a:p>
             <a:fld id="{278C1CC4-2077-434E-BCF1-5D01C08A9B17}" type="slidenum">
               <a:rPr lang="en-US" smtClean="0"/>
-              <a:t>22</a:t>
+              <a:t>21</a:t>
             </a:fld>
             <a:endParaRPr lang="en-US"/>
           </a:p>
@@ -23433,7 +21401,7 @@
 </p:sld>
 </file>
 
-<file path=ppt/slides/slide23.xml><?xml version="1.0" encoding="utf-8"?>
+<file path=ppt/slides/slide22.xml><?xml version="1.0" encoding="utf-8"?>
 <p:sld xmlns:a="http://schemas.openxmlformats.org/drawingml/2006/main" xmlns:r="http://schemas.openxmlformats.org/officeDocument/2006/relationships" xmlns:p="http://schemas.openxmlformats.org/presentationml/2006/main">
   <p:cSld>
     <p:spTree>
@@ -23913,7 +21881,7 @@
           <a:p>
             <a:fld id="{278C1CC4-2077-434E-BCF1-5D01C08A9B17}" type="slidenum">
               <a:rPr lang="en-US" smtClean="0"/>
-              <a:t>23</a:t>
+              <a:t>22</a:t>
             </a:fld>
             <a:endParaRPr lang="en-US"/>
           </a:p>
@@ -23932,7 +21900,7 @@
 </p:sld>
 </file>
 
-<file path=ppt/slides/slide24.xml><?xml version="1.0" encoding="utf-8"?>
+<file path=ppt/slides/slide23.xml><?xml version="1.0" encoding="utf-8"?>
 <p:sld xmlns:a="http://schemas.openxmlformats.org/drawingml/2006/main" xmlns:r="http://schemas.openxmlformats.org/officeDocument/2006/relationships" xmlns:p="http://schemas.openxmlformats.org/presentationml/2006/main">
   <p:cSld>
     <p:spTree>
@@ -24340,7 +22308,19 @@
                 </a:pPr>
                 <a:r>
                   <a:rPr lang="es-ES_tradnl" dirty="0"/>
-                  <a:t>Nos podemos fijar nuestro error dentro de la muestra con: </a:t>
+                  <a:t>Nos podemos fijar nuestro error </a:t>
+                </a:r>
+                <a:r>
+                  <a:rPr lang="es-ES_tradnl" dirty="0">
+                    <a:solidFill>
+                      <a:srgbClr val="FF0000"/>
+                    </a:solidFill>
+                  </a:rPr>
+                  <a:t>dentro</a:t>
+                </a:r>
+                <a:r>
+                  <a:rPr lang="es-ES_tradnl" dirty="0"/>
+                  <a:t> de la muestra con: </a:t>
                 </a:r>
               </a:p>
               <a:p>
@@ -25419,7 +23399,7 @@
           <a:p>
             <a:fld id="{278C1CC4-2077-434E-BCF1-5D01C08A9B17}" type="slidenum">
               <a:rPr lang="en-US" smtClean="0"/>
-              <a:t>24</a:t>
+              <a:t>23</a:t>
             </a:fld>
             <a:endParaRPr lang="en-US"/>
           </a:p>
@@ -25438,7 +23418,7 @@
 </p:sld>
 </file>
 
-<file path=ppt/slides/slide25.xml><?xml version="1.0" encoding="utf-8"?>
+<file path=ppt/slides/slide24.xml><?xml version="1.0" encoding="utf-8"?>
 <p:sld xmlns:a="http://schemas.openxmlformats.org/drawingml/2006/main" xmlns:r="http://schemas.openxmlformats.org/officeDocument/2006/relationships" xmlns:p="http://schemas.openxmlformats.org/presentationml/2006/main">
   <p:cSld>
     <p:spTree>
@@ -25594,6 +23574,41 @@
                 <a:endParaRPr lang="es-ES_tradnl" dirty="0"/>
               </a:p>
               <a:p>
+                <a:pPr lvl="1"/>
+                <a:r>
+                  <a:rPr lang="es-ES_tradnl" dirty="0"/>
+                  <a:t>Para el caso de regresión -&gt; estimamos </a:t>
+                </a:r>
+                <a14:m>
+                  <m:oMath xmlns:m="http://schemas.openxmlformats.org/officeDocument/2006/math">
+                    <m:acc>
+                      <m:accPr>
+                        <m:chr m:val="̂"/>
+                        <m:ctrlPr>
+                          <a:rPr lang="en-US" b="0" i="1" smtClean="0">
+                            <a:latin typeface="Cambria Math" panose="02040503050406030204" pitchFamily="18" charset="0"/>
+                            <a:ea typeface="Cambria Math" panose="02040503050406030204" pitchFamily="18" charset="0"/>
+                          </a:rPr>
+                        </m:ctrlPr>
+                      </m:accPr>
+                      <m:e>
+                        <m:r>
+                          <a:rPr lang="en-US" b="0" i="1" smtClean="0">
+                            <a:latin typeface="Cambria Math" panose="02040503050406030204" pitchFamily="18" charset="0"/>
+                            <a:ea typeface="Cambria Math" panose="02040503050406030204" pitchFamily="18" charset="0"/>
+                          </a:rPr>
+                          <m:t>𝛽</m:t>
+                        </m:r>
+                      </m:e>
+                    </m:acc>
+                  </m:oMath>
+                </a14:m>
+                <a:r>
+                  <a:rPr lang="es-ES_tradnl" dirty="0"/>
+                  <a:t>s por MCO</a:t>
+                </a:r>
+              </a:p>
+              <a:p>
                 <a:r>
                   <a:rPr lang="es-ES_tradnl" dirty="0">
                     <a:solidFill>
@@ -25769,7 +23784,7 @@
           <a:p>
             <a:fld id="{278C1CC4-2077-434E-BCF1-5D01C08A9B17}" type="slidenum">
               <a:rPr lang="en-US" smtClean="0"/>
-              <a:t>25</a:t>
+              <a:t>24</a:t>
             </a:fld>
             <a:endParaRPr lang="en-US"/>
           </a:p>
@@ -25788,7 +23803,7 @@
 </p:sld>
 </file>
 
-<file path=ppt/slides/slide26.xml><?xml version="1.0" encoding="utf-8"?>
+<file path=ppt/slides/slide25.xml><?xml version="1.0" encoding="utf-8"?>
 <p:sld xmlns:a="http://schemas.openxmlformats.org/drawingml/2006/main" xmlns:r="http://schemas.openxmlformats.org/officeDocument/2006/relationships" xmlns:p="http://schemas.openxmlformats.org/presentationml/2006/main">
   <p:cSld>
     <p:spTree>
@@ -25842,7 +23857,7 @@
             </a:r>
             <a:r>
               <a:rPr lang="es-ES_tradnl" dirty="0"/>
-              <a:t>/test</a:t>
+              <a:t> vs. test</a:t>
             </a:r>
           </a:p>
         </p:txBody>
@@ -25899,7 +23914,7 @@
           <a:p>
             <a:fld id="{278C1CC4-2077-434E-BCF1-5D01C08A9B17}" type="slidenum">
               <a:rPr lang="en-US" smtClean="0"/>
-              <a:t>26</a:t>
+              <a:t>25</a:t>
             </a:fld>
             <a:endParaRPr lang="en-US"/>
           </a:p>
@@ -25918,7 +23933,7 @@
 </p:sld>
 </file>
 
-<file path=ppt/slides/slide27.xml><?xml version="1.0" encoding="utf-8"?>
+<file path=ppt/slides/slide26.xml><?xml version="1.0" encoding="utf-8"?>
 <p:sld xmlns:a="http://schemas.openxmlformats.org/drawingml/2006/main" xmlns:r="http://schemas.openxmlformats.org/officeDocument/2006/relationships" xmlns:p="http://schemas.openxmlformats.org/presentationml/2006/main">
   <p:cSld>
     <p:spTree>
@@ -26370,8 +24385,16 @@
                   </a:lnSpc>
                 </a:pPr>
                 <a:r>
+                  <a:rPr lang="es-ES_tradnl" noProof="0" dirty="0">
+                    <a:solidFill>
+                      <a:srgbClr val="002060"/>
+                    </a:solidFill>
+                  </a:rPr>
+                  <a:t>Intuición</a:t>
+                </a:r>
+                <a:r>
                   <a:rPr lang="es-ES_tradnl" noProof="0" dirty="0"/>
-                  <a:t>Intuición: promedio del MSE de testeo que tendríamos con repetidas predicciones usando </a:t>
+                  <a:t>: promedio del MSE de testeo que tendríamos con repetidas predicciones usando </a:t>
                 </a:r>
                 <a14:m>
                   <m:oMath xmlns:m="http://schemas.openxmlformats.org/officeDocument/2006/math">
@@ -26399,7 +24422,39 @@
                 </a14:m>
                 <a:r>
                   <a:rPr lang="es-ES_tradnl" noProof="0" dirty="0"/>
-                  <a:t> con nuevos datos.</a:t>
+                  <a:t> (o </a:t>
+                </a:r>
+                <a14:m>
+                  <m:oMath xmlns:m="http://schemas.openxmlformats.org/officeDocument/2006/math">
+                    <m:acc>
+                      <m:accPr>
+                        <m:chr m:val="̂"/>
+                        <m:ctrlPr>
+                          <a:rPr lang="en-US" i="1">
+                            <a:latin typeface="Cambria Math" panose="02040503050406030204" pitchFamily="18" charset="0"/>
+                            <a:ea typeface="Cambria Math" panose="02040503050406030204" pitchFamily="18" charset="0"/>
+                          </a:rPr>
+                        </m:ctrlPr>
+                      </m:accPr>
+                      <m:e>
+                        <m:r>
+                          <a:rPr lang="en-US" i="1">
+                            <a:latin typeface="Cambria Math" panose="02040503050406030204" pitchFamily="18" charset="0"/>
+                            <a:ea typeface="Cambria Math" panose="02040503050406030204" pitchFamily="18" charset="0"/>
+                          </a:rPr>
+                          <m:t>𝛽</m:t>
+                        </m:r>
+                      </m:e>
+                    </m:acc>
+                  </m:oMath>
+                </a14:m>
+                <a:r>
+                  <a:rPr lang="es-ES_tradnl" dirty="0"/>
+                  <a:t>s)</a:t>
+                </a:r>
+                <a:r>
+                  <a:rPr lang="es-ES_tradnl" noProof="0" dirty="0"/>
+                  <a:t>  con nuevos datos.</a:t>
                 </a:r>
               </a:p>
               <a:p>
@@ -26527,7 +24582,7 @@
           <a:p>
             <a:fld id="{278C1CC4-2077-434E-BCF1-5D01C08A9B17}" type="slidenum">
               <a:rPr lang="en-US" smtClean="0"/>
-              <a:t>27</a:t>
+              <a:t>26</a:t>
             </a:fld>
             <a:endParaRPr lang="en-US"/>
           </a:p>
@@ -26873,7 +24928,7 @@
 </p:sld>
 </file>
 
-<file path=ppt/slides/slide28.xml><?xml version="1.0" encoding="utf-8"?>
+<file path=ppt/slides/slide27.xml><?xml version="1.0" encoding="utf-8"?>
 <p:sld xmlns:a="http://schemas.openxmlformats.org/drawingml/2006/main" xmlns:r="http://schemas.openxmlformats.org/officeDocument/2006/relationships" xmlns:p="http://schemas.openxmlformats.org/presentationml/2006/main">
   <p:cSld>
     <p:spTree>
@@ -27092,7 +25147,7 @@
           <a:p>
             <a:fld id="{278C1CC4-2077-434E-BCF1-5D01C08A9B17}" type="slidenum">
               <a:rPr lang="en-US" smtClean="0"/>
-              <a:t>28</a:t>
+              <a:t>27</a:t>
             </a:fld>
             <a:endParaRPr lang="en-US"/>
           </a:p>
@@ -28671,7 +26726,7 @@
 </p:sld>
 </file>
 
-<file path=ppt/slides/slide29.xml><?xml version="1.0" encoding="utf-8"?>
+<file path=ppt/slides/slide28.xml><?xml version="1.0" encoding="utf-8"?>
 <p:sld xmlns:a="http://schemas.openxmlformats.org/drawingml/2006/main" xmlns:r="http://schemas.openxmlformats.org/officeDocument/2006/relationships" xmlns:p="http://schemas.openxmlformats.org/presentationml/2006/main">
   <p:cSld>
     <p:spTree>
@@ -28768,7 +26823,7 @@
           <a:p>
             <a:fld id="{278C1CC4-2077-434E-BCF1-5D01C08A9B17}" type="slidenum">
               <a:rPr lang="en-US" smtClean="0"/>
-              <a:t>29</a:t>
+              <a:t>28</a:t>
             </a:fld>
             <a:endParaRPr lang="en-US"/>
           </a:p>
@@ -28830,246 +26885,7 @@
 </p:sld>
 </file>
 
-<file path=ppt/slides/slide3.xml><?xml version="1.0" encoding="utf-8"?>
-<p:sld xmlns:a="http://schemas.openxmlformats.org/drawingml/2006/main" xmlns:r="http://schemas.openxmlformats.org/officeDocument/2006/relationships" xmlns:p="http://schemas.openxmlformats.org/presentationml/2006/main">
-  <p:cSld>
-    <p:spTree>
-      <p:nvGrpSpPr>
-        <p:cNvPr id="1" name=""/>
-        <p:cNvGrpSpPr/>
-        <p:nvPr/>
-      </p:nvGrpSpPr>
-      <p:grpSpPr>
-        <a:xfrm>
-          <a:off x="0" y="0"/>
-          <a:ext cx="0" cy="0"/>
-          <a:chOff x="0" y="0"/>
-          <a:chExt cx="0" cy="0"/>
-        </a:xfrm>
-      </p:grpSpPr>
-      <p:sp>
-        <p:nvSpPr>
-          <p:cNvPr id="2" name="Title 1">
-            <a:extLst>
-              <a:ext uri="{FF2B5EF4-FFF2-40B4-BE49-F238E27FC236}">
-                <a16:creationId xmlns:a16="http://schemas.microsoft.com/office/drawing/2014/main" id="{60956FC5-0E53-6D4C-09A5-4C5B8E1AD528}"/>
-              </a:ext>
-            </a:extLst>
-          </p:cNvPr>
-          <p:cNvSpPr>
-            <a:spLocks noGrp="1"/>
-          </p:cNvSpPr>
-          <p:nvPr>
-            <p:ph type="title"/>
-          </p:nvPr>
-        </p:nvSpPr>
-        <p:spPr/>
-        <p:txBody>
-          <a:bodyPr>
-            <a:normAutofit/>
-          </a:bodyPr>
-          <a:lstStyle/>
-          <a:p>
-            <a:r>
-              <a:rPr lang="es-ES_tradnl" sz="3600" dirty="0"/>
-              <a:t>Cuestiones operativas del curso: </a:t>
-            </a:r>
-            <a:r>
-              <a:rPr lang="es-ES_tradnl" sz="3600" dirty="0">
-                <a:solidFill>
-                  <a:schemeClr val="tx1">
-                    <a:lumMod val="50000"/>
-                    <a:lumOff val="50000"/>
-                  </a:schemeClr>
-                </a:solidFill>
-              </a:rPr>
-              <a:t>Próximos Deadlines</a:t>
-            </a:r>
-          </a:p>
-        </p:txBody>
-      </p:sp>
-      <p:sp>
-        <p:nvSpPr>
-          <p:cNvPr id="3" name="Content Placeholder 2">
-            <a:extLst>
-              <a:ext uri="{FF2B5EF4-FFF2-40B4-BE49-F238E27FC236}">
-                <a16:creationId xmlns:a16="http://schemas.microsoft.com/office/drawing/2014/main" id="{8B78FB43-7DE0-04F0-9AC5-E468E02B4645}"/>
-              </a:ext>
-            </a:extLst>
-          </p:cNvPr>
-          <p:cNvSpPr>
-            <a:spLocks noGrp="1"/>
-          </p:cNvSpPr>
-          <p:nvPr>
-            <p:ph idx="1"/>
-          </p:nvPr>
-        </p:nvSpPr>
-        <p:spPr/>
-        <p:txBody>
-          <a:bodyPr>
-            <a:normAutofit/>
-          </a:bodyPr>
-          <a:lstStyle/>
-          <a:p>
-            <a:pPr>
-              <a:lnSpc>
-                <a:spcPct val="200000"/>
-              </a:lnSpc>
-            </a:pPr>
-            <a:r>
-              <a:rPr lang="es-ES_tradnl" dirty="0"/>
-              <a:t>TP 2: EPH. </a:t>
-            </a:r>
-            <a:r>
-              <a:rPr lang="es-ES_tradnl" dirty="0">
-                <a:solidFill>
-                  <a:srgbClr val="FF0000"/>
-                </a:solidFill>
-              </a:rPr>
-              <a:t>Martes</a:t>
-            </a:r>
-            <a:r>
-              <a:rPr lang="es-ES_tradnl" dirty="0"/>
-              <a:t> </a:t>
-            </a:r>
-            <a:r>
-              <a:rPr lang="es-ES_tradnl" dirty="0">
-                <a:solidFill>
-                  <a:srgbClr val="FF0000"/>
-                </a:solidFill>
-              </a:rPr>
-              <a:t>22 de Abril, 17:00 hs</a:t>
-            </a:r>
-          </a:p>
-          <a:p>
-            <a:pPr>
-              <a:lnSpc>
-                <a:spcPct val="200000"/>
-              </a:lnSpc>
-            </a:pPr>
-            <a:r>
-              <a:rPr lang="es-ES_tradnl" dirty="0"/>
-              <a:t>Presentación Grupal: Consignas Disponible. </a:t>
-            </a:r>
-            <a:r>
-              <a:rPr lang="es-ES_tradnl" dirty="0">
-                <a:solidFill>
-                  <a:srgbClr val="FF0000"/>
-                </a:solidFill>
-              </a:rPr>
-              <a:t>Viernes</a:t>
-            </a:r>
-            <a:r>
-              <a:rPr lang="es-ES_tradnl" dirty="0"/>
-              <a:t> </a:t>
-            </a:r>
-            <a:r>
-              <a:rPr lang="es-ES_tradnl" dirty="0">
-                <a:solidFill>
-                  <a:srgbClr val="FF0000"/>
-                </a:solidFill>
-              </a:rPr>
-              <a:t>25 de Abril, 17:00 hs</a:t>
-            </a:r>
-            <a:endParaRPr lang="es-ES_tradnl" dirty="0"/>
-          </a:p>
-          <a:p>
-            <a:pPr>
-              <a:lnSpc>
-                <a:spcPct val="200000"/>
-              </a:lnSpc>
-            </a:pPr>
-            <a:r>
-              <a:rPr lang="es-ES_tradnl" dirty="0">
-                <a:solidFill>
-                  <a:srgbClr val="002060"/>
-                </a:solidFill>
-              </a:rPr>
-              <a:t>Consultas</a:t>
-            </a:r>
-            <a:r>
-              <a:rPr lang="es-ES_tradnl" dirty="0"/>
-              <a:t>: Email, Miércoles 4:00 pm a 5:00 pm o </a:t>
-            </a:r>
-            <a:r>
-              <a:rPr lang="es-ES_tradnl" dirty="0">
-                <a:hlinkClick r:id="rId3"/>
-              </a:rPr>
-              <a:t>Calendly</a:t>
-            </a:r>
-            <a:endParaRPr lang="es-ES_tradnl" dirty="0">
-              <a:solidFill>
-                <a:srgbClr val="FF0000"/>
-              </a:solidFill>
-            </a:endParaRPr>
-          </a:p>
-          <a:p>
-            <a:pPr marL="0" indent="0">
-              <a:lnSpc>
-                <a:spcPct val="200000"/>
-              </a:lnSpc>
-              <a:buNone/>
-            </a:pPr>
-            <a:endParaRPr lang="es-ES_tradnl" dirty="0">
-              <a:solidFill>
-                <a:srgbClr val="002060"/>
-              </a:solidFill>
-            </a:endParaRPr>
-          </a:p>
-          <a:p>
-            <a:pPr marL="0" indent="0">
-              <a:lnSpc>
-                <a:spcPct val="200000"/>
-              </a:lnSpc>
-              <a:buNone/>
-            </a:pPr>
-            <a:endParaRPr lang="es-ES_tradnl" i="1" u="sng" dirty="0"/>
-          </a:p>
-        </p:txBody>
-      </p:sp>
-      <p:sp>
-        <p:nvSpPr>
-          <p:cNvPr id="4" name="Slide Number Placeholder 3">
-            <a:extLst>
-              <a:ext uri="{FF2B5EF4-FFF2-40B4-BE49-F238E27FC236}">
-                <a16:creationId xmlns:a16="http://schemas.microsoft.com/office/drawing/2014/main" id="{0DAD31DF-2AE7-1DEC-F2F5-AA7755106847}"/>
-              </a:ext>
-            </a:extLst>
-          </p:cNvPr>
-          <p:cNvSpPr>
-            <a:spLocks noGrp="1"/>
-          </p:cNvSpPr>
-          <p:nvPr>
-            <p:ph type="sldNum" sz="quarter" idx="12"/>
-          </p:nvPr>
-        </p:nvSpPr>
-        <p:spPr/>
-        <p:txBody>
-          <a:bodyPr/>
-          <a:lstStyle/>
-          <a:p>
-            <a:fld id="{278C1CC4-2077-434E-BCF1-5D01C08A9B17}" type="slidenum">
-              <a:rPr lang="en-US" smtClean="0"/>
-              <a:t>3</a:t>
-            </a:fld>
-            <a:endParaRPr lang="en-US"/>
-          </a:p>
-        </p:txBody>
-      </p:sp>
-    </p:spTree>
-    <p:extLst>
-      <p:ext uri="{BB962C8B-B14F-4D97-AF65-F5344CB8AC3E}">
-        <p14:creationId xmlns:p14="http://schemas.microsoft.com/office/powerpoint/2010/main" val="3926434971"/>
-      </p:ext>
-    </p:extLst>
-  </p:cSld>
-  <p:clrMapOvr>
-    <a:masterClrMapping/>
-  </p:clrMapOvr>
-</p:sld>
-</file>
-
-<file path=ppt/slides/slide30.xml><?xml version="1.0" encoding="utf-8"?>
+<file path=ppt/slides/slide29.xml><?xml version="1.0" encoding="utf-8"?>
 <p:sld xmlns:a="http://schemas.openxmlformats.org/drawingml/2006/main" xmlns:r="http://schemas.openxmlformats.org/officeDocument/2006/relationships" xmlns:p="http://schemas.openxmlformats.org/presentationml/2006/main">
   <p:cSld>
     <p:spTree>
@@ -29190,7 +27006,7 @@
           <a:p>
             <a:fld id="{278C1CC4-2077-434E-BCF1-5D01C08A9B17}" type="slidenum">
               <a:rPr lang="en-US" smtClean="0"/>
-              <a:t>30</a:t>
+              <a:t>29</a:t>
             </a:fld>
             <a:endParaRPr lang="en-US"/>
           </a:p>
@@ -29209,7 +27025,225 @@
 </p:sld>
 </file>
 
-<file path=ppt/slides/slide31.xml><?xml version="1.0" encoding="utf-8"?>
+<file path=ppt/slides/slide3.xml><?xml version="1.0" encoding="utf-8"?>
+<p:sld xmlns:a="http://schemas.openxmlformats.org/drawingml/2006/main" xmlns:r="http://schemas.openxmlformats.org/officeDocument/2006/relationships" xmlns:p="http://schemas.openxmlformats.org/presentationml/2006/main">
+  <p:cSld>
+    <p:spTree>
+      <p:nvGrpSpPr>
+        <p:cNvPr id="1" name=""/>
+        <p:cNvGrpSpPr/>
+        <p:nvPr/>
+      </p:nvGrpSpPr>
+      <p:grpSpPr>
+        <a:xfrm>
+          <a:off x="0" y="0"/>
+          <a:ext cx="0" cy="0"/>
+          <a:chOff x="0" y="0"/>
+          <a:chExt cx="0" cy="0"/>
+        </a:xfrm>
+      </p:grpSpPr>
+      <p:sp>
+        <p:nvSpPr>
+          <p:cNvPr id="2" name="Title 1">
+            <a:extLst>
+              <a:ext uri="{FF2B5EF4-FFF2-40B4-BE49-F238E27FC236}">
+                <a16:creationId xmlns:a16="http://schemas.microsoft.com/office/drawing/2014/main" id="{60956FC5-0E53-6D4C-09A5-4C5B8E1AD528}"/>
+              </a:ext>
+            </a:extLst>
+          </p:cNvPr>
+          <p:cNvSpPr>
+            <a:spLocks noGrp="1"/>
+          </p:cNvSpPr>
+          <p:nvPr>
+            <p:ph type="title"/>
+          </p:nvPr>
+        </p:nvSpPr>
+        <p:spPr/>
+        <p:txBody>
+          <a:bodyPr>
+            <a:normAutofit/>
+          </a:bodyPr>
+          <a:lstStyle/>
+          <a:p>
+            <a:r>
+              <a:rPr lang="es-ES_tradnl" sz="3600" dirty="0"/>
+              <a:t>Cuestiones operativas del curso: </a:t>
+            </a:r>
+            <a:r>
+              <a:rPr lang="es-ES_tradnl" sz="3600" dirty="0">
+                <a:solidFill>
+                  <a:schemeClr val="tx1">
+                    <a:lumMod val="50000"/>
+                    <a:lumOff val="50000"/>
+                  </a:schemeClr>
+                </a:solidFill>
+              </a:rPr>
+              <a:t>Próximos Deadlines</a:t>
+            </a:r>
+          </a:p>
+        </p:txBody>
+      </p:sp>
+      <p:sp>
+        <p:nvSpPr>
+          <p:cNvPr id="3" name="Content Placeholder 2">
+            <a:extLst>
+              <a:ext uri="{FF2B5EF4-FFF2-40B4-BE49-F238E27FC236}">
+                <a16:creationId xmlns:a16="http://schemas.microsoft.com/office/drawing/2014/main" id="{8B78FB43-7DE0-04F0-9AC5-E468E02B4645}"/>
+              </a:ext>
+            </a:extLst>
+          </p:cNvPr>
+          <p:cNvSpPr>
+            <a:spLocks noGrp="1"/>
+          </p:cNvSpPr>
+          <p:nvPr>
+            <p:ph idx="1"/>
+          </p:nvPr>
+        </p:nvSpPr>
+        <p:spPr/>
+        <p:txBody>
+          <a:bodyPr>
+            <a:normAutofit/>
+          </a:bodyPr>
+          <a:lstStyle/>
+          <a:p>
+            <a:pPr>
+              <a:lnSpc>
+                <a:spcPct val="200000"/>
+              </a:lnSpc>
+            </a:pPr>
+            <a:r>
+              <a:rPr lang="es-ES_tradnl" dirty="0"/>
+              <a:t>TP 3: EPH – M. no supervisados. </a:t>
+            </a:r>
+            <a:r>
+              <a:rPr lang="es-ES_tradnl" dirty="0">
+                <a:solidFill>
+                  <a:srgbClr val="FF0000"/>
+                </a:solidFill>
+              </a:rPr>
+              <a:t>Martes</a:t>
+            </a:r>
+            <a:r>
+              <a:rPr lang="es-ES_tradnl" dirty="0"/>
+              <a:t> </a:t>
+            </a:r>
+            <a:r>
+              <a:rPr lang="es-ES_tradnl" dirty="0">
+                <a:solidFill>
+                  <a:srgbClr val="FF0000"/>
+                </a:solidFill>
+              </a:rPr>
+              <a:t>13 de mayo, 13:00 hs</a:t>
+            </a:r>
+          </a:p>
+          <a:p>
+            <a:pPr>
+              <a:lnSpc>
+                <a:spcPct val="200000"/>
+              </a:lnSpc>
+            </a:pPr>
+            <a:r>
+              <a:rPr lang="es-ES_tradnl" dirty="0"/>
+              <a:t>Presentación Grupal: Devolución disponibles en Clasificaciones</a:t>
+            </a:r>
+          </a:p>
+          <a:p>
+            <a:pPr>
+              <a:lnSpc>
+                <a:spcPct val="200000"/>
+              </a:lnSpc>
+            </a:pPr>
+            <a:r>
+              <a:rPr lang="es-ES_tradnl" dirty="0">
+                <a:solidFill>
+                  <a:srgbClr val="002060"/>
+                </a:solidFill>
+              </a:rPr>
+              <a:t>Consultas</a:t>
+            </a:r>
+            <a:r>
+              <a:rPr lang="es-ES_tradnl" dirty="0"/>
+              <a:t>: Email, Miércoles 4:00 pm a 5:00 pm o </a:t>
+            </a:r>
+            <a:r>
+              <a:rPr lang="es-ES_tradnl" dirty="0">
+                <a:hlinkClick r:id="rId3"/>
+              </a:rPr>
+              <a:t>Calendly</a:t>
+            </a:r>
+            <a:endParaRPr lang="es-ES_tradnl" dirty="0">
+              <a:solidFill>
+                <a:srgbClr val="FF0000"/>
+              </a:solidFill>
+            </a:endParaRPr>
+          </a:p>
+          <a:p>
+            <a:pPr marL="0" indent="0">
+              <a:lnSpc>
+                <a:spcPct val="200000"/>
+              </a:lnSpc>
+              <a:buNone/>
+            </a:pPr>
+            <a:endParaRPr lang="es-ES_tradnl" dirty="0">
+              <a:solidFill>
+                <a:srgbClr val="002060"/>
+              </a:solidFill>
+            </a:endParaRPr>
+          </a:p>
+          <a:p>
+            <a:pPr marL="0" indent="0">
+              <a:lnSpc>
+                <a:spcPct val="200000"/>
+              </a:lnSpc>
+              <a:buNone/>
+            </a:pPr>
+            <a:endParaRPr lang="es-ES_tradnl" i="1" u="sng" dirty="0"/>
+          </a:p>
+        </p:txBody>
+      </p:sp>
+      <p:sp>
+        <p:nvSpPr>
+          <p:cNvPr id="4" name="Slide Number Placeholder 3">
+            <a:extLst>
+              <a:ext uri="{FF2B5EF4-FFF2-40B4-BE49-F238E27FC236}">
+                <a16:creationId xmlns:a16="http://schemas.microsoft.com/office/drawing/2014/main" id="{0DAD31DF-2AE7-1DEC-F2F5-AA7755106847}"/>
+              </a:ext>
+            </a:extLst>
+          </p:cNvPr>
+          <p:cNvSpPr>
+            <a:spLocks noGrp="1"/>
+          </p:cNvSpPr>
+          <p:nvPr>
+            <p:ph type="sldNum" sz="quarter" idx="12"/>
+          </p:nvPr>
+        </p:nvSpPr>
+        <p:spPr/>
+        <p:txBody>
+          <a:bodyPr/>
+          <a:lstStyle/>
+          <a:p>
+            <a:fld id="{278C1CC4-2077-434E-BCF1-5D01C08A9B17}" type="slidenum">
+              <a:rPr lang="en-US" smtClean="0"/>
+              <a:t>3</a:t>
+            </a:fld>
+            <a:endParaRPr lang="en-US"/>
+          </a:p>
+        </p:txBody>
+      </p:sp>
+    </p:spTree>
+    <p:extLst>
+      <p:ext uri="{BB962C8B-B14F-4D97-AF65-F5344CB8AC3E}">
+        <p14:creationId xmlns:p14="http://schemas.microsoft.com/office/powerpoint/2010/main" val="3926434971"/>
+      </p:ext>
+    </p:extLst>
+  </p:cSld>
+  <p:clrMapOvr>
+    <a:masterClrMapping/>
+  </p:clrMapOvr>
+</p:sld>
+</file>
+
+<file path=ppt/slides/slide30.xml><?xml version="1.0" encoding="utf-8"?>
 <p:sld xmlns:a="http://schemas.openxmlformats.org/drawingml/2006/main" xmlns:r="http://schemas.openxmlformats.org/officeDocument/2006/relationships" xmlns:p="http://schemas.openxmlformats.org/presentationml/2006/main">
   <p:cSld>
     <p:spTree>
@@ -29674,7 +27708,7 @@
           <a:p>
             <a:fld id="{278C1CC4-2077-434E-BCF1-5D01C08A9B17}" type="slidenum">
               <a:rPr lang="en-US" smtClean="0"/>
-              <a:t>31</a:t>
+              <a:t>30</a:t>
             </a:fld>
             <a:endParaRPr lang="en-US"/>
           </a:p>
@@ -29693,7 +27727,7 @@
 </p:sld>
 </file>
 
-<file path=ppt/slides/slide32.xml><?xml version="1.0" encoding="utf-8"?>
+<file path=ppt/slides/slide31.xml><?xml version="1.0" encoding="utf-8"?>
 <p:sld xmlns:a="http://schemas.openxmlformats.org/drawingml/2006/main" xmlns:r="http://schemas.openxmlformats.org/officeDocument/2006/relationships" xmlns:p="http://schemas.openxmlformats.org/presentationml/2006/main">
   <p:cSld>
     <p:spTree>
@@ -30295,7 +28329,7 @@
           <a:p>
             <a:fld id="{278C1CC4-2077-434E-BCF1-5D01C08A9B17}" type="slidenum">
               <a:rPr lang="en-US" smtClean="0"/>
-              <a:t>32</a:t>
+              <a:t>31</a:t>
             </a:fld>
             <a:endParaRPr lang="en-US"/>
           </a:p>
@@ -30314,7 +28348,7 @@
 </p:sld>
 </file>
 
-<file path=ppt/slides/slide33.xml><?xml version="1.0" encoding="utf-8"?>
+<file path=ppt/slides/slide32.xml><?xml version="1.0" encoding="utf-8"?>
 <p:sld xmlns:a="http://schemas.openxmlformats.org/drawingml/2006/main" xmlns:r="http://schemas.openxmlformats.org/officeDocument/2006/relationships" xmlns:p="http://schemas.openxmlformats.org/presentationml/2006/main">
   <p:cSld>
     <p:spTree>
@@ -30747,7 +28781,7 @@
           <a:p>
             <a:fld id="{278C1CC4-2077-434E-BCF1-5D01C08A9B17}" type="slidenum">
               <a:rPr lang="en-US" smtClean="0"/>
-              <a:t>33</a:t>
+              <a:t>32</a:t>
             </a:fld>
             <a:endParaRPr lang="en-US"/>
           </a:p>
@@ -30766,7 +28800,7 @@
 </p:sld>
 </file>
 
-<file path=ppt/slides/slide34.xml><?xml version="1.0" encoding="utf-8"?>
+<file path=ppt/slides/slide33.xml><?xml version="1.0" encoding="utf-8"?>
 <p:sld xmlns:a="http://schemas.openxmlformats.org/drawingml/2006/main" xmlns:r="http://schemas.openxmlformats.org/officeDocument/2006/relationships" xmlns:p="http://schemas.openxmlformats.org/presentationml/2006/main">
   <p:cSld>
     <p:spTree>
@@ -31325,7 +29359,7 @@
           <a:p>
             <a:fld id="{278C1CC4-2077-434E-BCF1-5D01C08A9B17}" type="slidenum">
               <a:rPr lang="en-US" smtClean="0"/>
-              <a:t>34</a:t>
+              <a:t>33</a:t>
             </a:fld>
             <a:endParaRPr lang="en-US"/>
           </a:p>
@@ -31344,7 +29378,7 @@
 </p:sld>
 </file>
 
-<file path=ppt/slides/slide35.xml><?xml version="1.0" encoding="utf-8"?>
+<file path=ppt/slides/slide34.xml><?xml version="1.0" encoding="utf-8"?>
 <p:sld xmlns:a="http://schemas.openxmlformats.org/drawingml/2006/main" xmlns:r="http://schemas.openxmlformats.org/officeDocument/2006/relationships" xmlns:p="http://schemas.openxmlformats.org/presentationml/2006/main">
   <p:cSld>
     <p:spTree>
@@ -31726,7 +29760,7 @@
           <a:p>
             <a:fld id="{278C1CC4-2077-434E-BCF1-5D01C08A9B17}" type="slidenum">
               <a:rPr lang="en-US" smtClean="0"/>
-              <a:t>35</a:t>
+              <a:t>34</a:t>
             </a:fld>
             <a:endParaRPr lang="en-US"/>
           </a:p>
@@ -31745,7 +29779,7 @@
 </p:sld>
 </file>
 
-<file path=ppt/slides/slide36.xml><?xml version="1.0" encoding="utf-8"?>
+<file path=ppt/slides/slide35.xml><?xml version="1.0" encoding="utf-8"?>
 <p:sld xmlns:a="http://schemas.openxmlformats.org/drawingml/2006/main" xmlns:r="http://schemas.openxmlformats.org/officeDocument/2006/relationships" xmlns:p="http://schemas.openxmlformats.org/presentationml/2006/main">
   <p:cSld>
     <p:spTree>
@@ -32116,7 +30150,7 @@
           <a:p>
             <a:fld id="{278C1CC4-2077-434E-BCF1-5D01C08A9B17}" type="slidenum">
               <a:rPr lang="en-US" smtClean="0"/>
-              <a:t>36</a:t>
+              <a:t>35</a:t>
             </a:fld>
             <a:endParaRPr lang="en-US"/>
           </a:p>
@@ -32135,7 +30169,7 @@
 </p:sld>
 </file>
 
-<file path=ppt/slides/slide37.xml><?xml version="1.0" encoding="utf-8"?>
+<file path=ppt/slides/slide36.xml><?xml version="1.0" encoding="utf-8"?>
 <p:sld xmlns:a="http://schemas.openxmlformats.org/drawingml/2006/main" xmlns:r="http://schemas.openxmlformats.org/officeDocument/2006/relationships" xmlns:p="http://schemas.openxmlformats.org/presentationml/2006/main">
   <p:cSld>
     <p:spTree>
@@ -32256,7 +30290,7 @@
           <a:p>
             <a:fld id="{278C1CC4-2077-434E-BCF1-5D01C08A9B17}" type="slidenum">
               <a:rPr lang="en-US" smtClean="0"/>
-              <a:t>37</a:t>
+              <a:t>36</a:t>
             </a:fld>
             <a:endParaRPr lang="en-US"/>
           </a:p>
@@ -32275,7 +30309,7 @@
 </p:sld>
 </file>
 
-<file path=ppt/slides/slide38.xml><?xml version="1.0" encoding="utf-8"?>
+<file path=ppt/slides/slide37.xml><?xml version="1.0" encoding="utf-8"?>
 <p:sld xmlns:a="http://schemas.openxmlformats.org/drawingml/2006/main" xmlns:r="http://schemas.openxmlformats.org/officeDocument/2006/relationships" xmlns:p="http://schemas.openxmlformats.org/presentationml/2006/main">
   <p:cSld>
     <p:spTree>
@@ -32688,7 +30722,7 @@
           <a:p>
             <a:fld id="{278C1CC4-2077-434E-BCF1-5D01C08A9B17}" type="slidenum">
               <a:rPr lang="en-US" smtClean="0"/>
-              <a:t>38</a:t>
+              <a:t>37</a:t>
             </a:fld>
             <a:endParaRPr lang="en-US"/>
           </a:p>
@@ -32707,7 +30741,7 @@
 </p:sld>
 </file>
 
-<file path=ppt/slides/slide39.xml><?xml version="1.0" encoding="utf-8"?>
+<file path=ppt/slides/slide38.xml><?xml version="1.0" encoding="utf-8"?>
 <p:sld xmlns:a="http://schemas.openxmlformats.org/drawingml/2006/main" xmlns:r="http://schemas.openxmlformats.org/officeDocument/2006/relationships" xmlns:p="http://schemas.openxmlformats.org/presentationml/2006/main">
   <p:cSld>
     <p:spTree>
@@ -33067,7 +31101,7 @@
           <a:p>
             <a:fld id="{278C1CC4-2077-434E-BCF1-5D01C08A9B17}" type="slidenum">
               <a:rPr lang="en-US" smtClean="0"/>
-              <a:t>39</a:t>
+              <a:t>38</a:t>
             </a:fld>
             <a:endParaRPr lang="en-US"/>
           </a:p>
@@ -33444,139 +31478,7 @@
 </p:sld>
 </file>
 
-<file path=ppt/slides/slide4.xml><?xml version="1.0" encoding="utf-8"?>
-<p:sld xmlns:a="http://schemas.openxmlformats.org/drawingml/2006/main" xmlns:r="http://schemas.openxmlformats.org/officeDocument/2006/relationships" xmlns:p="http://schemas.openxmlformats.org/presentationml/2006/main">
-  <p:cSld>
-    <p:spTree>
-      <p:nvGrpSpPr>
-        <p:cNvPr id="1" name=""/>
-        <p:cNvGrpSpPr/>
-        <p:nvPr/>
-      </p:nvGrpSpPr>
-      <p:grpSpPr>
-        <a:xfrm>
-          <a:off x="0" y="0"/>
-          <a:ext cx="0" cy="0"/>
-          <a:chOff x="0" y="0"/>
-          <a:chExt cx="0" cy="0"/>
-        </a:xfrm>
-      </p:grpSpPr>
-      <p:sp>
-        <p:nvSpPr>
-          <p:cNvPr id="2" name="Title 1">
-            <a:extLst>
-              <a:ext uri="{FF2B5EF4-FFF2-40B4-BE49-F238E27FC236}">
-                <a16:creationId xmlns:a16="http://schemas.microsoft.com/office/drawing/2014/main" id="{0A98CDA9-EC41-2312-3939-2A1FFC5B4920}"/>
-              </a:ext>
-            </a:extLst>
-          </p:cNvPr>
-          <p:cNvSpPr>
-            <a:spLocks noGrp="1"/>
-          </p:cNvSpPr>
-          <p:nvPr>
-            <p:ph type="title"/>
-          </p:nvPr>
-        </p:nvSpPr>
-        <p:spPr/>
-        <p:txBody>
-          <a:bodyPr/>
-          <a:lstStyle/>
-          <a:p>
-            <a:r>
-              <a:rPr lang="es-ES_tradnl" dirty="0"/>
-              <a:t>Orden de Temas: </a:t>
-            </a:r>
-            <a:r>
-              <a:rPr lang="es-ES_tradnl" sz="3600" i="1" dirty="0">
-                <a:solidFill>
-                  <a:schemeClr val="tx1">
-                    <a:lumMod val="50000"/>
-                    <a:lumOff val="50000"/>
-                  </a:schemeClr>
-                </a:solidFill>
-              </a:rPr>
-              <a:t>Secuencia de Trabajo con Datos</a:t>
-            </a:r>
-            <a:endParaRPr lang="es-ES_tradnl" i="1" dirty="0">
-              <a:solidFill>
-                <a:schemeClr val="tx1">
-                  <a:lumMod val="50000"/>
-                  <a:lumOff val="50000"/>
-                </a:schemeClr>
-              </a:solidFill>
-            </a:endParaRPr>
-          </a:p>
-        </p:txBody>
-      </p:sp>
-      <p:graphicFrame>
-        <p:nvGraphicFramePr>
-          <p:cNvPr id="4" name="Content Placeholder 3">
-            <a:extLst>
-              <a:ext uri="{FF2B5EF4-FFF2-40B4-BE49-F238E27FC236}">
-                <a16:creationId xmlns:a16="http://schemas.microsoft.com/office/drawing/2014/main" id="{51ABD0DE-D47B-BE72-9389-1B9C88CB6F1B}"/>
-              </a:ext>
-            </a:extLst>
-          </p:cNvPr>
-          <p:cNvGraphicFramePr>
-            <a:graphicFrameLocks noGrp="1"/>
-          </p:cNvGraphicFramePr>
-          <p:nvPr>
-            <p:ph idx="1"/>
-          </p:nvPr>
-        </p:nvGraphicFramePr>
-        <p:xfrm>
-          <a:off x="449451" y="1100380"/>
-          <a:ext cx="11236271" cy="5548393"/>
-        </p:xfrm>
-        <a:graphic>
-          <a:graphicData uri="http://schemas.openxmlformats.org/drawingml/2006/diagram">
-            <dgm:relIds xmlns:dgm="http://schemas.openxmlformats.org/drawingml/2006/diagram" xmlns:r="http://schemas.openxmlformats.org/officeDocument/2006/relationships" r:dm="rId3" r:lo="rId4" r:qs="rId5" r:cs="rId6"/>
-          </a:graphicData>
-        </a:graphic>
-      </p:graphicFrame>
-      <p:sp>
-        <p:nvSpPr>
-          <p:cNvPr id="3" name="Slide Number Placeholder 2">
-            <a:extLst>
-              <a:ext uri="{FF2B5EF4-FFF2-40B4-BE49-F238E27FC236}">
-                <a16:creationId xmlns:a16="http://schemas.microsoft.com/office/drawing/2014/main" id="{FE42FF7C-6F94-55CC-F31A-3FC6C600EAFA}"/>
-              </a:ext>
-            </a:extLst>
-          </p:cNvPr>
-          <p:cNvSpPr>
-            <a:spLocks noGrp="1"/>
-          </p:cNvSpPr>
-          <p:nvPr>
-            <p:ph type="sldNum" sz="quarter" idx="12"/>
-          </p:nvPr>
-        </p:nvSpPr>
-        <p:spPr/>
-        <p:txBody>
-          <a:bodyPr/>
-          <a:lstStyle/>
-          <a:p>
-            <a:fld id="{278C1CC4-2077-434E-BCF1-5D01C08A9B17}" type="slidenum">
-              <a:rPr lang="en-US" smtClean="0"/>
-              <a:t>4</a:t>
-            </a:fld>
-            <a:endParaRPr lang="en-US"/>
-          </a:p>
-        </p:txBody>
-      </p:sp>
-    </p:spTree>
-    <p:extLst>
-      <p:ext uri="{BB962C8B-B14F-4D97-AF65-F5344CB8AC3E}">
-        <p14:creationId xmlns:p14="http://schemas.microsoft.com/office/powerpoint/2010/main" val="1565052807"/>
-      </p:ext>
-    </p:extLst>
-  </p:cSld>
-  <p:clrMapOvr>
-    <a:masterClrMapping/>
-  </p:clrMapOvr>
-</p:sld>
-</file>
-
-<file path=ppt/slides/slide40.xml><?xml version="1.0" encoding="utf-8"?>
+<file path=ppt/slides/slide39.xml><?xml version="1.0" encoding="utf-8"?>
 <p:sld xmlns:a="http://schemas.openxmlformats.org/drawingml/2006/main" xmlns:r="http://schemas.openxmlformats.org/officeDocument/2006/relationships" xmlns:p="http://schemas.openxmlformats.org/presentationml/2006/main">
   <p:cSld>
     <p:spTree>
@@ -33952,7 +31854,7 @@
           <a:p>
             <a:fld id="{278C1CC4-2077-434E-BCF1-5D01C08A9B17}" type="slidenum">
               <a:rPr lang="en-US" smtClean="0"/>
-              <a:t>40</a:t>
+              <a:t>39</a:t>
             </a:fld>
             <a:endParaRPr lang="en-US"/>
           </a:p>
@@ -33971,7 +31873,139 @@
 </p:sld>
 </file>
 
-<file path=ppt/slides/slide41.xml><?xml version="1.0" encoding="utf-8"?>
+<file path=ppt/slides/slide4.xml><?xml version="1.0" encoding="utf-8"?>
+<p:sld xmlns:a="http://schemas.openxmlformats.org/drawingml/2006/main" xmlns:r="http://schemas.openxmlformats.org/officeDocument/2006/relationships" xmlns:p="http://schemas.openxmlformats.org/presentationml/2006/main">
+  <p:cSld>
+    <p:spTree>
+      <p:nvGrpSpPr>
+        <p:cNvPr id="1" name=""/>
+        <p:cNvGrpSpPr/>
+        <p:nvPr/>
+      </p:nvGrpSpPr>
+      <p:grpSpPr>
+        <a:xfrm>
+          <a:off x="0" y="0"/>
+          <a:ext cx="0" cy="0"/>
+          <a:chOff x="0" y="0"/>
+          <a:chExt cx="0" cy="0"/>
+        </a:xfrm>
+      </p:grpSpPr>
+      <p:sp>
+        <p:nvSpPr>
+          <p:cNvPr id="2" name="Title 1">
+            <a:extLst>
+              <a:ext uri="{FF2B5EF4-FFF2-40B4-BE49-F238E27FC236}">
+                <a16:creationId xmlns:a16="http://schemas.microsoft.com/office/drawing/2014/main" id="{0A98CDA9-EC41-2312-3939-2A1FFC5B4920}"/>
+              </a:ext>
+            </a:extLst>
+          </p:cNvPr>
+          <p:cNvSpPr>
+            <a:spLocks noGrp="1"/>
+          </p:cNvSpPr>
+          <p:nvPr>
+            <p:ph type="title"/>
+          </p:nvPr>
+        </p:nvSpPr>
+        <p:spPr/>
+        <p:txBody>
+          <a:bodyPr/>
+          <a:lstStyle/>
+          <a:p>
+            <a:r>
+              <a:rPr lang="es-ES_tradnl" dirty="0"/>
+              <a:t>Orden de Temas: </a:t>
+            </a:r>
+            <a:r>
+              <a:rPr lang="es-ES_tradnl" sz="3600" i="1" dirty="0">
+                <a:solidFill>
+                  <a:schemeClr val="tx1">
+                    <a:lumMod val="50000"/>
+                    <a:lumOff val="50000"/>
+                  </a:schemeClr>
+                </a:solidFill>
+              </a:rPr>
+              <a:t>Secuencia de Trabajo con Datos</a:t>
+            </a:r>
+            <a:endParaRPr lang="es-ES_tradnl" i="1" dirty="0">
+              <a:solidFill>
+                <a:schemeClr val="tx1">
+                  <a:lumMod val="50000"/>
+                  <a:lumOff val="50000"/>
+                </a:schemeClr>
+              </a:solidFill>
+            </a:endParaRPr>
+          </a:p>
+        </p:txBody>
+      </p:sp>
+      <p:graphicFrame>
+        <p:nvGraphicFramePr>
+          <p:cNvPr id="4" name="Content Placeholder 3">
+            <a:extLst>
+              <a:ext uri="{FF2B5EF4-FFF2-40B4-BE49-F238E27FC236}">
+                <a16:creationId xmlns:a16="http://schemas.microsoft.com/office/drawing/2014/main" id="{51ABD0DE-D47B-BE72-9389-1B9C88CB6F1B}"/>
+              </a:ext>
+            </a:extLst>
+          </p:cNvPr>
+          <p:cNvGraphicFramePr>
+            <a:graphicFrameLocks noGrp="1"/>
+          </p:cNvGraphicFramePr>
+          <p:nvPr>
+            <p:ph idx="1"/>
+          </p:nvPr>
+        </p:nvGraphicFramePr>
+        <p:xfrm>
+          <a:off x="449451" y="1100380"/>
+          <a:ext cx="11236271" cy="5548393"/>
+        </p:xfrm>
+        <a:graphic>
+          <a:graphicData uri="http://schemas.openxmlformats.org/drawingml/2006/diagram">
+            <dgm:relIds xmlns:dgm="http://schemas.openxmlformats.org/drawingml/2006/diagram" xmlns:r="http://schemas.openxmlformats.org/officeDocument/2006/relationships" r:dm="rId3" r:lo="rId4" r:qs="rId5" r:cs="rId6"/>
+          </a:graphicData>
+        </a:graphic>
+      </p:graphicFrame>
+      <p:sp>
+        <p:nvSpPr>
+          <p:cNvPr id="3" name="Slide Number Placeholder 2">
+            <a:extLst>
+              <a:ext uri="{FF2B5EF4-FFF2-40B4-BE49-F238E27FC236}">
+                <a16:creationId xmlns:a16="http://schemas.microsoft.com/office/drawing/2014/main" id="{FE42FF7C-6F94-55CC-F31A-3FC6C600EAFA}"/>
+              </a:ext>
+            </a:extLst>
+          </p:cNvPr>
+          <p:cNvSpPr>
+            <a:spLocks noGrp="1"/>
+          </p:cNvSpPr>
+          <p:nvPr>
+            <p:ph type="sldNum" sz="quarter" idx="12"/>
+          </p:nvPr>
+        </p:nvSpPr>
+        <p:spPr/>
+        <p:txBody>
+          <a:bodyPr/>
+          <a:lstStyle/>
+          <a:p>
+            <a:fld id="{278C1CC4-2077-434E-BCF1-5D01C08A9B17}" type="slidenum">
+              <a:rPr lang="en-US" smtClean="0"/>
+              <a:t>4</a:t>
+            </a:fld>
+            <a:endParaRPr lang="en-US"/>
+          </a:p>
+        </p:txBody>
+      </p:sp>
+    </p:spTree>
+    <p:extLst>
+      <p:ext uri="{BB962C8B-B14F-4D97-AF65-F5344CB8AC3E}">
+        <p14:creationId xmlns:p14="http://schemas.microsoft.com/office/powerpoint/2010/main" val="1565052807"/>
+      </p:ext>
+    </p:extLst>
+  </p:cSld>
+  <p:clrMapOvr>
+    <a:masterClrMapping/>
+  </p:clrMapOvr>
+</p:sld>
+</file>
+
+<file path=ppt/slides/slide40.xml><?xml version="1.0" encoding="utf-8"?>
 <p:sld xmlns:a="http://schemas.openxmlformats.org/drawingml/2006/main" xmlns:r="http://schemas.openxmlformats.org/officeDocument/2006/relationships" xmlns:p="http://schemas.openxmlformats.org/presentationml/2006/main">
   <p:cSld>
     <p:spTree>
@@ -34393,7 +32427,7 @@
           <a:p>
             <a:fld id="{278C1CC4-2077-434E-BCF1-5D01C08A9B17}" type="slidenum">
               <a:rPr lang="en-US" smtClean="0"/>
-              <a:t>41</a:t>
+              <a:t>40</a:t>
             </a:fld>
             <a:endParaRPr lang="en-US"/>
           </a:p>
@@ -34412,7 +32446,7 @@
 </p:sld>
 </file>
 
-<file path=ppt/slides/slide42.xml><?xml version="1.0" encoding="utf-8"?>
+<file path=ppt/slides/slide41.xml><?xml version="1.0" encoding="utf-8"?>
 <p:sld xmlns:a="http://schemas.openxmlformats.org/drawingml/2006/main" xmlns:r="http://schemas.openxmlformats.org/officeDocument/2006/relationships" xmlns:p="http://schemas.openxmlformats.org/presentationml/2006/main">
   <p:cSld>
     <p:spTree>
@@ -34686,7 +32720,7 @@
           <a:p>
             <a:fld id="{278C1CC4-2077-434E-BCF1-5D01C08A9B17}" type="slidenum">
               <a:rPr lang="en-US" smtClean="0"/>
-              <a:t>42</a:t>
+              <a:t>41</a:t>
             </a:fld>
             <a:endParaRPr lang="en-US"/>
           </a:p>
@@ -34735,7 +32769,7 @@
 </p:sld>
 </file>
 
-<file path=ppt/slides/slide43.xml><?xml version="1.0" encoding="utf-8"?>
+<file path=ppt/slides/slide42.xml><?xml version="1.0" encoding="utf-8"?>
 <p:sld xmlns:a="http://schemas.openxmlformats.org/drawingml/2006/main" xmlns:r="http://schemas.openxmlformats.org/officeDocument/2006/relationships" xmlns:p="http://schemas.openxmlformats.org/presentationml/2006/main">
   <p:cSld>
     <p:spTree>
@@ -35466,7 +33500,7 @@
           <a:p>
             <a:fld id="{278C1CC4-2077-434E-BCF1-5D01C08A9B17}" type="slidenum">
               <a:rPr lang="en-US" smtClean="0"/>
-              <a:t>43</a:t>
+              <a:t>42</a:t>
             </a:fld>
             <a:endParaRPr lang="en-US"/>
           </a:p>
@@ -35515,7 +33549,7 @@
 </p:sld>
 </file>
 
-<file path=ppt/slides/slide44.xml><?xml version="1.0" encoding="utf-8"?>
+<file path=ppt/slides/slide43.xml><?xml version="1.0" encoding="utf-8"?>
 <p:sld xmlns:a="http://schemas.openxmlformats.org/drawingml/2006/main" xmlns:r="http://schemas.openxmlformats.org/officeDocument/2006/relationships" xmlns:p="http://schemas.openxmlformats.org/presentationml/2006/main">
   <p:cSld>
     <p:spTree>
@@ -36162,7 +34196,7 @@
           <a:p>
             <a:fld id="{278C1CC4-2077-434E-BCF1-5D01C08A9B17}" type="slidenum">
               <a:rPr lang="en-US" smtClean="0"/>
-              <a:t>44</a:t>
+              <a:t>43</a:t>
             </a:fld>
             <a:endParaRPr lang="en-US"/>
           </a:p>
@@ -36181,7 +34215,7 @@
 </p:sld>
 </file>
 
-<file path=ppt/slides/slide45.xml><?xml version="1.0" encoding="utf-8"?>
+<file path=ppt/slides/slide44.xml><?xml version="1.0" encoding="utf-8"?>
 <p:sld xmlns:a="http://schemas.openxmlformats.org/drawingml/2006/main" xmlns:r="http://schemas.openxmlformats.org/officeDocument/2006/relationships" xmlns:p="http://schemas.openxmlformats.org/presentationml/2006/main">
   <p:cSld>
     <p:spTree>
@@ -36297,7 +34331,7 @@
           <a:p>
             <a:fld id="{278C1CC4-2077-434E-BCF1-5D01C08A9B17}" type="slidenum">
               <a:rPr lang="en-US" smtClean="0"/>
-              <a:t>45</a:t>
+              <a:t>44</a:t>
             </a:fld>
             <a:endParaRPr lang="en-US"/>
           </a:p>
@@ -36316,7 +34350,7 @@
 </p:sld>
 </file>
 
-<file path=ppt/slides/slide46.xml><?xml version="1.0" encoding="utf-8"?>
+<file path=ppt/slides/slide45.xml><?xml version="1.0" encoding="utf-8"?>
 <p:sld xmlns:a="http://schemas.openxmlformats.org/drawingml/2006/main" xmlns:r="http://schemas.openxmlformats.org/officeDocument/2006/relationships" xmlns:p="http://schemas.openxmlformats.org/presentationml/2006/main">
   <p:cSld>
     <p:spTree>
@@ -36412,7 +34446,7 @@
           <a:p>
             <a:fld id="{278C1CC4-2077-434E-BCF1-5D01C08A9B17}" type="slidenum">
               <a:rPr lang="en-US" smtClean="0"/>
-              <a:t>46</a:t>
+              <a:t>45</a:t>
             </a:fld>
             <a:endParaRPr lang="en-US"/>
           </a:p>
@@ -36431,7 +34465,7 @@
 </p:sld>
 </file>
 
-<file path=ppt/slides/slide47.xml><?xml version="1.0" encoding="utf-8"?>
+<file path=ppt/slides/slide46.xml><?xml version="1.0" encoding="utf-8"?>
 <p:sld xmlns:a="http://schemas.openxmlformats.org/drawingml/2006/main" xmlns:r="http://schemas.openxmlformats.org/officeDocument/2006/relationships" xmlns:p="http://schemas.openxmlformats.org/presentationml/2006/main">
   <p:cSld>
     <p:spTree>
@@ -36599,7 +34633,7 @@
           <a:p>
             <a:fld id="{278C1CC4-2077-434E-BCF1-5D01C08A9B17}" type="slidenum">
               <a:rPr lang="en-US" smtClean="0"/>
-              <a:t>47</a:t>
+              <a:t>46</a:t>
             </a:fld>
             <a:endParaRPr lang="en-US"/>
           </a:p>
@@ -36618,7 +34652,7 @@
 </p:sld>
 </file>
 
-<file path=ppt/slides/slide48.xml><?xml version="1.0" encoding="utf-8"?>
+<file path=ppt/slides/slide47.xml><?xml version="1.0" encoding="utf-8"?>
 <p:sld xmlns:a="http://schemas.openxmlformats.org/drawingml/2006/main" xmlns:r="http://schemas.openxmlformats.org/officeDocument/2006/relationships" xmlns:p="http://schemas.openxmlformats.org/presentationml/2006/main">
   <p:cSld>
     <p:spTree>
@@ -36783,7 +34817,7 @@
           <a:p>
             <a:fld id="{278C1CC4-2077-434E-BCF1-5D01C08A9B17}" type="slidenum">
               <a:rPr lang="en-US" smtClean="0"/>
-              <a:t>48</a:t>
+              <a:t>47</a:t>
             </a:fld>
             <a:endParaRPr lang="en-US"/>
           </a:p>
@@ -36802,7 +34836,7 @@
 </p:sld>
 </file>
 
-<file path=ppt/slides/slide49.xml><?xml version="1.0" encoding="utf-8"?>
+<file path=ppt/slides/slide48.xml><?xml version="1.0" encoding="utf-8"?>
 <p:sld xmlns:a="http://schemas.openxmlformats.org/drawingml/2006/main" xmlns:r="http://schemas.openxmlformats.org/officeDocument/2006/relationships" xmlns:p="http://schemas.openxmlformats.org/presentationml/2006/main">
   <p:cSld>
     <p:spTree>
@@ -36926,7 +34960,7 @@
           <a:p>
             <a:fld id="{278C1CC4-2077-434E-BCF1-5D01C08A9B17}" type="slidenum">
               <a:rPr lang="en-US" smtClean="0"/>
-              <a:t>49</a:t>
+              <a:t>48</a:t>
             </a:fld>
             <a:endParaRPr lang="en-US"/>
           </a:p>

--- a/Clase 10_Regresion/C10_Metodos Supervisados I_Regresion lineal.pptx
+++ b/Clase 10_Regresion/C10_Metodos Supervisados I_Regresion lineal.pptx
@@ -5,7 +5,7 @@
     <p:sldMasterId id="2147483648" r:id="rId1"/>
   </p:sldMasterIdLst>
   <p:notesMasterIdLst>
-    <p:notesMasterId r:id="rId50"/>
+    <p:notesMasterId r:id="rId46"/>
   </p:notesMasterIdLst>
   <p:sldIdLst>
     <p:sldId id="256" r:id="rId2"/>
@@ -38,24 +38,20 @@
     <p:sldId id="440" r:id="rId29"/>
     <p:sldId id="418" r:id="rId30"/>
     <p:sldId id="419" r:id="rId31"/>
-    <p:sldId id="425" r:id="rId32"/>
-    <p:sldId id="420" r:id="rId33"/>
-    <p:sldId id="423" r:id="rId34"/>
-    <p:sldId id="426" r:id="rId35"/>
-    <p:sldId id="427" r:id="rId36"/>
-    <p:sldId id="428" r:id="rId37"/>
-    <p:sldId id="429" r:id="rId38"/>
-    <p:sldId id="430" r:id="rId39"/>
-    <p:sldId id="431" r:id="rId40"/>
-    <p:sldId id="432" r:id="rId41"/>
-    <p:sldId id="433" r:id="rId42"/>
-    <p:sldId id="435" r:id="rId43"/>
-    <p:sldId id="434" r:id="rId44"/>
-    <p:sldId id="436" r:id="rId45"/>
-    <p:sldId id="337" r:id="rId46"/>
-    <p:sldId id="314" r:id="rId47"/>
-    <p:sldId id="437" r:id="rId48"/>
-    <p:sldId id="444" r:id="rId49"/>
+    <p:sldId id="423" r:id="rId32"/>
+    <p:sldId id="428" r:id="rId33"/>
+    <p:sldId id="429" r:id="rId34"/>
+    <p:sldId id="430" r:id="rId35"/>
+    <p:sldId id="431" r:id="rId36"/>
+    <p:sldId id="432" r:id="rId37"/>
+    <p:sldId id="433" r:id="rId38"/>
+    <p:sldId id="435" r:id="rId39"/>
+    <p:sldId id="434" r:id="rId40"/>
+    <p:sldId id="436" r:id="rId41"/>
+    <p:sldId id="337" r:id="rId42"/>
+    <p:sldId id="314" r:id="rId43"/>
+    <p:sldId id="437" r:id="rId44"/>
+    <p:sldId id="444" r:id="rId45"/>
   </p:sldIdLst>
   <p:sldSz cx="12192000" cy="6858000"/>
   <p:notesSz cx="6858000" cy="9144000"/>
@@ -213,11 +209,7 @@
           <p14:sldIdLst>
             <p14:sldId id="418"/>
             <p14:sldId id="419"/>
-            <p14:sldId id="425"/>
-            <p14:sldId id="420"/>
             <p14:sldId id="423"/>
-            <p14:sldId id="426"/>
-            <p14:sldId id="427"/>
           </p14:sldIdLst>
         </p14:section>
         <p14:section name="Problemas y soluciones practicas en con los modelos de regresion lineal" id="{B12E035B-9770-2249-8F2B-5AA5ED1B1861}">
@@ -4109,7 +4101,7 @@
           <a:p>
             <a:fld id="{18C64025-9F1C-B54C-874D-6AE83D7874AF}" type="datetimeFigureOut">
               <a:rPr lang="en-US" smtClean="0"/>
-              <a:t>4/28/25</a:t>
+              <a:t>5/2/25</a:t>
             </a:fld>
             <a:endParaRPr lang="en-US"/>
           </a:p>
@@ -4861,7 +4853,7 @@
           <a:p>
             <a:fld id="{A7ED07FA-7792-F649-B523-FCAF9068A01B}" type="slidenum">
               <a:rPr lang="es-ES_tradnl" smtClean="0"/>
-              <a:t>45</a:t>
+              <a:t>41</a:t>
             </a:fld>
             <a:endParaRPr lang="es-ES_tradnl"/>
           </a:p>
@@ -5747,7 +5739,7 @@
           <a:p>
             <a:fld id="{664FFB85-B129-774D-93A0-F57B9B2B4D03}" type="datetime1">
               <a:rPr lang="en-US" smtClean="0"/>
-              <a:t>4/28/25</a:t>
+              <a:t>5/2/25</a:t>
             </a:fld>
             <a:endParaRPr lang="en-US"/>
           </a:p>
@@ -5945,7 +5937,7 @@
           <a:p>
             <a:fld id="{23C86737-1BBC-544D-9FC3-DA3274CF8698}" type="datetime1">
               <a:rPr lang="en-US" smtClean="0"/>
-              <a:t>4/28/25</a:t>
+              <a:t>5/2/25</a:t>
             </a:fld>
             <a:endParaRPr lang="en-US"/>
           </a:p>
@@ -6153,7 +6145,7 @@
           <a:p>
             <a:fld id="{35CE60E5-F23C-764C-AA70-1ED90C06A3A1}" type="datetime1">
               <a:rPr lang="en-US" smtClean="0"/>
-              <a:t>4/28/25</a:t>
+              <a:t>5/2/25</a:t>
             </a:fld>
             <a:endParaRPr lang="en-US"/>
           </a:p>
@@ -6351,7 +6343,7 @@
           <a:p>
             <a:fld id="{D6FA6702-BFF0-234C-B592-E8C1FA6F1806}" type="datetime1">
               <a:rPr lang="en-US" smtClean="0"/>
-              <a:t>4/28/25</a:t>
+              <a:t>5/2/25</a:t>
             </a:fld>
             <a:endParaRPr lang="en-US"/>
           </a:p>
@@ -6626,7 +6618,7 @@
           <a:p>
             <a:fld id="{E8B16A00-60F7-B64E-8A28-BD6FD4FB0293}" type="datetime1">
               <a:rPr lang="en-US" smtClean="0"/>
-              <a:t>4/28/25</a:t>
+              <a:t>5/2/25</a:t>
             </a:fld>
             <a:endParaRPr lang="en-US"/>
           </a:p>
@@ -6891,7 +6883,7 @@
           <a:p>
             <a:fld id="{9461FB3B-061B-F144-A5FA-F3EAD484BB68}" type="datetime1">
               <a:rPr lang="en-US" smtClean="0"/>
-              <a:t>4/28/25</a:t>
+              <a:t>5/2/25</a:t>
             </a:fld>
             <a:endParaRPr lang="en-US"/>
           </a:p>
@@ -7303,7 +7295,7 @@
           <a:p>
             <a:fld id="{33AB2EF4-12EB-9A4D-9238-2D7527A162A6}" type="datetime1">
               <a:rPr lang="en-US" smtClean="0"/>
-              <a:t>4/28/25</a:t>
+              <a:t>5/2/25</a:t>
             </a:fld>
             <a:endParaRPr lang="en-US"/>
           </a:p>
@@ -7444,7 +7436,7 @@
           <a:p>
             <a:fld id="{B04B8114-FA9D-8D4A-A67F-A4701DAC90FA}" type="datetime1">
               <a:rPr lang="en-US" smtClean="0"/>
-              <a:t>4/28/25</a:t>
+              <a:t>5/2/25</a:t>
             </a:fld>
             <a:endParaRPr lang="en-US"/>
           </a:p>
@@ -7557,7 +7549,7 @@
           <a:p>
             <a:fld id="{70C4410B-B86C-2848-BC8C-F46E39ADEFA3}" type="datetime1">
               <a:rPr lang="en-US" smtClean="0"/>
-              <a:t>4/28/25</a:t>
+              <a:t>5/2/25</a:t>
             </a:fld>
             <a:endParaRPr lang="en-US"/>
           </a:p>
@@ -7868,7 +7860,7 @@
           <a:p>
             <a:fld id="{58BA655F-D0D7-B249-A22B-B443D0B3B154}" type="datetime1">
               <a:rPr lang="en-US" smtClean="0"/>
-              <a:t>4/28/25</a:t>
+              <a:t>5/2/25</a:t>
             </a:fld>
             <a:endParaRPr lang="en-US"/>
           </a:p>
@@ -8156,7 +8148,7 @@
           <a:p>
             <a:fld id="{10E43CFB-0197-A049-9F9E-574CE0E6949D}" type="datetime1">
               <a:rPr lang="en-US" smtClean="0"/>
-              <a:t>4/28/25</a:t>
+              <a:t>5/2/25</a:t>
             </a:fld>
             <a:endParaRPr lang="en-US"/>
           </a:p>
@@ -8399,7 +8391,7 @@
           <a:p>
             <a:fld id="{5C89D66A-6B48-BE47-8B10-C9113B69D385}" type="datetime1">
               <a:rPr lang="en-US" noProof="0" smtClean="0"/>
-              <a:t>4/28/25</a:t>
+              <a:t>5/2/25</a:t>
             </a:fld>
             <a:endParaRPr lang="es-ES_tradnl" noProof="0"/>
           </a:p>
@@ -17182,7 +17174,7 @@
             </p:nvSpPr>
             <p:spPr>
               <a:xfrm>
-                <a:off x="4932975" y="4364843"/>
+                <a:off x="5104409" y="4364843"/>
                 <a:ext cx="6098240" cy="384336"/>
               </a:xfrm>
               <a:prstGeom prst="rect">
@@ -17378,15 +17370,6 @@
                         </m:sub>
                       </m:sSub>
                       <m:r>
-                        <a:rPr lang="en-US" sz="1800" b="0" i="1" smtClean="0">
-                          <a:solidFill>
-                            <a:srgbClr val="0070C0"/>
-                          </a:solidFill>
-                          <a:latin typeface="Cambria Math" panose="02040503050406030204" pitchFamily="18" charset="0"/>
-                        </a:rPr>
-                        <m:t>+</m:t>
-                      </m:r>
-                      <m:r>
                         <a:rPr lang="es-ES_tradnl" i="1">
                           <a:solidFill>
                             <a:srgbClr val="0070C0"/>
@@ -17503,7 +17486,7 @@
             </p:nvSpPr>
             <p:spPr>
               <a:xfrm>
-                <a:off x="4932975" y="4364843"/>
+                <a:off x="5104409" y="4364843"/>
                 <a:ext cx="6098240" cy="384336"/>
               </a:xfrm>
               <a:prstGeom prst="rect">
@@ -23101,7 +23084,7 @@
                               <a:latin typeface="Cambria Math" panose="02040503050406030204" pitchFamily="18" charset="0"/>
                               <a:ea typeface="Cambria Math" panose="02040503050406030204" pitchFamily="18" charset="0"/>
                             </a:rPr>
-                            <m:t>𝑡𝑟𝑎𝑖𝑛</m:t>
+                            <m:t>𝑡𝑒𝑠𝑡</m:t>
                           </m:r>
                         </m:sub>
                       </m:sSub>
@@ -23524,10 +23507,21 @@
                 </a14:m>
                 <a:r>
                   <a:rPr lang="es-ES_tradnl" dirty="0"/>
-                  <a:t> que tenga el menor error cuadrático medio afuera de la muestra -&gt; min</a:t>
+                  <a:t> que tenga el menor error cuadrático medio afuera de la muestra -&gt; </a:t>
+                </a:r>
+                <a:r>
+                  <a:rPr lang="es-ES_tradnl" dirty="0">
+                    <a:solidFill>
+                      <a:srgbClr val="00B050"/>
+                    </a:solidFill>
+                  </a:rPr>
+                  <a:t>min</a:t>
                 </a:r>
                 <a:r>
                   <a:rPr lang="en-US" dirty="0">
+                    <a:solidFill>
+                      <a:srgbClr val="00B050"/>
+                    </a:solidFill>
                     <a:ea typeface="Cambria Math" panose="02040503050406030204" pitchFamily="18" charset="0"/>
                   </a:rPr>
                   <a:t> </a:t>
@@ -23536,6 +23530,9 @@
                   <m:oMath xmlns:m="http://schemas.openxmlformats.org/officeDocument/2006/math">
                     <m:r>
                       <a:rPr lang="en-US" i="1">
+                        <a:solidFill>
+                          <a:srgbClr val="00B050"/>
+                        </a:solidFill>
                         <a:latin typeface="Cambria Math" panose="02040503050406030204" pitchFamily="18" charset="0"/>
                         <a:ea typeface="Cambria Math" panose="02040503050406030204" pitchFamily="18" charset="0"/>
                       </a:rPr>
@@ -23545,6 +23542,9 @@
                       <m:sSubPr>
                         <m:ctrlPr>
                           <a:rPr lang="en-US" i="1">
+                            <a:solidFill>
+                              <a:srgbClr val="00B050"/>
+                            </a:solidFill>
                             <a:latin typeface="Cambria Math" panose="02040503050406030204" pitchFamily="18" charset="0"/>
                             <a:ea typeface="Cambria Math" panose="02040503050406030204" pitchFamily="18" charset="0"/>
                           </a:rPr>
@@ -23553,6 +23553,9 @@
                       <m:e>
                         <m:r>
                           <a:rPr lang="en-US" i="1">
+                            <a:solidFill>
+                              <a:srgbClr val="00B050"/>
+                            </a:solidFill>
                             <a:latin typeface="Cambria Math" panose="02040503050406030204" pitchFamily="18" charset="0"/>
                             <a:ea typeface="Cambria Math" panose="02040503050406030204" pitchFamily="18" charset="0"/>
                           </a:rPr>
@@ -23562,10 +23565,23 @@
                       <m:sub>
                         <m:r>
                           <a:rPr lang="en-US" i="1">
+                            <a:solidFill>
+                              <a:srgbClr val="00B050"/>
+                            </a:solidFill>
                             <a:latin typeface="Cambria Math" panose="02040503050406030204" pitchFamily="18" charset="0"/>
                             <a:ea typeface="Cambria Math" panose="02040503050406030204" pitchFamily="18" charset="0"/>
                           </a:rPr>
-                          <m:t>𝑡𝑟𝑎𝑖𝑛</m:t>
+                          <m:t>𝑡</m:t>
+                        </m:r>
+                        <m:r>
+                          <a:rPr lang="en-US" b="0" i="1" smtClean="0">
+                            <a:solidFill>
+                              <a:srgbClr val="00B050"/>
+                            </a:solidFill>
+                            <a:latin typeface="Cambria Math" panose="02040503050406030204" pitchFamily="18" charset="0"/>
+                            <a:ea typeface="Cambria Math" panose="02040503050406030204" pitchFamily="18" charset="0"/>
+                          </a:rPr>
+                          <m:t>𝑒𝑠𝑡</m:t>
                         </m:r>
                       </m:sub>
                     </m:sSub>
@@ -23704,7 +23720,14 @@
                             <a:latin typeface="Cambria Math" panose="02040503050406030204" pitchFamily="18" charset="0"/>
                             <a:ea typeface="Cambria Math" panose="02040503050406030204" pitchFamily="18" charset="0"/>
                           </a:rPr>
-                          <m:t>𝑡𝑟𝑎𝑖𝑛</m:t>
+                          <m:t>𝑡</m:t>
+                        </m:r>
+                        <m:r>
+                          <a:rPr lang="en-US" b="0" i="1" smtClean="0">
+                            <a:latin typeface="Cambria Math" panose="02040503050406030204" pitchFamily="18" charset="0"/>
+                            <a:ea typeface="Cambria Math" panose="02040503050406030204" pitchFamily="18" charset="0"/>
+                          </a:rPr>
+                          <m:t>𝑒𝑠𝑡</m:t>
                         </m:r>
                       </m:sub>
                     </m:sSub>
@@ -23920,6 +23943,289 @@
           </a:p>
         </p:txBody>
       </p:sp>
+      <mc:AlternateContent xmlns:mc="http://schemas.openxmlformats.org/markup-compatibility/2006" xmlns:a14="http://schemas.microsoft.com/office/drawing/2010/main">
+        <mc:Choice Requires="a14">
+          <p:sp>
+            <p:nvSpPr>
+              <p:cNvPr id="5" name="CuadroTexto 4">
+                <a:extLst>
+                  <a:ext uri="{FF2B5EF4-FFF2-40B4-BE49-F238E27FC236}">
+                    <a16:creationId xmlns:a16="http://schemas.microsoft.com/office/drawing/2014/main" id="{4DBCDAF4-6642-E18C-D2E8-600FC77A6FE8}"/>
+                  </a:ext>
+                </a:extLst>
+              </p:cNvPr>
+              <p:cNvSpPr txBox="1"/>
+              <p:nvPr/>
+            </p:nvSpPr>
+            <p:spPr>
+              <a:xfrm>
+                <a:off x="8976360" y="4814054"/>
+                <a:ext cx="1005840" cy="377706"/>
+              </a:xfrm>
+              <a:prstGeom prst="rect">
+                <a:avLst/>
+              </a:prstGeom>
+              <a:noFill/>
+            </p:spPr>
+            <p:txBody>
+              <a:bodyPr wrap="square">
+                <a:spAutoFit/>
+              </a:bodyPr>
+              <a:lstStyle/>
+              <a:p>
+                <a:pPr/>
+                <a14:m>
+                  <m:oMathPara xmlns:m="http://schemas.openxmlformats.org/officeDocument/2006/math">
+                    <m:oMathParaPr>
+                      <m:jc m:val="centerGroup"/>
+                    </m:oMathParaPr>
+                    <m:oMath xmlns:m="http://schemas.openxmlformats.org/officeDocument/2006/math">
+                      <m:r>
+                        <a:rPr lang="en-US" sz="1800" b="0" i="1" smtClean="0">
+                          <a:latin typeface="Cambria Math" panose="02040503050406030204" pitchFamily="18" charset="0"/>
+                          <a:ea typeface="Cambria Math" panose="02040503050406030204" pitchFamily="18" charset="0"/>
+                        </a:rPr>
+                        <m:t>𝑀𝑆</m:t>
+                      </m:r>
+                      <m:sSub>
+                        <m:sSubPr>
+                          <m:ctrlPr>
+                            <a:rPr lang="en-US" sz="1800" b="0" i="1" smtClean="0">
+                              <a:latin typeface="Cambria Math" panose="02040503050406030204" pitchFamily="18" charset="0"/>
+                              <a:ea typeface="Cambria Math" panose="02040503050406030204" pitchFamily="18" charset="0"/>
+                            </a:rPr>
+                          </m:ctrlPr>
+                        </m:sSubPr>
+                        <m:e>
+                          <m:r>
+                            <a:rPr lang="en-US" sz="1800" b="0" i="1" smtClean="0">
+                              <a:latin typeface="Cambria Math" panose="02040503050406030204" pitchFamily="18" charset="0"/>
+                              <a:ea typeface="Cambria Math" panose="02040503050406030204" pitchFamily="18" charset="0"/>
+                            </a:rPr>
+                            <m:t>𝐸</m:t>
+                          </m:r>
+                        </m:e>
+                        <m:sub>
+                          <m:r>
+                            <a:rPr lang="en-US" sz="1800" b="0" i="1" smtClean="0">
+                              <a:latin typeface="Cambria Math" panose="02040503050406030204" pitchFamily="18" charset="0"/>
+                              <a:ea typeface="Cambria Math" panose="02040503050406030204" pitchFamily="18" charset="0"/>
+                            </a:rPr>
+                            <m:t>𝑡𝑟𝑎𝑖𝑛</m:t>
+                          </m:r>
+                        </m:sub>
+                      </m:sSub>
+                    </m:oMath>
+                  </m:oMathPara>
+                </a14:m>
+                <a:endParaRPr lang="es-ES_tradnl" dirty="0"/>
+              </a:p>
+            </p:txBody>
+          </p:sp>
+        </mc:Choice>
+        <mc:Fallback xmlns="">
+          <p:sp>
+            <p:nvSpPr>
+              <p:cNvPr id="5" name="CuadroTexto 4">
+                <a:extLst>
+                  <a:ext uri="{FF2B5EF4-FFF2-40B4-BE49-F238E27FC236}">
+                    <a16:creationId xmlns:a16="http://schemas.microsoft.com/office/drawing/2014/main" id="{4DBCDAF4-6642-E18C-D2E8-600FC77A6FE8}"/>
+                  </a:ext>
+                </a:extLst>
+              </p:cNvPr>
+              <p:cNvSpPr txBox="1">
+                <a:spLocks noRot="1" noChangeAspect="1" noMove="1" noResize="1" noEditPoints="1" noAdjustHandles="1" noChangeArrowheads="1" noChangeShapeType="1" noTextEdit="1"/>
+              </p:cNvSpPr>
+              <p:nvPr/>
+            </p:nvSpPr>
+            <p:spPr>
+              <a:xfrm>
+                <a:off x="8976360" y="4814054"/>
+                <a:ext cx="1005840" cy="377706"/>
+              </a:xfrm>
+              <a:prstGeom prst="rect">
+                <a:avLst/>
+              </a:prstGeom>
+              <a:blipFill>
+                <a:blip r:embed="rId3"/>
+                <a:stretch>
+                  <a:fillRect r="-2500"/>
+                </a:stretch>
+              </a:blipFill>
+            </p:spPr>
+            <p:txBody>
+              <a:bodyPr/>
+              <a:lstStyle/>
+              <a:p>
+                <a:r>
+                  <a:rPr lang="es-ES_tradnl">
+                    <a:noFill/>
+                  </a:rPr>
+                  <a:t> </a:t>
+                </a:r>
+              </a:p>
+            </p:txBody>
+          </p:sp>
+        </mc:Fallback>
+      </mc:AlternateContent>
+      <mc:AlternateContent xmlns:mc="http://schemas.openxmlformats.org/markup-compatibility/2006" xmlns:a14="http://schemas.microsoft.com/office/drawing/2010/main">
+        <mc:Choice Requires="a14">
+          <p:sp>
+            <p:nvSpPr>
+              <p:cNvPr id="8" name="CuadroTexto 7">
+                <a:extLst>
+                  <a:ext uri="{FF2B5EF4-FFF2-40B4-BE49-F238E27FC236}">
+                    <a16:creationId xmlns:a16="http://schemas.microsoft.com/office/drawing/2014/main" id="{BD2B2E09-2324-A28E-76EC-D7DA05821272}"/>
+                  </a:ext>
+                </a:extLst>
+              </p:cNvPr>
+              <p:cNvSpPr txBox="1"/>
+              <p:nvPr/>
+            </p:nvSpPr>
+            <p:spPr>
+              <a:xfrm>
+                <a:off x="8569960" y="2103517"/>
+                <a:ext cx="1818640" cy="377706"/>
+              </a:xfrm>
+              <a:prstGeom prst="rect">
+                <a:avLst/>
+              </a:prstGeom>
+              <a:noFill/>
+            </p:spPr>
+            <p:txBody>
+              <a:bodyPr wrap="square">
+                <a:spAutoFit/>
+              </a:bodyPr>
+              <a:lstStyle/>
+              <a:p>
+                <a:r>
+                  <a:rPr lang="es-ES_tradnl" dirty="0">
+                    <a:solidFill>
+                      <a:srgbClr val="00B050"/>
+                    </a:solidFill>
+                  </a:rPr>
+                  <a:t>min</a:t>
+                </a:r>
+                <a:r>
+                  <a:rPr lang="en-US" dirty="0">
+                    <a:solidFill>
+                      <a:srgbClr val="00B050"/>
+                    </a:solidFill>
+                    <a:ea typeface="Cambria Math" panose="02040503050406030204" pitchFamily="18" charset="0"/>
+                  </a:rPr>
+                  <a:t> </a:t>
+                </a:r>
+                <a14:m>
+                  <m:oMath xmlns:m="http://schemas.openxmlformats.org/officeDocument/2006/math">
+                    <m:r>
+                      <a:rPr lang="en-US" i="1">
+                        <a:solidFill>
+                          <a:srgbClr val="00B050"/>
+                        </a:solidFill>
+                        <a:latin typeface="Cambria Math" panose="02040503050406030204" pitchFamily="18" charset="0"/>
+                        <a:ea typeface="Cambria Math" panose="02040503050406030204" pitchFamily="18" charset="0"/>
+                      </a:rPr>
+                      <m:t>𝑀𝑆</m:t>
+                    </m:r>
+                    <m:sSub>
+                      <m:sSubPr>
+                        <m:ctrlPr>
+                          <a:rPr lang="en-US" i="1">
+                            <a:solidFill>
+                              <a:srgbClr val="00B050"/>
+                            </a:solidFill>
+                            <a:latin typeface="Cambria Math" panose="02040503050406030204" pitchFamily="18" charset="0"/>
+                            <a:ea typeface="Cambria Math" panose="02040503050406030204" pitchFamily="18" charset="0"/>
+                          </a:rPr>
+                        </m:ctrlPr>
+                      </m:sSubPr>
+                      <m:e>
+                        <m:r>
+                          <a:rPr lang="en-US" i="1">
+                            <a:solidFill>
+                              <a:srgbClr val="00B050"/>
+                            </a:solidFill>
+                            <a:latin typeface="Cambria Math" panose="02040503050406030204" pitchFamily="18" charset="0"/>
+                            <a:ea typeface="Cambria Math" panose="02040503050406030204" pitchFamily="18" charset="0"/>
+                          </a:rPr>
+                          <m:t>𝐸</m:t>
+                        </m:r>
+                      </m:e>
+                      <m:sub>
+                        <m:r>
+                          <a:rPr lang="en-US" i="1">
+                            <a:solidFill>
+                              <a:srgbClr val="00B050"/>
+                            </a:solidFill>
+                            <a:latin typeface="Cambria Math" panose="02040503050406030204" pitchFamily="18" charset="0"/>
+                            <a:ea typeface="Cambria Math" panose="02040503050406030204" pitchFamily="18" charset="0"/>
+                          </a:rPr>
+                          <m:t>𝑡</m:t>
+                        </m:r>
+                        <m:r>
+                          <a:rPr lang="en-US" b="0" i="1" smtClean="0">
+                            <a:solidFill>
+                              <a:srgbClr val="00B050"/>
+                            </a:solidFill>
+                            <a:latin typeface="Cambria Math" panose="02040503050406030204" pitchFamily="18" charset="0"/>
+                            <a:ea typeface="Cambria Math" panose="02040503050406030204" pitchFamily="18" charset="0"/>
+                          </a:rPr>
+                          <m:t>𝑒𝑠𝑡</m:t>
+                        </m:r>
+                      </m:sub>
+                    </m:sSub>
+                  </m:oMath>
+                </a14:m>
+                <a:endParaRPr lang="es-ES_tradnl" dirty="0"/>
+              </a:p>
+            </p:txBody>
+          </p:sp>
+        </mc:Choice>
+        <mc:Fallback xmlns="">
+          <p:sp>
+            <p:nvSpPr>
+              <p:cNvPr id="8" name="CuadroTexto 7">
+                <a:extLst>
+                  <a:ext uri="{FF2B5EF4-FFF2-40B4-BE49-F238E27FC236}">
+                    <a16:creationId xmlns:a16="http://schemas.microsoft.com/office/drawing/2014/main" id="{BD2B2E09-2324-A28E-76EC-D7DA05821272}"/>
+                  </a:ext>
+                </a:extLst>
+              </p:cNvPr>
+              <p:cNvSpPr txBox="1">
+                <a:spLocks noRot="1" noChangeAspect="1" noMove="1" noResize="1" noEditPoints="1" noAdjustHandles="1" noChangeArrowheads="1" noChangeShapeType="1" noTextEdit="1"/>
+              </p:cNvSpPr>
+              <p:nvPr/>
+            </p:nvSpPr>
+            <p:spPr>
+              <a:xfrm>
+                <a:off x="8569960" y="2103517"/>
+                <a:ext cx="1818640" cy="377706"/>
+              </a:xfrm>
+              <a:prstGeom prst="rect">
+                <a:avLst/>
+              </a:prstGeom>
+              <a:blipFill>
+                <a:blip r:embed="rId4"/>
+                <a:stretch>
+                  <a:fillRect l="-2778" t="-6452" b="-22581"/>
+                </a:stretch>
+              </a:blipFill>
+            </p:spPr>
+            <p:txBody>
+              <a:bodyPr/>
+              <a:lstStyle/>
+              <a:p>
+                <a:r>
+                  <a:rPr lang="es-ES_tradnl">
+                    <a:noFill/>
+                  </a:rPr>
+                  <a:t> </a:t>
+                </a:r>
+              </a:p>
+            </p:txBody>
+          </p:sp>
+        </mc:Fallback>
+      </mc:AlternateContent>
     </p:spTree>
     <p:extLst>
       <p:ext uri="{BB962C8B-B14F-4D97-AF65-F5344CB8AC3E}">
@@ -27283,7 +27589,7 @@
           <a:p>
             <a:r>
               <a:rPr lang="es-ES_tradnl" dirty="0"/>
-              <a:t>¿Hay relación entre la respuesta y los predictores? I</a:t>
+              <a:t>¿Hay relación entre la respuesta y los predictores? </a:t>
             </a:r>
           </a:p>
         </p:txBody>
@@ -27728,1079 +28034,6 @@
 </file>
 
 <file path=ppt/slides/slide31.xml><?xml version="1.0" encoding="utf-8"?>
-<p:sld xmlns:a="http://schemas.openxmlformats.org/drawingml/2006/main" xmlns:r="http://schemas.openxmlformats.org/officeDocument/2006/relationships" xmlns:p="http://schemas.openxmlformats.org/presentationml/2006/main">
-  <p:cSld>
-    <p:spTree>
-      <p:nvGrpSpPr>
-        <p:cNvPr id="1" name=""/>
-        <p:cNvGrpSpPr/>
-        <p:nvPr/>
-      </p:nvGrpSpPr>
-      <p:grpSpPr>
-        <a:xfrm>
-          <a:off x="0" y="0"/>
-          <a:ext cx="0" cy="0"/>
-          <a:chOff x="0" y="0"/>
-          <a:chExt cx="0" cy="0"/>
-        </a:xfrm>
-      </p:grpSpPr>
-      <p:sp>
-        <p:nvSpPr>
-          <p:cNvPr id="2" name="Title 1">
-            <a:extLst>
-              <a:ext uri="{FF2B5EF4-FFF2-40B4-BE49-F238E27FC236}">
-                <a16:creationId xmlns:a16="http://schemas.microsoft.com/office/drawing/2014/main" id="{0B13DD3D-F4FC-CEDC-5575-8E9328725269}"/>
-              </a:ext>
-            </a:extLst>
-          </p:cNvPr>
-          <p:cNvSpPr>
-            <a:spLocks noGrp="1"/>
-          </p:cNvSpPr>
-          <p:nvPr>
-            <p:ph type="title"/>
-          </p:nvPr>
-        </p:nvSpPr>
-        <p:spPr/>
-        <p:txBody>
-          <a:bodyPr/>
-          <a:lstStyle/>
-          <a:p>
-            <a:r>
-              <a:rPr lang="es-ES_tradnl" dirty="0"/>
-              <a:t>¿Hay relación entre la respuesta y los predictores? II</a:t>
-            </a:r>
-          </a:p>
-        </p:txBody>
-      </p:sp>
-      <mc:AlternateContent xmlns:mc="http://schemas.openxmlformats.org/markup-compatibility/2006" xmlns:a14="http://schemas.microsoft.com/office/drawing/2010/main">
-        <mc:Choice Requires="a14">
-          <p:sp>
-            <p:nvSpPr>
-              <p:cNvPr id="3" name="Content Placeholder 2">
-                <a:extLst>
-                  <a:ext uri="{FF2B5EF4-FFF2-40B4-BE49-F238E27FC236}">
-                    <a16:creationId xmlns:a16="http://schemas.microsoft.com/office/drawing/2014/main" id="{76B689D3-2CE9-0302-8436-DF107F87FC34}"/>
-                  </a:ext>
-                </a:extLst>
-              </p:cNvPr>
-              <p:cNvSpPr>
-                <a:spLocks noGrp="1"/>
-              </p:cNvSpPr>
-              <p:nvPr>
-                <p:ph idx="1"/>
-              </p:nvPr>
-            </p:nvSpPr>
-            <p:spPr/>
-            <p:txBody>
-              <a:bodyPr>
-                <a:normAutofit fontScale="92500"/>
-              </a:bodyPr>
-              <a:lstStyle/>
-              <a:p>
-                <a:pPr>
-                  <a:lnSpc>
-                    <a:spcPct val="120000"/>
-                  </a:lnSpc>
-                </a:pPr>
-                <a:r>
-                  <a:rPr lang="es-ES_tradnl" dirty="0"/>
-                  <a:t>Bajo los supuestos del modelo lineal</a:t>
-                </a:r>
-              </a:p>
-              <a:p>
-                <a:pPr marL="0" indent="0">
-                  <a:lnSpc>
-                    <a:spcPct val="120000"/>
-                  </a:lnSpc>
-                  <a:buNone/>
-                </a:pPr>
-                <a14:m>
-                  <m:oMathPara xmlns:m="http://schemas.openxmlformats.org/officeDocument/2006/math">
-                    <m:oMathParaPr>
-                      <m:jc m:val="centerGroup"/>
-                    </m:oMathParaPr>
-                    <m:oMath xmlns:m="http://schemas.openxmlformats.org/officeDocument/2006/math">
-                      <m:r>
-                        <a:rPr lang="en-US" b="0" i="1" smtClean="0">
-                          <a:latin typeface="Cambria Math" panose="02040503050406030204" pitchFamily="18" charset="0"/>
-                        </a:rPr>
-                        <m:t>𝐸</m:t>
-                      </m:r>
-                      <m:d>
-                        <m:dPr>
-                          <m:begChr m:val="{"/>
-                          <m:endChr m:val="}"/>
-                          <m:ctrlPr>
-                            <a:rPr lang="en-US" b="0" i="1" smtClean="0">
-                              <a:latin typeface="Cambria Math" panose="02040503050406030204" pitchFamily="18" charset="0"/>
-                            </a:rPr>
-                          </m:ctrlPr>
-                        </m:dPr>
-                        <m:e>
-                          <m:d>
-                            <m:dPr>
-                              <m:ctrlPr>
-                                <a:rPr lang="en-US" b="0" i="1" smtClean="0">
-                                  <a:latin typeface="Cambria Math" panose="02040503050406030204" pitchFamily="18" charset="0"/>
-                                </a:rPr>
-                              </m:ctrlPr>
-                            </m:dPr>
-                            <m:e>
-                              <m:r>
-                                <a:rPr lang="en-US" b="0" i="1" smtClean="0">
-                                  <a:latin typeface="Cambria Math" panose="02040503050406030204" pitchFamily="18" charset="0"/>
-                                </a:rPr>
-                                <m:t>𝑅𝑆𝑆</m:t>
-                              </m:r>
-                              <m:r>
-                                <a:rPr lang="en-US" b="0" i="1" smtClean="0">
-                                  <a:latin typeface="Cambria Math" panose="02040503050406030204" pitchFamily="18" charset="0"/>
-                                </a:rPr>
-                                <m:t>/(</m:t>
-                              </m:r>
-                              <m:r>
-                                <a:rPr lang="en-US" b="0" i="1" smtClean="0">
-                                  <a:latin typeface="Cambria Math" panose="02040503050406030204" pitchFamily="18" charset="0"/>
-                                </a:rPr>
-                                <m:t>𝑛</m:t>
-                              </m:r>
-                              <m:r>
-                                <a:rPr lang="en-US" b="0" i="1" smtClean="0">
-                                  <a:latin typeface="Cambria Math" panose="02040503050406030204" pitchFamily="18" charset="0"/>
-                                </a:rPr>
-                                <m:t>−</m:t>
-                              </m:r>
-                              <m:r>
-                                <a:rPr lang="en-US" b="0" i="1" smtClean="0">
-                                  <a:latin typeface="Cambria Math" panose="02040503050406030204" pitchFamily="18" charset="0"/>
-                                </a:rPr>
-                                <m:t>𝑝</m:t>
-                              </m:r>
-                              <m:r>
-                                <a:rPr lang="en-US" b="0" i="1" smtClean="0">
-                                  <a:latin typeface="Cambria Math" panose="02040503050406030204" pitchFamily="18" charset="0"/>
-                                </a:rPr>
-                                <m:t>−1)</m:t>
-                              </m:r>
-                            </m:e>
-                          </m:d>
-                        </m:e>
-                      </m:d>
-                      <m:r>
-                        <a:rPr lang="en-US" b="0" i="1" smtClean="0">
-                          <a:latin typeface="Cambria Math" panose="02040503050406030204" pitchFamily="18" charset="0"/>
-                        </a:rPr>
-                        <m:t>=</m:t>
-                      </m:r>
-                      <m:sSup>
-                        <m:sSupPr>
-                          <m:ctrlPr>
-                            <a:rPr lang="en-US" b="0" i="1" smtClean="0">
-                              <a:latin typeface="Cambria Math" panose="02040503050406030204" pitchFamily="18" charset="0"/>
-                            </a:rPr>
-                          </m:ctrlPr>
-                        </m:sSupPr>
-                        <m:e>
-                          <m:r>
-                            <a:rPr lang="en-US" b="0" i="1" smtClean="0">
-                              <a:latin typeface="Cambria Math" panose="02040503050406030204" pitchFamily="18" charset="0"/>
-                            </a:rPr>
-                            <m:t>𝜎</m:t>
-                          </m:r>
-                        </m:e>
-                        <m:sup>
-                          <m:r>
-                            <a:rPr lang="en-US" b="0" i="1" smtClean="0">
-                              <a:latin typeface="Cambria Math" panose="02040503050406030204" pitchFamily="18" charset="0"/>
-                            </a:rPr>
-                            <m:t>2</m:t>
-                          </m:r>
-                        </m:sup>
-                      </m:sSup>
-                    </m:oMath>
-                  </m:oMathPara>
-                </a14:m>
-                <a:endParaRPr lang="es-ES_tradnl" dirty="0"/>
-              </a:p>
-              <a:p>
-                <a:pPr marL="0" indent="0">
-                  <a:lnSpc>
-                    <a:spcPct val="120000"/>
-                  </a:lnSpc>
-                  <a:buNone/>
-                </a:pPr>
-                <a:r>
-                  <a:rPr lang="es-ES_tradnl" dirty="0"/>
-                  <a:t>Bajo la hipótesis nula: </a:t>
-                </a:r>
-              </a:p>
-              <a:p>
-                <a:pPr marL="0" indent="0">
-                  <a:lnSpc>
-                    <a:spcPct val="120000"/>
-                  </a:lnSpc>
-                  <a:buNone/>
-                </a:pPr>
-                <a14:m>
-                  <m:oMathPara xmlns:m="http://schemas.openxmlformats.org/officeDocument/2006/math">
-                    <m:oMathParaPr>
-                      <m:jc m:val="centerGroup"/>
-                    </m:oMathParaPr>
-                    <m:oMath xmlns:m="http://schemas.openxmlformats.org/officeDocument/2006/math">
-                      <m:r>
-                        <a:rPr lang="en-US" b="0" i="1" smtClean="0">
-                          <a:latin typeface="Cambria Math" panose="02040503050406030204" pitchFamily="18" charset="0"/>
-                        </a:rPr>
-                        <m:t>𝐸</m:t>
-                      </m:r>
-                      <m:d>
-                        <m:dPr>
-                          <m:begChr m:val="{"/>
-                          <m:endChr m:val="}"/>
-                          <m:ctrlPr>
-                            <a:rPr lang="en-US" b="0" i="1" smtClean="0">
-                              <a:latin typeface="Cambria Math" panose="02040503050406030204" pitchFamily="18" charset="0"/>
-                            </a:rPr>
-                          </m:ctrlPr>
-                        </m:dPr>
-                        <m:e>
-                          <m:d>
-                            <m:dPr>
-                              <m:ctrlPr>
-                                <a:rPr lang="en-US" b="0" i="1" smtClean="0">
-                                  <a:latin typeface="Cambria Math" panose="02040503050406030204" pitchFamily="18" charset="0"/>
-                                </a:rPr>
-                              </m:ctrlPr>
-                            </m:dPr>
-                            <m:e>
-                              <m:r>
-                                <a:rPr lang="en-US" b="0" i="1" smtClean="0">
-                                  <a:latin typeface="Cambria Math" panose="02040503050406030204" pitchFamily="18" charset="0"/>
-                                </a:rPr>
-                                <m:t>𝑇𝑆𝑆</m:t>
-                              </m:r>
-                              <m:r>
-                                <a:rPr lang="en-US" b="0" i="1" smtClean="0">
-                                  <a:latin typeface="Cambria Math" panose="02040503050406030204" pitchFamily="18" charset="0"/>
-                                </a:rPr>
-                                <m:t>−</m:t>
-                              </m:r>
-                              <m:r>
-                                <a:rPr lang="en-US" b="0" i="1" smtClean="0">
-                                  <a:latin typeface="Cambria Math" panose="02040503050406030204" pitchFamily="18" charset="0"/>
-                                </a:rPr>
-                                <m:t>𝑅𝑆𝑆</m:t>
-                              </m:r>
-                            </m:e>
-                          </m:d>
-                          <m:r>
-                            <a:rPr lang="en-US" b="0" i="1" smtClean="0">
-                              <a:latin typeface="Cambria Math" panose="02040503050406030204" pitchFamily="18" charset="0"/>
-                            </a:rPr>
-                            <m:t>/</m:t>
-                          </m:r>
-                          <m:r>
-                            <a:rPr lang="en-US" b="0" i="1" smtClean="0">
-                              <a:latin typeface="Cambria Math" panose="02040503050406030204" pitchFamily="18" charset="0"/>
-                            </a:rPr>
-                            <m:t>𝑝</m:t>
-                          </m:r>
-                        </m:e>
-                      </m:d>
-                      <m:r>
-                        <a:rPr lang="en-US" b="0" i="1" smtClean="0">
-                          <a:latin typeface="Cambria Math" panose="02040503050406030204" pitchFamily="18" charset="0"/>
-                        </a:rPr>
-                        <m:t>=</m:t>
-                      </m:r>
-                      <m:sSup>
-                        <m:sSupPr>
-                          <m:ctrlPr>
-                            <a:rPr lang="en-US" b="0" i="1" smtClean="0">
-                              <a:latin typeface="Cambria Math" panose="02040503050406030204" pitchFamily="18" charset="0"/>
-                            </a:rPr>
-                          </m:ctrlPr>
-                        </m:sSupPr>
-                        <m:e>
-                          <m:r>
-                            <a:rPr lang="en-US" b="0" i="1" smtClean="0">
-                              <a:latin typeface="Cambria Math" panose="02040503050406030204" pitchFamily="18" charset="0"/>
-                            </a:rPr>
-                            <m:t>𝜎</m:t>
-                          </m:r>
-                        </m:e>
-                        <m:sup>
-                          <m:r>
-                            <a:rPr lang="en-US" b="0" i="1" smtClean="0">
-                              <a:latin typeface="Cambria Math" panose="02040503050406030204" pitchFamily="18" charset="0"/>
-                            </a:rPr>
-                            <m:t>2</m:t>
-                          </m:r>
-                        </m:sup>
-                      </m:sSup>
-                    </m:oMath>
-                  </m:oMathPara>
-                </a14:m>
-                <a:endParaRPr lang="es-ES_tradnl" dirty="0"/>
-              </a:p>
-              <a:p>
-                <a:pPr>
-                  <a:lnSpc>
-                    <a:spcPct val="120000"/>
-                  </a:lnSpc>
-                </a:pPr>
-                <a:r>
-                  <a:rPr lang="es-ES_tradnl" dirty="0"/>
-                  <a:t>Intuición: </a:t>
-                </a:r>
-              </a:p>
-              <a:p>
-                <a:pPr lvl="1">
-                  <a:lnSpc>
-                    <a:spcPct val="120000"/>
-                  </a:lnSpc>
-                </a:pPr>
-                <a:r>
-                  <a:rPr lang="es-ES_tradnl" dirty="0"/>
-                  <a:t>Si no hay relación -&gt; estadístico </a:t>
-                </a:r>
-                <a14:m>
-                  <m:oMath xmlns:m="http://schemas.openxmlformats.org/officeDocument/2006/math">
-                    <m:r>
-                      <a:rPr lang="en-US" b="0" i="1" smtClean="0">
-                        <a:latin typeface="Cambria Math" panose="02040503050406030204" pitchFamily="18" charset="0"/>
-                      </a:rPr>
-                      <m:t>𝐹</m:t>
-                    </m:r>
-                    <m:r>
-                      <a:rPr lang="en-US" b="0" i="1" smtClean="0">
-                        <a:latin typeface="Cambria Math" panose="02040503050406030204" pitchFamily="18" charset="0"/>
-                        <a:ea typeface="Cambria Math" panose="02040503050406030204" pitchFamily="18" charset="0"/>
-                      </a:rPr>
-                      <m:t>→</m:t>
-                    </m:r>
-                    <m:r>
-                      <a:rPr lang="en-US" b="0" i="1" smtClean="0">
-                        <a:latin typeface="Cambria Math" panose="02040503050406030204" pitchFamily="18" charset="0"/>
-                      </a:rPr>
-                      <m:t>1</m:t>
-                    </m:r>
-                  </m:oMath>
-                </a14:m>
-                <a:endParaRPr lang="es-ES_tradnl" dirty="0"/>
-              </a:p>
-              <a:p>
-                <a:pPr lvl="1">
-                  <a:lnSpc>
-                    <a:spcPct val="120000"/>
-                  </a:lnSpc>
-                </a:pPr>
-                <a:r>
-                  <a:rPr lang="es-ES_tradnl" dirty="0"/>
-                  <a:t>Si </a:t>
-                </a:r>
-                <a14:m>
-                  <m:oMath xmlns:m="http://schemas.openxmlformats.org/officeDocument/2006/math">
-                    <m:sSub>
-                      <m:sSubPr>
-                        <m:ctrlPr>
-                          <a:rPr lang="en-US" b="0" i="1" smtClean="0">
-                            <a:latin typeface="Cambria Math" panose="02040503050406030204" pitchFamily="18" charset="0"/>
-                          </a:rPr>
-                        </m:ctrlPr>
-                      </m:sSubPr>
-                      <m:e>
-                        <m:r>
-                          <a:rPr lang="en-US" b="0" i="1" smtClean="0">
-                            <a:latin typeface="Cambria Math" panose="02040503050406030204" pitchFamily="18" charset="0"/>
-                          </a:rPr>
-                          <m:t>𝐻</m:t>
-                        </m:r>
-                      </m:e>
-                      <m:sub>
-                        <m:r>
-                          <a:rPr lang="en-US" b="0" i="1" smtClean="0">
-                            <a:latin typeface="Cambria Math" panose="02040503050406030204" pitchFamily="18" charset="0"/>
-                          </a:rPr>
-                          <m:t>𝑎</m:t>
-                        </m:r>
-                      </m:sub>
-                    </m:sSub>
-                  </m:oMath>
-                </a14:m>
-                <a:r>
-                  <a:rPr lang="es-ES_tradnl" dirty="0"/>
-                  <a:t> es verdadera -&gt; </a:t>
-                </a:r>
-                <a14:m>
-                  <m:oMath xmlns:m="http://schemas.openxmlformats.org/officeDocument/2006/math">
-                    <m:r>
-                      <a:rPr lang="en-US" i="1">
-                        <a:latin typeface="Cambria Math" panose="02040503050406030204" pitchFamily="18" charset="0"/>
-                      </a:rPr>
-                      <m:t>𝐸</m:t>
-                    </m:r>
-                    <m:d>
-                      <m:dPr>
-                        <m:begChr m:val="{"/>
-                        <m:endChr m:val="}"/>
-                        <m:ctrlPr>
-                          <a:rPr lang="en-US" i="1">
-                            <a:latin typeface="Cambria Math" panose="02040503050406030204" pitchFamily="18" charset="0"/>
-                          </a:rPr>
-                        </m:ctrlPr>
-                      </m:dPr>
-                      <m:e>
-                        <m:d>
-                          <m:dPr>
-                            <m:ctrlPr>
-                              <a:rPr lang="en-US" i="1">
-                                <a:latin typeface="Cambria Math" panose="02040503050406030204" pitchFamily="18" charset="0"/>
-                              </a:rPr>
-                            </m:ctrlPr>
-                          </m:dPr>
-                          <m:e>
-                            <m:r>
-                              <a:rPr lang="en-US" i="1">
-                                <a:latin typeface="Cambria Math" panose="02040503050406030204" pitchFamily="18" charset="0"/>
-                              </a:rPr>
-                              <m:t>𝑇𝑆𝑆</m:t>
-                            </m:r>
-                            <m:r>
-                              <a:rPr lang="en-US" i="1">
-                                <a:latin typeface="Cambria Math" panose="02040503050406030204" pitchFamily="18" charset="0"/>
-                              </a:rPr>
-                              <m:t>−</m:t>
-                            </m:r>
-                            <m:r>
-                              <a:rPr lang="en-US" i="1">
-                                <a:latin typeface="Cambria Math" panose="02040503050406030204" pitchFamily="18" charset="0"/>
-                              </a:rPr>
-                              <m:t>𝑅𝑆𝑆</m:t>
-                            </m:r>
-                          </m:e>
-                        </m:d>
-                        <m:r>
-                          <a:rPr lang="en-US" i="1">
-                            <a:latin typeface="Cambria Math" panose="02040503050406030204" pitchFamily="18" charset="0"/>
-                          </a:rPr>
-                          <m:t>/</m:t>
-                        </m:r>
-                        <m:r>
-                          <a:rPr lang="en-US" i="1">
-                            <a:latin typeface="Cambria Math" panose="02040503050406030204" pitchFamily="18" charset="0"/>
-                          </a:rPr>
-                          <m:t>𝑝</m:t>
-                        </m:r>
-                      </m:e>
-                    </m:d>
-                    <m:r>
-                      <a:rPr lang="en-US" b="0" i="1" smtClean="0">
-                        <a:latin typeface="Cambria Math" panose="02040503050406030204" pitchFamily="18" charset="0"/>
-                      </a:rPr>
-                      <m:t>&gt;</m:t>
-                    </m:r>
-                    <m:sSup>
-                      <m:sSupPr>
-                        <m:ctrlPr>
-                          <a:rPr lang="en-US" b="0" i="1" smtClean="0">
-                            <a:latin typeface="Cambria Math" panose="02040503050406030204" pitchFamily="18" charset="0"/>
-                          </a:rPr>
-                        </m:ctrlPr>
-                      </m:sSupPr>
-                      <m:e>
-                        <m:r>
-                          <a:rPr lang="en-US" b="0" i="1" smtClean="0">
-                            <a:latin typeface="Cambria Math" panose="02040503050406030204" pitchFamily="18" charset="0"/>
-                          </a:rPr>
-                          <m:t>𝜎</m:t>
-                        </m:r>
-                      </m:e>
-                      <m:sup>
-                        <m:r>
-                          <a:rPr lang="en-US" b="0" i="1" smtClean="0">
-                            <a:latin typeface="Cambria Math" panose="02040503050406030204" pitchFamily="18" charset="0"/>
-                          </a:rPr>
-                          <m:t>2</m:t>
-                        </m:r>
-                      </m:sup>
-                    </m:sSup>
-                  </m:oMath>
-                </a14:m>
-                <a:r>
-                  <a:rPr lang="es-ES_tradnl" dirty="0"/>
-                  <a:t> -&gt; estadístico </a:t>
-                </a:r>
-                <a14:m>
-                  <m:oMath xmlns:m="http://schemas.openxmlformats.org/officeDocument/2006/math">
-                    <m:r>
-                      <a:rPr lang="en-US" i="1">
-                        <a:latin typeface="Cambria Math" panose="02040503050406030204" pitchFamily="18" charset="0"/>
-                      </a:rPr>
-                      <m:t>𝐹</m:t>
-                    </m:r>
-                    <m:r>
-                      <a:rPr lang="en-US" b="0" i="1" smtClean="0">
-                        <a:latin typeface="Cambria Math" panose="02040503050406030204" pitchFamily="18" charset="0"/>
-                      </a:rPr>
-                      <m:t>&gt;</m:t>
-                    </m:r>
-                    <m:r>
-                      <a:rPr lang="en-US" i="1">
-                        <a:latin typeface="Cambria Math" panose="02040503050406030204" pitchFamily="18" charset="0"/>
-                      </a:rPr>
-                      <m:t>1</m:t>
-                    </m:r>
-                  </m:oMath>
-                </a14:m>
-                <a:endParaRPr lang="es-ES_tradnl" dirty="0"/>
-              </a:p>
-              <a:p>
-                <a:pPr lvl="1">
-                  <a:lnSpc>
-                    <a:spcPct val="120000"/>
-                  </a:lnSpc>
-                </a:pPr>
-                <a:endParaRPr lang="es-ES_tradnl" dirty="0"/>
-              </a:p>
-            </p:txBody>
-          </p:sp>
-        </mc:Choice>
-        <mc:Fallback xmlns="">
-          <p:sp>
-            <p:nvSpPr>
-              <p:cNvPr id="3" name="Content Placeholder 2">
-                <a:extLst>
-                  <a:ext uri="{FF2B5EF4-FFF2-40B4-BE49-F238E27FC236}">
-                    <a16:creationId xmlns:a16="http://schemas.microsoft.com/office/drawing/2014/main" id="{76B689D3-2CE9-0302-8436-DF107F87FC34}"/>
-                  </a:ext>
-                </a:extLst>
-              </p:cNvPr>
-              <p:cNvSpPr>
-                <a:spLocks noGrp="1" noRot="1" noChangeAspect="1" noMove="1" noResize="1" noEditPoints="1" noAdjustHandles="1" noChangeArrowheads="1" noChangeShapeType="1" noTextEdit="1"/>
-              </p:cNvSpPr>
-              <p:nvPr>
-                <p:ph idx="1"/>
-              </p:nvPr>
-            </p:nvSpPr>
-            <p:spPr>
-              <a:blipFill>
-                <a:blip r:embed="rId2"/>
-                <a:stretch>
-                  <a:fillRect l="-1327" t="-291"/>
-                </a:stretch>
-              </a:blipFill>
-            </p:spPr>
-            <p:txBody>
-              <a:bodyPr/>
-              <a:lstStyle/>
-              <a:p>
-                <a:r>
-                  <a:rPr lang="es-ES_tradnl">
-                    <a:noFill/>
-                  </a:rPr>
-                  <a:t> </a:t>
-                </a:r>
-              </a:p>
-            </p:txBody>
-          </p:sp>
-        </mc:Fallback>
-      </mc:AlternateContent>
-      <p:sp>
-        <p:nvSpPr>
-          <p:cNvPr id="4" name="Slide Number Placeholder 3">
-            <a:extLst>
-              <a:ext uri="{FF2B5EF4-FFF2-40B4-BE49-F238E27FC236}">
-                <a16:creationId xmlns:a16="http://schemas.microsoft.com/office/drawing/2014/main" id="{86D897A2-0EF6-749A-CA33-F31B45667ED3}"/>
-              </a:ext>
-            </a:extLst>
-          </p:cNvPr>
-          <p:cNvSpPr>
-            <a:spLocks noGrp="1"/>
-          </p:cNvSpPr>
-          <p:nvPr>
-            <p:ph type="sldNum" sz="quarter" idx="12"/>
-          </p:nvPr>
-        </p:nvSpPr>
-        <p:spPr/>
-        <p:txBody>
-          <a:bodyPr/>
-          <a:lstStyle/>
-          <a:p>
-            <a:fld id="{278C1CC4-2077-434E-BCF1-5D01C08A9B17}" type="slidenum">
-              <a:rPr lang="en-US" smtClean="0"/>
-              <a:t>31</a:t>
-            </a:fld>
-            <a:endParaRPr lang="en-US"/>
-          </a:p>
-        </p:txBody>
-      </p:sp>
-    </p:spTree>
-    <p:extLst>
-      <p:ext uri="{BB962C8B-B14F-4D97-AF65-F5344CB8AC3E}">
-        <p14:creationId xmlns:p14="http://schemas.microsoft.com/office/powerpoint/2010/main" val="3706897554"/>
-      </p:ext>
-    </p:extLst>
-  </p:cSld>
-  <p:clrMapOvr>
-    <a:masterClrMapping/>
-  </p:clrMapOvr>
-</p:sld>
-</file>
-
-<file path=ppt/slides/slide32.xml><?xml version="1.0" encoding="utf-8"?>
-<p:sld xmlns:a="http://schemas.openxmlformats.org/drawingml/2006/main" xmlns:r="http://schemas.openxmlformats.org/officeDocument/2006/relationships" xmlns:p="http://schemas.openxmlformats.org/presentationml/2006/main">
-  <p:cSld>
-    <p:spTree>
-      <p:nvGrpSpPr>
-        <p:cNvPr id="1" name=""/>
-        <p:cNvGrpSpPr/>
-        <p:nvPr/>
-      </p:nvGrpSpPr>
-      <p:grpSpPr>
-        <a:xfrm>
-          <a:off x="0" y="0"/>
-          <a:ext cx="0" cy="0"/>
-          <a:chOff x="0" y="0"/>
-          <a:chExt cx="0" cy="0"/>
-        </a:xfrm>
-      </p:grpSpPr>
-      <p:sp>
-        <p:nvSpPr>
-          <p:cNvPr id="2" name="Title 1">
-            <a:extLst>
-              <a:ext uri="{FF2B5EF4-FFF2-40B4-BE49-F238E27FC236}">
-                <a16:creationId xmlns:a16="http://schemas.microsoft.com/office/drawing/2014/main" id="{0B13DD3D-F4FC-CEDC-5575-8E9328725269}"/>
-              </a:ext>
-            </a:extLst>
-          </p:cNvPr>
-          <p:cNvSpPr>
-            <a:spLocks noGrp="1"/>
-          </p:cNvSpPr>
-          <p:nvPr>
-            <p:ph type="title"/>
-          </p:nvPr>
-        </p:nvSpPr>
-        <p:spPr/>
-        <p:txBody>
-          <a:bodyPr/>
-          <a:lstStyle/>
-          <a:p>
-            <a:r>
-              <a:rPr lang="es-ES_tradnl" dirty="0"/>
-              <a:t>¿Hay relación entre la respuesta y los predictores? III</a:t>
-            </a:r>
-          </a:p>
-        </p:txBody>
-      </p:sp>
-      <mc:AlternateContent xmlns:mc="http://schemas.openxmlformats.org/markup-compatibility/2006" xmlns:a14="http://schemas.microsoft.com/office/drawing/2010/main">
-        <mc:Choice Requires="a14">
-          <p:sp>
-            <p:nvSpPr>
-              <p:cNvPr id="3" name="Content Placeholder 2">
-                <a:extLst>
-                  <a:ext uri="{FF2B5EF4-FFF2-40B4-BE49-F238E27FC236}">
-                    <a16:creationId xmlns:a16="http://schemas.microsoft.com/office/drawing/2014/main" id="{76B689D3-2CE9-0302-8436-DF107F87FC34}"/>
-                  </a:ext>
-                </a:extLst>
-              </p:cNvPr>
-              <p:cNvSpPr>
-                <a:spLocks noGrp="1"/>
-              </p:cNvSpPr>
-              <p:nvPr>
-                <p:ph idx="1"/>
-              </p:nvPr>
-            </p:nvSpPr>
-            <p:spPr/>
-            <p:txBody>
-              <a:bodyPr>
-                <a:normAutofit fontScale="92500" lnSpcReduction="10000"/>
-              </a:bodyPr>
-              <a:lstStyle/>
-              <a:p>
-                <a:pPr marL="0" indent="0">
-                  <a:buNone/>
-                </a:pPr>
-                <a14:m>
-                  <m:oMathPara xmlns:m="http://schemas.openxmlformats.org/officeDocument/2006/math">
-                    <m:oMathParaPr>
-                      <m:jc m:val="centerGroup"/>
-                    </m:oMathParaPr>
-                    <m:oMath xmlns:m="http://schemas.openxmlformats.org/officeDocument/2006/math">
-                      <m:r>
-                        <a:rPr lang="en-US" b="0" i="1" smtClean="0">
-                          <a:latin typeface="Cambria Math" panose="02040503050406030204" pitchFamily="18" charset="0"/>
-                        </a:rPr>
-                        <m:t>𝐹</m:t>
-                      </m:r>
-                      <m:r>
-                        <a:rPr lang="en-US" b="0" i="1" smtClean="0">
-                          <a:latin typeface="Cambria Math" panose="02040503050406030204" pitchFamily="18" charset="0"/>
-                        </a:rPr>
-                        <m:t>=</m:t>
-                      </m:r>
-                      <m:f>
-                        <m:fPr>
-                          <m:ctrlPr>
-                            <a:rPr lang="en-US" b="0" i="1" smtClean="0">
-                              <a:latin typeface="Cambria Math" panose="02040503050406030204" pitchFamily="18" charset="0"/>
-                            </a:rPr>
-                          </m:ctrlPr>
-                        </m:fPr>
-                        <m:num>
-                          <m:d>
-                            <m:dPr>
-                              <m:ctrlPr>
-                                <a:rPr lang="en-US" b="0" i="1" smtClean="0">
-                                  <a:latin typeface="Cambria Math" panose="02040503050406030204" pitchFamily="18" charset="0"/>
-                                </a:rPr>
-                              </m:ctrlPr>
-                            </m:dPr>
-                            <m:e>
-                              <m:r>
-                                <a:rPr lang="en-US" b="0" i="1" smtClean="0">
-                                  <a:latin typeface="Cambria Math" panose="02040503050406030204" pitchFamily="18" charset="0"/>
-                                </a:rPr>
-                                <m:t>𝑇𝑆𝑆</m:t>
-                              </m:r>
-                              <m:r>
-                                <a:rPr lang="en-US" b="0" i="1" smtClean="0">
-                                  <a:latin typeface="Cambria Math" panose="02040503050406030204" pitchFamily="18" charset="0"/>
-                                </a:rPr>
-                                <m:t>−</m:t>
-                              </m:r>
-                              <m:r>
-                                <a:rPr lang="en-US" b="0" i="1" smtClean="0">
-                                  <a:latin typeface="Cambria Math" panose="02040503050406030204" pitchFamily="18" charset="0"/>
-                                </a:rPr>
-                                <m:t>𝑅𝑆𝑆</m:t>
-                              </m:r>
-                            </m:e>
-                          </m:d>
-                          <m:r>
-                            <a:rPr lang="en-US" b="0" i="1" smtClean="0">
-                              <a:latin typeface="Cambria Math" panose="02040503050406030204" pitchFamily="18" charset="0"/>
-                            </a:rPr>
-                            <m:t>/</m:t>
-                          </m:r>
-                          <m:r>
-                            <a:rPr lang="en-US" b="0" i="1" smtClean="0">
-                              <a:latin typeface="Cambria Math" panose="02040503050406030204" pitchFamily="18" charset="0"/>
-                            </a:rPr>
-                            <m:t>𝑝</m:t>
-                          </m:r>
-                        </m:num>
-                        <m:den>
-                          <m:r>
-                            <a:rPr lang="en-US" b="0" i="1" smtClean="0">
-                              <a:latin typeface="Cambria Math" panose="02040503050406030204" pitchFamily="18" charset="0"/>
-                            </a:rPr>
-                            <m:t>𝑅𝑆𝑆</m:t>
-                          </m:r>
-                          <m:r>
-                            <a:rPr lang="en-US" b="0" i="1" smtClean="0">
-                              <a:latin typeface="Cambria Math" panose="02040503050406030204" pitchFamily="18" charset="0"/>
-                            </a:rPr>
-                            <m:t>/(</m:t>
-                          </m:r>
-                          <m:r>
-                            <a:rPr lang="en-US" b="0" i="1" smtClean="0">
-                              <a:latin typeface="Cambria Math" panose="02040503050406030204" pitchFamily="18" charset="0"/>
-                            </a:rPr>
-                            <m:t>𝑛</m:t>
-                          </m:r>
-                          <m:r>
-                            <a:rPr lang="en-US" b="0" i="1" smtClean="0">
-                              <a:latin typeface="Cambria Math" panose="02040503050406030204" pitchFamily="18" charset="0"/>
-                            </a:rPr>
-                            <m:t>−</m:t>
-                          </m:r>
-                          <m:r>
-                            <a:rPr lang="en-US" b="0" i="1" smtClean="0">
-                              <a:latin typeface="Cambria Math" panose="02040503050406030204" pitchFamily="18" charset="0"/>
-                            </a:rPr>
-                            <m:t>𝑝</m:t>
-                          </m:r>
-                          <m:r>
-                            <a:rPr lang="en-US" b="0" i="1" smtClean="0">
-                              <a:latin typeface="Cambria Math" panose="02040503050406030204" pitchFamily="18" charset="0"/>
-                            </a:rPr>
-                            <m:t>−1)</m:t>
-                          </m:r>
-                        </m:den>
-                      </m:f>
-                    </m:oMath>
-                  </m:oMathPara>
-                </a14:m>
-                <a:endParaRPr lang="es-ES_tradnl" dirty="0"/>
-              </a:p>
-              <a:p>
-                <a:pPr>
-                  <a:lnSpc>
-                    <a:spcPct val="120000"/>
-                  </a:lnSpc>
-                </a:pPr>
-                <a:r>
-                  <a:rPr lang="es-ES_tradnl" dirty="0"/>
-                  <a:t>¿Cuán grande tiene que ser F para concluir que hay una relación?</a:t>
-                </a:r>
-              </a:p>
-              <a:p>
-                <a:pPr>
-                  <a:lnSpc>
-                    <a:spcPct val="120000"/>
-                  </a:lnSpc>
-                </a:pPr>
-                <a:r>
-                  <a:rPr lang="es-ES_tradnl" dirty="0"/>
-                  <a:t>Depende</a:t>
-                </a:r>
-                <a:r>
-                  <a:rPr lang="en-US" dirty="0"/>
-                  <a:t> de </a:t>
-                </a:r>
-                <a14:m>
-                  <m:oMath xmlns:m="http://schemas.openxmlformats.org/officeDocument/2006/math">
-                    <m:r>
-                      <a:rPr lang="en-US" b="0" i="1" smtClean="0">
-                        <a:latin typeface="Cambria Math" panose="02040503050406030204" pitchFamily="18" charset="0"/>
-                      </a:rPr>
-                      <m:t>𝑛</m:t>
-                    </m:r>
-                  </m:oMath>
-                </a14:m>
-                <a:r>
-                  <a:rPr lang="es-ES_tradnl" dirty="0"/>
-                  <a:t> y </a:t>
-                </a:r>
-                <a14:m>
-                  <m:oMath xmlns:m="http://schemas.openxmlformats.org/officeDocument/2006/math">
-                    <m:r>
-                      <a:rPr lang="en-US" i="1">
-                        <a:latin typeface="Cambria Math" panose="02040503050406030204" pitchFamily="18" charset="0"/>
-                      </a:rPr>
-                      <m:t>𝑝</m:t>
-                    </m:r>
-                  </m:oMath>
-                </a14:m>
-                <a:endParaRPr lang="es-ES_tradnl" dirty="0"/>
-              </a:p>
-              <a:p>
-                <a:pPr lvl="1">
-                  <a:lnSpc>
-                    <a:spcPct val="120000"/>
-                  </a:lnSpc>
-                </a:pPr>
-                <a:r>
-                  <a:rPr lang="es-ES_tradnl" dirty="0"/>
-                  <a:t>Cuando </a:t>
-                </a:r>
-                <a14:m>
-                  <m:oMath xmlns:m="http://schemas.openxmlformats.org/officeDocument/2006/math">
-                    <m:r>
-                      <a:rPr lang="en-US" b="0" i="1" smtClean="0">
-                        <a:latin typeface="Cambria Math" panose="02040503050406030204" pitchFamily="18" charset="0"/>
-                      </a:rPr>
-                      <m:t>𝑛</m:t>
-                    </m:r>
-                  </m:oMath>
-                </a14:m>
-                <a:r>
-                  <a:rPr lang="es-ES_tradnl" dirty="0"/>
-                  <a:t> es grande, un </a:t>
-                </a:r>
-                <a14:m>
-                  <m:oMath xmlns:m="http://schemas.openxmlformats.org/officeDocument/2006/math">
-                    <m:r>
-                      <a:rPr lang="en-US" i="1">
-                        <a:latin typeface="Cambria Math" panose="02040503050406030204" pitchFamily="18" charset="0"/>
-                      </a:rPr>
-                      <m:t>𝐹</m:t>
-                    </m:r>
-                  </m:oMath>
-                </a14:m>
-                <a:r>
-                  <a:rPr lang="es-ES_tradnl" dirty="0"/>
-                  <a:t> a penas por arriba de </a:t>
-                </a:r>
-                <a14:m>
-                  <m:oMath xmlns:m="http://schemas.openxmlformats.org/officeDocument/2006/math">
-                    <m:r>
-                      <a:rPr lang="en-US" i="1">
-                        <a:latin typeface="Cambria Math" panose="02040503050406030204" pitchFamily="18" charset="0"/>
-                      </a:rPr>
-                      <m:t>1</m:t>
-                    </m:r>
-                  </m:oMath>
-                </a14:m>
-                <a:r>
-                  <a:rPr lang="es-ES_tradnl" dirty="0"/>
-                  <a:t> puede ser suficiente para rechazar </a:t>
-                </a:r>
-                <a14:m>
-                  <m:oMath xmlns:m="http://schemas.openxmlformats.org/officeDocument/2006/math">
-                    <m:sSub>
-                      <m:sSubPr>
-                        <m:ctrlPr>
-                          <a:rPr lang="en-US" i="1">
-                            <a:latin typeface="Cambria Math" panose="02040503050406030204" pitchFamily="18" charset="0"/>
-                          </a:rPr>
-                        </m:ctrlPr>
-                      </m:sSubPr>
-                      <m:e>
-                        <m:r>
-                          <a:rPr lang="en-US" i="1">
-                            <a:latin typeface="Cambria Math" panose="02040503050406030204" pitchFamily="18" charset="0"/>
-                          </a:rPr>
-                          <m:t>𝐻</m:t>
-                        </m:r>
-                      </m:e>
-                      <m:sub>
-                        <m:r>
-                          <a:rPr lang="en-US" i="1">
-                            <a:latin typeface="Cambria Math" panose="02040503050406030204" pitchFamily="18" charset="0"/>
-                          </a:rPr>
-                          <m:t>0</m:t>
-                        </m:r>
-                      </m:sub>
-                    </m:sSub>
-                  </m:oMath>
-                </a14:m>
-                <a:endParaRPr lang="es-ES_tradnl" dirty="0"/>
-              </a:p>
-              <a:p>
-                <a:pPr lvl="1">
-                  <a:lnSpc>
-                    <a:spcPct val="120000"/>
-                  </a:lnSpc>
-                </a:pPr>
-                <a:r>
-                  <a:rPr lang="es-ES_tradnl" dirty="0"/>
-                  <a:t>Cuando </a:t>
-                </a:r>
-                <a14:m>
-                  <m:oMath xmlns:m="http://schemas.openxmlformats.org/officeDocument/2006/math">
-                    <m:r>
-                      <a:rPr lang="en-US" b="0" i="1" smtClean="0">
-                        <a:latin typeface="Cambria Math" panose="02040503050406030204" pitchFamily="18" charset="0"/>
-                      </a:rPr>
-                      <m:t>𝑛</m:t>
-                    </m:r>
-                  </m:oMath>
-                </a14:m>
-                <a:r>
-                  <a:rPr lang="es-ES_tradnl" dirty="0"/>
-                  <a:t> es pequeño, necesitamos un </a:t>
-                </a:r>
-                <a14:m>
-                  <m:oMath xmlns:m="http://schemas.openxmlformats.org/officeDocument/2006/math">
-                    <m:r>
-                      <a:rPr lang="en-US" i="1">
-                        <a:latin typeface="Cambria Math" panose="02040503050406030204" pitchFamily="18" charset="0"/>
-                      </a:rPr>
-                      <m:t>𝐹</m:t>
-                    </m:r>
-                  </m:oMath>
-                </a14:m>
-                <a:r>
-                  <a:rPr lang="es-ES_tradnl" dirty="0"/>
-                  <a:t> grande. ¿En la práctica? </a:t>
-                </a:r>
-              </a:p>
-              <a:p>
-                <a:pPr lvl="1">
-                  <a:lnSpc>
-                    <a:spcPct val="120000"/>
-                  </a:lnSpc>
-                </a:pPr>
-                <a:endParaRPr lang="es-ES_tradnl" dirty="0"/>
-              </a:p>
-            </p:txBody>
-          </p:sp>
-        </mc:Choice>
-        <mc:Fallback xmlns="">
-          <p:sp>
-            <p:nvSpPr>
-              <p:cNvPr id="3" name="Content Placeholder 2">
-                <a:extLst>
-                  <a:ext uri="{FF2B5EF4-FFF2-40B4-BE49-F238E27FC236}">
-                    <a16:creationId xmlns:a16="http://schemas.microsoft.com/office/drawing/2014/main" id="{76B689D3-2CE9-0302-8436-DF107F87FC34}"/>
-                  </a:ext>
-                </a:extLst>
-              </p:cNvPr>
-              <p:cNvSpPr>
-                <a:spLocks noGrp="1" noRot="1" noChangeAspect="1" noMove="1" noResize="1" noEditPoints="1" noAdjustHandles="1" noChangeArrowheads="1" noChangeShapeType="1" noTextEdit="1"/>
-              </p:cNvSpPr>
-              <p:nvPr>
-                <p:ph idx="1"/>
-              </p:nvPr>
-            </p:nvSpPr>
-            <p:spPr>
-              <a:blipFill>
-                <a:blip r:embed="rId2"/>
-                <a:stretch>
-                  <a:fillRect l="-1206" b="-581"/>
-                </a:stretch>
-              </a:blipFill>
-            </p:spPr>
-            <p:txBody>
-              <a:bodyPr/>
-              <a:lstStyle/>
-              <a:p>
-                <a:r>
-                  <a:rPr lang="es-ES_tradnl">
-                    <a:noFill/>
-                  </a:rPr>
-                  <a:t> </a:t>
-                </a:r>
-              </a:p>
-            </p:txBody>
-          </p:sp>
-        </mc:Fallback>
-      </mc:AlternateContent>
-      <p:sp>
-        <p:nvSpPr>
-          <p:cNvPr id="4" name="Slide Number Placeholder 3">
-            <a:extLst>
-              <a:ext uri="{FF2B5EF4-FFF2-40B4-BE49-F238E27FC236}">
-                <a16:creationId xmlns:a16="http://schemas.microsoft.com/office/drawing/2014/main" id="{86D897A2-0EF6-749A-CA33-F31B45667ED3}"/>
-              </a:ext>
-            </a:extLst>
-          </p:cNvPr>
-          <p:cNvSpPr>
-            <a:spLocks noGrp="1"/>
-          </p:cNvSpPr>
-          <p:nvPr>
-            <p:ph type="sldNum" sz="quarter" idx="12"/>
-          </p:nvPr>
-        </p:nvSpPr>
-        <p:spPr/>
-        <p:txBody>
-          <a:bodyPr/>
-          <a:lstStyle/>
-          <a:p>
-            <a:fld id="{278C1CC4-2077-434E-BCF1-5D01C08A9B17}" type="slidenum">
-              <a:rPr lang="en-US" smtClean="0"/>
-              <a:t>32</a:t>
-            </a:fld>
-            <a:endParaRPr lang="en-US"/>
-          </a:p>
-        </p:txBody>
-      </p:sp>
-    </p:spTree>
-    <p:extLst>
-      <p:ext uri="{BB962C8B-B14F-4D97-AF65-F5344CB8AC3E}">
-        <p14:creationId xmlns:p14="http://schemas.microsoft.com/office/powerpoint/2010/main" val="1976394416"/>
-      </p:ext>
-    </p:extLst>
-  </p:cSld>
-  <p:clrMapOvr>
-    <a:masterClrMapping/>
-  </p:clrMapOvr>
-</p:sld>
-</file>
-
-<file path=ppt/slides/slide33.xml><?xml version="1.0" encoding="utf-8"?>
 <p:sld xmlns:a="http://schemas.openxmlformats.org/drawingml/2006/main" xmlns:r="http://schemas.openxmlformats.org/officeDocument/2006/relationships" xmlns:p="http://schemas.openxmlformats.org/presentationml/2006/main">
   <p:cSld>
     <p:spTree>
@@ -29359,7 +28592,7 @@
           <a:p>
             <a:fld id="{278C1CC4-2077-434E-BCF1-5D01C08A9B17}" type="slidenum">
               <a:rPr lang="en-US" smtClean="0"/>
-              <a:t>33</a:t>
+              <a:t>31</a:t>
             </a:fld>
             <a:endParaRPr lang="en-US"/>
           </a:p>
@@ -29378,798 +28611,7 @@
 </p:sld>
 </file>
 
-<file path=ppt/slides/slide34.xml><?xml version="1.0" encoding="utf-8"?>
-<p:sld xmlns:a="http://schemas.openxmlformats.org/drawingml/2006/main" xmlns:r="http://schemas.openxmlformats.org/officeDocument/2006/relationships" xmlns:p="http://schemas.openxmlformats.org/presentationml/2006/main">
-  <p:cSld>
-    <p:spTree>
-      <p:nvGrpSpPr>
-        <p:cNvPr id="1" name=""/>
-        <p:cNvGrpSpPr/>
-        <p:nvPr/>
-      </p:nvGrpSpPr>
-      <p:grpSpPr>
-        <a:xfrm>
-          <a:off x="0" y="0"/>
-          <a:ext cx="0" cy="0"/>
-          <a:chOff x="0" y="0"/>
-          <a:chExt cx="0" cy="0"/>
-        </a:xfrm>
-      </p:grpSpPr>
-      <p:sp>
-        <p:nvSpPr>
-          <p:cNvPr id="2" name="Title 1">
-            <a:extLst>
-              <a:ext uri="{FF2B5EF4-FFF2-40B4-BE49-F238E27FC236}">
-                <a16:creationId xmlns:a16="http://schemas.microsoft.com/office/drawing/2014/main" id="{E8946894-A0B2-1347-0C56-4D21E159C020}"/>
-              </a:ext>
-            </a:extLst>
-          </p:cNvPr>
-          <p:cNvSpPr>
-            <a:spLocks noGrp="1"/>
-          </p:cNvSpPr>
-          <p:nvPr>
-            <p:ph type="title"/>
-          </p:nvPr>
-        </p:nvSpPr>
-        <p:spPr/>
-        <p:txBody>
-          <a:bodyPr/>
-          <a:lstStyle/>
-          <a:p>
-            <a:r>
-              <a:rPr lang="es-ES_tradnl" dirty="0"/>
-              <a:t>Relación test </a:t>
-            </a:r>
-            <a:r>
-              <a:rPr lang="es-ES_tradnl" i="1" dirty="0"/>
-              <a:t>t</a:t>
-            </a:r>
-            <a:r>
-              <a:rPr lang="es-ES_tradnl" dirty="0"/>
-              <a:t> y test </a:t>
-            </a:r>
-            <a:r>
-              <a:rPr lang="es-ES_tradnl" i="1" dirty="0"/>
-              <a:t>F</a:t>
-            </a:r>
-          </a:p>
-        </p:txBody>
-      </p:sp>
-      <mc:AlternateContent xmlns:mc="http://schemas.openxmlformats.org/markup-compatibility/2006" xmlns:a14="http://schemas.microsoft.com/office/drawing/2010/main">
-        <mc:Choice Requires="a14">
-          <p:sp>
-            <p:nvSpPr>
-              <p:cNvPr id="3" name="Content Placeholder 2">
-                <a:extLst>
-                  <a:ext uri="{FF2B5EF4-FFF2-40B4-BE49-F238E27FC236}">
-                    <a16:creationId xmlns:a16="http://schemas.microsoft.com/office/drawing/2014/main" id="{FCECF2D8-CF74-8744-060F-B57D9F590983}"/>
-                  </a:ext>
-                </a:extLst>
-              </p:cNvPr>
-              <p:cNvSpPr>
-                <a:spLocks noGrp="1"/>
-              </p:cNvSpPr>
-              <p:nvPr>
-                <p:ph idx="1"/>
-              </p:nvPr>
-            </p:nvSpPr>
-            <p:spPr/>
-            <p:txBody>
-              <a:bodyPr>
-                <a:normAutofit fontScale="92500" lnSpcReduction="10000"/>
-              </a:bodyPr>
-              <a:lstStyle/>
-              <a:p>
-                <a:r>
-                  <a:rPr lang="es-ES_tradnl" dirty="0">
-                    <a:solidFill>
-                      <a:srgbClr val="FF0000"/>
-                    </a:solidFill>
-                  </a:rPr>
-                  <a:t>Resultado</a:t>
-                </a:r>
-                <a:r>
-                  <a:rPr lang="es-ES_tradnl" dirty="0"/>
-                  <a:t>: Cada estadístico </a:t>
-                </a:r>
-                <a14:m>
-                  <m:oMath xmlns:m="http://schemas.openxmlformats.org/officeDocument/2006/math">
-                    <m:r>
-                      <a:rPr lang="en-US" b="0" i="1" smtClean="0">
-                        <a:latin typeface="Cambria Math" panose="02040503050406030204" pitchFamily="18" charset="0"/>
-                      </a:rPr>
-                      <m:t>𝑡</m:t>
-                    </m:r>
-                  </m:oMath>
-                </a14:m>
-                <a:r>
-                  <a:rPr lang="es-ES_tradnl" dirty="0"/>
-                  <a:t> del coeficiente </a:t>
-                </a:r>
-                <a14:m>
-                  <m:oMath xmlns:m="http://schemas.openxmlformats.org/officeDocument/2006/math">
-                    <m:sSub>
-                      <m:sSubPr>
-                        <m:ctrlPr>
-                          <a:rPr lang="en-US" i="1" smtClean="0">
-                            <a:latin typeface="Cambria Math" panose="02040503050406030204" pitchFamily="18" charset="0"/>
-                          </a:rPr>
-                        </m:ctrlPr>
-                      </m:sSubPr>
-                      <m:e>
-                        <m:r>
-                          <a:rPr lang="en-US" i="1">
-                            <a:latin typeface="Cambria Math" panose="02040503050406030204" pitchFamily="18" charset="0"/>
-                          </a:rPr>
-                          <m:t>𝛽</m:t>
-                        </m:r>
-                      </m:e>
-                      <m:sub>
-                        <m:r>
-                          <a:rPr lang="en-US" b="0" i="1" smtClean="0">
-                            <a:latin typeface="Cambria Math" panose="02040503050406030204" pitchFamily="18" charset="0"/>
-                          </a:rPr>
-                          <m:t>𝑗</m:t>
-                        </m:r>
-                      </m:sub>
-                    </m:sSub>
-                  </m:oMath>
-                </a14:m>
-                <a:r>
-                  <a:rPr lang="es-ES_tradnl" dirty="0"/>
-                  <a:t> es </a:t>
-                </a:r>
-                <a:r>
-                  <a:rPr lang="es-ES_tradnl" dirty="0">
-                    <a:solidFill>
-                      <a:srgbClr val="002060"/>
-                    </a:solidFill>
-                  </a:rPr>
-                  <a:t>equivalente</a:t>
-                </a:r>
-                <a:r>
-                  <a:rPr lang="es-ES_tradnl" dirty="0"/>
-                  <a:t> al </a:t>
-                </a:r>
-                <a14:m>
-                  <m:oMath xmlns:m="http://schemas.openxmlformats.org/officeDocument/2006/math">
-                    <m:sSub>
-                      <m:sSubPr>
-                        <m:ctrlPr>
-                          <a:rPr lang="en-US" b="0" i="1" smtClean="0">
-                            <a:latin typeface="Cambria Math" panose="02040503050406030204" pitchFamily="18" charset="0"/>
-                          </a:rPr>
-                        </m:ctrlPr>
-                      </m:sSubPr>
-                      <m:e>
-                        <m:r>
-                          <a:rPr lang="en-US" i="1">
-                            <a:latin typeface="Cambria Math" panose="02040503050406030204" pitchFamily="18" charset="0"/>
-                          </a:rPr>
-                          <m:t>𝐹</m:t>
-                        </m:r>
-                      </m:e>
-                      <m:sub>
-                        <m:r>
-                          <a:rPr lang="en-US" b="0" i="1" smtClean="0">
-                            <a:latin typeface="Cambria Math" panose="02040503050406030204" pitchFamily="18" charset="0"/>
-                          </a:rPr>
-                          <m:t>𝑗</m:t>
-                        </m:r>
-                      </m:sub>
-                    </m:sSub>
-                  </m:oMath>
-                </a14:m>
-                <a:r>
-                  <a:rPr lang="es-ES_tradnl" dirty="0"/>
-                  <a:t> del segundo modelo sin el predictor </a:t>
-                </a:r>
-                <a14:m>
-                  <m:oMath xmlns:m="http://schemas.openxmlformats.org/officeDocument/2006/math">
-                    <m:sSub>
-                      <m:sSubPr>
-                        <m:ctrlPr>
-                          <a:rPr lang="en-US" i="1">
-                            <a:latin typeface="Cambria Math" panose="02040503050406030204" pitchFamily="18" charset="0"/>
-                          </a:rPr>
-                        </m:ctrlPr>
-                      </m:sSubPr>
-                      <m:e>
-                        <m:r>
-                          <a:rPr lang="en-US" b="0" i="1" smtClean="0">
-                            <a:latin typeface="Cambria Math" panose="02040503050406030204" pitchFamily="18" charset="0"/>
-                          </a:rPr>
-                          <m:t>𝑋</m:t>
-                        </m:r>
-                      </m:e>
-                      <m:sub>
-                        <m:r>
-                          <a:rPr lang="en-US" i="1">
-                            <a:latin typeface="Cambria Math" panose="02040503050406030204" pitchFamily="18" charset="0"/>
-                          </a:rPr>
-                          <m:t>𝑗</m:t>
-                        </m:r>
-                      </m:sub>
-                    </m:sSub>
-                  </m:oMath>
-                </a14:m>
-                <a:endParaRPr lang="es-ES_tradnl" dirty="0"/>
-              </a:p>
-              <a:p>
-                <a:pPr lvl="1"/>
-                <a:r>
-                  <a:rPr lang="es-ES_tradnl" dirty="0">
-                    <a:solidFill>
-                      <a:srgbClr val="002060"/>
-                    </a:solidFill>
-                  </a:rPr>
-                  <a:t>Intuición</a:t>
-                </a:r>
-                <a:r>
-                  <a:rPr lang="es-ES_tradnl" dirty="0"/>
-                  <a:t>: reportan el efecto parcial de sumar la variable </a:t>
-                </a:r>
-                <a14:m>
-                  <m:oMath xmlns:m="http://schemas.openxmlformats.org/officeDocument/2006/math">
-                    <m:sSub>
-                      <m:sSubPr>
-                        <m:ctrlPr>
-                          <a:rPr lang="en-US" i="1" smtClean="0">
-                            <a:latin typeface="Cambria Math" panose="02040503050406030204" pitchFamily="18" charset="0"/>
-                          </a:rPr>
-                        </m:ctrlPr>
-                      </m:sSubPr>
-                      <m:e>
-                        <m:r>
-                          <a:rPr lang="en-US" b="0" i="1" smtClean="0">
-                            <a:latin typeface="Cambria Math" panose="02040503050406030204" pitchFamily="18" charset="0"/>
-                          </a:rPr>
-                          <m:t>𝑋</m:t>
-                        </m:r>
-                      </m:e>
-                      <m:sub>
-                        <m:r>
-                          <a:rPr lang="en-US" i="1">
-                            <a:latin typeface="Cambria Math" panose="02040503050406030204" pitchFamily="18" charset="0"/>
-                          </a:rPr>
-                          <m:t>𝑗</m:t>
-                        </m:r>
-                      </m:sub>
-                    </m:sSub>
-                  </m:oMath>
-                </a14:m>
-                <a:r>
-                  <a:rPr lang="es-ES_tradnl" dirty="0"/>
-                  <a:t> al modelo</a:t>
-                </a:r>
-              </a:p>
-              <a:p>
-                <a:r>
-                  <a:rPr lang="es-ES_tradnl" dirty="0">
-                    <a:solidFill>
-                      <a:srgbClr val="002060"/>
-                    </a:solidFill>
-                  </a:rPr>
-                  <a:t>Pregunta del millón</a:t>
-                </a:r>
-                <a:r>
-                  <a:rPr lang="es-ES_tradnl" dirty="0"/>
-                  <a:t>: </a:t>
-                </a:r>
-              </a:p>
-              <a:p>
-                <a:pPr marL="0" indent="0" algn="ctr">
-                  <a:buNone/>
-                </a:pPr>
-                <a:r>
-                  <a:rPr lang="es-ES_tradnl" dirty="0"/>
-                  <a:t>¿Por qué necesitamos ver el </a:t>
-                </a:r>
-                <a14:m>
-                  <m:oMath xmlns:m="http://schemas.openxmlformats.org/officeDocument/2006/math">
-                    <m:r>
-                      <a:rPr lang="en-US" i="1">
-                        <a:latin typeface="Cambria Math" panose="02040503050406030204" pitchFamily="18" charset="0"/>
-                      </a:rPr>
-                      <m:t>𝐹</m:t>
-                    </m:r>
-                  </m:oMath>
-                </a14:m>
-                <a:r>
-                  <a:rPr lang="es-ES_tradnl" dirty="0"/>
-                  <a:t> estadístico y no nos quedamos solo con el estadistco </a:t>
-                </a:r>
-                <a14:m>
-                  <m:oMath xmlns:m="http://schemas.openxmlformats.org/officeDocument/2006/math">
-                    <m:r>
-                      <a:rPr lang="en-US" b="0" i="1" smtClean="0">
-                        <a:latin typeface="Cambria Math" panose="02040503050406030204" pitchFamily="18" charset="0"/>
-                      </a:rPr>
-                      <m:t>𝑡</m:t>
-                    </m:r>
-                  </m:oMath>
-                </a14:m>
-                <a:r>
-                  <a:rPr lang="es-ES_tradnl" dirty="0"/>
-                  <a:t> de los test de hipótesis individuales ?</a:t>
-                </a:r>
-              </a:p>
-            </p:txBody>
-          </p:sp>
-        </mc:Choice>
-        <mc:Fallback xmlns="">
-          <p:sp>
-            <p:nvSpPr>
-              <p:cNvPr id="3" name="Content Placeholder 2">
-                <a:extLst>
-                  <a:ext uri="{FF2B5EF4-FFF2-40B4-BE49-F238E27FC236}">
-                    <a16:creationId xmlns:a16="http://schemas.microsoft.com/office/drawing/2014/main" id="{FCECF2D8-CF74-8744-060F-B57D9F590983}"/>
-                  </a:ext>
-                </a:extLst>
-              </p:cNvPr>
-              <p:cNvSpPr>
-                <a:spLocks noGrp="1" noRot="1" noChangeAspect="1" noMove="1" noResize="1" noEditPoints="1" noAdjustHandles="1" noChangeArrowheads="1" noChangeShapeType="1" noTextEdit="1"/>
-              </p:cNvSpPr>
-              <p:nvPr>
-                <p:ph idx="1"/>
-              </p:nvPr>
-            </p:nvSpPr>
-            <p:spPr>
-              <a:blipFill>
-                <a:blip r:embed="rId2"/>
-                <a:stretch>
-                  <a:fillRect l="-1206" b="-2035"/>
-                </a:stretch>
-              </a:blipFill>
-            </p:spPr>
-            <p:txBody>
-              <a:bodyPr/>
-              <a:lstStyle/>
-              <a:p>
-                <a:r>
-                  <a:rPr lang="es-ES_tradnl">
-                    <a:noFill/>
-                  </a:rPr>
-                  <a:t> </a:t>
-                </a:r>
-              </a:p>
-            </p:txBody>
-          </p:sp>
-        </mc:Fallback>
-      </mc:AlternateContent>
-      <p:sp>
-        <p:nvSpPr>
-          <p:cNvPr id="4" name="Slide Number Placeholder 3">
-            <a:extLst>
-              <a:ext uri="{FF2B5EF4-FFF2-40B4-BE49-F238E27FC236}">
-                <a16:creationId xmlns:a16="http://schemas.microsoft.com/office/drawing/2014/main" id="{D9E04363-AB1D-65BB-C6F2-6593C4C0CA87}"/>
-              </a:ext>
-            </a:extLst>
-          </p:cNvPr>
-          <p:cNvSpPr>
-            <a:spLocks noGrp="1"/>
-          </p:cNvSpPr>
-          <p:nvPr>
-            <p:ph type="sldNum" sz="quarter" idx="12"/>
-          </p:nvPr>
-        </p:nvSpPr>
-        <p:spPr/>
-        <p:txBody>
-          <a:bodyPr/>
-          <a:lstStyle/>
-          <a:p>
-            <a:fld id="{278C1CC4-2077-434E-BCF1-5D01C08A9B17}" type="slidenum">
-              <a:rPr lang="en-US" smtClean="0"/>
-              <a:t>34</a:t>
-            </a:fld>
-            <a:endParaRPr lang="en-US"/>
-          </a:p>
-        </p:txBody>
-      </p:sp>
-    </p:spTree>
-    <p:extLst>
-      <p:ext uri="{BB962C8B-B14F-4D97-AF65-F5344CB8AC3E}">
-        <p14:creationId xmlns:p14="http://schemas.microsoft.com/office/powerpoint/2010/main" val="1852317926"/>
-      </p:ext>
-    </p:extLst>
-  </p:cSld>
-  <p:clrMapOvr>
-    <a:masterClrMapping/>
-  </p:clrMapOvr>
-</p:sld>
-</file>
-
-<file path=ppt/slides/slide35.xml><?xml version="1.0" encoding="utf-8"?>
-<p:sld xmlns:a="http://schemas.openxmlformats.org/drawingml/2006/main" xmlns:r="http://schemas.openxmlformats.org/officeDocument/2006/relationships" xmlns:p="http://schemas.openxmlformats.org/presentationml/2006/main">
-  <p:cSld>
-    <p:spTree>
-      <p:nvGrpSpPr>
-        <p:cNvPr id="1" name=""/>
-        <p:cNvGrpSpPr/>
-        <p:nvPr/>
-      </p:nvGrpSpPr>
-      <p:grpSpPr>
-        <a:xfrm>
-          <a:off x="0" y="0"/>
-          <a:ext cx="0" cy="0"/>
-          <a:chOff x="0" y="0"/>
-          <a:chExt cx="0" cy="0"/>
-        </a:xfrm>
-      </p:grpSpPr>
-      <p:sp>
-        <p:nvSpPr>
-          <p:cNvPr id="2" name="Title 1">
-            <a:extLst>
-              <a:ext uri="{FF2B5EF4-FFF2-40B4-BE49-F238E27FC236}">
-                <a16:creationId xmlns:a16="http://schemas.microsoft.com/office/drawing/2014/main" id="{878B30D6-77BE-F44D-8C26-6314738F1BB7}"/>
-              </a:ext>
-            </a:extLst>
-          </p:cNvPr>
-          <p:cNvSpPr>
-            <a:spLocks noGrp="1"/>
-          </p:cNvSpPr>
-          <p:nvPr>
-            <p:ph type="title"/>
-          </p:nvPr>
-        </p:nvSpPr>
-        <p:spPr/>
-        <p:txBody>
-          <a:bodyPr/>
-          <a:lstStyle/>
-          <a:p>
-            <a:r>
-              <a:rPr lang="es-ES_tradnl" dirty="0"/>
-              <a:t>Ilustración del problema lógico </a:t>
-            </a:r>
-          </a:p>
-        </p:txBody>
-      </p:sp>
-      <mc:AlternateContent xmlns:mc="http://schemas.openxmlformats.org/markup-compatibility/2006" xmlns:a14="http://schemas.microsoft.com/office/drawing/2010/main">
-        <mc:Choice Requires="a14">
-          <p:sp>
-            <p:nvSpPr>
-              <p:cNvPr id="3" name="Content Placeholder 2">
-                <a:extLst>
-                  <a:ext uri="{FF2B5EF4-FFF2-40B4-BE49-F238E27FC236}">
-                    <a16:creationId xmlns:a16="http://schemas.microsoft.com/office/drawing/2014/main" id="{C99B0787-61D4-7658-7198-03F385EE4836}"/>
-                  </a:ext>
-                </a:extLst>
-              </p:cNvPr>
-              <p:cNvSpPr>
-                <a:spLocks noGrp="1"/>
-              </p:cNvSpPr>
-              <p:nvPr>
-                <p:ph idx="1"/>
-              </p:nvPr>
-            </p:nvSpPr>
-            <p:spPr/>
-            <p:txBody>
-              <a:bodyPr>
-                <a:normAutofit fontScale="92500" lnSpcReduction="10000"/>
-              </a:bodyPr>
-              <a:lstStyle/>
-              <a:p>
-                <a:r>
-                  <a:rPr lang="es-ES_tradnl" dirty="0"/>
-                  <a:t>Tenemos </a:t>
-                </a:r>
-                <a14:m>
-                  <m:oMath xmlns:m="http://schemas.openxmlformats.org/officeDocument/2006/math">
-                    <m:r>
-                      <a:rPr lang="en-US" b="0" i="1" smtClean="0">
-                        <a:latin typeface="Cambria Math" panose="02040503050406030204" pitchFamily="18" charset="0"/>
-                      </a:rPr>
-                      <m:t>𝑝</m:t>
-                    </m:r>
-                    <m:r>
-                      <a:rPr lang="en-US" b="0" i="1" smtClean="0">
-                        <a:latin typeface="Cambria Math" panose="02040503050406030204" pitchFamily="18" charset="0"/>
-                      </a:rPr>
-                      <m:t>=100</m:t>
-                    </m:r>
-                  </m:oMath>
-                </a14:m>
-                <a:r>
-                  <a:rPr lang="es-ES_tradnl" dirty="0"/>
-                  <a:t> y </a:t>
-                </a:r>
-                <a14:m>
-                  <m:oMath xmlns:m="http://schemas.openxmlformats.org/officeDocument/2006/math">
-                    <m:sSub>
-                      <m:sSubPr>
-                        <m:ctrlPr>
-                          <a:rPr lang="en-US" b="0" i="1" smtClean="0">
-                            <a:latin typeface="Cambria Math" panose="02040503050406030204" pitchFamily="18" charset="0"/>
-                          </a:rPr>
-                        </m:ctrlPr>
-                      </m:sSubPr>
-                      <m:e>
-                        <m:r>
-                          <a:rPr lang="en-US" b="0" i="1" smtClean="0">
-                            <a:latin typeface="Cambria Math" panose="02040503050406030204" pitchFamily="18" charset="0"/>
-                          </a:rPr>
-                          <m:t>𝐻</m:t>
-                        </m:r>
-                      </m:e>
-                      <m:sub>
-                        <m:r>
-                          <a:rPr lang="en-US" b="0" i="1" smtClean="0">
-                            <a:latin typeface="Cambria Math" panose="02040503050406030204" pitchFamily="18" charset="0"/>
-                          </a:rPr>
-                          <m:t>0</m:t>
-                        </m:r>
-                      </m:sub>
-                    </m:sSub>
-                    <m:r>
-                      <a:rPr lang="en-US" b="0" i="1" smtClean="0">
-                        <a:latin typeface="Cambria Math" panose="02040503050406030204" pitchFamily="18" charset="0"/>
-                      </a:rPr>
-                      <m:t>:</m:t>
-                    </m:r>
-                    <m:sSub>
-                      <m:sSubPr>
-                        <m:ctrlPr>
-                          <a:rPr lang="en-US" b="0" i="1" smtClean="0">
-                            <a:latin typeface="Cambria Math" panose="02040503050406030204" pitchFamily="18" charset="0"/>
-                          </a:rPr>
-                        </m:ctrlPr>
-                      </m:sSubPr>
-                      <m:e>
-                        <m:r>
-                          <a:rPr lang="en-US" b="0" i="1" smtClean="0">
-                            <a:latin typeface="Cambria Math" panose="02040503050406030204" pitchFamily="18" charset="0"/>
-                          </a:rPr>
-                          <m:t>𝛽</m:t>
-                        </m:r>
-                      </m:e>
-                      <m:sub>
-                        <m:r>
-                          <a:rPr lang="en-US" b="0" i="1" smtClean="0">
-                            <a:latin typeface="Cambria Math" panose="02040503050406030204" pitchFamily="18" charset="0"/>
-                          </a:rPr>
-                          <m:t>1</m:t>
-                        </m:r>
-                      </m:sub>
-                    </m:sSub>
-                    <m:r>
-                      <a:rPr lang="en-US" b="0" i="1" smtClean="0">
-                        <a:latin typeface="Cambria Math" panose="02040503050406030204" pitchFamily="18" charset="0"/>
-                      </a:rPr>
-                      <m:t>=</m:t>
-                    </m:r>
-                    <m:sSub>
-                      <m:sSubPr>
-                        <m:ctrlPr>
-                          <a:rPr lang="en-US" i="1">
-                            <a:latin typeface="Cambria Math" panose="02040503050406030204" pitchFamily="18" charset="0"/>
-                          </a:rPr>
-                        </m:ctrlPr>
-                      </m:sSubPr>
-                      <m:e>
-                        <m:r>
-                          <a:rPr lang="en-US" i="1">
-                            <a:latin typeface="Cambria Math" panose="02040503050406030204" pitchFamily="18" charset="0"/>
-                          </a:rPr>
-                          <m:t>𝛽</m:t>
-                        </m:r>
-                      </m:e>
-                      <m:sub>
-                        <m:r>
-                          <a:rPr lang="en-US" b="0" i="1" smtClean="0">
-                            <a:latin typeface="Cambria Math" panose="02040503050406030204" pitchFamily="18" charset="0"/>
-                          </a:rPr>
-                          <m:t>2</m:t>
-                        </m:r>
-                      </m:sub>
-                    </m:sSub>
-                    <m:r>
-                      <a:rPr lang="en-US" b="0" i="1" smtClean="0">
-                        <a:latin typeface="Cambria Math" panose="02040503050406030204" pitchFamily="18" charset="0"/>
-                      </a:rPr>
-                      <m:t>=…=</m:t>
-                    </m:r>
-                    <m:sSub>
-                      <m:sSubPr>
-                        <m:ctrlPr>
-                          <a:rPr lang="en-US" i="1">
-                            <a:latin typeface="Cambria Math" panose="02040503050406030204" pitchFamily="18" charset="0"/>
-                          </a:rPr>
-                        </m:ctrlPr>
-                      </m:sSubPr>
-                      <m:e>
-                        <m:r>
-                          <a:rPr lang="en-US" i="1">
-                            <a:latin typeface="Cambria Math" panose="02040503050406030204" pitchFamily="18" charset="0"/>
-                          </a:rPr>
-                          <m:t>𝛽</m:t>
-                        </m:r>
-                      </m:e>
-                      <m:sub>
-                        <m:r>
-                          <a:rPr lang="en-US" b="0" i="1" smtClean="0">
-                            <a:latin typeface="Cambria Math" panose="02040503050406030204" pitchFamily="18" charset="0"/>
-                          </a:rPr>
-                          <m:t>𝑝</m:t>
-                        </m:r>
-                      </m:sub>
-                    </m:sSub>
-                    <m:r>
-                      <a:rPr lang="en-US" b="0" i="1" smtClean="0">
-                        <a:latin typeface="Cambria Math" panose="02040503050406030204" pitchFamily="18" charset="0"/>
-                      </a:rPr>
-                      <m:t>=0</m:t>
-                    </m:r>
-                  </m:oMath>
-                </a14:m>
-                <a:r>
-                  <a:rPr lang="es-ES_tradnl" dirty="0"/>
-                  <a:t> es verdadera</a:t>
-                </a:r>
-              </a:p>
-              <a:p>
-                <a:r>
-                  <a:rPr lang="es-ES_tradnl" dirty="0"/>
-                  <a:t> 5% de los p-valores del estadístico </a:t>
-                </a:r>
-                <a14:m>
-                  <m:oMath xmlns:m="http://schemas.openxmlformats.org/officeDocument/2006/math">
-                    <m:r>
-                      <a:rPr lang="en-US" i="1">
-                        <a:latin typeface="Cambria Math" panose="02040503050406030204" pitchFamily="18" charset="0"/>
-                      </a:rPr>
-                      <m:t>𝑡</m:t>
-                    </m:r>
-                  </m:oMath>
-                </a14:m>
-                <a:r>
-                  <a:rPr lang="es-ES_tradnl" dirty="0"/>
-                  <a:t> pueden estar debajo de </a:t>
-                </a:r>
-                <a14:m>
-                  <m:oMath xmlns:m="http://schemas.openxmlformats.org/officeDocument/2006/math">
-                    <m:r>
-                      <a:rPr lang="en-US" b="0" i="1" smtClean="0">
-                        <a:latin typeface="Cambria Math" panose="02040503050406030204" pitchFamily="18" charset="0"/>
-                      </a:rPr>
-                      <m:t>0.05</m:t>
-                    </m:r>
-                  </m:oMath>
-                </a14:m>
-                <a:r>
-                  <a:rPr lang="es-ES_tradnl" dirty="0"/>
-                  <a:t> por coincidencia</a:t>
-                </a:r>
-              </a:p>
-              <a:p>
-                <a:pPr lvl="1"/>
-                <a:r>
-                  <a:rPr lang="es-ES_tradnl" dirty="0"/>
-                  <a:t>5 predictores que son “significativos estadísticamente” pero en realidad no tienen una asociación con </a:t>
-                </a:r>
-                <a14:m>
-                  <m:oMath xmlns:m="http://schemas.openxmlformats.org/officeDocument/2006/math">
-                    <m:r>
-                      <a:rPr lang="en-US" b="0" i="1" smtClean="0">
-                        <a:latin typeface="Cambria Math" panose="02040503050406030204" pitchFamily="18" charset="0"/>
-                      </a:rPr>
-                      <m:t>𝑌</m:t>
-                    </m:r>
-                  </m:oMath>
-                </a14:m>
-                <a:endParaRPr lang="es-ES_tradnl" dirty="0"/>
-              </a:p>
-              <a:p>
-                <a:r>
-                  <a:rPr lang="es-ES_tradnl" dirty="0"/>
-                  <a:t>Test </a:t>
-                </a:r>
-                <a14:m>
-                  <m:oMath xmlns:m="http://schemas.openxmlformats.org/officeDocument/2006/math">
-                    <m:r>
-                      <a:rPr lang="en-US" b="0" i="1" smtClean="0">
-                        <a:latin typeface="Cambria Math" panose="02040503050406030204" pitchFamily="18" charset="0"/>
-                      </a:rPr>
-                      <m:t>𝐹</m:t>
-                    </m:r>
-                  </m:oMath>
-                </a14:m>
-                <a:r>
-                  <a:rPr lang="es-ES_tradnl" dirty="0"/>
-                  <a:t> ajusta por número de predictores y observaciones</a:t>
-                </a:r>
-              </a:p>
-              <a:p>
-                <a:pPr marL="0" indent="0">
-                  <a:buNone/>
-                </a:pPr>
-                <a:endParaRPr lang="es-ES_tradnl" dirty="0"/>
-              </a:p>
-            </p:txBody>
-          </p:sp>
-        </mc:Choice>
-        <mc:Fallback xmlns="">
-          <p:sp>
-            <p:nvSpPr>
-              <p:cNvPr id="3" name="Content Placeholder 2">
-                <a:extLst>
-                  <a:ext uri="{FF2B5EF4-FFF2-40B4-BE49-F238E27FC236}">
-                    <a16:creationId xmlns:a16="http://schemas.microsoft.com/office/drawing/2014/main" id="{C99B0787-61D4-7658-7198-03F385EE4836}"/>
-                  </a:ext>
-                </a:extLst>
-              </p:cNvPr>
-              <p:cNvSpPr>
-                <a:spLocks noGrp="1" noRot="1" noChangeAspect="1" noMove="1" noResize="1" noEditPoints="1" noAdjustHandles="1" noChangeArrowheads="1" noChangeShapeType="1" noTextEdit="1"/>
-              </p:cNvSpPr>
-              <p:nvPr>
-                <p:ph idx="1"/>
-              </p:nvPr>
-            </p:nvSpPr>
-            <p:spPr>
-              <a:blipFill>
-                <a:blip r:embed="rId2"/>
-                <a:stretch>
-                  <a:fillRect l="-1206" r="-241"/>
-                </a:stretch>
-              </a:blipFill>
-            </p:spPr>
-            <p:txBody>
-              <a:bodyPr/>
-              <a:lstStyle/>
-              <a:p>
-                <a:r>
-                  <a:rPr lang="es-ES_tradnl">
-                    <a:noFill/>
-                  </a:rPr>
-                  <a:t> </a:t>
-                </a:r>
-              </a:p>
-            </p:txBody>
-          </p:sp>
-        </mc:Fallback>
-      </mc:AlternateContent>
-      <p:sp>
-        <p:nvSpPr>
-          <p:cNvPr id="4" name="Slide Number Placeholder 3">
-            <a:extLst>
-              <a:ext uri="{FF2B5EF4-FFF2-40B4-BE49-F238E27FC236}">
-                <a16:creationId xmlns:a16="http://schemas.microsoft.com/office/drawing/2014/main" id="{DB16FB7A-B59B-0AEE-D0CA-FA93064E6C32}"/>
-              </a:ext>
-            </a:extLst>
-          </p:cNvPr>
-          <p:cNvSpPr>
-            <a:spLocks noGrp="1"/>
-          </p:cNvSpPr>
-          <p:nvPr>
-            <p:ph type="sldNum" sz="quarter" idx="12"/>
-          </p:nvPr>
-        </p:nvSpPr>
-        <p:spPr/>
-        <p:txBody>
-          <a:bodyPr/>
-          <a:lstStyle/>
-          <a:p>
-            <a:fld id="{278C1CC4-2077-434E-BCF1-5D01C08A9B17}" type="slidenum">
-              <a:rPr lang="en-US" smtClean="0"/>
-              <a:t>35</a:t>
-            </a:fld>
-            <a:endParaRPr lang="en-US"/>
-          </a:p>
-        </p:txBody>
-      </p:sp>
-    </p:spTree>
-    <p:extLst>
-      <p:ext uri="{BB962C8B-B14F-4D97-AF65-F5344CB8AC3E}">
-        <p14:creationId xmlns:p14="http://schemas.microsoft.com/office/powerpoint/2010/main" val="1662242947"/>
-      </p:ext>
-    </p:extLst>
-  </p:cSld>
-  <p:clrMapOvr>
-    <a:masterClrMapping/>
-  </p:clrMapOvr>
-</p:sld>
-</file>
-
-<file path=ppt/slides/slide36.xml><?xml version="1.0" encoding="utf-8"?>
+<file path=ppt/slides/slide32.xml><?xml version="1.0" encoding="utf-8"?>
 <p:sld xmlns:a="http://schemas.openxmlformats.org/drawingml/2006/main" xmlns:r="http://schemas.openxmlformats.org/officeDocument/2006/relationships" xmlns:p="http://schemas.openxmlformats.org/presentationml/2006/main">
   <p:cSld>
     <p:spTree>
@@ -30290,7 +28732,7 @@
           <a:p>
             <a:fld id="{278C1CC4-2077-434E-BCF1-5D01C08A9B17}" type="slidenum">
               <a:rPr lang="en-US" smtClean="0"/>
-              <a:t>36</a:t>
+              <a:t>32</a:t>
             </a:fld>
             <a:endParaRPr lang="en-US"/>
           </a:p>
@@ -30309,7 +28751,7 @@
 </p:sld>
 </file>
 
-<file path=ppt/slides/slide37.xml><?xml version="1.0" encoding="utf-8"?>
+<file path=ppt/slides/slide33.xml><?xml version="1.0" encoding="utf-8"?>
 <p:sld xmlns:a="http://schemas.openxmlformats.org/drawingml/2006/main" xmlns:r="http://schemas.openxmlformats.org/officeDocument/2006/relationships" xmlns:p="http://schemas.openxmlformats.org/presentationml/2006/main">
   <p:cSld>
     <p:spTree>
@@ -30722,7 +29164,7 @@
           <a:p>
             <a:fld id="{278C1CC4-2077-434E-BCF1-5D01C08A9B17}" type="slidenum">
               <a:rPr lang="en-US" smtClean="0"/>
-              <a:t>37</a:t>
+              <a:t>33</a:t>
             </a:fld>
             <a:endParaRPr lang="en-US"/>
           </a:p>
@@ -30741,7 +29183,7 @@
 </p:sld>
 </file>
 
-<file path=ppt/slides/slide38.xml><?xml version="1.0" encoding="utf-8"?>
+<file path=ppt/slides/slide34.xml><?xml version="1.0" encoding="utf-8"?>
 <p:sld xmlns:a="http://schemas.openxmlformats.org/drawingml/2006/main" xmlns:r="http://schemas.openxmlformats.org/officeDocument/2006/relationships" xmlns:p="http://schemas.openxmlformats.org/presentationml/2006/main">
   <p:cSld>
     <p:spTree>
@@ -31101,7 +29543,7 @@
           <a:p>
             <a:fld id="{278C1CC4-2077-434E-BCF1-5D01C08A9B17}" type="slidenum">
               <a:rPr lang="en-US" smtClean="0"/>
-              <a:t>38</a:t>
+              <a:t>34</a:t>
             </a:fld>
             <a:endParaRPr lang="en-US"/>
           </a:p>
@@ -31478,7 +29920,7 @@
 </p:sld>
 </file>
 
-<file path=ppt/slides/slide39.xml><?xml version="1.0" encoding="utf-8"?>
+<file path=ppt/slides/slide35.xml><?xml version="1.0" encoding="utf-8"?>
 <p:sld xmlns:a="http://schemas.openxmlformats.org/drawingml/2006/main" xmlns:r="http://schemas.openxmlformats.org/officeDocument/2006/relationships" xmlns:p="http://schemas.openxmlformats.org/presentationml/2006/main">
   <p:cSld>
     <p:spTree>
@@ -31854,7 +30296,7 @@
           <a:p>
             <a:fld id="{278C1CC4-2077-434E-BCF1-5D01C08A9B17}" type="slidenum">
               <a:rPr lang="en-US" smtClean="0"/>
-              <a:t>39</a:t>
+              <a:t>35</a:t>
             </a:fld>
             <a:endParaRPr lang="en-US"/>
           </a:p>
@@ -31873,139 +30315,7 @@
 </p:sld>
 </file>
 
-<file path=ppt/slides/slide4.xml><?xml version="1.0" encoding="utf-8"?>
-<p:sld xmlns:a="http://schemas.openxmlformats.org/drawingml/2006/main" xmlns:r="http://schemas.openxmlformats.org/officeDocument/2006/relationships" xmlns:p="http://schemas.openxmlformats.org/presentationml/2006/main">
-  <p:cSld>
-    <p:spTree>
-      <p:nvGrpSpPr>
-        <p:cNvPr id="1" name=""/>
-        <p:cNvGrpSpPr/>
-        <p:nvPr/>
-      </p:nvGrpSpPr>
-      <p:grpSpPr>
-        <a:xfrm>
-          <a:off x="0" y="0"/>
-          <a:ext cx="0" cy="0"/>
-          <a:chOff x="0" y="0"/>
-          <a:chExt cx="0" cy="0"/>
-        </a:xfrm>
-      </p:grpSpPr>
-      <p:sp>
-        <p:nvSpPr>
-          <p:cNvPr id="2" name="Title 1">
-            <a:extLst>
-              <a:ext uri="{FF2B5EF4-FFF2-40B4-BE49-F238E27FC236}">
-                <a16:creationId xmlns:a16="http://schemas.microsoft.com/office/drawing/2014/main" id="{0A98CDA9-EC41-2312-3939-2A1FFC5B4920}"/>
-              </a:ext>
-            </a:extLst>
-          </p:cNvPr>
-          <p:cNvSpPr>
-            <a:spLocks noGrp="1"/>
-          </p:cNvSpPr>
-          <p:nvPr>
-            <p:ph type="title"/>
-          </p:nvPr>
-        </p:nvSpPr>
-        <p:spPr/>
-        <p:txBody>
-          <a:bodyPr/>
-          <a:lstStyle/>
-          <a:p>
-            <a:r>
-              <a:rPr lang="es-ES_tradnl" dirty="0"/>
-              <a:t>Orden de Temas: </a:t>
-            </a:r>
-            <a:r>
-              <a:rPr lang="es-ES_tradnl" sz="3600" i="1" dirty="0">
-                <a:solidFill>
-                  <a:schemeClr val="tx1">
-                    <a:lumMod val="50000"/>
-                    <a:lumOff val="50000"/>
-                  </a:schemeClr>
-                </a:solidFill>
-              </a:rPr>
-              <a:t>Secuencia de Trabajo con Datos</a:t>
-            </a:r>
-            <a:endParaRPr lang="es-ES_tradnl" i="1" dirty="0">
-              <a:solidFill>
-                <a:schemeClr val="tx1">
-                  <a:lumMod val="50000"/>
-                  <a:lumOff val="50000"/>
-                </a:schemeClr>
-              </a:solidFill>
-            </a:endParaRPr>
-          </a:p>
-        </p:txBody>
-      </p:sp>
-      <p:graphicFrame>
-        <p:nvGraphicFramePr>
-          <p:cNvPr id="4" name="Content Placeholder 3">
-            <a:extLst>
-              <a:ext uri="{FF2B5EF4-FFF2-40B4-BE49-F238E27FC236}">
-                <a16:creationId xmlns:a16="http://schemas.microsoft.com/office/drawing/2014/main" id="{51ABD0DE-D47B-BE72-9389-1B9C88CB6F1B}"/>
-              </a:ext>
-            </a:extLst>
-          </p:cNvPr>
-          <p:cNvGraphicFramePr>
-            <a:graphicFrameLocks noGrp="1"/>
-          </p:cNvGraphicFramePr>
-          <p:nvPr>
-            <p:ph idx="1"/>
-          </p:nvPr>
-        </p:nvGraphicFramePr>
-        <p:xfrm>
-          <a:off x="449451" y="1100380"/>
-          <a:ext cx="11236271" cy="5548393"/>
-        </p:xfrm>
-        <a:graphic>
-          <a:graphicData uri="http://schemas.openxmlformats.org/drawingml/2006/diagram">
-            <dgm:relIds xmlns:dgm="http://schemas.openxmlformats.org/drawingml/2006/diagram" xmlns:r="http://schemas.openxmlformats.org/officeDocument/2006/relationships" r:dm="rId3" r:lo="rId4" r:qs="rId5" r:cs="rId6"/>
-          </a:graphicData>
-        </a:graphic>
-      </p:graphicFrame>
-      <p:sp>
-        <p:nvSpPr>
-          <p:cNvPr id="3" name="Slide Number Placeholder 2">
-            <a:extLst>
-              <a:ext uri="{FF2B5EF4-FFF2-40B4-BE49-F238E27FC236}">
-                <a16:creationId xmlns:a16="http://schemas.microsoft.com/office/drawing/2014/main" id="{FE42FF7C-6F94-55CC-F31A-3FC6C600EAFA}"/>
-              </a:ext>
-            </a:extLst>
-          </p:cNvPr>
-          <p:cNvSpPr>
-            <a:spLocks noGrp="1"/>
-          </p:cNvSpPr>
-          <p:nvPr>
-            <p:ph type="sldNum" sz="quarter" idx="12"/>
-          </p:nvPr>
-        </p:nvSpPr>
-        <p:spPr/>
-        <p:txBody>
-          <a:bodyPr/>
-          <a:lstStyle/>
-          <a:p>
-            <a:fld id="{278C1CC4-2077-434E-BCF1-5D01C08A9B17}" type="slidenum">
-              <a:rPr lang="en-US" smtClean="0"/>
-              <a:t>4</a:t>
-            </a:fld>
-            <a:endParaRPr lang="en-US"/>
-          </a:p>
-        </p:txBody>
-      </p:sp>
-    </p:spTree>
-    <p:extLst>
-      <p:ext uri="{BB962C8B-B14F-4D97-AF65-F5344CB8AC3E}">
-        <p14:creationId xmlns:p14="http://schemas.microsoft.com/office/powerpoint/2010/main" val="1565052807"/>
-      </p:ext>
-    </p:extLst>
-  </p:cSld>
-  <p:clrMapOvr>
-    <a:masterClrMapping/>
-  </p:clrMapOvr>
-</p:sld>
-</file>
-
-<file path=ppt/slides/slide40.xml><?xml version="1.0" encoding="utf-8"?>
+<file path=ppt/slides/slide36.xml><?xml version="1.0" encoding="utf-8"?>
 <p:sld xmlns:a="http://schemas.openxmlformats.org/drawingml/2006/main" xmlns:r="http://schemas.openxmlformats.org/officeDocument/2006/relationships" xmlns:p="http://schemas.openxmlformats.org/presentationml/2006/main">
   <p:cSld>
     <p:spTree>
@@ -32427,7 +30737,7 @@
           <a:p>
             <a:fld id="{278C1CC4-2077-434E-BCF1-5D01C08A9B17}" type="slidenum">
               <a:rPr lang="en-US" smtClean="0"/>
-              <a:t>40</a:t>
+              <a:t>36</a:t>
             </a:fld>
             <a:endParaRPr lang="en-US"/>
           </a:p>
@@ -32446,7 +30756,7 @@
 </p:sld>
 </file>
 
-<file path=ppt/slides/slide41.xml><?xml version="1.0" encoding="utf-8"?>
+<file path=ppt/slides/slide37.xml><?xml version="1.0" encoding="utf-8"?>
 <p:sld xmlns:a="http://schemas.openxmlformats.org/drawingml/2006/main" xmlns:r="http://schemas.openxmlformats.org/officeDocument/2006/relationships" xmlns:p="http://schemas.openxmlformats.org/presentationml/2006/main">
   <p:cSld>
     <p:spTree>
@@ -32720,7 +31030,7 @@
           <a:p>
             <a:fld id="{278C1CC4-2077-434E-BCF1-5D01C08A9B17}" type="slidenum">
               <a:rPr lang="en-US" smtClean="0"/>
-              <a:t>41</a:t>
+              <a:t>37</a:t>
             </a:fld>
             <a:endParaRPr lang="en-US"/>
           </a:p>
@@ -32769,7 +31079,7 @@
 </p:sld>
 </file>
 
-<file path=ppt/slides/slide42.xml><?xml version="1.0" encoding="utf-8"?>
+<file path=ppt/slides/slide38.xml><?xml version="1.0" encoding="utf-8"?>
 <p:sld xmlns:a="http://schemas.openxmlformats.org/drawingml/2006/main" xmlns:r="http://schemas.openxmlformats.org/officeDocument/2006/relationships" xmlns:p="http://schemas.openxmlformats.org/presentationml/2006/main">
   <p:cSld>
     <p:spTree>
@@ -33500,7 +31810,7 @@
           <a:p>
             <a:fld id="{278C1CC4-2077-434E-BCF1-5D01C08A9B17}" type="slidenum">
               <a:rPr lang="en-US" smtClean="0"/>
-              <a:t>42</a:t>
+              <a:t>38</a:t>
             </a:fld>
             <a:endParaRPr lang="en-US"/>
           </a:p>
@@ -33549,7 +31859,7 @@
 </p:sld>
 </file>
 
-<file path=ppt/slides/slide43.xml><?xml version="1.0" encoding="utf-8"?>
+<file path=ppt/slides/slide39.xml><?xml version="1.0" encoding="utf-8"?>
 <p:sld xmlns:a="http://schemas.openxmlformats.org/drawingml/2006/main" xmlns:r="http://schemas.openxmlformats.org/officeDocument/2006/relationships" xmlns:p="http://schemas.openxmlformats.org/presentationml/2006/main">
   <p:cSld>
     <p:spTree>
@@ -34196,7 +32506,7 @@
           <a:p>
             <a:fld id="{278C1CC4-2077-434E-BCF1-5D01C08A9B17}" type="slidenum">
               <a:rPr lang="en-US" smtClean="0"/>
-              <a:t>43</a:t>
+              <a:t>39</a:t>
             </a:fld>
             <a:endParaRPr lang="en-US"/>
           </a:p>
@@ -34215,7 +32525,139 @@
 </p:sld>
 </file>
 
-<file path=ppt/slides/slide44.xml><?xml version="1.0" encoding="utf-8"?>
+<file path=ppt/slides/slide4.xml><?xml version="1.0" encoding="utf-8"?>
+<p:sld xmlns:a="http://schemas.openxmlformats.org/drawingml/2006/main" xmlns:r="http://schemas.openxmlformats.org/officeDocument/2006/relationships" xmlns:p="http://schemas.openxmlformats.org/presentationml/2006/main">
+  <p:cSld>
+    <p:spTree>
+      <p:nvGrpSpPr>
+        <p:cNvPr id="1" name=""/>
+        <p:cNvGrpSpPr/>
+        <p:nvPr/>
+      </p:nvGrpSpPr>
+      <p:grpSpPr>
+        <a:xfrm>
+          <a:off x="0" y="0"/>
+          <a:ext cx="0" cy="0"/>
+          <a:chOff x="0" y="0"/>
+          <a:chExt cx="0" cy="0"/>
+        </a:xfrm>
+      </p:grpSpPr>
+      <p:sp>
+        <p:nvSpPr>
+          <p:cNvPr id="2" name="Title 1">
+            <a:extLst>
+              <a:ext uri="{FF2B5EF4-FFF2-40B4-BE49-F238E27FC236}">
+                <a16:creationId xmlns:a16="http://schemas.microsoft.com/office/drawing/2014/main" id="{0A98CDA9-EC41-2312-3939-2A1FFC5B4920}"/>
+              </a:ext>
+            </a:extLst>
+          </p:cNvPr>
+          <p:cNvSpPr>
+            <a:spLocks noGrp="1"/>
+          </p:cNvSpPr>
+          <p:nvPr>
+            <p:ph type="title"/>
+          </p:nvPr>
+        </p:nvSpPr>
+        <p:spPr/>
+        <p:txBody>
+          <a:bodyPr/>
+          <a:lstStyle/>
+          <a:p>
+            <a:r>
+              <a:rPr lang="es-ES_tradnl" dirty="0"/>
+              <a:t>Orden de Temas: </a:t>
+            </a:r>
+            <a:r>
+              <a:rPr lang="es-ES_tradnl" sz="3600" i="1" dirty="0">
+                <a:solidFill>
+                  <a:schemeClr val="tx1">
+                    <a:lumMod val="50000"/>
+                    <a:lumOff val="50000"/>
+                  </a:schemeClr>
+                </a:solidFill>
+              </a:rPr>
+              <a:t>Secuencia de Trabajo con Datos</a:t>
+            </a:r>
+            <a:endParaRPr lang="es-ES_tradnl" i="1" dirty="0">
+              <a:solidFill>
+                <a:schemeClr val="tx1">
+                  <a:lumMod val="50000"/>
+                  <a:lumOff val="50000"/>
+                </a:schemeClr>
+              </a:solidFill>
+            </a:endParaRPr>
+          </a:p>
+        </p:txBody>
+      </p:sp>
+      <p:graphicFrame>
+        <p:nvGraphicFramePr>
+          <p:cNvPr id="4" name="Content Placeholder 3">
+            <a:extLst>
+              <a:ext uri="{FF2B5EF4-FFF2-40B4-BE49-F238E27FC236}">
+                <a16:creationId xmlns:a16="http://schemas.microsoft.com/office/drawing/2014/main" id="{51ABD0DE-D47B-BE72-9389-1B9C88CB6F1B}"/>
+              </a:ext>
+            </a:extLst>
+          </p:cNvPr>
+          <p:cNvGraphicFramePr>
+            <a:graphicFrameLocks noGrp="1"/>
+          </p:cNvGraphicFramePr>
+          <p:nvPr>
+            <p:ph idx="1"/>
+          </p:nvPr>
+        </p:nvGraphicFramePr>
+        <p:xfrm>
+          <a:off x="449451" y="1100380"/>
+          <a:ext cx="11236271" cy="5548393"/>
+        </p:xfrm>
+        <a:graphic>
+          <a:graphicData uri="http://schemas.openxmlformats.org/drawingml/2006/diagram">
+            <dgm:relIds xmlns:dgm="http://schemas.openxmlformats.org/drawingml/2006/diagram" xmlns:r="http://schemas.openxmlformats.org/officeDocument/2006/relationships" r:dm="rId3" r:lo="rId4" r:qs="rId5" r:cs="rId6"/>
+          </a:graphicData>
+        </a:graphic>
+      </p:graphicFrame>
+      <p:sp>
+        <p:nvSpPr>
+          <p:cNvPr id="3" name="Slide Number Placeholder 2">
+            <a:extLst>
+              <a:ext uri="{FF2B5EF4-FFF2-40B4-BE49-F238E27FC236}">
+                <a16:creationId xmlns:a16="http://schemas.microsoft.com/office/drawing/2014/main" id="{FE42FF7C-6F94-55CC-F31A-3FC6C600EAFA}"/>
+              </a:ext>
+            </a:extLst>
+          </p:cNvPr>
+          <p:cNvSpPr>
+            <a:spLocks noGrp="1"/>
+          </p:cNvSpPr>
+          <p:nvPr>
+            <p:ph type="sldNum" sz="quarter" idx="12"/>
+          </p:nvPr>
+        </p:nvSpPr>
+        <p:spPr/>
+        <p:txBody>
+          <a:bodyPr/>
+          <a:lstStyle/>
+          <a:p>
+            <a:fld id="{278C1CC4-2077-434E-BCF1-5D01C08A9B17}" type="slidenum">
+              <a:rPr lang="en-US" smtClean="0"/>
+              <a:t>4</a:t>
+            </a:fld>
+            <a:endParaRPr lang="en-US"/>
+          </a:p>
+        </p:txBody>
+      </p:sp>
+    </p:spTree>
+    <p:extLst>
+      <p:ext uri="{BB962C8B-B14F-4D97-AF65-F5344CB8AC3E}">
+        <p14:creationId xmlns:p14="http://schemas.microsoft.com/office/powerpoint/2010/main" val="1565052807"/>
+      </p:ext>
+    </p:extLst>
+  </p:cSld>
+  <p:clrMapOvr>
+    <a:masterClrMapping/>
+  </p:clrMapOvr>
+</p:sld>
+</file>
+
+<file path=ppt/slides/slide40.xml><?xml version="1.0" encoding="utf-8"?>
 <p:sld xmlns:a="http://schemas.openxmlformats.org/drawingml/2006/main" xmlns:r="http://schemas.openxmlformats.org/officeDocument/2006/relationships" xmlns:p="http://schemas.openxmlformats.org/presentationml/2006/main">
   <p:cSld>
     <p:spTree>
@@ -34331,7 +32773,7 @@
           <a:p>
             <a:fld id="{278C1CC4-2077-434E-BCF1-5D01C08A9B17}" type="slidenum">
               <a:rPr lang="en-US" smtClean="0"/>
-              <a:t>44</a:t>
+              <a:t>40</a:t>
             </a:fld>
             <a:endParaRPr lang="en-US"/>
           </a:p>
@@ -34350,7 +32792,7 @@
 </p:sld>
 </file>
 
-<file path=ppt/slides/slide45.xml><?xml version="1.0" encoding="utf-8"?>
+<file path=ppt/slides/slide41.xml><?xml version="1.0" encoding="utf-8"?>
 <p:sld xmlns:a="http://schemas.openxmlformats.org/drawingml/2006/main" xmlns:r="http://schemas.openxmlformats.org/officeDocument/2006/relationships" xmlns:p="http://schemas.openxmlformats.org/presentationml/2006/main">
   <p:cSld>
     <p:spTree>
@@ -34446,7 +32888,7 @@
           <a:p>
             <a:fld id="{278C1CC4-2077-434E-BCF1-5D01C08A9B17}" type="slidenum">
               <a:rPr lang="en-US" smtClean="0"/>
-              <a:t>45</a:t>
+              <a:t>41</a:t>
             </a:fld>
             <a:endParaRPr lang="en-US"/>
           </a:p>
@@ -34465,7 +32907,7 @@
 </p:sld>
 </file>
 
-<file path=ppt/slides/slide46.xml><?xml version="1.0" encoding="utf-8"?>
+<file path=ppt/slides/slide42.xml><?xml version="1.0" encoding="utf-8"?>
 <p:sld xmlns:a="http://schemas.openxmlformats.org/drawingml/2006/main" xmlns:r="http://schemas.openxmlformats.org/officeDocument/2006/relationships" xmlns:p="http://schemas.openxmlformats.org/presentationml/2006/main">
   <p:cSld>
     <p:spTree>
@@ -34633,7 +33075,7 @@
           <a:p>
             <a:fld id="{278C1CC4-2077-434E-BCF1-5D01C08A9B17}" type="slidenum">
               <a:rPr lang="en-US" smtClean="0"/>
-              <a:t>46</a:t>
+              <a:t>42</a:t>
             </a:fld>
             <a:endParaRPr lang="en-US"/>
           </a:p>
@@ -34652,7 +33094,7 @@
 </p:sld>
 </file>
 
-<file path=ppt/slides/slide47.xml><?xml version="1.0" encoding="utf-8"?>
+<file path=ppt/slides/slide43.xml><?xml version="1.0" encoding="utf-8"?>
 <p:sld xmlns:a="http://schemas.openxmlformats.org/drawingml/2006/main" xmlns:r="http://schemas.openxmlformats.org/officeDocument/2006/relationships" xmlns:p="http://schemas.openxmlformats.org/presentationml/2006/main">
   <p:cSld>
     <p:spTree>
@@ -34817,7 +33259,7 @@
           <a:p>
             <a:fld id="{278C1CC4-2077-434E-BCF1-5D01C08A9B17}" type="slidenum">
               <a:rPr lang="en-US" smtClean="0"/>
-              <a:t>47</a:t>
+              <a:t>43</a:t>
             </a:fld>
             <a:endParaRPr lang="en-US"/>
           </a:p>
@@ -34836,7 +33278,7 @@
 </p:sld>
 </file>
 
-<file path=ppt/slides/slide48.xml><?xml version="1.0" encoding="utf-8"?>
+<file path=ppt/slides/slide44.xml><?xml version="1.0" encoding="utf-8"?>
 <p:sld xmlns:a="http://schemas.openxmlformats.org/drawingml/2006/main" xmlns:r="http://schemas.openxmlformats.org/officeDocument/2006/relationships" xmlns:p="http://schemas.openxmlformats.org/presentationml/2006/main">
   <p:cSld>
     <p:spTree>
@@ -34960,7 +33402,7 @@
           <a:p>
             <a:fld id="{278C1CC4-2077-434E-BCF1-5D01C08A9B17}" type="slidenum">
               <a:rPr lang="en-US" smtClean="0"/>
-              <a:t>48</a:t>
+              <a:t>44</a:t>
             </a:fld>
             <a:endParaRPr lang="en-US"/>
           </a:p>
